--- a/프레젠테이션1.pptx
+++ b/프레젠테이션1.pptx
@@ -25,6 +25,10 @@
     <p:sldId id="275" r:id="rId19"/>
     <p:sldId id="274" r:id="rId20"/>
     <p:sldId id="276" r:id="rId21"/>
+    <p:sldId id="278" r:id="rId22"/>
+    <p:sldId id="277" r:id="rId23"/>
+    <p:sldId id="279" r:id="rId24"/>
+    <p:sldId id="280" r:id="rId25"/>
   </p:sldIdLst>
   <p:sldSz cx="9144000" cy="6858000" type="screen4x3"/>
   <p:notesSz cx="6858000" cy="9144000"/>
@@ -321,7 +325,7 @@
           <a:p>
             <a:fld id="{D8E78BD5-A634-488A-837F-5C093A253C16}" type="datetimeFigureOut">
               <a:rPr lang="ko-KR" altLang="en-US" smtClean="0"/>
-              <a:t>2025-01-13</a:t>
+              <a:t>2025-01-14</a:t>
             </a:fld>
             <a:endParaRPr lang="ko-KR" altLang="en-US"/>
           </a:p>
@@ -489,7 +493,7 @@
           <a:p>
             <a:fld id="{D8E78BD5-A634-488A-837F-5C093A253C16}" type="datetimeFigureOut">
               <a:rPr lang="ko-KR" altLang="en-US" smtClean="0"/>
-              <a:t>2025-01-13</a:t>
+              <a:t>2025-01-14</a:t>
             </a:fld>
             <a:endParaRPr lang="ko-KR" altLang="en-US"/>
           </a:p>
@@ -667,7 +671,7 @@
           <a:p>
             <a:fld id="{D8E78BD5-A634-488A-837F-5C093A253C16}" type="datetimeFigureOut">
               <a:rPr lang="ko-KR" altLang="en-US" smtClean="0"/>
-              <a:t>2025-01-13</a:t>
+              <a:t>2025-01-14</a:t>
             </a:fld>
             <a:endParaRPr lang="ko-KR" altLang="en-US"/>
           </a:p>
@@ -835,7 +839,7 @@
           <a:p>
             <a:fld id="{D8E78BD5-A634-488A-837F-5C093A253C16}" type="datetimeFigureOut">
               <a:rPr lang="ko-KR" altLang="en-US" smtClean="0"/>
-              <a:t>2025-01-13</a:t>
+              <a:t>2025-01-14</a:t>
             </a:fld>
             <a:endParaRPr lang="ko-KR" altLang="en-US"/>
           </a:p>
@@ -1080,7 +1084,7 @@
           <a:p>
             <a:fld id="{D8E78BD5-A634-488A-837F-5C093A253C16}" type="datetimeFigureOut">
               <a:rPr lang="ko-KR" altLang="en-US" smtClean="0"/>
-              <a:t>2025-01-13</a:t>
+              <a:t>2025-01-14</a:t>
             </a:fld>
             <a:endParaRPr lang="ko-KR" altLang="en-US"/>
           </a:p>
@@ -1365,7 +1369,7 @@
           <a:p>
             <a:fld id="{D8E78BD5-A634-488A-837F-5C093A253C16}" type="datetimeFigureOut">
               <a:rPr lang="ko-KR" altLang="en-US" smtClean="0"/>
-              <a:t>2025-01-13</a:t>
+              <a:t>2025-01-14</a:t>
             </a:fld>
             <a:endParaRPr lang="ko-KR" altLang="en-US"/>
           </a:p>
@@ -1784,7 +1788,7 @@
           <a:p>
             <a:fld id="{D8E78BD5-A634-488A-837F-5C093A253C16}" type="datetimeFigureOut">
               <a:rPr lang="ko-KR" altLang="en-US" smtClean="0"/>
-              <a:t>2025-01-13</a:t>
+              <a:t>2025-01-14</a:t>
             </a:fld>
             <a:endParaRPr lang="ko-KR" altLang="en-US"/>
           </a:p>
@@ -1901,7 +1905,7 @@
           <a:p>
             <a:fld id="{D8E78BD5-A634-488A-837F-5C093A253C16}" type="datetimeFigureOut">
               <a:rPr lang="ko-KR" altLang="en-US" smtClean="0"/>
-              <a:t>2025-01-13</a:t>
+              <a:t>2025-01-14</a:t>
             </a:fld>
             <a:endParaRPr lang="ko-KR" altLang="en-US"/>
           </a:p>
@@ -1996,7 +2000,7 @@
           <a:p>
             <a:fld id="{D8E78BD5-A634-488A-837F-5C093A253C16}" type="datetimeFigureOut">
               <a:rPr lang="ko-KR" altLang="en-US" smtClean="0"/>
-              <a:t>2025-01-13</a:t>
+              <a:t>2025-01-14</a:t>
             </a:fld>
             <a:endParaRPr lang="ko-KR" altLang="en-US"/>
           </a:p>
@@ -2271,7 +2275,7 @@
           <a:p>
             <a:fld id="{D8E78BD5-A634-488A-837F-5C093A253C16}" type="datetimeFigureOut">
               <a:rPr lang="ko-KR" altLang="en-US" smtClean="0"/>
-              <a:t>2025-01-13</a:t>
+              <a:t>2025-01-14</a:t>
             </a:fld>
             <a:endParaRPr lang="ko-KR" altLang="en-US"/>
           </a:p>
@@ -2523,7 +2527,7 @@
           <a:p>
             <a:fld id="{D8E78BD5-A634-488A-837F-5C093A253C16}" type="datetimeFigureOut">
               <a:rPr lang="ko-KR" altLang="en-US" smtClean="0"/>
-              <a:t>2025-01-13</a:t>
+              <a:t>2025-01-14</a:t>
             </a:fld>
             <a:endParaRPr lang="ko-KR" altLang="en-US"/>
           </a:p>
@@ -2734,7 +2738,7 @@
           <a:p>
             <a:fld id="{D8E78BD5-A634-488A-837F-5C093A253C16}" type="datetimeFigureOut">
               <a:rPr lang="ko-KR" altLang="en-US" smtClean="0"/>
-              <a:t>2025-01-13</a:t>
+              <a:t>2025-01-14</a:t>
             </a:fld>
             <a:endParaRPr lang="ko-KR" altLang="en-US"/>
           </a:p>
@@ -4314,8 +4318,8 @@
         </p:blipFill>
         <p:spPr>
           <a:xfrm>
-            <a:off x="461370" y="1628800"/>
-            <a:ext cx="4458322" cy="4248743"/>
+            <a:off x="461370" y="542683"/>
+            <a:ext cx="3828776" cy="3648791"/>
           </a:xfrm>
         </p:spPr>
       </p:pic>
@@ -4333,7 +4337,7 @@
         </p:nvSpPr>
         <p:spPr>
           <a:xfrm>
-            <a:off x="5334487" y="1738810"/>
+            <a:off x="4831174" y="1124744"/>
             <a:ext cx="3816424" cy="2893100"/>
           </a:xfrm>
           <a:prstGeom prst="rect">
@@ -4480,6 +4484,42 @@
           </a:p>
         </p:txBody>
       </p:sp>
+      <p:pic>
+        <p:nvPicPr>
+          <p:cNvPr id="3" name="그림 2">
+            <a:extLst>
+              <a:ext uri="{FF2B5EF4-FFF2-40B4-BE49-F238E27FC236}">
+                <a16:creationId xmlns:a16="http://schemas.microsoft.com/office/drawing/2014/main" id="{A0C6BE34-AF67-423B-A5FA-1A3587A75023}"/>
+              </a:ext>
+            </a:extLst>
+          </p:cNvPr>
+          <p:cNvPicPr>
+            <a:picLocks noChangeAspect="1"/>
+          </p:cNvPicPr>
+          <p:nvPr/>
+        </p:nvPicPr>
+        <p:blipFill>
+          <a:blip r:embed="rId3">
+            <a:extLst>
+              <a:ext uri="{28A0092B-C50C-407E-A947-70E740481C1C}">
+                <a14:useLocalDpi xmlns:a14="http://schemas.microsoft.com/office/drawing/2010/main" val="0"/>
+              </a:ext>
+            </a:extLst>
+          </a:blip>
+          <a:stretch>
+            <a:fillRect/>
+          </a:stretch>
+        </p:blipFill>
+        <p:spPr>
+          <a:xfrm>
+            <a:off x="435724" y="4365104"/>
+            <a:ext cx="4712340" cy="1873482"/>
+          </a:xfrm>
+          <a:prstGeom prst="rect">
+            <a:avLst/>
+          </a:prstGeom>
+        </p:spPr>
+      </p:pic>
     </p:spTree>
     <p:extLst>
       <p:ext uri="{BB962C8B-B14F-4D97-AF65-F5344CB8AC3E}">
@@ -4540,7 +4580,7 @@
         </p:blipFill>
         <p:spPr>
           <a:xfrm>
-            <a:off x="539552" y="2172258"/>
+            <a:off x="539552" y="476672"/>
             <a:ext cx="4572638" cy="3381847"/>
           </a:xfrm>
         </p:spPr>
@@ -4559,7 +4599,7 @@
         </p:nvSpPr>
         <p:spPr>
           <a:xfrm>
-            <a:off x="5364088" y="2492896"/>
+            <a:off x="5364088" y="1268760"/>
             <a:ext cx="3384376" cy="2339102"/>
           </a:xfrm>
           <a:prstGeom prst="rect">
@@ -4684,6 +4724,42 @@
           </a:p>
         </p:txBody>
       </p:sp>
+      <p:pic>
+        <p:nvPicPr>
+          <p:cNvPr id="3" name="그림 2">
+            <a:extLst>
+              <a:ext uri="{FF2B5EF4-FFF2-40B4-BE49-F238E27FC236}">
+                <a16:creationId xmlns:a16="http://schemas.microsoft.com/office/drawing/2014/main" id="{D5E65026-AB06-47BB-9822-EFD6DE0DE342}"/>
+              </a:ext>
+            </a:extLst>
+          </p:cNvPr>
+          <p:cNvPicPr>
+            <a:picLocks noChangeAspect="1"/>
+          </p:cNvPicPr>
+          <p:nvPr/>
+        </p:nvPicPr>
+        <p:blipFill>
+          <a:blip r:embed="rId3">
+            <a:extLst>
+              <a:ext uri="{28A0092B-C50C-407E-A947-70E740481C1C}">
+                <a14:useLocalDpi xmlns:a14="http://schemas.microsoft.com/office/drawing/2010/main" val="0"/>
+              </a:ext>
+            </a:extLst>
+          </a:blip>
+          <a:stretch>
+            <a:fillRect/>
+          </a:stretch>
+        </p:blipFill>
+        <p:spPr>
+          <a:xfrm>
+            <a:off x="545470" y="4077072"/>
+            <a:ext cx="5249008" cy="2181529"/>
+          </a:xfrm>
+          <a:prstGeom prst="rect">
+            <a:avLst/>
+          </a:prstGeom>
+        </p:spPr>
+      </p:pic>
     </p:spTree>
     <p:extLst>
       <p:ext uri="{BB962C8B-B14F-4D97-AF65-F5344CB8AC3E}">
@@ -4744,7 +4820,7 @@
         </p:blipFill>
         <p:spPr>
           <a:xfrm>
-            <a:off x="395537" y="2132856"/>
+            <a:off x="395537" y="836712"/>
             <a:ext cx="4968552" cy="2716795"/>
           </a:xfrm>
         </p:spPr>
@@ -4763,7 +4839,7 @@
         </p:nvSpPr>
         <p:spPr>
           <a:xfrm>
-            <a:off x="5508104" y="2106465"/>
+            <a:off x="5580112" y="2106465"/>
             <a:ext cx="3312368" cy="2400657"/>
           </a:xfrm>
           <a:prstGeom prst="rect">
@@ -4920,6 +4996,42 @@
           </a:p>
         </p:txBody>
       </p:sp>
+      <p:pic>
+        <p:nvPicPr>
+          <p:cNvPr id="3" name="그림 2">
+            <a:extLst>
+              <a:ext uri="{FF2B5EF4-FFF2-40B4-BE49-F238E27FC236}">
+                <a16:creationId xmlns:a16="http://schemas.microsoft.com/office/drawing/2014/main" id="{AFBD8862-8735-49F2-A023-2A1316E93FB4}"/>
+              </a:ext>
+            </a:extLst>
+          </p:cNvPr>
+          <p:cNvPicPr>
+            <a:picLocks noChangeAspect="1"/>
+          </p:cNvPicPr>
+          <p:nvPr/>
+        </p:nvPicPr>
+        <p:blipFill>
+          <a:blip r:embed="rId3">
+            <a:extLst>
+              <a:ext uri="{28A0092B-C50C-407E-A947-70E740481C1C}">
+                <a14:useLocalDpi xmlns:a14="http://schemas.microsoft.com/office/drawing/2010/main" val="0"/>
+              </a:ext>
+            </a:extLst>
+          </a:blip>
+          <a:stretch>
+            <a:fillRect/>
+          </a:stretch>
+        </p:blipFill>
+        <p:spPr>
+          <a:xfrm>
+            <a:off x="395537" y="3645024"/>
+            <a:ext cx="4610743" cy="2181529"/>
+          </a:xfrm>
+          <a:prstGeom prst="rect">
+            <a:avLst/>
+          </a:prstGeom>
+        </p:spPr>
+      </p:pic>
     </p:spTree>
     <p:extLst>
       <p:ext uri="{BB962C8B-B14F-4D97-AF65-F5344CB8AC3E}">
@@ -4968,7 +5080,7 @@
         </p:nvSpPr>
         <p:spPr>
           <a:xfrm>
-            <a:off x="457200" y="1052736"/>
+            <a:off x="683568" y="476672"/>
             <a:ext cx="8229600" cy="1143000"/>
           </a:xfrm>
         </p:spPr>
@@ -4976,6 +5088,7 @@
           <a:bodyPr/>
           <a:lstStyle/>
           <a:p>
+            <a:pPr algn="r"/>
             <a:r>
               <a:rPr lang="ko-KR" altLang="en-US" dirty="0">
                 <a:latin typeface="KoPubWorld돋움체_Pro Bold" panose="00000800000000000000" pitchFamily="50" charset="-127"/>
@@ -5017,7 +5130,7 @@
         </p:blipFill>
         <p:spPr>
           <a:xfrm>
-            <a:off x="1418785" y="4063082"/>
+            <a:off x="378446" y="4749972"/>
             <a:ext cx="6306430" cy="1743318"/>
           </a:xfrm>
         </p:spPr>
@@ -5036,7 +5149,7 @@
         </p:nvSpPr>
         <p:spPr>
           <a:xfrm>
-            <a:off x="467544" y="2262882"/>
+            <a:off x="693912" y="1686818"/>
             <a:ext cx="8280920" cy="1477328"/>
           </a:xfrm>
           <a:prstGeom prst="rect">
@@ -5050,7 +5163,7 @@
           </a:bodyPr>
           <a:lstStyle/>
           <a:p>
-            <a:pPr algn="ctr"/>
+            <a:pPr algn="r"/>
             <a:r>
               <a:rPr lang="ko-KR" altLang="en-US" dirty="0">
                 <a:latin typeface="KoPubWorld돋움체_Pro Light" panose="00000300000000000000" pitchFamily="50" charset="-127"/>
@@ -5066,11 +5179,11 @@
             </a:endParaRPr>
           </a:p>
           <a:p>
-            <a:pPr algn="ctr"/>
+            <a:pPr algn="r"/>
             <a:endParaRPr lang="en-US" altLang="ko-KR" dirty="0"/>
           </a:p>
           <a:p>
-            <a:pPr algn="ctr"/>
+            <a:pPr algn="r"/>
             <a:r>
               <a:rPr lang="ko-KR" altLang="en-US" dirty="0">
                 <a:latin typeface="KoPubWorld돋움체_Pro Light" panose="00000300000000000000" pitchFamily="50" charset="-127"/>
@@ -5102,7 +5215,7 @@
             </a:endParaRPr>
           </a:p>
           <a:p>
-            <a:pPr algn="ctr"/>
+            <a:pPr algn="r"/>
             <a:endParaRPr lang="en-US" altLang="ko-KR" dirty="0">
               <a:latin typeface="KoPubWorld돋움체_Pro Light" panose="00000300000000000000" pitchFamily="50" charset="-127"/>
               <a:ea typeface="KoPubWorld돋움체_Pro Light" panose="00000300000000000000" pitchFamily="50" charset="-127"/>
@@ -5110,7 +5223,7 @@
             </a:endParaRPr>
           </a:p>
           <a:p>
-            <a:pPr algn="ctr"/>
+            <a:pPr algn="r"/>
             <a:r>
               <a:rPr lang="ko-KR" altLang="en-US" dirty="0">
                 <a:latin typeface="KoPubWorld돋움체_Pro Light" panose="00000300000000000000" pitchFamily="50" charset="-127"/>
@@ -5138,6 +5251,78 @@
           </a:p>
         </p:txBody>
       </p:sp>
+      <p:pic>
+        <p:nvPicPr>
+          <p:cNvPr id="4" name="그림 3">
+            <a:extLst>
+              <a:ext uri="{FF2B5EF4-FFF2-40B4-BE49-F238E27FC236}">
+                <a16:creationId xmlns:a16="http://schemas.microsoft.com/office/drawing/2014/main" id="{019B1BE7-9549-4C4F-BFF0-F024B3999469}"/>
+              </a:ext>
+            </a:extLst>
+          </p:cNvPr>
+          <p:cNvPicPr>
+            <a:picLocks noChangeAspect="1"/>
+          </p:cNvPicPr>
+          <p:nvPr/>
+        </p:nvPicPr>
+        <p:blipFill>
+          <a:blip r:embed="rId3">
+            <a:extLst>
+              <a:ext uri="{28A0092B-C50C-407E-A947-70E740481C1C}">
+                <a14:useLocalDpi xmlns:a14="http://schemas.microsoft.com/office/drawing/2010/main" val="0"/>
+              </a:ext>
+            </a:extLst>
+          </a:blip>
+          <a:stretch>
+            <a:fillRect/>
+          </a:stretch>
+        </p:blipFill>
+        <p:spPr>
+          <a:xfrm>
+            <a:off x="467544" y="3432034"/>
+            <a:ext cx="6624736" cy="1156137"/>
+          </a:xfrm>
+          <a:prstGeom prst="rect">
+            <a:avLst/>
+          </a:prstGeom>
+        </p:spPr>
+      </p:pic>
+      <p:pic>
+        <p:nvPicPr>
+          <p:cNvPr id="8" name="그림 7">
+            <a:extLst>
+              <a:ext uri="{FF2B5EF4-FFF2-40B4-BE49-F238E27FC236}">
+                <a16:creationId xmlns:a16="http://schemas.microsoft.com/office/drawing/2014/main" id="{1C79999F-5D4E-4150-AC60-AA685E83A2D9}"/>
+              </a:ext>
+            </a:extLst>
+          </p:cNvPr>
+          <p:cNvPicPr>
+            <a:picLocks noChangeAspect="1"/>
+          </p:cNvPicPr>
+          <p:nvPr/>
+        </p:nvPicPr>
+        <p:blipFill>
+          <a:blip r:embed="rId4">
+            <a:extLst>
+              <a:ext uri="{28A0092B-C50C-407E-A947-70E740481C1C}">
+                <a14:useLocalDpi xmlns:a14="http://schemas.microsoft.com/office/drawing/2010/main" val="0"/>
+              </a:ext>
+            </a:extLst>
+          </a:blip>
+          <a:stretch>
+            <a:fillRect/>
+          </a:stretch>
+        </p:blipFill>
+        <p:spPr>
+          <a:xfrm>
+            <a:off x="467544" y="2132856"/>
+            <a:ext cx="3064117" cy="1127765"/>
+          </a:xfrm>
+          <a:prstGeom prst="rect">
+            <a:avLst/>
+          </a:prstGeom>
+        </p:spPr>
+      </p:pic>
     </p:spTree>
     <p:extLst>
       <p:ext uri="{BB962C8B-B14F-4D97-AF65-F5344CB8AC3E}">
@@ -5397,20 +5582,12 @@
           <a:p>
             <a:pPr algn="ctr"/>
             <a:r>
-              <a:rPr lang="ko-KR" altLang="en-US" sz="1600" dirty="0" err="1">
-                <a:latin typeface="KoPubWorld돋움체_Pro Light" panose="00000300000000000000" pitchFamily="50" charset="-127"/>
-                <a:ea typeface="KoPubWorld돋움체_Pro Light" panose="00000300000000000000" pitchFamily="50" charset="-127"/>
-                <a:cs typeface="KoPubWorld돋움체_Pro Light" panose="00000300000000000000" pitchFamily="50" charset="-127"/>
-              </a:rPr>
-              <a:t>를</a:t>
-            </a:r>
-            <a:r>
               <a:rPr lang="ko-KR" altLang="en-US" sz="1600" dirty="0">
                 <a:latin typeface="KoPubWorld돋움체_Pro Light" panose="00000300000000000000" pitchFamily="50" charset="-127"/>
                 <a:ea typeface="KoPubWorld돋움체_Pro Light" panose="00000300000000000000" pitchFamily="50" charset="-127"/>
                 <a:cs typeface="KoPubWorld돋움체_Pro Light" panose="00000300000000000000" pitchFamily="50" charset="-127"/>
               </a:rPr>
-              <a:t> 제거</a:t>
+              <a:t>컬럼을 제거</a:t>
             </a:r>
           </a:p>
         </p:txBody>
@@ -5495,7 +5672,7 @@
         </p:nvSpPr>
         <p:spPr>
           <a:xfrm>
-            <a:off x="457200" y="1916832"/>
+            <a:off x="457200" y="1700808"/>
             <a:ext cx="8229600" cy="4525963"/>
           </a:xfrm>
         </p:spPr>
@@ -5505,7 +5682,7 @@
           </a:bodyPr>
           <a:lstStyle/>
           <a:p>
-            <a:pPr marL="0" indent="0">
+            <a:pPr marL="0" indent="0" algn="r">
               <a:buNone/>
             </a:pPr>
             <a:r>
@@ -5555,7 +5732,7 @@
             </a:endParaRPr>
           </a:p>
           <a:p>
-            <a:pPr marL="0" indent="0">
+            <a:pPr marL="0" indent="0" algn="r">
               <a:buNone/>
             </a:pPr>
             <a:endParaRPr lang="en-US" altLang="ko-KR" sz="1600" dirty="0">
@@ -5565,7 +5742,7 @@
             </a:endParaRPr>
           </a:p>
           <a:p>
-            <a:pPr marL="0" indent="0">
+            <a:pPr marL="0" indent="0" algn="r">
               <a:buNone/>
             </a:pPr>
             <a:r>
@@ -5586,7 +5763,7 @@
             </a:r>
           </a:p>
           <a:p>
-            <a:pPr marL="0" indent="0">
+            <a:pPr marL="0" indent="0" algn="r">
               <a:buNone/>
             </a:pPr>
             <a:endParaRPr lang="en-US" altLang="ko-KR" sz="1600" dirty="0">
@@ -5596,7 +5773,7 @@
             </a:endParaRPr>
           </a:p>
           <a:p>
-            <a:pPr marL="0" indent="0">
+            <a:pPr marL="0" indent="0" algn="r">
               <a:buNone/>
             </a:pPr>
             <a:r>
@@ -5633,7 +5810,7 @@
             </a:r>
           </a:p>
           <a:p>
-            <a:pPr marL="0" indent="0">
+            <a:pPr marL="0" indent="0" algn="r">
               <a:buNone/>
             </a:pPr>
             <a:endParaRPr lang="en-US" altLang="ko-KR" sz="1600" dirty="0">
@@ -5643,7 +5820,7 @@
             </a:endParaRPr>
           </a:p>
           <a:p>
-            <a:pPr marL="0" indent="0">
+            <a:pPr marL="0" indent="0" algn="r">
               <a:buNone/>
             </a:pPr>
             <a:r>
@@ -5677,7 +5854,7 @@
             </a:endParaRPr>
           </a:p>
           <a:p>
-            <a:pPr marL="0" indent="0">
+            <a:pPr marL="0" indent="0" algn="r">
               <a:buNone/>
             </a:pPr>
             <a:endParaRPr lang="en-US" altLang="ko-KR" sz="2000" dirty="0">
@@ -5687,7 +5864,7 @@
             </a:endParaRPr>
           </a:p>
           <a:p>
-            <a:pPr marL="0" indent="0">
+            <a:pPr marL="0" indent="0" algn="r">
               <a:buNone/>
             </a:pPr>
             <a:r>
@@ -6085,15 +6262,12 @@
                 <a:latin typeface="KoPub돋움체_Pro Light" pitchFamily="50" charset="-127"/>
                 <a:ea typeface="KoPub돋움체_Pro Light" pitchFamily="50" charset="-127"/>
               </a:rPr>
-              <a:t>온라인 쇼핑의 편리함으로 인해 충동 구매가 늘어나고 있음</a:t>
-            </a:r>
-            <a:r>
-              <a:rPr lang="en-US" altLang="ko-KR" sz="1700" dirty="0">
-                <a:latin typeface="KoPub돋움체_Pro Light" pitchFamily="50" charset="-127"/>
-                <a:ea typeface="KoPub돋움체_Pro Light" pitchFamily="50" charset="-127"/>
-              </a:rPr>
-              <a:t>.</a:t>
-            </a:r>
+              <a:t>온라인 쇼핑의 보급으로 인한 충동 구매 증가</a:t>
+            </a:r>
+            <a:endParaRPr lang="en-US" altLang="ko-KR" sz="1700" dirty="0">
+              <a:latin typeface="KoPub돋움체_Pro Light" pitchFamily="50" charset="-127"/>
+              <a:ea typeface="KoPub돋움체_Pro Light" pitchFamily="50" charset="-127"/>
+            </a:endParaRPr>
           </a:p>
           <a:p>
             <a:pPr marL="0" indent="0">
@@ -6107,7 +6281,7 @@
                 <a:latin typeface="KoPub돋움체_Pro Light" pitchFamily="50" charset="-127"/>
                 <a:ea typeface="KoPub돋움체_Pro Light" pitchFamily="50" charset="-127"/>
               </a:rPr>
-              <a:t>결과적으로</a:t>
+              <a:t>그 결과</a:t>
             </a:r>
             <a:r>
               <a:rPr lang="en-US" altLang="ko-KR" sz="1700" dirty="0">
@@ -6121,7 +6295,7 @@
                 <a:latin typeface="KoPub돋움체_Pro Light" pitchFamily="50" charset="-127"/>
                 <a:ea typeface="KoPub돋움체_Pro Light" pitchFamily="50" charset="-127"/>
               </a:rPr>
-              <a:t>구매 후 사용하지 않는 제품이 증가하고 자원 낭비와 고객 불만 초래</a:t>
+              <a:t>구매 후 사용하지 않는 제품이 증가해 고객 불만을 초래함</a:t>
             </a:r>
             <a:r>
               <a:rPr lang="en-US" altLang="ko-KR" sz="1700" dirty="0">
@@ -6208,40 +6382,16 @@
               <a:buNone/>
             </a:pPr>
             <a:r>
-              <a:rPr lang="en-US" altLang="ko-KR" sz="1700" dirty="0" err="1">
-                <a:latin typeface="KoPub돋움체_Pro Light" pitchFamily="50" charset="-127"/>
-                <a:ea typeface="KoPub돋움체_Pro Light" pitchFamily="50" charset="-127"/>
-              </a:rPr>
-              <a:t>Instacart</a:t>
-            </a:r>
-            <a:r>
               <a:rPr lang="ko-KR" altLang="en-US" sz="1700" dirty="0">
                 <a:latin typeface="KoPub돋움체_Pro Light" pitchFamily="50" charset="-127"/>
                 <a:ea typeface="KoPub돋움체_Pro Light" pitchFamily="50" charset="-127"/>
               </a:rPr>
-              <a:t>와 같은 플랫폼은 불필요 구매를 줄임으로써 고객 </a:t>
-            </a:r>
-            <a:r>
-              <a:rPr lang="ko-KR" altLang="en-US" sz="1700" dirty="0" err="1">
-                <a:latin typeface="KoPub돋움체_Pro Light" pitchFamily="50" charset="-127"/>
-                <a:ea typeface="KoPub돋움체_Pro Light" pitchFamily="50" charset="-127"/>
-              </a:rPr>
-              <a:t>충성도를</a:t>
-            </a:r>
-            <a:r>
-              <a:rPr lang="ko-KR" altLang="en-US" sz="1700" dirty="0">
-                <a:latin typeface="KoPub돋움체_Pro Light" pitchFamily="50" charset="-127"/>
-                <a:ea typeface="KoPub돋움체_Pro Light" pitchFamily="50" charset="-127"/>
-              </a:rPr>
-              <a:t> 높이고 운영 효율성을 개선할 수 있음</a:t>
-            </a:r>
-            <a:r>
-              <a:rPr lang="en-US" altLang="ko-KR" sz="1700" dirty="0">
-                <a:latin typeface="KoPub돋움체_Pro Light" pitchFamily="50" charset="-127"/>
-                <a:ea typeface="KoPub돋움체_Pro Light" pitchFamily="50" charset="-127"/>
-              </a:rPr>
-              <a:t>.</a:t>
-            </a:r>
+              <a:t>불필요 구매를 줄임으로써 고객 충성도와 운영 효율성 제고 가능</a:t>
+            </a:r>
+            <a:endParaRPr lang="en-US" altLang="ko-KR" sz="1700" dirty="0">
+              <a:latin typeface="KoPub돋움체_Pro Light" pitchFamily="50" charset="-127"/>
+              <a:ea typeface="KoPub돋움체_Pro Light" pitchFamily="50" charset="-127"/>
+            </a:endParaRPr>
           </a:p>
           <a:p>
             <a:pPr marL="0" indent="0">
@@ -6377,11 +6527,17 @@
             <p:ph type="title"/>
           </p:nvPr>
         </p:nvSpPr>
-        <p:spPr/>
+        <p:spPr>
+          <a:xfrm>
+            <a:off x="539552" y="274638"/>
+            <a:ext cx="8229600" cy="1143000"/>
+          </a:xfrm>
+        </p:spPr>
         <p:txBody>
           <a:bodyPr/>
           <a:lstStyle/>
           <a:p>
+            <a:pPr algn="l"/>
             <a:r>
               <a:rPr lang="ko-KR" altLang="en-US" dirty="0">
                 <a:latin typeface="KoPubWorld돋움체_Pro Bold" panose="00000800000000000000" pitchFamily="50" charset="-127"/>
@@ -6423,78 +6579,797 @@
         </p:blipFill>
         <p:spPr>
           <a:xfrm>
-            <a:off x="3779912" y="1600200"/>
-            <a:ext cx="5080505" cy="4525963"/>
+            <a:off x="457200" y="1556792"/>
+            <a:ext cx="5544616" cy="4939416"/>
           </a:xfrm>
         </p:spPr>
       </p:pic>
-      <p:sp>
-        <p:nvSpPr>
-          <p:cNvPr id="6" name="TextBox 5">
+    </p:spTree>
+    <p:extLst>
+      <p:ext uri="{BB962C8B-B14F-4D97-AF65-F5344CB8AC3E}">
+        <p14:creationId xmlns:p14="http://schemas.microsoft.com/office/powerpoint/2010/main" val="2662025427"/>
+      </p:ext>
+    </p:extLst>
+  </p:cSld>
+  <p:clrMapOvr>
+    <a:masterClrMapping/>
+  </p:clrMapOvr>
+</p:sld>
+</file>
+
+<file path=ppt/slides/slide21.xml><?xml version="1.0" encoding="utf-8"?>
+<p:sld xmlns:a="http://schemas.openxmlformats.org/drawingml/2006/main" xmlns:r="http://schemas.openxmlformats.org/officeDocument/2006/relationships" xmlns:p="http://schemas.openxmlformats.org/presentationml/2006/main">
+  <p:cSld>
+    <p:spTree>
+      <p:nvGrpSpPr>
+        <p:cNvPr id="1" name=""/>
+        <p:cNvGrpSpPr/>
+        <p:nvPr/>
+      </p:nvGrpSpPr>
+      <p:grpSpPr>
+        <a:xfrm>
+          <a:off x="0" y="0"/>
+          <a:ext cx="0" cy="0"/>
+          <a:chOff x="0" y="0"/>
+          <a:chExt cx="0" cy="0"/>
+        </a:xfrm>
+      </p:grpSpPr>
+      <p:sp>
+        <p:nvSpPr>
+          <p:cNvPr id="2" name="제목 1"/>
+          <p:cNvSpPr>
+            <a:spLocks noGrp="1"/>
+          </p:cNvSpPr>
+          <p:nvPr>
+            <p:ph type="title"/>
+          </p:nvPr>
+        </p:nvSpPr>
+        <p:spPr>
+          <a:xfrm>
+            <a:off x="539552" y="440758"/>
+            <a:ext cx="3024336" cy="1605076"/>
+          </a:xfrm>
+        </p:spPr>
+        <p:txBody>
+          <a:bodyPr>
+            <a:normAutofit/>
+          </a:bodyPr>
+          <a:lstStyle/>
+          <a:p>
+            <a:r>
+              <a:rPr lang="ko-KR" altLang="en-US" sz="3200" dirty="0">
+                <a:latin typeface="KoPubWorld돋움체_Pro Bold" panose="00000800000000000000" pitchFamily="50" charset="-127"/>
+                <a:ea typeface="KoPubWorld돋움체_Pro Bold" panose="00000800000000000000" pitchFamily="50" charset="-127"/>
+                <a:cs typeface="KoPubWorld돋움체_Pro Bold" panose="00000800000000000000" pitchFamily="50" charset="-127"/>
+              </a:rPr>
+              <a:t>상품 별 재구매율</a:t>
+            </a:r>
+          </a:p>
+        </p:txBody>
+      </p:sp>
+      <p:pic>
+        <p:nvPicPr>
+          <p:cNvPr id="4" name="내용 개체 틀 3"/>
+          <p:cNvPicPr>
+            <a:picLocks noGrp="1" noChangeAspect="1"/>
+          </p:cNvPicPr>
+          <p:nvPr>
+            <p:ph idx="1"/>
+          </p:nvPr>
+        </p:nvPicPr>
+        <p:blipFill>
+          <a:blip r:embed="rId2">
             <a:extLst>
-              <a:ext uri="{FF2B5EF4-FFF2-40B4-BE49-F238E27FC236}">
-                <a16:creationId xmlns:a16="http://schemas.microsoft.com/office/drawing/2014/main" id="{93F486D9-9E93-4774-A5F4-094C9CFEC689}"/>
+              <a:ext uri="{28A0092B-C50C-407E-A947-70E740481C1C}">
+                <a14:useLocalDpi xmlns:a14="http://schemas.microsoft.com/office/drawing/2010/main" val="0"/>
               </a:ext>
             </a:extLst>
-          </p:cNvPr>
-          <p:cNvSpPr txBox="1"/>
-          <p:nvPr/>
-        </p:nvSpPr>
+          </a:blip>
+          <a:stretch>
+            <a:fillRect/>
+          </a:stretch>
+        </p:blipFill>
         <p:spPr>
           <a:xfrm>
-            <a:off x="323528" y="1600200"/>
-            <a:ext cx="3312368" cy="1754326"/>
+            <a:off x="2586854" y="2276872"/>
+            <a:ext cx="6418375" cy="4011484"/>
+          </a:xfrm>
+        </p:spPr>
+      </p:pic>
+      <p:pic>
+        <p:nvPicPr>
+          <p:cNvPr id="5" name="그림 4"/>
+          <p:cNvPicPr>
+            <a:picLocks noChangeAspect="1"/>
+          </p:cNvPicPr>
+          <p:nvPr/>
+        </p:nvPicPr>
+        <p:blipFill>
+          <a:blip r:embed="rId3">
+            <a:extLst>
+              <a:ext uri="{28A0092B-C50C-407E-A947-70E740481C1C}">
+                <a14:useLocalDpi xmlns:a14="http://schemas.microsoft.com/office/drawing/2010/main" val="0"/>
+              </a:ext>
+            </a:extLst>
+          </a:blip>
+          <a:stretch>
+            <a:fillRect/>
+          </a:stretch>
+        </p:blipFill>
+        <p:spPr>
+          <a:xfrm>
+            <a:off x="4211960" y="476672"/>
+            <a:ext cx="4491675" cy="1533249"/>
           </a:xfrm>
           <a:prstGeom prst="rect">
             <a:avLst/>
           </a:prstGeom>
-          <a:noFill/>
         </p:spPr>
-        <p:txBody>
-          <a:bodyPr wrap="square" rtlCol="0">
-            <a:spAutoFit/>
-          </a:bodyPr>
-          <a:lstStyle/>
-          <a:p>
-            <a:r>
-              <a:rPr lang="ko-KR" altLang="en-US" dirty="0" err="1"/>
-              <a:t>고객당</a:t>
-            </a:r>
-            <a:r>
-              <a:rPr lang="ko-KR" altLang="en-US" dirty="0"/>
-              <a:t> 평균 장바구니 사이즈는</a:t>
-            </a:r>
-            <a:endParaRPr lang="en-US" altLang="ko-KR" dirty="0"/>
-          </a:p>
-          <a:p>
-            <a:endParaRPr lang="en-US" altLang="ko-KR" dirty="0"/>
-          </a:p>
-          <a:p>
-            <a:r>
-              <a:rPr lang="en-US" altLang="ko-KR" dirty="0"/>
-              <a:t>5~10 </a:t>
-            </a:r>
-            <a:r>
-              <a:rPr lang="ko-KR" altLang="en-US" dirty="0"/>
-              <a:t>사이에서 가장 많았다</a:t>
-            </a:r>
-            <a:r>
-              <a:rPr lang="en-US" altLang="ko-KR" dirty="0"/>
-              <a:t>.</a:t>
-            </a:r>
-          </a:p>
-          <a:p>
-            <a:endParaRPr lang="en-US" altLang="ko-KR" dirty="0"/>
-          </a:p>
-          <a:p>
-            <a:endParaRPr lang="ko-KR" altLang="en-US" dirty="0"/>
-          </a:p>
-        </p:txBody>
-      </p:sp>
+      </p:pic>
     </p:spTree>
     <p:extLst>
       <p:ext uri="{BB962C8B-B14F-4D97-AF65-F5344CB8AC3E}">
-        <p14:creationId xmlns:p14="http://schemas.microsoft.com/office/powerpoint/2010/main" val="2662025427"/>
+        <p14:creationId xmlns:p14="http://schemas.microsoft.com/office/powerpoint/2010/main" val="3685303630"/>
+      </p:ext>
+    </p:extLst>
+  </p:cSld>
+  <p:clrMapOvr>
+    <a:masterClrMapping/>
+  </p:clrMapOvr>
+</p:sld>
+</file>
+
+<file path=ppt/slides/slide22.xml><?xml version="1.0" encoding="utf-8"?>
+<p:sld xmlns:a="http://schemas.openxmlformats.org/drawingml/2006/main" xmlns:r="http://schemas.openxmlformats.org/officeDocument/2006/relationships" xmlns:p="http://schemas.openxmlformats.org/presentationml/2006/main">
+  <p:cSld>
+    <p:spTree>
+      <p:nvGrpSpPr>
+        <p:cNvPr id="1" name=""/>
+        <p:cNvGrpSpPr/>
+        <p:nvPr/>
+      </p:nvGrpSpPr>
+      <p:grpSpPr>
+        <a:xfrm>
+          <a:off x="0" y="0"/>
+          <a:ext cx="0" cy="0"/>
+          <a:chOff x="0" y="0"/>
+          <a:chExt cx="0" cy="0"/>
+        </a:xfrm>
+      </p:grpSpPr>
+      <p:sp>
+        <p:nvSpPr>
+          <p:cNvPr id="2" name="제목 1">
+            <a:extLst>
+              <a:ext uri="{FF2B5EF4-FFF2-40B4-BE49-F238E27FC236}">
+                <a16:creationId xmlns:a16="http://schemas.microsoft.com/office/drawing/2014/main" id="{3AAE54A8-7C9C-4B5C-9E6E-E076D29B2D8E}"/>
+              </a:ext>
+            </a:extLst>
+          </p:cNvPr>
+          <p:cNvSpPr>
+            <a:spLocks noGrp="1"/>
+          </p:cNvSpPr>
+          <p:nvPr>
+            <p:ph type="title"/>
+          </p:nvPr>
+        </p:nvSpPr>
+        <p:spPr>
+          <a:xfrm>
+            <a:off x="5118438" y="476672"/>
+            <a:ext cx="2853607" cy="1143000"/>
+          </a:xfrm>
+        </p:spPr>
+        <p:txBody>
+          <a:bodyPr>
+            <a:normAutofit/>
+          </a:bodyPr>
+          <a:lstStyle/>
+          <a:p>
+            <a:r>
+              <a:rPr lang="ko-KR" altLang="en-US" sz="2700" dirty="0">
+                <a:latin typeface="KoPubWorld돋움체_Pro Bold" panose="00000800000000000000" pitchFamily="50" charset="-127"/>
+                <a:ea typeface="KoPubWorld돋움체_Pro Bold" panose="00000800000000000000" pitchFamily="50" charset="-127"/>
+                <a:cs typeface="KoPubWorld돋움체_Pro Bold" panose="00000800000000000000" pitchFamily="50" charset="-127"/>
+              </a:rPr>
+              <a:t>요일 당 </a:t>
+            </a:r>
+            <a:br>
+              <a:rPr lang="en-US" altLang="ko-KR" sz="4000" dirty="0">
+                <a:latin typeface="KoPubWorld돋움체_Pro Bold" panose="00000800000000000000" pitchFamily="50" charset="-127"/>
+                <a:ea typeface="KoPubWorld돋움체_Pro Bold" panose="00000800000000000000" pitchFamily="50" charset="-127"/>
+                <a:cs typeface="KoPubWorld돋움체_Pro Bold" panose="00000800000000000000" pitchFamily="50" charset="-127"/>
+              </a:rPr>
+            </a:br>
+            <a:r>
+              <a:rPr lang="ko-KR" altLang="en-US" sz="4000" dirty="0">
+                <a:latin typeface="KoPubWorld돋움체_Pro Bold" panose="00000800000000000000" pitchFamily="50" charset="-127"/>
+                <a:ea typeface="KoPubWorld돋움체_Pro Bold" panose="00000800000000000000" pitchFamily="50" charset="-127"/>
+                <a:cs typeface="KoPubWorld돋움체_Pro Bold" panose="00000800000000000000" pitchFamily="50" charset="-127"/>
+              </a:rPr>
+              <a:t>주문량</a:t>
+            </a:r>
+          </a:p>
+        </p:txBody>
+      </p:sp>
+      <p:pic>
+        <p:nvPicPr>
+          <p:cNvPr id="7" name="내용 개체 틀 6">
+            <a:extLst>
+              <a:ext uri="{FF2B5EF4-FFF2-40B4-BE49-F238E27FC236}">
+                <a16:creationId xmlns:a16="http://schemas.microsoft.com/office/drawing/2014/main" id="{12B146CB-E837-46E9-9DA2-28572A0BDF61}"/>
+              </a:ext>
+            </a:extLst>
+          </p:cNvPr>
+          <p:cNvPicPr>
+            <a:picLocks noGrp="1" noChangeAspect="1"/>
+          </p:cNvPicPr>
+          <p:nvPr>
+            <p:ph idx="1"/>
+          </p:nvPr>
+        </p:nvPicPr>
+        <p:blipFill>
+          <a:blip r:embed="rId2" cstate="print">
+            <a:extLst>
+              <a:ext uri="{28A0092B-C50C-407E-A947-70E740481C1C}">
+                <a14:useLocalDpi xmlns:a14="http://schemas.microsoft.com/office/drawing/2010/main" val="0"/>
+              </a:ext>
+            </a:extLst>
+          </a:blip>
+          <a:stretch>
+            <a:fillRect/>
+          </a:stretch>
+        </p:blipFill>
+        <p:spPr>
+          <a:xfrm>
+            <a:off x="4659284" y="3430209"/>
+            <a:ext cx="4119199" cy="2847391"/>
+          </a:xfrm>
+        </p:spPr>
+      </p:pic>
+      <p:pic>
+        <p:nvPicPr>
+          <p:cNvPr id="9" name="그림 8">
+            <a:extLst>
+              <a:ext uri="{FF2B5EF4-FFF2-40B4-BE49-F238E27FC236}">
+                <a16:creationId xmlns:a16="http://schemas.microsoft.com/office/drawing/2014/main" id="{EBAC8903-6776-4D67-BD76-B8F675395087}"/>
+              </a:ext>
+            </a:extLst>
+          </p:cNvPr>
+          <p:cNvPicPr>
+            <a:picLocks noChangeAspect="1"/>
+          </p:cNvPicPr>
+          <p:nvPr/>
+        </p:nvPicPr>
+        <p:blipFill>
+          <a:blip r:embed="rId3">
+            <a:extLst>
+              <a:ext uri="{28A0092B-C50C-407E-A947-70E740481C1C}">
+                <a14:useLocalDpi xmlns:a14="http://schemas.microsoft.com/office/drawing/2010/main" val="0"/>
+              </a:ext>
+            </a:extLst>
+          </a:blip>
+          <a:stretch>
+            <a:fillRect/>
+          </a:stretch>
+        </p:blipFill>
+        <p:spPr>
+          <a:xfrm>
+            <a:off x="4860032" y="1937634"/>
+            <a:ext cx="3370420" cy="1174613"/>
+          </a:xfrm>
+          <a:prstGeom prst="rect">
+            <a:avLst/>
+          </a:prstGeom>
+        </p:spPr>
+      </p:pic>
+      <p:sp>
+        <p:nvSpPr>
+          <p:cNvPr id="10" name="제목 1">
+            <a:extLst>
+              <a:ext uri="{FF2B5EF4-FFF2-40B4-BE49-F238E27FC236}">
+                <a16:creationId xmlns:a16="http://schemas.microsoft.com/office/drawing/2014/main" id="{2E83674F-B5BF-4FFF-9814-22189A2BB824}"/>
+              </a:ext>
+            </a:extLst>
+          </p:cNvPr>
+          <p:cNvSpPr txBox="1">
+            <a:spLocks/>
+          </p:cNvSpPr>
+          <p:nvPr/>
+        </p:nvSpPr>
+        <p:spPr>
+          <a:xfrm>
+            <a:off x="1771814" y="476672"/>
+            <a:ext cx="1666528" cy="1143000"/>
+          </a:xfrm>
+          <a:prstGeom prst="rect">
+            <a:avLst/>
+          </a:prstGeom>
+        </p:spPr>
+        <p:txBody>
+          <a:bodyPr vert="horz" lIns="91440" tIns="45720" rIns="91440" bIns="45720" rtlCol="0" anchor="ctr">
+            <a:normAutofit fontScale="97500"/>
+          </a:bodyPr>
+          <a:lstStyle>
+            <a:lvl1pPr algn="ctr" defTabSz="914400" rtl="0" eaLnBrk="1" latinLnBrk="1" hangingPunct="1">
+              <a:spcBef>
+                <a:spcPct val="0"/>
+              </a:spcBef>
+              <a:buNone/>
+              <a:defRPr sz="4400" kern="1200">
+                <a:solidFill>
+                  <a:schemeClr val="tx1"/>
+                </a:solidFill>
+                <a:latin typeface="+mj-lt"/>
+                <a:ea typeface="+mj-ea"/>
+                <a:cs typeface="+mj-cs"/>
+              </a:defRPr>
+            </a:lvl1pPr>
+          </a:lstStyle>
+          <a:p>
+            <a:r>
+              <a:rPr lang="ko-KR" altLang="en-US" sz="2800" dirty="0">
+                <a:latin typeface="KoPubWorld돋움체_Pro Bold" panose="00000800000000000000" pitchFamily="50" charset="-127"/>
+                <a:ea typeface="KoPubWorld돋움체_Pro Bold" panose="00000800000000000000" pitchFamily="50" charset="-127"/>
+                <a:cs typeface="KoPubWorld돋움체_Pro Bold" panose="00000800000000000000" pitchFamily="50" charset="-127"/>
+              </a:rPr>
+              <a:t>시간대 별 </a:t>
+            </a:r>
+            <a:br>
+              <a:rPr lang="en-US" altLang="ko-KR" dirty="0">
+                <a:latin typeface="KoPubWorld돋움체_Pro Bold" panose="00000800000000000000" pitchFamily="50" charset="-127"/>
+                <a:ea typeface="KoPubWorld돋움체_Pro Bold" panose="00000800000000000000" pitchFamily="50" charset="-127"/>
+                <a:cs typeface="KoPubWorld돋움체_Pro Bold" panose="00000800000000000000" pitchFamily="50" charset="-127"/>
+              </a:rPr>
+            </a:br>
+            <a:r>
+              <a:rPr lang="ko-KR" altLang="en-US" sz="4100" dirty="0">
+                <a:latin typeface="KoPubWorld돋움체_Pro Bold" panose="00000800000000000000" pitchFamily="50" charset="-127"/>
+                <a:ea typeface="KoPubWorld돋움체_Pro Bold" panose="00000800000000000000" pitchFamily="50" charset="-127"/>
+                <a:cs typeface="KoPubWorld돋움체_Pro Bold" panose="00000800000000000000" pitchFamily="50" charset="-127"/>
+              </a:rPr>
+              <a:t>주문량</a:t>
+            </a:r>
+          </a:p>
+        </p:txBody>
+      </p:sp>
+      <p:pic>
+        <p:nvPicPr>
+          <p:cNvPr id="11" name="내용 개체 틀 4">
+            <a:extLst>
+              <a:ext uri="{FF2B5EF4-FFF2-40B4-BE49-F238E27FC236}">
+                <a16:creationId xmlns:a16="http://schemas.microsoft.com/office/drawing/2014/main" id="{003C1380-0DF3-448F-B40B-FC7E1CD9A31A}"/>
+              </a:ext>
+            </a:extLst>
+          </p:cNvPr>
+          <p:cNvPicPr>
+            <a:picLocks noChangeAspect="1"/>
+          </p:cNvPicPr>
+          <p:nvPr/>
+        </p:nvPicPr>
+        <p:blipFill>
+          <a:blip r:embed="rId4" cstate="print">
+            <a:extLst>
+              <a:ext uri="{28A0092B-C50C-407E-A947-70E740481C1C}">
+                <a14:useLocalDpi xmlns:a14="http://schemas.microsoft.com/office/drawing/2010/main" val="0"/>
+              </a:ext>
+            </a:extLst>
+          </a:blip>
+          <a:stretch>
+            <a:fillRect/>
+          </a:stretch>
+        </p:blipFill>
+        <p:spPr>
+          <a:xfrm>
+            <a:off x="725440" y="3704861"/>
+            <a:ext cx="3759277" cy="2298086"/>
+          </a:xfrm>
+          <a:prstGeom prst="rect">
+            <a:avLst/>
+          </a:prstGeom>
+        </p:spPr>
+      </p:pic>
+      <p:pic>
+        <p:nvPicPr>
+          <p:cNvPr id="12" name="그림 11">
+            <a:extLst>
+              <a:ext uri="{FF2B5EF4-FFF2-40B4-BE49-F238E27FC236}">
+                <a16:creationId xmlns:a16="http://schemas.microsoft.com/office/drawing/2014/main" id="{EE27A4C1-68B5-440E-9954-A6193C253213}"/>
+              </a:ext>
+            </a:extLst>
+          </p:cNvPr>
+          <p:cNvPicPr>
+            <a:picLocks noChangeAspect="1"/>
+          </p:cNvPicPr>
+          <p:nvPr/>
+        </p:nvPicPr>
+        <p:blipFill>
+          <a:blip r:embed="rId5" cstate="print">
+            <a:extLst>
+              <a:ext uri="{28A0092B-C50C-407E-A947-70E740481C1C}">
+                <a14:useLocalDpi xmlns:a14="http://schemas.microsoft.com/office/drawing/2010/main" val="0"/>
+              </a:ext>
+            </a:extLst>
+          </a:blip>
+          <a:stretch>
+            <a:fillRect/>
+          </a:stretch>
+        </p:blipFill>
+        <p:spPr>
+          <a:xfrm>
+            <a:off x="1056906" y="2056712"/>
+            <a:ext cx="3096344" cy="936455"/>
+          </a:xfrm>
+          <a:prstGeom prst="rect">
+            <a:avLst/>
+          </a:prstGeom>
+        </p:spPr>
+      </p:pic>
+    </p:spTree>
+    <p:extLst>
+      <p:ext uri="{BB962C8B-B14F-4D97-AF65-F5344CB8AC3E}">
+        <p14:creationId xmlns:p14="http://schemas.microsoft.com/office/powerpoint/2010/main" val="3997253963"/>
+      </p:ext>
+    </p:extLst>
+  </p:cSld>
+  <p:clrMapOvr>
+    <a:masterClrMapping/>
+  </p:clrMapOvr>
+</p:sld>
+</file>
+
+<file path=ppt/slides/slide23.xml><?xml version="1.0" encoding="utf-8"?>
+<p:sld xmlns:a="http://schemas.openxmlformats.org/drawingml/2006/main" xmlns:r="http://schemas.openxmlformats.org/officeDocument/2006/relationships" xmlns:p="http://schemas.openxmlformats.org/presentationml/2006/main">
+  <p:cSld>
+    <p:spTree>
+      <p:nvGrpSpPr>
+        <p:cNvPr id="1" name=""/>
+        <p:cNvGrpSpPr/>
+        <p:nvPr/>
+      </p:nvGrpSpPr>
+      <p:grpSpPr>
+        <a:xfrm>
+          <a:off x="0" y="0"/>
+          <a:ext cx="0" cy="0"/>
+          <a:chOff x="0" y="0"/>
+          <a:chExt cx="0" cy="0"/>
+        </a:xfrm>
+      </p:grpSpPr>
+      <p:sp>
+        <p:nvSpPr>
+          <p:cNvPr id="9" name="제목 8">
+            <a:extLst>
+              <a:ext uri="{FF2B5EF4-FFF2-40B4-BE49-F238E27FC236}">
+                <a16:creationId xmlns:a16="http://schemas.microsoft.com/office/drawing/2014/main" id="{25EC7B73-0BDD-4082-8248-B5272AA3FD61}"/>
+              </a:ext>
+            </a:extLst>
+          </p:cNvPr>
+          <p:cNvSpPr>
+            <a:spLocks noGrp="1"/>
+          </p:cNvSpPr>
+          <p:nvPr>
+            <p:ph type="title"/>
+          </p:nvPr>
+        </p:nvSpPr>
+        <p:spPr>
+          <a:xfrm>
+            <a:off x="543107" y="538680"/>
+            <a:ext cx="3742658" cy="1143000"/>
+          </a:xfrm>
+        </p:spPr>
+        <p:txBody>
+          <a:bodyPr>
+            <a:normAutofit/>
+          </a:bodyPr>
+          <a:lstStyle/>
+          <a:p>
+            <a:r>
+              <a:rPr lang="ko-KR" altLang="en-US" sz="2400" dirty="0">
+                <a:latin typeface="KoPubWorld돋움체_Pro Bold" panose="00000800000000000000" pitchFamily="50" charset="-127"/>
+                <a:ea typeface="KoPubWorld돋움체_Pro Bold" panose="00000800000000000000" pitchFamily="50" charset="-127"/>
+                <a:cs typeface="KoPubWorld돋움체_Pro Bold" panose="00000800000000000000" pitchFamily="50" charset="-127"/>
+              </a:rPr>
+              <a:t>고객</a:t>
+            </a:r>
+            <a:r>
+              <a:rPr lang="en-US" altLang="ko-KR" sz="2400" dirty="0">
+                <a:latin typeface="KoPubWorld돋움체_Pro Bold" panose="00000800000000000000" pitchFamily="50" charset="-127"/>
+                <a:ea typeface="KoPubWorld돋움체_Pro Bold" panose="00000800000000000000" pitchFamily="50" charset="-127"/>
+                <a:cs typeface="KoPubWorld돋움체_Pro Bold" panose="00000800000000000000" pitchFamily="50" charset="-127"/>
+              </a:rPr>
+              <a:t>-</a:t>
+            </a:r>
+            <a:r>
+              <a:rPr lang="ko-KR" altLang="en-US" sz="2400" dirty="0">
+                <a:latin typeface="KoPubWorld돋움체_Pro Bold" panose="00000800000000000000" pitchFamily="50" charset="-127"/>
+                <a:ea typeface="KoPubWorld돋움체_Pro Bold" panose="00000800000000000000" pitchFamily="50" charset="-127"/>
+                <a:cs typeface="KoPubWorld돋움체_Pro Bold" panose="00000800000000000000" pitchFamily="50" charset="-127"/>
+              </a:rPr>
+              <a:t>상품 조합 별 재구매율</a:t>
+            </a:r>
+          </a:p>
+        </p:txBody>
+      </p:sp>
+      <p:pic>
+        <p:nvPicPr>
+          <p:cNvPr id="13" name="내용 개체 틀 12">
+            <a:extLst>
+              <a:ext uri="{FF2B5EF4-FFF2-40B4-BE49-F238E27FC236}">
+                <a16:creationId xmlns:a16="http://schemas.microsoft.com/office/drawing/2014/main" id="{70A5CF0A-3800-4887-9665-4C0110F00FDB}"/>
+              </a:ext>
+            </a:extLst>
+          </p:cNvPr>
+          <p:cNvPicPr>
+            <a:picLocks noGrp="1" noChangeAspect="1"/>
+          </p:cNvPicPr>
+          <p:nvPr>
+            <p:ph idx="1"/>
+          </p:nvPr>
+        </p:nvPicPr>
+        <p:blipFill>
+          <a:blip r:embed="rId2" cstate="print">
+            <a:extLst>
+              <a:ext uri="{28A0092B-C50C-407E-A947-70E740481C1C}">
+                <a14:useLocalDpi xmlns:a14="http://schemas.microsoft.com/office/drawing/2010/main" val="0"/>
+              </a:ext>
+            </a:extLst>
+          </a:blip>
+          <a:stretch>
+            <a:fillRect/>
+          </a:stretch>
+        </p:blipFill>
+        <p:spPr>
+          <a:xfrm>
+            <a:off x="758252" y="3876772"/>
+            <a:ext cx="3119920" cy="2009878"/>
+          </a:xfrm>
+        </p:spPr>
+      </p:pic>
+      <p:pic>
+        <p:nvPicPr>
+          <p:cNvPr id="15" name="그림 14">
+            <a:extLst>
+              <a:ext uri="{FF2B5EF4-FFF2-40B4-BE49-F238E27FC236}">
+                <a16:creationId xmlns:a16="http://schemas.microsoft.com/office/drawing/2014/main" id="{0E5FBC48-80E6-4BD6-A2F2-311A394998DD}"/>
+              </a:ext>
+            </a:extLst>
+          </p:cNvPr>
+          <p:cNvPicPr>
+            <a:picLocks noChangeAspect="1"/>
+          </p:cNvPicPr>
+          <p:nvPr/>
+        </p:nvPicPr>
+        <p:blipFill>
+          <a:blip r:embed="rId3" cstate="print">
+            <a:extLst>
+              <a:ext uri="{28A0092B-C50C-407E-A947-70E740481C1C}">
+                <a14:useLocalDpi xmlns:a14="http://schemas.microsoft.com/office/drawing/2010/main" val="0"/>
+              </a:ext>
+            </a:extLst>
+          </a:blip>
+          <a:stretch>
+            <a:fillRect/>
+          </a:stretch>
+        </p:blipFill>
+        <p:spPr>
+          <a:xfrm>
+            <a:off x="4520516" y="3717032"/>
+            <a:ext cx="4011924" cy="2517604"/>
+          </a:xfrm>
+          <a:prstGeom prst="rect">
+            <a:avLst/>
+          </a:prstGeom>
+        </p:spPr>
+      </p:pic>
+      <p:pic>
+        <p:nvPicPr>
+          <p:cNvPr id="17" name="그림 16">
+            <a:extLst>
+              <a:ext uri="{FF2B5EF4-FFF2-40B4-BE49-F238E27FC236}">
+                <a16:creationId xmlns:a16="http://schemas.microsoft.com/office/drawing/2014/main" id="{4AA193D3-ECC2-498E-9A15-62C40D62C2DE}"/>
+              </a:ext>
+            </a:extLst>
+          </p:cNvPr>
+          <p:cNvPicPr>
+            <a:picLocks noChangeAspect="1"/>
+          </p:cNvPicPr>
+          <p:nvPr/>
+        </p:nvPicPr>
+        <p:blipFill>
+          <a:blip r:embed="rId4">
+            <a:extLst>
+              <a:ext uri="{28A0092B-C50C-407E-A947-70E740481C1C}">
+                <a14:useLocalDpi xmlns:a14="http://schemas.microsoft.com/office/drawing/2010/main" val="0"/>
+              </a:ext>
+            </a:extLst>
+          </a:blip>
+          <a:stretch>
+            <a:fillRect/>
+          </a:stretch>
+        </p:blipFill>
+        <p:spPr>
+          <a:xfrm>
+            <a:off x="758252" y="2240729"/>
+            <a:ext cx="3312368" cy="1068865"/>
+          </a:xfrm>
+          <a:prstGeom prst="rect">
+            <a:avLst/>
+          </a:prstGeom>
+        </p:spPr>
+      </p:pic>
+      <p:pic>
+        <p:nvPicPr>
+          <p:cNvPr id="19" name="그림 18">
+            <a:extLst>
+              <a:ext uri="{FF2B5EF4-FFF2-40B4-BE49-F238E27FC236}">
+                <a16:creationId xmlns:a16="http://schemas.microsoft.com/office/drawing/2014/main" id="{ED4D0A7D-5601-4ABA-904C-DC4E38564935}"/>
+              </a:ext>
+            </a:extLst>
+          </p:cNvPr>
+          <p:cNvPicPr>
+            <a:picLocks noChangeAspect="1"/>
+          </p:cNvPicPr>
+          <p:nvPr/>
+        </p:nvPicPr>
+        <p:blipFill>
+          <a:blip r:embed="rId5">
+            <a:extLst>
+              <a:ext uri="{28A0092B-C50C-407E-A947-70E740481C1C}">
+                <a14:useLocalDpi xmlns:a14="http://schemas.microsoft.com/office/drawing/2010/main" val="0"/>
+              </a:ext>
+            </a:extLst>
+          </a:blip>
+          <a:stretch>
+            <a:fillRect/>
+          </a:stretch>
+        </p:blipFill>
+        <p:spPr>
+          <a:xfrm>
+            <a:off x="4678556" y="2151658"/>
+            <a:ext cx="4008244" cy="1247009"/>
+          </a:xfrm>
+          <a:prstGeom prst="rect">
+            <a:avLst/>
+          </a:prstGeom>
+        </p:spPr>
+      </p:pic>
+      <p:sp>
+        <p:nvSpPr>
+          <p:cNvPr id="20" name="제목 8">
+            <a:extLst>
+              <a:ext uri="{FF2B5EF4-FFF2-40B4-BE49-F238E27FC236}">
+                <a16:creationId xmlns:a16="http://schemas.microsoft.com/office/drawing/2014/main" id="{7C195D32-C3BB-415D-8F03-E4CE85EBE125}"/>
+              </a:ext>
+            </a:extLst>
+          </p:cNvPr>
+          <p:cNvSpPr txBox="1">
+            <a:spLocks/>
+          </p:cNvSpPr>
+          <p:nvPr/>
+        </p:nvSpPr>
+        <p:spPr>
+          <a:xfrm>
+            <a:off x="4858237" y="538680"/>
+            <a:ext cx="3742658" cy="1143000"/>
+          </a:xfrm>
+          <a:prstGeom prst="rect">
+            <a:avLst/>
+          </a:prstGeom>
+        </p:spPr>
+        <p:txBody>
+          <a:bodyPr vert="horz" lIns="91440" tIns="45720" rIns="91440" bIns="45720" rtlCol="0" anchor="ctr">
+            <a:normAutofit/>
+          </a:bodyPr>
+          <a:lstStyle>
+            <a:lvl1pPr algn="ctr" defTabSz="914400" rtl="0" eaLnBrk="1" latinLnBrk="1" hangingPunct="1">
+              <a:spcBef>
+                <a:spcPct val="0"/>
+              </a:spcBef>
+              <a:buNone/>
+              <a:defRPr sz="4400" kern="1200">
+                <a:solidFill>
+                  <a:schemeClr val="tx1"/>
+                </a:solidFill>
+                <a:latin typeface="+mj-lt"/>
+                <a:ea typeface="+mj-ea"/>
+                <a:cs typeface="+mj-cs"/>
+              </a:defRPr>
+            </a:lvl1pPr>
+          </a:lstStyle>
+          <a:p>
+            <a:r>
+              <a:rPr lang="ko-KR" altLang="en-US" sz="2400" dirty="0">
+                <a:latin typeface="KoPubWorld돋움체_Pro Bold" panose="00000800000000000000" pitchFamily="50" charset="-127"/>
+                <a:ea typeface="KoPubWorld돋움체_Pro Bold" panose="00000800000000000000" pitchFamily="50" charset="-127"/>
+                <a:cs typeface="KoPubWorld돋움체_Pro Bold" panose="00000800000000000000" pitchFamily="50" charset="-127"/>
+              </a:rPr>
+              <a:t>상품 부서 별 주문량</a:t>
+            </a:r>
+          </a:p>
+        </p:txBody>
+      </p:sp>
+    </p:spTree>
+    <p:extLst>
+      <p:ext uri="{BB962C8B-B14F-4D97-AF65-F5344CB8AC3E}">
+        <p14:creationId xmlns:p14="http://schemas.microsoft.com/office/powerpoint/2010/main" val="3585078668"/>
+      </p:ext>
+    </p:extLst>
+  </p:cSld>
+  <p:clrMapOvr>
+    <a:masterClrMapping/>
+  </p:clrMapOvr>
+</p:sld>
+</file>
+
+<file path=ppt/slides/slide24.xml><?xml version="1.0" encoding="utf-8"?>
+<p:sld xmlns:a="http://schemas.openxmlformats.org/drawingml/2006/main" xmlns:r="http://schemas.openxmlformats.org/officeDocument/2006/relationships" xmlns:p="http://schemas.openxmlformats.org/presentationml/2006/main">
+  <p:cSld>
+    <p:spTree>
+      <p:nvGrpSpPr>
+        <p:cNvPr id="1" name=""/>
+        <p:cNvGrpSpPr/>
+        <p:nvPr/>
+      </p:nvGrpSpPr>
+      <p:grpSpPr>
+        <a:xfrm>
+          <a:off x="0" y="0"/>
+          <a:ext cx="0" cy="0"/>
+          <a:chOff x="0" y="0"/>
+          <a:chExt cx="0" cy="0"/>
+        </a:xfrm>
+      </p:grpSpPr>
+      <p:sp>
+        <p:nvSpPr>
+          <p:cNvPr id="2" name="제목 1">
+            <a:extLst>
+              <a:ext uri="{FF2B5EF4-FFF2-40B4-BE49-F238E27FC236}">
+                <a16:creationId xmlns:a16="http://schemas.microsoft.com/office/drawing/2014/main" id="{EE2DC883-A208-458C-81A6-F1AB6111A1EB}"/>
+              </a:ext>
+            </a:extLst>
+          </p:cNvPr>
+          <p:cNvSpPr>
+            <a:spLocks noGrp="1"/>
+          </p:cNvSpPr>
+          <p:nvPr>
+            <p:ph type="title"/>
+          </p:nvPr>
+        </p:nvSpPr>
+        <p:spPr/>
+        <p:txBody>
+          <a:bodyPr/>
+          <a:lstStyle/>
+          <a:p>
+            <a:endParaRPr lang="ko-KR" altLang="en-US"/>
+          </a:p>
+        </p:txBody>
+      </p:sp>
+      <p:sp>
+        <p:nvSpPr>
+          <p:cNvPr id="3" name="내용 개체 틀 2">
+            <a:extLst>
+              <a:ext uri="{FF2B5EF4-FFF2-40B4-BE49-F238E27FC236}">
+                <a16:creationId xmlns:a16="http://schemas.microsoft.com/office/drawing/2014/main" id="{3CE59BF8-BA71-4AF8-A58B-49708284CE8D}"/>
+              </a:ext>
+            </a:extLst>
+          </p:cNvPr>
+          <p:cNvSpPr>
+            <a:spLocks noGrp="1"/>
+          </p:cNvSpPr>
+          <p:nvPr>
+            <p:ph idx="1"/>
+          </p:nvPr>
+        </p:nvSpPr>
+        <p:spPr/>
+        <p:txBody>
+          <a:bodyPr/>
+          <a:lstStyle/>
+          <a:p>
+            <a:endParaRPr lang="ko-KR" altLang="en-US"/>
+          </a:p>
+        </p:txBody>
+      </p:sp>
+    </p:spTree>
+    <p:extLst>
+      <p:ext uri="{BB962C8B-B14F-4D97-AF65-F5344CB8AC3E}">
+        <p14:creationId xmlns:p14="http://schemas.microsoft.com/office/powerpoint/2010/main" val="3540378144"/>
       </p:ext>
     </p:extLst>
   </p:cSld>
@@ -7660,7 +8535,12 @@
             <p:ph type="title"/>
           </p:nvPr>
         </p:nvSpPr>
-        <p:spPr/>
+        <p:spPr>
+          <a:xfrm>
+            <a:off x="457200" y="980728"/>
+            <a:ext cx="8229600" cy="1143000"/>
+          </a:xfrm>
+        </p:spPr>
         <p:txBody>
           <a:bodyPr>
             <a:normAutofit/>
@@ -7691,8 +8571,8 @@
         </p:nvSpPr>
         <p:spPr>
           <a:xfrm>
-            <a:off x="457200" y="1772816"/>
-            <a:ext cx="8229600" cy="4525963"/>
+            <a:off x="457200" y="2332037"/>
+            <a:ext cx="8229600" cy="3257203"/>
           </a:xfrm>
         </p:spPr>
         <p:txBody>
@@ -7701,7 +8581,7 @@
           </a:bodyPr>
           <a:lstStyle/>
           <a:p>
-            <a:pPr marL="0" indent="0">
+            <a:pPr marL="0" indent="0" algn="r">
               <a:buNone/>
             </a:pPr>
             <a:r>
@@ -7742,7 +8622,7 @@
             </a:endParaRPr>
           </a:p>
           <a:p>
-            <a:pPr marL="0" indent="0">
+            <a:pPr marL="0" indent="0" algn="r">
               <a:buNone/>
             </a:pPr>
             <a:endParaRPr lang="en-US" altLang="ko-KR" sz="2400" dirty="0">
@@ -7751,7 +8631,7 @@
             </a:endParaRPr>
           </a:p>
           <a:p>
-            <a:pPr marL="0" indent="0">
+            <a:pPr marL="0" indent="0" algn="r">
               <a:buNone/>
             </a:pPr>
             <a:r>
@@ -7836,7 +8716,7 @@
             </a:r>
           </a:p>
           <a:p>
-            <a:pPr marL="0" indent="0">
+            <a:pPr marL="0" indent="0" algn="r">
               <a:buNone/>
             </a:pPr>
             <a:r>
@@ -7881,7 +8761,7 @@
             </a:r>
           </a:p>
           <a:p>
-            <a:pPr marL="0" indent="0">
+            <a:pPr marL="0" indent="0" algn="r">
               <a:buNone/>
             </a:pPr>
             <a:r>
@@ -7926,7 +8806,7 @@
             </a:r>
           </a:p>
           <a:p>
-            <a:pPr marL="0" indent="0">
+            <a:pPr marL="0" indent="0" algn="r">
               <a:buNone/>
             </a:pPr>
             <a:r>
@@ -7955,7 +8835,7 @@
             </a:r>
           </a:p>
           <a:p>
-            <a:pPr marL="0" indent="0">
+            <a:pPr marL="0" indent="0" algn="r">
               <a:buNone/>
             </a:pPr>
             <a:r>

--- a/프레젠테이션1.pptx
+++ b/프레젠테이션1.pptx
@@ -27,13 +27,14 @@
     <p:sldId id="270" r:id="rId21"/>
     <p:sldId id="272" r:id="rId22"/>
     <p:sldId id="273" r:id="rId23"/>
-    <p:sldId id="275" r:id="rId24"/>
-    <p:sldId id="274" r:id="rId25"/>
-    <p:sldId id="282" r:id="rId26"/>
-    <p:sldId id="283" r:id="rId27"/>
-    <p:sldId id="284" r:id="rId28"/>
-    <p:sldId id="281" r:id="rId29"/>
-    <p:sldId id="285" r:id="rId30"/>
+    <p:sldId id="274" r:id="rId24"/>
+    <p:sldId id="282" r:id="rId25"/>
+    <p:sldId id="283" r:id="rId26"/>
+    <p:sldId id="284" r:id="rId27"/>
+    <p:sldId id="281" r:id="rId28"/>
+    <p:sldId id="285" r:id="rId29"/>
+    <p:sldId id="286" r:id="rId30"/>
+    <p:sldId id="287" r:id="rId31"/>
   </p:sldIdLst>
   <p:sldSz cx="9144000" cy="6858000" type="screen4x3"/>
   <p:notesSz cx="6858000" cy="9144000"/>
@@ -330,7 +331,7 @@
           <a:p>
             <a:fld id="{D8E78BD5-A634-488A-837F-5C093A253C16}" type="datetimeFigureOut">
               <a:rPr lang="ko-KR" altLang="en-US" smtClean="0"/>
-              <a:t>2025-01-15</a:t>
+              <a:t>2025-01-16</a:t>
             </a:fld>
             <a:endParaRPr lang="ko-KR" altLang="en-US"/>
           </a:p>
@@ -498,7 +499,7 @@
           <a:p>
             <a:fld id="{D8E78BD5-A634-488A-837F-5C093A253C16}" type="datetimeFigureOut">
               <a:rPr lang="ko-KR" altLang="en-US" smtClean="0"/>
-              <a:t>2025-01-15</a:t>
+              <a:t>2025-01-16</a:t>
             </a:fld>
             <a:endParaRPr lang="ko-KR" altLang="en-US"/>
           </a:p>
@@ -676,7 +677,7 @@
           <a:p>
             <a:fld id="{D8E78BD5-A634-488A-837F-5C093A253C16}" type="datetimeFigureOut">
               <a:rPr lang="ko-KR" altLang="en-US" smtClean="0"/>
-              <a:t>2025-01-15</a:t>
+              <a:t>2025-01-16</a:t>
             </a:fld>
             <a:endParaRPr lang="ko-KR" altLang="en-US"/>
           </a:p>
@@ -844,7 +845,7 @@
           <a:p>
             <a:fld id="{D8E78BD5-A634-488A-837F-5C093A253C16}" type="datetimeFigureOut">
               <a:rPr lang="ko-KR" altLang="en-US" smtClean="0"/>
-              <a:t>2025-01-15</a:t>
+              <a:t>2025-01-16</a:t>
             </a:fld>
             <a:endParaRPr lang="ko-KR" altLang="en-US"/>
           </a:p>
@@ -1089,7 +1090,7 @@
           <a:p>
             <a:fld id="{D8E78BD5-A634-488A-837F-5C093A253C16}" type="datetimeFigureOut">
               <a:rPr lang="ko-KR" altLang="en-US" smtClean="0"/>
-              <a:t>2025-01-15</a:t>
+              <a:t>2025-01-16</a:t>
             </a:fld>
             <a:endParaRPr lang="ko-KR" altLang="en-US"/>
           </a:p>
@@ -1374,7 +1375,7 @@
           <a:p>
             <a:fld id="{D8E78BD5-A634-488A-837F-5C093A253C16}" type="datetimeFigureOut">
               <a:rPr lang="ko-KR" altLang="en-US" smtClean="0"/>
-              <a:t>2025-01-15</a:t>
+              <a:t>2025-01-16</a:t>
             </a:fld>
             <a:endParaRPr lang="ko-KR" altLang="en-US"/>
           </a:p>
@@ -1793,7 +1794,7 @@
           <a:p>
             <a:fld id="{D8E78BD5-A634-488A-837F-5C093A253C16}" type="datetimeFigureOut">
               <a:rPr lang="ko-KR" altLang="en-US" smtClean="0"/>
-              <a:t>2025-01-15</a:t>
+              <a:t>2025-01-16</a:t>
             </a:fld>
             <a:endParaRPr lang="ko-KR" altLang="en-US"/>
           </a:p>
@@ -1910,7 +1911,7 @@
           <a:p>
             <a:fld id="{D8E78BD5-A634-488A-837F-5C093A253C16}" type="datetimeFigureOut">
               <a:rPr lang="ko-KR" altLang="en-US" smtClean="0"/>
-              <a:t>2025-01-15</a:t>
+              <a:t>2025-01-16</a:t>
             </a:fld>
             <a:endParaRPr lang="ko-KR" altLang="en-US"/>
           </a:p>
@@ -2005,7 +2006,7 @@
           <a:p>
             <a:fld id="{D8E78BD5-A634-488A-837F-5C093A253C16}" type="datetimeFigureOut">
               <a:rPr lang="ko-KR" altLang="en-US" smtClean="0"/>
-              <a:t>2025-01-15</a:t>
+              <a:t>2025-01-16</a:t>
             </a:fld>
             <a:endParaRPr lang="ko-KR" altLang="en-US"/>
           </a:p>
@@ -2280,7 +2281,7 @@
           <a:p>
             <a:fld id="{D8E78BD5-A634-488A-837F-5C093A253C16}" type="datetimeFigureOut">
               <a:rPr lang="ko-KR" altLang="en-US" smtClean="0"/>
-              <a:t>2025-01-15</a:t>
+              <a:t>2025-01-16</a:t>
             </a:fld>
             <a:endParaRPr lang="ko-KR" altLang="en-US"/>
           </a:p>
@@ -2532,7 +2533,7 @@
           <a:p>
             <a:fld id="{D8E78BD5-A634-488A-837F-5C093A253C16}" type="datetimeFigureOut">
               <a:rPr lang="ko-KR" altLang="en-US" smtClean="0"/>
-              <a:t>2025-01-15</a:t>
+              <a:t>2025-01-16</a:t>
             </a:fld>
             <a:endParaRPr lang="ko-KR" altLang="en-US"/>
           </a:p>
@@ -2743,7 +2744,7 @@
           <a:p>
             <a:fld id="{D8E78BD5-A634-488A-837F-5C093A253C16}" type="datetimeFigureOut">
               <a:rPr lang="ko-KR" altLang="en-US" smtClean="0"/>
-              <a:t>2025-01-15</a:t>
+              <a:t>2025-01-16</a:t>
             </a:fld>
             <a:endParaRPr lang="ko-KR" altLang="en-US"/>
           </a:p>
@@ -3962,8 +3963,8 @@
         </p:nvSpPr>
         <p:spPr>
           <a:xfrm>
-            <a:off x="457200" y="1361583"/>
-            <a:ext cx="8229600" cy="1900807"/>
+            <a:off x="457200" y="1608429"/>
+            <a:ext cx="8229600" cy="884468"/>
           </a:xfrm>
         </p:spPr>
         <p:txBody>
@@ -3976,18 +3977,21 @@
               <a:buNone/>
             </a:pPr>
             <a:r>
-              <a:rPr lang="en-US" altLang="ko-KR" dirty="0">
+              <a:rPr lang="en-US" altLang="ko-KR" sz="2400" u="sng" dirty="0">
                 <a:latin typeface="KoPubWorld돋움체_Pro Bold" panose="00000800000000000000" pitchFamily="50" charset="-127"/>
                 <a:ea typeface="KoPubWorld돋움체_Pro Bold" panose="00000800000000000000" pitchFamily="50" charset="-127"/>
                 <a:cs typeface="KoPubWorld돋움체_Pro Bold" panose="00000800000000000000" pitchFamily="50" charset="-127"/>
               </a:rPr>
               <a:t>Orders</a:t>
             </a:r>
-          </a:p>
-          <a:p>
-            <a:pPr marL="0" indent="0">
-              <a:buNone/>
-            </a:pPr>
+            <a:r>
+              <a:rPr lang="en-US" altLang="ko-KR" sz="1800" dirty="0">
+                <a:latin typeface="KoPubWorld돋움체_Pro Light" panose="00000300000000000000" pitchFamily="50" charset="-127"/>
+                <a:ea typeface="KoPubWorld돋움체_Pro Light" panose="00000300000000000000" pitchFamily="50" charset="-127"/>
+                <a:cs typeface="KoPubWorld돋움체_Pro Light" panose="00000300000000000000" pitchFamily="50" charset="-127"/>
+              </a:rPr>
+              <a:t> </a:t>
+            </a:r>
             <a:r>
               <a:rPr lang="ko-KR" altLang="en-US" sz="1800" dirty="0">
                 <a:latin typeface="KoPubWorld돋움체_Pro Light" panose="00000300000000000000" pitchFamily="50" charset="-127"/>
@@ -4007,7 +4011,7 @@
               <a:buNone/>
             </a:pPr>
             <a:r>
-              <a:rPr lang="ko-KR" altLang="en-US" sz="2000" u="sng" dirty="0">
+              <a:rPr lang="ko-KR" altLang="en-US" sz="1800" u="sng" dirty="0">
                 <a:latin typeface="KoPubWorld돋움체_Pro Bold" panose="00000800000000000000" pitchFamily="50" charset="-127"/>
                 <a:ea typeface="KoPubWorld돋움체_Pro Bold" panose="00000800000000000000" pitchFamily="50" charset="-127"/>
                 <a:cs typeface="KoPubWorld돋움체_Pro Bold" panose="00000800000000000000" pitchFamily="50" charset="-127"/>
@@ -4015,7 +4019,7 @@
               <a:t>총 구매횟수 상위 </a:t>
             </a:r>
             <a:r>
-              <a:rPr lang="en-US" altLang="ko-KR" sz="2000" u="sng" dirty="0">
+              <a:rPr lang="en-US" altLang="ko-KR" sz="1800" u="sng" dirty="0">
                 <a:latin typeface="KoPubWorld돋움체_Pro Bold" panose="00000800000000000000" pitchFamily="50" charset="-127"/>
                 <a:ea typeface="KoPubWorld돋움체_Pro Bold" panose="00000800000000000000" pitchFamily="50" charset="-127"/>
                 <a:cs typeface="KoPubWorld돋움체_Pro Bold" panose="00000800000000000000" pitchFamily="50" charset="-127"/>
@@ -4023,22 +4027,62 @@
               <a:t>20</a:t>
             </a:r>
             <a:r>
-              <a:rPr lang="ko-KR" altLang="en-US" sz="2000" u="sng" dirty="0">
+              <a:rPr lang="ko-KR" altLang="en-US" sz="1800" u="sng" dirty="0">
                 <a:latin typeface="KoPubWorld돋움체_Pro Bold" panose="00000800000000000000" pitchFamily="50" charset="-127"/>
                 <a:ea typeface="KoPubWorld돋움체_Pro Bold" panose="00000800000000000000" pitchFamily="50" charset="-127"/>
                 <a:cs typeface="KoPubWorld돋움체_Pro Bold" panose="00000800000000000000" pitchFamily="50" charset="-127"/>
               </a:rPr>
-              <a:t>퍼센트의 고객만 정제</a:t>
+              <a:t>퍼센트의 고객만 정제 후</a:t>
+            </a:r>
+            <a:r>
+              <a:rPr lang="en-US" altLang="ko-KR" sz="1800" u="sng" dirty="0">
+                <a:latin typeface="KoPubWorld돋움체_Pro Bold" panose="00000800000000000000" pitchFamily="50" charset="-127"/>
+                <a:ea typeface="KoPubWorld돋움체_Pro Bold" panose="00000800000000000000" pitchFamily="50" charset="-127"/>
+                <a:cs typeface="KoPubWorld돋움체_Pro Bold" panose="00000800000000000000" pitchFamily="50" charset="-127"/>
+              </a:rPr>
+              <a:t> </a:t>
+            </a:r>
+            <a:r>
+              <a:rPr lang="ko-KR" altLang="en-US" sz="1800" u="sng" dirty="0" err="1">
+                <a:latin typeface="KoPubWorld돋움체_Pro Bold" panose="00000800000000000000" pitchFamily="50" charset="-127"/>
+                <a:ea typeface="KoPubWorld돋움체_Pro Bold" panose="00000800000000000000" pitchFamily="50" charset="-127"/>
+                <a:cs typeface="KoPubWorld돋움체_Pro Bold" panose="00000800000000000000" pitchFamily="50" charset="-127"/>
+              </a:rPr>
+              <a:t>결측치를</a:t>
+            </a:r>
+            <a:r>
+              <a:rPr lang="ko-KR" altLang="en-US" sz="1800" u="sng" dirty="0">
+                <a:latin typeface="KoPubWorld돋움체_Pro Bold" panose="00000800000000000000" pitchFamily="50" charset="-127"/>
+                <a:ea typeface="KoPubWorld돋움체_Pro Bold" panose="00000800000000000000" pitchFamily="50" charset="-127"/>
+                <a:cs typeface="KoPubWorld돋움체_Pro Bold" panose="00000800000000000000" pitchFamily="50" charset="-127"/>
+              </a:rPr>
+              <a:t> 각 </a:t>
+            </a:r>
+            <a:r>
+              <a:rPr lang="en-US" altLang="ko-KR" sz="1800" u="sng" dirty="0" err="1">
+                <a:latin typeface="KoPubWorld돋움체_Pro Bold" panose="00000800000000000000" pitchFamily="50" charset="-127"/>
+                <a:ea typeface="KoPubWorld돋움체_Pro Bold" panose="00000800000000000000" pitchFamily="50" charset="-127"/>
+                <a:cs typeface="KoPubWorld돋움체_Pro Bold" panose="00000800000000000000" pitchFamily="50" charset="-127"/>
+              </a:rPr>
+              <a:t>user_id</a:t>
+            </a:r>
+            <a:r>
+              <a:rPr lang="ko-KR" altLang="en-US" sz="1800" u="sng" dirty="0">
+                <a:latin typeface="KoPubWorld돋움체_Pro Bold" panose="00000800000000000000" pitchFamily="50" charset="-127"/>
+                <a:ea typeface="KoPubWorld돋움체_Pro Bold" panose="00000800000000000000" pitchFamily="50" charset="-127"/>
+                <a:cs typeface="KoPubWorld돋움체_Pro Bold" panose="00000800000000000000" pitchFamily="50" charset="-127"/>
+              </a:rPr>
+              <a:t>의 평균값으로 대체</a:t>
             </a:r>
           </a:p>
         </p:txBody>
       </p:sp>
       <p:pic>
         <p:nvPicPr>
-          <p:cNvPr id="5" name="그림 4">
+          <p:cNvPr id="7" name="그림 6">
             <a:extLst>
               <a:ext uri="{FF2B5EF4-FFF2-40B4-BE49-F238E27FC236}">
-                <a16:creationId xmlns:a16="http://schemas.microsoft.com/office/drawing/2014/main" id="{227A2898-26F3-4578-855E-90E662D52FE6}"/>
+                <a16:creationId xmlns:a16="http://schemas.microsoft.com/office/drawing/2014/main" id="{7560BD2B-3590-4941-80DD-BA9CEA86AFB8}"/>
               </a:ext>
             </a:extLst>
           </p:cNvPr>
@@ -4061,8 +4105,8 @@
         </p:blipFill>
         <p:spPr>
           <a:xfrm>
-            <a:off x="539553" y="2780928"/>
-            <a:ext cx="4945900" cy="1082646"/>
+            <a:off x="539552" y="2780928"/>
+            <a:ext cx="5187351" cy="1744695"/>
           </a:xfrm>
           <a:prstGeom prst="rect">
             <a:avLst/>
@@ -4071,10 +4115,10 @@
       </p:pic>
       <p:pic>
         <p:nvPicPr>
-          <p:cNvPr id="7" name="그림 6">
+          <p:cNvPr id="6" name="그림 5">
             <a:extLst>
               <a:ext uri="{FF2B5EF4-FFF2-40B4-BE49-F238E27FC236}">
-                <a16:creationId xmlns:a16="http://schemas.microsoft.com/office/drawing/2014/main" id="{7560BD2B-3590-4941-80DD-BA9CEA86AFB8}"/>
+                <a16:creationId xmlns:a16="http://schemas.microsoft.com/office/drawing/2014/main" id="{3247C58B-67C1-49B0-B3DF-92A3E7F8A639}"/>
               </a:ext>
             </a:extLst>
           </p:cNvPr>
@@ -4097,8 +4141,8 @@
         </p:blipFill>
         <p:spPr>
           <a:xfrm>
-            <a:off x="539552" y="4138302"/>
-            <a:ext cx="5187351" cy="1744695"/>
+            <a:off x="457200" y="4747719"/>
+            <a:ext cx="6149764" cy="1497395"/>
           </a:xfrm>
           <a:prstGeom prst="rect">
             <a:avLst/>
@@ -4183,12 +4227,20 @@
               <a:buNone/>
             </a:pPr>
             <a:r>
+              <a:rPr lang="en-US" altLang="ko-KR" sz="2000" dirty="0" err="1">
+                <a:latin typeface="KoPubWorld돋움체_Pro Light" panose="00000300000000000000" pitchFamily="50" charset="-127"/>
+                <a:ea typeface="KoPubWorld돋움체_Pro Light" panose="00000300000000000000" pitchFamily="50" charset="-127"/>
+                <a:cs typeface="KoPubWorld돋움체_Pro Light" panose="00000300000000000000" pitchFamily="50" charset="-127"/>
+              </a:rPr>
+              <a:t>Product_id</a:t>
+            </a:r>
+            <a:r>
               <a:rPr lang="ko-KR" altLang="en-US" sz="2000" dirty="0">
                 <a:latin typeface="KoPubWorld돋움체_Pro Light" panose="00000300000000000000" pitchFamily="50" charset="-127"/>
                 <a:ea typeface="KoPubWorld돋움체_Pro Light" panose="00000300000000000000" pitchFamily="50" charset="-127"/>
                 <a:cs typeface="KoPubWorld돋움체_Pro Light" panose="00000300000000000000" pitchFamily="50" charset="-127"/>
               </a:rPr>
-              <a:t>주문횟수 상위 </a:t>
+              <a:t>를 기준으로 </a:t>
             </a:r>
             <a:r>
               <a:rPr lang="en-US" altLang="ko-KR" sz="2000" dirty="0">
@@ -4196,25 +4248,30 @@
                 <a:ea typeface="KoPubWorld돋움체_Pro Light" panose="00000300000000000000" pitchFamily="50" charset="-127"/>
                 <a:cs typeface="KoPubWorld돋움체_Pro Light" panose="00000300000000000000" pitchFamily="50" charset="-127"/>
               </a:rPr>
-              <a:t>20</a:t>
-            </a:r>
-            <a:r>
-              <a:rPr lang="ko-KR" altLang="en-US" sz="2000" dirty="0">
-                <a:latin typeface="KoPubWorld돋움체_Pro Light" panose="00000300000000000000" pitchFamily="50" charset="-127"/>
-                <a:ea typeface="KoPubWorld돋움체_Pro Light" panose="00000300000000000000" pitchFamily="50" charset="-127"/>
-                <a:cs typeface="KoPubWorld돋움체_Pro Light" panose="00000300000000000000" pitchFamily="50" charset="-127"/>
-              </a:rPr>
-              <a:t>퍼센트의 상품만 정제</a:t>
-            </a:r>
+              <a:t>20% </a:t>
+            </a:r>
+            <a:r>
+              <a:rPr lang="ko-KR" altLang="en-US" sz="2000" u="sng" dirty="0" err="1">
+                <a:latin typeface="KoPubWorld돋움체_Pro Light" panose="00000300000000000000" pitchFamily="50" charset="-127"/>
+                <a:ea typeface="KoPubWorld돋움체_Pro Light" panose="00000300000000000000" pitchFamily="50" charset="-127"/>
+                <a:cs typeface="KoPubWorld돋움체_Pro Light" panose="00000300000000000000" pitchFamily="50" charset="-127"/>
+              </a:rPr>
+              <a:t>층화추출</a:t>
+            </a:r>
+            <a:endParaRPr lang="ko-KR" altLang="en-US" sz="2000" u="sng" dirty="0">
+              <a:latin typeface="KoPubWorld돋움체_Pro Light" panose="00000300000000000000" pitchFamily="50" charset="-127"/>
+              <a:ea typeface="KoPubWorld돋움체_Pro Light" panose="00000300000000000000" pitchFamily="50" charset="-127"/>
+              <a:cs typeface="KoPubWorld돋움체_Pro Light" panose="00000300000000000000" pitchFamily="50" charset="-127"/>
+            </a:endParaRPr>
           </a:p>
         </p:txBody>
       </p:sp>
       <p:pic>
         <p:nvPicPr>
-          <p:cNvPr id="5" name="그림 4">
+          <p:cNvPr id="4" name="그림 3">
             <a:extLst>
               <a:ext uri="{FF2B5EF4-FFF2-40B4-BE49-F238E27FC236}">
-                <a16:creationId xmlns:a16="http://schemas.microsoft.com/office/drawing/2014/main" id="{1B82C8B2-2A9C-46A8-A0DD-908D4383EBFB}"/>
+                <a16:creationId xmlns:a16="http://schemas.microsoft.com/office/drawing/2014/main" id="{F3AB68A6-73B8-4B55-9B7A-4371AE05BD84}"/>
               </a:ext>
             </a:extLst>
           </p:cNvPr>
@@ -4237,8 +4294,8 @@
         </p:blipFill>
         <p:spPr>
           <a:xfrm>
-            <a:off x="539552" y="1556792"/>
-            <a:ext cx="5616624" cy="4253504"/>
+            <a:off x="443465" y="1549237"/>
+            <a:ext cx="7944959" cy="4544059"/>
           </a:xfrm>
           <a:prstGeom prst="rect">
             <a:avLst/>
@@ -5043,7 +5100,7 @@
                 <a:ea typeface="KoPubWorld돋움체_Pro Bold" panose="00000800000000000000" pitchFamily="50" charset="-127"/>
                 <a:cs typeface="KoPubWorld돋움체_Pro Bold" panose="00000800000000000000" pitchFamily="50" charset="-127"/>
               </a:rPr>
-              <a:t>고객 별 구매패턴 데이터</a:t>
+              <a:t>상품 별 구매패턴 데이터</a:t>
             </a:r>
           </a:p>
         </p:txBody>
@@ -5083,7 +5140,23 @@
                 <a:ea typeface="KoPubWorld돋움체_Pro Bold" panose="00000800000000000000" pitchFamily="50" charset="-127"/>
                 <a:cs typeface="KoPubWorld돋움체_Pro Bold" panose="00000800000000000000" pitchFamily="50" charset="-127"/>
               </a:rPr>
-              <a:t>고객 별 구매패턴 데이터</a:t>
+              <a:t>고객</a:t>
+            </a:r>
+            <a:r>
+              <a:rPr lang="en-US" altLang="ko-KR" sz="1600" dirty="0">
+                <a:latin typeface="KoPubWorld돋움체_Pro Bold" panose="00000800000000000000" pitchFamily="50" charset="-127"/>
+                <a:ea typeface="KoPubWorld돋움체_Pro Bold" panose="00000800000000000000" pitchFamily="50" charset="-127"/>
+                <a:cs typeface="KoPubWorld돋움체_Pro Bold" panose="00000800000000000000" pitchFamily="50" charset="-127"/>
+              </a:rPr>
+              <a:t>-</a:t>
+            </a:r>
+            <a:r>
+              <a:rPr lang="ko-KR" altLang="en-US" sz="1600" dirty="0">
+                <a:latin typeface="KoPubWorld돋움체_Pro Bold" panose="00000800000000000000" pitchFamily="50" charset="-127"/>
+                <a:ea typeface="KoPubWorld돋움체_Pro Bold" panose="00000800000000000000" pitchFamily="50" charset="-127"/>
+                <a:cs typeface="KoPubWorld돋움체_Pro Bold" panose="00000800000000000000" pitchFamily="50" charset="-127"/>
+              </a:rPr>
+              <a:t>상품 별 구매패턴 데이터</a:t>
             </a:r>
           </a:p>
         </p:txBody>
@@ -5336,8 +5409,8 @@
         </p:nvSpPr>
         <p:spPr>
           <a:xfrm>
-            <a:off x="2807804" y="5025014"/>
-            <a:ext cx="3528392" cy="954107"/>
+            <a:off x="2807804" y="4797152"/>
+            <a:ext cx="3528392" cy="1384995"/>
           </a:xfrm>
           <a:prstGeom prst="rect">
             <a:avLst/>
@@ -5390,6 +5463,46 @@
                 <a:cs typeface="KoPubWorld돋움체_Pro Light" panose="00000300000000000000" pitchFamily="50" charset="-127"/>
               </a:rPr>
               <a:t>주문률</a:t>
+            </a:r>
+            <a:endParaRPr lang="en-US" altLang="ko-KR" sz="1400" u="sng" dirty="0">
+              <a:latin typeface="KoPubWorld돋움체_Pro Light" panose="00000300000000000000" pitchFamily="50" charset="-127"/>
+              <a:ea typeface="KoPubWorld돋움체_Pro Light" panose="00000300000000000000" pitchFamily="50" charset="-127"/>
+              <a:cs typeface="KoPubWorld돋움체_Pro Light" panose="00000300000000000000" pitchFamily="50" charset="-127"/>
+            </a:endParaRPr>
+          </a:p>
+          <a:p>
+            <a:pPr algn="ctr"/>
+            <a:endParaRPr lang="en-US" altLang="ko-KR" sz="1400" u="sng" dirty="0">
+              <a:latin typeface="KoPubWorld돋움체_Pro Light" panose="00000300000000000000" pitchFamily="50" charset="-127"/>
+              <a:ea typeface="KoPubWorld돋움체_Pro Light" panose="00000300000000000000" pitchFamily="50" charset="-127"/>
+              <a:cs typeface="KoPubWorld돋움체_Pro Light" panose="00000300000000000000" pitchFamily="50" charset="-127"/>
+            </a:endParaRPr>
+          </a:p>
+          <a:p>
+            <a:pPr algn="ctr"/>
+            <a:r>
+              <a:rPr lang="ko-KR" altLang="en-US" sz="1400" u="sng" dirty="0">
+                <a:latin typeface="KoPubWorld돋움체_Pro Light" panose="00000300000000000000" pitchFamily="50" charset="-127"/>
+                <a:ea typeface="KoPubWorld돋움체_Pro Light" panose="00000300000000000000" pitchFamily="50" charset="-127"/>
+                <a:cs typeface="KoPubWorld돋움체_Pro Light" panose="00000300000000000000" pitchFamily="50" charset="-127"/>
+              </a:rPr>
+              <a:t>특정 고객의 특정 상품 </a:t>
+            </a:r>
+            <a:r>
+              <a:rPr lang="ko-KR" altLang="en-US" sz="1400" u="sng" dirty="0" err="1">
+                <a:latin typeface="KoPubWorld돋움체_Pro Light" panose="00000300000000000000" pitchFamily="50" charset="-127"/>
+                <a:ea typeface="KoPubWorld돋움체_Pro Light" panose="00000300000000000000" pitchFamily="50" charset="-127"/>
+                <a:cs typeface="KoPubWorld돋움체_Pro Light" panose="00000300000000000000" pitchFamily="50" charset="-127"/>
+              </a:rPr>
+              <a:t>재주문</a:t>
+            </a:r>
+            <a:r>
+              <a:rPr lang="ko-KR" altLang="en-US" sz="1400" u="sng" dirty="0">
+                <a:latin typeface="KoPubWorld돋움체_Pro Light" panose="00000300000000000000" pitchFamily="50" charset="-127"/>
+                <a:ea typeface="KoPubWorld돋움체_Pro Light" panose="00000300000000000000" pitchFamily="50" charset="-127"/>
+                <a:cs typeface="KoPubWorld돋움체_Pro Light" panose="00000300000000000000" pitchFamily="50" charset="-127"/>
+              </a:rPr>
+              <a:t> 평균 기간</a:t>
             </a:r>
             <a:endParaRPr lang="en-US" altLang="ko-KR" sz="1400" u="sng" dirty="0">
               <a:latin typeface="KoPubWorld돋움체_Pro Light" panose="00000300000000000000" pitchFamily="50" charset="-127"/>
@@ -5945,16 +6058,22 @@
             <p:ph type="title"/>
           </p:nvPr>
         </p:nvSpPr>
-        <p:spPr/>
+        <p:spPr>
+          <a:xfrm>
+            <a:off x="2483768" y="836712"/>
+            <a:ext cx="6203032" cy="1143000"/>
+          </a:xfrm>
+        </p:spPr>
         <p:txBody>
           <a:bodyPr/>
           <a:lstStyle/>
           <a:p>
-            <a:pPr algn="l"/>
+            <a:pPr algn="r"/>
             <a:r>
               <a:rPr lang="ko-KR" altLang="en-US" dirty="0">
-                <a:latin typeface="KoPub돋움체_Pro Bold" pitchFamily="50" charset="-127"/>
-                <a:ea typeface="KoPub돋움체_Pro Bold" pitchFamily="50" charset="-127"/>
+                <a:latin typeface="KoPubWorld돋움체_Pro Bold" panose="00000800000000000000" pitchFamily="50" charset="-127"/>
+                <a:ea typeface="KoPubWorld돋움체_Pro Bold" panose="00000800000000000000" pitchFamily="50" charset="-127"/>
+                <a:cs typeface="KoPubWorld돋움체_Pro Bold" panose="00000800000000000000" pitchFamily="50" charset="-127"/>
               </a:rPr>
               <a:t>프로젝트 배경 및 문제 제기</a:t>
             </a:r>
@@ -5973,8 +6092,8 @@
         </p:nvSpPr>
         <p:spPr>
           <a:xfrm>
-            <a:off x="467544" y="1340768"/>
-            <a:ext cx="8208912" cy="5184576"/>
+            <a:off x="467544" y="1902842"/>
+            <a:ext cx="8208912" cy="3968231"/>
           </a:xfrm>
         </p:spPr>
         <p:txBody>
@@ -5983,7 +6102,7 @@
           </a:bodyPr>
           <a:lstStyle/>
           <a:p>
-            <a:pPr marL="0" indent="0">
+            <a:pPr marL="0" indent="0" algn="r">
               <a:lnSpc>
                 <a:spcPct val="170000"/>
               </a:lnSpc>
@@ -5991,73 +6110,81 @@
             </a:pPr>
             <a:r>
               <a:rPr lang="ko-KR" altLang="en-US" b="1" u="sng" dirty="0">
-                <a:latin typeface="KoPub돋움체_Pro Bold" pitchFamily="50" charset="-127"/>
-                <a:ea typeface="KoPub돋움체_Pro Bold" pitchFamily="50" charset="-127"/>
+                <a:latin typeface="KoPubWorld돋움체_Pro Bold" panose="00000800000000000000" pitchFamily="50" charset="-127"/>
+                <a:ea typeface="KoPubWorld돋움체_Pro Bold" panose="00000800000000000000" pitchFamily="50" charset="-127"/>
+                <a:cs typeface="KoPubWorld돋움체_Pro Bold" panose="00000800000000000000" pitchFamily="50" charset="-127"/>
               </a:rPr>
               <a:t>프로젝트 배경</a:t>
             </a:r>
             <a:endParaRPr lang="en-US" altLang="ko-KR" sz="2400" b="1" dirty="0">
-              <a:latin typeface="KoPub돋움체_Pro Bold" pitchFamily="50" charset="-127"/>
-              <a:ea typeface="KoPub돋움체_Pro Bold" pitchFamily="50" charset="-127"/>
+              <a:latin typeface="KoPubWorld돋움체_Pro Bold" panose="00000800000000000000" pitchFamily="50" charset="-127"/>
+              <a:ea typeface="KoPubWorld돋움체_Pro Bold" panose="00000800000000000000" pitchFamily="50" charset="-127"/>
+              <a:cs typeface="KoPubWorld돋움체_Pro Bold" panose="00000800000000000000" pitchFamily="50" charset="-127"/>
             </a:endParaRPr>
           </a:p>
           <a:p>
-            <a:pPr marL="0" indent="0">
+            <a:pPr marL="0" indent="0" algn="r">
               <a:lnSpc>
-                <a:spcPct val="110000"/>
+                <a:spcPct val="120000"/>
               </a:lnSpc>
               <a:buNone/>
             </a:pPr>
             <a:r>
-              <a:rPr lang="ko-KR" altLang="en-US" sz="1700" dirty="0">
-                <a:latin typeface="KoPub돋움체_Pro Light" pitchFamily="50" charset="-127"/>
-                <a:ea typeface="KoPub돋움체_Pro Light" pitchFamily="50" charset="-127"/>
+              <a:rPr lang="ko-KR" altLang="en-US" sz="1400" dirty="0">
+                <a:latin typeface="KoPubWorld돋움체_Pro Light" panose="00000300000000000000" pitchFamily="50" charset="-127"/>
+                <a:ea typeface="KoPubWorld돋움체_Pro Light" panose="00000300000000000000" pitchFamily="50" charset="-127"/>
+                <a:cs typeface="KoPubWorld돋움체_Pro Light" panose="00000300000000000000" pitchFamily="50" charset="-127"/>
               </a:rPr>
               <a:t>온라인 쇼핑의 보급으로 인한 충동 구매 증가</a:t>
             </a:r>
-            <a:endParaRPr lang="en-US" altLang="ko-KR" sz="1700" dirty="0">
-              <a:latin typeface="KoPub돋움체_Pro Light" pitchFamily="50" charset="-127"/>
-              <a:ea typeface="KoPub돋움체_Pro Light" pitchFamily="50" charset="-127"/>
+            <a:endParaRPr lang="en-US" altLang="ko-KR" sz="1400" dirty="0">
+              <a:latin typeface="KoPubWorld돋움체_Pro Light" panose="00000300000000000000" pitchFamily="50" charset="-127"/>
+              <a:ea typeface="KoPubWorld돋움체_Pro Light" panose="00000300000000000000" pitchFamily="50" charset="-127"/>
+              <a:cs typeface="KoPubWorld돋움체_Pro Light" panose="00000300000000000000" pitchFamily="50" charset="-127"/>
             </a:endParaRPr>
           </a:p>
           <a:p>
-            <a:pPr marL="0" indent="0">
+            <a:pPr marL="0" indent="0" algn="r">
               <a:lnSpc>
-                <a:spcPct val="110000"/>
+                <a:spcPct val="120000"/>
               </a:lnSpc>
               <a:buNone/>
             </a:pPr>
             <a:r>
-              <a:rPr lang="ko-KR" altLang="en-US" sz="1700" dirty="0">
-                <a:latin typeface="KoPub돋움체_Pro Light" pitchFamily="50" charset="-127"/>
-                <a:ea typeface="KoPub돋움체_Pro Light" pitchFamily="50" charset="-127"/>
+              <a:rPr lang="ko-KR" altLang="en-US" sz="1400" dirty="0">
+                <a:latin typeface="KoPubWorld돋움체_Pro Light" panose="00000300000000000000" pitchFamily="50" charset="-127"/>
+                <a:ea typeface="KoPubWorld돋움체_Pro Light" panose="00000300000000000000" pitchFamily="50" charset="-127"/>
+                <a:cs typeface="KoPubWorld돋움체_Pro Light" panose="00000300000000000000" pitchFamily="50" charset="-127"/>
               </a:rPr>
               <a:t>그 결과</a:t>
             </a:r>
             <a:r>
-              <a:rPr lang="en-US" altLang="ko-KR" sz="1700" dirty="0">
-                <a:latin typeface="KoPub돋움체_Pro Light" pitchFamily="50" charset="-127"/>
-                <a:ea typeface="KoPub돋움체_Pro Light" pitchFamily="50" charset="-127"/>
+              <a:rPr lang="en-US" altLang="ko-KR" sz="1400" dirty="0">
+                <a:latin typeface="KoPubWorld돋움체_Pro Light" panose="00000300000000000000" pitchFamily="50" charset="-127"/>
+                <a:ea typeface="KoPubWorld돋움체_Pro Light" panose="00000300000000000000" pitchFamily="50" charset="-127"/>
+                <a:cs typeface="KoPubWorld돋움체_Pro Light" panose="00000300000000000000" pitchFamily="50" charset="-127"/>
               </a:rPr>
               <a:t>, </a:t>
             </a:r>
             <a:r>
-              <a:rPr lang="ko-KR" altLang="en-US" sz="1700" dirty="0">
-                <a:latin typeface="KoPub돋움체_Pro Light" pitchFamily="50" charset="-127"/>
-                <a:ea typeface="KoPub돋움체_Pro Light" pitchFamily="50" charset="-127"/>
+              <a:rPr lang="ko-KR" altLang="en-US" sz="1400" dirty="0">
+                <a:latin typeface="KoPubWorld돋움체_Pro Light" panose="00000300000000000000" pitchFamily="50" charset="-127"/>
+                <a:ea typeface="KoPubWorld돋움체_Pro Light" panose="00000300000000000000" pitchFamily="50" charset="-127"/>
+                <a:cs typeface="KoPubWorld돋움체_Pro Light" panose="00000300000000000000" pitchFamily="50" charset="-127"/>
               </a:rPr>
               <a:t>구매 후 사용하지 않는 제품이 증가해 고객 불만을 초래함</a:t>
             </a:r>
             <a:r>
-              <a:rPr lang="en-US" altLang="ko-KR" sz="1700" dirty="0">
-                <a:latin typeface="KoPub돋움체_Pro Light" pitchFamily="50" charset="-127"/>
-                <a:ea typeface="KoPub돋움체_Pro Light" pitchFamily="50" charset="-127"/>
+              <a:rPr lang="en-US" altLang="ko-KR" sz="1400" dirty="0">
+                <a:latin typeface="KoPubWorld돋움체_Pro Light" panose="00000300000000000000" pitchFamily="50" charset="-127"/>
+                <a:ea typeface="KoPubWorld돋움체_Pro Light" panose="00000300000000000000" pitchFamily="50" charset="-127"/>
+                <a:cs typeface="KoPubWorld돋움체_Pro Light" panose="00000300000000000000" pitchFamily="50" charset="-127"/>
               </a:rPr>
               <a:t>.</a:t>
             </a:r>
           </a:p>
           <a:p>
-            <a:pPr marL="0" indent="0">
+            <a:pPr marL="0" indent="0" algn="r">
               <a:lnSpc>
                 <a:spcPct val="150000"/>
               </a:lnSpc>
@@ -6065,87 +6192,97 @@
             </a:pPr>
             <a:r>
               <a:rPr lang="ko-KR" altLang="en-US" sz="2400" b="1" dirty="0">
-                <a:latin typeface="KoPub돋움체_Pro Bold" pitchFamily="50" charset="-127"/>
-                <a:ea typeface="KoPub돋움체_Pro Bold" pitchFamily="50" charset="-127"/>
+                <a:latin typeface="KoPubWorld돋움체_Pro Bold" panose="00000800000000000000" pitchFamily="50" charset="-127"/>
+                <a:ea typeface="KoPubWorld돋움체_Pro Bold" panose="00000800000000000000" pitchFamily="50" charset="-127"/>
+                <a:cs typeface="KoPubWorld돋움체_Pro Bold" panose="00000800000000000000" pitchFamily="50" charset="-127"/>
               </a:rPr>
               <a:t>기업의 관점</a:t>
             </a:r>
             <a:endParaRPr lang="en-US" altLang="ko-KR" sz="2400" dirty="0">
-              <a:latin typeface="KoPub돋움체_Pro Bold" pitchFamily="50" charset="-127"/>
-              <a:ea typeface="KoPub돋움체_Pro Bold" pitchFamily="50" charset="-127"/>
+              <a:latin typeface="KoPubWorld돋움체_Pro Bold" panose="00000800000000000000" pitchFamily="50" charset="-127"/>
+              <a:ea typeface="KoPubWorld돋움체_Pro Bold" panose="00000800000000000000" pitchFamily="50" charset="-127"/>
+              <a:cs typeface="KoPubWorld돋움체_Pro Bold" panose="00000800000000000000" pitchFamily="50" charset="-127"/>
             </a:endParaRPr>
           </a:p>
           <a:p>
-            <a:pPr marL="0" indent="0">
+            <a:pPr marL="0" indent="0" algn="r">
               <a:lnSpc>
-                <a:spcPct val="110000"/>
+                <a:spcPct val="120000"/>
               </a:lnSpc>
               <a:buNone/>
             </a:pPr>
             <a:r>
-              <a:rPr lang="ko-KR" altLang="en-US" sz="1700" dirty="0">
-                <a:latin typeface="KoPub돋움체_Pro Light" pitchFamily="50" charset="-127"/>
-                <a:ea typeface="KoPub돋움체_Pro Light" pitchFamily="50" charset="-127"/>
+              <a:rPr lang="ko-KR" altLang="en-US" sz="1400" dirty="0">
+                <a:latin typeface="KoPubWorld돋움체_Pro Light" panose="00000300000000000000" pitchFamily="50" charset="-127"/>
+                <a:ea typeface="KoPubWorld돋움체_Pro Light" panose="00000300000000000000" pitchFamily="50" charset="-127"/>
+                <a:cs typeface="KoPubWorld돋움체_Pro Light" panose="00000300000000000000" pitchFamily="50" charset="-127"/>
               </a:rPr>
               <a:t>불필요 구매는 </a:t>
             </a:r>
             <a:r>
-              <a:rPr lang="ko-KR" altLang="en-US" sz="1700" dirty="0" err="1">
-                <a:latin typeface="KoPub돋움체_Pro Light" pitchFamily="50" charset="-127"/>
-                <a:ea typeface="KoPub돋움체_Pro Light" pitchFamily="50" charset="-127"/>
+              <a:rPr lang="ko-KR" altLang="en-US" sz="1400" dirty="0" err="1">
+                <a:latin typeface="KoPubWorld돋움체_Pro Light" panose="00000300000000000000" pitchFamily="50" charset="-127"/>
+                <a:ea typeface="KoPubWorld돋움체_Pro Light" panose="00000300000000000000" pitchFamily="50" charset="-127"/>
+                <a:cs typeface="KoPubWorld돋움체_Pro Light" panose="00000300000000000000" pitchFamily="50" charset="-127"/>
               </a:rPr>
               <a:t>반품율</a:t>
             </a:r>
             <a:r>
-              <a:rPr lang="ko-KR" altLang="en-US" sz="1700" dirty="0">
-                <a:latin typeface="KoPub돋움체_Pro Light" pitchFamily="50" charset="-127"/>
-                <a:ea typeface="KoPub돋움체_Pro Light" pitchFamily="50" charset="-127"/>
+              <a:rPr lang="ko-KR" altLang="en-US" sz="1400" dirty="0">
+                <a:latin typeface="KoPubWorld돋움체_Pro Light" panose="00000300000000000000" pitchFamily="50" charset="-127"/>
+                <a:ea typeface="KoPubWorld돋움체_Pro Light" panose="00000300000000000000" pitchFamily="50" charset="-127"/>
+                <a:cs typeface="KoPubWorld돋움체_Pro Light" panose="00000300000000000000" pitchFamily="50" charset="-127"/>
               </a:rPr>
               <a:t> 증가</a:t>
             </a:r>
             <a:r>
-              <a:rPr lang="en-US" altLang="ko-KR" sz="1700" dirty="0">
-                <a:latin typeface="KoPub돋움체_Pro Light" pitchFamily="50" charset="-127"/>
-                <a:ea typeface="KoPub돋움체_Pro Light" pitchFamily="50" charset="-127"/>
+              <a:rPr lang="en-US" altLang="ko-KR" sz="1400" dirty="0">
+                <a:latin typeface="KoPubWorld돋움체_Pro Light" panose="00000300000000000000" pitchFamily="50" charset="-127"/>
+                <a:ea typeface="KoPubWorld돋움체_Pro Light" panose="00000300000000000000" pitchFamily="50" charset="-127"/>
+                <a:cs typeface="KoPubWorld돋움체_Pro Light" panose="00000300000000000000" pitchFamily="50" charset="-127"/>
               </a:rPr>
               <a:t>, </a:t>
             </a:r>
             <a:r>
-              <a:rPr lang="ko-KR" altLang="en-US" sz="1700" dirty="0">
-                <a:latin typeface="KoPub돋움체_Pro Light" pitchFamily="50" charset="-127"/>
-                <a:ea typeface="KoPub돋움체_Pro Light" pitchFamily="50" charset="-127"/>
+              <a:rPr lang="ko-KR" altLang="en-US" sz="1400" dirty="0">
+                <a:latin typeface="KoPubWorld돋움체_Pro Light" panose="00000300000000000000" pitchFamily="50" charset="-127"/>
+                <a:ea typeface="KoPubWorld돋움체_Pro Light" panose="00000300000000000000" pitchFamily="50" charset="-127"/>
+                <a:cs typeface="KoPubWorld돋움체_Pro Light" panose="00000300000000000000" pitchFamily="50" charset="-127"/>
               </a:rPr>
               <a:t>재고 관리 비용 상승 등으로 이어짐</a:t>
             </a:r>
             <a:r>
-              <a:rPr lang="en-US" altLang="ko-KR" sz="1700" dirty="0">
-                <a:latin typeface="KoPub돋움체_Pro Light" pitchFamily="50" charset="-127"/>
-                <a:ea typeface="KoPub돋움체_Pro Light" pitchFamily="50" charset="-127"/>
+              <a:rPr lang="en-US" altLang="ko-KR" sz="1400" dirty="0">
+                <a:latin typeface="KoPubWorld돋움체_Pro Light" panose="00000300000000000000" pitchFamily="50" charset="-127"/>
+                <a:ea typeface="KoPubWorld돋움체_Pro Light" panose="00000300000000000000" pitchFamily="50" charset="-127"/>
+                <a:cs typeface="KoPubWorld돋움체_Pro Light" panose="00000300000000000000" pitchFamily="50" charset="-127"/>
               </a:rPr>
               <a:t>.</a:t>
             </a:r>
           </a:p>
           <a:p>
-            <a:pPr marL="0" indent="0">
+            <a:pPr marL="0" indent="0" algn="r">
               <a:lnSpc>
-                <a:spcPct val="110000"/>
+                <a:spcPct val="120000"/>
               </a:lnSpc>
               <a:buNone/>
             </a:pPr>
             <a:r>
-              <a:rPr lang="ko-KR" altLang="en-US" sz="1700" dirty="0">
-                <a:latin typeface="KoPub돋움체_Pro Light" pitchFamily="50" charset="-127"/>
-                <a:ea typeface="KoPub돋움체_Pro Light" pitchFamily="50" charset="-127"/>
+              <a:rPr lang="ko-KR" altLang="en-US" sz="1400" dirty="0">
+                <a:latin typeface="KoPubWorld돋움체_Pro Light" panose="00000300000000000000" pitchFamily="50" charset="-127"/>
+                <a:ea typeface="KoPubWorld돋움체_Pro Light" panose="00000300000000000000" pitchFamily="50" charset="-127"/>
+                <a:cs typeface="KoPubWorld돋움체_Pro Light" panose="00000300000000000000" pitchFamily="50" charset="-127"/>
               </a:rPr>
               <a:t>불필요 구매를 줄임으로써 고객 충성도와 운영 효율성 제고 가능</a:t>
             </a:r>
-            <a:endParaRPr lang="en-US" altLang="ko-KR" sz="1700" dirty="0">
-              <a:latin typeface="KoPub돋움체_Pro Light" pitchFamily="50" charset="-127"/>
-              <a:ea typeface="KoPub돋움체_Pro Light" pitchFamily="50" charset="-127"/>
+            <a:endParaRPr lang="en-US" altLang="ko-KR" sz="1400" dirty="0">
+              <a:latin typeface="KoPubWorld돋움체_Pro Light" panose="00000300000000000000" pitchFamily="50" charset="-127"/>
+              <a:ea typeface="KoPubWorld돋움체_Pro Light" panose="00000300000000000000" pitchFamily="50" charset="-127"/>
+              <a:cs typeface="KoPubWorld돋움체_Pro Light" panose="00000300000000000000" pitchFamily="50" charset="-127"/>
             </a:endParaRPr>
           </a:p>
           <a:p>
-            <a:pPr marL="0" indent="0">
+            <a:pPr marL="0" indent="0" algn="r">
               <a:lnSpc>
                 <a:spcPct val="150000"/>
               </a:lnSpc>
@@ -6153,76 +6290,84 @@
             </a:pPr>
             <a:r>
               <a:rPr lang="ko-KR" altLang="en-US" sz="2400" b="1" dirty="0">
-                <a:latin typeface="KoPub돋움체_Pro Bold" pitchFamily="50" charset="-127"/>
-                <a:ea typeface="KoPub돋움체_Pro Bold" pitchFamily="50" charset="-127"/>
+                <a:latin typeface="KoPubWorld돋움체_Pro Bold" panose="00000800000000000000" pitchFamily="50" charset="-127"/>
+                <a:ea typeface="KoPubWorld돋움체_Pro Bold" panose="00000800000000000000" pitchFamily="50" charset="-127"/>
+                <a:cs typeface="KoPubWorld돋움체_Pro Bold" panose="00000800000000000000" pitchFamily="50" charset="-127"/>
               </a:rPr>
               <a:t>소비자 관점</a:t>
             </a:r>
             <a:endParaRPr lang="en-US" altLang="ko-KR" sz="2400" dirty="0">
-              <a:latin typeface="KoPub돋움체_Pro Bold" pitchFamily="50" charset="-127"/>
-              <a:ea typeface="KoPub돋움체_Pro Bold" pitchFamily="50" charset="-127"/>
+              <a:latin typeface="KoPubWorld돋움체_Pro Bold" panose="00000800000000000000" pitchFamily="50" charset="-127"/>
+              <a:ea typeface="KoPubWorld돋움체_Pro Bold" panose="00000800000000000000" pitchFamily="50" charset="-127"/>
+              <a:cs typeface="KoPubWorld돋움체_Pro Bold" panose="00000800000000000000" pitchFamily="50" charset="-127"/>
             </a:endParaRPr>
           </a:p>
           <a:p>
-            <a:pPr marL="0" indent="0">
+            <a:pPr marL="0" indent="0" algn="r">
               <a:lnSpc>
-                <a:spcPct val="110000"/>
+                <a:spcPct val="120000"/>
               </a:lnSpc>
               <a:buNone/>
             </a:pPr>
             <a:r>
-              <a:rPr lang="ko-KR" altLang="en-US" sz="1700" dirty="0">
-                <a:latin typeface="KoPub돋움체_Pro Light" pitchFamily="50" charset="-127"/>
-                <a:ea typeface="KoPub돋움체_Pro Light" pitchFamily="50" charset="-127"/>
+              <a:rPr lang="ko-KR" altLang="en-US" sz="1400" dirty="0">
+                <a:latin typeface="KoPubWorld돋움체_Pro Light" panose="00000300000000000000" pitchFamily="50" charset="-127"/>
+                <a:ea typeface="KoPubWorld돋움체_Pro Light" panose="00000300000000000000" pitchFamily="50" charset="-127"/>
+                <a:cs typeface="KoPubWorld돋움체_Pro Light" panose="00000300000000000000" pitchFamily="50" charset="-127"/>
               </a:rPr>
               <a:t>불필요 구매는 가계 지출 부담을 가중하고</a:t>
             </a:r>
             <a:r>
-              <a:rPr lang="en-US" altLang="ko-KR" sz="1700" dirty="0">
-                <a:latin typeface="KoPub돋움체_Pro Light" pitchFamily="50" charset="-127"/>
-                <a:ea typeface="KoPub돋움체_Pro Light" pitchFamily="50" charset="-127"/>
+              <a:rPr lang="en-US" altLang="ko-KR" sz="1400" dirty="0">
+                <a:latin typeface="KoPubWorld돋움체_Pro Light" panose="00000300000000000000" pitchFamily="50" charset="-127"/>
+                <a:ea typeface="KoPubWorld돋움체_Pro Light" panose="00000300000000000000" pitchFamily="50" charset="-127"/>
+                <a:cs typeface="KoPubWorld돋움체_Pro Light" panose="00000300000000000000" pitchFamily="50" charset="-127"/>
               </a:rPr>
               <a:t>, </a:t>
             </a:r>
             <a:r>
-              <a:rPr lang="ko-KR" altLang="en-US" sz="1700" dirty="0">
-                <a:latin typeface="KoPub돋움체_Pro Light" pitchFamily="50" charset="-127"/>
-                <a:ea typeface="KoPub돋움체_Pro Light" pitchFamily="50" charset="-127"/>
+              <a:rPr lang="ko-KR" altLang="en-US" sz="1400" dirty="0">
+                <a:latin typeface="KoPubWorld돋움체_Pro Light" panose="00000300000000000000" pitchFamily="50" charset="-127"/>
+                <a:ea typeface="KoPubWorld돋움체_Pro Light" panose="00000300000000000000" pitchFamily="50" charset="-127"/>
+                <a:cs typeface="KoPubWorld돋움체_Pro Light" panose="00000300000000000000" pitchFamily="50" charset="-127"/>
               </a:rPr>
               <a:t>심리적 스트레스 유발</a:t>
             </a:r>
             <a:r>
-              <a:rPr lang="en-US" altLang="ko-KR" sz="1700" dirty="0">
-                <a:latin typeface="KoPub돋움체_Pro Light" pitchFamily="50" charset="-127"/>
-                <a:ea typeface="KoPub돋움체_Pro Light" pitchFamily="50" charset="-127"/>
+              <a:rPr lang="en-US" altLang="ko-KR" sz="1400" dirty="0">
+                <a:latin typeface="KoPubWorld돋움체_Pro Light" panose="00000300000000000000" pitchFamily="50" charset="-127"/>
+                <a:ea typeface="KoPubWorld돋움체_Pro Light" panose="00000300000000000000" pitchFamily="50" charset="-127"/>
+                <a:cs typeface="KoPubWorld돋움체_Pro Light" panose="00000300000000000000" pitchFamily="50" charset="-127"/>
               </a:rPr>
               <a:t>.</a:t>
             </a:r>
           </a:p>
           <a:p>
-            <a:pPr marL="0" indent="0">
+            <a:pPr marL="0" indent="0" algn="r">
               <a:lnSpc>
-                <a:spcPct val="110000"/>
+                <a:spcPct val="120000"/>
               </a:lnSpc>
               <a:buNone/>
             </a:pPr>
             <a:r>
-              <a:rPr lang="ko-KR" altLang="en-US" sz="1700" dirty="0">
-                <a:latin typeface="KoPub돋움체_Pro Light" pitchFamily="50" charset="-127"/>
-                <a:ea typeface="KoPub돋움체_Pro Light" pitchFamily="50" charset="-127"/>
+              <a:rPr lang="ko-KR" altLang="en-US" sz="1400" dirty="0">
+                <a:latin typeface="KoPubWorld돋움체_Pro Light" panose="00000300000000000000" pitchFamily="50" charset="-127"/>
+                <a:ea typeface="KoPubWorld돋움체_Pro Light" panose="00000300000000000000" pitchFamily="50" charset="-127"/>
+                <a:cs typeface="KoPubWorld돋움체_Pro Light" panose="00000300000000000000" pitchFamily="50" charset="-127"/>
               </a:rPr>
               <a:t>개인 맞춤형 솔루션이 있다면 소비자 만족도와 쇼핑 경험이 개선될 가능성이 큼</a:t>
             </a:r>
             <a:r>
-              <a:rPr lang="en-US" altLang="ko-KR" sz="1700" dirty="0">
-                <a:latin typeface="KoPub돋움체_Pro Light" pitchFamily="50" charset="-127"/>
-                <a:ea typeface="KoPub돋움체_Pro Light" pitchFamily="50" charset="-127"/>
+              <a:rPr lang="en-US" altLang="ko-KR" sz="1400" dirty="0">
+                <a:latin typeface="KoPubWorld돋움체_Pro Light" panose="00000300000000000000" pitchFamily="50" charset="-127"/>
+                <a:ea typeface="KoPubWorld돋움체_Pro Light" panose="00000300000000000000" pitchFamily="50" charset="-127"/>
+                <a:cs typeface="KoPubWorld돋움체_Pro Light" panose="00000300000000000000" pitchFamily="50" charset="-127"/>
               </a:rPr>
               <a:t>.</a:t>
             </a:r>
           </a:p>
           <a:p>
-            <a:pPr marL="0" indent="0">
+            <a:pPr marL="0" indent="0" algn="r">
               <a:buNone/>
             </a:pPr>
             <a:endParaRPr lang="en-US" altLang="ko-KR" b="1" u="sng" dirty="0">
@@ -6262,12 +6407,221 @@
           <a:chExt cx="0" cy="0"/>
         </a:xfrm>
       </p:grpSpPr>
+      <p:sp>
+        <p:nvSpPr>
+          <p:cNvPr id="6" name="TextBox 5">
+            <a:extLst>
+              <a:ext uri="{FF2B5EF4-FFF2-40B4-BE49-F238E27FC236}">
+                <a16:creationId xmlns:a16="http://schemas.microsoft.com/office/drawing/2014/main" id="{74AC075E-C6D8-494F-98F5-B87EDD53EA86}"/>
+              </a:ext>
+            </a:extLst>
+          </p:cNvPr>
+          <p:cNvSpPr txBox="1"/>
+          <p:nvPr/>
+        </p:nvSpPr>
+        <p:spPr>
+          <a:xfrm>
+            <a:off x="5436096" y="1982450"/>
+            <a:ext cx="3456384" cy="2893100"/>
+          </a:xfrm>
+          <a:prstGeom prst="rect">
+            <a:avLst/>
+          </a:prstGeom>
+          <a:noFill/>
+        </p:spPr>
+        <p:txBody>
+          <a:bodyPr wrap="square" rtlCol="0">
+            <a:spAutoFit/>
+          </a:bodyPr>
+          <a:lstStyle/>
+          <a:p>
+            <a:r>
+              <a:rPr lang="ko-KR" altLang="en-US" sz="2000" dirty="0">
+                <a:latin typeface="KoPubWorld돋움체_Pro Bold" panose="00000800000000000000" pitchFamily="50" charset="-127"/>
+                <a:ea typeface="KoPubWorld돋움체_Pro Bold" panose="00000800000000000000" pitchFamily="50" charset="-127"/>
+                <a:cs typeface="KoPubWorld돋움체_Pro Bold" panose="00000800000000000000" pitchFamily="50" charset="-127"/>
+              </a:rPr>
+              <a:t>고객</a:t>
+            </a:r>
+            <a:r>
+              <a:rPr lang="en-US" altLang="ko-KR" sz="2000" dirty="0">
+                <a:latin typeface="KoPubWorld돋움체_Pro Bold" panose="00000800000000000000" pitchFamily="50" charset="-127"/>
+                <a:ea typeface="KoPubWorld돋움체_Pro Bold" panose="00000800000000000000" pitchFamily="50" charset="-127"/>
+                <a:cs typeface="KoPubWorld돋움체_Pro Bold" panose="00000800000000000000" pitchFamily="50" charset="-127"/>
+              </a:rPr>
+              <a:t>-</a:t>
+            </a:r>
+            <a:r>
+              <a:rPr lang="ko-KR" altLang="en-US" sz="2000" dirty="0">
+                <a:latin typeface="KoPubWorld돋움체_Pro Bold" panose="00000800000000000000" pitchFamily="50" charset="-127"/>
+                <a:ea typeface="KoPubWorld돋움체_Pro Bold" panose="00000800000000000000" pitchFamily="50" charset="-127"/>
+                <a:cs typeface="KoPubWorld돋움체_Pro Bold" panose="00000800000000000000" pitchFamily="50" charset="-127"/>
+              </a:rPr>
+              <a:t>상품 조합 정보</a:t>
+            </a:r>
+            <a:endParaRPr lang="en-US" altLang="ko-KR" sz="2000" dirty="0">
+              <a:latin typeface="KoPubWorld돋움체_Pro Bold" panose="00000800000000000000" pitchFamily="50" charset="-127"/>
+              <a:ea typeface="KoPubWorld돋움체_Pro Bold" panose="00000800000000000000" pitchFamily="50" charset="-127"/>
+              <a:cs typeface="KoPubWorld돋움체_Pro Bold" panose="00000800000000000000" pitchFamily="50" charset="-127"/>
+            </a:endParaRPr>
+          </a:p>
+          <a:p>
+            <a:endParaRPr lang="en-US" altLang="ko-KR" dirty="0"/>
+          </a:p>
+          <a:p>
+            <a:r>
+              <a:rPr lang="ko-KR" altLang="en-US" sz="1600" dirty="0">
+                <a:latin typeface="KoPubWorld돋움체_Pro Light" panose="00000300000000000000" pitchFamily="50" charset="-127"/>
+                <a:ea typeface="KoPubWorld돋움체_Pro Light" panose="00000300000000000000" pitchFamily="50" charset="-127"/>
+                <a:cs typeface="KoPubWorld돋움체_Pro Light" panose="00000300000000000000" pitchFamily="50" charset="-127"/>
+              </a:rPr>
+              <a:t>고객</a:t>
+            </a:r>
+            <a:r>
+              <a:rPr lang="en-US" altLang="ko-KR" sz="1600" dirty="0">
+                <a:latin typeface="KoPubWorld돋움체_Pro Light" panose="00000300000000000000" pitchFamily="50" charset="-127"/>
+                <a:ea typeface="KoPubWorld돋움체_Pro Light" panose="00000300000000000000" pitchFamily="50" charset="-127"/>
+                <a:cs typeface="KoPubWorld돋움체_Pro Light" panose="00000300000000000000" pitchFamily="50" charset="-127"/>
+              </a:rPr>
+              <a:t>-</a:t>
+            </a:r>
+            <a:r>
+              <a:rPr lang="ko-KR" altLang="en-US" sz="1600" dirty="0">
+                <a:latin typeface="KoPubWorld돋움체_Pro Light" panose="00000300000000000000" pitchFamily="50" charset="-127"/>
+                <a:ea typeface="KoPubWorld돋움체_Pro Light" panose="00000300000000000000" pitchFamily="50" charset="-127"/>
+                <a:cs typeface="KoPubWorld돋움체_Pro Light" panose="00000300000000000000" pitchFamily="50" charset="-127"/>
+              </a:rPr>
+              <a:t>상품 모두에 대한 정보인</a:t>
+            </a:r>
+            <a:endParaRPr lang="en-US" altLang="ko-KR" sz="1600" dirty="0">
+              <a:latin typeface="KoPubWorld돋움체_Pro Light" panose="00000300000000000000" pitchFamily="50" charset="-127"/>
+              <a:ea typeface="KoPubWorld돋움체_Pro Light" panose="00000300000000000000" pitchFamily="50" charset="-127"/>
+              <a:cs typeface="KoPubWorld돋움체_Pro Light" panose="00000300000000000000" pitchFamily="50" charset="-127"/>
+            </a:endParaRPr>
+          </a:p>
+          <a:p>
+            <a:endParaRPr lang="en-US" altLang="ko-KR" sz="1600" dirty="0">
+              <a:latin typeface="KoPubWorld돋움체_Pro Light" panose="00000300000000000000" pitchFamily="50" charset="-127"/>
+              <a:ea typeface="KoPubWorld돋움체_Pro Light" panose="00000300000000000000" pitchFamily="50" charset="-127"/>
+              <a:cs typeface="KoPubWorld돋움체_Pro Light" panose="00000300000000000000" pitchFamily="50" charset="-127"/>
+            </a:endParaRPr>
+          </a:p>
+          <a:p>
+            <a:r>
+              <a:rPr lang="ko-KR" altLang="en-US" sz="1600" dirty="0">
+                <a:latin typeface="KoPubWorld돋움체_Pro Light" panose="00000300000000000000" pitchFamily="50" charset="-127"/>
+                <a:ea typeface="KoPubWorld돋움체_Pro Light" panose="00000300000000000000" pitchFamily="50" charset="-127"/>
+                <a:cs typeface="KoPubWorld돋움체_Pro Light" panose="00000300000000000000" pitchFamily="50" charset="-127"/>
+              </a:rPr>
+              <a:t>독립변수</a:t>
+            </a:r>
+            <a:r>
+              <a:rPr lang="en-US" altLang="ko-KR" sz="1600" dirty="0">
+                <a:latin typeface="KoPubWorld돋움체_Pro Light" panose="00000300000000000000" pitchFamily="50" charset="-127"/>
+                <a:ea typeface="KoPubWorld돋움체_Pro Light" panose="00000300000000000000" pitchFamily="50" charset="-127"/>
+                <a:cs typeface="KoPubWorld돋움체_Pro Light" panose="00000300000000000000" pitchFamily="50" charset="-127"/>
+              </a:rPr>
+              <a:t>,</a:t>
+            </a:r>
+          </a:p>
+          <a:p>
+            <a:endParaRPr lang="en-US" altLang="ko-KR" sz="1600" u="sng" dirty="0">
+              <a:latin typeface="KoPubWorld돋움체_Pro Light" panose="00000300000000000000" pitchFamily="50" charset="-127"/>
+              <a:ea typeface="KoPubWorld돋움체_Pro Light" panose="00000300000000000000" pitchFamily="50" charset="-127"/>
+              <a:cs typeface="KoPubWorld돋움체_Pro Light" panose="00000300000000000000" pitchFamily="50" charset="-127"/>
+            </a:endParaRPr>
+          </a:p>
+          <a:p>
+            <a:r>
+              <a:rPr lang="ko-KR" altLang="en-US" sz="1600" u="sng" dirty="0">
+                <a:latin typeface="KoPubWorld돋움체_Pro Light" panose="00000300000000000000" pitchFamily="50" charset="-127"/>
+                <a:ea typeface="KoPubWorld돋움체_Pro Light" panose="00000300000000000000" pitchFamily="50" charset="-127"/>
+                <a:cs typeface="KoPubWorld돋움체_Pro Light" panose="00000300000000000000" pitchFamily="50" charset="-127"/>
+              </a:rPr>
+              <a:t>특정 고객의 특정 상품 총 주문 수</a:t>
+            </a:r>
+            <a:endParaRPr lang="en-US" altLang="ko-KR" sz="1600" u="sng" dirty="0">
+              <a:latin typeface="KoPubWorld돋움체_Pro Light" panose="00000300000000000000" pitchFamily="50" charset="-127"/>
+              <a:ea typeface="KoPubWorld돋움체_Pro Light" panose="00000300000000000000" pitchFamily="50" charset="-127"/>
+              <a:cs typeface="KoPubWorld돋움체_Pro Light" panose="00000300000000000000" pitchFamily="50" charset="-127"/>
+            </a:endParaRPr>
+          </a:p>
+          <a:p>
+            <a:endParaRPr lang="en-US" altLang="ko-KR" sz="1600" u="sng" dirty="0">
+              <a:latin typeface="KoPubWorld돋움체_Pro Light" panose="00000300000000000000" pitchFamily="50" charset="-127"/>
+              <a:ea typeface="KoPubWorld돋움체_Pro Light" panose="00000300000000000000" pitchFamily="50" charset="-127"/>
+              <a:cs typeface="KoPubWorld돋움체_Pro Light" panose="00000300000000000000" pitchFamily="50" charset="-127"/>
+            </a:endParaRPr>
+          </a:p>
+          <a:p>
+            <a:r>
+              <a:rPr lang="ko-KR" altLang="en-US" sz="1600" u="sng" dirty="0">
+                <a:latin typeface="KoPubWorld돋움체_Pro Light" panose="00000300000000000000" pitchFamily="50" charset="-127"/>
+                <a:ea typeface="KoPubWorld돋움체_Pro Light" panose="00000300000000000000" pitchFamily="50" charset="-127"/>
+                <a:cs typeface="KoPubWorld돋움체_Pro Light" panose="00000300000000000000" pitchFamily="50" charset="-127"/>
+              </a:rPr>
+              <a:t>특정 고객의 특정 상품 재 </a:t>
+            </a:r>
+            <a:r>
+              <a:rPr lang="ko-KR" altLang="en-US" sz="1600" u="sng" dirty="0" err="1">
+                <a:latin typeface="KoPubWorld돋움체_Pro Light" panose="00000300000000000000" pitchFamily="50" charset="-127"/>
+                <a:ea typeface="KoPubWorld돋움체_Pro Light" panose="00000300000000000000" pitchFamily="50" charset="-127"/>
+                <a:cs typeface="KoPubWorld돋움체_Pro Light" panose="00000300000000000000" pitchFamily="50" charset="-127"/>
+              </a:rPr>
+              <a:t>주문률</a:t>
+            </a:r>
+            <a:endParaRPr lang="en-US" altLang="ko-KR" sz="1600" u="sng" dirty="0">
+              <a:latin typeface="KoPubWorld돋움체_Pro Light" panose="00000300000000000000" pitchFamily="50" charset="-127"/>
+              <a:ea typeface="KoPubWorld돋움체_Pro Light" panose="00000300000000000000" pitchFamily="50" charset="-127"/>
+              <a:cs typeface="KoPubWorld돋움체_Pro Light" panose="00000300000000000000" pitchFamily="50" charset="-127"/>
+            </a:endParaRPr>
+          </a:p>
+          <a:p>
+            <a:endParaRPr lang="en-US" altLang="ko-KR" sz="1600" u="sng" dirty="0">
+              <a:latin typeface="KoPubWorld돋움체_Pro Light" panose="00000300000000000000" pitchFamily="50" charset="-127"/>
+              <a:ea typeface="KoPubWorld돋움체_Pro Light" panose="00000300000000000000" pitchFamily="50" charset="-127"/>
+              <a:cs typeface="KoPubWorld돋움체_Pro Light" panose="00000300000000000000" pitchFamily="50" charset="-127"/>
+            </a:endParaRPr>
+          </a:p>
+          <a:p>
+            <a:r>
+              <a:rPr lang="ko-KR" altLang="en-US" sz="1600" u="sng" dirty="0">
+                <a:latin typeface="KoPubWorld돋움체_Pro Light" panose="00000300000000000000" pitchFamily="50" charset="-127"/>
+                <a:ea typeface="KoPubWorld돋움체_Pro Light" panose="00000300000000000000" pitchFamily="50" charset="-127"/>
+                <a:cs typeface="KoPubWorld돋움체_Pro Light" panose="00000300000000000000" pitchFamily="50" charset="-127"/>
+              </a:rPr>
+              <a:t>특정 고객의 특정 상품 </a:t>
+            </a:r>
+            <a:r>
+              <a:rPr lang="ko-KR" altLang="en-US" sz="1600" u="sng" dirty="0" err="1">
+                <a:latin typeface="KoPubWorld돋움체_Pro Light" panose="00000300000000000000" pitchFamily="50" charset="-127"/>
+                <a:ea typeface="KoPubWorld돋움체_Pro Light" panose="00000300000000000000" pitchFamily="50" charset="-127"/>
+                <a:cs typeface="KoPubWorld돋움체_Pro Light" panose="00000300000000000000" pitchFamily="50" charset="-127"/>
+              </a:rPr>
+              <a:t>재주문</a:t>
+            </a:r>
+            <a:r>
+              <a:rPr lang="ko-KR" altLang="en-US" sz="1600" u="sng" dirty="0">
+                <a:latin typeface="KoPubWorld돋움체_Pro Light" panose="00000300000000000000" pitchFamily="50" charset="-127"/>
+                <a:ea typeface="KoPubWorld돋움체_Pro Light" panose="00000300000000000000" pitchFamily="50" charset="-127"/>
+                <a:cs typeface="KoPubWorld돋움체_Pro Light" panose="00000300000000000000" pitchFamily="50" charset="-127"/>
+              </a:rPr>
+              <a:t> 주기 평균</a:t>
+            </a:r>
+            <a:endParaRPr lang="en-US" altLang="ko-KR" sz="1600" u="sng" dirty="0">
+              <a:latin typeface="KoPubWorld돋움체_Pro Light" panose="00000300000000000000" pitchFamily="50" charset="-127"/>
+              <a:ea typeface="KoPubWorld돋움체_Pro Light" panose="00000300000000000000" pitchFamily="50" charset="-127"/>
+              <a:cs typeface="KoPubWorld돋움체_Pro Light" panose="00000300000000000000" pitchFamily="50" charset="-127"/>
+            </a:endParaRPr>
+          </a:p>
+        </p:txBody>
+      </p:sp>
       <p:pic>
         <p:nvPicPr>
-          <p:cNvPr id="5" name="내용 개체 틀 4">
+          <p:cNvPr id="8" name="내용 개체 틀 7">
             <a:extLst>
               <a:ext uri="{FF2B5EF4-FFF2-40B4-BE49-F238E27FC236}">
-                <a16:creationId xmlns:a16="http://schemas.microsoft.com/office/drawing/2014/main" id="{CFB29CFD-0C7E-4CAD-91C7-179B7AE9CA97}"/>
+                <a16:creationId xmlns:a16="http://schemas.microsoft.com/office/drawing/2014/main" id="{371664B0-63FE-4F58-890D-4DE9B10295F7}"/>
               </a:ext>
             </a:extLst>
           </p:cNvPr>
@@ -6292,188 +6646,17 @@
         </p:blipFill>
         <p:spPr>
           <a:xfrm>
-            <a:off x="395537" y="836712"/>
-            <a:ext cx="4968552" cy="2716795"/>
+            <a:off x="395536" y="1196752"/>
+            <a:ext cx="4047388" cy="2400657"/>
           </a:xfrm>
         </p:spPr>
       </p:pic>
-      <p:sp>
-        <p:nvSpPr>
-          <p:cNvPr id="6" name="TextBox 5">
+      <p:pic>
+        <p:nvPicPr>
+          <p:cNvPr id="10" name="그림 9">
             <a:extLst>
               <a:ext uri="{FF2B5EF4-FFF2-40B4-BE49-F238E27FC236}">
-                <a16:creationId xmlns:a16="http://schemas.microsoft.com/office/drawing/2014/main" id="{74AC075E-C6D8-494F-98F5-B87EDD53EA86}"/>
-              </a:ext>
-            </a:extLst>
-          </p:cNvPr>
-          <p:cNvSpPr txBox="1"/>
-          <p:nvPr/>
-        </p:nvSpPr>
-        <p:spPr>
-          <a:xfrm>
-            <a:off x="5580112" y="2106465"/>
-            <a:ext cx="3312368" cy="2400657"/>
-          </a:xfrm>
-          <a:prstGeom prst="rect">
-            <a:avLst/>
-          </a:prstGeom>
-          <a:noFill/>
-        </p:spPr>
-        <p:txBody>
-          <a:bodyPr wrap="square" rtlCol="0">
-            <a:spAutoFit/>
-          </a:bodyPr>
-          <a:lstStyle/>
-          <a:p>
-            <a:r>
-              <a:rPr lang="ko-KR" altLang="en-US" sz="2000" dirty="0">
-                <a:latin typeface="KoPubWorld돋움체_Pro Bold" panose="00000800000000000000" pitchFamily="50" charset="-127"/>
-                <a:ea typeface="KoPubWorld돋움체_Pro Bold" panose="00000800000000000000" pitchFamily="50" charset="-127"/>
-                <a:cs typeface="KoPubWorld돋움체_Pro Bold" panose="00000800000000000000" pitchFamily="50" charset="-127"/>
-              </a:rPr>
-              <a:t>고객</a:t>
-            </a:r>
-            <a:r>
-              <a:rPr lang="en-US" altLang="ko-KR" sz="2000" dirty="0">
-                <a:latin typeface="KoPubWorld돋움체_Pro Bold" panose="00000800000000000000" pitchFamily="50" charset="-127"/>
-                <a:ea typeface="KoPubWorld돋움체_Pro Bold" panose="00000800000000000000" pitchFamily="50" charset="-127"/>
-                <a:cs typeface="KoPubWorld돋움체_Pro Bold" panose="00000800000000000000" pitchFamily="50" charset="-127"/>
-              </a:rPr>
-              <a:t>-</a:t>
-            </a:r>
-            <a:r>
-              <a:rPr lang="ko-KR" altLang="en-US" sz="2000" dirty="0">
-                <a:latin typeface="KoPubWorld돋움체_Pro Bold" panose="00000800000000000000" pitchFamily="50" charset="-127"/>
-                <a:ea typeface="KoPubWorld돋움체_Pro Bold" panose="00000800000000000000" pitchFamily="50" charset="-127"/>
-                <a:cs typeface="KoPubWorld돋움체_Pro Bold" panose="00000800000000000000" pitchFamily="50" charset="-127"/>
-              </a:rPr>
-              <a:t>상품 조합 정보</a:t>
-            </a:r>
-            <a:endParaRPr lang="en-US" altLang="ko-KR" sz="2000" dirty="0">
-              <a:latin typeface="KoPubWorld돋움체_Pro Bold" panose="00000800000000000000" pitchFamily="50" charset="-127"/>
-              <a:ea typeface="KoPubWorld돋움체_Pro Bold" panose="00000800000000000000" pitchFamily="50" charset="-127"/>
-              <a:cs typeface="KoPubWorld돋움체_Pro Bold" panose="00000800000000000000" pitchFamily="50" charset="-127"/>
-            </a:endParaRPr>
-          </a:p>
-          <a:p>
-            <a:endParaRPr lang="en-US" altLang="ko-KR" dirty="0"/>
-          </a:p>
-          <a:p>
-            <a:r>
-              <a:rPr lang="ko-KR" altLang="en-US" sz="1600" dirty="0">
-                <a:latin typeface="KoPubWorld돋움체_Pro Light" panose="00000300000000000000" pitchFamily="50" charset="-127"/>
-                <a:ea typeface="KoPubWorld돋움체_Pro Light" panose="00000300000000000000" pitchFamily="50" charset="-127"/>
-                <a:cs typeface="KoPubWorld돋움체_Pro Light" panose="00000300000000000000" pitchFamily="50" charset="-127"/>
-              </a:rPr>
-              <a:t>고객</a:t>
-            </a:r>
-            <a:r>
-              <a:rPr lang="en-US" altLang="ko-KR" sz="1600" dirty="0">
-                <a:latin typeface="KoPubWorld돋움체_Pro Light" panose="00000300000000000000" pitchFamily="50" charset="-127"/>
-                <a:ea typeface="KoPubWorld돋움체_Pro Light" panose="00000300000000000000" pitchFamily="50" charset="-127"/>
-                <a:cs typeface="KoPubWorld돋움체_Pro Light" panose="00000300000000000000" pitchFamily="50" charset="-127"/>
-              </a:rPr>
-              <a:t>-</a:t>
-            </a:r>
-            <a:r>
-              <a:rPr lang="ko-KR" altLang="en-US" sz="1600" dirty="0">
-                <a:latin typeface="KoPubWorld돋움체_Pro Light" panose="00000300000000000000" pitchFamily="50" charset="-127"/>
-                <a:ea typeface="KoPubWorld돋움체_Pro Light" panose="00000300000000000000" pitchFamily="50" charset="-127"/>
-                <a:cs typeface="KoPubWorld돋움체_Pro Light" panose="00000300000000000000" pitchFamily="50" charset="-127"/>
-              </a:rPr>
-              <a:t>상품 모두에 대한 정보인</a:t>
-            </a:r>
-            <a:endParaRPr lang="en-US" altLang="ko-KR" sz="1600" dirty="0">
-              <a:latin typeface="KoPubWorld돋움체_Pro Light" panose="00000300000000000000" pitchFamily="50" charset="-127"/>
-              <a:ea typeface="KoPubWorld돋움체_Pro Light" panose="00000300000000000000" pitchFamily="50" charset="-127"/>
-              <a:cs typeface="KoPubWorld돋움체_Pro Light" panose="00000300000000000000" pitchFamily="50" charset="-127"/>
-            </a:endParaRPr>
-          </a:p>
-          <a:p>
-            <a:endParaRPr lang="en-US" altLang="ko-KR" sz="1600" dirty="0">
-              <a:latin typeface="KoPubWorld돋움체_Pro Light" panose="00000300000000000000" pitchFamily="50" charset="-127"/>
-              <a:ea typeface="KoPubWorld돋움체_Pro Light" panose="00000300000000000000" pitchFamily="50" charset="-127"/>
-              <a:cs typeface="KoPubWorld돋움체_Pro Light" panose="00000300000000000000" pitchFamily="50" charset="-127"/>
-            </a:endParaRPr>
-          </a:p>
-          <a:p>
-            <a:r>
-              <a:rPr lang="ko-KR" altLang="en-US" sz="1600" dirty="0">
-                <a:latin typeface="KoPubWorld돋움체_Pro Light" panose="00000300000000000000" pitchFamily="50" charset="-127"/>
-                <a:ea typeface="KoPubWorld돋움체_Pro Light" panose="00000300000000000000" pitchFamily="50" charset="-127"/>
-                <a:cs typeface="KoPubWorld돋움체_Pro Light" panose="00000300000000000000" pitchFamily="50" charset="-127"/>
-              </a:rPr>
-              <a:t>독립변수</a:t>
-            </a:r>
-            <a:r>
-              <a:rPr lang="en-US" altLang="ko-KR" sz="1600" dirty="0">
-                <a:latin typeface="KoPubWorld돋움체_Pro Light" panose="00000300000000000000" pitchFamily="50" charset="-127"/>
-                <a:ea typeface="KoPubWorld돋움체_Pro Light" panose="00000300000000000000" pitchFamily="50" charset="-127"/>
-                <a:cs typeface="KoPubWorld돋움체_Pro Light" panose="00000300000000000000" pitchFamily="50" charset="-127"/>
-              </a:rPr>
-              <a:t>,</a:t>
-            </a:r>
-          </a:p>
-          <a:p>
-            <a:endParaRPr lang="en-US" altLang="ko-KR" sz="1600" u="sng" dirty="0">
-              <a:latin typeface="KoPubWorld돋움체_Pro Light" panose="00000300000000000000" pitchFamily="50" charset="-127"/>
-              <a:ea typeface="KoPubWorld돋움체_Pro Light" panose="00000300000000000000" pitchFamily="50" charset="-127"/>
-              <a:cs typeface="KoPubWorld돋움체_Pro Light" panose="00000300000000000000" pitchFamily="50" charset="-127"/>
-            </a:endParaRPr>
-          </a:p>
-          <a:p>
-            <a:r>
-              <a:rPr lang="ko-KR" altLang="en-US" sz="1600" u="sng" dirty="0">
-                <a:latin typeface="KoPubWorld돋움체_Pro Light" panose="00000300000000000000" pitchFamily="50" charset="-127"/>
-                <a:ea typeface="KoPubWorld돋움체_Pro Light" panose="00000300000000000000" pitchFamily="50" charset="-127"/>
-                <a:cs typeface="KoPubWorld돋움체_Pro Light" panose="00000300000000000000" pitchFamily="50" charset="-127"/>
-              </a:rPr>
-              <a:t>특정 고객의 특정 상품 총 주문 수</a:t>
-            </a:r>
-            <a:endParaRPr lang="en-US" altLang="ko-KR" sz="1600" u="sng" dirty="0">
-              <a:latin typeface="KoPubWorld돋움체_Pro Light" panose="00000300000000000000" pitchFamily="50" charset="-127"/>
-              <a:ea typeface="KoPubWorld돋움체_Pro Light" panose="00000300000000000000" pitchFamily="50" charset="-127"/>
-              <a:cs typeface="KoPubWorld돋움체_Pro Light" panose="00000300000000000000" pitchFamily="50" charset="-127"/>
-            </a:endParaRPr>
-          </a:p>
-          <a:p>
-            <a:endParaRPr lang="en-US" altLang="ko-KR" sz="1600" u="sng" dirty="0">
-              <a:latin typeface="KoPubWorld돋움체_Pro Light" panose="00000300000000000000" pitchFamily="50" charset="-127"/>
-              <a:ea typeface="KoPubWorld돋움체_Pro Light" panose="00000300000000000000" pitchFamily="50" charset="-127"/>
-              <a:cs typeface="KoPubWorld돋움체_Pro Light" panose="00000300000000000000" pitchFamily="50" charset="-127"/>
-            </a:endParaRPr>
-          </a:p>
-          <a:p>
-            <a:r>
-              <a:rPr lang="ko-KR" altLang="en-US" sz="1600" u="sng" dirty="0">
-                <a:latin typeface="KoPubWorld돋움체_Pro Light" panose="00000300000000000000" pitchFamily="50" charset="-127"/>
-                <a:ea typeface="KoPubWorld돋움체_Pro Light" panose="00000300000000000000" pitchFamily="50" charset="-127"/>
-                <a:cs typeface="KoPubWorld돋움체_Pro Light" panose="00000300000000000000" pitchFamily="50" charset="-127"/>
-              </a:rPr>
-              <a:t>특정 고객의 특정 상품 재 </a:t>
-            </a:r>
-            <a:r>
-              <a:rPr lang="ko-KR" altLang="en-US" sz="1600" u="sng" dirty="0" err="1">
-                <a:latin typeface="KoPubWorld돋움체_Pro Light" panose="00000300000000000000" pitchFamily="50" charset="-127"/>
-                <a:ea typeface="KoPubWorld돋움체_Pro Light" panose="00000300000000000000" pitchFamily="50" charset="-127"/>
-                <a:cs typeface="KoPubWorld돋움체_Pro Light" panose="00000300000000000000" pitchFamily="50" charset="-127"/>
-              </a:rPr>
-              <a:t>주문률</a:t>
-            </a:r>
-            <a:endParaRPr lang="en-US" altLang="ko-KR" sz="1600" u="sng" dirty="0">
-              <a:latin typeface="KoPubWorld돋움체_Pro Light" panose="00000300000000000000" pitchFamily="50" charset="-127"/>
-              <a:ea typeface="KoPubWorld돋움체_Pro Light" panose="00000300000000000000" pitchFamily="50" charset="-127"/>
-              <a:cs typeface="KoPubWorld돋움체_Pro Light" panose="00000300000000000000" pitchFamily="50" charset="-127"/>
-            </a:endParaRPr>
-          </a:p>
-        </p:txBody>
-      </p:sp>
-      <p:pic>
-        <p:nvPicPr>
-          <p:cNvPr id="3" name="그림 2">
-            <a:extLst>
-              <a:ext uri="{FF2B5EF4-FFF2-40B4-BE49-F238E27FC236}">
-                <a16:creationId xmlns:a16="http://schemas.microsoft.com/office/drawing/2014/main" id="{AFBD8862-8735-49F2-A023-2A1316E93FB4}"/>
+                <a16:creationId xmlns:a16="http://schemas.microsoft.com/office/drawing/2014/main" id="{BE3C5390-1222-4554-98D1-3C3208447D84}"/>
               </a:ext>
             </a:extLst>
           </p:cNvPr>
@@ -6496,8 +6679,8 @@
         </p:blipFill>
         <p:spPr>
           <a:xfrm>
-            <a:off x="395537" y="3645024"/>
-            <a:ext cx="4610743" cy="2181529"/>
+            <a:off x="370879" y="3861048"/>
+            <a:ext cx="4705177" cy="1615210"/>
           </a:xfrm>
           <a:prstGeom prst="rect">
             <a:avLst/>
@@ -7096,27 +7279,51 @@
       </p:grpSpPr>
       <p:sp>
         <p:nvSpPr>
-          <p:cNvPr id="2" name="제목 1">
+          <p:cNvPr id="4" name="제목 1">
             <a:extLst>
               <a:ext uri="{FF2B5EF4-FFF2-40B4-BE49-F238E27FC236}">
-                <a16:creationId xmlns:a16="http://schemas.microsoft.com/office/drawing/2014/main" id="{35BE922E-B807-4AF9-9029-F79705B39356}"/>
+                <a16:creationId xmlns:a16="http://schemas.microsoft.com/office/drawing/2014/main" id="{751E32E6-D812-4577-94F0-3548A05AD73D}"/>
               </a:ext>
             </a:extLst>
           </p:cNvPr>
-          <p:cNvSpPr>
-            <a:spLocks noGrp="1"/>
+          <p:cNvSpPr txBox="1">
+            <a:spLocks/>
           </p:cNvSpPr>
-          <p:nvPr>
-            <p:ph type="title"/>
-          </p:nvPr>
-        </p:nvSpPr>
-        <p:spPr/>
-        <p:txBody>
-          <a:bodyPr/>
-          <a:lstStyle/>
-          <a:p>
-            <a:r>
-              <a:rPr lang="ko-KR" altLang="en-US" dirty="0">
+          <p:nvPr/>
+        </p:nvSpPr>
+        <p:spPr>
+          <a:xfrm>
+            <a:off x="5436096" y="701824"/>
+            <a:ext cx="3250704" cy="710952"/>
+          </a:xfrm>
+          <a:prstGeom prst="rect">
+            <a:avLst/>
+          </a:prstGeom>
+        </p:spPr>
+        <p:txBody>
+          <a:bodyPr vert="horz" lIns="91440" tIns="45720" rIns="91440" bIns="45720" rtlCol="0" anchor="ctr">
+            <a:normAutofit/>
+          </a:bodyPr>
+          <a:lstStyle>
+            <a:lvl1pPr algn="ctr" defTabSz="914400" rtl="0" eaLnBrk="1" latinLnBrk="1" hangingPunct="1">
+              <a:spcBef>
+                <a:spcPct val="0"/>
+              </a:spcBef>
+              <a:buNone/>
+              <a:defRPr sz="4400" kern="1200">
+                <a:solidFill>
+                  <a:schemeClr val="tx1"/>
+                </a:solidFill>
+                <a:latin typeface="+mj-lt"/>
+                <a:ea typeface="+mj-ea"/>
+                <a:cs typeface="+mj-cs"/>
+              </a:defRPr>
+            </a:lvl1pPr>
+          </a:lstStyle>
+          <a:p>
+            <a:pPr algn="r"/>
+            <a:r>
+              <a:rPr lang="ko-KR" altLang="en-US" sz="3200" dirty="0">
                 <a:latin typeface="KoPubWorld돋움체_Pro Bold" panose="00000800000000000000" pitchFamily="50" charset="-127"/>
                 <a:ea typeface="KoPubWorld돋움체_Pro Bold" panose="00000800000000000000" pitchFamily="50" charset="-127"/>
                 <a:cs typeface="KoPubWorld돋움체_Pro Bold" panose="00000800000000000000" pitchFamily="50" charset="-127"/>
@@ -7128,33 +7335,171 @@
       </p:sp>
       <p:sp>
         <p:nvSpPr>
-          <p:cNvPr id="3" name="내용 개체 틀 2">
+          <p:cNvPr id="6" name="내용 개체 틀 2">
             <a:extLst>
               <a:ext uri="{FF2B5EF4-FFF2-40B4-BE49-F238E27FC236}">
-                <a16:creationId xmlns:a16="http://schemas.microsoft.com/office/drawing/2014/main" id="{FAA794D9-D096-4DDE-8B60-A59273019A3A}"/>
+                <a16:creationId xmlns:a16="http://schemas.microsoft.com/office/drawing/2014/main" id="{459C127D-0238-4698-A808-34FEA4E113F1}"/>
               </a:ext>
             </a:extLst>
           </p:cNvPr>
-          <p:cNvSpPr>
-            <a:spLocks noGrp="1"/>
+          <p:cNvSpPr txBox="1">
+            <a:spLocks/>
           </p:cNvSpPr>
-          <p:nvPr>
-            <p:ph idx="1"/>
-          </p:nvPr>
+          <p:nvPr/>
         </p:nvSpPr>
         <p:spPr>
           <a:xfrm>
-            <a:off x="457200" y="1700808"/>
-            <a:ext cx="8229600" cy="4525963"/>
+            <a:off x="457200" y="1556793"/>
+            <a:ext cx="8229600" cy="1512168"/>
           </a:xfrm>
+          <a:prstGeom prst="rect">
+            <a:avLst/>
+          </a:prstGeom>
         </p:spPr>
         <p:txBody>
-          <a:bodyPr>
+          <a:bodyPr vert="horz" lIns="91440" tIns="45720" rIns="91440" bIns="45720" rtlCol="0">
             <a:normAutofit/>
           </a:bodyPr>
-          <a:lstStyle/>
+          <a:lstStyle>
+            <a:lvl1pPr marL="342900" indent="-342900" algn="l" defTabSz="914400" rtl="0" eaLnBrk="1" latinLnBrk="1" hangingPunct="1">
+              <a:spcBef>
+                <a:spcPct val="20000"/>
+              </a:spcBef>
+              <a:buFont typeface="Arial" panose="020B0604020202020204" pitchFamily="34" charset="0"/>
+              <a:buChar char="•"/>
+              <a:defRPr sz="3200" kern="1200">
+                <a:solidFill>
+                  <a:schemeClr val="tx1"/>
+                </a:solidFill>
+                <a:latin typeface="+mn-lt"/>
+                <a:ea typeface="+mn-ea"/>
+                <a:cs typeface="+mn-cs"/>
+              </a:defRPr>
+            </a:lvl1pPr>
+            <a:lvl2pPr marL="742950" indent="-285750" algn="l" defTabSz="914400" rtl="0" eaLnBrk="1" latinLnBrk="1" hangingPunct="1">
+              <a:spcBef>
+                <a:spcPct val="20000"/>
+              </a:spcBef>
+              <a:buFont typeface="Arial" panose="020B0604020202020204" pitchFamily="34" charset="0"/>
+              <a:buChar char="–"/>
+              <a:defRPr sz="2800" kern="1200">
+                <a:solidFill>
+                  <a:schemeClr val="tx1"/>
+                </a:solidFill>
+                <a:latin typeface="+mn-lt"/>
+                <a:ea typeface="+mn-ea"/>
+                <a:cs typeface="+mn-cs"/>
+              </a:defRPr>
+            </a:lvl2pPr>
+            <a:lvl3pPr marL="1143000" indent="-228600" algn="l" defTabSz="914400" rtl="0" eaLnBrk="1" latinLnBrk="1" hangingPunct="1">
+              <a:spcBef>
+                <a:spcPct val="20000"/>
+              </a:spcBef>
+              <a:buFont typeface="Arial" panose="020B0604020202020204" pitchFamily="34" charset="0"/>
+              <a:buChar char="•"/>
+              <a:defRPr sz="2400" kern="1200">
+                <a:solidFill>
+                  <a:schemeClr val="tx1"/>
+                </a:solidFill>
+                <a:latin typeface="+mn-lt"/>
+                <a:ea typeface="+mn-ea"/>
+                <a:cs typeface="+mn-cs"/>
+              </a:defRPr>
+            </a:lvl3pPr>
+            <a:lvl4pPr marL="1600200" indent="-228600" algn="l" defTabSz="914400" rtl="0" eaLnBrk="1" latinLnBrk="1" hangingPunct="1">
+              <a:spcBef>
+                <a:spcPct val="20000"/>
+              </a:spcBef>
+              <a:buFont typeface="Arial" panose="020B0604020202020204" pitchFamily="34" charset="0"/>
+              <a:buChar char="–"/>
+              <a:defRPr sz="2000" kern="1200">
+                <a:solidFill>
+                  <a:schemeClr val="tx1"/>
+                </a:solidFill>
+                <a:latin typeface="+mn-lt"/>
+                <a:ea typeface="+mn-ea"/>
+                <a:cs typeface="+mn-cs"/>
+              </a:defRPr>
+            </a:lvl4pPr>
+            <a:lvl5pPr marL="2057400" indent="-228600" algn="l" defTabSz="914400" rtl="0" eaLnBrk="1" latinLnBrk="1" hangingPunct="1">
+              <a:spcBef>
+                <a:spcPct val="20000"/>
+              </a:spcBef>
+              <a:buFont typeface="Arial" panose="020B0604020202020204" pitchFamily="34" charset="0"/>
+              <a:buChar char="»"/>
+              <a:defRPr sz="2000" kern="1200">
+                <a:solidFill>
+                  <a:schemeClr val="tx1"/>
+                </a:solidFill>
+                <a:latin typeface="+mn-lt"/>
+                <a:ea typeface="+mn-ea"/>
+                <a:cs typeface="+mn-cs"/>
+              </a:defRPr>
+            </a:lvl5pPr>
+            <a:lvl6pPr marL="2514600" indent="-228600" algn="l" defTabSz="914400" rtl="0" eaLnBrk="1" latinLnBrk="1" hangingPunct="1">
+              <a:spcBef>
+                <a:spcPct val="20000"/>
+              </a:spcBef>
+              <a:buFont typeface="Arial" panose="020B0604020202020204" pitchFamily="34" charset="0"/>
+              <a:buChar char="•"/>
+              <a:defRPr sz="2000" kern="1200">
+                <a:solidFill>
+                  <a:schemeClr val="tx1"/>
+                </a:solidFill>
+                <a:latin typeface="+mn-lt"/>
+                <a:ea typeface="+mn-ea"/>
+                <a:cs typeface="+mn-cs"/>
+              </a:defRPr>
+            </a:lvl6pPr>
+            <a:lvl7pPr marL="2971800" indent="-228600" algn="l" defTabSz="914400" rtl="0" eaLnBrk="1" latinLnBrk="1" hangingPunct="1">
+              <a:spcBef>
+                <a:spcPct val="20000"/>
+              </a:spcBef>
+              <a:buFont typeface="Arial" panose="020B0604020202020204" pitchFamily="34" charset="0"/>
+              <a:buChar char="•"/>
+              <a:defRPr sz="2000" kern="1200">
+                <a:solidFill>
+                  <a:schemeClr val="tx1"/>
+                </a:solidFill>
+                <a:latin typeface="+mn-lt"/>
+                <a:ea typeface="+mn-ea"/>
+                <a:cs typeface="+mn-cs"/>
+              </a:defRPr>
+            </a:lvl7pPr>
+            <a:lvl8pPr marL="3429000" indent="-228600" algn="l" defTabSz="914400" rtl="0" eaLnBrk="1" latinLnBrk="1" hangingPunct="1">
+              <a:spcBef>
+                <a:spcPct val="20000"/>
+              </a:spcBef>
+              <a:buFont typeface="Arial" panose="020B0604020202020204" pitchFamily="34" charset="0"/>
+              <a:buChar char="•"/>
+              <a:defRPr sz="2000" kern="1200">
+                <a:solidFill>
+                  <a:schemeClr val="tx1"/>
+                </a:solidFill>
+                <a:latin typeface="+mn-lt"/>
+                <a:ea typeface="+mn-ea"/>
+                <a:cs typeface="+mn-cs"/>
+              </a:defRPr>
+            </a:lvl8pPr>
+            <a:lvl9pPr marL="3886200" indent="-228600" algn="l" defTabSz="914400" rtl="0" eaLnBrk="1" latinLnBrk="1" hangingPunct="1">
+              <a:spcBef>
+                <a:spcPct val="20000"/>
+              </a:spcBef>
+              <a:buFont typeface="Arial" panose="020B0604020202020204" pitchFamily="34" charset="0"/>
+              <a:buChar char="•"/>
+              <a:defRPr sz="2000" kern="1200">
+                <a:solidFill>
+                  <a:schemeClr val="tx1"/>
+                </a:solidFill>
+                <a:latin typeface="+mn-lt"/>
+                <a:ea typeface="+mn-ea"/>
+                <a:cs typeface="+mn-cs"/>
+              </a:defRPr>
+            </a:lvl9pPr>
+          </a:lstStyle>
           <a:p>
             <a:pPr marL="0" indent="0" algn="r">
+              <a:buFont typeface="Arial" panose="020B0604020202020204" pitchFamily="34" charset="0"/>
               <a:buNone/>
             </a:pPr>
             <a:r>
@@ -7205,6 +7550,7 @@
           </a:p>
           <a:p>
             <a:pPr marL="0" indent="0" algn="r">
+              <a:buFont typeface="Arial" panose="020B0604020202020204" pitchFamily="34" charset="0"/>
               <a:buNone/>
             </a:pPr>
             <a:endParaRPr lang="en-US" altLang="ko-KR" sz="1600" dirty="0">
@@ -7215,6 +7561,7 @@
           </a:p>
           <a:p>
             <a:pPr marL="0" indent="0" algn="r">
+              <a:buFont typeface="Arial" panose="020B0604020202020204" pitchFamily="34" charset="0"/>
               <a:buNone/>
             </a:pPr>
             <a:r>
@@ -7223,7 +7570,7 @@
                 <a:ea typeface="KoPubWorld돋움체_Pro Light" panose="00000300000000000000" pitchFamily="50" charset="-127"/>
                 <a:cs typeface="KoPubWorld돋움체_Pro Light" panose="00000300000000000000" pitchFamily="50" charset="-127"/>
               </a:rPr>
-              <a:t>재구매율이 높은 상품은 고객에게 필요한 상품일 가능성이 높음</a:t>
+              <a:t>그에 따라 재구매율이 높고</a:t>
             </a:r>
             <a:r>
               <a:rPr lang="en-US" altLang="ko-KR" sz="1600" dirty="0">
@@ -7231,11 +7578,44 @@
                 <a:ea typeface="KoPubWorld돋움체_Pro Light" panose="00000300000000000000" pitchFamily="50" charset="-127"/>
                 <a:cs typeface="KoPubWorld돋움체_Pro Light" panose="00000300000000000000" pitchFamily="50" charset="-127"/>
               </a:rPr>
+              <a:t>, </a:t>
+            </a:r>
+            <a:r>
+              <a:rPr lang="ko-KR" altLang="en-US" sz="1600" dirty="0">
+                <a:latin typeface="KoPubWorld돋움체_Pro Light" panose="00000300000000000000" pitchFamily="50" charset="-127"/>
+                <a:ea typeface="KoPubWorld돋움체_Pro Light" panose="00000300000000000000" pitchFamily="50" charset="-127"/>
+                <a:cs typeface="KoPubWorld돋움체_Pro Light" panose="00000300000000000000" pitchFamily="50" charset="-127"/>
+              </a:rPr>
+              <a:t>재구매 주기가 짧은 상품은 필요할 가능성이 높으므로 </a:t>
+            </a:r>
+            <a:r>
+              <a:rPr lang="en-US" altLang="ko-KR" sz="1600" dirty="0">
+                <a:latin typeface="KoPubWorld돋움체_Pro Light" panose="00000300000000000000" pitchFamily="50" charset="-127"/>
+                <a:ea typeface="KoPubWorld돋움체_Pro Light" panose="00000300000000000000" pitchFamily="50" charset="-127"/>
+                <a:cs typeface="KoPubWorld돋움체_Pro Light" panose="00000300000000000000" pitchFamily="50" charset="-127"/>
+              </a:rPr>
+              <a:t>1</a:t>
+            </a:r>
+            <a:r>
+              <a:rPr lang="ko-KR" altLang="en-US" sz="1600" dirty="0">
+                <a:latin typeface="KoPubWorld돋움체_Pro Light" panose="00000300000000000000" pitchFamily="50" charset="-127"/>
+                <a:ea typeface="KoPubWorld돋움체_Pro Light" panose="00000300000000000000" pitchFamily="50" charset="-127"/>
+                <a:cs typeface="KoPubWorld돋움체_Pro Light" panose="00000300000000000000" pitchFamily="50" charset="-127"/>
+              </a:rPr>
+              <a:t>을 할당</a:t>
+            </a:r>
+            <a:r>
+              <a:rPr lang="en-US" altLang="ko-KR" sz="1600" dirty="0">
+                <a:latin typeface="KoPubWorld돋움체_Pro Light" panose="00000300000000000000" pitchFamily="50" charset="-127"/>
+                <a:ea typeface="KoPubWorld돋움체_Pro Light" panose="00000300000000000000" pitchFamily="50" charset="-127"/>
+                <a:cs typeface="KoPubWorld돋움체_Pro Light" panose="00000300000000000000" pitchFamily="50" charset="-127"/>
+              </a:rPr>
               <a:t>.</a:t>
             </a:r>
           </a:p>
           <a:p>
             <a:pPr marL="0" indent="0" algn="r">
+              <a:buFont typeface="Arial" panose="020B0604020202020204" pitchFamily="34" charset="0"/>
               <a:buNone/>
             </a:pPr>
             <a:endParaRPr lang="en-US" altLang="ko-KR" sz="1600" dirty="0">
@@ -7246,6 +7626,7 @@
           </a:p>
           <a:p>
             <a:pPr marL="0" indent="0" algn="r">
+              <a:buFont typeface="Arial" panose="020B0604020202020204" pitchFamily="34" charset="0"/>
               <a:buNone/>
             </a:pPr>
             <a:r>
@@ -7254,7 +7635,7 @@
                 <a:ea typeface="KoPubWorld돋움체_Pro Light" panose="00000300000000000000" pitchFamily="50" charset="-127"/>
                 <a:cs typeface="KoPubWorld돋움체_Pro Light" panose="00000300000000000000" pitchFamily="50" charset="-127"/>
               </a:rPr>
-              <a:t>반면</a:t>
+              <a:t>그 외의 상품은 불필요한 구매일 가능성이 높으므로 </a:t>
             </a:r>
             <a:r>
               <a:rPr lang="en-US" altLang="ko-KR" sz="1600" dirty="0">
@@ -7262,7 +7643,7 @@
                 <a:ea typeface="KoPubWorld돋움체_Pro Light" panose="00000300000000000000" pitchFamily="50" charset="-127"/>
                 <a:cs typeface="KoPubWorld돋움체_Pro Light" panose="00000300000000000000" pitchFamily="50" charset="-127"/>
               </a:rPr>
-              <a:t>, </a:t>
+              <a:t>0</a:t>
             </a:r>
             <a:r>
               <a:rPr lang="ko-KR" altLang="en-US" sz="1600" dirty="0">
@@ -7270,7 +7651,7 @@
                 <a:ea typeface="KoPubWorld돋움체_Pro Light" panose="00000300000000000000" pitchFamily="50" charset="-127"/>
                 <a:cs typeface="KoPubWorld돋움체_Pro Light" panose="00000300000000000000" pitchFamily="50" charset="-127"/>
               </a:rPr>
-              <a:t>그 외의 상품은 고객에게 불필요한 상품일 가능성이 높음</a:t>
+              <a:t>을 할당한다</a:t>
             </a:r>
             <a:r>
               <a:rPr lang="en-US" altLang="ko-KR" sz="1600" dirty="0">
@@ -7283,6 +7664,7 @@
           </a:p>
           <a:p>
             <a:pPr marL="0" indent="0" algn="r">
+              <a:buFont typeface="Arial" panose="020B0604020202020204" pitchFamily="34" charset="0"/>
               <a:buNone/>
             </a:pPr>
             <a:endParaRPr lang="en-US" altLang="ko-KR" sz="1600" dirty="0">
@@ -7293,303 +7675,30 @@
           </a:p>
           <a:p>
             <a:pPr marL="0" indent="0" algn="r">
+              <a:buFont typeface="Arial" panose="020B0604020202020204" pitchFamily="34" charset="0"/>
               <a:buNone/>
             </a:pPr>
-            <a:r>
-              <a:rPr lang="ko-KR" altLang="en-US" sz="1600" dirty="0">
-                <a:latin typeface="KoPubWorld돋움체_Pro Light" panose="00000300000000000000" pitchFamily="50" charset="-127"/>
-                <a:ea typeface="KoPubWorld돋움체_Pro Light" panose="00000300000000000000" pitchFamily="50" charset="-127"/>
-                <a:cs typeface="KoPubWorld돋움체_Pro Light" panose="00000300000000000000" pitchFamily="50" charset="-127"/>
-              </a:rPr>
-              <a:t>따라서</a:t>
-            </a:r>
-            <a:r>
-              <a:rPr lang="en-US" altLang="ko-KR" sz="1600" dirty="0">
-                <a:latin typeface="KoPubWorld돋움체_Pro Light" panose="00000300000000000000" pitchFamily="50" charset="-127"/>
-                <a:ea typeface="KoPubWorld돋움체_Pro Light" panose="00000300000000000000" pitchFamily="50" charset="-127"/>
-                <a:cs typeface="KoPubWorld돋움체_Pro Light" panose="00000300000000000000" pitchFamily="50" charset="-127"/>
-              </a:rPr>
-              <a:t>, </a:t>
-            </a:r>
-            <a:r>
-              <a:rPr lang="ko-KR" altLang="en-US" sz="1600" dirty="0">
-                <a:latin typeface="KoPubWorld돋움체_Pro Light" panose="00000300000000000000" pitchFamily="50" charset="-127"/>
-                <a:ea typeface="KoPubWorld돋움체_Pro Light" panose="00000300000000000000" pitchFamily="50" charset="-127"/>
-                <a:cs typeface="KoPubWorld돋움체_Pro Light" panose="00000300000000000000" pitchFamily="50" charset="-127"/>
-              </a:rPr>
-              <a:t>최종 종속변수는</a:t>
-            </a:r>
             <a:endParaRPr lang="en-US" altLang="ko-KR" sz="1600" dirty="0">
               <a:latin typeface="KoPubWorld돋움체_Pro Light" panose="00000300000000000000" pitchFamily="50" charset="-127"/>
               <a:ea typeface="KoPubWorld돋움체_Pro Light" panose="00000300000000000000" pitchFamily="50" charset="-127"/>
               <a:cs typeface="KoPubWorld돋움체_Pro Light" panose="00000300000000000000" pitchFamily="50" charset="-127"/>
             </a:endParaRPr>
           </a:p>
-          <a:p>
-            <a:pPr marL="0" indent="0" algn="r">
-              <a:buNone/>
-            </a:pPr>
-            <a:endParaRPr lang="en-US" altLang="ko-KR" sz="2000" dirty="0">
-              <a:latin typeface="KoPubWorld돋움체_Pro Light" panose="00000300000000000000" pitchFamily="50" charset="-127"/>
-              <a:ea typeface="KoPubWorld돋움체_Pro Light" panose="00000300000000000000" pitchFamily="50" charset="-127"/>
-              <a:cs typeface="KoPubWorld돋움체_Pro Light" panose="00000300000000000000" pitchFamily="50" charset="-127"/>
-            </a:endParaRPr>
-          </a:p>
-          <a:p>
-            <a:pPr marL="0" indent="0" algn="r">
-              <a:buNone/>
-            </a:pPr>
-            <a:r>
-              <a:rPr lang="ko-KR" altLang="en-US" sz="3600" u="sng" dirty="0">
-                <a:latin typeface="KoPubWorld돋움체_Pro Bold" panose="00000800000000000000" pitchFamily="50" charset="-127"/>
-                <a:ea typeface="KoPubWorld돋움체_Pro Bold" panose="00000800000000000000" pitchFamily="50" charset="-127"/>
-                <a:cs typeface="KoPubWorld돋움체_Pro Bold" panose="00000800000000000000" pitchFamily="50" charset="-127"/>
-              </a:rPr>
-              <a:t>상품의 총 재구매율이 특정 값 이상인지 여부</a:t>
-            </a:r>
-          </a:p>
-        </p:txBody>
-      </p:sp>
-    </p:spTree>
-    <p:extLst>
-      <p:ext uri="{BB962C8B-B14F-4D97-AF65-F5344CB8AC3E}">
-        <p14:creationId xmlns:p14="http://schemas.microsoft.com/office/powerpoint/2010/main" val="1049868313"/>
-      </p:ext>
-    </p:extLst>
-  </p:cSld>
-  <p:clrMapOvr>
-    <a:masterClrMapping/>
-  </p:clrMapOvr>
-</p:sld>
-</file>
-
-<file path=ppt/slides/slide24.xml><?xml version="1.0" encoding="utf-8"?>
-<p:sld xmlns:a="http://schemas.openxmlformats.org/drawingml/2006/main" xmlns:r="http://schemas.openxmlformats.org/officeDocument/2006/relationships" xmlns:p="http://schemas.openxmlformats.org/presentationml/2006/main">
-  <p:cSld>
-    <p:spTree>
-      <p:nvGrpSpPr>
-        <p:cNvPr id="1" name=""/>
-        <p:cNvGrpSpPr/>
-        <p:nvPr/>
-      </p:nvGrpSpPr>
-      <p:grpSpPr>
-        <a:xfrm>
-          <a:off x="0" y="0"/>
-          <a:ext cx="0" cy="0"/>
-          <a:chOff x="0" y="0"/>
-          <a:chExt cx="0" cy="0"/>
-        </a:xfrm>
-      </p:grpSpPr>
-      <p:sp>
-        <p:nvSpPr>
-          <p:cNvPr id="2" name="제목 1">
+        </p:txBody>
+      </p:sp>
+      <p:pic>
+        <p:nvPicPr>
+          <p:cNvPr id="11" name="그림 10">
             <a:extLst>
               <a:ext uri="{FF2B5EF4-FFF2-40B4-BE49-F238E27FC236}">
-                <a16:creationId xmlns:a16="http://schemas.microsoft.com/office/drawing/2014/main" id="{F67AB63B-5647-43FE-8199-51B9D63E5704}"/>
-              </a:ext>
-            </a:extLst>
-          </p:cNvPr>
-          <p:cNvSpPr>
-            <a:spLocks noGrp="1"/>
-          </p:cNvSpPr>
-          <p:nvPr>
-            <p:ph type="title"/>
-          </p:nvPr>
-        </p:nvSpPr>
-        <p:spPr>
-          <a:xfrm>
-            <a:off x="282352" y="625588"/>
-            <a:ext cx="8579296" cy="1651284"/>
-          </a:xfrm>
-        </p:spPr>
-        <p:txBody>
-          <a:bodyPr>
-            <a:normAutofit/>
-          </a:bodyPr>
-          <a:lstStyle/>
-          <a:p>
-            <a:pPr>
-              <a:lnSpc>
-                <a:spcPct val="150000"/>
-              </a:lnSpc>
-            </a:pPr>
-            <a:r>
-              <a:rPr lang="ko-KR" altLang="en-US" sz="1800" dirty="0">
-                <a:latin typeface="KoPubWorld돋움체_Pro Bold" panose="00000800000000000000" pitchFamily="50" charset="-127"/>
-                <a:ea typeface="KoPubWorld돋움체_Pro Bold" panose="00000800000000000000" pitchFamily="50" charset="-127"/>
-                <a:cs typeface="KoPubWorld돋움체_Pro Bold" panose="00000800000000000000" pitchFamily="50" charset="-127"/>
-              </a:rPr>
-              <a:t>재구매율이 </a:t>
-            </a:r>
-            <a:r>
-              <a:rPr lang="en-US" altLang="ko-KR" sz="1800" dirty="0">
-                <a:latin typeface="KoPubWorld돋움체_Pro Bold" panose="00000800000000000000" pitchFamily="50" charset="-127"/>
-                <a:ea typeface="KoPubWorld돋움체_Pro Bold" panose="00000800000000000000" pitchFamily="50" charset="-127"/>
-                <a:cs typeface="KoPubWorld돋움체_Pro Bold" panose="00000800000000000000" pitchFamily="50" charset="-127"/>
-              </a:rPr>
-              <a:t>0.6 </a:t>
-            </a:r>
-            <a:r>
-              <a:rPr lang="ko-KR" altLang="en-US" sz="1800" dirty="0">
-                <a:latin typeface="KoPubWorld돋움체_Pro Bold" panose="00000800000000000000" pitchFamily="50" charset="-127"/>
-                <a:ea typeface="KoPubWorld돋움체_Pro Bold" panose="00000800000000000000" pitchFamily="50" charset="-127"/>
-                <a:cs typeface="KoPubWorld돋움체_Pro Bold" panose="00000800000000000000" pitchFamily="50" charset="-127"/>
-              </a:rPr>
-              <a:t>이하면 불필요 구매</a:t>
-            </a:r>
-            <a:r>
-              <a:rPr lang="en-US" altLang="ko-KR" sz="1800" dirty="0">
-                <a:latin typeface="KoPubWorld돋움체_Pro Bold" panose="00000800000000000000" pitchFamily="50" charset="-127"/>
-                <a:ea typeface="KoPubWorld돋움체_Pro Bold" panose="00000800000000000000" pitchFamily="50" charset="-127"/>
-                <a:cs typeface="KoPubWorld돋움체_Pro Bold" panose="00000800000000000000" pitchFamily="50" charset="-127"/>
-              </a:rPr>
-              <a:t>, </a:t>
-            </a:r>
-            <a:r>
-              <a:rPr lang="ko-KR" altLang="en-US" sz="1800" dirty="0">
-                <a:latin typeface="KoPubWorld돋움체_Pro Bold" panose="00000800000000000000" pitchFamily="50" charset="-127"/>
-                <a:ea typeface="KoPubWorld돋움체_Pro Bold" panose="00000800000000000000" pitchFamily="50" charset="-127"/>
-                <a:cs typeface="KoPubWorld돋움체_Pro Bold" panose="00000800000000000000" pitchFamily="50" charset="-127"/>
-              </a:rPr>
-              <a:t>그 외는 필요한 구매</a:t>
-            </a:r>
-            <a:br>
-              <a:rPr lang="en-US" altLang="ko-KR" sz="2000" dirty="0"/>
-            </a:br>
-            <a:r>
-              <a:rPr lang="en-US" altLang="ko-KR" sz="1600" dirty="0">
-                <a:latin typeface="KoPubWorld돋움체_Pro Light" panose="00000300000000000000" pitchFamily="50" charset="-127"/>
-                <a:ea typeface="KoPubWorld돋움체_Pro Light" panose="00000300000000000000" pitchFamily="50" charset="-127"/>
-                <a:cs typeface="KoPubWorld돋움체_Pro Light" panose="00000300000000000000" pitchFamily="50" charset="-127"/>
-              </a:rPr>
-              <a:t>target</a:t>
-            </a:r>
-            <a:r>
-              <a:rPr lang="ko-KR" altLang="en-US" sz="1600" dirty="0">
-                <a:latin typeface="KoPubWorld돋움체_Pro Light" panose="00000300000000000000" pitchFamily="50" charset="-127"/>
-                <a:ea typeface="KoPubWorld돋움체_Pro Light" panose="00000300000000000000" pitchFamily="50" charset="-127"/>
-                <a:cs typeface="KoPubWorld돋움체_Pro Light" panose="00000300000000000000" pitchFamily="50" charset="-127"/>
-              </a:rPr>
-              <a:t> 컬럼을 생성하여 </a:t>
-            </a:r>
-            <a:br>
-              <a:rPr lang="en-US" altLang="ko-KR" sz="1600" dirty="0">
-                <a:latin typeface="KoPubWorld돋움체_Pro Light" panose="00000300000000000000" pitchFamily="50" charset="-127"/>
-                <a:ea typeface="KoPubWorld돋움체_Pro Light" panose="00000300000000000000" pitchFamily="50" charset="-127"/>
-                <a:cs typeface="KoPubWorld돋움체_Pro Light" panose="00000300000000000000" pitchFamily="50" charset="-127"/>
-              </a:rPr>
-            </a:br>
-            <a:r>
-              <a:rPr lang="en-US" altLang="ko-KR" sz="1600" u="sng" dirty="0">
-                <a:latin typeface="KoPubWorld돋움체_Pro Light" panose="00000300000000000000" pitchFamily="50" charset="-127"/>
-                <a:ea typeface="KoPubWorld돋움체_Pro Light" panose="00000300000000000000" pitchFamily="50" charset="-127"/>
-                <a:cs typeface="KoPubWorld돋움체_Pro Light" panose="00000300000000000000" pitchFamily="50" charset="-127"/>
-              </a:rPr>
-              <a:t>apply</a:t>
-            </a:r>
-            <a:r>
-              <a:rPr lang="ko-KR" altLang="en-US" sz="1600" u="sng" dirty="0">
-                <a:latin typeface="KoPubWorld돋움체_Pro Light" panose="00000300000000000000" pitchFamily="50" charset="-127"/>
-                <a:ea typeface="KoPubWorld돋움체_Pro Light" panose="00000300000000000000" pitchFamily="50" charset="-127"/>
-                <a:cs typeface="KoPubWorld돋움체_Pro Light" panose="00000300000000000000" pitchFamily="50" charset="-127"/>
-              </a:rPr>
-              <a:t>함수를 이용하여 재구매율이 </a:t>
-            </a:r>
-            <a:r>
-              <a:rPr lang="en-US" altLang="ko-KR" sz="1600" u="sng" dirty="0">
-                <a:latin typeface="KoPubWorld돋움체_Pro Light" panose="00000300000000000000" pitchFamily="50" charset="-127"/>
-                <a:ea typeface="KoPubWorld돋움체_Pro Light" panose="00000300000000000000" pitchFamily="50" charset="-127"/>
-                <a:cs typeface="KoPubWorld돋움체_Pro Light" panose="00000300000000000000" pitchFamily="50" charset="-127"/>
-              </a:rPr>
-              <a:t>0.6 </a:t>
-            </a:r>
-            <a:r>
-              <a:rPr lang="ko-KR" altLang="en-US" sz="1600" u="sng" dirty="0">
-                <a:latin typeface="KoPubWorld돋움체_Pro Light" panose="00000300000000000000" pitchFamily="50" charset="-127"/>
-                <a:ea typeface="KoPubWorld돋움체_Pro Light" panose="00000300000000000000" pitchFamily="50" charset="-127"/>
-                <a:cs typeface="KoPubWorld돋움체_Pro Light" panose="00000300000000000000" pitchFamily="50" charset="-127"/>
-              </a:rPr>
-              <a:t>이하인 행은 </a:t>
-            </a:r>
-            <a:r>
-              <a:rPr lang="en-US" altLang="ko-KR" sz="1600" u="sng" dirty="0">
-                <a:latin typeface="KoPubWorld돋움체_Pro Light" panose="00000300000000000000" pitchFamily="50" charset="-127"/>
-                <a:ea typeface="KoPubWorld돋움체_Pro Light" panose="00000300000000000000" pitchFamily="50" charset="-127"/>
-                <a:cs typeface="KoPubWorld돋움체_Pro Light" panose="00000300000000000000" pitchFamily="50" charset="-127"/>
-              </a:rPr>
-              <a:t>0</a:t>
-            </a:r>
-            <a:r>
-              <a:rPr lang="ko-KR" altLang="en-US" sz="1600" u="sng" dirty="0">
-                <a:latin typeface="KoPubWorld돋움체_Pro Light" panose="00000300000000000000" pitchFamily="50" charset="-127"/>
-                <a:ea typeface="KoPubWorld돋움체_Pro Light" panose="00000300000000000000" pitchFamily="50" charset="-127"/>
-                <a:cs typeface="KoPubWorld돋움체_Pro Light" panose="00000300000000000000" pitchFamily="50" charset="-127"/>
-              </a:rPr>
-              <a:t>을 할당하고</a:t>
-            </a:r>
-            <a:r>
-              <a:rPr lang="en-US" altLang="ko-KR" sz="1600" u="sng" dirty="0">
-                <a:latin typeface="KoPubWorld돋움체_Pro Light" panose="00000300000000000000" pitchFamily="50" charset="-127"/>
-                <a:ea typeface="KoPubWorld돋움체_Pro Light" panose="00000300000000000000" pitchFamily="50" charset="-127"/>
-                <a:cs typeface="KoPubWorld돋움체_Pro Light" panose="00000300000000000000" pitchFamily="50" charset="-127"/>
-              </a:rPr>
-              <a:t>, </a:t>
-            </a:r>
-            <a:r>
-              <a:rPr lang="ko-KR" altLang="en-US" sz="1600" u="sng" dirty="0">
-                <a:latin typeface="KoPubWorld돋움체_Pro Light" panose="00000300000000000000" pitchFamily="50" charset="-127"/>
-                <a:ea typeface="KoPubWorld돋움체_Pro Light" panose="00000300000000000000" pitchFamily="50" charset="-127"/>
-                <a:cs typeface="KoPubWorld돋움체_Pro Light" panose="00000300000000000000" pitchFamily="50" charset="-127"/>
-              </a:rPr>
-              <a:t>그 외의 행은 </a:t>
-            </a:r>
-            <a:r>
-              <a:rPr lang="en-US" altLang="ko-KR" sz="1600" u="sng" dirty="0">
-                <a:latin typeface="KoPubWorld돋움체_Pro Light" panose="00000300000000000000" pitchFamily="50" charset="-127"/>
-                <a:ea typeface="KoPubWorld돋움체_Pro Light" panose="00000300000000000000" pitchFamily="50" charset="-127"/>
-                <a:cs typeface="KoPubWorld돋움체_Pro Light" panose="00000300000000000000" pitchFamily="50" charset="-127"/>
-              </a:rPr>
-              <a:t>1</a:t>
-            </a:r>
-            <a:r>
-              <a:rPr lang="ko-KR" altLang="en-US" sz="1600" u="sng" dirty="0">
-                <a:latin typeface="KoPubWorld돋움체_Pro Light" panose="00000300000000000000" pitchFamily="50" charset="-127"/>
-                <a:ea typeface="KoPubWorld돋움체_Pro Light" panose="00000300000000000000" pitchFamily="50" charset="-127"/>
-                <a:cs typeface="KoPubWorld돋움체_Pro Light" panose="00000300000000000000" pitchFamily="50" charset="-127"/>
-              </a:rPr>
-              <a:t>을 할당</a:t>
-            </a:r>
-            <a:r>
-              <a:rPr lang="en-US" altLang="ko-KR" sz="1600" u="sng" dirty="0">
-                <a:latin typeface="KoPubWorld돋움체_Pro Light" panose="00000300000000000000" pitchFamily="50" charset="-127"/>
-                <a:ea typeface="KoPubWorld돋움체_Pro Light" panose="00000300000000000000" pitchFamily="50" charset="-127"/>
-                <a:cs typeface="KoPubWorld돋움체_Pro Light" panose="00000300000000000000" pitchFamily="50" charset="-127"/>
-              </a:rPr>
-              <a:t>.</a:t>
-            </a:r>
-            <a:endParaRPr lang="ko-KR" altLang="en-US" sz="1600" u="sng" dirty="0">
-              <a:latin typeface="KoPubWorld돋움체_Pro Light" panose="00000300000000000000" pitchFamily="50" charset="-127"/>
-              <a:ea typeface="KoPubWorld돋움체_Pro Light" panose="00000300000000000000" pitchFamily="50" charset="-127"/>
-              <a:cs typeface="KoPubWorld돋움체_Pro Light" panose="00000300000000000000" pitchFamily="50" charset="-127"/>
-            </a:endParaRPr>
-          </a:p>
-        </p:txBody>
-      </p:sp>
-      <p:pic>
-        <p:nvPicPr>
-          <p:cNvPr id="5" name="내용 개체 틀 4">
-            <a:extLst>
-              <a:ext uri="{FF2B5EF4-FFF2-40B4-BE49-F238E27FC236}">
-                <a16:creationId xmlns:a16="http://schemas.microsoft.com/office/drawing/2014/main" id="{123F2CDD-A6FD-4D5E-BD25-B3C9D4CB70EA}"/>
+                <a16:creationId xmlns:a16="http://schemas.microsoft.com/office/drawing/2014/main" id="{FA01381C-0699-4C71-8DF4-6E4EC5D81141}"/>
               </a:ext>
             </a:extLst>
           </p:cNvPr>
           <p:cNvPicPr>
-            <a:picLocks noGrp="1" noChangeAspect="1"/>
+            <a:picLocks noChangeAspect="1"/>
           </p:cNvPicPr>
-          <p:nvPr>
-            <p:ph idx="1"/>
-          </p:nvPr>
+          <p:nvPr/>
         </p:nvPicPr>
         <p:blipFill>
           <a:blip r:embed="rId2">
@@ -7605,9 +7714,12 @@
         </p:blipFill>
         <p:spPr>
           <a:xfrm>
-            <a:off x="613810" y="2492896"/>
-            <a:ext cx="7916380" cy="3553321"/>
+            <a:off x="539552" y="3364559"/>
+            <a:ext cx="5408840" cy="2577153"/>
           </a:xfrm>
+          <a:prstGeom prst="rect">
+            <a:avLst/>
+          </a:prstGeom>
         </p:spPr>
       </p:pic>
     </p:spTree>
@@ -7623,7 +7735,7 @@
 </p:sld>
 </file>
 
-<file path=ppt/slides/slide25.xml><?xml version="1.0" encoding="utf-8"?>
+<file path=ppt/slides/slide24.xml><?xml version="1.0" encoding="utf-8"?>
 <p:sld xmlns:a="http://schemas.openxmlformats.org/drawingml/2006/main" xmlns:r="http://schemas.openxmlformats.org/officeDocument/2006/relationships" xmlns:p="http://schemas.openxmlformats.org/presentationml/2006/main">
   <p:cSld>
     <p:spTree>
@@ -7875,7 +7987,7 @@
 </p:sld>
 </file>
 
-<file path=ppt/slides/slide26.xml><?xml version="1.0" encoding="utf-8"?>
+<file path=ppt/slides/slide25.xml><?xml version="1.0" encoding="utf-8"?>
 <p:sld xmlns:a="http://schemas.openxmlformats.org/drawingml/2006/main" xmlns:r="http://schemas.openxmlformats.org/officeDocument/2006/relationships" xmlns:p="http://schemas.openxmlformats.org/presentationml/2006/main">
   <p:cSld>
     <p:spTree>
@@ -8036,7 +8148,7 @@
         </p:blipFill>
         <p:spPr>
           <a:xfrm>
-            <a:off x="560904" y="3789040"/>
+            <a:off x="560904" y="3140968"/>
             <a:ext cx="3800244" cy="1903915"/>
           </a:xfrm>
         </p:spPr>
@@ -8069,7 +8181,7 @@
         </p:blipFill>
         <p:spPr>
           <a:xfrm>
-            <a:off x="4806533" y="3789040"/>
+            <a:off x="4806533" y="3140968"/>
             <a:ext cx="3817002" cy="1418846"/>
           </a:xfrm>
           <a:prstGeom prst="rect">
@@ -8090,7 +8202,7 @@
 </p:sld>
 </file>
 
-<file path=ppt/slides/slide27.xml><?xml version="1.0" encoding="utf-8"?>
+<file path=ppt/slides/slide26.xml><?xml version="1.0" encoding="utf-8"?>
 <p:sld xmlns:a="http://schemas.openxmlformats.org/drawingml/2006/main" xmlns:r="http://schemas.openxmlformats.org/officeDocument/2006/relationships" xmlns:p="http://schemas.openxmlformats.org/presentationml/2006/main">
   <p:cSld>
     <p:spTree>
@@ -8226,7 +8338,7 @@
 </p:sld>
 </file>
 
-<file path=ppt/slides/slide28.xml><?xml version="1.0" encoding="utf-8"?>
+<file path=ppt/slides/slide27.xml><?xml version="1.0" encoding="utf-8"?>
 <p:sld xmlns:a="http://schemas.openxmlformats.org/drawingml/2006/main" xmlns:r="http://schemas.openxmlformats.org/officeDocument/2006/relationships" xmlns:p="http://schemas.openxmlformats.org/presentationml/2006/main">
   <p:cSld>
     <p:spTree>
@@ -8389,7 +8501,7 @@
 </p:sld>
 </file>
 
-<file path=ppt/slides/slide29.xml><?xml version="1.0" encoding="utf-8"?>
+<file path=ppt/slides/slide28.xml><?xml version="1.0" encoding="utf-8"?>
 <p:sld xmlns:a="http://schemas.openxmlformats.org/drawingml/2006/main" xmlns:r="http://schemas.openxmlformats.org/officeDocument/2006/relationships" xmlns:p="http://schemas.openxmlformats.org/presentationml/2006/main">
   <p:cSld>
     <p:spTree>
@@ -8408,10 +8520,10 @@
       </p:grpSpPr>
       <p:pic>
         <p:nvPicPr>
-          <p:cNvPr id="5" name="내용 개체 틀 4">
+          <p:cNvPr id="6" name="내용 개체 틀 5">
             <a:extLst>
               <a:ext uri="{FF2B5EF4-FFF2-40B4-BE49-F238E27FC236}">
-                <a16:creationId xmlns:a16="http://schemas.microsoft.com/office/drawing/2014/main" id="{6FBA12D3-39B9-4154-BE0C-286810EC963E}"/>
+                <a16:creationId xmlns:a16="http://schemas.microsoft.com/office/drawing/2014/main" id="{06027B47-FE0F-4833-88AD-5D68D78367FE}"/>
               </a:ext>
             </a:extLst>
           </p:cNvPr>
@@ -8436,15 +8548,211 @@
         </p:blipFill>
         <p:spPr>
           <a:xfrm>
-            <a:off x="539552" y="2631743"/>
-            <a:ext cx="8229600" cy="3951619"/>
+            <a:off x="457200" y="2181057"/>
+            <a:ext cx="8229600" cy="3990108"/>
+          </a:xfrm>
+        </p:spPr>
+      </p:pic>
+      <p:sp>
+        <p:nvSpPr>
+          <p:cNvPr id="7" name="TextBox 6">
+            <a:extLst>
+              <a:ext uri="{FF2B5EF4-FFF2-40B4-BE49-F238E27FC236}">
+                <a16:creationId xmlns:a16="http://schemas.microsoft.com/office/drawing/2014/main" id="{E9CA1709-5E88-4125-B993-F22EA838D4B0}"/>
+              </a:ext>
+            </a:extLst>
+          </p:cNvPr>
+          <p:cNvSpPr txBox="1"/>
+          <p:nvPr/>
+        </p:nvSpPr>
+        <p:spPr>
+          <a:xfrm>
+            <a:off x="2422104" y="980728"/>
+            <a:ext cx="6264696" cy="1477328"/>
+          </a:xfrm>
+          <a:prstGeom prst="rect">
+            <a:avLst/>
+          </a:prstGeom>
+          <a:noFill/>
+        </p:spPr>
+        <p:txBody>
+          <a:bodyPr wrap="square" rtlCol="0">
+            <a:spAutoFit/>
+          </a:bodyPr>
+          <a:lstStyle/>
+          <a:p>
+            <a:pPr algn="r"/>
+            <a:r>
+              <a:rPr lang="ko-KR" altLang="en-US" sz="3600" dirty="0">
+                <a:latin typeface="KoPubWorld돋움체_Pro Bold" panose="00000800000000000000" pitchFamily="50" charset="-127"/>
+                <a:ea typeface="KoPubWorld돋움체_Pro Bold" panose="00000800000000000000" pitchFamily="50" charset="-127"/>
+                <a:cs typeface="KoPubWorld돋움체_Pro Bold" panose="00000800000000000000" pitchFamily="50" charset="-127"/>
+              </a:rPr>
+              <a:t>모델 학습과정 시각화</a:t>
+            </a:r>
+            <a:endParaRPr lang="en-US" altLang="ko-KR" sz="3600" dirty="0">
+              <a:latin typeface="KoPubWorld돋움체_Pro Bold" panose="00000800000000000000" pitchFamily="50" charset="-127"/>
+              <a:ea typeface="KoPubWorld돋움체_Pro Bold" panose="00000800000000000000" pitchFamily="50" charset="-127"/>
+              <a:cs typeface="KoPubWorld돋움체_Pro Bold" panose="00000800000000000000" pitchFamily="50" charset="-127"/>
+            </a:endParaRPr>
+          </a:p>
+          <a:p>
+            <a:pPr algn="r"/>
+            <a:r>
+              <a:rPr lang="en-US" altLang="ko-KR" dirty="0">
+                <a:latin typeface="KoPubWorld돋움체_Pro Light" panose="00000300000000000000" pitchFamily="50" charset="-127"/>
+                <a:ea typeface="KoPubWorld돋움체_Pro Light" panose="00000300000000000000" pitchFamily="50" charset="-127"/>
+                <a:cs typeface="KoPubWorld돋움체_Pro Light" panose="00000300000000000000" pitchFamily="50" charset="-127"/>
+              </a:rPr>
+              <a:t>- </a:t>
+            </a:r>
+            <a:r>
+              <a:rPr lang="ko-KR" altLang="en-US" dirty="0">
+                <a:latin typeface="KoPubWorld돋움체_Pro Light" panose="00000300000000000000" pitchFamily="50" charset="-127"/>
+                <a:ea typeface="KoPubWorld돋움체_Pro Light" panose="00000300000000000000" pitchFamily="50" charset="-127"/>
+                <a:cs typeface="KoPubWorld돋움체_Pro Light" panose="00000300000000000000" pitchFamily="50" charset="-127"/>
+              </a:rPr>
+              <a:t>학습횟수에 대한 정확도</a:t>
+            </a:r>
+            <a:r>
+              <a:rPr lang="en-US" altLang="ko-KR" dirty="0">
+                <a:latin typeface="KoPubWorld돋움체_Pro Light" panose="00000300000000000000" pitchFamily="50" charset="-127"/>
+                <a:ea typeface="KoPubWorld돋움체_Pro Light" panose="00000300000000000000" pitchFamily="50" charset="-127"/>
+                <a:cs typeface="KoPubWorld돋움체_Pro Light" panose="00000300000000000000" pitchFamily="50" charset="-127"/>
+              </a:rPr>
+              <a:t>, </a:t>
+            </a:r>
+            <a:r>
+              <a:rPr lang="ko-KR" altLang="en-US" dirty="0">
+                <a:latin typeface="KoPubWorld돋움체_Pro Light" panose="00000300000000000000" pitchFamily="50" charset="-127"/>
+                <a:ea typeface="KoPubWorld돋움체_Pro Light" panose="00000300000000000000" pitchFamily="50" charset="-127"/>
+                <a:cs typeface="KoPubWorld돋움체_Pro Light" panose="00000300000000000000" pitchFamily="50" charset="-127"/>
+              </a:rPr>
+              <a:t>로스</a:t>
+            </a:r>
+            <a:endParaRPr lang="en-US" altLang="ko-KR" dirty="0">
+              <a:latin typeface="KoPubWorld돋움체_Pro Light" panose="00000300000000000000" pitchFamily="50" charset="-127"/>
+              <a:ea typeface="KoPubWorld돋움체_Pro Light" panose="00000300000000000000" pitchFamily="50" charset="-127"/>
+              <a:cs typeface="KoPubWorld돋움체_Pro Light" panose="00000300000000000000" pitchFamily="50" charset="-127"/>
+            </a:endParaRPr>
+          </a:p>
+          <a:p>
+            <a:pPr algn="r"/>
+            <a:endParaRPr lang="ko-KR" altLang="en-US" sz="3600" dirty="0">
+              <a:latin typeface="KoPubWorld돋움체_Pro Bold" panose="00000800000000000000" pitchFamily="50" charset="-127"/>
+              <a:ea typeface="KoPubWorld돋움체_Pro Bold" panose="00000800000000000000" pitchFamily="50" charset="-127"/>
+              <a:cs typeface="KoPubWorld돋움체_Pro Bold" panose="00000800000000000000" pitchFamily="50" charset="-127"/>
+            </a:endParaRPr>
+          </a:p>
+        </p:txBody>
+      </p:sp>
+    </p:spTree>
+    <p:extLst>
+      <p:ext uri="{BB962C8B-B14F-4D97-AF65-F5344CB8AC3E}">
+        <p14:creationId xmlns:p14="http://schemas.microsoft.com/office/powerpoint/2010/main" val="2720611577"/>
+      </p:ext>
+    </p:extLst>
+  </p:cSld>
+  <p:clrMapOvr>
+    <a:masterClrMapping/>
+  </p:clrMapOvr>
+</p:sld>
+</file>
+
+<file path=ppt/slides/slide29.xml><?xml version="1.0" encoding="utf-8"?>
+<p:sld xmlns:a="http://schemas.openxmlformats.org/drawingml/2006/main" xmlns:r="http://schemas.openxmlformats.org/officeDocument/2006/relationships" xmlns:p="http://schemas.openxmlformats.org/presentationml/2006/main">
+  <p:cSld>
+    <p:spTree>
+      <p:nvGrpSpPr>
+        <p:cNvPr id="1" name=""/>
+        <p:cNvGrpSpPr/>
+        <p:nvPr/>
+      </p:nvGrpSpPr>
+      <p:grpSpPr>
+        <a:xfrm>
+          <a:off x="0" y="0"/>
+          <a:ext cx="0" cy="0"/>
+          <a:chOff x="0" y="0"/>
+          <a:chExt cx="0" cy="0"/>
+        </a:xfrm>
+      </p:grpSpPr>
+      <p:sp>
+        <p:nvSpPr>
+          <p:cNvPr id="2" name="제목 1">
+            <a:extLst>
+              <a:ext uri="{FF2B5EF4-FFF2-40B4-BE49-F238E27FC236}">
+                <a16:creationId xmlns:a16="http://schemas.microsoft.com/office/drawing/2014/main" id="{97738AD5-99FF-4844-9AF6-557356E654B9}"/>
+              </a:ext>
+            </a:extLst>
+          </p:cNvPr>
+          <p:cNvSpPr>
+            <a:spLocks noGrp="1"/>
+          </p:cNvSpPr>
+          <p:nvPr>
+            <p:ph type="title"/>
+          </p:nvPr>
+        </p:nvSpPr>
+        <p:spPr>
+          <a:xfrm>
+            <a:off x="457200" y="1700808"/>
+            <a:ext cx="8229600" cy="1143000"/>
+          </a:xfrm>
+        </p:spPr>
+        <p:txBody>
+          <a:bodyPr/>
+          <a:lstStyle/>
+          <a:p>
+            <a:pPr algn="l"/>
+            <a:r>
+              <a:rPr lang="ko-KR" altLang="en-US" dirty="0">
+                <a:latin typeface="KoPubWorld돋움체_Pro Bold" panose="00000800000000000000" pitchFamily="50" charset="-127"/>
+                <a:ea typeface="KoPubWorld돋움체_Pro Bold" panose="00000800000000000000" pitchFamily="50" charset="-127"/>
+                <a:cs typeface="KoPubWorld돋움체_Pro Bold" panose="00000800000000000000" pitchFamily="50" charset="-127"/>
+              </a:rPr>
+              <a:t>모델 평가하기 </a:t>
+            </a:r>
+          </a:p>
+        </p:txBody>
+      </p:sp>
+      <p:pic>
+        <p:nvPicPr>
+          <p:cNvPr id="5" name="내용 개체 틀 4">
+            <a:extLst>
+              <a:ext uri="{FF2B5EF4-FFF2-40B4-BE49-F238E27FC236}">
+                <a16:creationId xmlns:a16="http://schemas.microsoft.com/office/drawing/2014/main" id="{13A2F74C-E3BD-44B0-AC73-90F967B3779D}"/>
+              </a:ext>
+            </a:extLst>
+          </p:cNvPr>
+          <p:cNvPicPr>
+            <a:picLocks noGrp="1" noChangeAspect="1"/>
+          </p:cNvPicPr>
+          <p:nvPr>
+            <p:ph idx="1"/>
+          </p:nvPr>
+        </p:nvPicPr>
+        <p:blipFill>
+          <a:blip r:embed="rId2">
+            <a:extLst>
+              <a:ext uri="{28A0092B-C50C-407E-A947-70E740481C1C}">
+                <a14:useLocalDpi xmlns:a14="http://schemas.microsoft.com/office/drawing/2010/main" val="0"/>
+              </a:ext>
+            </a:extLst>
+          </a:blip>
+          <a:stretch>
+            <a:fillRect/>
+          </a:stretch>
+        </p:blipFill>
+        <p:spPr>
+          <a:xfrm>
+            <a:off x="484818" y="3068960"/>
+            <a:ext cx="6220693" cy="1238423"/>
           </a:xfrm>
         </p:spPr>
       </p:pic>
     </p:spTree>
     <p:extLst>
       <p:ext uri="{BB962C8B-B14F-4D97-AF65-F5344CB8AC3E}">
-        <p14:creationId xmlns:p14="http://schemas.microsoft.com/office/powerpoint/2010/main" val="2720611577"/>
+        <p14:creationId xmlns:p14="http://schemas.microsoft.com/office/powerpoint/2010/main" val="1733253782"/>
       </p:ext>
     </p:extLst>
   </p:cSld>
@@ -8483,8 +8791,8 @@
         </p:nvSpPr>
         <p:spPr>
           <a:xfrm>
-            <a:off x="467544" y="1412776"/>
-            <a:ext cx="8208912" cy="5229200"/>
+            <a:off x="467544" y="1376772"/>
+            <a:ext cx="8208912" cy="4104456"/>
           </a:xfrm>
         </p:spPr>
         <p:txBody>
@@ -8500,9 +8808,10 @@
               <a:buNone/>
             </a:pPr>
             <a:r>
-              <a:rPr lang="ko-KR" altLang="en-US" sz="2800" b="1" dirty="0">
-                <a:latin typeface="KoPub돋움체_Pro Bold" pitchFamily="50" charset="-127"/>
-                <a:ea typeface="KoPub돋움체_Pro Bold" pitchFamily="50" charset="-127"/>
+              <a:rPr lang="ko-KR" altLang="en-US" sz="3600" b="1" dirty="0">
+                <a:latin typeface="KoPubWorld돋움체_Pro Bold" panose="00000800000000000000" pitchFamily="50" charset="-127"/>
+                <a:ea typeface="KoPubWorld돋움체_Pro Bold" panose="00000800000000000000" pitchFamily="50" charset="-127"/>
+                <a:cs typeface="KoPubWorld돋움체_Pro Bold" panose="00000800000000000000" pitchFamily="50" charset="-127"/>
               </a:rPr>
               <a:t>불필요 구매의 정의</a:t>
             </a:r>
@@ -8516,15 +8825,17 @@
             </a:pPr>
             <a:r>
               <a:rPr lang="ko-KR" altLang="en-US" sz="2400" b="1" dirty="0">
-                <a:latin typeface="KoPub돋움체_Pro Bold" pitchFamily="50" charset="-127"/>
-                <a:ea typeface="KoPub돋움체_Pro Bold" pitchFamily="50" charset="-127"/>
+                <a:latin typeface="KoPubWorld돋움체_Pro Bold" panose="00000800000000000000" pitchFamily="50" charset="-127"/>
+                <a:ea typeface="KoPubWorld돋움체_Pro Bold" panose="00000800000000000000" pitchFamily="50" charset="-127"/>
+                <a:cs typeface="KoPubWorld돋움체_Pro Bold" panose="00000800000000000000" pitchFamily="50" charset="-127"/>
               </a:rPr>
               <a:t>고객의 관점에서 불필요 구매</a:t>
             </a:r>
             <a:r>
               <a:rPr lang="en-US" altLang="ko-KR" sz="2400" dirty="0">
-                <a:latin typeface="KoPub돋움체_Pro Bold" pitchFamily="50" charset="-127"/>
-                <a:ea typeface="KoPub돋움체_Pro Bold" pitchFamily="50" charset="-127"/>
+                <a:latin typeface="KoPubWorld돋움체_Pro Bold" panose="00000800000000000000" pitchFamily="50" charset="-127"/>
+                <a:ea typeface="KoPubWorld돋움체_Pro Bold" panose="00000800000000000000" pitchFamily="50" charset="-127"/>
+                <a:cs typeface="KoPubWorld돋움체_Pro Bold" panose="00000800000000000000" pitchFamily="50" charset="-127"/>
               </a:rPr>
               <a:t>:</a:t>
             </a:r>
@@ -8538,29 +8849,33 @@
             </a:pPr>
             <a:r>
               <a:rPr lang="ko-KR" altLang="en-US" sz="1600" dirty="0">
-                <a:latin typeface="KoPub돋움체_Pro Light" pitchFamily="50" charset="-127"/>
-                <a:ea typeface="KoPub돋움체_Pro Light" pitchFamily="50" charset="-127"/>
+                <a:latin typeface="KoPubWorld돋움체_Pro Light" panose="00000300000000000000" pitchFamily="50" charset="-127"/>
+                <a:ea typeface="KoPubWorld돋움체_Pro Light" panose="00000300000000000000" pitchFamily="50" charset="-127"/>
+                <a:cs typeface="KoPubWorld돋움체_Pro Light" panose="00000300000000000000" pitchFamily="50" charset="-127"/>
               </a:rPr>
               <a:t>구매 후 사용하지 않거나</a:t>
             </a:r>
             <a:r>
               <a:rPr lang="en-US" altLang="ko-KR" sz="1600" dirty="0">
-                <a:latin typeface="KoPub돋움체_Pro Light" pitchFamily="50" charset="-127"/>
-                <a:ea typeface="KoPub돋움체_Pro Light" pitchFamily="50" charset="-127"/>
+                <a:latin typeface="KoPubWorld돋움체_Pro Light" panose="00000300000000000000" pitchFamily="50" charset="-127"/>
+                <a:ea typeface="KoPubWorld돋움체_Pro Light" panose="00000300000000000000" pitchFamily="50" charset="-127"/>
+                <a:cs typeface="KoPubWorld돋움체_Pro Light" panose="00000300000000000000" pitchFamily="50" charset="-127"/>
               </a:rPr>
               <a:t>, </a:t>
             </a:r>
             <a:r>
               <a:rPr lang="ko-KR" altLang="en-US" sz="1600" dirty="0">
-                <a:latin typeface="KoPub돋움체_Pro Light" pitchFamily="50" charset="-127"/>
-                <a:ea typeface="KoPub돋움체_Pro Light" pitchFamily="50" charset="-127"/>
+                <a:latin typeface="KoPubWorld돋움체_Pro Light" panose="00000300000000000000" pitchFamily="50" charset="-127"/>
+                <a:ea typeface="KoPubWorld돋움체_Pro Light" panose="00000300000000000000" pitchFamily="50" charset="-127"/>
+                <a:cs typeface="KoPubWorld돋움체_Pro Light" panose="00000300000000000000" pitchFamily="50" charset="-127"/>
               </a:rPr>
               <a:t>실질적으로 필요하지 않은 제품</a:t>
             </a:r>
             <a:r>
               <a:rPr lang="en-US" altLang="ko-KR" sz="1600" dirty="0">
-                <a:latin typeface="KoPub돋움체_Pro Light" pitchFamily="50" charset="-127"/>
-                <a:ea typeface="KoPub돋움체_Pro Light" pitchFamily="50" charset="-127"/>
+                <a:latin typeface="KoPubWorld돋움체_Pro Light" panose="00000300000000000000" pitchFamily="50" charset="-127"/>
+                <a:ea typeface="KoPubWorld돋움체_Pro Light" panose="00000300000000000000" pitchFamily="50" charset="-127"/>
+                <a:cs typeface="KoPubWorld돋움체_Pro Light" panose="00000300000000000000" pitchFamily="50" charset="-127"/>
               </a:rPr>
               <a:t>.</a:t>
             </a:r>
@@ -8574,29 +8889,33 @@
             </a:pPr>
             <a:r>
               <a:rPr lang="ko-KR" altLang="en-US" sz="1600" dirty="0">
-                <a:latin typeface="KoPub돋움체_Pro Light" pitchFamily="50" charset="-127"/>
-                <a:ea typeface="KoPub돋움체_Pro Light" pitchFamily="50" charset="-127"/>
+                <a:latin typeface="KoPubWorld돋움체_Pro Light" panose="00000300000000000000" pitchFamily="50" charset="-127"/>
+                <a:ea typeface="KoPubWorld돋움체_Pro Light" panose="00000300000000000000" pitchFamily="50" charset="-127"/>
+                <a:cs typeface="KoPubWorld돋움체_Pro Light" panose="00000300000000000000" pitchFamily="50" charset="-127"/>
               </a:rPr>
               <a:t>예</a:t>
             </a:r>
             <a:r>
               <a:rPr lang="en-US" altLang="ko-KR" sz="1600" dirty="0">
-                <a:latin typeface="KoPub돋움체_Pro Light" pitchFamily="50" charset="-127"/>
-                <a:ea typeface="KoPub돋움체_Pro Light" pitchFamily="50" charset="-127"/>
+                <a:latin typeface="KoPubWorld돋움체_Pro Light" panose="00000300000000000000" pitchFamily="50" charset="-127"/>
+                <a:ea typeface="KoPubWorld돋움체_Pro Light" panose="00000300000000000000" pitchFamily="50" charset="-127"/>
+                <a:cs typeface="KoPubWorld돋움체_Pro Light" panose="00000300000000000000" pitchFamily="50" charset="-127"/>
               </a:rPr>
               <a:t>) </a:t>
             </a:r>
             <a:r>
               <a:rPr lang="ko-KR" altLang="en-US" sz="1600" dirty="0">
-                <a:latin typeface="KoPub돋움체_Pro Light" pitchFamily="50" charset="-127"/>
-                <a:ea typeface="KoPub돋움체_Pro Light" pitchFamily="50" charset="-127"/>
+                <a:latin typeface="KoPubWorld돋움체_Pro Light" panose="00000300000000000000" pitchFamily="50" charset="-127"/>
+                <a:ea typeface="KoPubWorld돋움체_Pro Light" panose="00000300000000000000" pitchFamily="50" charset="-127"/>
+                <a:cs typeface="KoPubWorld돋움체_Pro Light" panose="00000300000000000000" pitchFamily="50" charset="-127"/>
               </a:rPr>
               <a:t>충동 구매로 장바구니에 넣었으나 후회하는 제품</a:t>
             </a:r>
             <a:r>
               <a:rPr lang="en-US" altLang="ko-KR" sz="1600" dirty="0">
-                <a:latin typeface="KoPub돋움체_Pro Light" pitchFamily="50" charset="-127"/>
-                <a:ea typeface="KoPub돋움체_Pro Light" pitchFamily="50" charset="-127"/>
+                <a:latin typeface="KoPubWorld돋움체_Pro Light" panose="00000300000000000000" pitchFamily="50" charset="-127"/>
+                <a:ea typeface="KoPubWorld돋움체_Pro Light" panose="00000300000000000000" pitchFamily="50" charset="-127"/>
+                <a:cs typeface="KoPubWorld돋움체_Pro Light" panose="00000300000000000000" pitchFamily="50" charset="-127"/>
               </a:rPr>
               <a:t>.</a:t>
             </a:r>
@@ -8610,15 +8929,17 @@
             </a:pPr>
             <a:r>
               <a:rPr lang="ko-KR" altLang="en-US" sz="1600" dirty="0">
-                <a:latin typeface="KoPub돋움체_Pro Light" pitchFamily="50" charset="-127"/>
-                <a:ea typeface="KoPub돋움체_Pro Light" pitchFamily="50" charset="-127"/>
+                <a:latin typeface="KoPubWorld돋움체_Pro Light" panose="00000300000000000000" pitchFamily="50" charset="-127"/>
+                <a:ea typeface="KoPubWorld돋움체_Pro Light" panose="00000300000000000000" pitchFamily="50" charset="-127"/>
+                <a:cs typeface="KoPubWorld돋움체_Pro Light" panose="00000300000000000000" pitchFamily="50" charset="-127"/>
               </a:rPr>
               <a:t>     잘못된 추천으로 인해 구매했으나 개인의 실제 취향과 맞지 않는 제품</a:t>
             </a:r>
             <a:r>
               <a:rPr lang="en-US" altLang="ko-KR" sz="1600" dirty="0">
-                <a:latin typeface="KoPub돋움체_Pro Light" pitchFamily="50" charset="-127"/>
-                <a:ea typeface="KoPub돋움체_Pro Light" pitchFamily="50" charset="-127"/>
+                <a:latin typeface="KoPubWorld돋움체_Pro Light" panose="00000300000000000000" pitchFamily="50" charset="-127"/>
+                <a:ea typeface="KoPubWorld돋움체_Pro Light" panose="00000300000000000000" pitchFamily="50" charset="-127"/>
+                <a:cs typeface="KoPubWorld돋움체_Pro Light" panose="00000300000000000000" pitchFamily="50" charset="-127"/>
               </a:rPr>
               <a:t>.</a:t>
             </a:r>
@@ -8632,15 +8953,17 @@
             </a:pPr>
             <a:r>
               <a:rPr lang="ko-KR" altLang="en-US" sz="2400" b="1" dirty="0">
-                <a:latin typeface="KoPub돋움체_Pro Bold" pitchFamily="50" charset="-127"/>
-                <a:ea typeface="KoPub돋움체_Pro Bold" pitchFamily="50" charset="-127"/>
+                <a:latin typeface="KoPubWorld돋움체_Pro Bold" panose="00000800000000000000" pitchFamily="50" charset="-127"/>
+                <a:ea typeface="KoPubWorld돋움체_Pro Bold" panose="00000800000000000000" pitchFamily="50" charset="-127"/>
+                <a:cs typeface="KoPubWorld돋움체_Pro Bold" panose="00000800000000000000" pitchFamily="50" charset="-127"/>
               </a:rPr>
               <a:t>기업의 관점에서 불필요 구매</a:t>
             </a:r>
             <a:r>
               <a:rPr lang="en-US" altLang="ko-KR" sz="2400" dirty="0">
-                <a:latin typeface="KoPub돋움체_Pro Bold" pitchFamily="50" charset="-127"/>
-                <a:ea typeface="KoPub돋움체_Pro Bold" pitchFamily="50" charset="-127"/>
+                <a:latin typeface="KoPubWorld돋움체_Pro Bold" panose="00000800000000000000" pitchFamily="50" charset="-127"/>
+                <a:ea typeface="KoPubWorld돋움체_Pro Bold" panose="00000800000000000000" pitchFamily="50" charset="-127"/>
+                <a:cs typeface="KoPubWorld돋움체_Pro Bold" panose="00000800000000000000" pitchFamily="50" charset="-127"/>
               </a:rPr>
               <a:t>:</a:t>
             </a:r>
@@ -8654,29 +8977,33 @@
             </a:pPr>
             <a:r>
               <a:rPr lang="ko-KR" altLang="en-US" sz="1800" dirty="0">
-                <a:latin typeface="KoPub돋움체_Pro Light" pitchFamily="50" charset="-127"/>
-                <a:ea typeface="KoPub돋움체_Pro Light" pitchFamily="50" charset="-127"/>
+                <a:latin typeface="KoPubWorld돋움체_Pro Light" panose="00000300000000000000" pitchFamily="50" charset="-127"/>
+                <a:ea typeface="KoPubWorld돋움체_Pro Light" panose="00000300000000000000" pitchFamily="50" charset="-127"/>
+                <a:cs typeface="KoPubWorld돋움체_Pro Light" panose="00000300000000000000" pitchFamily="50" charset="-127"/>
               </a:rPr>
               <a:t>높은 </a:t>
             </a:r>
             <a:r>
               <a:rPr lang="ko-KR" altLang="en-US" sz="1800" dirty="0" err="1">
-                <a:latin typeface="KoPub돋움체_Pro Light" pitchFamily="50" charset="-127"/>
-                <a:ea typeface="KoPub돋움체_Pro Light" pitchFamily="50" charset="-127"/>
+                <a:latin typeface="KoPubWorld돋움체_Pro Light" panose="00000300000000000000" pitchFamily="50" charset="-127"/>
+                <a:ea typeface="KoPubWorld돋움체_Pro Light" panose="00000300000000000000" pitchFamily="50" charset="-127"/>
+                <a:cs typeface="KoPubWorld돋움체_Pro Light" panose="00000300000000000000" pitchFamily="50" charset="-127"/>
               </a:rPr>
               <a:t>반품율을</a:t>
             </a:r>
             <a:r>
               <a:rPr lang="ko-KR" altLang="en-US" sz="1800" dirty="0">
-                <a:latin typeface="KoPub돋움체_Pro Light" pitchFamily="50" charset="-127"/>
-                <a:ea typeface="KoPub돋움체_Pro Light" pitchFamily="50" charset="-127"/>
+                <a:latin typeface="KoPubWorld돋움체_Pro Light" panose="00000300000000000000" pitchFamily="50" charset="-127"/>
+                <a:ea typeface="KoPubWorld돋움체_Pro Light" panose="00000300000000000000" pitchFamily="50" charset="-127"/>
+                <a:cs typeface="KoPubWorld돋움체_Pro Light" panose="00000300000000000000" pitchFamily="50" charset="-127"/>
               </a:rPr>
               <a:t> 유발하거나 고객 만족도를 저하시키는 구매</a:t>
             </a:r>
             <a:r>
               <a:rPr lang="en-US" altLang="ko-KR" sz="1800" dirty="0">
-                <a:latin typeface="KoPub돋움체_Pro Light" pitchFamily="50" charset="-127"/>
-                <a:ea typeface="KoPub돋움체_Pro Light" pitchFamily="50" charset="-127"/>
+                <a:latin typeface="KoPubWorld돋움체_Pro Light" panose="00000300000000000000" pitchFamily="50" charset="-127"/>
+                <a:ea typeface="KoPubWorld돋움체_Pro Light" panose="00000300000000000000" pitchFamily="50" charset="-127"/>
+                <a:cs typeface="KoPubWorld돋움체_Pro Light" panose="00000300000000000000" pitchFamily="50" charset="-127"/>
               </a:rPr>
               <a:t>.</a:t>
             </a:r>
@@ -8690,29 +9017,33 @@
             </a:pPr>
             <a:r>
               <a:rPr lang="ko-KR" altLang="en-US" sz="1800" dirty="0">
-                <a:latin typeface="KoPub돋움체_Pro Light" pitchFamily="50" charset="-127"/>
-                <a:ea typeface="KoPub돋움체_Pro Light" pitchFamily="50" charset="-127"/>
+                <a:latin typeface="KoPubWorld돋움체_Pro Light" panose="00000300000000000000" pitchFamily="50" charset="-127"/>
+                <a:ea typeface="KoPubWorld돋움체_Pro Light" panose="00000300000000000000" pitchFamily="50" charset="-127"/>
+                <a:cs typeface="KoPubWorld돋움체_Pro Light" panose="00000300000000000000" pitchFamily="50" charset="-127"/>
               </a:rPr>
               <a:t>추천 시스템의 과도한 마케팅으로 구매된</a:t>
             </a:r>
             <a:r>
               <a:rPr lang="en-US" altLang="ko-KR" sz="1800" dirty="0">
-                <a:latin typeface="KoPub돋움체_Pro Light" pitchFamily="50" charset="-127"/>
-                <a:ea typeface="KoPub돋움체_Pro Light" pitchFamily="50" charset="-127"/>
+                <a:latin typeface="KoPubWorld돋움체_Pro Light" panose="00000300000000000000" pitchFamily="50" charset="-127"/>
+                <a:ea typeface="KoPubWorld돋움체_Pro Light" panose="00000300000000000000" pitchFamily="50" charset="-127"/>
+                <a:cs typeface="KoPubWorld돋움체_Pro Light" panose="00000300000000000000" pitchFamily="50" charset="-127"/>
               </a:rPr>
               <a:t>, </a:t>
             </a:r>
             <a:r>
               <a:rPr lang="ko-KR" altLang="en-US" sz="1800" dirty="0">
-                <a:latin typeface="KoPub돋움체_Pro Light" pitchFamily="50" charset="-127"/>
-                <a:ea typeface="KoPub돋움체_Pro Light" pitchFamily="50" charset="-127"/>
+                <a:latin typeface="KoPubWorld돋움체_Pro Light" panose="00000300000000000000" pitchFamily="50" charset="-127"/>
+                <a:ea typeface="KoPubWorld돋움체_Pro Light" panose="00000300000000000000" pitchFamily="50" charset="-127"/>
+                <a:cs typeface="KoPubWorld돋움체_Pro Light" panose="00000300000000000000" pitchFamily="50" charset="-127"/>
               </a:rPr>
               <a:t>사용되지 않는 제품</a:t>
             </a:r>
             <a:r>
               <a:rPr lang="en-US" altLang="ko-KR" sz="1800" dirty="0">
-                <a:latin typeface="KoPub돋움체_Pro Light" pitchFamily="50" charset="-127"/>
-                <a:ea typeface="KoPub돋움체_Pro Light" pitchFamily="50" charset="-127"/>
+                <a:latin typeface="KoPubWorld돋움체_Pro Light" panose="00000300000000000000" pitchFamily="50" charset="-127"/>
+                <a:ea typeface="KoPubWorld돋움체_Pro Light" panose="00000300000000000000" pitchFamily="50" charset="-127"/>
+                <a:cs typeface="KoPubWorld돋움체_Pro Light" panose="00000300000000000000" pitchFamily="50" charset="-127"/>
               </a:rPr>
               <a:t>.</a:t>
             </a:r>
@@ -8723,6 +9054,86 @@
     <p:extLst>
       <p:ext uri="{BB962C8B-B14F-4D97-AF65-F5344CB8AC3E}">
         <p14:creationId xmlns:p14="http://schemas.microsoft.com/office/powerpoint/2010/main" val="3922720986"/>
+      </p:ext>
+    </p:extLst>
+  </p:cSld>
+  <p:clrMapOvr>
+    <a:masterClrMapping/>
+  </p:clrMapOvr>
+</p:sld>
+</file>
+
+<file path=ppt/slides/slide30.xml><?xml version="1.0" encoding="utf-8"?>
+<p:sld xmlns:a="http://schemas.openxmlformats.org/drawingml/2006/main" xmlns:r="http://schemas.openxmlformats.org/officeDocument/2006/relationships" xmlns:p="http://schemas.openxmlformats.org/presentationml/2006/main">
+  <p:cSld>
+    <p:spTree>
+      <p:nvGrpSpPr>
+        <p:cNvPr id="1" name=""/>
+        <p:cNvGrpSpPr/>
+        <p:nvPr/>
+      </p:nvGrpSpPr>
+      <p:grpSpPr>
+        <a:xfrm>
+          <a:off x="0" y="0"/>
+          <a:ext cx="0" cy="0"/>
+          <a:chOff x="0" y="0"/>
+          <a:chExt cx="0" cy="0"/>
+        </a:xfrm>
+      </p:grpSpPr>
+      <p:sp>
+        <p:nvSpPr>
+          <p:cNvPr id="2" name="제목 1">
+            <a:extLst>
+              <a:ext uri="{FF2B5EF4-FFF2-40B4-BE49-F238E27FC236}">
+                <a16:creationId xmlns:a16="http://schemas.microsoft.com/office/drawing/2014/main" id="{EBB00F5F-3EF7-4564-9259-4F01E7F8E555}"/>
+              </a:ext>
+            </a:extLst>
+          </p:cNvPr>
+          <p:cNvSpPr>
+            <a:spLocks noGrp="1"/>
+          </p:cNvSpPr>
+          <p:nvPr>
+            <p:ph type="title"/>
+          </p:nvPr>
+        </p:nvSpPr>
+        <p:spPr/>
+        <p:txBody>
+          <a:bodyPr/>
+          <a:lstStyle/>
+          <a:p>
+            <a:endParaRPr lang="ko-KR" altLang="en-US" dirty="0"/>
+          </a:p>
+        </p:txBody>
+      </p:sp>
+      <p:sp>
+        <p:nvSpPr>
+          <p:cNvPr id="3" name="내용 개체 틀 2">
+            <a:extLst>
+              <a:ext uri="{FF2B5EF4-FFF2-40B4-BE49-F238E27FC236}">
+                <a16:creationId xmlns:a16="http://schemas.microsoft.com/office/drawing/2014/main" id="{91A60948-3E4D-4331-850D-331F9DC91DC0}"/>
+              </a:ext>
+            </a:extLst>
+          </p:cNvPr>
+          <p:cNvSpPr>
+            <a:spLocks noGrp="1"/>
+          </p:cNvSpPr>
+          <p:nvPr>
+            <p:ph idx="1"/>
+          </p:nvPr>
+        </p:nvSpPr>
+        <p:spPr/>
+        <p:txBody>
+          <a:bodyPr/>
+          <a:lstStyle/>
+          <a:p>
+            <a:endParaRPr lang="ko-KR" altLang="en-US"/>
+          </a:p>
+        </p:txBody>
+      </p:sp>
+    </p:spTree>
+    <p:extLst>
+      <p:ext uri="{BB962C8B-B14F-4D97-AF65-F5344CB8AC3E}">
+        <p14:creationId xmlns:p14="http://schemas.microsoft.com/office/powerpoint/2010/main" val="4212108731"/>
       </p:ext>
     </p:extLst>
   </p:cSld>
@@ -8759,16 +9170,22 @@
             <p:ph type="title"/>
           </p:nvPr>
         </p:nvSpPr>
-        <p:spPr/>
+        <p:spPr>
+          <a:xfrm>
+            <a:off x="457200" y="620688"/>
+            <a:ext cx="8229600" cy="1143000"/>
+          </a:xfrm>
+        </p:spPr>
         <p:txBody>
           <a:bodyPr/>
           <a:lstStyle/>
           <a:p>
             <a:pPr algn="l"/>
             <a:r>
-              <a:rPr lang="ko-KR" altLang="en-US" u="sng" dirty="0">
-                <a:latin typeface="KoPub돋움체_Pro Bold" pitchFamily="50" charset="-127"/>
-                <a:ea typeface="KoPub돋움체_Pro Bold" pitchFamily="50" charset="-127"/>
+              <a:rPr lang="ko-KR" altLang="en-US" dirty="0">
+                <a:latin typeface="KoPubWorld돋움체_Pro Bold" panose="00000800000000000000" pitchFamily="50" charset="-127"/>
+                <a:ea typeface="KoPubWorld돋움체_Pro Bold" panose="00000800000000000000" pitchFamily="50" charset="-127"/>
+                <a:cs typeface="KoPubWorld돋움체_Pro Bold" panose="00000800000000000000" pitchFamily="50" charset="-127"/>
               </a:rPr>
               <a:t>주제 소개</a:t>
             </a:r>
@@ -8787,7 +9204,7 @@
         </p:nvSpPr>
         <p:spPr>
           <a:xfrm>
-            <a:off x="467544" y="1772816"/>
+            <a:off x="467544" y="1628800"/>
             <a:ext cx="8229600" cy="4525963"/>
           </a:xfrm>
         </p:spPr>
@@ -8798,152 +9215,181 @@
           <a:lstStyle/>
           <a:p>
             <a:pPr marL="0" indent="0">
+              <a:lnSpc>
+                <a:spcPct val="130000"/>
+              </a:lnSpc>
               <a:buNone/>
             </a:pPr>
             <a:r>
               <a:rPr lang="en-US" altLang="ko-KR" b="1" dirty="0" err="1">
-                <a:latin typeface="KoPub돋움체_Pro Bold" pitchFamily="50" charset="-127"/>
-                <a:ea typeface="KoPub돋움체_Pro Bold" pitchFamily="50" charset="-127"/>
+                <a:latin typeface="KoPubWorld돋움체_Pro Bold" panose="00000800000000000000" pitchFamily="50" charset="-127"/>
+                <a:ea typeface="KoPubWorld돋움체_Pro Bold" panose="00000800000000000000" pitchFamily="50" charset="-127"/>
+                <a:cs typeface="KoPubWorld돋움체_Pro Bold" panose="00000800000000000000" pitchFamily="50" charset="-127"/>
               </a:rPr>
               <a:t>Instacart</a:t>
             </a:r>
             <a:r>
               <a:rPr lang="en-US" altLang="ko-KR" b="1" dirty="0">
-                <a:latin typeface="KoPub돋움체_Pro Bold" pitchFamily="50" charset="-127"/>
-                <a:ea typeface="KoPub돋움체_Pro Bold" pitchFamily="50" charset="-127"/>
+                <a:latin typeface="KoPubWorld돋움체_Pro Bold" panose="00000800000000000000" pitchFamily="50" charset="-127"/>
+                <a:ea typeface="KoPubWorld돋움체_Pro Bold" panose="00000800000000000000" pitchFamily="50" charset="-127"/>
+                <a:cs typeface="KoPubWorld돋움체_Pro Bold" panose="00000800000000000000" pitchFamily="50" charset="-127"/>
               </a:rPr>
               <a:t> </a:t>
             </a:r>
             <a:r>
               <a:rPr lang="ko-KR" altLang="en-US" b="1" dirty="0" err="1">
-                <a:latin typeface="KoPub돋움체_Pro Bold" pitchFamily="50" charset="-127"/>
-                <a:ea typeface="KoPub돋움체_Pro Bold" pitchFamily="50" charset="-127"/>
+                <a:latin typeface="KoPubWorld돋움체_Pro Bold" panose="00000800000000000000" pitchFamily="50" charset="-127"/>
+                <a:ea typeface="KoPubWorld돋움체_Pro Bold" panose="00000800000000000000" pitchFamily="50" charset="-127"/>
+                <a:cs typeface="KoPubWorld돋움체_Pro Bold" panose="00000800000000000000" pitchFamily="50" charset="-127"/>
               </a:rPr>
               <a:t>데이터셋</a:t>
             </a:r>
             <a:endParaRPr lang="ko-KR" altLang="en-US" dirty="0">
-              <a:latin typeface="KoPub돋움체_Pro Bold" pitchFamily="50" charset="-127"/>
-              <a:ea typeface="KoPub돋움체_Pro Bold" pitchFamily="50" charset="-127"/>
+              <a:latin typeface="KoPubWorld돋움체_Pro Bold" panose="00000800000000000000" pitchFamily="50" charset="-127"/>
+              <a:ea typeface="KoPubWorld돋움체_Pro Bold" panose="00000800000000000000" pitchFamily="50" charset="-127"/>
+              <a:cs typeface="KoPubWorld돋움체_Pro Bold" panose="00000800000000000000" pitchFamily="50" charset="-127"/>
             </a:endParaRPr>
           </a:p>
           <a:p>
             <a:pPr marL="0" indent="0">
+              <a:lnSpc>
+                <a:spcPct val="120000"/>
+              </a:lnSpc>
               <a:buNone/>
             </a:pPr>
             <a:r>
-              <a:rPr lang="en-US" altLang="ko-KR" sz="2000" dirty="0" err="1">
-                <a:latin typeface="KoPub돋움체_Pro Light" pitchFamily="50" charset="-127"/>
-                <a:ea typeface="KoPub돋움체_Pro Light" pitchFamily="50" charset="-127"/>
+              <a:rPr lang="en-US" altLang="ko-KR" sz="1600" dirty="0" err="1">
+                <a:latin typeface="KoPubWorld돋움체_Pro Light" panose="00000300000000000000" pitchFamily="50" charset="-127"/>
+                <a:ea typeface="KoPubWorld돋움체_Pro Light" panose="00000300000000000000" pitchFamily="50" charset="-127"/>
+                <a:cs typeface="KoPubWorld돋움체_Pro Light" panose="00000300000000000000" pitchFamily="50" charset="-127"/>
               </a:rPr>
               <a:t>Instacart</a:t>
             </a:r>
             <a:r>
-              <a:rPr lang="ko-KR" altLang="en-US" sz="2000" dirty="0">
-                <a:latin typeface="KoPub돋움체_Pro Light" pitchFamily="50" charset="-127"/>
-                <a:ea typeface="KoPub돋움체_Pro Light" pitchFamily="50" charset="-127"/>
+              <a:rPr lang="ko-KR" altLang="en-US" sz="1600" dirty="0">
+                <a:latin typeface="KoPubWorld돋움체_Pro Light" panose="00000300000000000000" pitchFamily="50" charset="-127"/>
+                <a:ea typeface="KoPubWorld돋움체_Pro Light" panose="00000300000000000000" pitchFamily="50" charset="-127"/>
+                <a:cs typeface="KoPubWorld돋움체_Pro Light" panose="00000300000000000000" pitchFamily="50" charset="-127"/>
               </a:rPr>
               <a:t>는 온라인 장바구니 데이터를 제공하며</a:t>
             </a:r>
             <a:r>
-              <a:rPr lang="en-US" altLang="ko-KR" sz="2000" dirty="0">
-                <a:latin typeface="KoPub돋움체_Pro Light" pitchFamily="50" charset="-127"/>
-                <a:ea typeface="KoPub돋움체_Pro Light" pitchFamily="50" charset="-127"/>
+              <a:rPr lang="en-US" altLang="ko-KR" sz="1600" dirty="0">
+                <a:latin typeface="KoPubWorld돋움체_Pro Light" panose="00000300000000000000" pitchFamily="50" charset="-127"/>
+                <a:ea typeface="KoPubWorld돋움체_Pro Light" panose="00000300000000000000" pitchFamily="50" charset="-127"/>
+                <a:cs typeface="KoPubWorld돋움체_Pro Light" panose="00000300000000000000" pitchFamily="50" charset="-127"/>
               </a:rPr>
               <a:t>, </a:t>
             </a:r>
             <a:r>
-              <a:rPr lang="ko-KR" altLang="en-US" sz="2000" dirty="0">
-                <a:latin typeface="KoPub돋움체_Pro Light" pitchFamily="50" charset="-127"/>
-                <a:ea typeface="KoPub돋움체_Pro Light" pitchFamily="50" charset="-127"/>
+              <a:rPr lang="ko-KR" altLang="en-US" sz="1600" dirty="0">
+                <a:latin typeface="KoPubWorld돋움체_Pro Light" panose="00000300000000000000" pitchFamily="50" charset="-127"/>
+                <a:ea typeface="KoPubWorld돋움체_Pro Light" panose="00000300000000000000" pitchFamily="50" charset="-127"/>
+                <a:cs typeface="KoPubWorld돋움체_Pro Light" panose="00000300000000000000" pitchFamily="50" charset="-127"/>
               </a:rPr>
               <a:t>고객 구매 행동을 분석하기에 적합한 </a:t>
             </a:r>
             <a:r>
-              <a:rPr lang="ko-KR" altLang="en-US" sz="2000" dirty="0" err="1">
-                <a:latin typeface="KoPub돋움체_Pro Light" pitchFamily="50" charset="-127"/>
-                <a:ea typeface="KoPub돋움체_Pro Light" pitchFamily="50" charset="-127"/>
+              <a:rPr lang="ko-KR" altLang="en-US" sz="1600" dirty="0" err="1">
+                <a:latin typeface="KoPubWorld돋움체_Pro Light" panose="00000300000000000000" pitchFamily="50" charset="-127"/>
+                <a:ea typeface="KoPubWorld돋움체_Pro Light" panose="00000300000000000000" pitchFamily="50" charset="-127"/>
+                <a:cs typeface="KoPubWorld돋움체_Pro Light" panose="00000300000000000000" pitchFamily="50" charset="-127"/>
               </a:rPr>
               <a:t>데이터셋</a:t>
             </a:r>
             <a:r>
-              <a:rPr lang="en-US" altLang="ko-KR" sz="2000" dirty="0">
-                <a:latin typeface="KoPub돋움체_Pro Light" pitchFamily="50" charset="-127"/>
-                <a:ea typeface="KoPub돋움체_Pro Light" pitchFamily="50" charset="-127"/>
+              <a:rPr lang="en-US" altLang="ko-KR" sz="1600" dirty="0">
+                <a:latin typeface="KoPubWorld돋움체_Pro Light" panose="00000300000000000000" pitchFamily="50" charset="-127"/>
+                <a:ea typeface="KoPubWorld돋움체_Pro Light" panose="00000300000000000000" pitchFamily="50" charset="-127"/>
+                <a:cs typeface="KoPubWorld돋움체_Pro Light" panose="00000300000000000000" pitchFamily="50" charset="-127"/>
               </a:rPr>
               <a:t>.</a:t>
             </a:r>
           </a:p>
           <a:p>
             <a:pPr marL="0" indent="0">
+              <a:lnSpc>
+                <a:spcPct val="120000"/>
+              </a:lnSpc>
               <a:buNone/>
             </a:pPr>
             <a:r>
-              <a:rPr lang="ko-KR" altLang="en-US" sz="2000" dirty="0">
-                <a:latin typeface="KoPub돋움체_Pro Light" pitchFamily="50" charset="-127"/>
-                <a:ea typeface="KoPub돋움체_Pro Light" pitchFamily="50" charset="-127"/>
+              <a:rPr lang="ko-KR" altLang="en-US" sz="1600" dirty="0">
+                <a:latin typeface="KoPubWorld돋움체_Pro Light" panose="00000300000000000000" pitchFamily="50" charset="-127"/>
+                <a:ea typeface="KoPubWorld돋움체_Pro Light" panose="00000300000000000000" pitchFamily="50" charset="-127"/>
+                <a:cs typeface="KoPubWorld돋움체_Pro Light" panose="00000300000000000000" pitchFamily="50" charset="-127"/>
               </a:rPr>
               <a:t>주요 데이터</a:t>
             </a:r>
             <a:r>
-              <a:rPr lang="en-US" altLang="ko-KR" sz="2000" dirty="0">
-                <a:latin typeface="KoPub돋움체_Pro Light" pitchFamily="50" charset="-127"/>
-                <a:ea typeface="KoPub돋움체_Pro Light" pitchFamily="50" charset="-127"/>
+              <a:rPr lang="en-US" altLang="ko-KR" sz="1600" dirty="0">
+                <a:latin typeface="KoPubWorld돋움체_Pro Light" panose="00000300000000000000" pitchFamily="50" charset="-127"/>
+                <a:ea typeface="KoPubWorld돋움체_Pro Light" panose="00000300000000000000" pitchFamily="50" charset="-127"/>
+                <a:cs typeface="KoPubWorld돋움체_Pro Light" panose="00000300000000000000" pitchFamily="50" charset="-127"/>
               </a:rPr>
               <a:t>: </a:t>
             </a:r>
             <a:r>
-              <a:rPr lang="ko-KR" altLang="en-US" sz="2000" dirty="0">
-                <a:latin typeface="KoPub돋움체_Pro Light" pitchFamily="50" charset="-127"/>
-                <a:ea typeface="KoPub돋움체_Pro Light" pitchFamily="50" charset="-127"/>
+              <a:rPr lang="ko-KR" altLang="en-US" sz="1600" dirty="0">
+                <a:latin typeface="KoPubWorld돋움체_Pro Light" panose="00000300000000000000" pitchFamily="50" charset="-127"/>
+                <a:ea typeface="KoPubWorld돋움체_Pro Light" panose="00000300000000000000" pitchFamily="50" charset="-127"/>
+                <a:cs typeface="KoPubWorld돋움체_Pro Light" panose="00000300000000000000" pitchFamily="50" charset="-127"/>
               </a:rPr>
               <a:t>고객</a:t>
             </a:r>
             <a:r>
-              <a:rPr lang="en-US" altLang="ko-KR" sz="2000" dirty="0">
-                <a:latin typeface="KoPub돋움체_Pro Light" pitchFamily="50" charset="-127"/>
-                <a:ea typeface="KoPub돋움체_Pro Light" pitchFamily="50" charset="-127"/>
+              <a:rPr lang="en-US" altLang="ko-KR" sz="1600" dirty="0">
+                <a:latin typeface="KoPubWorld돋움체_Pro Light" panose="00000300000000000000" pitchFamily="50" charset="-127"/>
+                <a:ea typeface="KoPubWorld돋움체_Pro Light" panose="00000300000000000000" pitchFamily="50" charset="-127"/>
+                <a:cs typeface="KoPubWorld돋움체_Pro Light" panose="00000300000000000000" pitchFamily="50" charset="-127"/>
               </a:rPr>
               <a:t>, </a:t>
             </a:r>
             <a:r>
-              <a:rPr lang="ko-KR" altLang="en-US" sz="2000" dirty="0">
-                <a:latin typeface="KoPub돋움체_Pro Light" pitchFamily="50" charset="-127"/>
-                <a:ea typeface="KoPub돋움체_Pro Light" pitchFamily="50" charset="-127"/>
+              <a:rPr lang="ko-KR" altLang="en-US" sz="1600" dirty="0">
+                <a:latin typeface="KoPubWorld돋움체_Pro Light" panose="00000300000000000000" pitchFamily="50" charset="-127"/>
+                <a:ea typeface="KoPubWorld돋움체_Pro Light" panose="00000300000000000000" pitchFamily="50" charset="-127"/>
+                <a:cs typeface="KoPubWorld돋움체_Pro Light" panose="00000300000000000000" pitchFamily="50" charset="-127"/>
               </a:rPr>
               <a:t>주문</a:t>
             </a:r>
             <a:r>
-              <a:rPr lang="en-US" altLang="ko-KR" sz="2000" dirty="0">
-                <a:latin typeface="KoPub돋움체_Pro Light" pitchFamily="50" charset="-127"/>
-                <a:ea typeface="KoPub돋움체_Pro Light" pitchFamily="50" charset="-127"/>
+              <a:rPr lang="en-US" altLang="ko-KR" sz="1600" dirty="0">
+                <a:latin typeface="KoPubWorld돋움체_Pro Light" panose="00000300000000000000" pitchFamily="50" charset="-127"/>
+                <a:ea typeface="KoPubWorld돋움체_Pro Light" panose="00000300000000000000" pitchFamily="50" charset="-127"/>
+                <a:cs typeface="KoPubWorld돋움체_Pro Light" panose="00000300000000000000" pitchFamily="50" charset="-127"/>
               </a:rPr>
               <a:t>, </a:t>
             </a:r>
             <a:r>
-              <a:rPr lang="ko-KR" altLang="en-US" sz="2000" dirty="0">
-                <a:latin typeface="KoPub돋움체_Pro Light" pitchFamily="50" charset="-127"/>
-                <a:ea typeface="KoPub돋움체_Pro Light" pitchFamily="50" charset="-127"/>
+              <a:rPr lang="ko-KR" altLang="en-US" sz="1600" dirty="0">
+                <a:latin typeface="KoPubWorld돋움체_Pro Light" panose="00000300000000000000" pitchFamily="50" charset="-127"/>
+                <a:ea typeface="KoPubWorld돋움체_Pro Light" panose="00000300000000000000" pitchFamily="50" charset="-127"/>
+                <a:cs typeface="KoPubWorld돋움체_Pro Light" panose="00000300000000000000" pitchFamily="50" charset="-127"/>
               </a:rPr>
               <a:t>제품</a:t>
             </a:r>
             <a:r>
-              <a:rPr lang="en-US" altLang="ko-KR" sz="2000" dirty="0">
-                <a:latin typeface="KoPub돋움체_Pro Light" pitchFamily="50" charset="-127"/>
-                <a:ea typeface="KoPub돋움체_Pro Light" pitchFamily="50" charset="-127"/>
+              <a:rPr lang="en-US" altLang="ko-KR" sz="1600" dirty="0">
+                <a:latin typeface="KoPubWorld돋움체_Pro Light" panose="00000300000000000000" pitchFamily="50" charset="-127"/>
+                <a:ea typeface="KoPubWorld돋움체_Pro Light" panose="00000300000000000000" pitchFamily="50" charset="-127"/>
+                <a:cs typeface="KoPubWorld돋움체_Pro Light" panose="00000300000000000000" pitchFamily="50" charset="-127"/>
               </a:rPr>
               <a:t>, </a:t>
             </a:r>
             <a:r>
-              <a:rPr lang="ko-KR" altLang="en-US" sz="2000" dirty="0">
-                <a:latin typeface="KoPub돋움체_Pro Light" pitchFamily="50" charset="-127"/>
-                <a:ea typeface="KoPub돋움체_Pro Light" pitchFamily="50" charset="-127"/>
+              <a:rPr lang="ko-KR" altLang="en-US" sz="1600" dirty="0">
+                <a:latin typeface="KoPubWorld돋움체_Pro Light" panose="00000300000000000000" pitchFamily="50" charset="-127"/>
+                <a:ea typeface="KoPubWorld돋움체_Pro Light" panose="00000300000000000000" pitchFamily="50" charset="-127"/>
+                <a:cs typeface="KoPubWorld돋움체_Pro Light" panose="00000300000000000000" pitchFamily="50" charset="-127"/>
               </a:rPr>
               <a:t>카테고리 정보 등</a:t>
             </a:r>
             <a:r>
-              <a:rPr lang="en-US" altLang="ko-KR" sz="2000" dirty="0">
-                <a:latin typeface="KoPub돋움체_Pro Light" pitchFamily="50" charset="-127"/>
-                <a:ea typeface="KoPub돋움체_Pro Light" pitchFamily="50" charset="-127"/>
+              <a:rPr lang="en-US" altLang="ko-KR" sz="1600" dirty="0">
+                <a:latin typeface="KoPubWorld돋움체_Pro Light" panose="00000300000000000000" pitchFamily="50" charset="-127"/>
+                <a:ea typeface="KoPubWorld돋움체_Pro Light" panose="00000300000000000000" pitchFamily="50" charset="-127"/>
+                <a:cs typeface="KoPubWorld돋움체_Pro Light" panose="00000300000000000000" pitchFamily="50" charset="-127"/>
               </a:rPr>
               <a:t>.</a:t>
             </a:r>
@@ -8960,164 +9406,172 @@
           <a:p>
             <a:pPr marL="0" indent="0">
               <a:lnSpc>
+                <a:spcPct val="130000"/>
+              </a:lnSpc>
+              <a:buNone/>
+            </a:pPr>
+            <a:r>
+              <a:rPr lang="ko-KR" altLang="en-US" b="1" dirty="0">
+                <a:latin typeface="KoPubWorld돋움체_Pro Bold" panose="00000800000000000000" pitchFamily="50" charset="-127"/>
+                <a:ea typeface="KoPubWorld돋움체_Pro Bold" panose="00000800000000000000" pitchFamily="50" charset="-127"/>
+                <a:cs typeface="KoPubWorld돋움체_Pro Bold" panose="00000800000000000000" pitchFamily="50" charset="-127"/>
+              </a:rPr>
+              <a:t>프로젝트 목적</a:t>
+            </a:r>
+            <a:endParaRPr lang="ko-KR" altLang="en-US" dirty="0">
+              <a:latin typeface="KoPubWorld돋움체_Pro Bold" panose="00000800000000000000" pitchFamily="50" charset="-127"/>
+              <a:ea typeface="KoPubWorld돋움체_Pro Bold" panose="00000800000000000000" pitchFamily="50" charset="-127"/>
+              <a:cs typeface="KoPubWorld돋움체_Pro Bold" panose="00000800000000000000" pitchFamily="50" charset="-127"/>
+            </a:endParaRPr>
+          </a:p>
+          <a:p>
+            <a:pPr marL="0" indent="0">
+              <a:lnSpc>
                 <a:spcPct val="120000"/>
               </a:lnSpc>
               <a:buNone/>
             </a:pPr>
             <a:r>
-              <a:rPr lang="ko-KR" altLang="en-US" b="1" dirty="0">
-                <a:latin typeface="KoPub돋움체_Pro Bold" pitchFamily="50" charset="-127"/>
-                <a:ea typeface="KoPub돋움체_Pro Bold" pitchFamily="50" charset="-127"/>
-              </a:rPr>
-              <a:t>프로젝트 목적</a:t>
-            </a:r>
-            <a:endParaRPr lang="ko-KR" altLang="en-US" dirty="0">
-              <a:latin typeface="KoPub돋움체_Pro Bold" pitchFamily="50" charset="-127"/>
-              <a:ea typeface="KoPub돋움체_Pro Bold" pitchFamily="50" charset="-127"/>
-            </a:endParaRPr>
+              <a:rPr lang="ko-KR" altLang="en-US" sz="1600" dirty="0">
+                <a:latin typeface="KoPubWorld돋움체_Pro Light" panose="00000300000000000000" pitchFamily="50" charset="-127"/>
+                <a:ea typeface="KoPubWorld돋움체_Pro Light" panose="00000300000000000000" pitchFamily="50" charset="-127"/>
+                <a:cs typeface="KoPubWorld돋움체_Pro Light" panose="00000300000000000000" pitchFamily="50" charset="-127"/>
+              </a:rPr>
+              <a:t>고객이 장바구니에 추가한 상품 중 불필요한 구매</a:t>
+            </a:r>
+            <a:r>
+              <a:rPr lang="en-US" altLang="ko-KR" sz="1600" dirty="0">
+                <a:latin typeface="KoPubWorld돋움체_Pro Light" panose="00000300000000000000" pitchFamily="50" charset="-127"/>
+                <a:ea typeface="KoPubWorld돋움체_Pro Light" panose="00000300000000000000" pitchFamily="50" charset="-127"/>
+                <a:cs typeface="KoPubWorld돋움체_Pro Light" panose="00000300000000000000" pitchFamily="50" charset="-127"/>
+              </a:rPr>
+              <a:t>(</a:t>
+            </a:r>
+            <a:r>
+              <a:rPr lang="ko-KR" altLang="en-US" sz="1600" dirty="0">
+                <a:latin typeface="KoPubWorld돋움체_Pro Light" panose="00000300000000000000" pitchFamily="50" charset="-127"/>
+                <a:ea typeface="KoPubWorld돋움체_Pro Light" panose="00000300000000000000" pitchFamily="50" charset="-127"/>
+                <a:cs typeface="KoPubWorld돋움체_Pro Light" panose="00000300000000000000" pitchFamily="50" charset="-127"/>
+              </a:rPr>
+              <a:t>낮은 재구매율</a:t>
+            </a:r>
+            <a:r>
+              <a:rPr lang="en-US" altLang="ko-KR" sz="1600" dirty="0">
+                <a:latin typeface="KoPubWorld돋움체_Pro Light" panose="00000300000000000000" pitchFamily="50" charset="-127"/>
+                <a:ea typeface="KoPubWorld돋움체_Pro Light" panose="00000300000000000000" pitchFamily="50" charset="-127"/>
+                <a:cs typeface="KoPubWorld돋움체_Pro Light" panose="00000300000000000000" pitchFamily="50" charset="-127"/>
+              </a:rPr>
+              <a:t>/</a:t>
+            </a:r>
+            <a:r>
+              <a:rPr lang="ko-KR" altLang="en-US" sz="1600" dirty="0">
+                <a:latin typeface="KoPubWorld돋움체_Pro Light" panose="00000300000000000000" pitchFamily="50" charset="-127"/>
+                <a:ea typeface="KoPubWorld돋움체_Pro Light" panose="00000300000000000000" pitchFamily="50" charset="-127"/>
+                <a:cs typeface="KoPubWorld돋움체_Pro Light" panose="00000300000000000000" pitchFamily="50" charset="-127"/>
+              </a:rPr>
+              <a:t>사용성 부족 상품</a:t>
+            </a:r>
+            <a:r>
+              <a:rPr lang="en-US" altLang="ko-KR" sz="1600" dirty="0">
+                <a:latin typeface="KoPubWorld돋움체_Pro Light" panose="00000300000000000000" pitchFamily="50" charset="-127"/>
+                <a:ea typeface="KoPubWorld돋움체_Pro Light" panose="00000300000000000000" pitchFamily="50" charset="-127"/>
+                <a:cs typeface="KoPubWorld돋움체_Pro Light" panose="00000300000000000000" pitchFamily="50" charset="-127"/>
+              </a:rPr>
+              <a:t>)</a:t>
+            </a:r>
+            <a:r>
+              <a:rPr lang="ko-KR" altLang="en-US" sz="1600" dirty="0">
+                <a:latin typeface="KoPubWorld돋움체_Pro Light" panose="00000300000000000000" pitchFamily="50" charset="-127"/>
+                <a:ea typeface="KoPubWorld돋움체_Pro Light" panose="00000300000000000000" pitchFamily="50" charset="-127"/>
+                <a:cs typeface="KoPubWorld돋움체_Pro Light" panose="00000300000000000000" pitchFamily="50" charset="-127"/>
+              </a:rPr>
+              <a:t>를 탐지</a:t>
+            </a:r>
+            <a:r>
+              <a:rPr lang="en-US" altLang="ko-KR" sz="1600" dirty="0">
+                <a:latin typeface="KoPubWorld돋움체_Pro Light" panose="00000300000000000000" pitchFamily="50" charset="-127"/>
+                <a:ea typeface="KoPubWorld돋움체_Pro Light" panose="00000300000000000000" pitchFamily="50" charset="-127"/>
+                <a:cs typeface="KoPubWorld돋움체_Pro Light" panose="00000300000000000000" pitchFamily="50" charset="-127"/>
+              </a:rPr>
+              <a:t>.</a:t>
+            </a:r>
           </a:p>
           <a:p>
             <a:pPr marL="0" indent="0">
+              <a:lnSpc>
+                <a:spcPct val="120000"/>
+              </a:lnSpc>
               <a:buNone/>
             </a:pPr>
             <a:r>
-              <a:rPr lang="ko-KR" altLang="en-US" sz="2000" dirty="0">
-                <a:latin typeface="KoPub돋움체_Pro Light" pitchFamily="50" charset="-127"/>
-                <a:ea typeface="KoPub돋움체_Pro Light" pitchFamily="50" charset="-127"/>
-              </a:rPr>
-              <a:t>고객이 장바구니에 추가한 상품 중 불필요한 구매</a:t>
-            </a:r>
-            <a:r>
-              <a:rPr lang="en-US" altLang="ko-KR" sz="2000" dirty="0">
-                <a:latin typeface="KoPub돋움체_Pro Light" pitchFamily="50" charset="-127"/>
-                <a:ea typeface="KoPub돋움체_Pro Light" pitchFamily="50" charset="-127"/>
-              </a:rPr>
-              <a:t>(</a:t>
-            </a:r>
-            <a:r>
-              <a:rPr lang="ko-KR" altLang="en-US" sz="2000" dirty="0">
-                <a:latin typeface="KoPub돋움체_Pro Light" pitchFamily="50" charset="-127"/>
-                <a:ea typeface="KoPub돋움체_Pro Light" pitchFamily="50" charset="-127"/>
-              </a:rPr>
-              <a:t>낮은 </a:t>
-            </a:r>
-            <a:r>
-              <a:rPr lang="ko-KR" altLang="en-US" sz="2000" dirty="0" err="1">
-                <a:latin typeface="KoPub돋움체_Pro Light" pitchFamily="50" charset="-127"/>
-                <a:ea typeface="KoPub돋움체_Pro Light" pitchFamily="50" charset="-127"/>
-              </a:rPr>
-              <a:t>재구매율</a:t>
-            </a:r>
-            <a:r>
-              <a:rPr lang="en-US" altLang="ko-KR" sz="2000" dirty="0">
-                <a:latin typeface="KoPub돋움체_Pro Light" pitchFamily="50" charset="-127"/>
-                <a:ea typeface="KoPub돋움체_Pro Light" pitchFamily="50" charset="-127"/>
-              </a:rPr>
-              <a:t>/</a:t>
+              <a:rPr lang="ko-KR" altLang="en-US" sz="1600" dirty="0">
+                <a:latin typeface="KoPubWorld돋움체_Pro Light" panose="00000300000000000000" pitchFamily="50" charset="-127"/>
+                <a:ea typeface="KoPubWorld돋움체_Pro Light" panose="00000300000000000000" pitchFamily="50" charset="-127"/>
+                <a:cs typeface="KoPubWorld돋움체_Pro Light" panose="00000300000000000000" pitchFamily="50" charset="-127"/>
+              </a:rPr>
+              <a:t>기업 측면</a:t>
+            </a:r>
+            <a:r>
+              <a:rPr lang="en-US" altLang="ko-KR" sz="1600" dirty="0">
+                <a:latin typeface="KoPubWorld돋움체_Pro Light" panose="00000300000000000000" pitchFamily="50" charset="-127"/>
+                <a:ea typeface="KoPubWorld돋움체_Pro Light" panose="00000300000000000000" pitchFamily="50" charset="-127"/>
+                <a:cs typeface="KoPubWorld돋움체_Pro Light" panose="00000300000000000000" pitchFamily="50" charset="-127"/>
+              </a:rPr>
+              <a:t>: </a:t>
+            </a:r>
+            <a:r>
+              <a:rPr lang="ko-KR" altLang="en-US" sz="1600" dirty="0">
+                <a:latin typeface="KoPubWorld돋움체_Pro Light" panose="00000300000000000000" pitchFamily="50" charset="-127"/>
+                <a:ea typeface="KoPubWorld돋움체_Pro Light" panose="00000300000000000000" pitchFamily="50" charset="-127"/>
+                <a:cs typeface="KoPubWorld돋움체_Pro Light" panose="00000300000000000000" pitchFamily="50" charset="-127"/>
+              </a:rPr>
+              <a:t>비용 절감 및 추천 효율성 향상</a:t>
+            </a:r>
+            <a:r>
+              <a:rPr lang="en-US" altLang="ko-KR" sz="1600" dirty="0">
+                <a:latin typeface="KoPubWorld돋움체_Pro Light" panose="00000300000000000000" pitchFamily="50" charset="-127"/>
+                <a:ea typeface="KoPubWorld돋움체_Pro Light" panose="00000300000000000000" pitchFamily="50" charset="-127"/>
+                <a:cs typeface="KoPubWorld돋움체_Pro Light" panose="00000300000000000000" pitchFamily="50" charset="-127"/>
+              </a:rPr>
+              <a:t>.</a:t>
             </a:r>
           </a:p>
           <a:p>
             <a:pPr marL="0" indent="0">
+              <a:lnSpc>
+                <a:spcPct val="120000"/>
+              </a:lnSpc>
               <a:buNone/>
             </a:pPr>
             <a:r>
-              <a:rPr lang="ko-KR" altLang="en-US" sz="2000" dirty="0" err="1">
-                <a:latin typeface="KoPub돋움체_Pro Light" pitchFamily="50" charset="-127"/>
-                <a:ea typeface="KoPub돋움체_Pro Light" pitchFamily="50" charset="-127"/>
-              </a:rPr>
-              <a:t>사용성</a:t>
-            </a:r>
-            <a:r>
-              <a:rPr lang="ko-KR" altLang="en-US" sz="2000" dirty="0">
-                <a:latin typeface="KoPub돋움체_Pro Light" pitchFamily="50" charset="-127"/>
-                <a:ea typeface="KoPub돋움체_Pro Light" pitchFamily="50" charset="-127"/>
-              </a:rPr>
-              <a:t> 부족 상품</a:t>
-            </a:r>
-            <a:r>
-              <a:rPr lang="en-US" altLang="ko-KR" sz="2000" dirty="0">
-                <a:latin typeface="KoPub돋움체_Pro Light" pitchFamily="50" charset="-127"/>
-                <a:ea typeface="KoPub돋움체_Pro Light" pitchFamily="50" charset="-127"/>
-              </a:rPr>
-              <a:t>)</a:t>
-            </a:r>
-            <a:r>
-              <a:rPr lang="ko-KR" altLang="en-US" sz="2000" dirty="0">
-                <a:latin typeface="KoPub돋움체_Pro Light" pitchFamily="50" charset="-127"/>
-                <a:ea typeface="KoPub돋움체_Pro Light" pitchFamily="50" charset="-127"/>
-              </a:rPr>
-              <a:t>를 탐지</a:t>
-            </a:r>
-            <a:r>
-              <a:rPr lang="en-US" altLang="ko-KR" sz="2000" dirty="0">
-                <a:latin typeface="KoPub돋움체_Pro Light" pitchFamily="50" charset="-127"/>
-                <a:ea typeface="KoPub돋움체_Pro Light" pitchFamily="50" charset="-127"/>
-              </a:rPr>
-              <a:t>.</a:t>
-            </a:r>
-          </a:p>
-          <a:p>
-            <a:pPr marL="0" indent="0">
-              <a:buNone/>
-            </a:pPr>
-            <a:r>
-              <a:rPr lang="ko-KR" altLang="en-US" sz="2000" dirty="0">
-                <a:latin typeface="KoPub돋움체_Pro Light" pitchFamily="50" charset="-127"/>
-                <a:ea typeface="KoPub돋움체_Pro Light" pitchFamily="50" charset="-127"/>
-              </a:rPr>
-              <a:t>기업 측면</a:t>
-            </a:r>
-            <a:r>
-              <a:rPr lang="en-US" altLang="ko-KR" sz="2000" dirty="0">
-                <a:latin typeface="KoPub돋움체_Pro Light" pitchFamily="50" charset="-127"/>
-                <a:ea typeface="KoPub돋움체_Pro Light" pitchFamily="50" charset="-127"/>
+              <a:rPr lang="ko-KR" altLang="en-US" sz="1600" dirty="0">
+                <a:latin typeface="KoPubWorld돋움체_Pro Light" panose="00000300000000000000" pitchFamily="50" charset="-127"/>
+                <a:ea typeface="KoPubWorld돋움체_Pro Light" panose="00000300000000000000" pitchFamily="50" charset="-127"/>
+                <a:cs typeface="KoPubWorld돋움체_Pro Light" panose="00000300000000000000" pitchFamily="50" charset="-127"/>
+              </a:rPr>
+              <a:t>고객 측면</a:t>
+            </a:r>
+            <a:r>
+              <a:rPr lang="en-US" altLang="ko-KR" sz="1600" dirty="0">
+                <a:latin typeface="KoPubWorld돋움체_Pro Light" panose="00000300000000000000" pitchFamily="50" charset="-127"/>
+                <a:ea typeface="KoPubWorld돋움체_Pro Light" panose="00000300000000000000" pitchFamily="50" charset="-127"/>
+                <a:cs typeface="KoPubWorld돋움체_Pro Light" panose="00000300000000000000" pitchFamily="50" charset="-127"/>
               </a:rPr>
               <a:t>: </a:t>
             </a:r>
             <a:r>
-              <a:rPr lang="ko-KR" altLang="en-US" sz="2000" dirty="0">
-                <a:latin typeface="KoPub돋움체_Pro Light" pitchFamily="50" charset="-127"/>
-                <a:ea typeface="KoPub돋움체_Pro Light" pitchFamily="50" charset="-127"/>
-              </a:rPr>
-              <a:t>비용 절감 및 추천 효율성 향상</a:t>
-            </a:r>
-            <a:r>
-              <a:rPr lang="en-US" altLang="ko-KR" sz="2000" dirty="0">
-                <a:latin typeface="KoPub돋움체_Pro Light" pitchFamily="50" charset="-127"/>
-                <a:ea typeface="KoPub돋움체_Pro Light" pitchFamily="50" charset="-127"/>
-              </a:rPr>
-              <a:t>.</a:t>
-            </a:r>
-          </a:p>
-          <a:p>
-            <a:pPr marL="0" indent="0">
-              <a:buNone/>
-            </a:pPr>
-            <a:r>
-              <a:rPr lang="ko-KR" altLang="en-US" sz="2000" dirty="0">
-                <a:latin typeface="KoPub돋움체_Pro Light" pitchFamily="50" charset="-127"/>
-                <a:ea typeface="KoPub돋움체_Pro Light" pitchFamily="50" charset="-127"/>
-              </a:rPr>
-              <a:t>고객 측면</a:t>
-            </a:r>
-            <a:r>
-              <a:rPr lang="en-US" altLang="ko-KR" sz="2000" dirty="0">
-                <a:latin typeface="KoPub돋움체_Pro Light" pitchFamily="50" charset="-127"/>
-                <a:ea typeface="KoPub돋움체_Pro Light" pitchFamily="50" charset="-127"/>
-              </a:rPr>
-              <a:t>: </a:t>
-            </a:r>
-            <a:r>
-              <a:rPr lang="ko-KR" altLang="en-US" sz="2000" dirty="0">
-                <a:latin typeface="KoPub돋움체_Pro Light" pitchFamily="50" charset="-127"/>
-                <a:ea typeface="KoPub돋움체_Pro Light" pitchFamily="50" charset="-127"/>
+              <a:rPr lang="ko-KR" altLang="en-US" sz="1600" dirty="0">
+                <a:latin typeface="KoPubWorld돋움체_Pro Light" panose="00000300000000000000" pitchFamily="50" charset="-127"/>
+                <a:ea typeface="KoPubWorld돋움체_Pro Light" panose="00000300000000000000" pitchFamily="50" charset="-127"/>
+                <a:cs typeface="KoPubWorld돋움체_Pro Light" panose="00000300000000000000" pitchFamily="50" charset="-127"/>
               </a:rPr>
               <a:t>맞춤형 쇼핑 경험 제공</a:t>
             </a:r>
             <a:r>
-              <a:rPr lang="en-US" altLang="ko-KR" sz="2000" dirty="0">
-                <a:latin typeface="KoPub돋움체_Pro Light" pitchFamily="50" charset="-127"/>
-                <a:ea typeface="KoPub돋움체_Pro Light" pitchFamily="50" charset="-127"/>
+              <a:rPr lang="en-US" altLang="ko-KR" sz="1600" dirty="0">
+                <a:latin typeface="KoPubWorld돋움체_Pro Light" panose="00000300000000000000" pitchFamily="50" charset="-127"/>
+                <a:ea typeface="KoPubWorld돋움체_Pro Light" panose="00000300000000000000" pitchFamily="50" charset="-127"/>
+                <a:cs typeface="KoPubWorld돋움체_Pro Light" panose="00000300000000000000" pitchFamily="50" charset="-127"/>
               </a:rPr>
               <a:t>.</a:t>
             </a:r>
@@ -9179,7 +9633,12 @@
             <p:ph type="title"/>
           </p:nvPr>
         </p:nvSpPr>
-        <p:spPr/>
+        <p:spPr>
+          <a:xfrm>
+            <a:off x="457200" y="1700808"/>
+            <a:ext cx="8229600" cy="1143000"/>
+          </a:xfrm>
+        </p:spPr>
         <p:txBody>
           <a:bodyPr>
             <a:normAutofit/>
@@ -9189,21 +9648,24 @@
             <a:pPr algn="l"/>
             <a:r>
               <a:rPr lang="en-US" altLang="ko-KR" b="1" dirty="0">
-                <a:latin typeface="KoPub돋움체_Pro Bold" pitchFamily="50" charset="-127"/>
-                <a:ea typeface="KoPub돋움체_Pro Bold" pitchFamily="50" charset="-127"/>
+                <a:latin typeface="KoPubWorld돋움체_Pro Bold" panose="00000800000000000000" pitchFamily="50" charset="-127"/>
+                <a:ea typeface="KoPubWorld돋움체_Pro Bold" panose="00000800000000000000" pitchFamily="50" charset="-127"/>
+                <a:cs typeface="KoPubWorld돋움체_Pro Bold" panose="00000800000000000000" pitchFamily="50" charset="-127"/>
               </a:rPr>
               <a:t>AI </a:t>
             </a:r>
             <a:r>
               <a:rPr lang="ko-KR" altLang="en-US" b="1" dirty="0">
-                <a:latin typeface="KoPub돋움체_Pro Bold" pitchFamily="50" charset="-127"/>
-                <a:ea typeface="KoPub돋움체_Pro Bold" pitchFamily="50" charset="-127"/>
+                <a:latin typeface="KoPubWorld돋움체_Pro Bold" panose="00000800000000000000" pitchFamily="50" charset="-127"/>
+                <a:ea typeface="KoPubWorld돋움체_Pro Bold" panose="00000800000000000000" pitchFamily="50" charset="-127"/>
+                <a:cs typeface="KoPubWorld돋움체_Pro Bold" panose="00000800000000000000" pitchFamily="50" charset="-127"/>
               </a:rPr>
               <a:t>모델 활용</a:t>
             </a:r>
             <a:endParaRPr lang="ko-KR" altLang="en-US" dirty="0">
-              <a:latin typeface="KoPub돋움체_Pro Bold" pitchFamily="50" charset="-127"/>
-              <a:ea typeface="KoPub돋움체_Pro Bold" pitchFamily="50" charset="-127"/>
+              <a:latin typeface="KoPubWorld돋움체_Pro Bold" panose="00000800000000000000" pitchFamily="50" charset="-127"/>
+              <a:ea typeface="KoPubWorld돋움체_Pro Bold" panose="00000800000000000000" pitchFamily="50" charset="-127"/>
+              <a:cs typeface="KoPubWorld돋움체_Pro Bold" panose="00000800000000000000" pitchFamily="50" charset="-127"/>
             </a:endParaRPr>
           </a:p>
         </p:txBody>
@@ -9218,7 +9680,12 @@
             <p:ph idx="1"/>
           </p:nvPr>
         </p:nvSpPr>
-        <p:spPr/>
+        <p:spPr>
+          <a:xfrm>
+            <a:off x="457200" y="3026371"/>
+            <a:ext cx="8229600" cy="1684784"/>
+          </a:xfrm>
+        </p:spPr>
         <p:txBody>
           <a:bodyPr/>
           <a:lstStyle/>
@@ -9231,21 +9698,24 @@
             </a:pPr>
             <a:r>
               <a:rPr lang="en-US" altLang="ko-KR" b="1" dirty="0">
-                <a:latin typeface="KoPub돋움체_Pro Bold" pitchFamily="50" charset="-127"/>
-                <a:ea typeface="KoPub돋움체_Pro Bold" pitchFamily="50" charset="-127"/>
+                <a:latin typeface="KoPubWorld돋움체_Pro Bold" panose="00000800000000000000" pitchFamily="50" charset="-127"/>
+                <a:ea typeface="KoPubWorld돋움체_Pro Bold" panose="00000800000000000000" pitchFamily="50" charset="-127"/>
+                <a:cs typeface="KoPubWorld돋움체_Pro Bold" panose="00000800000000000000" pitchFamily="50" charset="-127"/>
               </a:rPr>
               <a:t>AI </a:t>
             </a:r>
             <a:r>
               <a:rPr lang="ko-KR" altLang="en-US" b="1" dirty="0">
-                <a:latin typeface="KoPub돋움체_Pro Bold" pitchFamily="50" charset="-127"/>
-                <a:ea typeface="KoPub돋움체_Pro Bold" pitchFamily="50" charset="-127"/>
+                <a:latin typeface="KoPubWorld돋움체_Pro Bold" panose="00000800000000000000" pitchFamily="50" charset="-127"/>
+                <a:ea typeface="KoPubWorld돋움체_Pro Bold" panose="00000800000000000000" pitchFamily="50" charset="-127"/>
+                <a:cs typeface="KoPubWorld돋움체_Pro Bold" panose="00000800000000000000" pitchFamily="50" charset="-127"/>
               </a:rPr>
               <a:t>모델 활용</a:t>
             </a:r>
             <a:endParaRPr lang="ko-KR" altLang="en-US" dirty="0">
-              <a:latin typeface="KoPub돋움체_Pro Bold" pitchFamily="50" charset="-127"/>
-              <a:ea typeface="KoPub돋움체_Pro Bold" pitchFamily="50" charset="-127"/>
+              <a:latin typeface="KoPubWorld돋움체_Pro Bold" panose="00000800000000000000" pitchFamily="50" charset="-127"/>
+              <a:ea typeface="KoPubWorld돋움체_Pro Bold" panose="00000800000000000000" pitchFamily="50" charset="-127"/>
+              <a:cs typeface="KoPubWorld돋움체_Pro Bold" panose="00000800000000000000" pitchFamily="50" charset="-127"/>
             </a:endParaRPr>
           </a:p>
           <a:p>
@@ -9253,23 +9723,26 @@
               <a:buNone/>
             </a:pPr>
             <a:r>
-              <a:rPr lang="en-US" altLang="ko-KR" sz="2000" dirty="0">
-                <a:latin typeface="KoPub돋움체_Pro Light" pitchFamily="50" charset="-127"/>
-                <a:ea typeface="KoPub돋움체_Pro Light" pitchFamily="50" charset="-127"/>
+              <a:rPr lang="en-US" altLang="ko-KR" sz="1800" dirty="0">
+                <a:latin typeface="KoPubWorld돋움체_Pro Light" panose="00000300000000000000" pitchFamily="50" charset="-127"/>
+                <a:ea typeface="KoPubWorld돋움체_Pro Light" panose="00000300000000000000" pitchFamily="50" charset="-127"/>
+                <a:cs typeface="KoPubWorld돋움체_Pro Light" panose="00000300000000000000" pitchFamily="50" charset="-127"/>
               </a:rPr>
               <a:t>DNN </a:t>
             </a:r>
             <a:r>
-              <a:rPr lang="ko-KR" altLang="en-US" sz="2000" dirty="0">
-                <a:latin typeface="KoPub돋움체_Pro Light" pitchFamily="50" charset="-127"/>
-                <a:ea typeface="KoPub돋움체_Pro Light" pitchFamily="50" charset="-127"/>
+              <a:rPr lang="ko-KR" altLang="en-US" sz="1800" dirty="0">
+                <a:latin typeface="KoPubWorld돋움체_Pro Light" panose="00000300000000000000" pitchFamily="50" charset="-127"/>
+                <a:ea typeface="KoPubWorld돋움체_Pro Light" panose="00000300000000000000" pitchFamily="50" charset="-127"/>
+                <a:cs typeface="KoPubWorld돋움체_Pro Light" panose="00000300000000000000" pitchFamily="50" charset="-127"/>
               </a:rPr>
               <a:t>기반 예측 모델을 통해 불필요 구매를 식별</a:t>
             </a:r>
             <a:r>
-              <a:rPr lang="en-US" altLang="ko-KR" sz="2000" dirty="0">
-                <a:latin typeface="KoPub돋움체_Pro Light" pitchFamily="50" charset="-127"/>
-                <a:ea typeface="KoPub돋움체_Pro Light" pitchFamily="50" charset="-127"/>
+              <a:rPr lang="en-US" altLang="ko-KR" sz="1800" dirty="0">
+                <a:latin typeface="KoPubWorld돋움체_Pro Light" panose="00000300000000000000" pitchFamily="50" charset="-127"/>
+                <a:ea typeface="KoPubWorld돋움체_Pro Light" panose="00000300000000000000" pitchFamily="50" charset="-127"/>
+                <a:cs typeface="KoPubWorld돋움체_Pro Light" panose="00000300000000000000" pitchFamily="50" charset="-127"/>
               </a:rPr>
               <a:t>.</a:t>
             </a:r>
@@ -9279,58 +9752,66 @@
               <a:buNone/>
             </a:pPr>
             <a:r>
-              <a:rPr lang="ko-KR" altLang="en-US" sz="2000" dirty="0">
-                <a:latin typeface="KoPub돋움체_Pro Light" pitchFamily="50" charset="-127"/>
-                <a:ea typeface="KoPub돋움체_Pro Light" pitchFamily="50" charset="-127"/>
+              <a:rPr lang="ko-KR" altLang="en-US" sz="1800" dirty="0">
+                <a:latin typeface="KoPubWorld돋움체_Pro Light" panose="00000300000000000000" pitchFamily="50" charset="-127"/>
+                <a:ea typeface="KoPubWorld돋움체_Pro Light" panose="00000300000000000000" pitchFamily="50" charset="-127"/>
+                <a:cs typeface="KoPubWorld돋움체_Pro Light" panose="00000300000000000000" pitchFamily="50" charset="-127"/>
               </a:rPr>
               <a:t>고객 정보</a:t>
             </a:r>
             <a:r>
-              <a:rPr lang="en-US" altLang="ko-KR" sz="2000" dirty="0">
-                <a:latin typeface="KoPub돋움체_Pro Light" pitchFamily="50" charset="-127"/>
-                <a:ea typeface="KoPub돋움체_Pro Light" pitchFamily="50" charset="-127"/>
+              <a:rPr lang="en-US" altLang="ko-KR" sz="1800" dirty="0">
+                <a:latin typeface="KoPubWorld돋움체_Pro Light" panose="00000300000000000000" pitchFamily="50" charset="-127"/>
+                <a:ea typeface="KoPubWorld돋움체_Pro Light" panose="00000300000000000000" pitchFamily="50" charset="-127"/>
+                <a:cs typeface="KoPubWorld돋움체_Pro Light" panose="00000300000000000000" pitchFamily="50" charset="-127"/>
               </a:rPr>
               <a:t>, </a:t>
             </a:r>
             <a:r>
-              <a:rPr lang="ko-KR" altLang="en-US" sz="2000" dirty="0">
-                <a:latin typeface="KoPub돋움체_Pro Light" pitchFamily="50" charset="-127"/>
-                <a:ea typeface="KoPub돋움체_Pro Light" pitchFamily="50" charset="-127"/>
+              <a:rPr lang="ko-KR" altLang="en-US" sz="1800" dirty="0">
+                <a:latin typeface="KoPubWorld돋움체_Pro Light" panose="00000300000000000000" pitchFamily="50" charset="-127"/>
+                <a:ea typeface="KoPubWorld돋움체_Pro Light" panose="00000300000000000000" pitchFamily="50" charset="-127"/>
+                <a:cs typeface="KoPubWorld돋움체_Pro Light" panose="00000300000000000000" pitchFamily="50" charset="-127"/>
               </a:rPr>
               <a:t>제품 정보</a:t>
             </a:r>
             <a:r>
-              <a:rPr lang="en-US" altLang="ko-KR" sz="2000" dirty="0">
-                <a:latin typeface="KoPub돋움체_Pro Light" pitchFamily="50" charset="-127"/>
-                <a:ea typeface="KoPub돋움체_Pro Light" pitchFamily="50" charset="-127"/>
+              <a:rPr lang="en-US" altLang="ko-KR" sz="1800" dirty="0">
+                <a:latin typeface="KoPubWorld돋움체_Pro Light" panose="00000300000000000000" pitchFamily="50" charset="-127"/>
+                <a:ea typeface="KoPubWorld돋움체_Pro Light" panose="00000300000000000000" pitchFamily="50" charset="-127"/>
+                <a:cs typeface="KoPubWorld돋움체_Pro Light" panose="00000300000000000000" pitchFamily="50" charset="-127"/>
               </a:rPr>
               <a:t>, </a:t>
             </a:r>
             <a:r>
-              <a:rPr lang="ko-KR" altLang="en-US" sz="2000" dirty="0">
-                <a:latin typeface="KoPub돋움체_Pro Light" pitchFamily="50" charset="-127"/>
-                <a:ea typeface="KoPub돋움체_Pro Light" pitchFamily="50" charset="-127"/>
+              <a:rPr lang="ko-KR" altLang="en-US" sz="1800" dirty="0">
+                <a:latin typeface="KoPubWorld돋움체_Pro Light" panose="00000300000000000000" pitchFamily="50" charset="-127"/>
+                <a:ea typeface="KoPubWorld돋움체_Pro Light" panose="00000300000000000000" pitchFamily="50" charset="-127"/>
+                <a:cs typeface="KoPubWorld돋움체_Pro Light" panose="00000300000000000000" pitchFamily="50" charset="-127"/>
               </a:rPr>
               <a:t>고객</a:t>
             </a:r>
             <a:r>
-              <a:rPr lang="en-US" altLang="ko-KR" sz="2000" dirty="0">
-                <a:latin typeface="KoPub돋움체_Pro Light" pitchFamily="50" charset="-127"/>
-                <a:ea typeface="KoPub돋움체_Pro Light" pitchFamily="50" charset="-127"/>
+              <a:rPr lang="en-US" altLang="ko-KR" sz="1800" dirty="0">
+                <a:latin typeface="KoPubWorld돋움체_Pro Light" panose="00000300000000000000" pitchFamily="50" charset="-127"/>
+                <a:ea typeface="KoPubWorld돋움체_Pro Light" panose="00000300000000000000" pitchFamily="50" charset="-127"/>
+                <a:cs typeface="KoPubWorld돋움체_Pro Light" panose="00000300000000000000" pitchFamily="50" charset="-127"/>
               </a:rPr>
               <a:t>-</a:t>
             </a:r>
             <a:r>
-              <a:rPr lang="ko-KR" altLang="en-US" sz="2000" dirty="0">
-                <a:latin typeface="KoPub돋움체_Pro Light" pitchFamily="50" charset="-127"/>
-                <a:ea typeface="KoPub돋움체_Pro Light" pitchFamily="50" charset="-127"/>
+              <a:rPr lang="ko-KR" altLang="en-US" sz="1800" dirty="0">
+                <a:latin typeface="KoPubWorld돋움체_Pro Light" panose="00000300000000000000" pitchFamily="50" charset="-127"/>
+                <a:ea typeface="KoPubWorld돋움체_Pro Light" panose="00000300000000000000" pitchFamily="50" charset="-127"/>
+                <a:cs typeface="KoPubWorld돋움체_Pro Light" panose="00000300000000000000" pitchFamily="50" charset="-127"/>
               </a:rPr>
               <a:t>제품 조합 정보 활용</a:t>
             </a:r>
             <a:r>
-              <a:rPr lang="en-US" altLang="ko-KR" sz="2000" dirty="0">
-                <a:latin typeface="KoPub돋움체_Pro Light" pitchFamily="50" charset="-127"/>
-                <a:ea typeface="KoPub돋움체_Pro Light" pitchFamily="50" charset="-127"/>
+              <a:rPr lang="en-US" altLang="ko-KR" sz="1800" dirty="0">
+                <a:latin typeface="KoPubWorld돋움체_Pro Light" panose="00000300000000000000" pitchFamily="50" charset="-127"/>
+                <a:ea typeface="KoPubWorld돋움체_Pro Light" panose="00000300000000000000" pitchFamily="50" charset="-127"/>
+                <a:cs typeface="KoPubWorld돋움체_Pro Light" panose="00000300000000000000" pitchFamily="50" charset="-127"/>
               </a:rPr>
               <a:t>.</a:t>
             </a:r>
@@ -9383,16 +9864,22 @@
             <p:ph type="title"/>
           </p:nvPr>
         </p:nvSpPr>
-        <p:spPr/>
+        <p:spPr>
+          <a:xfrm>
+            <a:off x="457200" y="1340768"/>
+            <a:ext cx="8229600" cy="1143000"/>
+          </a:xfrm>
+        </p:spPr>
         <p:txBody>
           <a:bodyPr/>
           <a:lstStyle/>
           <a:p>
             <a:pPr algn="l"/>
             <a:r>
-              <a:rPr lang="ko-KR" altLang="en-US">
-                <a:latin typeface="KoPub돋움체_Pro Bold" pitchFamily="50" charset="-127"/>
-                <a:ea typeface="KoPub돋움체_Pro Bold" pitchFamily="50" charset="-127"/>
+              <a:rPr lang="ko-KR" altLang="en-US" dirty="0">
+                <a:latin typeface="KoPubWorld돋움체_Pro Bold" panose="00000800000000000000" pitchFamily="50" charset="-127"/>
+                <a:ea typeface="KoPubWorld돋움체_Pro Bold" panose="00000800000000000000" pitchFamily="50" charset="-127"/>
+                <a:cs typeface="KoPubWorld돋움체_Pro Bold" panose="00000800000000000000" pitchFamily="50" charset="-127"/>
               </a:rPr>
               <a:t>기대효과</a:t>
             </a:r>
@@ -9409,7 +9896,12 @@
             <p:ph idx="1"/>
           </p:nvPr>
         </p:nvSpPr>
-        <p:spPr/>
+        <p:spPr>
+          <a:xfrm>
+            <a:off x="457200" y="2620478"/>
+            <a:ext cx="8229600" cy="2625155"/>
+          </a:xfrm>
+        </p:spPr>
         <p:txBody>
           <a:bodyPr>
             <a:normAutofit/>
@@ -9422,9 +9914,18 @@
               </a:lnSpc>
               <a:buNone/>
             </a:pPr>
-            <a:endParaRPr lang="en-US" altLang="ko-KR" sz="1800" b="1" dirty="0">
-              <a:latin typeface="KoPub돋움체_Pro Light" pitchFamily="50" charset="-127"/>
-              <a:ea typeface="KoPub돋움체_Pro Light" pitchFamily="50" charset="-127"/>
+            <a:r>
+              <a:rPr lang="ko-KR" altLang="en-US" sz="2400" b="1" dirty="0">
+                <a:latin typeface="KoPubWorld돋움체_Pro Bold" panose="00000800000000000000" pitchFamily="50" charset="-127"/>
+                <a:ea typeface="KoPubWorld돋움체_Pro Bold" panose="00000800000000000000" pitchFamily="50" charset="-127"/>
+                <a:cs typeface="KoPubWorld돋움체_Pro Bold" panose="00000800000000000000" pitchFamily="50" charset="-127"/>
+              </a:rPr>
+              <a:t>기업</a:t>
+            </a:r>
+            <a:endParaRPr lang="en-US" altLang="ko-KR" sz="2400" dirty="0">
+              <a:latin typeface="KoPubWorld돋움체_Pro Bold" panose="00000800000000000000" pitchFamily="50" charset="-127"/>
+              <a:ea typeface="KoPubWorld돋움체_Pro Bold" panose="00000800000000000000" pitchFamily="50" charset="-127"/>
+              <a:cs typeface="KoPubWorld돋움체_Pro Bold" panose="00000800000000000000" pitchFamily="50" charset="-127"/>
             </a:endParaRPr>
           </a:p>
           <a:p>
@@ -9435,56 +9936,42 @@
               <a:buNone/>
             </a:pPr>
             <a:r>
-              <a:rPr lang="ko-KR" altLang="en-US" sz="2400" b="1" dirty="0">
-                <a:latin typeface="KoPub돋움체_Pro Bold" pitchFamily="50" charset="-127"/>
-                <a:ea typeface="KoPub돋움체_Pro Bold" pitchFamily="50" charset="-127"/>
-              </a:rPr>
-              <a:t>기업</a:t>
-            </a:r>
-            <a:endParaRPr lang="en-US" altLang="ko-KR" sz="2400" dirty="0">
-              <a:latin typeface="KoPub돋움체_Pro Bold" pitchFamily="50" charset="-127"/>
-              <a:ea typeface="KoPub돋움체_Pro Bold" pitchFamily="50" charset="-127"/>
-            </a:endParaRPr>
-          </a:p>
-          <a:p>
-            <a:pPr marL="0" indent="0">
-              <a:lnSpc>
-                <a:spcPct val="140000"/>
-              </a:lnSpc>
-              <a:buNone/>
-            </a:pPr>
-            <a:r>
               <a:rPr lang="ko-KR" altLang="en-US" sz="1800" dirty="0" err="1">
-                <a:latin typeface="KoPub돋움체_Pro Light" pitchFamily="50" charset="-127"/>
-                <a:ea typeface="KoPub돋움체_Pro Light" pitchFamily="50" charset="-127"/>
+                <a:latin typeface="KoPubWorld돋움체_Pro Light" panose="00000300000000000000" pitchFamily="50" charset="-127"/>
+                <a:ea typeface="KoPubWorld돋움체_Pro Light" panose="00000300000000000000" pitchFamily="50" charset="-127"/>
+                <a:cs typeface="KoPubWorld돋움체_Pro Light" panose="00000300000000000000" pitchFamily="50" charset="-127"/>
               </a:rPr>
               <a:t>반품율</a:t>
             </a:r>
             <a:r>
               <a:rPr lang="ko-KR" altLang="en-US" sz="1800" dirty="0">
-                <a:latin typeface="KoPub돋움체_Pro Light" pitchFamily="50" charset="-127"/>
-                <a:ea typeface="KoPub돋움체_Pro Light" pitchFamily="50" charset="-127"/>
+                <a:latin typeface="KoPubWorld돋움체_Pro Light" panose="00000300000000000000" pitchFamily="50" charset="-127"/>
+                <a:ea typeface="KoPubWorld돋움체_Pro Light" panose="00000300000000000000" pitchFamily="50" charset="-127"/>
+                <a:cs typeface="KoPubWorld돋움체_Pro Light" panose="00000300000000000000" pitchFamily="50" charset="-127"/>
               </a:rPr>
               <a:t> 감소</a:t>
             </a:r>
             <a:r>
               <a:rPr lang="en-US" altLang="ko-KR" sz="1800" dirty="0">
-                <a:latin typeface="KoPub돋움체_Pro Light" pitchFamily="50" charset="-127"/>
-                <a:ea typeface="KoPub돋움체_Pro Light" pitchFamily="50" charset="-127"/>
+                <a:latin typeface="KoPubWorld돋움체_Pro Light" panose="00000300000000000000" pitchFamily="50" charset="-127"/>
+                <a:ea typeface="KoPubWorld돋움체_Pro Light" panose="00000300000000000000" pitchFamily="50" charset="-127"/>
+                <a:cs typeface="KoPubWorld돋움체_Pro Light" panose="00000300000000000000" pitchFamily="50" charset="-127"/>
               </a:rPr>
               <a:t>, </a:t>
             </a:r>
             <a:r>
               <a:rPr lang="ko-KR" altLang="en-US" sz="1800" dirty="0">
-                <a:latin typeface="KoPub돋움체_Pro Light" pitchFamily="50" charset="-127"/>
-                <a:ea typeface="KoPub돋움체_Pro Light" pitchFamily="50" charset="-127"/>
+                <a:latin typeface="KoPubWorld돋움체_Pro Light" panose="00000300000000000000" pitchFamily="50" charset="-127"/>
+                <a:ea typeface="KoPubWorld돋움체_Pro Light" panose="00000300000000000000" pitchFamily="50" charset="-127"/>
+                <a:cs typeface="KoPubWorld돋움체_Pro Light" panose="00000300000000000000" pitchFamily="50" charset="-127"/>
               </a:rPr>
               <a:t>운영 효율성 개선</a:t>
             </a:r>
             <a:r>
               <a:rPr lang="en-US" altLang="ko-KR" sz="1800" dirty="0">
-                <a:latin typeface="KoPub돋움체_Pro Light" pitchFamily="50" charset="-127"/>
-                <a:ea typeface="KoPub돋움체_Pro Light" pitchFamily="50" charset="-127"/>
+                <a:latin typeface="KoPubWorld돋움체_Pro Light" panose="00000300000000000000" pitchFamily="50" charset="-127"/>
+                <a:ea typeface="KoPubWorld돋움체_Pro Light" panose="00000300000000000000" pitchFamily="50" charset="-127"/>
+                <a:cs typeface="KoPubWorld돋움체_Pro Light" panose="00000300000000000000" pitchFamily="50" charset="-127"/>
               </a:rPr>
               <a:t>.</a:t>
             </a:r>
@@ -9510,14 +9997,16 @@
             </a:pPr>
             <a:r>
               <a:rPr lang="ko-KR" altLang="en-US" sz="2400" b="1" dirty="0">
-                <a:latin typeface="KoPub돋움체_Pro Bold" pitchFamily="50" charset="-127"/>
-                <a:ea typeface="KoPub돋움체_Pro Bold" pitchFamily="50" charset="-127"/>
+                <a:latin typeface="KoPubWorld돋움체_Pro Bold" panose="00000800000000000000" pitchFamily="50" charset="-127"/>
+                <a:ea typeface="KoPubWorld돋움체_Pro Bold" panose="00000800000000000000" pitchFamily="50" charset="-127"/>
+                <a:cs typeface="KoPubWorld돋움체_Pro Bold" panose="00000800000000000000" pitchFamily="50" charset="-127"/>
               </a:rPr>
               <a:t>소비자</a:t>
             </a:r>
             <a:endParaRPr lang="en-US" altLang="ko-KR" sz="2400" dirty="0">
-              <a:latin typeface="KoPub돋움체_Pro Bold" pitchFamily="50" charset="-127"/>
-              <a:ea typeface="KoPub돋움체_Pro Bold" pitchFamily="50" charset="-127"/>
+              <a:latin typeface="KoPubWorld돋움체_Pro Bold" panose="00000800000000000000" pitchFamily="50" charset="-127"/>
+              <a:ea typeface="KoPubWorld돋움체_Pro Bold" panose="00000800000000000000" pitchFamily="50" charset="-127"/>
+              <a:cs typeface="KoPubWorld돋움체_Pro Bold" panose="00000800000000000000" pitchFamily="50" charset="-127"/>
             </a:endParaRPr>
           </a:p>
           <a:p>
@@ -9529,22 +10018,25 @@
             </a:pPr>
             <a:r>
               <a:rPr lang="ko-KR" altLang="en-US" sz="1800" dirty="0">
-                <a:latin typeface="KoPub돋움체_Pro Light" pitchFamily="50" charset="-127"/>
-                <a:ea typeface="KoPub돋움체_Pro Light" pitchFamily="50" charset="-127"/>
+                <a:latin typeface="KoPubWorld돋움체_Pro Light" panose="00000300000000000000" pitchFamily="50" charset="-127"/>
+                <a:ea typeface="KoPubWorld돋움체_Pro Light" panose="00000300000000000000" pitchFamily="50" charset="-127"/>
+                <a:cs typeface="KoPubWorld돋움체_Pro Light" panose="00000300000000000000" pitchFamily="50" charset="-127"/>
               </a:rPr>
               <a:t>구매 최적화</a:t>
             </a:r>
             <a:r>
               <a:rPr lang="en-US" altLang="ko-KR" sz="1800" dirty="0">
-                <a:latin typeface="KoPub돋움체_Pro Light" pitchFamily="50" charset="-127"/>
-                <a:ea typeface="KoPub돋움체_Pro Light" pitchFamily="50" charset="-127"/>
+                <a:latin typeface="KoPubWorld돋움체_Pro Light" panose="00000300000000000000" pitchFamily="50" charset="-127"/>
+                <a:ea typeface="KoPubWorld돋움체_Pro Light" panose="00000300000000000000" pitchFamily="50" charset="-127"/>
+                <a:cs typeface="KoPubWorld돋움체_Pro Light" panose="00000300000000000000" pitchFamily="50" charset="-127"/>
               </a:rPr>
               <a:t>, </a:t>
             </a:r>
             <a:r>
               <a:rPr lang="ko-KR" altLang="en-US" sz="1800" dirty="0">
-                <a:latin typeface="KoPub돋움체_Pro Light" pitchFamily="50" charset="-127"/>
-                <a:ea typeface="KoPub돋움체_Pro Light" pitchFamily="50" charset="-127"/>
+                <a:latin typeface="KoPubWorld돋움체_Pro Light" panose="00000300000000000000" pitchFamily="50" charset="-127"/>
+                <a:ea typeface="KoPubWorld돋움체_Pro Light" panose="00000300000000000000" pitchFamily="50" charset="-127"/>
+                <a:cs typeface="KoPubWorld돋움체_Pro Light" panose="00000300000000000000" pitchFamily="50" charset="-127"/>
               </a:rPr>
               <a:t>만족도 향상</a:t>
             </a:r>
@@ -10049,7 +10541,7 @@
         </p:nvSpPr>
         <p:spPr>
           <a:xfrm>
-            <a:off x="539552" y="274638"/>
+            <a:off x="457200" y="620688"/>
             <a:ext cx="8229600" cy="1143000"/>
           </a:xfrm>
         </p:spPr>
@@ -10061,7 +10553,7 @@
           <a:p>
             <a:pPr algn="l"/>
             <a:r>
-              <a:rPr lang="en-US" altLang="ko-KR" sz="3600" dirty="0">
+              <a:rPr lang="en-US" altLang="ko-KR" dirty="0">
                 <a:latin typeface="KoPubWorld돋움체_Pro Bold" panose="00000800000000000000" pitchFamily="50" charset="-127"/>
                 <a:ea typeface="KoPubWorld돋움체_Pro Bold" panose="00000800000000000000" pitchFamily="50" charset="-127"/>
                 <a:cs typeface="KoPubWorld돋움체_Pro Bold" panose="00000800000000000000" pitchFamily="50" charset="-127"/>
@@ -10069,7 +10561,7 @@
               <a:t>Instacart </a:t>
             </a:r>
             <a:r>
-              <a:rPr lang="ko-KR" altLang="en-US" sz="3600" dirty="0">
+              <a:rPr lang="ko-KR" altLang="en-US" dirty="0">
                 <a:latin typeface="KoPubWorld돋움체_Pro Bold" panose="00000800000000000000" pitchFamily="50" charset="-127"/>
                 <a:ea typeface="KoPubWorld돋움체_Pro Bold" panose="00000800000000000000" pitchFamily="50" charset="-127"/>
                 <a:cs typeface="KoPubWorld돋움체_Pro Bold" panose="00000800000000000000" pitchFamily="50" charset="-127"/>
@@ -10109,7 +10601,7 @@
         </p:blipFill>
         <p:spPr>
           <a:xfrm>
-            <a:off x="4237002" y="1700808"/>
+            <a:off x="3923928" y="1916832"/>
             <a:ext cx="4655478" cy="4147328"/>
           </a:xfrm>
         </p:spPr>
@@ -10128,7 +10620,7 @@
         </p:nvSpPr>
         <p:spPr>
           <a:xfrm>
-            <a:off x="971600" y="2708920"/>
+            <a:off x="971600" y="3167970"/>
             <a:ext cx="2324944" cy="954107"/>
           </a:xfrm>
           <a:prstGeom prst="rect">

--- a/프레젠테이션1.pptx
+++ b/프레젠테이션1.pptx
@@ -331,7 +331,7 @@
           <a:p>
             <a:fld id="{D8E78BD5-A634-488A-837F-5C093A253C16}" type="datetimeFigureOut">
               <a:rPr lang="ko-KR" altLang="en-US" smtClean="0"/>
-              <a:t>2025-01-16</a:t>
+              <a:t>2025-01-17</a:t>
             </a:fld>
             <a:endParaRPr lang="ko-KR" altLang="en-US"/>
           </a:p>
@@ -499,7 +499,7 @@
           <a:p>
             <a:fld id="{D8E78BD5-A634-488A-837F-5C093A253C16}" type="datetimeFigureOut">
               <a:rPr lang="ko-KR" altLang="en-US" smtClean="0"/>
-              <a:t>2025-01-16</a:t>
+              <a:t>2025-01-17</a:t>
             </a:fld>
             <a:endParaRPr lang="ko-KR" altLang="en-US"/>
           </a:p>
@@ -677,7 +677,7 @@
           <a:p>
             <a:fld id="{D8E78BD5-A634-488A-837F-5C093A253C16}" type="datetimeFigureOut">
               <a:rPr lang="ko-KR" altLang="en-US" smtClean="0"/>
-              <a:t>2025-01-16</a:t>
+              <a:t>2025-01-17</a:t>
             </a:fld>
             <a:endParaRPr lang="ko-KR" altLang="en-US"/>
           </a:p>
@@ -845,7 +845,7 @@
           <a:p>
             <a:fld id="{D8E78BD5-A634-488A-837F-5C093A253C16}" type="datetimeFigureOut">
               <a:rPr lang="ko-KR" altLang="en-US" smtClean="0"/>
-              <a:t>2025-01-16</a:t>
+              <a:t>2025-01-17</a:t>
             </a:fld>
             <a:endParaRPr lang="ko-KR" altLang="en-US"/>
           </a:p>
@@ -1090,7 +1090,7 @@
           <a:p>
             <a:fld id="{D8E78BD5-A634-488A-837F-5C093A253C16}" type="datetimeFigureOut">
               <a:rPr lang="ko-KR" altLang="en-US" smtClean="0"/>
-              <a:t>2025-01-16</a:t>
+              <a:t>2025-01-17</a:t>
             </a:fld>
             <a:endParaRPr lang="ko-KR" altLang="en-US"/>
           </a:p>
@@ -1375,7 +1375,7 @@
           <a:p>
             <a:fld id="{D8E78BD5-A634-488A-837F-5C093A253C16}" type="datetimeFigureOut">
               <a:rPr lang="ko-KR" altLang="en-US" smtClean="0"/>
-              <a:t>2025-01-16</a:t>
+              <a:t>2025-01-17</a:t>
             </a:fld>
             <a:endParaRPr lang="ko-KR" altLang="en-US"/>
           </a:p>
@@ -1794,7 +1794,7 @@
           <a:p>
             <a:fld id="{D8E78BD5-A634-488A-837F-5C093A253C16}" type="datetimeFigureOut">
               <a:rPr lang="ko-KR" altLang="en-US" smtClean="0"/>
-              <a:t>2025-01-16</a:t>
+              <a:t>2025-01-17</a:t>
             </a:fld>
             <a:endParaRPr lang="ko-KR" altLang="en-US"/>
           </a:p>
@@ -1911,7 +1911,7 @@
           <a:p>
             <a:fld id="{D8E78BD5-A634-488A-837F-5C093A253C16}" type="datetimeFigureOut">
               <a:rPr lang="ko-KR" altLang="en-US" smtClean="0"/>
-              <a:t>2025-01-16</a:t>
+              <a:t>2025-01-17</a:t>
             </a:fld>
             <a:endParaRPr lang="ko-KR" altLang="en-US"/>
           </a:p>
@@ -2006,7 +2006,7 @@
           <a:p>
             <a:fld id="{D8E78BD5-A634-488A-837F-5C093A253C16}" type="datetimeFigureOut">
               <a:rPr lang="ko-KR" altLang="en-US" smtClean="0"/>
-              <a:t>2025-01-16</a:t>
+              <a:t>2025-01-17</a:t>
             </a:fld>
             <a:endParaRPr lang="ko-KR" altLang="en-US"/>
           </a:p>
@@ -2281,7 +2281,7 @@
           <a:p>
             <a:fld id="{D8E78BD5-A634-488A-837F-5C093A253C16}" type="datetimeFigureOut">
               <a:rPr lang="ko-KR" altLang="en-US" smtClean="0"/>
-              <a:t>2025-01-16</a:t>
+              <a:t>2025-01-17</a:t>
             </a:fld>
             <a:endParaRPr lang="ko-KR" altLang="en-US"/>
           </a:p>
@@ -2533,7 +2533,7 @@
           <a:p>
             <a:fld id="{D8E78BD5-A634-488A-837F-5C093A253C16}" type="datetimeFigureOut">
               <a:rPr lang="ko-KR" altLang="en-US" smtClean="0"/>
-              <a:t>2025-01-16</a:t>
+              <a:t>2025-01-17</a:t>
             </a:fld>
             <a:endParaRPr lang="ko-KR" altLang="en-US"/>
           </a:p>
@@ -2744,7 +2744,7 @@
           <a:p>
             <a:fld id="{D8E78BD5-A634-488A-837F-5C093A253C16}" type="datetimeFigureOut">
               <a:rPr lang="ko-KR" altLang="en-US" smtClean="0"/>
-              <a:t>2025-01-16</a:t>
+              <a:t>2025-01-17</a:t>
             </a:fld>
             <a:endParaRPr lang="ko-KR" altLang="en-US"/>
           </a:p>
@@ -3129,12 +3129,91 @@
             <p:ph type="ctrTitle"/>
           </p:nvPr>
         </p:nvSpPr>
-        <p:spPr/>
+        <p:spPr>
+          <a:xfrm>
+            <a:off x="685800" y="1412776"/>
+            <a:ext cx="7772400" cy="3384376"/>
+          </a:xfrm>
+        </p:spPr>
         <p:txBody>
           <a:bodyPr/>
           <a:lstStyle/>
           <a:p>
-            <a:endParaRPr lang="ko-KR" altLang="en-US"/>
+            <a:pPr algn="r">
+              <a:lnSpc>
+                <a:spcPct val="90000"/>
+              </a:lnSpc>
+            </a:pPr>
+            <a:r>
+              <a:rPr lang="en-US" altLang="ko-KR" sz="4000" dirty="0">
+                <a:latin typeface="KoPubWorld돋움체_Pro Bold" panose="00000800000000000000" pitchFamily="50" charset="-127"/>
+                <a:ea typeface="KoPubWorld돋움체_Pro Bold" panose="00000800000000000000" pitchFamily="50" charset="-127"/>
+                <a:cs typeface="KoPubWorld돋움체_Pro Bold" panose="00000800000000000000" pitchFamily="50" charset="-127"/>
+              </a:rPr>
+              <a:t>Instacart </a:t>
+            </a:r>
+            <a:r>
+              <a:rPr lang="ko-KR" altLang="en-US" sz="4000" dirty="0">
+                <a:latin typeface="KoPubWorld돋움체_Pro Bold" panose="00000800000000000000" pitchFamily="50" charset="-127"/>
+                <a:ea typeface="KoPubWorld돋움체_Pro Bold" panose="00000800000000000000" pitchFamily="50" charset="-127"/>
+                <a:cs typeface="KoPubWorld돋움체_Pro Bold" panose="00000800000000000000" pitchFamily="50" charset="-127"/>
+              </a:rPr>
+              <a:t>데이터셋</a:t>
+            </a:r>
+            <a:r>
+              <a:rPr lang="ko-KR" altLang="en-US" sz="1800" dirty="0">
+                <a:latin typeface="KoPubWorld돋움체_Pro Bold" panose="00000800000000000000" pitchFamily="50" charset="-127"/>
+                <a:ea typeface="KoPubWorld돋움체_Pro Bold" panose="00000800000000000000" pitchFamily="50" charset="-127"/>
+                <a:cs typeface="KoPubWorld돋움체_Pro Bold" panose="00000800000000000000" pitchFamily="50" charset="-127"/>
+              </a:rPr>
+              <a:t>으로</a:t>
+            </a:r>
+            <a:r>
+              <a:rPr lang="ko-KR" altLang="en-US" sz="2800" dirty="0">
+                <a:latin typeface="KoPubWorld돋움체_Pro Bold" panose="00000800000000000000" pitchFamily="50" charset="-127"/>
+                <a:ea typeface="KoPubWorld돋움체_Pro Bold" panose="00000800000000000000" pitchFamily="50" charset="-127"/>
+                <a:cs typeface="KoPubWorld돋움체_Pro Bold" panose="00000800000000000000" pitchFamily="50" charset="-127"/>
+              </a:rPr>
+              <a:t> </a:t>
+            </a:r>
+            <a:br>
+              <a:rPr lang="en-US" altLang="ko-KR" dirty="0">
+                <a:latin typeface="KoPubWorld돋움체_Pro Bold" panose="00000800000000000000" pitchFamily="50" charset="-127"/>
+                <a:ea typeface="KoPubWorld돋움체_Pro Bold" panose="00000800000000000000" pitchFamily="50" charset="-127"/>
+                <a:cs typeface="KoPubWorld돋움체_Pro Bold" panose="00000800000000000000" pitchFamily="50" charset="-127"/>
+              </a:rPr>
+            </a:br>
+            <a:r>
+              <a:rPr lang="ko-KR" altLang="en-US" dirty="0">
+                <a:latin typeface="KoPubWorld돋움체_Pro Bold" panose="00000800000000000000" pitchFamily="50" charset="-127"/>
+                <a:ea typeface="KoPubWorld돋움체_Pro Bold" panose="00000800000000000000" pitchFamily="50" charset="-127"/>
+                <a:cs typeface="KoPubWorld돋움체_Pro Bold" panose="00000800000000000000" pitchFamily="50" charset="-127"/>
+              </a:rPr>
+              <a:t>불필요한구매 </a:t>
+            </a:r>
+            <a:br>
+              <a:rPr lang="en-US" altLang="ko-KR" dirty="0">
+                <a:latin typeface="KoPubWorld돋움체_Pro Bold" panose="00000800000000000000" pitchFamily="50" charset="-127"/>
+                <a:ea typeface="KoPubWorld돋움체_Pro Bold" panose="00000800000000000000" pitchFamily="50" charset="-127"/>
+                <a:cs typeface="KoPubWorld돋움체_Pro Bold" panose="00000800000000000000" pitchFamily="50" charset="-127"/>
+              </a:rPr>
+            </a:br>
+            <a:r>
+              <a:rPr lang="en-US" altLang="ko-KR" sz="6600" dirty="0">
+                <a:latin typeface="KoPubWorld돋움체_Pro Bold" panose="00000800000000000000" pitchFamily="50" charset="-127"/>
+                <a:ea typeface="KoPubWorld돋움체_Pro Bold" panose="00000800000000000000" pitchFamily="50" charset="-127"/>
+                <a:cs typeface="KoPubWorld돋움체_Pro Bold" panose="00000800000000000000" pitchFamily="50" charset="-127"/>
+              </a:rPr>
+              <a:t>DNN</a:t>
+            </a:r>
+            <a:r>
+              <a:rPr lang="ko-KR" altLang="en-US" sz="6600" dirty="0">
+                <a:latin typeface="KoPubWorld돋움체_Pro Bold" panose="00000800000000000000" pitchFamily="50" charset="-127"/>
+                <a:ea typeface="KoPubWorld돋움체_Pro Bold" panose="00000800000000000000" pitchFamily="50" charset="-127"/>
+                <a:cs typeface="KoPubWorld돋움체_Pro Bold" panose="00000800000000000000" pitchFamily="50" charset="-127"/>
+              </a:rPr>
+              <a:t>학습</a:t>
+            </a:r>
           </a:p>
         </p:txBody>
       </p:sp>
@@ -3148,12 +3227,17 @@
             <p:ph type="subTitle" idx="1"/>
           </p:nvPr>
         </p:nvSpPr>
-        <p:spPr/>
+        <p:spPr>
+          <a:xfrm>
+            <a:off x="1835696" y="4124671"/>
+            <a:ext cx="6400800" cy="1752600"/>
+          </a:xfrm>
+        </p:spPr>
         <p:txBody>
           <a:bodyPr/>
           <a:lstStyle/>
           <a:p>
-            <a:endParaRPr lang="ko-KR" altLang="en-US"/>
+            <a:endParaRPr lang="ko-KR" altLang="en-US" dirty="0"/>
           </a:p>
         </p:txBody>
       </p:sp>
@@ -8694,7 +8778,7 @@
         </p:nvSpPr>
         <p:spPr>
           <a:xfrm>
-            <a:off x="457200" y="1700808"/>
+            <a:off x="457200" y="404664"/>
             <a:ext cx="8229600" cy="1143000"/>
           </a:xfrm>
         </p:spPr>
@@ -8709,7 +8793,23 @@
                 <a:ea typeface="KoPubWorld돋움체_Pro Bold" panose="00000800000000000000" pitchFamily="50" charset="-127"/>
                 <a:cs typeface="KoPubWorld돋움체_Pro Bold" panose="00000800000000000000" pitchFamily="50" charset="-127"/>
               </a:rPr>
-              <a:t>모델 평가하기 </a:t>
+              <a:t>모델 평가</a:t>
+            </a:r>
+            <a:r>
+              <a:rPr lang="en-US" altLang="ko-KR" dirty="0">
+                <a:latin typeface="KoPubWorld돋움체_Pro Bold" panose="00000800000000000000" pitchFamily="50" charset="-127"/>
+                <a:ea typeface="KoPubWorld돋움체_Pro Bold" panose="00000800000000000000" pitchFamily="50" charset="-127"/>
+                <a:cs typeface="KoPubWorld돋움체_Pro Bold" panose="00000800000000000000" pitchFamily="50" charset="-127"/>
+              </a:rPr>
+              <a:t>, </a:t>
+            </a:r>
+            <a:r>
+              <a:rPr lang="ko-KR" altLang="en-US" dirty="0">
+                <a:latin typeface="KoPubWorld돋움체_Pro Bold" panose="00000800000000000000" pitchFamily="50" charset="-127"/>
+                <a:ea typeface="KoPubWorld돋움체_Pro Bold" panose="00000800000000000000" pitchFamily="50" charset="-127"/>
+                <a:cs typeface="KoPubWorld돋움체_Pro Bold" panose="00000800000000000000" pitchFamily="50" charset="-127"/>
+              </a:rPr>
+              <a:t>예측하기 </a:t>
             </a:r>
           </a:p>
         </p:txBody>
@@ -8744,9 +8844,45 @@
         </p:blipFill>
         <p:spPr>
           <a:xfrm>
-            <a:off x="484818" y="3068960"/>
+            <a:off x="484818" y="2276872"/>
             <a:ext cx="6220693" cy="1238423"/>
           </a:xfrm>
+        </p:spPr>
+      </p:pic>
+      <p:pic>
+        <p:nvPicPr>
+          <p:cNvPr id="4" name="그림 3">
+            <a:extLst>
+              <a:ext uri="{FF2B5EF4-FFF2-40B4-BE49-F238E27FC236}">
+                <a16:creationId xmlns:a16="http://schemas.microsoft.com/office/drawing/2014/main" id="{A71F6FD6-ECD0-4ED1-8D81-FAA124817B70}"/>
+              </a:ext>
+            </a:extLst>
+          </p:cNvPr>
+          <p:cNvPicPr>
+            <a:picLocks noChangeAspect="1"/>
+          </p:cNvPicPr>
+          <p:nvPr/>
+        </p:nvPicPr>
+        <p:blipFill>
+          <a:blip r:embed="rId3">
+            <a:extLst>
+              <a:ext uri="{28A0092B-C50C-407E-A947-70E740481C1C}">
+                <a14:useLocalDpi xmlns:a14="http://schemas.microsoft.com/office/drawing/2010/main" val="0"/>
+              </a:ext>
+            </a:extLst>
+          </a:blip>
+          <a:stretch>
+            <a:fillRect/>
+          </a:stretch>
+        </p:blipFill>
+        <p:spPr>
+          <a:xfrm>
+            <a:off x="457200" y="3784001"/>
+            <a:ext cx="3915321" cy="1133633"/>
+          </a:xfrm>
+          <a:prstGeom prst="rect">
+            <a:avLst/>
+          </a:prstGeom>
         </p:spPr>
       </p:pic>
     </p:spTree>

--- a/프레젠테이션1.pptx
+++ b/프레젠테이션1.pptx
@@ -5,48 +5,51 @@
     <p:sldMasterId id="2147483648" r:id="rId1"/>
   </p:sldMasterIdLst>
   <p:notesMasterIdLst>
-    <p:notesMasterId r:id="rId41"/>
+    <p:notesMasterId r:id="rId44"/>
   </p:notesMasterIdLst>
   <p:sldIdLst>
     <p:sldId id="256" r:id="rId2"/>
     <p:sldId id="288" r:id="rId3"/>
     <p:sldId id="289" r:id="rId4"/>
     <p:sldId id="257" r:id="rId5"/>
-    <p:sldId id="260" r:id="rId6"/>
-    <p:sldId id="262" r:id="rId7"/>
-    <p:sldId id="261" r:id="rId8"/>
-    <p:sldId id="259" r:id="rId9"/>
-    <p:sldId id="290" r:id="rId10"/>
-    <p:sldId id="291" r:id="rId11"/>
-    <p:sldId id="263" r:id="rId12"/>
-    <p:sldId id="276" r:id="rId13"/>
-    <p:sldId id="278" r:id="rId14"/>
-    <p:sldId id="277" r:id="rId15"/>
-    <p:sldId id="279" r:id="rId16"/>
-    <p:sldId id="280" r:id="rId17"/>
-    <p:sldId id="264" r:id="rId18"/>
-    <p:sldId id="265" r:id="rId19"/>
-    <p:sldId id="266" r:id="rId20"/>
-    <p:sldId id="267" r:id="rId21"/>
-    <p:sldId id="271" r:id="rId22"/>
-    <p:sldId id="268" r:id="rId23"/>
-    <p:sldId id="269" r:id="rId24"/>
-    <p:sldId id="270" r:id="rId25"/>
-    <p:sldId id="272" r:id="rId26"/>
-    <p:sldId id="273" r:id="rId27"/>
-    <p:sldId id="274" r:id="rId28"/>
-    <p:sldId id="282" r:id="rId29"/>
-    <p:sldId id="283" r:id="rId30"/>
-    <p:sldId id="284" r:id="rId31"/>
-    <p:sldId id="281" r:id="rId32"/>
-    <p:sldId id="285" r:id="rId33"/>
-    <p:sldId id="286" r:id="rId34"/>
-    <p:sldId id="292" r:id="rId35"/>
-    <p:sldId id="287" r:id="rId36"/>
-    <p:sldId id="293" r:id="rId37"/>
-    <p:sldId id="294" r:id="rId38"/>
-    <p:sldId id="295" r:id="rId39"/>
-    <p:sldId id="296" r:id="rId40"/>
+    <p:sldId id="297" r:id="rId6"/>
+    <p:sldId id="298" r:id="rId7"/>
+    <p:sldId id="299" r:id="rId8"/>
+    <p:sldId id="300" r:id="rId9"/>
+    <p:sldId id="260" r:id="rId10"/>
+    <p:sldId id="262" r:id="rId11"/>
+    <p:sldId id="261" r:id="rId12"/>
+    <p:sldId id="290" r:id="rId13"/>
+    <p:sldId id="291" r:id="rId14"/>
+    <p:sldId id="263" r:id="rId15"/>
+    <p:sldId id="276" r:id="rId16"/>
+    <p:sldId id="278" r:id="rId17"/>
+    <p:sldId id="277" r:id="rId18"/>
+    <p:sldId id="279" r:id="rId19"/>
+    <p:sldId id="280" r:id="rId20"/>
+    <p:sldId id="264" r:id="rId21"/>
+    <p:sldId id="265" r:id="rId22"/>
+    <p:sldId id="266" r:id="rId23"/>
+    <p:sldId id="267" r:id="rId24"/>
+    <p:sldId id="271" r:id="rId25"/>
+    <p:sldId id="268" r:id="rId26"/>
+    <p:sldId id="269" r:id="rId27"/>
+    <p:sldId id="270" r:id="rId28"/>
+    <p:sldId id="272" r:id="rId29"/>
+    <p:sldId id="273" r:id="rId30"/>
+    <p:sldId id="274" r:id="rId31"/>
+    <p:sldId id="282" r:id="rId32"/>
+    <p:sldId id="283" r:id="rId33"/>
+    <p:sldId id="284" r:id="rId34"/>
+    <p:sldId id="281" r:id="rId35"/>
+    <p:sldId id="285" r:id="rId36"/>
+    <p:sldId id="286" r:id="rId37"/>
+    <p:sldId id="292" r:id="rId38"/>
+    <p:sldId id="287" r:id="rId39"/>
+    <p:sldId id="293" r:id="rId40"/>
+    <p:sldId id="294" r:id="rId41"/>
+    <p:sldId id="295" r:id="rId42"/>
+    <p:sldId id="296" r:id="rId43"/>
   </p:sldIdLst>
   <p:sldSz cx="9144000" cy="6858000" type="screen4x3"/>
   <p:notesSz cx="6858000" cy="9144000"/>
@@ -246,7 +249,7 @@
           <a:p>
             <a:fld id="{71AD79E8-30F7-4418-970D-FCD1B605839C}" type="datetimeFigureOut">
               <a:rPr lang="ko-KR" altLang="en-US" smtClean="0"/>
-              <a:t>2025-01-20</a:t>
+              <a:t>2025-01-22</a:t>
             </a:fld>
             <a:endParaRPr lang="ko-KR" altLang="en-US"/>
           </a:p>
@@ -578,7 +581,7 @@
           <a:p>
             <a:fld id="{943A2D3A-9D14-45E9-9C09-ED515D6E54A5}" type="slidenum">
               <a:rPr lang="ko-KR" altLang="en-US" smtClean="0"/>
-              <a:t>35</a:t>
+              <a:t>38</a:t>
             </a:fld>
             <a:endParaRPr lang="ko-KR" altLang="en-US"/>
           </a:p>
@@ -776,7 +779,7 @@
           <a:p>
             <a:fld id="{D8E78BD5-A634-488A-837F-5C093A253C16}" type="datetimeFigureOut">
               <a:rPr lang="ko-KR" altLang="en-US" smtClean="0"/>
-              <a:t>2025-01-20</a:t>
+              <a:t>2025-01-22</a:t>
             </a:fld>
             <a:endParaRPr lang="ko-KR" altLang="en-US"/>
           </a:p>
@@ -944,7 +947,7 @@
           <a:p>
             <a:fld id="{D8E78BD5-A634-488A-837F-5C093A253C16}" type="datetimeFigureOut">
               <a:rPr lang="ko-KR" altLang="en-US" smtClean="0"/>
-              <a:t>2025-01-20</a:t>
+              <a:t>2025-01-22</a:t>
             </a:fld>
             <a:endParaRPr lang="ko-KR" altLang="en-US"/>
           </a:p>
@@ -1122,7 +1125,7 @@
           <a:p>
             <a:fld id="{D8E78BD5-A634-488A-837F-5C093A253C16}" type="datetimeFigureOut">
               <a:rPr lang="ko-KR" altLang="en-US" smtClean="0"/>
-              <a:t>2025-01-20</a:t>
+              <a:t>2025-01-22</a:t>
             </a:fld>
             <a:endParaRPr lang="ko-KR" altLang="en-US"/>
           </a:p>
@@ -1290,7 +1293,7 @@
           <a:p>
             <a:fld id="{D8E78BD5-A634-488A-837F-5C093A253C16}" type="datetimeFigureOut">
               <a:rPr lang="ko-KR" altLang="en-US" smtClean="0"/>
-              <a:t>2025-01-20</a:t>
+              <a:t>2025-01-22</a:t>
             </a:fld>
             <a:endParaRPr lang="ko-KR" altLang="en-US"/>
           </a:p>
@@ -1535,7 +1538,7 @@
           <a:p>
             <a:fld id="{D8E78BD5-A634-488A-837F-5C093A253C16}" type="datetimeFigureOut">
               <a:rPr lang="ko-KR" altLang="en-US" smtClean="0"/>
-              <a:t>2025-01-20</a:t>
+              <a:t>2025-01-22</a:t>
             </a:fld>
             <a:endParaRPr lang="ko-KR" altLang="en-US"/>
           </a:p>
@@ -1820,7 +1823,7 @@
           <a:p>
             <a:fld id="{D8E78BD5-A634-488A-837F-5C093A253C16}" type="datetimeFigureOut">
               <a:rPr lang="ko-KR" altLang="en-US" smtClean="0"/>
-              <a:t>2025-01-20</a:t>
+              <a:t>2025-01-22</a:t>
             </a:fld>
             <a:endParaRPr lang="ko-KR" altLang="en-US"/>
           </a:p>
@@ -2239,7 +2242,7 @@
           <a:p>
             <a:fld id="{D8E78BD5-A634-488A-837F-5C093A253C16}" type="datetimeFigureOut">
               <a:rPr lang="ko-KR" altLang="en-US" smtClean="0"/>
-              <a:t>2025-01-20</a:t>
+              <a:t>2025-01-22</a:t>
             </a:fld>
             <a:endParaRPr lang="ko-KR" altLang="en-US"/>
           </a:p>
@@ -2356,7 +2359,7 @@
           <a:p>
             <a:fld id="{D8E78BD5-A634-488A-837F-5C093A253C16}" type="datetimeFigureOut">
               <a:rPr lang="ko-KR" altLang="en-US" smtClean="0"/>
-              <a:t>2025-01-20</a:t>
+              <a:t>2025-01-22</a:t>
             </a:fld>
             <a:endParaRPr lang="ko-KR" altLang="en-US"/>
           </a:p>
@@ -2451,7 +2454,7 @@
           <a:p>
             <a:fld id="{D8E78BD5-A634-488A-837F-5C093A253C16}" type="datetimeFigureOut">
               <a:rPr lang="ko-KR" altLang="en-US" smtClean="0"/>
-              <a:t>2025-01-20</a:t>
+              <a:t>2025-01-22</a:t>
             </a:fld>
             <a:endParaRPr lang="ko-KR" altLang="en-US"/>
           </a:p>
@@ -2726,7 +2729,7 @@
           <a:p>
             <a:fld id="{D8E78BD5-A634-488A-837F-5C093A253C16}" type="datetimeFigureOut">
               <a:rPr lang="ko-KR" altLang="en-US" smtClean="0"/>
-              <a:t>2025-01-20</a:t>
+              <a:t>2025-01-22</a:t>
             </a:fld>
             <a:endParaRPr lang="ko-KR" altLang="en-US"/>
           </a:p>
@@ -2978,7 +2981,7 @@
           <a:p>
             <a:fld id="{D8E78BD5-A634-488A-837F-5C093A253C16}" type="datetimeFigureOut">
               <a:rPr lang="ko-KR" altLang="en-US" smtClean="0"/>
-              <a:t>2025-01-20</a:t>
+              <a:t>2025-01-22</a:t>
             </a:fld>
             <a:endParaRPr lang="ko-KR" altLang="en-US"/>
           </a:p>
@@ -3189,7 +3192,7 @@
           <a:p>
             <a:fld id="{D8E78BD5-A634-488A-837F-5C093A253C16}" type="datetimeFigureOut">
               <a:rPr lang="ko-KR" altLang="en-US" smtClean="0"/>
-              <a:t>2025-01-20</a:t>
+              <a:t>2025-01-22</a:t>
             </a:fld>
             <a:endParaRPr lang="ko-KR" altLang="en-US"/>
           </a:p>
@@ -3576,7 +3579,7 @@
         </p:nvSpPr>
         <p:spPr>
           <a:xfrm>
-            <a:off x="3563888" y="2384883"/>
+            <a:off x="3563888" y="2636912"/>
             <a:ext cx="4894312" cy="2088233"/>
           </a:xfrm>
         </p:spPr>
@@ -3645,7 +3648,7 @@
         </p:nvSpPr>
         <p:spPr>
           <a:xfrm>
-            <a:off x="4289648" y="2312875"/>
+            <a:off x="4289648" y="2564904"/>
             <a:ext cx="4168552" cy="648072"/>
           </a:xfrm>
         </p:spPr>
@@ -3711,6 +3714,1172 @@
 </file>
 
 <file path=ppt/slides/slide10.xml><?xml version="1.0" encoding="utf-8"?>
+<p:sld xmlns:a="http://schemas.openxmlformats.org/drawingml/2006/main" xmlns:r="http://schemas.openxmlformats.org/officeDocument/2006/relationships" xmlns:p="http://schemas.openxmlformats.org/presentationml/2006/main">
+  <p:cSld>
+    <p:spTree>
+      <p:nvGrpSpPr>
+        <p:cNvPr id="1" name=""/>
+        <p:cNvGrpSpPr/>
+        <p:nvPr/>
+      </p:nvGrpSpPr>
+      <p:grpSpPr>
+        <a:xfrm>
+          <a:off x="0" y="0"/>
+          <a:ext cx="0" cy="0"/>
+          <a:chOff x="0" y="0"/>
+          <a:chExt cx="0" cy="0"/>
+        </a:xfrm>
+      </p:grpSpPr>
+      <p:sp>
+        <p:nvSpPr>
+          <p:cNvPr id="6" name="내용 개체 틀 2"/>
+          <p:cNvSpPr>
+            <a:spLocks noGrp="1"/>
+          </p:cNvSpPr>
+          <p:nvPr>
+            <p:ph idx="1"/>
+          </p:nvPr>
+        </p:nvSpPr>
+        <p:spPr>
+          <a:xfrm>
+            <a:off x="467544" y="926722"/>
+            <a:ext cx="8208912" cy="5004556"/>
+          </a:xfrm>
+        </p:spPr>
+        <p:txBody>
+          <a:bodyPr>
+            <a:normAutofit/>
+          </a:bodyPr>
+          <a:lstStyle/>
+          <a:p>
+            <a:pPr marL="0" indent="0">
+              <a:lnSpc>
+                <a:spcPct val="160000"/>
+              </a:lnSpc>
+              <a:buNone/>
+            </a:pPr>
+            <a:r>
+              <a:rPr lang="ko-KR" altLang="en-US" sz="3600" b="1" dirty="0">
+                <a:latin typeface="KoPubWorld돋움체_Pro Bold" panose="00000800000000000000" pitchFamily="50" charset="-127"/>
+                <a:ea typeface="KoPubWorld돋움체_Pro Bold" panose="00000800000000000000" pitchFamily="50" charset="-127"/>
+                <a:cs typeface="KoPubWorld돋움체_Pro Bold" panose="00000800000000000000" pitchFamily="50" charset="-127"/>
+              </a:rPr>
+              <a:t>불필요 구매의 정의</a:t>
+            </a:r>
+          </a:p>
+          <a:p>
+            <a:pPr marL="0" indent="0">
+              <a:lnSpc>
+                <a:spcPct val="140000"/>
+              </a:lnSpc>
+              <a:buNone/>
+            </a:pPr>
+            <a:r>
+              <a:rPr lang="ko-KR" altLang="en-US" sz="2400" b="1" dirty="0">
+                <a:latin typeface="KoPubWorld돋움체_Pro Bold" panose="00000800000000000000" pitchFamily="50" charset="-127"/>
+                <a:ea typeface="KoPubWorld돋움체_Pro Bold" panose="00000800000000000000" pitchFamily="50" charset="-127"/>
+                <a:cs typeface="KoPubWorld돋움체_Pro Bold" panose="00000800000000000000" pitchFamily="50" charset="-127"/>
+              </a:rPr>
+              <a:t>고객의 관점에서 불필요 구매</a:t>
+            </a:r>
+            <a:r>
+              <a:rPr lang="en-US" altLang="ko-KR" sz="2400" dirty="0">
+                <a:latin typeface="KoPubWorld돋움체_Pro Bold" panose="00000800000000000000" pitchFamily="50" charset="-127"/>
+                <a:ea typeface="KoPubWorld돋움체_Pro Bold" panose="00000800000000000000" pitchFamily="50" charset="-127"/>
+                <a:cs typeface="KoPubWorld돋움체_Pro Bold" panose="00000800000000000000" pitchFamily="50" charset="-127"/>
+              </a:rPr>
+              <a:t>:</a:t>
+            </a:r>
+          </a:p>
+          <a:p>
+            <a:pPr marL="0" indent="0">
+              <a:lnSpc>
+                <a:spcPct val="140000"/>
+              </a:lnSpc>
+              <a:buNone/>
+            </a:pPr>
+            <a:r>
+              <a:rPr lang="ko-KR" altLang="en-US" sz="1600" dirty="0">
+                <a:latin typeface="KoPubWorld돋움체_Pro Light" panose="00000300000000000000" pitchFamily="50" charset="-127"/>
+                <a:ea typeface="KoPubWorld돋움체_Pro Light" panose="00000300000000000000" pitchFamily="50" charset="-127"/>
+                <a:cs typeface="KoPubWorld돋움체_Pro Light" panose="00000300000000000000" pitchFamily="50" charset="-127"/>
+              </a:rPr>
+              <a:t>구매 후 사용하지 않거나</a:t>
+            </a:r>
+            <a:r>
+              <a:rPr lang="en-US" altLang="ko-KR" sz="1600" dirty="0">
+                <a:latin typeface="KoPubWorld돋움체_Pro Light" panose="00000300000000000000" pitchFamily="50" charset="-127"/>
+                <a:ea typeface="KoPubWorld돋움체_Pro Light" panose="00000300000000000000" pitchFamily="50" charset="-127"/>
+                <a:cs typeface="KoPubWorld돋움체_Pro Light" panose="00000300000000000000" pitchFamily="50" charset="-127"/>
+              </a:rPr>
+              <a:t>, </a:t>
+            </a:r>
+            <a:r>
+              <a:rPr lang="ko-KR" altLang="en-US" sz="1600" dirty="0">
+                <a:latin typeface="KoPubWorld돋움체_Pro Light" panose="00000300000000000000" pitchFamily="50" charset="-127"/>
+                <a:ea typeface="KoPubWorld돋움체_Pro Light" panose="00000300000000000000" pitchFamily="50" charset="-127"/>
+                <a:cs typeface="KoPubWorld돋움체_Pro Light" panose="00000300000000000000" pitchFamily="50" charset="-127"/>
+              </a:rPr>
+              <a:t>실질적으로 필요하지 않은 제품</a:t>
+            </a:r>
+            <a:r>
+              <a:rPr lang="en-US" altLang="ko-KR" sz="1600" dirty="0">
+                <a:latin typeface="KoPubWorld돋움체_Pro Light" panose="00000300000000000000" pitchFamily="50" charset="-127"/>
+                <a:ea typeface="KoPubWorld돋움체_Pro Light" panose="00000300000000000000" pitchFamily="50" charset="-127"/>
+                <a:cs typeface="KoPubWorld돋움체_Pro Light" panose="00000300000000000000" pitchFamily="50" charset="-127"/>
+              </a:rPr>
+              <a:t>.</a:t>
+            </a:r>
+          </a:p>
+          <a:p>
+            <a:pPr marL="0" indent="0">
+              <a:lnSpc>
+                <a:spcPct val="140000"/>
+              </a:lnSpc>
+              <a:buNone/>
+            </a:pPr>
+            <a:r>
+              <a:rPr lang="ko-KR" altLang="en-US" sz="1600" dirty="0">
+                <a:latin typeface="KoPubWorld돋움체_Pro Light" panose="00000300000000000000" pitchFamily="50" charset="-127"/>
+                <a:ea typeface="KoPubWorld돋움체_Pro Light" panose="00000300000000000000" pitchFamily="50" charset="-127"/>
+                <a:cs typeface="KoPubWorld돋움체_Pro Light" panose="00000300000000000000" pitchFamily="50" charset="-127"/>
+              </a:rPr>
+              <a:t>예</a:t>
+            </a:r>
+            <a:r>
+              <a:rPr lang="en-US" altLang="ko-KR" sz="1600" dirty="0">
+                <a:latin typeface="KoPubWorld돋움체_Pro Light" panose="00000300000000000000" pitchFamily="50" charset="-127"/>
+                <a:ea typeface="KoPubWorld돋움체_Pro Light" panose="00000300000000000000" pitchFamily="50" charset="-127"/>
+                <a:cs typeface="KoPubWorld돋움체_Pro Light" panose="00000300000000000000" pitchFamily="50" charset="-127"/>
+              </a:rPr>
+              <a:t>) </a:t>
+            </a:r>
+            <a:r>
+              <a:rPr lang="ko-KR" altLang="en-US" sz="1600" dirty="0">
+                <a:latin typeface="KoPubWorld돋움체_Pro Light" panose="00000300000000000000" pitchFamily="50" charset="-127"/>
+                <a:ea typeface="KoPubWorld돋움체_Pro Light" panose="00000300000000000000" pitchFamily="50" charset="-127"/>
+                <a:cs typeface="KoPubWorld돋움체_Pro Light" panose="00000300000000000000" pitchFamily="50" charset="-127"/>
+              </a:rPr>
+              <a:t>충동 구매로 장바구니에 넣었으나 후회하는 제품</a:t>
+            </a:r>
+            <a:r>
+              <a:rPr lang="en-US" altLang="ko-KR" sz="1600" dirty="0">
+                <a:latin typeface="KoPubWorld돋움체_Pro Light" panose="00000300000000000000" pitchFamily="50" charset="-127"/>
+                <a:ea typeface="KoPubWorld돋움체_Pro Light" panose="00000300000000000000" pitchFamily="50" charset="-127"/>
+                <a:cs typeface="KoPubWorld돋움체_Pro Light" panose="00000300000000000000" pitchFamily="50" charset="-127"/>
+              </a:rPr>
+              <a:t>.</a:t>
+            </a:r>
+          </a:p>
+          <a:p>
+            <a:pPr marL="0" indent="0">
+              <a:lnSpc>
+                <a:spcPct val="140000"/>
+              </a:lnSpc>
+              <a:buNone/>
+            </a:pPr>
+            <a:r>
+              <a:rPr lang="ko-KR" altLang="en-US" sz="1600" dirty="0">
+                <a:latin typeface="KoPubWorld돋움체_Pro Light" panose="00000300000000000000" pitchFamily="50" charset="-127"/>
+                <a:ea typeface="KoPubWorld돋움체_Pro Light" panose="00000300000000000000" pitchFamily="50" charset="-127"/>
+                <a:cs typeface="KoPubWorld돋움체_Pro Light" panose="00000300000000000000" pitchFamily="50" charset="-127"/>
+              </a:rPr>
+              <a:t>     잘못된 추천으로 인해 구매했으나 개인의 실제 취향과 맞지 않는 제품</a:t>
+            </a:r>
+            <a:r>
+              <a:rPr lang="en-US" altLang="ko-KR" sz="1600" dirty="0">
+                <a:latin typeface="KoPubWorld돋움체_Pro Light" panose="00000300000000000000" pitchFamily="50" charset="-127"/>
+                <a:ea typeface="KoPubWorld돋움체_Pro Light" panose="00000300000000000000" pitchFamily="50" charset="-127"/>
+                <a:cs typeface="KoPubWorld돋움체_Pro Light" panose="00000300000000000000" pitchFamily="50" charset="-127"/>
+              </a:rPr>
+              <a:t>.</a:t>
+            </a:r>
+          </a:p>
+          <a:p>
+            <a:pPr marL="0" indent="0">
+              <a:lnSpc>
+                <a:spcPct val="140000"/>
+              </a:lnSpc>
+              <a:buNone/>
+            </a:pPr>
+            <a:endParaRPr lang="en-US" altLang="ko-KR" sz="1600" dirty="0">
+              <a:latin typeface="KoPubWorld돋움체_Pro Light" panose="00000300000000000000" pitchFamily="50" charset="-127"/>
+              <a:ea typeface="KoPubWorld돋움체_Pro Light" panose="00000300000000000000" pitchFamily="50" charset="-127"/>
+              <a:cs typeface="KoPubWorld돋움체_Pro Light" panose="00000300000000000000" pitchFamily="50" charset="-127"/>
+            </a:endParaRPr>
+          </a:p>
+          <a:p>
+            <a:pPr marL="0" indent="0">
+              <a:lnSpc>
+                <a:spcPct val="140000"/>
+              </a:lnSpc>
+              <a:buNone/>
+            </a:pPr>
+            <a:r>
+              <a:rPr lang="ko-KR" altLang="en-US" sz="2400" b="1" dirty="0">
+                <a:latin typeface="KoPubWorld돋움체_Pro Bold" panose="00000800000000000000" pitchFamily="50" charset="-127"/>
+                <a:ea typeface="KoPubWorld돋움체_Pro Bold" panose="00000800000000000000" pitchFamily="50" charset="-127"/>
+                <a:cs typeface="KoPubWorld돋움체_Pro Bold" panose="00000800000000000000" pitchFamily="50" charset="-127"/>
+              </a:rPr>
+              <a:t>기업의 관점에서 불필요 구매</a:t>
+            </a:r>
+            <a:r>
+              <a:rPr lang="en-US" altLang="ko-KR" sz="2400" dirty="0">
+                <a:latin typeface="KoPubWorld돋움체_Pro Bold" panose="00000800000000000000" pitchFamily="50" charset="-127"/>
+                <a:ea typeface="KoPubWorld돋움체_Pro Bold" panose="00000800000000000000" pitchFamily="50" charset="-127"/>
+                <a:cs typeface="KoPubWorld돋움체_Pro Bold" panose="00000800000000000000" pitchFamily="50" charset="-127"/>
+              </a:rPr>
+              <a:t>:</a:t>
+            </a:r>
+          </a:p>
+          <a:p>
+            <a:pPr marL="0" indent="0">
+              <a:lnSpc>
+                <a:spcPct val="140000"/>
+              </a:lnSpc>
+              <a:buNone/>
+            </a:pPr>
+            <a:r>
+              <a:rPr lang="ko-KR" altLang="en-US" sz="1800" dirty="0">
+                <a:latin typeface="KoPubWorld돋움체_Pro Light" panose="00000300000000000000" pitchFamily="50" charset="-127"/>
+                <a:ea typeface="KoPubWorld돋움체_Pro Light" panose="00000300000000000000" pitchFamily="50" charset="-127"/>
+                <a:cs typeface="KoPubWorld돋움체_Pro Light" panose="00000300000000000000" pitchFamily="50" charset="-127"/>
+              </a:rPr>
+              <a:t>높은 </a:t>
+            </a:r>
+            <a:r>
+              <a:rPr lang="ko-KR" altLang="en-US" sz="1800" dirty="0" err="1">
+                <a:latin typeface="KoPubWorld돋움체_Pro Light" panose="00000300000000000000" pitchFamily="50" charset="-127"/>
+                <a:ea typeface="KoPubWorld돋움체_Pro Light" panose="00000300000000000000" pitchFamily="50" charset="-127"/>
+                <a:cs typeface="KoPubWorld돋움체_Pro Light" panose="00000300000000000000" pitchFamily="50" charset="-127"/>
+              </a:rPr>
+              <a:t>반품율을</a:t>
+            </a:r>
+            <a:r>
+              <a:rPr lang="ko-KR" altLang="en-US" sz="1800" dirty="0">
+                <a:latin typeface="KoPubWorld돋움체_Pro Light" panose="00000300000000000000" pitchFamily="50" charset="-127"/>
+                <a:ea typeface="KoPubWorld돋움체_Pro Light" panose="00000300000000000000" pitchFamily="50" charset="-127"/>
+                <a:cs typeface="KoPubWorld돋움체_Pro Light" panose="00000300000000000000" pitchFamily="50" charset="-127"/>
+              </a:rPr>
+              <a:t> 유발하거나 고객 만족도를 저하시키는 구매</a:t>
+            </a:r>
+            <a:r>
+              <a:rPr lang="en-US" altLang="ko-KR" sz="1800" dirty="0">
+                <a:latin typeface="KoPubWorld돋움체_Pro Light" panose="00000300000000000000" pitchFamily="50" charset="-127"/>
+                <a:ea typeface="KoPubWorld돋움체_Pro Light" panose="00000300000000000000" pitchFamily="50" charset="-127"/>
+                <a:cs typeface="KoPubWorld돋움체_Pro Light" panose="00000300000000000000" pitchFamily="50" charset="-127"/>
+              </a:rPr>
+              <a:t>.</a:t>
+            </a:r>
+          </a:p>
+          <a:p>
+            <a:pPr marL="0" indent="0">
+              <a:lnSpc>
+                <a:spcPct val="140000"/>
+              </a:lnSpc>
+              <a:buNone/>
+            </a:pPr>
+            <a:r>
+              <a:rPr lang="ko-KR" altLang="en-US" sz="1800" dirty="0">
+                <a:latin typeface="KoPubWorld돋움체_Pro Light" panose="00000300000000000000" pitchFamily="50" charset="-127"/>
+                <a:ea typeface="KoPubWorld돋움체_Pro Light" panose="00000300000000000000" pitchFamily="50" charset="-127"/>
+                <a:cs typeface="KoPubWorld돋움체_Pro Light" panose="00000300000000000000" pitchFamily="50" charset="-127"/>
+              </a:rPr>
+              <a:t>추천 시스템의 과도한 마케팅으로 구매된</a:t>
+            </a:r>
+            <a:r>
+              <a:rPr lang="en-US" altLang="ko-KR" sz="1800" dirty="0">
+                <a:latin typeface="KoPubWorld돋움체_Pro Light" panose="00000300000000000000" pitchFamily="50" charset="-127"/>
+                <a:ea typeface="KoPubWorld돋움체_Pro Light" panose="00000300000000000000" pitchFamily="50" charset="-127"/>
+                <a:cs typeface="KoPubWorld돋움체_Pro Light" panose="00000300000000000000" pitchFamily="50" charset="-127"/>
+              </a:rPr>
+              <a:t>, </a:t>
+            </a:r>
+            <a:r>
+              <a:rPr lang="ko-KR" altLang="en-US" sz="1800" dirty="0">
+                <a:latin typeface="KoPubWorld돋움체_Pro Light" panose="00000300000000000000" pitchFamily="50" charset="-127"/>
+                <a:ea typeface="KoPubWorld돋움체_Pro Light" panose="00000300000000000000" pitchFamily="50" charset="-127"/>
+                <a:cs typeface="KoPubWorld돋움체_Pro Light" panose="00000300000000000000" pitchFamily="50" charset="-127"/>
+              </a:rPr>
+              <a:t>사용되지 않는 제품</a:t>
+            </a:r>
+            <a:r>
+              <a:rPr lang="en-US" altLang="ko-KR" sz="1800" dirty="0">
+                <a:latin typeface="KoPubWorld돋움체_Pro Light" panose="00000300000000000000" pitchFamily="50" charset="-127"/>
+                <a:ea typeface="KoPubWorld돋움체_Pro Light" panose="00000300000000000000" pitchFamily="50" charset="-127"/>
+                <a:cs typeface="KoPubWorld돋움체_Pro Light" panose="00000300000000000000" pitchFamily="50" charset="-127"/>
+              </a:rPr>
+              <a:t>.</a:t>
+            </a:r>
+          </a:p>
+        </p:txBody>
+      </p:sp>
+    </p:spTree>
+    <p:extLst>
+      <p:ext uri="{BB962C8B-B14F-4D97-AF65-F5344CB8AC3E}">
+        <p14:creationId xmlns:p14="http://schemas.microsoft.com/office/powerpoint/2010/main" val="3922720986"/>
+      </p:ext>
+    </p:extLst>
+  </p:cSld>
+  <p:clrMapOvr>
+    <a:masterClrMapping/>
+  </p:clrMapOvr>
+</p:sld>
+</file>
+
+<file path=ppt/slides/slide11.xml><?xml version="1.0" encoding="utf-8"?>
+<p:sld xmlns:a="http://schemas.openxmlformats.org/drawingml/2006/main" xmlns:r="http://schemas.openxmlformats.org/officeDocument/2006/relationships" xmlns:p="http://schemas.openxmlformats.org/presentationml/2006/main">
+  <p:cSld>
+    <p:spTree>
+      <p:nvGrpSpPr>
+        <p:cNvPr id="1" name=""/>
+        <p:cNvGrpSpPr/>
+        <p:nvPr/>
+      </p:nvGrpSpPr>
+      <p:grpSpPr>
+        <a:xfrm>
+          <a:off x="0" y="0"/>
+          <a:ext cx="0" cy="0"/>
+          <a:chOff x="0" y="0"/>
+          <a:chExt cx="0" cy="0"/>
+        </a:xfrm>
+      </p:grpSpPr>
+      <p:sp>
+        <p:nvSpPr>
+          <p:cNvPr id="2" name="제목 1"/>
+          <p:cNvSpPr>
+            <a:spLocks noGrp="1"/>
+          </p:cNvSpPr>
+          <p:nvPr>
+            <p:ph type="title"/>
+          </p:nvPr>
+        </p:nvSpPr>
+        <p:spPr>
+          <a:xfrm>
+            <a:off x="971600" y="717029"/>
+            <a:ext cx="3024336" cy="720080"/>
+          </a:xfrm>
+        </p:spPr>
+        <p:txBody>
+          <a:bodyPr>
+            <a:normAutofit/>
+          </a:bodyPr>
+          <a:lstStyle/>
+          <a:p>
+            <a:pPr algn="l"/>
+            <a:r>
+              <a:rPr lang="en-US" altLang="ko-KR" sz="4000" b="1" dirty="0">
+                <a:latin typeface="KoPubWorld돋움체_Pro Bold" panose="00000800000000000000" pitchFamily="50" charset="-127"/>
+                <a:ea typeface="KoPubWorld돋움체_Pro Bold" panose="00000800000000000000" pitchFamily="50" charset="-127"/>
+                <a:cs typeface="KoPubWorld돋움체_Pro Bold" panose="00000800000000000000" pitchFamily="50" charset="-127"/>
+              </a:rPr>
+              <a:t>AI </a:t>
+            </a:r>
+            <a:r>
+              <a:rPr lang="ko-KR" altLang="en-US" sz="4000" b="1" dirty="0">
+                <a:latin typeface="KoPubWorld돋움체_Pro Bold" panose="00000800000000000000" pitchFamily="50" charset="-127"/>
+                <a:ea typeface="KoPubWorld돋움체_Pro Bold" panose="00000800000000000000" pitchFamily="50" charset="-127"/>
+                <a:cs typeface="KoPubWorld돋움체_Pro Bold" panose="00000800000000000000" pitchFamily="50" charset="-127"/>
+              </a:rPr>
+              <a:t>모델 활용</a:t>
+            </a:r>
+            <a:endParaRPr lang="ko-KR" altLang="en-US" sz="4000" dirty="0">
+              <a:latin typeface="KoPubWorld돋움체_Pro Bold" panose="00000800000000000000" pitchFamily="50" charset="-127"/>
+              <a:ea typeface="KoPubWorld돋움체_Pro Bold" panose="00000800000000000000" pitchFamily="50" charset="-127"/>
+              <a:cs typeface="KoPubWorld돋움체_Pro Bold" panose="00000800000000000000" pitchFamily="50" charset="-127"/>
+            </a:endParaRPr>
+          </a:p>
+        </p:txBody>
+      </p:sp>
+      <p:sp>
+        <p:nvSpPr>
+          <p:cNvPr id="3" name="내용 개체 틀 2"/>
+          <p:cNvSpPr>
+            <a:spLocks noGrp="1"/>
+          </p:cNvSpPr>
+          <p:nvPr>
+            <p:ph idx="1"/>
+          </p:nvPr>
+        </p:nvSpPr>
+        <p:spPr>
+          <a:xfrm>
+            <a:off x="971600" y="1619672"/>
+            <a:ext cx="4690864" cy="834677"/>
+          </a:xfrm>
+        </p:spPr>
+        <p:txBody>
+          <a:bodyPr/>
+          <a:lstStyle/>
+          <a:p>
+            <a:pPr marL="0" indent="0">
+              <a:buNone/>
+            </a:pPr>
+            <a:r>
+              <a:rPr lang="en-US" altLang="ko-KR" sz="1800" dirty="0">
+                <a:latin typeface="KoPubWorld돋움체_Pro Light" panose="00000300000000000000" pitchFamily="50" charset="-127"/>
+                <a:ea typeface="KoPubWorld돋움체_Pro Light" panose="00000300000000000000" pitchFamily="50" charset="-127"/>
+                <a:cs typeface="KoPubWorld돋움체_Pro Light" panose="00000300000000000000" pitchFamily="50" charset="-127"/>
+              </a:rPr>
+              <a:t>DNN </a:t>
+            </a:r>
+            <a:r>
+              <a:rPr lang="ko-KR" altLang="en-US" sz="1800" dirty="0">
+                <a:latin typeface="KoPubWorld돋움체_Pro Light" panose="00000300000000000000" pitchFamily="50" charset="-127"/>
+                <a:ea typeface="KoPubWorld돋움체_Pro Light" panose="00000300000000000000" pitchFamily="50" charset="-127"/>
+                <a:cs typeface="KoPubWorld돋움체_Pro Light" panose="00000300000000000000" pitchFamily="50" charset="-127"/>
+              </a:rPr>
+              <a:t>기반 예측 모델을 통해 불필요 구매를 식별</a:t>
+            </a:r>
+            <a:r>
+              <a:rPr lang="en-US" altLang="ko-KR" sz="1800" dirty="0">
+                <a:latin typeface="KoPubWorld돋움체_Pro Light" panose="00000300000000000000" pitchFamily="50" charset="-127"/>
+                <a:ea typeface="KoPubWorld돋움체_Pro Light" panose="00000300000000000000" pitchFamily="50" charset="-127"/>
+                <a:cs typeface="KoPubWorld돋움체_Pro Light" panose="00000300000000000000" pitchFamily="50" charset="-127"/>
+              </a:rPr>
+              <a:t>.</a:t>
+            </a:r>
+          </a:p>
+          <a:p>
+            <a:pPr marL="0" indent="0">
+              <a:buNone/>
+            </a:pPr>
+            <a:r>
+              <a:rPr lang="ko-KR" altLang="en-US" sz="1800" dirty="0">
+                <a:latin typeface="KoPubWorld돋움체_Pro Light" panose="00000300000000000000" pitchFamily="50" charset="-127"/>
+                <a:ea typeface="KoPubWorld돋움체_Pro Light" panose="00000300000000000000" pitchFamily="50" charset="-127"/>
+                <a:cs typeface="KoPubWorld돋움체_Pro Light" panose="00000300000000000000" pitchFamily="50" charset="-127"/>
+              </a:rPr>
+              <a:t>고객 정보</a:t>
+            </a:r>
+            <a:r>
+              <a:rPr lang="en-US" altLang="ko-KR" sz="1800" dirty="0">
+                <a:latin typeface="KoPubWorld돋움체_Pro Light" panose="00000300000000000000" pitchFamily="50" charset="-127"/>
+                <a:ea typeface="KoPubWorld돋움체_Pro Light" panose="00000300000000000000" pitchFamily="50" charset="-127"/>
+                <a:cs typeface="KoPubWorld돋움체_Pro Light" panose="00000300000000000000" pitchFamily="50" charset="-127"/>
+              </a:rPr>
+              <a:t>, </a:t>
+            </a:r>
+            <a:r>
+              <a:rPr lang="ko-KR" altLang="en-US" sz="1800" dirty="0">
+                <a:latin typeface="KoPubWorld돋움체_Pro Light" panose="00000300000000000000" pitchFamily="50" charset="-127"/>
+                <a:ea typeface="KoPubWorld돋움체_Pro Light" panose="00000300000000000000" pitchFamily="50" charset="-127"/>
+                <a:cs typeface="KoPubWorld돋움체_Pro Light" panose="00000300000000000000" pitchFamily="50" charset="-127"/>
+              </a:rPr>
+              <a:t>제품 정보</a:t>
+            </a:r>
+            <a:r>
+              <a:rPr lang="en-US" altLang="ko-KR" sz="1800" dirty="0">
+                <a:latin typeface="KoPubWorld돋움체_Pro Light" panose="00000300000000000000" pitchFamily="50" charset="-127"/>
+                <a:ea typeface="KoPubWorld돋움체_Pro Light" panose="00000300000000000000" pitchFamily="50" charset="-127"/>
+                <a:cs typeface="KoPubWorld돋움체_Pro Light" panose="00000300000000000000" pitchFamily="50" charset="-127"/>
+              </a:rPr>
+              <a:t>, </a:t>
+            </a:r>
+            <a:r>
+              <a:rPr lang="ko-KR" altLang="en-US" sz="1800" dirty="0">
+                <a:latin typeface="KoPubWorld돋움체_Pro Light" panose="00000300000000000000" pitchFamily="50" charset="-127"/>
+                <a:ea typeface="KoPubWorld돋움체_Pro Light" panose="00000300000000000000" pitchFamily="50" charset="-127"/>
+                <a:cs typeface="KoPubWorld돋움체_Pro Light" panose="00000300000000000000" pitchFamily="50" charset="-127"/>
+              </a:rPr>
+              <a:t>고객</a:t>
+            </a:r>
+            <a:r>
+              <a:rPr lang="en-US" altLang="ko-KR" sz="1800" dirty="0">
+                <a:latin typeface="KoPubWorld돋움체_Pro Light" panose="00000300000000000000" pitchFamily="50" charset="-127"/>
+                <a:ea typeface="KoPubWorld돋움체_Pro Light" panose="00000300000000000000" pitchFamily="50" charset="-127"/>
+                <a:cs typeface="KoPubWorld돋움체_Pro Light" panose="00000300000000000000" pitchFamily="50" charset="-127"/>
+              </a:rPr>
+              <a:t>-</a:t>
+            </a:r>
+            <a:r>
+              <a:rPr lang="ko-KR" altLang="en-US" sz="1800" dirty="0">
+                <a:latin typeface="KoPubWorld돋움체_Pro Light" panose="00000300000000000000" pitchFamily="50" charset="-127"/>
+                <a:ea typeface="KoPubWorld돋움체_Pro Light" panose="00000300000000000000" pitchFamily="50" charset="-127"/>
+                <a:cs typeface="KoPubWorld돋움체_Pro Light" panose="00000300000000000000" pitchFamily="50" charset="-127"/>
+              </a:rPr>
+              <a:t>제품 조합 정보 활용</a:t>
+            </a:r>
+            <a:r>
+              <a:rPr lang="en-US" altLang="ko-KR" sz="1800" dirty="0">
+                <a:latin typeface="KoPubWorld돋움체_Pro Light" panose="00000300000000000000" pitchFamily="50" charset="-127"/>
+                <a:ea typeface="KoPubWorld돋움체_Pro Light" panose="00000300000000000000" pitchFamily="50" charset="-127"/>
+                <a:cs typeface="KoPubWorld돋움체_Pro Light" panose="00000300000000000000" pitchFamily="50" charset="-127"/>
+              </a:rPr>
+              <a:t>.</a:t>
+            </a:r>
+          </a:p>
+          <a:p>
+            <a:pPr marL="0" indent="0">
+              <a:buNone/>
+            </a:pPr>
+            <a:endParaRPr lang="ko-KR" altLang="en-US" dirty="0"/>
+          </a:p>
+        </p:txBody>
+      </p:sp>
+      <p:sp>
+        <p:nvSpPr>
+          <p:cNvPr id="4" name="제목 1">
+            <a:extLst>
+              <a:ext uri="{FF2B5EF4-FFF2-40B4-BE49-F238E27FC236}">
+                <a16:creationId xmlns:a16="http://schemas.microsoft.com/office/drawing/2014/main" id="{496A01BF-C26D-42C4-B053-0227E24FC5D2}"/>
+              </a:ext>
+            </a:extLst>
+          </p:cNvPr>
+          <p:cNvSpPr txBox="1">
+            <a:spLocks/>
+          </p:cNvSpPr>
+          <p:nvPr/>
+        </p:nvSpPr>
+        <p:spPr>
+          <a:xfrm>
+            <a:off x="971600" y="2540571"/>
+            <a:ext cx="2602632" cy="720080"/>
+          </a:xfrm>
+          <a:prstGeom prst="rect">
+            <a:avLst/>
+          </a:prstGeom>
+        </p:spPr>
+        <p:txBody>
+          <a:bodyPr vert="horz" lIns="91440" tIns="45720" rIns="91440" bIns="45720" rtlCol="0" anchor="ctr">
+            <a:normAutofit/>
+          </a:bodyPr>
+          <a:lstStyle>
+            <a:lvl1pPr algn="ctr" defTabSz="914400" rtl="0" eaLnBrk="1" latinLnBrk="1" hangingPunct="1">
+              <a:spcBef>
+                <a:spcPct val="0"/>
+              </a:spcBef>
+              <a:buNone/>
+              <a:defRPr sz="4400" kern="1200">
+                <a:solidFill>
+                  <a:schemeClr val="tx1"/>
+                </a:solidFill>
+                <a:latin typeface="+mj-lt"/>
+                <a:ea typeface="+mj-ea"/>
+                <a:cs typeface="+mj-cs"/>
+              </a:defRPr>
+            </a:lvl1pPr>
+          </a:lstStyle>
+          <a:p>
+            <a:pPr algn="l"/>
+            <a:r>
+              <a:rPr lang="ko-KR" altLang="en-US" sz="4000" dirty="0">
+                <a:latin typeface="KoPubWorld돋움체_Pro Bold" panose="00000800000000000000" pitchFamily="50" charset="-127"/>
+                <a:ea typeface="KoPubWorld돋움체_Pro Bold" panose="00000800000000000000" pitchFamily="50" charset="-127"/>
+                <a:cs typeface="KoPubWorld돋움체_Pro Bold" panose="00000800000000000000" pitchFamily="50" charset="-127"/>
+              </a:rPr>
+              <a:t>기대효과</a:t>
+            </a:r>
+          </a:p>
+        </p:txBody>
+      </p:sp>
+      <p:sp>
+        <p:nvSpPr>
+          <p:cNvPr id="5" name="내용 개체 틀 2">
+            <a:extLst>
+              <a:ext uri="{FF2B5EF4-FFF2-40B4-BE49-F238E27FC236}">
+                <a16:creationId xmlns:a16="http://schemas.microsoft.com/office/drawing/2014/main" id="{0C2EB0CA-71F8-4042-9CAB-87A4436DA837}"/>
+              </a:ext>
+            </a:extLst>
+          </p:cNvPr>
+          <p:cNvSpPr txBox="1">
+            <a:spLocks/>
+          </p:cNvSpPr>
+          <p:nvPr/>
+        </p:nvSpPr>
+        <p:spPr>
+          <a:xfrm>
+            <a:off x="971600" y="3346873"/>
+            <a:ext cx="3240360" cy="2625155"/>
+          </a:xfrm>
+          <a:prstGeom prst="rect">
+            <a:avLst/>
+          </a:prstGeom>
+        </p:spPr>
+        <p:txBody>
+          <a:bodyPr vert="horz" lIns="91440" tIns="45720" rIns="91440" bIns="45720" rtlCol="0">
+            <a:normAutofit/>
+          </a:bodyPr>
+          <a:lstStyle>
+            <a:lvl1pPr marL="342900" indent="-342900" algn="l" defTabSz="914400" rtl="0" eaLnBrk="1" latinLnBrk="1" hangingPunct="1">
+              <a:spcBef>
+                <a:spcPct val="20000"/>
+              </a:spcBef>
+              <a:buFont typeface="Arial" panose="020B0604020202020204" pitchFamily="34" charset="0"/>
+              <a:buChar char="•"/>
+              <a:defRPr sz="3200" kern="1200">
+                <a:solidFill>
+                  <a:schemeClr val="tx1"/>
+                </a:solidFill>
+                <a:latin typeface="+mn-lt"/>
+                <a:ea typeface="+mn-ea"/>
+                <a:cs typeface="+mn-cs"/>
+              </a:defRPr>
+            </a:lvl1pPr>
+            <a:lvl2pPr marL="742950" indent="-285750" algn="l" defTabSz="914400" rtl="0" eaLnBrk="1" latinLnBrk="1" hangingPunct="1">
+              <a:spcBef>
+                <a:spcPct val="20000"/>
+              </a:spcBef>
+              <a:buFont typeface="Arial" panose="020B0604020202020204" pitchFamily="34" charset="0"/>
+              <a:buChar char="–"/>
+              <a:defRPr sz="2800" kern="1200">
+                <a:solidFill>
+                  <a:schemeClr val="tx1"/>
+                </a:solidFill>
+                <a:latin typeface="+mn-lt"/>
+                <a:ea typeface="+mn-ea"/>
+                <a:cs typeface="+mn-cs"/>
+              </a:defRPr>
+            </a:lvl2pPr>
+            <a:lvl3pPr marL="1143000" indent="-228600" algn="l" defTabSz="914400" rtl="0" eaLnBrk="1" latinLnBrk="1" hangingPunct="1">
+              <a:spcBef>
+                <a:spcPct val="20000"/>
+              </a:spcBef>
+              <a:buFont typeface="Arial" panose="020B0604020202020204" pitchFamily="34" charset="0"/>
+              <a:buChar char="•"/>
+              <a:defRPr sz="2400" kern="1200">
+                <a:solidFill>
+                  <a:schemeClr val="tx1"/>
+                </a:solidFill>
+                <a:latin typeface="+mn-lt"/>
+                <a:ea typeface="+mn-ea"/>
+                <a:cs typeface="+mn-cs"/>
+              </a:defRPr>
+            </a:lvl3pPr>
+            <a:lvl4pPr marL="1600200" indent="-228600" algn="l" defTabSz="914400" rtl="0" eaLnBrk="1" latinLnBrk="1" hangingPunct="1">
+              <a:spcBef>
+                <a:spcPct val="20000"/>
+              </a:spcBef>
+              <a:buFont typeface="Arial" panose="020B0604020202020204" pitchFamily="34" charset="0"/>
+              <a:buChar char="–"/>
+              <a:defRPr sz="2000" kern="1200">
+                <a:solidFill>
+                  <a:schemeClr val="tx1"/>
+                </a:solidFill>
+                <a:latin typeface="+mn-lt"/>
+                <a:ea typeface="+mn-ea"/>
+                <a:cs typeface="+mn-cs"/>
+              </a:defRPr>
+            </a:lvl4pPr>
+            <a:lvl5pPr marL="2057400" indent="-228600" algn="l" defTabSz="914400" rtl="0" eaLnBrk="1" latinLnBrk="1" hangingPunct="1">
+              <a:spcBef>
+                <a:spcPct val="20000"/>
+              </a:spcBef>
+              <a:buFont typeface="Arial" panose="020B0604020202020204" pitchFamily="34" charset="0"/>
+              <a:buChar char="»"/>
+              <a:defRPr sz="2000" kern="1200">
+                <a:solidFill>
+                  <a:schemeClr val="tx1"/>
+                </a:solidFill>
+                <a:latin typeface="+mn-lt"/>
+                <a:ea typeface="+mn-ea"/>
+                <a:cs typeface="+mn-cs"/>
+              </a:defRPr>
+            </a:lvl5pPr>
+            <a:lvl6pPr marL="2514600" indent="-228600" algn="l" defTabSz="914400" rtl="0" eaLnBrk="1" latinLnBrk="1" hangingPunct="1">
+              <a:spcBef>
+                <a:spcPct val="20000"/>
+              </a:spcBef>
+              <a:buFont typeface="Arial" panose="020B0604020202020204" pitchFamily="34" charset="0"/>
+              <a:buChar char="•"/>
+              <a:defRPr sz="2000" kern="1200">
+                <a:solidFill>
+                  <a:schemeClr val="tx1"/>
+                </a:solidFill>
+                <a:latin typeface="+mn-lt"/>
+                <a:ea typeface="+mn-ea"/>
+                <a:cs typeface="+mn-cs"/>
+              </a:defRPr>
+            </a:lvl6pPr>
+            <a:lvl7pPr marL="2971800" indent="-228600" algn="l" defTabSz="914400" rtl="0" eaLnBrk="1" latinLnBrk="1" hangingPunct="1">
+              <a:spcBef>
+                <a:spcPct val="20000"/>
+              </a:spcBef>
+              <a:buFont typeface="Arial" panose="020B0604020202020204" pitchFamily="34" charset="0"/>
+              <a:buChar char="•"/>
+              <a:defRPr sz="2000" kern="1200">
+                <a:solidFill>
+                  <a:schemeClr val="tx1"/>
+                </a:solidFill>
+                <a:latin typeface="+mn-lt"/>
+                <a:ea typeface="+mn-ea"/>
+                <a:cs typeface="+mn-cs"/>
+              </a:defRPr>
+            </a:lvl7pPr>
+            <a:lvl8pPr marL="3429000" indent="-228600" algn="l" defTabSz="914400" rtl="0" eaLnBrk="1" latinLnBrk="1" hangingPunct="1">
+              <a:spcBef>
+                <a:spcPct val="20000"/>
+              </a:spcBef>
+              <a:buFont typeface="Arial" panose="020B0604020202020204" pitchFamily="34" charset="0"/>
+              <a:buChar char="•"/>
+              <a:defRPr sz="2000" kern="1200">
+                <a:solidFill>
+                  <a:schemeClr val="tx1"/>
+                </a:solidFill>
+                <a:latin typeface="+mn-lt"/>
+                <a:ea typeface="+mn-ea"/>
+                <a:cs typeface="+mn-cs"/>
+              </a:defRPr>
+            </a:lvl8pPr>
+            <a:lvl9pPr marL="3886200" indent="-228600" algn="l" defTabSz="914400" rtl="0" eaLnBrk="1" latinLnBrk="1" hangingPunct="1">
+              <a:spcBef>
+                <a:spcPct val="20000"/>
+              </a:spcBef>
+              <a:buFont typeface="Arial" panose="020B0604020202020204" pitchFamily="34" charset="0"/>
+              <a:buChar char="•"/>
+              <a:defRPr sz="2000" kern="1200">
+                <a:solidFill>
+                  <a:schemeClr val="tx1"/>
+                </a:solidFill>
+                <a:latin typeface="+mn-lt"/>
+                <a:ea typeface="+mn-ea"/>
+                <a:cs typeface="+mn-cs"/>
+              </a:defRPr>
+            </a:lvl9pPr>
+          </a:lstStyle>
+          <a:p>
+            <a:pPr marL="0" indent="0">
+              <a:lnSpc>
+                <a:spcPct val="140000"/>
+              </a:lnSpc>
+              <a:buFont typeface="Arial" panose="020B0604020202020204" pitchFamily="34" charset="0"/>
+              <a:buNone/>
+            </a:pPr>
+            <a:r>
+              <a:rPr lang="ko-KR" altLang="en-US" sz="2400" b="1" dirty="0">
+                <a:latin typeface="KoPubWorld돋움체_Pro Bold" panose="00000800000000000000" pitchFamily="50" charset="-127"/>
+                <a:ea typeface="KoPubWorld돋움체_Pro Bold" panose="00000800000000000000" pitchFamily="50" charset="-127"/>
+                <a:cs typeface="KoPubWorld돋움체_Pro Bold" panose="00000800000000000000" pitchFamily="50" charset="-127"/>
+              </a:rPr>
+              <a:t>기업</a:t>
+            </a:r>
+            <a:endParaRPr lang="en-US" altLang="ko-KR" sz="2400" dirty="0">
+              <a:latin typeface="KoPubWorld돋움체_Pro Bold" panose="00000800000000000000" pitchFamily="50" charset="-127"/>
+              <a:ea typeface="KoPubWorld돋움체_Pro Bold" panose="00000800000000000000" pitchFamily="50" charset="-127"/>
+              <a:cs typeface="KoPubWorld돋움체_Pro Bold" panose="00000800000000000000" pitchFamily="50" charset="-127"/>
+            </a:endParaRPr>
+          </a:p>
+          <a:p>
+            <a:pPr marL="0" indent="0">
+              <a:lnSpc>
+                <a:spcPct val="140000"/>
+              </a:lnSpc>
+              <a:buFont typeface="Arial" panose="020B0604020202020204" pitchFamily="34" charset="0"/>
+              <a:buNone/>
+            </a:pPr>
+            <a:r>
+              <a:rPr lang="ko-KR" altLang="en-US" sz="1800" dirty="0" err="1">
+                <a:latin typeface="KoPubWorld돋움체_Pro Light" panose="00000300000000000000" pitchFamily="50" charset="-127"/>
+                <a:ea typeface="KoPubWorld돋움체_Pro Light" panose="00000300000000000000" pitchFamily="50" charset="-127"/>
+                <a:cs typeface="KoPubWorld돋움체_Pro Light" panose="00000300000000000000" pitchFamily="50" charset="-127"/>
+              </a:rPr>
+              <a:t>반품율</a:t>
+            </a:r>
+            <a:r>
+              <a:rPr lang="ko-KR" altLang="en-US" sz="1800" dirty="0">
+                <a:latin typeface="KoPubWorld돋움체_Pro Light" panose="00000300000000000000" pitchFamily="50" charset="-127"/>
+                <a:ea typeface="KoPubWorld돋움체_Pro Light" panose="00000300000000000000" pitchFamily="50" charset="-127"/>
+                <a:cs typeface="KoPubWorld돋움체_Pro Light" panose="00000300000000000000" pitchFamily="50" charset="-127"/>
+              </a:rPr>
+              <a:t> 감소</a:t>
+            </a:r>
+            <a:r>
+              <a:rPr lang="en-US" altLang="ko-KR" sz="1800" dirty="0">
+                <a:latin typeface="KoPubWorld돋움체_Pro Light" panose="00000300000000000000" pitchFamily="50" charset="-127"/>
+                <a:ea typeface="KoPubWorld돋움체_Pro Light" panose="00000300000000000000" pitchFamily="50" charset="-127"/>
+                <a:cs typeface="KoPubWorld돋움체_Pro Light" panose="00000300000000000000" pitchFamily="50" charset="-127"/>
+              </a:rPr>
+              <a:t>, </a:t>
+            </a:r>
+            <a:r>
+              <a:rPr lang="ko-KR" altLang="en-US" sz="1800" dirty="0">
+                <a:latin typeface="KoPubWorld돋움체_Pro Light" panose="00000300000000000000" pitchFamily="50" charset="-127"/>
+                <a:ea typeface="KoPubWorld돋움체_Pro Light" panose="00000300000000000000" pitchFamily="50" charset="-127"/>
+                <a:cs typeface="KoPubWorld돋움체_Pro Light" panose="00000300000000000000" pitchFamily="50" charset="-127"/>
+              </a:rPr>
+              <a:t>운영 효율성 개선</a:t>
+            </a:r>
+            <a:r>
+              <a:rPr lang="en-US" altLang="ko-KR" sz="1800" dirty="0">
+                <a:latin typeface="KoPubWorld돋움체_Pro Light" panose="00000300000000000000" pitchFamily="50" charset="-127"/>
+                <a:ea typeface="KoPubWorld돋움체_Pro Light" panose="00000300000000000000" pitchFamily="50" charset="-127"/>
+                <a:cs typeface="KoPubWorld돋움체_Pro Light" panose="00000300000000000000" pitchFamily="50" charset="-127"/>
+              </a:rPr>
+              <a:t>.</a:t>
+            </a:r>
+          </a:p>
+          <a:p>
+            <a:pPr marL="0" indent="0">
+              <a:lnSpc>
+                <a:spcPct val="140000"/>
+              </a:lnSpc>
+              <a:buFont typeface="Arial" panose="020B0604020202020204" pitchFamily="34" charset="0"/>
+              <a:buNone/>
+            </a:pPr>
+            <a:endParaRPr lang="en-US" altLang="ko-KR" sz="1800" dirty="0">
+              <a:latin typeface="KoPub돋움체_Pro Light" pitchFamily="50" charset="-127"/>
+              <a:ea typeface="KoPub돋움체_Pro Light" pitchFamily="50" charset="-127"/>
+            </a:endParaRPr>
+          </a:p>
+          <a:p>
+            <a:pPr marL="0" indent="0">
+              <a:lnSpc>
+                <a:spcPct val="140000"/>
+              </a:lnSpc>
+              <a:buFont typeface="Arial" panose="020B0604020202020204" pitchFamily="34" charset="0"/>
+              <a:buNone/>
+            </a:pPr>
+            <a:r>
+              <a:rPr lang="ko-KR" altLang="en-US" sz="2400" b="1" dirty="0">
+                <a:latin typeface="KoPubWorld돋움체_Pro Bold" panose="00000800000000000000" pitchFamily="50" charset="-127"/>
+                <a:ea typeface="KoPubWorld돋움체_Pro Bold" panose="00000800000000000000" pitchFamily="50" charset="-127"/>
+                <a:cs typeface="KoPubWorld돋움체_Pro Bold" panose="00000800000000000000" pitchFamily="50" charset="-127"/>
+              </a:rPr>
+              <a:t>소비자</a:t>
+            </a:r>
+            <a:endParaRPr lang="en-US" altLang="ko-KR" sz="2400" dirty="0">
+              <a:latin typeface="KoPubWorld돋움체_Pro Bold" panose="00000800000000000000" pitchFamily="50" charset="-127"/>
+              <a:ea typeface="KoPubWorld돋움체_Pro Bold" panose="00000800000000000000" pitchFamily="50" charset="-127"/>
+              <a:cs typeface="KoPubWorld돋움체_Pro Bold" panose="00000800000000000000" pitchFamily="50" charset="-127"/>
+            </a:endParaRPr>
+          </a:p>
+          <a:p>
+            <a:pPr marL="0" indent="0">
+              <a:lnSpc>
+                <a:spcPct val="140000"/>
+              </a:lnSpc>
+              <a:buFont typeface="Arial" panose="020B0604020202020204" pitchFamily="34" charset="0"/>
+              <a:buNone/>
+            </a:pPr>
+            <a:r>
+              <a:rPr lang="ko-KR" altLang="en-US" sz="1800" dirty="0">
+                <a:latin typeface="KoPubWorld돋움체_Pro Light" panose="00000300000000000000" pitchFamily="50" charset="-127"/>
+                <a:ea typeface="KoPubWorld돋움체_Pro Light" panose="00000300000000000000" pitchFamily="50" charset="-127"/>
+                <a:cs typeface="KoPubWorld돋움체_Pro Light" panose="00000300000000000000" pitchFamily="50" charset="-127"/>
+              </a:rPr>
+              <a:t>구매 최적화</a:t>
+            </a:r>
+            <a:r>
+              <a:rPr lang="en-US" altLang="ko-KR" sz="1800" dirty="0">
+                <a:latin typeface="KoPubWorld돋움체_Pro Light" panose="00000300000000000000" pitchFamily="50" charset="-127"/>
+                <a:ea typeface="KoPubWorld돋움체_Pro Light" panose="00000300000000000000" pitchFamily="50" charset="-127"/>
+                <a:cs typeface="KoPubWorld돋움체_Pro Light" panose="00000300000000000000" pitchFamily="50" charset="-127"/>
+              </a:rPr>
+              <a:t>, </a:t>
+            </a:r>
+            <a:r>
+              <a:rPr lang="ko-KR" altLang="en-US" sz="1800" dirty="0">
+                <a:latin typeface="KoPubWorld돋움체_Pro Light" panose="00000300000000000000" pitchFamily="50" charset="-127"/>
+                <a:ea typeface="KoPubWorld돋움체_Pro Light" panose="00000300000000000000" pitchFamily="50" charset="-127"/>
+                <a:cs typeface="KoPubWorld돋움체_Pro Light" panose="00000300000000000000" pitchFamily="50" charset="-127"/>
+              </a:rPr>
+              <a:t>만족도 향상</a:t>
+            </a:r>
+            <a:r>
+              <a:rPr lang="en-US" altLang="ko-KR" sz="1800" dirty="0">
+                <a:latin typeface="KoPub돋움체_Pro Light" pitchFamily="50" charset="-127"/>
+                <a:ea typeface="KoPub돋움체_Pro Light" pitchFamily="50" charset="-127"/>
+              </a:rPr>
+              <a:t>.</a:t>
+            </a:r>
+          </a:p>
+          <a:p>
+            <a:pPr marL="0" indent="0">
+              <a:lnSpc>
+                <a:spcPct val="140000"/>
+              </a:lnSpc>
+              <a:buFont typeface="Arial" panose="020B0604020202020204" pitchFamily="34" charset="0"/>
+              <a:buNone/>
+            </a:pPr>
+            <a:endParaRPr lang="ko-KR" altLang="en-US" sz="1800" dirty="0">
+              <a:latin typeface="KoPub돋움체_Pro Light" pitchFamily="50" charset="-127"/>
+              <a:ea typeface="KoPub돋움체_Pro Light" pitchFamily="50" charset="-127"/>
+            </a:endParaRPr>
+          </a:p>
+        </p:txBody>
+      </p:sp>
+    </p:spTree>
+    <p:extLst>
+      <p:ext uri="{BB962C8B-B14F-4D97-AF65-F5344CB8AC3E}">
+        <p14:creationId xmlns:p14="http://schemas.microsoft.com/office/powerpoint/2010/main" val="1502491599"/>
+      </p:ext>
+    </p:extLst>
+  </p:cSld>
+  <p:clrMapOvr>
+    <a:masterClrMapping/>
+  </p:clrMapOvr>
+</p:sld>
+</file>
+
+<file path=ppt/slides/slide12.xml><?xml version="1.0" encoding="utf-8"?>
+<p:sld xmlns:a="http://schemas.openxmlformats.org/drawingml/2006/main" xmlns:r="http://schemas.openxmlformats.org/officeDocument/2006/relationships" xmlns:p="http://schemas.openxmlformats.org/presentationml/2006/main">
+  <p:cSld>
+    <p:spTree>
+      <p:nvGrpSpPr>
+        <p:cNvPr id="1" name=""/>
+        <p:cNvGrpSpPr/>
+        <p:nvPr/>
+      </p:nvGrpSpPr>
+      <p:grpSpPr>
+        <a:xfrm>
+          <a:off x="0" y="0"/>
+          <a:ext cx="0" cy="0"/>
+          <a:chOff x="0" y="0"/>
+          <a:chExt cx="0" cy="0"/>
+        </a:xfrm>
+      </p:grpSpPr>
+      <p:sp>
+        <p:nvSpPr>
+          <p:cNvPr id="2" name="제목 1">
+            <a:extLst>
+              <a:ext uri="{FF2B5EF4-FFF2-40B4-BE49-F238E27FC236}">
+                <a16:creationId xmlns:a16="http://schemas.microsoft.com/office/drawing/2014/main" id="{FB283932-FA83-492E-BA49-827F50B09886}"/>
+              </a:ext>
+            </a:extLst>
+          </p:cNvPr>
+          <p:cNvSpPr>
+            <a:spLocks noGrp="1"/>
+          </p:cNvSpPr>
+          <p:nvPr>
+            <p:ph type="title"/>
+          </p:nvPr>
+        </p:nvSpPr>
+        <p:spPr>
+          <a:xfrm>
+            <a:off x="457200" y="1196752"/>
+            <a:ext cx="8229600" cy="1143000"/>
+          </a:xfrm>
+        </p:spPr>
+        <p:txBody>
+          <a:bodyPr/>
+          <a:lstStyle/>
+          <a:p>
+            <a:r>
+              <a:rPr lang="ko-KR" altLang="en-US" dirty="0">
+                <a:latin typeface="KoPubWorld돋움체_Pro Bold" panose="00000800000000000000" pitchFamily="50" charset="-127"/>
+                <a:ea typeface="KoPubWorld돋움체_Pro Bold" panose="00000800000000000000" pitchFamily="50" charset="-127"/>
+                <a:cs typeface="KoPubWorld돋움체_Pro Bold" panose="00000800000000000000" pitchFamily="50" charset="-127"/>
+              </a:rPr>
+              <a:t>개발환경</a:t>
+            </a:r>
+          </a:p>
+        </p:txBody>
+      </p:sp>
+      <p:sp>
+        <p:nvSpPr>
+          <p:cNvPr id="3" name="내용 개체 틀 2">
+            <a:extLst>
+              <a:ext uri="{FF2B5EF4-FFF2-40B4-BE49-F238E27FC236}">
+                <a16:creationId xmlns:a16="http://schemas.microsoft.com/office/drawing/2014/main" id="{31E6BBFA-440E-4547-A770-4FA9F4C0885E}"/>
+              </a:ext>
+            </a:extLst>
+          </p:cNvPr>
+          <p:cNvSpPr>
+            <a:spLocks noGrp="1"/>
+          </p:cNvSpPr>
+          <p:nvPr>
+            <p:ph idx="1"/>
+          </p:nvPr>
+        </p:nvSpPr>
+        <p:spPr>
+          <a:xfrm>
+            <a:off x="1295636" y="2564904"/>
+            <a:ext cx="6552728" cy="3096344"/>
+          </a:xfrm>
+        </p:spPr>
+        <p:txBody>
+          <a:bodyPr>
+            <a:normAutofit/>
+          </a:bodyPr>
+          <a:lstStyle/>
+          <a:p>
+            <a:pPr marL="0" indent="0">
+              <a:buNone/>
+            </a:pPr>
+            <a:r>
+              <a:rPr lang="en-US" altLang="ko-KR" sz="2400" u="sng" dirty="0" err="1">
+                <a:latin typeface="KoPubWorld돋움체_Pro Bold" panose="00000800000000000000" pitchFamily="50" charset="-127"/>
+                <a:ea typeface="KoPubWorld돋움체_Pro Bold" panose="00000800000000000000" pitchFamily="50" charset="-127"/>
+                <a:cs typeface="KoPubWorld돋움체_Pro Bold" panose="00000800000000000000" pitchFamily="50" charset="-127"/>
+              </a:rPr>
+              <a:t>Os</a:t>
+            </a:r>
+            <a:r>
+              <a:rPr lang="en-US" altLang="ko-KR" sz="2000" dirty="0">
+                <a:latin typeface="KoPubWorld돋움체_Pro Light" panose="00000300000000000000" pitchFamily="50" charset="-127"/>
+                <a:ea typeface="KoPubWorld돋움체_Pro Light" panose="00000300000000000000" pitchFamily="50" charset="-127"/>
+                <a:cs typeface="KoPubWorld돋움체_Pro Light" panose="00000300000000000000" pitchFamily="50" charset="-127"/>
+              </a:rPr>
+              <a:t> : </a:t>
+            </a:r>
+            <a:r>
+              <a:rPr kumimoji="0" lang="en-US" altLang="ko-KR" sz="2000" dirty="0">
+                <a:latin typeface="KoPubWorld돋움체_Pro Light" panose="00000300000000000000" pitchFamily="50" charset="-127"/>
+                <a:ea typeface="KoPubWorld돋움체_Pro Light" panose="00000300000000000000" pitchFamily="50" charset="-127"/>
+                <a:cs typeface="KoPubWorld돋움체_Pro Light" panose="00000300000000000000" pitchFamily="50" charset="-127"/>
+              </a:rPr>
+              <a:t>Windows 10 </a:t>
+            </a:r>
+            <a:r>
+              <a:rPr lang="en-US" altLang="ko-KR" sz="2000" dirty="0">
+                <a:latin typeface="KoPubWorld돋움체_Pro Light" panose="00000300000000000000" pitchFamily="50" charset="-127"/>
+                <a:ea typeface="KoPubWorld돋움체_Pro Light" panose="00000300000000000000" pitchFamily="50" charset="-127"/>
+                <a:cs typeface="KoPubWorld돋움체_Pro Light" panose="00000300000000000000" pitchFamily="50" charset="-127"/>
+              </a:rPr>
+              <a:t>Pro</a:t>
+            </a:r>
+            <a:endParaRPr kumimoji="0" lang="en-US" altLang="ko-KR" sz="2000" dirty="0">
+              <a:latin typeface="KoPubWorld돋움체_Pro Light" panose="00000300000000000000" pitchFamily="50" charset="-127"/>
+              <a:ea typeface="KoPubWorld돋움체_Pro Light" panose="00000300000000000000" pitchFamily="50" charset="-127"/>
+              <a:cs typeface="KoPubWorld돋움체_Pro Light" panose="00000300000000000000" pitchFamily="50" charset="-127"/>
+            </a:endParaRPr>
+          </a:p>
+          <a:p>
+            <a:pPr marL="0" indent="0">
+              <a:buNone/>
+            </a:pPr>
+            <a:r>
+              <a:rPr lang="en-US" altLang="ko-KR" sz="2400" u="sng" dirty="0">
+                <a:latin typeface="KoPubWorld돋움체_Pro Bold" panose="00000800000000000000" pitchFamily="50" charset="-127"/>
+                <a:ea typeface="KoPubWorld돋움체_Pro Bold" panose="00000800000000000000" pitchFamily="50" charset="-127"/>
+                <a:cs typeface="KoPubWorld돋움체_Pro Bold" panose="00000800000000000000" pitchFamily="50" charset="-127"/>
+              </a:rPr>
+              <a:t>Language</a:t>
+            </a:r>
+            <a:r>
+              <a:rPr lang="en-US" altLang="ko-KR" sz="2000" dirty="0">
+                <a:latin typeface="KoPubWorld돋움체_Pro Light" panose="00000300000000000000" pitchFamily="50" charset="-127"/>
+                <a:ea typeface="KoPubWorld돋움체_Pro Light" panose="00000300000000000000" pitchFamily="50" charset="-127"/>
+                <a:cs typeface="KoPubWorld돋움체_Pro Light" panose="00000300000000000000" pitchFamily="50" charset="-127"/>
+              </a:rPr>
+              <a:t> : Python 3.10.9</a:t>
+            </a:r>
+          </a:p>
+          <a:p>
+            <a:pPr marL="0" indent="0">
+              <a:buNone/>
+            </a:pPr>
+            <a:r>
+              <a:rPr lang="en-US" altLang="ko-KR" sz="2400" u="sng" dirty="0">
+                <a:latin typeface="KoPubWorld돋움체_Pro Bold" panose="00000800000000000000" pitchFamily="50" charset="-127"/>
+                <a:ea typeface="KoPubWorld돋움체_Pro Bold" panose="00000800000000000000" pitchFamily="50" charset="-127"/>
+                <a:cs typeface="KoPubWorld돋움체_Pro Bold" panose="00000800000000000000" pitchFamily="50" charset="-127"/>
+              </a:rPr>
+              <a:t>IDE</a:t>
+            </a:r>
+            <a:r>
+              <a:rPr lang="en-US" altLang="ko-KR" sz="2000" dirty="0">
+                <a:latin typeface="KoPubWorld돋움체_Pro Light" panose="00000300000000000000" pitchFamily="50" charset="-127"/>
+                <a:ea typeface="KoPubWorld돋움체_Pro Light" panose="00000300000000000000" pitchFamily="50" charset="-127"/>
+                <a:cs typeface="KoPubWorld돋움체_Pro Light" panose="00000300000000000000" pitchFamily="50" charset="-127"/>
+              </a:rPr>
+              <a:t> : Anaconda </a:t>
+            </a:r>
+            <a:r>
+              <a:rPr lang="en-US" altLang="ko-KR" sz="2000" dirty="0" err="1">
+                <a:latin typeface="KoPubWorld돋움체_Pro Light" panose="00000300000000000000" pitchFamily="50" charset="-127"/>
+                <a:ea typeface="KoPubWorld돋움체_Pro Light" panose="00000300000000000000" pitchFamily="50" charset="-127"/>
+                <a:cs typeface="KoPubWorld돋움체_Pro Light" panose="00000300000000000000" pitchFamily="50" charset="-127"/>
+              </a:rPr>
+              <a:t>jupyter</a:t>
+            </a:r>
+            <a:r>
+              <a:rPr lang="en-US" altLang="ko-KR" sz="2000" dirty="0">
+                <a:latin typeface="KoPubWorld돋움체_Pro Light" panose="00000300000000000000" pitchFamily="50" charset="-127"/>
+                <a:ea typeface="KoPubWorld돋움체_Pro Light" panose="00000300000000000000" pitchFamily="50" charset="-127"/>
+                <a:cs typeface="KoPubWorld돋움체_Pro Light" panose="00000300000000000000" pitchFamily="50" charset="-127"/>
+              </a:rPr>
+              <a:t> notebook</a:t>
+            </a:r>
+          </a:p>
+          <a:p>
+            <a:pPr marL="0" indent="0">
+              <a:buNone/>
+            </a:pPr>
+            <a:r>
+              <a:rPr lang="en-US" altLang="ko-KR" sz="2400" u="sng" dirty="0" err="1">
+                <a:latin typeface="KoPubWorld돋움체_Pro Bold" panose="00000800000000000000" pitchFamily="50" charset="-127"/>
+                <a:ea typeface="KoPubWorld돋움체_Pro Bold" panose="00000800000000000000" pitchFamily="50" charset="-127"/>
+                <a:cs typeface="KoPubWorld돋움체_Pro Bold" panose="00000800000000000000" pitchFamily="50" charset="-127"/>
+              </a:rPr>
+              <a:t>OpenSource</a:t>
+            </a:r>
+            <a:r>
+              <a:rPr lang="en-US" altLang="ko-KR" sz="2000" dirty="0">
+                <a:latin typeface="KoPubWorld돋움체_Pro Light" panose="00000300000000000000" pitchFamily="50" charset="-127"/>
+                <a:ea typeface="KoPubWorld돋움체_Pro Light" panose="00000300000000000000" pitchFamily="50" charset="-127"/>
+                <a:cs typeface="KoPubWorld돋움체_Pro Light" panose="00000300000000000000" pitchFamily="50" charset="-127"/>
+              </a:rPr>
+              <a:t> : </a:t>
+            </a:r>
+          </a:p>
+          <a:p>
+            <a:pPr marL="0" indent="0">
+              <a:buNone/>
+            </a:pPr>
+            <a:r>
+              <a:rPr lang="en-US" altLang="ko-KR" sz="2000" dirty="0">
+                <a:latin typeface="KoPubWorld돋움체_Pro Light" panose="00000300000000000000" pitchFamily="50" charset="-127"/>
+                <a:ea typeface="KoPubWorld돋움체_Pro Light" panose="00000300000000000000" pitchFamily="50" charset="-127"/>
+                <a:cs typeface="KoPubWorld돋움체_Pro Light" panose="00000300000000000000" pitchFamily="50" charset="-127"/>
+              </a:rPr>
+              <a:t>                      Numpy-1.23.5, Pandas, Matplotlib</a:t>
+            </a:r>
+          </a:p>
+          <a:p>
+            <a:pPr marL="0" indent="0">
+              <a:buNone/>
+            </a:pPr>
+            <a:r>
+              <a:rPr lang="en-US" altLang="ko-KR" sz="2000" dirty="0">
+                <a:latin typeface="KoPubWorld돋움체_Pro Light" panose="00000300000000000000" pitchFamily="50" charset="-127"/>
+                <a:ea typeface="KoPubWorld돋움체_Pro Light" panose="00000300000000000000" pitchFamily="50" charset="-127"/>
+                <a:cs typeface="KoPubWorld돋움체_Pro Light" panose="00000300000000000000" pitchFamily="50" charset="-127"/>
+              </a:rPr>
+              <a:t>                      </a:t>
+            </a:r>
+            <a:r>
+              <a:rPr lang="en-US" altLang="ko-KR" sz="2000" dirty="0" err="1">
+                <a:latin typeface="KoPubWorld돋움체_Pro Light" panose="00000300000000000000" pitchFamily="50" charset="-127"/>
+                <a:ea typeface="KoPubWorld돋움체_Pro Light" panose="00000300000000000000" pitchFamily="50" charset="-127"/>
+                <a:cs typeface="KoPubWorld돋움체_Pro Light" panose="00000300000000000000" pitchFamily="50" charset="-127"/>
+              </a:rPr>
+              <a:t>Sklearn</a:t>
+            </a:r>
+            <a:r>
+              <a:rPr lang="en-US" altLang="ko-KR" sz="2000" dirty="0">
+                <a:latin typeface="KoPubWorld돋움체_Pro Light" panose="00000300000000000000" pitchFamily="50" charset="-127"/>
+                <a:ea typeface="KoPubWorld돋움체_Pro Light" panose="00000300000000000000" pitchFamily="50" charset="-127"/>
+                <a:cs typeface="KoPubWorld돋움체_Pro Light" panose="00000300000000000000" pitchFamily="50" charset="-127"/>
+              </a:rPr>
+              <a:t>, Tensorflow-2.10.0</a:t>
+            </a:r>
+          </a:p>
+          <a:p>
+            <a:pPr marL="0" indent="0">
+              <a:buNone/>
+            </a:pPr>
+            <a:endParaRPr lang="ko-KR" altLang="en-US" sz="2000" dirty="0">
+              <a:latin typeface="KoPubWorld돋움체_Pro Light" panose="00000300000000000000" pitchFamily="50" charset="-127"/>
+              <a:ea typeface="KoPubWorld돋움체_Pro Light" panose="00000300000000000000" pitchFamily="50" charset="-127"/>
+              <a:cs typeface="KoPubWorld돋움체_Pro Light" panose="00000300000000000000" pitchFamily="50" charset="-127"/>
+            </a:endParaRPr>
+          </a:p>
+        </p:txBody>
+      </p:sp>
+    </p:spTree>
+    <p:extLst>
+      <p:ext uri="{BB962C8B-B14F-4D97-AF65-F5344CB8AC3E}">
+        <p14:creationId xmlns:p14="http://schemas.microsoft.com/office/powerpoint/2010/main" val="2569410943"/>
+      </p:ext>
+    </p:extLst>
+  </p:cSld>
+  <p:clrMapOvr>
+    <a:masterClrMapping/>
+  </p:clrMapOvr>
+</p:sld>
+</file>
+
+<file path=ppt/slides/slide13.xml><?xml version="1.0" encoding="utf-8"?>
 <p:sld xmlns:a="http://schemas.openxmlformats.org/drawingml/2006/main" xmlns:r="http://schemas.openxmlformats.org/officeDocument/2006/relationships" xmlns:p="http://schemas.openxmlformats.org/presentationml/2006/main">
   <p:cSld>
     <p:spTree>
@@ -3859,7 +5028,7 @@
 </p:sld>
 </file>
 
-<file path=ppt/slides/slide11.xml><?xml version="1.0" encoding="utf-8"?>
+<file path=ppt/slides/slide14.xml><?xml version="1.0" encoding="utf-8"?>
 <p:sld xmlns:a="http://schemas.openxmlformats.org/drawingml/2006/main" xmlns:r="http://schemas.openxmlformats.org/officeDocument/2006/relationships" xmlns:p="http://schemas.openxmlformats.org/presentationml/2006/main">
   <p:cSld>
     <p:spTree>
@@ -4487,7 +5656,7 @@
 </p:sld>
 </file>
 
-<file path=ppt/slides/slide12.xml><?xml version="1.0" encoding="utf-8"?>
+<file path=ppt/slides/slide15.xml><?xml version="1.0" encoding="utf-8"?>
 <p:sld xmlns:a="http://schemas.openxmlformats.org/drawingml/2006/main" xmlns:r="http://schemas.openxmlformats.org/officeDocument/2006/relationships" xmlns:p="http://schemas.openxmlformats.org/presentationml/2006/main">
   <p:cSld>
     <p:spTree>
@@ -4522,8 +5691,8 @@
         </p:nvSpPr>
         <p:spPr>
           <a:xfrm>
-            <a:off x="457200" y="620688"/>
-            <a:ext cx="8229600" cy="1143000"/>
+            <a:off x="457200" y="836712"/>
+            <a:ext cx="5050904" cy="1143000"/>
           </a:xfrm>
         </p:spPr>
         <p:txBody>
@@ -4534,7 +5703,7 @@
           <a:p>
             <a:pPr algn="l"/>
             <a:r>
-              <a:rPr lang="en-US" altLang="ko-KR" dirty="0">
+              <a:rPr lang="en-US" altLang="ko-KR" sz="3600" dirty="0">
                 <a:latin typeface="KoPubWorld돋움체_Pro Bold" panose="00000800000000000000" pitchFamily="50" charset="-127"/>
                 <a:ea typeface="KoPubWorld돋움체_Pro Bold" panose="00000800000000000000" pitchFamily="50" charset="-127"/>
                 <a:cs typeface="KoPubWorld돋움체_Pro Bold" panose="00000800000000000000" pitchFamily="50" charset="-127"/>
@@ -4542,31 +5711,85 @@
               <a:t>Instacart </a:t>
             </a:r>
             <a:r>
-              <a:rPr lang="ko-KR" altLang="en-US" dirty="0">
+              <a:rPr lang="ko-KR" altLang="en-US" sz="3600" dirty="0">
                 <a:latin typeface="KoPubWorld돋움체_Pro Bold" panose="00000800000000000000" pitchFamily="50" charset="-127"/>
                 <a:ea typeface="KoPubWorld돋움체_Pro Bold" panose="00000800000000000000" pitchFamily="50" charset="-127"/>
                 <a:cs typeface="KoPubWorld돋움체_Pro Bold" panose="00000800000000000000" pitchFamily="50" charset="-127"/>
               </a:rPr>
               <a:t>데이터셋 시각화</a:t>
+            </a:r>
+          </a:p>
+        </p:txBody>
+      </p:sp>
+      <p:sp>
+        <p:nvSpPr>
+          <p:cNvPr id="3" name="TextBox 2">
+            <a:extLst>
+              <a:ext uri="{FF2B5EF4-FFF2-40B4-BE49-F238E27FC236}">
+                <a16:creationId xmlns:a16="http://schemas.microsoft.com/office/drawing/2014/main" id="{874F42EF-8832-4F74-8435-F9C734FA25DC}"/>
+              </a:ext>
+            </a:extLst>
+          </p:cNvPr>
+          <p:cNvSpPr txBox="1"/>
+          <p:nvPr/>
+        </p:nvSpPr>
+        <p:spPr>
+          <a:xfrm>
+            <a:off x="6588224" y="3538980"/>
+            <a:ext cx="2324944" cy="954107"/>
+          </a:xfrm>
+          <a:prstGeom prst="rect">
+            <a:avLst/>
+          </a:prstGeom>
+          <a:noFill/>
+        </p:spPr>
+        <p:txBody>
+          <a:bodyPr wrap="square" rtlCol="0">
+            <a:spAutoFit/>
+          </a:bodyPr>
+          <a:lstStyle/>
+          <a:p>
+            <a:pPr algn="ctr"/>
+            <a:r>
+              <a:rPr lang="ko-KR" altLang="en-US" sz="2800" dirty="0">
+                <a:latin typeface="KoPubWorld돋움체_Pro Bold" panose="00000800000000000000" pitchFamily="50" charset="-127"/>
+                <a:ea typeface="KoPubWorld돋움체_Pro Bold" panose="00000800000000000000" pitchFamily="50" charset="-127"/>
+                <a:cs typeface="KoPubWorld돋움체_Pro Bold" panose="00000800000000000000" pitchFamily="50" charset="-127"/>
+              </a:rPr>
+              <a:t>고객별 평균 </a:t>
+            </a:r>
+            <a:endParaRPr lang="en-US" altLang="ko-KR" sz="2800" dirty="0">
+              <a:latin typeface="KoPubWorld돋움체_Pro Bold" panose="00000800000000000000" pitchFamily="50" charset="-127"/>
+              <a:ea typeface="KoPubWorld돋움체_Pro Bold" panose="00000800000000000000" pitchFamily="50" charset="-127"/>
+              <a:cs typeface="KoPubWorld돋움체_Pro Bold" panose="00000800000000000000" pitchFamily="50" charset="-127"/>
+            </a:endParaRPr>
+          </a:p>
+          <a:p>
+            <a:pPr algn="ctr"/>
+            <a:r>
+              <a:rPr lang="ko-KR" altLang="en-US" sz="2800" dirty="0">
+                <a:latin typeface="KoPubWorld돋움체_Pro Bold" panose="00000800000000000000" pitchFamily="50" charset="-127"/>
+                <a:ea typeface="KoPubWorld돋움체_Pro Bold" panose="00000800000000000000" pitchFamily="50" charset="-127"/>
+                <a:cs typeface="KoPubWorld돋움체_Pro Bold" panose="00000800000000000000" pitchFamily="50" charset="-127"/>
+              </a:rPr>
+              <a:t>장바구니 크기</a:t>
             </a:r>
           </a:p>
         </p:txBody>
       </p:sp>
       <p:pic>
         <p:nvPicPr>
-          <p:cNvPr id="5" name="내용 개체 틀 4">
+          <p:cNvPr id="6" name="그림 5">
             <a:extLst>
               <a:ext uri="{FF2B5EF4-FFF2-40B4-BE49-F238E27FC236}">
-                <a16:creationId xmlns:a16="http://schemas.microsoft.com/office/drawing/2014/main" id="{291A3D5B-223F-4D12-A2A9-1405FD81B166}"/>
+                <a16:creationId xmlns:a16="http://schemas.microsoft.com/office/drawing/2014/main" id="{64AB0F89-B4E6-405B-B014-5358FBB8F69C}"/>
               </a:ext>
             </a:extLst>
           </p:cNvPr>
           <p:cNvPicPr>
-            <a:picLocks noGrp="1" noChangeAspect="1"/>
+            <a:picLocks noChangeAspect="1"/>
           </p:cNvPicPr>
-          <p:nvPr>
-            <p:ph idx="1"/>
-          </p:nvPr>
+          <p:nvPr/>
         </p:nvPicPr>
         <p:blipFill>
           <a:blip r:embed="rId2">
@@ -4582,67 +5805,14 @@
         </p:blipFill>
         <p:spPr>
           <a:xfrm>
-            <a:off x="3923928" y="1916832"/>
-            <a:ext cx="4655478" cy="4147328"/>
-          </a:xfrm>
-        </p:spPr>
-      </p:pic>
-      <p:sp>
-        <p:nvSpPr>
-          <p:cNvPr id="3" name="TextBox 2">
-            <a:extLst>
-              <a:ext uri="{FF2B5EF4-FFF2-40B4-BE49-F238E27FC236}">
-                <a16:creationId xmlns:a16="http://schemas.microsoft.com/office/drawing/2014/main" id="{874F42EF-8832-4F74-8435-F9C734FA25DC}"/>
-              </a:ext>
-            </a:extLst>
-          </p:cNvPr>
-          <p:cNvSpPr txBox="1"/>
-          <p:nvPr/>
-        </p:nvSpPr>
-        <p:spPr>
-          <a:xfrm>
-            <a:off x="971600" y="3167970"/>
-            <a:ext cx="2324944" cy="954107"/>
+            <a:off x="457200" y="2132856"/>
+            <a:ext cx="5905701" cy="3766356"/>
           </a:xfrm>
           <a:prstGeom prst="rect">
             <a:avLst/>
           </a:prstGeom>
-          <a:noFill/>
         </p:spPr>
-        <p:txBody>
-          <a:bodyPr wrap="square" rtlCol="0">
-            <a:spAutoFit/>
-          </a:bodyPr>
-          <a:lstStyle/>
-          <a:p>
-            <a:pPr algn="ctr"/>
-            <a:r>
-              <a:rPr lang="ko-KR" altLang="en-US" sz="2800" dirty="0">
-                <a:latin typeface="KoPubWorld돋움체_Pro Bold" panose="00000800000000000000" pitchFamily="50" charset="-127"/>
-                <a:ea typeface="KoPubWorld돋움체_Pro Bold" panose="00000800000000000000" pitchFamily="50" charset="-127"/>
-                <a:cs typeface="KoPubWorld돋움체_Pro Bold" panose="00000800000000000000" pitchFamily="50" charset="-127"/>
-              </a:rPr>
-              <a:t>고객별 평균 </a:t>
-            </a:r>
-            <a:endParaRPr lang="en-US" altLang="ko-KR" sz="2800" dirty="0">
-              <a:latin typeface="KoPubWorld돋움체_Pro Bold" panose="00000800000000000000" pitchFamily="50" charset="-127"/>
-              <a:ea typeface="KoPubWorld돋움체_Pro Bold" panose="00000800000000000000" pitchFamily="50" charset="-127"/>
-              <a:cs typeface="KoPubWorld돋움체_Pro Bold" panose="00000800000000000000" pitchFamily="50" charset="-127"/>
-            </a:endParaRPr>
-          </a:p>
-          <a:p>
-            <a:pPr algn="ctr"/>
-            <a:r>
-              <a:rPr lang="ko-KR" altLang="en-US" sz="2800" dirty="0">
-                <a:latin typeface="KoPubWorld돋움체_Pro Bold" panose="00000800000000000000" pitchFamily="50" charset="-127"/>
-                <a:ea typeface="KoPubWorld돋움체_Pro Bold" panose="00000800000000000000" pitchFamily="50" charset="-127"/>
-                <a:cs typeface="KoPubWorld돋움체_Pro Bold" panose="00000800000000000000" pitchFamily="50" charset="-127"/>
-              </a:rPr>
-              <a:t>장바구니 크기</a:t>
-            </a:r>
-          </a:p>
-        </p:txBody>
-      </p:sp>
+      </p:pic>
     </p:spTree>
     <p:extLst>
       <p:ext uri="{BB962C8B-B14F-4D97-AF65-F5344CB8AC3E}">
@@ -4656,7 +5826,7 @@
 </p:sld>
 </file>
 
-<file path=ppt/slides/slide13.xml><?xml version="1.0" encoding="utf-8"?>
+<file path=ppt/slides/slide16.xml><?xml version="1.0" encoding="utf-8"?>
 <p:sld xmlns:a="http://schemas.openxmlformats.org/drawingml/2006/main" xmlns:r="http://schemas.openxmlformats.org/officeDocument/2006/relationships" xmlns:p="http://schemas.openxmlformats.org/presentationml/2006/main">
   <p:cSld>
     <p:spTree>
@@ -4685,8 +5855,8 @@
         </p:nvSpPr>
         <p:spPr>
           <a:xfrm>
-            <a:off x="539552" y="440758"/>
-            <a:ext cx="3024336" cy="1605076"/>
+            <a:off x="683568" y="548680"/>
+            <a:ext cx="3384376" cy="1605076"/>
           </a:xfrm>
         </p:spPr>
         <p:txBody>
@@ -4696,25 +5866,57 @@
           <a:lstStyle/>
           <a:p>
             <a:r>
-              <a:rPr lang="ko-KR" altLang="en-US" sz="3200" dirty="0">
+              <a:rPr lang="ko-KR" altLang="en-US" sz="2400" dirty="0">
                 <a:latin typeface="KoPubWorld돋움체_Pro Bold" panose="00000800000000000000" pitchFamily="50" charset="-127"/>
                 <a:ea typeface="KoPubWorld돋움체_Pro Bold" panose="00000800000000000000" pitchFamily="50" charset="-127"/>
                 <a:cs typeface="KoPubWorld돋움체_Pro Bold" panose="00000800000000000000" pitchFamily="50" charset="-127"/>
               </a:rPr>
-              <a:t>상품 별 재구매율</a:t>
-            </a:r>
+              <a:t>특정 재구매율에 해당하는 </a:t>
+            </a:r>
+            <a:br>
+              <a:rPr lang="en-US" altLang="ko-KR" sz="2400" dirty="0">
+                <a:latin typeface="KoPubWorld돋움체_Pro Bold" panose="00000800000000000000" pitchFamily="50" charset="-127"/>
+                <a:ea typeface="KoPubWorld돋움체_Pro Bold" panose="00000800000000000000" pitchFamily="50" charset="-127"/>
+                <a:cs typeface="KoPubWorld돋움체_Pro Bold" panose="00000800000000000000" pitchFamily="50" charset="-127"/>
+              </a:rPr>
+            </a:br>
+            <a:r>
+              <a:rPr lang="ko-KR" altLang="en-US" sz="2400" dirty="0">
+                <a:latin typeface="KoPubWorld돋움체_Pro Bold" panose="00000800000000000000" pitchFamily="50" charset="-127"/>
+                <a:ea typeface="KoPubWorld돋움체_Pro Bold" panose="00000800000000000000" pitchFamily="50" charset="-127"/>
+                <a:cs typeface="KoPubWorld돋움체_Pro Bold" panose="00000800000000000000" pitchFamily="50" charset="-127"/>
+              </a:rPr>
+              <a:t>상품 </a:t>
+            </a:r>
+            <a:r>
+              <a:rPr lang="ko-KR" altLang="en-US" sz="2400" dirty="0" err="1">
+                <a:latin typeface="KoPubWorld돋움체_Pro Bold" panose="00000800000000000000" pitchFamily="50" charset="-127"/>
+                <a:ea typeface="KoPubWorld돋움체_Pro Bold" panose="00000800000000000000" pitchFamily="50" charset="-127"/>
+                <a:cs typeface="KoPubWorld돋움체_Pro Bold" panose="00000800000000000000" pitchFamily="50" charset="-127"/>
+              </a:rPr>
+              <a:t>갯수</a:t>
+            </a:r>
+            <a:endParaRPr lang="ko-KR" altLang="en-US" sz="2400" dirty="0">
+              <a:latin typeface="KoPubWorld돋움체_Pro Bold" panose="00000800000000000000" pitchFamily="50" charset="-127"/>
+              <a:ea typeface="KoPubWorld돋움체_Pro Bold" panose="00000800000000000000" pitchFamily="50" charset="-127"/>
+              <a:cs typeface="KoPubWorld돋움체_Pro Bold" panose="00000800000000000000" pitchFamily="50" charset="-127"/>
+            </a:endParaRPr>
           </a:p>
         </p:txBody>
       </p:sp>
       <p:pic>
         <p:nvPicPr>
-          <p:cNvPr id="4" name="내용 개체 틀 3"/>
+          <p:cNvPr id="6" name="그림 5">
+            <a:extLst>
+              <a:ext uri="{FF2B5EF4-FFF2-40B4-BE49-F238E27FC236}">
+                <a16:creationId xmlns:a16="http://schemas.microsoft.com/office/drawing/2014/main" id="{D1581F83-82C3-4333-BC79-033C565ACC69}"/>
+              </a:ext>
+            </a:extLst>
+          </p:cNvPr>
           <p:cNvPicPr>
-            <a:picLocks noGrp="1" noChangeAspect="1"/>
+            <a:picLocks noChangeAspect="1"/>
           </p:cNvPicPr>
-          <p:nvPr>
-            <p:ph idx="1"/>
-          </p:nvPr>
+          <p:nvPr/>
         </p:nvPicPr>
         <p:blipFill>
           <a:blip r:embed="rId2">
@@ -4730,14 +5932,23 @@
         </p:blipFill>
         <p:spPr>
           <a:xfrm>
-            <a:off x="2586854" y="2276872"/>
-            <a:ext cx="6418375" cy="4011484"/>
+            <a:off x="1295636" y="2264140"/>
+            <a:ext cx="6552728" cy="4178997"/>
           </a:xfrm>
+          <a:prstGeom prst="rect">
+            <a:avLst/>
+          </a:prstGeom>
         </p:spPr>
       </p:pic>
       <p:pic>
         <p:nvPicPr>
-          <p:cNvPr id="5" name="그림 4"/>
+          <p:cNvPr id="10" name="그림 9">
+            <a:extLst>
+              <a:ext uri="{FF2B5EF4-FFF2-40B4-BE49-F238E27FC236}">
+                <a16:creationId xmlns:a16="http://schemas.microsoft.com/office/drawing/2014/main" id="{D72D5258-C782-4CCF-B12C-A5B1A8D0FB63}"/>
+              </a:ext>
+            </a:extLst>
+          </p:cNvPr>
           <p:cNvPicPr>
             <a:picLocks noChangeAspect="1"/>
           </p:cNvPicPr>
@@ -4757,8 +5968,8 @@
         </p:blipFill>
         <p:spPr>
           <a:xfrm>
-            <a:off x="4211960" y="476672"/>
-            <a:ext cx="4491675" cy="1533249"/>
+            <a:off x="4283969" y="559370"/>
+            <a:ext cx="4320480" cy="1381946"/>
           </a:xfrm>
           <a:prstGeom prst="rect">
             <a:avLst/>
@@ -4778,7 +5989,7 @@
 </p:sld>
 </file>
 
-<file path=ppt/slides/slide14.xml><?xml version="1.0" encoding="utf-8"?>
+<file path=ppt/slides/slide17.xml><?xml version="1.0" encoding="utf-8"?>
 <p:sld xmlns:a="http://schemas.openxmlformats.org/drawingml/2006/main" xmlns:r="http://schemas.openxmlformats.org/officeDocument/2006/relationships" xmlns:p="http://schemas.openxmlformats.org/presentationml/2006/main">
   <p:cSld>
     <p:spTree>
@@ -4813,7 +6024,7 @@
         </p:nvSpPr>
         <p:spPr>
           <a:xfrm>
-            <a:off x="5118438" y="476672"/>
+            <a:off x="5292080" y="644544"/>
             <a:ext cx="2853607" cy="1143000"/>
           </a:xfrm>
         </p:spPr>
@@ -4849,24 +6060,92 @@
           </a:p>
         </p:txBody>
       </p:sp>
+      <p:sp>
+        <p:nvSpPr>
+          <p:cNvPr id="10" name="제목 1">
+            <a:extLst>
+              <a:ext uri="{FF2B5EF4-FFF2-40B4-BE49-F238E27FC236}">
+                <a16:creationId xmlns:a16="http://schemas.microsoft.com/office/drawing/2014/main" id="{2E83674F-B5BF-4FFF-9814-22189A2BB824}"/>
+              </a:ext>
+            </a:extLst>
+          </p:cNvPr>
+          <p:cNvSpPr txBox="1">
+            <a:spLocks/>
+          </p:cNvSpPr>
+          <p:nvPr/>
+        </p:nvSpPr>
+        <p:spPr>
+          <a:xfrm>
+            <a:off x="1771814" y="644544"/>
+            <a:ext cx="1666528" cy="1143000"/>
+          </a:xfrm>
+          <a:prstGeom prst="rect">
+            <a:avLst/>
+          </a:prstGeom>
+        </p:spPr>
+        <p:txBody>
+          <a:bodyPr vert="horz" lIns="91440" tIns="45720" rIns="91440" bIns="45720" rtlCol="0" anchor="ctr">
+            <a:normAutofit fontScale="97500"/>
+          </a:bodyPr>
+          <a:lstStyle>
+            <a:lvl1pPr algn="ctr" defTabSz="914400" rtl="0" eaLnBrk="1" latinLnBrk="1" hangingPunct="1">
+              <a:spcBef>
+                <a:spcPct val="0"/>
+              </a:spcBef>
+              <a:buNone/>
+              <a:defRPr sz="4400" kern="1200">
+                <a:solidFill>
+                  <a:schemeClr val="tx1"/>
+                </a:solidFill>
+                <a:latin typeface="+mj-lt"/>
+                <a:ea typeface="+mj-ea"/>
+                <a:cs typeface="+mj-cs"/>
+              </a:defRPr>
+            </a:lvl1pPr>
+          </a:lstStyle>
+          <a:p>
+            <a:r>
+              <a:rPr lang="ko-KR" altLang="en-US" sz="2800" dirty="0">
+                <a:latin typeface="KoPubWorld돋움체_Pro Bold" panose="00000800000000000000" pitchFamily="50" charset="-127"/>
+                <a:ea typeface="KoPubWorld돋움체_Pro Bold" panose="00000800000000000000" pitchFamily="50" charset="-127"/>
+                <a:cs typeface="KoPubWorld돋움체_Pro Bold" panose="00000800000000000000" pitchFamily="50" charset="-127"/>
+              </a:rPr>
+              <a:t>시간대 별 </a:t>
+            </a:r>
+            <a:br>
+              <a:rPr lang="en-US" altLang="ko-KR" dirty="0">
+                <a:latin typeface="KoPubWorld돋움체_Pro Bold" panose="00000800000000000000" pitchFamily="50" charset="-127"/>
+                <a:ea typeface="KoPubWorld돋움체_Pro Bold" panose="00000800000000000000" pitchFamily="50" charset="-127"/>
+                <a:cs typeface="KoPubWorld돋움체_Pro Bold" panose="00000800000000000000" pitchFamily="50" charset="-127"/>
+              </a:rPr>
+            </a:br>
+            <a:r>
+              <a:rPr lang="ko-KR" altLang="en-US" sz="4100" dirty="0">
+                <a:latin typeface="KoPubWorld돋움체_Pro Bold" panose="00000800000000000000" pitchFamily="50" charset="-127"/>
+                <a:ea typeface="KoPubWorld돋움체_Pro Bold" panose="00000800000000000000" pitchFamily="50" charset="-127"/>
+                <a:cs typeface="KoPubWorld돋움체_Pro Bold" panose="00000800000000000000" pitchFamily="50" charset="-127"/>
+              </a:rPr>
+              <a:t>주문량</a:t>
+            </a:r>
+          </a:p>
+        </p:txBody>
+      </p:sp>
       <p:pic>
         <p:nvPicPr>
-          <p:cNvPr id="7" name="내용 개체 틀 6">
+          <p:cNvPr id="4" name="그림 3">
             <a:extLst>
               <a:ext uri="{FF2B5EF4-FFF2-40B4-BE49-F238E27FC236}">
-                <a16:creationId xmlns:a16="http://schemas.microsoft.com/office/drawing/2014/main" id="{12B146CB-E837-46E9-9DA2-28572A0BDF61}"/>
+                <a16:creationId xmlns:a16="http://schemas.microsoft.com/office/drawing/2014/main" id="{E39B99DC-6433-46DD-A4A2-B972943DE67E}"/>
               </a:ext>
             </a:extLst>
           </p:cNvPr>
           <p:cNvPicPr>
-            <a:picLocks noGrp="1" noChangeAspect="1"/>
+            <a:picLocks noChangeAspect="1"/>
           </p:cNvPicPr>
-          <p:nvPr>
-            <p:ph idx="1"/>
-          </p:nvPr>
+          <p:nvPr/>
         </p:nvPicPr>
         <p:blipFill>
-          <a:blip r:embed="rId2" cstate="print">
+          <a:blip r:embed="rId2">
             <a:extLst>
               <a:ext uri="{28A0092B-C50C-407E-A947-70E740481C1C}">
                 <a14:useLocalDpi xmlns:a14="http://schemas.microsoft.com/office/drawing/2010/main" val="0"/>
@@ -4879,17 +6158,20 @@
         </p:blipFill>
         <p:spPr>
           <a:xfrm>
-            <a:off x="4659284" y="3430209"/>
-            <a:ext cx="4119199" cy="2847391"/>
+            <a:off x="467544" y="3443059"/>
+            <a:ext cx="4202709" cy="2630925"/>
           </a:xfrm>
+          <a:prstGeom prst="rect">
+            <a:avLst/>
+          </a:prstGeom>
         </p:spPr>
       </p:pic>
       <p:pic>
         <p:nvPicPr>
-          <p:cNvPr id="9" name="그림 8">
+          <p:cNvPr id="13" name="그림 12">
             <a:extLst>
               <a:ext uri="{FF2B5EF4-FFF2-40B4-BE49-F238E27FC236}">
-                <a16:creationId xmlns:a16="http://schemas.microsoft.com/office/drawing/2014/main" id="{EBAC8903-6776-4D67-BD76-B8F675395087}"/>
+                <a16:creationId xmlns:a16="http://schemas.microsoft.com/office/drawing/2014/main" id="{80F644C8-DDAB-46A1-B22F-4E8BF8BEEA83}"/>
               </a:ext>
             </a:extLst>
           </p:cNvPr>
@@ -4912,90 +6194,20 @@
         </p:blipFill>
         <p:spPr>
           <a:xfrm>
-            <a:off x="4860032" y="1937634"/>
-            <a:ext cx="3370420" cy="1174613"/>
+            <a:off x="5004048" y="3443059"/>
+            <a:ext cx="3453089" cy="2635761"/>
           </a:xfrm>
           <a:prstGeom prst="rect">
             <a:avLst/>
           </a:prstGeom>
         </p:spPr>
       </p:pic>
-      <p:sp>
-        <p:nvSpPr>
-          <p:cNvPr id="10" name="제목 1">
+      <p:pic>
+        <p:nvPicPr>
+          <p:cNvPr id="15" name="그림 14">
             <a:extLst>
               <a:ext uri="{FF2B5EF4-FFF2-40B4-BE49-F238E27FC236}">
-                <a16:creationId xmlns:a16="http://schemas.microsoft.com/office/drawing/2014/main" id="{2E83674F-B5BF-4FFF-9814-22189A2BB824}"/>
-              </a:ext>
-            </a:extLst>
-          </p:cNvPr>
-          <p:cNvSpPr txBox="1">
-            <a:spLocks/>
-          </p:cNvSpPr>
-          <p:nvPr/>
-        </p:nvSpPr>
-        <p:spPr>
-          <a:xfrm>
-            <a:off x="1771814" y="476672"/>
-            <a:ext cx="1666528" cy="1143000"/>
-          </a:xfrm>
-          <a:prstGeom prst="rect">
-            <a:avLst/>
-          </a:prstGeom>
-        </p:spPr>
-        <p:txBody>
-          <a:bodyPr vert="horz" lIns="91440" tIns="45720" rIns="91440" bIns="45720" rtlCol="0" anchor="ctr">
-            <a:normAutofit fontScale="97500"/>
-          </a:bodyPr>
-          <a:lstStyle>
-            <a:lvl1pPr algn="ctr" defTabSz="914400" rtl="0" eaLnBrk="1" latinLnBrk="1" hangingPunct="1">
-              <a:spcBef>
-                <a:spcPct val="0"/>
-              </a:spcBef>
-              <a:buNone/>
-              <a:defRPr sz="4400" kern="1200">
-                <a:solidFill>
-                  <a:schemeClr val="tx1"/>
-                </a:solidFill>
-                <a:latin typeface="+mj-lt"/>
-                <a:ea typeface="+mj-ea"/>
-                <a:cs typeface="+mj-cs"/>
-              </a:defRPr>
-            </a:lvl1pPr>
-          </a:lstStyle>
-          <a:p>
-            <a:r>
-              <a:rPr lang="ko-KR" altLang="en-US" sz="2800" dirty="0">
-                <a:latin typeface="KoPubWorld돋움체_Pro Bold" panose="00000800000000000000" pitchFamily="50" charset="-127"/>
-                <a:ea typeface="KoPubWorld돋움체_Pro Bold" panose="00000800000000000000" pitchFamily="50" charset="-127"/>
-                <a:cs typeface="KoPubWorld돋움체_Pro Bold" panose="00000800000000000000" pitchFamily="50" charset="-127"/>
-              </a:rPr>
-              <a:t>시간대 별 </a:t>
-            </a:r>
-            <a:br>
-              <a:rPr lang="en-US" altLang="ko-KR" dirty="0">
-                <a:latin typeface="KoPubWorld돋움체_Pro Bold" panose="00000800000000000000" pitchFamily="50" charset="-127"/>
-                <a:ea typeface="KoPubWorld돋움체_Pro Bold" panose="00000800000000000000" pitchFamily="50" charset="-127"/>
-                <a:cs typeface="KoPubWorld돋움체_Pro Bold" panose="00000800000000000000" pitchFamily="50" charset="-127"/>
-              </a:rPr>
-            </a:br>
-            <a:r>
-              <a:rPr lang="ko-KR" altLang="en-US" sz="4100" dirty="0">
-                <a:latin typeface="KoPubWorld돋움체_Pro Bold" panose="00000800000000000000" pitchFamily="50" charset="-127"/>
-                <a:ea typeface="KoPubWorld돋움체_Pro Bold" panose="00000800000000000000" pitchFamily="50" charset="-127"/>
-                <a:cs typeface="KoPubWorld돋움체_Pro Bold" panose="00000800000000000000" pitchFamily="50" charset="-127"/>
-              </a:rPr>
-              <a:t>주문량</a:t>
-            </a:r>
-          </a:p>
-        </p:txBody>
-      </p:sp>
-      <p:pic>
-        <p:nvPicPr>
-          <p:cNvPr id="11" name="내용 개체 틀 4">
-            <a:extLst>
-              <a:ext uri="{FF2B5EF4-FFF2-40B4-BE49-F238E27FC236}">
-                <a16:creationId xmlns:a16="http://schemas.microsoft.com/office/drawing/2014/main" id="{003C1380-0DF3-448F-B40B-FC7E1CD9A31A}"/>
+                <a16:creationId xmlns:a16="http://schemas.microsoft.com/office/drawing/2014/main" id="{22C50286-04AB-48D3-ACB7-6311A56DBE22}"/>
               </a:ext>
             </a:extLst>
           </p:cNvPr>
@@ -5005,7 +6217,7 @@
           <p:nvPr/>
         </p:nvPicPr>
         <p:blipFill>
-          <a:blip r:embed="rId4" cstate="print">
+          <a:blip r:embed="rId4">
             <a:extLst>
               <a:ext uri="{28A0092B-C50C-407E-A947-70E740481C1C}">
                 <a14:useLocalDpi xmlns:a14="http://schemas.microsoft.com/office/drawing/2010/main" val="0"/>
@@ -5018,8 +6230,8 @@
         </p:blipFill>
         <p:spPr>
           <a:xfrm>
-            <a:off x="725440" y="3704861"/>
-            <a:ext cx="3759277" cy="2298086"/>
+            <a:off x="416325" y="1967640"/>
+            <a:ext cx="4305145" cy="1115226"/>
           </a:xfrm>
           <a:prstGeom prst="rect">
             <a:avLst/>
@@ -5028,10 +6240,10 @@
       </p:pic>
       <p:pic>
         <p:nvPicPr>
-          <p:cNvPr id="12" name="그림 11">
+          <p:cNvPr id="17" name="그림 16">
             <a:extLst>
               <a:ext uri="{FF2B5EF4-FFF2-40B4-BE49-F238E27FC236}">
-                <a16:creationId xmlns:a16="http://schemas.microsoft.com/office/drawing/2014/main" id="{EE27A4C1-68B5-440E-9954-A6193C253213}"/>
+                <a16:creationId xmlns:a16="http://schemas.microsoft.com/office/drawing/2014/main" id="{3982C0C7-3597-4FF0-A66A-3960172532F7}"/>
               </a:ext>
             </a:extLst>
           </p:cNvPr>
@@ -5041,7 +6253,7 @@
           <p:nvPr/>
         </p:nvPicPr>
         <p:blipFill>
-          <a:blip r:embed="rId5" cstate="print">
+          <a:blip r:embed="rId5">
             <a:extLst>
               <a:ext uri="{28A0092B-C50C-407E-A947-70E740481C1C}">
                 <a14:useLocalDpi xmlns:a14="http://schemas.microsoft.com/office/drawing/2010/main" val="0"/>
@@ -5054,8 +6266,8 @@
         </p:blipFill>
         <p:spPr>
           <a:xfrm>
-            <a:off x="1056906" y="2056712"/>
-            <a:ext cx="3096344" cy="936455"/>
+            <a:off x="4858384" y="1973635"/>
+            <a:ext cx="3744416" cy="1121455"/>
           </a:xfrm>
           <a:prstGeom prst="rect">
             <a:avLst/>
@@ -5075,7 +6287,7 @@
 </p:sld>
 </file>
 
-<file path=ppt/slides/slide15.xml><?xml version="1.0" encoding="utf-8"?>
+<file path=ppt/slides/slide18.xml><?xml version="1.0" encoding="utf-8"?>
 <p:sld xmlns:a="http://schemas.openxmlformats.org/drawingml/2006/main" xmlns:r="http://schemas.openxmlformats.org/officeDocument/2006/relationships" xmlns:p="http://schemas.openxmlformats.org/presentationml/2006/main">
   <p:cSld>
     <p:spTree>
@@ -5358,7 +6570,7 @@
 </p:sld>
 </file>
 
-<file path=ppt/slides/slide16.xml><?xml version="1.0" encoding="utf-8"?>
+<file path=ppt/slides/slide19.xml><?xml version="1.0" encoding="utf-8"?>
 <p:sld xmlns:a="http://schemas.openxmlformats.org/drawingml/2006/main" xmlns:r="http://schemas.openxmlformats.org/officeDocument/2006/relationships" xmlns:p="http://schemas.openxmlformats.org/presentationml/2006/main">
   <p:cSld>
     <p:spTree>
@@ -5513,751 +6725,6 @@
 </p:sld>
 </file>
 
-<file path=ppt/slides/slide17.xml><?xml version="1.0" encoding="utf-8"?>
-<p:sld xmlns:a="http://schemas.openxmlformats.org/drawingml/2006/main" xmlns:r="http://schemas.openxmlformats.org/officeDocument/2006/relationships" xmlns:p="http://schemas.openxmlformats.org/presentationml/2006/main">
-  <p:cSld>
-    <p:spTree>
-      <p:nvGrpSpPr>
-        <p:cNvPr id="1" name=""/>
-        <p:cNvGrpSpPr/>
-        <p:nvPr/>
-      </p:nvGrpSpPr>
-      <p:grpSpPr>
-        <a:xfrm>
-          <a:off x="0" y="0"/>
-          <a:ext cx="0" cy="0"/>
-          <a:chOff x="0" y="0"/>
-          <a:chExt cx="0" cy="0"/>
-        </a:xfrm>
-      </p:grpSpPr>
-      <p:sp>
-        <p:nvSpPr>
-          <p:cNvPr id="2" name="제목 1"/>
-          <p:cNvSpPr>
-            <a:spLocks noGrp="1"/>
-          </p:cNvSpPr>
-          <p:nvPr>
-            <p:ph type="title"/>
-          </p:nvPr>
-        </p:nvSpPr>
-        <p:spPr/>
-        <p:txBody>
-          <a:bodyPr>
-            <a:normAutofit/>
-          </a:bodyPr>
-          <a:lstStyle/>
-          <a:p>
-            <a:pPr algn="l"/>
-            <a:r>
-              <a:rPr lang="ko-KR" altLang="en-US" sz="4000" dirty="0">
-                <a:latin typeface="KoPubWorld돋움체_Pro Bold" panose="00000800000000000000" pitchFamily="50" charset="-127"/>
-                <a:ea typeface="KoPubWorld돋움체_Pro Bold" panose="00000800000000000000" pitchFamily="50" charset="-127"/>
-                <a:cs typeface="KoPubWorld돋움체_Pro Bold" panose="00000800000000000000" pitchFamily="50" charset="-127"/>
-              </a:rPr>
-              <a:t>데이터 병합 및 정제 과정</a:t>
-            </a:r>
-          </a:p>
-        </p:txBody>
-      </p:sp>
-      <p:sp>
-        <p:nvSpPr>
-          <p:cNvPr id="3" name="내용 개체 틀 2"/>
-          <p:cNvSpPr>
-            <a:spLocks noGrp="1"/>
-          </p:cNvSpPr>
-          <p:nvPr>
-            <p:ph idx="1"/>
-          </p:nvPr>
-        </p:nvSpPr>
-        <p:spPr>
-          <a:xfrm>
-            <a:off x="457200" y="1608429"/>
-            <a:ext cx="8229600" cy="884468"/>
-          </a:xfrm>
-        </p:spPr>
-        <p:txBody>
-          <a:bodyPr>
-            <a:normAutofit/>
-          </a:bodyPr>
-          <a:lstStyle/>
-          <a:p>
-            <a:pPr marL="0" indent="0">
-              <a:buNone/>
-            </a:pPr>
-            <a:r>
-              <a:rPr lang="en-US" altLang="ko-KR" sz="2400" u="sng" dirty="0">
-                <a:latin typeface="KoPubWorld돋움체_Pro Bold" panose="00000800000000000000" pitchFamily="50" charset="-127"/>
-                <a:ea typeface="KoPubWorld돋움체_Pro Bold" panose="00000800000000000000" pitchFamily="50" charset="-127"/>
-                <a:cs typeface="KoPubWorld돋움체_Pro Bold" panose="00000800000000000000" pitchFamily="50" charset="-127"/>
-              </a:rPr>
-              <a:t>Orders</a:t>
-            </a:r>
-            <a:r>
-              <a:rPr lang="en-US" altLang="ko-KR" sz="1800" dirty="0">
-                <a:latin typeface="KoPubWorld돋움체_Pro Light" panose="00000300000000000000" pitchFamily="50" charset="-127"/>
-                <a:ea typeface="KoPubWorld돋움체_Pro Light" panose="00000300000000000000" pitchFamily="50" charset="-127"/>
-                <a:cs typeface="KoPubWorld돋움체_Pro Light" panose="00000300000000000000" pitchFamily="50" charset="-127"/>
-              </a:rPr>
-              <a:t> </a:t>
-            </a:r>
-            <a:r>
-              <a:rPr lang="ko-KR" altLang="en-US" sz="1800" dirty="0">
-                <a:latin typeface="KoPubWorld돋움체_Pro Light" panose="00000300000000000000" pitchFamily="50" charset="-127"/>
-                <a:ea typeface="KoPubWorld돋움체_Pro Light" panose="00000300000000000000" pitchFamily="50" charset="-127"/>
-                <a:cs typeface="KoPubWorld돋움체_Pro Light" panose="00000300000000000000" pitchFamily="50" charset="-127"/>
-              </a:rPr>
-              <a:t>데이터가 너무 커</a:t>
-            </a:r>
-            <a:endParaRPr lang="en-US" altLang="ko-KR" sz="1800" dirty="0">
-              <a:latin typeface="KoPubWorld돋움체_Pro Light" panose="00000300000000000000" pitchFamily="50" charset="-127"/>
-              <a:ea typeface="KoPubWorld돋움체_Pro Light" panose="00000300000000000000" pitchFamily="50" charset="-127"/>
-              <a:cs typeface="KoPubWorld돋움체_Pro Light" panose="00000300000000000000" pitchFamily="50" charset="-127"/>
-            </a:endParaRPr>
-          </a:p>
-          <a:p>
-            <a:pPr marL="0" indent="0">
-              <a:buNone/>
-            </a:pPr>
-            <a:r>
-              <a:rPr lang="ko-KR" altLang="en-US" sz="1800" u="sng" dirty="0">
-                <a:latin typeface="KoPubWorld돋움체_Pro Bold" panose="00000800000000000000" pitchFamily="50" charset="-127"/>
-                <a:ea typeface="KoPubWorld돋움체_Pro Bold" panose="00000800000000000000" pitchFamily="50" charset="-127"/>
-                <a:cs typeface="KoPubWorld돋움체_Pro Bold" panose="00000800000000000000" pitchFamily="50" charset="-127"/>
-              </a:rPr>
-              <a:t>총 구매횟수 상위 </a:t>
-            </a:r>
-            <a:r>
-              <a:rPr lang="en-US" altLang="ko-KR" sz="1800" u="sng" dirty="0">
-                <a:latin typeface="KoPubWorld돋움체_Pro Bold" panose="00000800000000000000" pitchFamily="50" charset="-127"/>
-                <a:ea typeface="KoPubWorld돋움체_Pro Bold" panose="00000800000000000000" pitchFamily="50" charset="-127"/>
-                <a:cs typeface="KoPubWorld돋움체_Pro Bold" panose="00000800000000000000" pitchFamily="50" charset="-127"/>
-              </a:rPr>
-              <a:t>20</a:t>
-            </a:r>
-            <a:r>
-              <a:rPr lang="ko-KR" altLang="en-US" sz="1800" u="sng" dirty="0">
-                <a:latin typeface="KoPubWorld돋움체_Pro Bold" panose="00000800000000000000" pitchFamily="50" charset="-127"/>
-                <a:ea typeface="KoPubWorld돋움체_Pro Bold" panose="00000800000000000000" pitchFamily="50" charset="-127"/>
-                <a:cs typeface="KoPubWorld돋움체_Pro Bold" panose="00000800000000000000" pitchFamily="50" charset="-127"/>
-              </a:rPr>
-              <a:t>퍼센트의 고객만 정제 후</a:t>
-            </a:r>
-            <a:r>
-              <a:rPr lang="en-US" altLang="ko-KR" sz="1800" u="sng" dirty="0">
-                <a:latin typeface="KoPubWorld돋움체_Pro Bold" panose="00000800000000000000" pitchFamily="50" charset="-127"/>
-                <a:ea typeface="KoPubWorld돋움체_Pro Bold" panose="00000800000000000000" pitchFamily="50" charset="-127"/>
-                <a:cs typeface="KoPubWorld돋움체_Pro Bold" panose="00000800000000000000" pitchFamily="50" charset="-127"/>
-              </a:rPr>
-              <a:t> </a:t>
-            </a:r>
-            <a:r>
-              <a:rPr lang="ko-KR" altLang="en-US" sz="1800" u="sng" dirty="0" err="1">
-                <a:latin typeface="KoPubWorld돋움체_Pro Bold" panose="00000800000000000000" pitchFamily="50" charset="-127"/>
-                <a:ea typeface="KoPubWorld돋움체_Pro Bold" panose="00000800000000000000" pitchFamily="50" charset="-127"/>
-                <a:cs typeface="KoPubWorld돋움체_Pro Bold" panose="00000800000000000000" pitchFamily="50" charset="-127"/>
-              </a:rPr>
-              <a:t>결측치를</a:t>
-            </a:r>
-            <a:r>
-              <a:rPr lang="ko-KR" altLang="en-US" sz="1800" u="sng" dirty="0">
-                <a:latin typeface="KoPubWorld돋움체_Pro Bold" panose="00000800000000000000" pitchFamily="50" charset="-127"/>
-                <a:ea typeface="KoPubWorld돋움체_Pro Bold" panose="00000800000000000000" pitchFamily="50" charset="-127"/>
-                <a:cs typeface="KoPubWorld돋움체_Pro Bold" panose="00000800000000000000" pitchFamily="50" charset="-127"/>
-              </a:rPr>
-              <a:t> 각 </a:t>
-            </a:r>
-            <a:r>
-              <a:rPr lang="en-US" altLang="ko-KR" sz="1800" u="sng" dirty="0" err="1">
-                <a:latin typeface="KoPubWorld돋움체_Pro Bold" panose="00000800000000000000" pitchFamily="50" charset="-127"/>
-                <a:ea typeface="KoPubWorld돋움체_Pro Bold" panose="00000800000000000000" pitchFamily="50" charset="-127"/>
-                <a:cs typeface="KoPubWorld돋움체_Pro Bold" panose="00000800000000000000" pitchFamily="50" charset="-127"/>
-              </a:rPr>
-              <a:t>user_id</a:t>
-            </a:r>
-            <a:r>
-              <a:rPr lang="ko-KR" altLang="en-US" sz="1800" u="sng" dirty="0">
-                <a:latin typeface="KoPubWorld돋움체_Pro Bold" panose="00000800000000000000" pitchFamily="50" charset="-127"/>
-                <a:ea typeface="KoPubWorld돋움체_Pro Bold" panose="00000800000000000000" pitchFamily="50" charset="-127"/>
-                <a:cs typeface="KoPubWorld돋움체_Pro Bold" panose="00000800000000000000" pitchFamily="50" charset="-127"/>
-              </a:rPr>
-              <a:t>의 평균값으로 대체</a:t>
-            </a:r>
-          </a:p>
-        </p:txBody>
-      </p:sp>
-      <p:pic>
-        <p:nvPicPr>
-          <p:cNvPr id="7" name="그림 6">
-            <a:extLst>
-              <a:ext uri="{FF2B5EF4-FFF2-40B4-BE49-F238E27FC236}">
-                <a16:creationId xmlns:a16="http://schemas.microsoft.com/office/drawing/2014/main" id="{7560BD2B-3590-4941-80DD-BA9CEA86AFB8}"/>
-              </a:ext>
-            </a:extLst>
-          </p:cNvPr>
-          <p:cNvPicPr>
-            <a:picLocks noChangeAspect="1"/>
-          </p:cNvPicPr>
-          <p:nvPr/>
-        </p:nvPicPr>
-        <p:blipFill>
-          <a:blip r:embed="rId2">
-            <a:extLst>
-              <a:ext uri="{28A0092B-C50C-407E-A947-70E740481C1C}">
-                <a14:useLocalDpi xmlns:a14="http://schemas.microsoft.com/office/drawing/2010/main" val="0"/>
-              </a:ext>
-            </a:extLst>
-          </a:blip>
-          <a:stretch>
-            <a:fillRect/>
-          </a:stretch>
-        </p:blipFill>
-        <p:spPr>
-          <a:xfrm>
-            <a:off x="539552" y="2780928"/>
-            <a:ext cx="5187351" cy="1744695"/>
-          </a:xfrm>
-          <a:prstGeom prst="rect">
-            <a:avLst/>
-          </a:prstGeom>
-        </p:spPr>
-      </p:pic>
-      <p:pic>
-        <p:nvPicPr>
-          <p:cNvPr id="6" name="그림 5">
-            <a:extLst>
-              <a:ext uri="{FF2B5EF4-FFF2-40B4-BE49-F238E27FC236}">
-                <a16:creationId xmlns:a16="http://schemas.microsoft.com/office/drawing/2014/main" id="{3247C58B-67C1-49B0-B3DF-92A3E7F8A639}"/>
-              </a:ext>
-            </a:extLst>
-          </p:cNvPr>
-          <p:cNvPicPr>
-            <a:picLocks noChangeAspect="1"/>
-          </p:cNvPicPr>
-          <p:nvPr/>
-        </p:nvPicPr>
-        <p:blipFill>
-          <a:blip r:embed="rId3">
-            <a:extLst>
-              <a:ext uri="{28A0092B-C50C-407E-A947-70E740481C1C}">
-                <a14:useLocalDpi xmlns:a14="http://schemas.microsoft.com/office/drawing/2010/main" val="0"/>
-              </a:ext>
-            </a:extLst>
-          </a:blip>
-          <a:stretch>
-            <a:fillRect/>
-          </a:stretch>
-        </p:blipFill>
-        <p:spPr>
-          <a:xfrm>
-            <a:off x="457200" y="4747719"/>
-            <a:ext cx="6149764" cy="1497395"/>
-          </a:xfrm>
-          <a:prstGeom prst="rect">
-            <a:avLst/>
-          </a:prstGeom>
-        </p:spPr>
-      </p:pic>
-    </p:spTree>
-    <p:extLst>
-      <p:ext uri="{BB962C8B-B14F-4D97-AF65-F5344CB8AC3E}">
-        <p14:creationId xmlns:p14="http://schemas.microsoft.com/office/powerpoint/2010/main" val="1016011376"/>
-      </p:ext>
-    </p:extLst>
-  </p:cSld>
-  <p:clrMapOvr>
-    <a:masterClrMapping/>
-  </p:clrMapOvr>
-</p:sld>
-</file>
-
-<file path=ppt/slides/slide18.xml><?xml version="1.0" encoding="utf-8"?>
-<p:sld xmlns:a="http://schemas.openxmlformats.org/drawingml/2006/main" xmlns:r="http://schemas.openxmlformats.org/officeDocument/2006/relationships" xmlns:p="http://schemas.openxmlformats.org/presentationml/2006/main">
-  <p:cSld>
-    <p:spTree>
-      <p:nvGrpSpPr>
-        <p:cNvPr id="1" name=""/>
-        <p:cNvGrpSpPr/>
-        <p:nvPr/>
-      </p:nvGrpSpPr>
-      <p:grpSpPr>
-        <a:xfrm>
-          <a:off x="0" y="0"/>
-          <a:ext cx="0" cy="0"/>
-          <a:chOff x="0" y="0"/>
-          <a:chExt cx="0" cy="0"/>
-        </a:xfrm>
-      </p:grpSpPr>
-      <p:sp>
-        <p:nvSpPr>
-          <p:cNvPr id="3" name="내용 개체 틀 2">
-            <a:extLst>
-              <a:ext uri="{FF2B5EF4-FFF2-40B4-BE49-F238E27FC236}">
-                <a16:creationId xmlns:a16="http://schemas.microsoft.com/office/drawing/2014/main" id="{8E713103-E773-41A1-AA96-3BEB151C1E7C}"/>
-              </a:ext>
-            </a:extLst>
-          </p:cNvPr>
-          <p:cNvSpPr>
-            <a:spLocks noGrp="1"/>
-          </p:cNvSpPr>
-          <p:nvPr>
-            <p:ph idx="1"/>
-          </p:nvPr>
-        </p:nvSpPr>
-        <p:spPr>
-          <a:xfrm>
-            <a:off x="457200" y="404665"/>
-            <a:ext cx="8229600" cy="1008112"/>
-          </a:xfrm>
-        </p:spPr>
-        <p:txBody>
-          <a:bodyPr/>
-          <a:lstStyle/>
-          <a:p>
-            <a:pPr marL="0" indent="0">
-              <a:buNone/>
-            </a:pPr>
-            <a:r>
-              <a:rPr lang="en-US" altLang="ko-KR" dirty="0" err="1">
-                <a:latin typeface="KoPubWorld돋움체_Pro Bold" panose="00000800000000000000" pitchFamily="50" charset="-127"/>
-                <a:ea typeface="KoPubWorld돋움체_Pro Bold" panose="00000800000000000000" pitchFamily="50" charset="-127"/>
-                <a:cs typeface="KoPubWorld돋움체_Pro Bold" panose="00000800000000000000" pitchFamily="50" charset="-127"/>
-              </a:rPr>
-              <a:t>Order_products</a:t>
-            </a:r>
-            <a:endParaRPr lang="en-US" altLang="ko-KR" dirty="0">
-              <a:latin typeface="KoPubWorld돋움체_Pro Bold" panose="00000800000000000000" pitchFamily="50" charset="-127"/>
-              <a:ea typeface="KoPubWorld돋움체_Pro Bold" panose="00000800000000000000" pitchFamily="50" charset="-127"/>
-              <a:cs typeface="KoPubWorld돋움체_Pro Bold" panose="00000800000000000000" pitchFamily="50" charset="-127"/>
-            </a:endParaRPr>
-          </a:p>
-          <a:p>
-            <a:pPr marL="0" indent="0">
-              <a:buNone/>
-            </a:pPr>
-            <a:r>
-              <a:rPr lang="en-US" altLang="ko-KR" sz="2000" dirty="0" err="1">
-                <a:latin typeface="KoPubWorld돋움체_Pro Light" panose="00000300000000000000" pitchFamily="50" charset="-127"/>
-                <a:ea typeface="KoPubWorld돋움체_Pro Light" panose="00000300000000000000" pitchFamily="50" charset="-127"/>
-                <a:cs typeface="KoPubWorld돋움체_Pro Light" panose="00000300000000000000" pitchFamily="50" charset="-127"/>
-              </a:rPr>
-              <a:t>Product_id</a:t>
-            </a:r>
-            <a:r>
-              <a:rPr lang="ko-KR" altLang="en-US" sz="2000" dirty="0">
-                <a:latin typeface="KoPubWorld돋움체_Pro Light" panose="00000300000000000000" pitchFamily="50" charset="-127"/>
-                <a:ea typeface="KoPubWorld돋움체_Pro Light" panose="00000300000000000000" pitchFamily="50" charset="-127"/>
-                <a:cs typeface="KoPubWorld돋움체_Pro Light" panose="00000300000000000000" pitchFamily="50" charset="-127"/>
-              </a:rPr>
-              <a:t>를 기준으로 </a:t>
-            </a:r>
-            <a:r>
-              <a:rPr lang="en-US" altLang="ko-KR" sz="2000" dirty="0">
-                <a:latin typeface="KoPubWorld돋움체_Pro Light" panose="00000300000000000000" pitchFamily="50" charset="-127"/>
-                <a:ea typeface="KoPubWorld돋움체_Pro Light" panose="00000300000000000000" pitchFamily="50" charset="-127"/>
-                <a:cs typeface="KoPubWorld돋움체_Pro Light" panose="00000300000000000000" pitchFamily="50" charset="-127"/>
-              </a:rPr>
-              <a:t>20% </a:t>
-            </a:r>
-            <a:r>
-              <a:rPr lang="ko-KR" altLang="en-US" sz="2000" u="sng" dirty="0" err="1">
-                <a:latin typeface="KoPubWorld돋움체_Pro Light" panose="00000300000000000000" pitchFamily="50" charset="-127"/>
-                <a:ea typeface="KoPubWorld돋움체_Pro Light" panose="00000300000000000000" pitchFamily="50" charset="-127"/>
-                <a:cs typeface="KoPubWorld돋움체_Pro Light" panose="00000300000000000000" pitchFamily="50" charset="-127"/>
-              </a:rPr>
-              <a:t>층화추출</a:t>
-            </a:r>
-            <a:endParaRPr lang="ko-KR" altLang="en-US" sz="2000" u="sng" dirty="0">
-              <a:latin typeface="KoPubWorld돋움체_Pro Light" panose="00000300000000000000" pitchFamily="50" charset="-127"/>
-              <a:ea typeface="KoPubWorld돋움체_Pro Light" panose="00000300000000000000" pitchFamily="50" charset="-127"/>
-              <a:cs typeface="KoPubWorld돋움체_Pro Light" panose="00000300000000000000" pitchFamily="50" charset="-127"/>
-            </a:endParaRPr>
-          </a:p>
-        </p:txBody>
-      </p:sp>
-      <p:pic>
-        <p:nvPicPr>
-          <p:cNvPr id="4" name="그림 3">
-            <a:extLst>
-              <a:ext uri="{FF2B5EF4-FFF2-40B4-BE49-F238E27FC236}">
-                <a16:creationId xmlns:a16="http://schemas.microsoft.com/office/drawing/2014/main" id="{F3AB68A6-73B8-4B55-9B7A-4371AE05BD84}"/>
-              </a:ext>
-            </a:extLst>
-          </p:cNvPr>
-          <p:cNvPicPr>
-            <a:picLocks noChangeAspect="1"/>
-          </p:cNvPicPr>
-          <p:nvPr/>
-        </p:nvPicPr>
-        <p:blipFill>
-          <a:blip r:embed="rId2">
-            <a:extLst>
-              <a:ext uri="{28A0092B-C50C-407E-A947-70E740481C1C}">
-                <a14:useLocalDpi xmlns:a14="http://schemas.microsoft.com/office/drawing/2010/main" val="0"/>
-              </a:ext>
-            </a:extLst>
-          </a:blip>
-          <a:stretch>
-            <a:fillRect/>
-          </a:stretch>
-        </p:blipFill>
-        <p:spPr>
-          <a:xfrm>
-            <a:off x="443465" y="1549237"/>
-            <a:ext cx="7944959" cy="4544059"/>
-          </a:xfrm>
-          <a:prstGeom prst="rect">
-            <a:avLst/>
-          </a:prstGeom>
-        </p:spPr>
-      </p:pic>
-    </p:spTree>
-    <p:extLst>
-      <p:ext uri="{BB962C8B-B14F-4D97-AF65-F5344CB8AC3E}">
-        <p14:creationId xmlns:p14="http://schemas.microsoft.com/office/powerpoint/2010/main" val="1607206356"/>
-      </p:ext>
-    </p:extLst>
-  </p:cSld>
-  <p:clrMapOvr>
-    <a:masterClrMapping/>
-  </p:clrMapOvr>
-</p:sld>
-</file>
-
-<file path=ppt/slides/slide19.xml><?xml version="1.0" encoding="utf-8"?>
-<p:sld xmlns:a="http://schemas.openxmlformats.org/drawingml/2006/main" xmlns:r="http://schemas.openxmlformats.org/officeDocument/2006/relationships" xmlns:p="http://schemas.openxmlformats.org/presentationml/2006/main">
-  <p:cSld>
-    <p:spTree>
-      <p:nvGrpSpPr>
-        <p:cNvPr id="1" name=""/>
-        <p:cNvGrpSpPr/>
-        <p:nvPr/>
-      </p:nvGrpSpPr>
-      <p:grpSpPr>
-        <a:xfrm>
-          <a:off x="0" y="0"/>
-          <a:ext cx="0" cy="0"/>
-          <a:chOff x="0" y="0"/>
-          <a:chExt cx="0" cy="0"/>
-        </a:xfrm>
-      </p:grpSpPr>
-      <p:sp>
-        <p:nvSpPr>
-          <p:cNvPr id="3" name="내용 개체 틀 2">
-            <a:extLst>
-              <a:ext uri="{FF2B5EF4-FFF2-40B4-BE49-F238E27FC236}">
-                <a16:creationId xmlns:a16="http://schemas.microsoft.com/office/drawing/2014/main" id="{6438056E-4FE5-4F8E-893E-38C11713D401}"/>
-              </a:ext>
-            </a:extLst>
-          </p:cNvPr>
-          <p:cNvSpPr>
-            <a:spLocks noGrp="1"/>
-          </p:cNvSpPr>
-          <p:nvPr>
-            <p:ph idx="1"/>
-          </p:nvPr>
-        </p:nvSpPr>
-        <p:spPr>
-          <a:xfrm>
-            <a:off x="395536" y="1616735"/>
-            <a:ext cx="5040560" cy="648072"/>
-          </a:xfrm>
-        </p:spPr>
-        <p:txBody>
-          <a:bodyPr/>
-          <a:lstStyle/>
-          <a:p>
-            <a:pPr marL="0" indent="0">
-              <a:buNone/>
-            </a:pPr>
-            <a:r>
-              <a:rPr lang="en-US" altLang="ko-KR" dirty="0" err="1">
-                <a:latin typeface="KoPubWorld돋움체_Pro Bold" panose="00000800000000000000" pitchFamily="50" charset="-127"/>
-                <a:ea typeface="KoPubWorld돋움체_Pro Bold" panose="00000800000000000000" pitchFamily="50" charset="-127"/>
-                <a:cs typeface="KoPubWorld돋움체_Pro Bold" panose="00000800000000000000" pitchFamily="50" charset="-127"/>
-              </a:rPr>
-              <a:t>Order_details</a:t>
-            </a:r>
-            <a:endParaRPr lang="en-US" altLang="ko-KR" dirty="0">
-              <a:latin typeface="KoPubWorld돋움체_Pro Bold" panose="00000800000000000000" pitchFamily="50" charset="-127"/>
-              <a:ea typeface="KoPubWorld돋움체_Pro Bold" panose="00000800000000000000" pitchFamily="50" charset="-127"/>
-              <a:cs typeface="KoPubWorld돋움체_Pro Bold" panose="00000800000000000000" pitchFamily="50" charset="-127"/>
-            </a:endParaRPr>
-          </a:p>
-          <a:p>
-            <a:pPr marL="0" indent="0">
-              <a:buNone/>
-            </a:pPr>
-            <a:endParaRPr lang="ko-KR" altLang="en-US" dirty="0">
-              <a:latin typeface="KoPubWorld돋움체_Pro Bold" panose="00000800000000000000" pitchFamily="50" charset="-127"/>
-              <a:ea typeface="KoPubWorld돋움체_Pro Bold" panose="00000800000000000000" pitchFamily="50" charset="-127"/>
-              <a:cs typeface="KoPubWorld돋움체_Pro Bold" panose="00000800000000000000" pitchFamily="50" charset="-127"/>
-            </a:endParaRPr>
-          </a:p>
-        </p:txBody>
-      </p:sp>
-      <p:pic>
-        <p:nvPicPr>
-          <p:cNvPr id="7" name="그림 6">
-            <a:extLst>
-              <a:ext uri="{FF2B5EF4-FFF2-40B4-BE49-F238E27FC236}">
-                <a16:creationId xmlns:a16="http://schemas.microsoft.com/office/drawing/2014/main" id="{75CA772C-9371-442C-98CF-F38F88AF8B4A}"/>
-              </a:ext>
-            </a:extLst>
-          </p:cNvPr>
-          <p:cNvPicPr>
-            <a:picLocks noChangeAspect="1"/>
-          </p:cNvPicPr>
-          <p:nvPr/>
-        </p:nvPicPr>
-        <p:blipFill rotWithShape="1">
-          <a:blip r:embed="rId2">
-            <a:extLst>
-              <a:ext uri="{28A0092B-C50C-407E-A947-70E740481C1C}">
-                <a14:useLocalDpi xmlns:a14="http://schemas.microsoft.com/office/drawing/2010/main" val="0"/>
-              </a:ext>
-            </a:extLst>
-          </a:blip>
-          <a:srcRect b="57603"/>
-          <a:stretch/>
-        </p:blipFill>
-        <p:spPr>
-          <a:xfrm>
-            <a:off x="395536" y="3933056"/>
-            <a:ext cx="5516020" cy="1520332"/>
-          </a:xfrm>
-          <a:prstGeom prst="rect">
-            <a:avLst/>
-          </a:prstGeom>
-        </p:spPr>
-      </p:pic>
-      <p:sp>
-        <p:nvSpPr>
-          <p:cNvPr id="8" name="TextBox 7">
-            <a:extLst>
-              <a:ext uri="{FF2B5EF4-FFF2-40B4-BE49-F238E27FC236}">
-                <a16:creationId xmlns:a16="http://schemas.microsoft.com/office/drawing/2014/main" id="{60C8A4E3-005B-428A-BB44-42F7EED1EECA}"/>
-              </a:ext>
-            </a:extLst>
-          </p:cNvPr>
-          <p:cNvSpPr txBox="1"/>
-          <p:nvPr/>
-        </p:nvSpPr>
-        <p:spPr>
-          <a:xfrm>
-            <a:off x="395536" y="2265808"/>
-            <a:ext cx="5112568" cy="1323439"/>
-          </a:xfrm>
-          <a:prstGeom prst="rect">
-            <a:avLst/>
-          </a:prstGeom>
-          <a:noFill/>
-        </p:spPr>
-        <p:txBody>
-          <a:bodyPr wrap="square" rtlCol="0">
-            <a:spAutoFit/>
-          </a:bodyPr>
-          <a:lstStyle/>
-          <a:p>
-            <a:r>
-              <a:rPr lang="ko-KR" altLang="en-US" sz="1600" dirty="0">
-                <a:latin typeface="KoPubWorld돋움체_Pro Light" panose="00000300000000000000" pitchFamily="50" charset="-127"/>
-                <a:ea typeface="KoPubWorld돋움체_Pro Light" panose="00000300000000000000" pitchFamily="50" charset="-127"/>
-                <a:cs typeface="KoPubWorld돋움체_Pro Light" panose="00000300000000000000" pitchFamily="50" charset="-127"/>
-              </a:rPr>
-              <a:t>주문 정보와 상품 주문 정보를 병합해 </a:t>
-            </a:r>
-            <a:r>
-              <a:rPr lang="en-US" altLang="ko-KR" sz="1600" dirty="0" err="1">
-                <a:latin typeface="KoPubWorld돋움체_Pro Light" panose="00000300000000000000" pitchFamily="50" charset="-127"/>
-                <a:ea typeface="KoPubWorld돋움체_Pro Light" panose="00000300000000000000" pitchFamily="50" charset="-127"/>
-                <a:cs typeface="KoPubWorld돋움체_Pro Light" panose="00000300000000000000" pitchFamily="50" charset="-127"/>
-              </a:rPr>
-              <a:t>Order_details</a:t>
-            </a:r>
-            <a:r>
-              <a:rPr lang="en-US" altLang="ko-KR" sz="1600" dirty="0">
-                <a:latin typeface="KoPubWorld돋움체_Pro Light" panose="00000300000000000000" pitchFamily="50" charset="-127"/>
-                <a:ea typeface="KoPubWorld돋움체_Pro Light" panose="00000300000000000000" pitchFamily="50" charset="-127"/>
-                <a:cs typeface="KoPubWorld돋움체_Pro Light" panose="00000300000000000000" pitchFamily="50" charset="-127"/>
-              </a:rPr>
-              <a:t> </a:t>
-            </a:r>
-          </a:p>
-          <a:p>
-            <a:r>
-              <a:rPr lang="ko-KR" altLang="en-US" sz="1600" dirty="0">
-                <a:latin typeface="KoPubWorld돋움체_Pro Light" panose="00000300000000000000" pitchFamily="50" charset="-127"/>
-                <a:ea typeface="KoPubWorld돋움체_Pro Light" panose="00000300000000000000" pitchFamily="50" charset="-127"/>
-                <a:cs typeface="KoPubWorld돋움체_Pro Light" panose="00000300000000000000" pitchFamily="50" charset="-127"/>
-              </a:rPr>
-              <a:t>데이터를 생성</a:t>
-            </a:r>
-            <a:r>
-              <a:rPr lang="en-US" altLang="ko-KR" sz="1600" dirty="0">
-                <a:latin typeface="KoPubWorld돋움체_Pro Light" panose="00000300000000000000" pitchFamily="50" charset="-127"/>
-                <a:ea typeface="KoPubWorld돋움체_Pro Light" panose="00000300000000000000" pitchFamily="50" charset="-127"/>
-                <a:cs typeface="KoPubWorld돋움체_Pro Light" panose="00000300000000000000" pitchFamily="50" charset="-127"/>
-              </a:rPr>
-              <a:t>.</a:t>
-            </a:r>
-          </a:p>
-          <a:p>
-            <a:endParaRPr lang="en-US" altLang="ko-KR" sz="1600" dirty="0">
-              <a:latin typeface="KoPubWorld돋움체_Pro Light" panose="00000300000000000000" pitchFamily="50" charset="-127"/>
-              <a:ea typeface="KoPubWorld돋움체_Pro Light" panose="00000300000000000000" pitchFamily="50" charset="-127"/>
-              <a:cs typeface="KoPubWorld돋움체_Pro Light" panose="00000300000000000000" pitchFamily="50" charset="-127"/>
-            </a:endParaRPr>
-          </a:p>
-          <a:p>
-            <a:r>
-              <a:rPr lang="ko-KR" altLang="en-US" sz="1600" dirty="0">
-                <a:latin typeface="KoPubWorld돋움체_Pro Light" panose="00000300000000000000" pitchFamily="50" charset="-127"/>
-                <a:ea typeface="KoPubWorld돋움체_Pro Light" panose="00000300000000000000" pitchFamily="50" charset="-127"/>
-                <a:cs typeface="KoPubWorld돋움체_Pro Light" panose="00000300000000000000" pitchFamily="50" charset="-127"/>
-              </a:rPr>
-              <a:t>정제 과정이 있었기에</a:t>
-            </a:r>
-            <a:r>
-              <a:rPr lang="en-US" altLang="ko-KR" sz="1600" dirty="0">
-                <a:latin typeface="KoPubWorld돋움체_Pro Light" panose="00000300000000000000" pitchFamily="50" charset="-127"/>
-                <a:ea typeface="KoPubWorld돋움체_Pro Light" panose="00000300000000000000" pitchFamily="50" charset="-127"/>
-                <a:cs typeface="KoPubWorld돋움체_Pro Light" panose="00000300000000000000" pitchFamily="50" charset="-127"/>
-              </a:rPr>
-              <a:t> </a:t>
-            </a:r>
-            <a:r>
-              <a:rPr lang="ko-KR" altLang="en-US" sz="1600" dirty="0">
-                <a:latin typeface="KoPubWorld돋움체_Pro Light" panose="00000300000000000000" pitchFamily="50" charset="-127"/>
-                <a:ea typeface="KoPubWorld돋움체_Pro Light" panose="00000300000000000000" pitchFamily="50" charset="-127"/>
-                <a:cs typeface="KoPubWorld돋움체_Pro Light" panose="00000300000000000000" pitchFamily="50" charset="-127"/>
-              </a:rPr>
-              <a:t>공통되지 않은 주문이 있을 수 있으므로</a:t>
-            </a:r>
-            <a:r>
-              <a:rPr lang="en-US" altLang="ko-KR" sz="1600" dirty="0">
-                <a:latin typeface="KoPubWorld돋움체_Pro Light" panose="00000300000000000000" pitchFamily="50" charset="-127"/>
-                <a:ea typeface="KoPubWorld돋움체_Pro Light" panose="00000300000000000000" pitchFamily="50" charset="-127"/>
-                <a:cs typeface="KoPubWorld돋움체_Pro Light" panose="00000300000000000000" pitchFamily="50" charset="-127"/>
-              </a:rPr>
-              <a:t>, </a:t>
-            </a:r>
-          </a:p>
-          <a:p>
-            <a:r>
-              <a:rPr lang="en-US" altLang="ko-KR" sz="1600" dirty="0">
-                <a:latin typeface="KoPubWorld돋움체_Pro Light" panose="00000300000000000000" pitchFamily="50" charset="-127"/>
-                <a:ea typeface="KoPubWorld돋움체_Pro Light" panose="00000300000000000000" pitchFamily="50" charset="-127"/>
-                <a:cs typeface="KoPubWorld돋움체_Pro Light" panose="00000300000000000000" pitchFamily="50" charset="-127"/>
-              </a:rPr>
-              <a:t>Merge</a:t>
-            </a:r>
-            <a:r>
-              <a:rPr lang="ko-KR" altLang="en-US" sz="1600" dirty="0">
-                <a:latin typeface="KoPubWorld돋움체_Pro Light" panose="00000300000000000000" pitchFamily="50" charset="-127"/>
-                <a:ea typeface="KoPubWorld돋움체_Pro Light" panose="00000300000000000000" pitchFamily="50" charset="-127"/>
-                <a:cs typeface="KoPubWorld돋움체_Pro Light" panose="00000300000000000000" pitchFamily="50" charset="-127"/>
-              </a:rPr>
-              <a:t>함수의 </a:t>
-            </a:r>
-            <a:r>
-              <a:rPr lang="en-US" altLang="ko-KR" sz="1600" dirty="0">
-                <a:latin typeface="KoPubWorld돋움체_Pro Light" panose="00000300000000000000" pitchFamily="50" charset="-127"/>
-                <a:ea typeface="KoPubWorld돋움체_Pro Light" panose="00000300000000000000" pitchFamily="50" charset="-127"/>
-                <a:cs typeface="KoPubWorld돋움체_Pro Light" panose="00000300000000000000" pitchFamily="50" charset="-127"/>
-              </a:rPr>
-              <a:t>how </a:t>
-            </a:r>
-            <a:r>
-              <a:rPr lang="ko-KR" altLang="en-US" sz="1600" dirty="0">
-                <a:latin typeface="KoPubWorld돋움체_Pro Light" panose="00000300000000000000" pitchFamily="50" charset="-127"/>
-                <a:ea typeface="KoPubWorld돋움체_Pro Light" panose="00000300000000000000" pitchFamily="50" charset="-127"/>
-                <a:cs typeface="KoPubWorld돋움체_Pro Light" panose="00000300000000000000" pitchFamily="50" charset="-127"/>
-              </a:rPr>
-              <a:t>파라미터의 값을 </a:t>
-            </a:r>
-            <a:r>
-              <a:rPr lang="en-US" altLang="ko-KR" sz="1600" dirty="0">
-                <a:latin typeface="KoPubWorld돋움체_Pro Light" panose="00000300000000000000" pitchFamily="50" charset="-127"/>
-                <a:ea typeface="KoPubWorld돋움체_Pro Light" panose="00000300000000000000" pitchFamily="50" charset="-127"/>
-                <a:cs typeface="KoPubWorld돋움체_Pro Light" panose="00000300000000000000" pitchFamily="50" charset="-127"/>
-              </a:rPr>
-              <a:t>‘inner’</a:t>
-            </a:r>
-            <a:r>
-              <a:rPr lang="ko-KR" altLang="en-US" sz="1600" dirty="0">
-                <a:latin typeface="KoPubWorld돋움체_Pro Light" panose="00000300000000000000" pitchFamily="50" charset="-127"/>
-                <a:ea typeface="KoPubWorld돋움체_Pro Light" panose="00000300000000000000" pitchFamily="50" charset="-127"/>
-                <a:cs typeface="KoPubWorld돋움체_Pro Light" panose="00000300000000000000" pitchFamily="50" charset="-127"/>
-              </a:rPr>
-              <a:t>로 적용</a:t>
-            </a:r>
-            <a:r>
-              <a:rPr lang="en-US" altLang="ko-KR" sz="1600" dirty="0">
-                <a:latin typeface="KoPubWorld돋움체_Pro Light" panose="00000300000000000000" pitchFamily="50" charset="-127"/>
-                <a:ea typeface="KoPubWorld돋움체_Pro Light" panose="00000300000000000000" pitchFamily="50" charset="-127"/>
-                <a:cs typeface="KoPubWorld돋움체_Pro Light" panose="00000300000000000000" pitchFamily="50" charset="-127"/>
-              </a:rPr>
-              <a:t>.</a:t>
-            </a:r>
-            <a:r>
-              <a:rPr lang="ko-KR" altLang="en-US" sz="1600" dirty="0">
-                <a:latin typeface="KoPubWorld돋움체_Pro Light" panose="00000300000000000000" pitchFamily="50" charset="-127"/>
-                <a:ea typeface="KoPubWorld돋움체_Pro Light" panose="00000300000000000000" pitchFamily="50" charset="-127"/>
-                <a:cs typeface="KoPubWorld돋움체_Pro Light" panose="00000300000000000000" pitchFamily="50" charset="-127"/>
-              </a:rPr>
-              <a:t> </a:t>
-            </a:r>
-          </a:p>
-        </p:txBody>
-      </p:sp>
-      <p:pic>
-        <p:nvPicPr>
-          <p:cNvPr id="10" name="그림 9">
-            <a:extLst>
-              <a:ext uri="{FF2B5EF4-FFF2-40B4-BE49-F238E27FC236}">
-                <a16:creationId xmlns:a16="http://schemas.microsoft.com/office/drawing/2014/main" id="{99B4F721-9396-4C2C-9562-841EC9E7D81E}"/>
-              </a:ext>
-            </a:extLst>
-          </p:cNvPr>
-          <p:cNvPicPr>
-            <a:picLocks noChangeAspect="1"/>
-          </p:cNvPicPr>
-          <p:nvPr/>
-        </p:nvPicPr>
-        <p:blipFill rotWithShape="1">
-          <a:blip r:embed="rId2">
-            <a:extLst>
-              <a:ext uri="{28A0092B-C50C-407E-A947-70E740481C1C}">
-                <a14:useLocalDpi xmlns:a14="http://schemas.microsoft.com/office/drawing/2010/main" val="0"/>
-              </a:ext>
-            </a:extLst>
-          </a:blip>
-          <a:srcRect l="10625" t="42064" r="59450"/>
-          <a:stretch/>
-        </p:blipFill>
-        <p:spPr>
-          <a:xfrm>
-            <a:off x="6228184" y="2301255"/>
-            <a:ext cx="2335895" cy="2940010"/>
-          </a:xfrm>
-          <a:prstGeom prst="rect">
-            <a:avLst/>
-          </a:prstGeom>
-        </p:spPr>
-      </p:pic>
-    </p:spTree>
-    <p:extLst>
-      <p:ext uri="{BB962C8B-B14F-4D97-AF65-F5344CB8AC3E}">
-        <p14:creationId xmlns:p14="http://schemas.microsoft.com/office/powerpoint/2010/main" val="498350823"/>
-      </p:ext>
-    </p:extLst>
-  </p:cSld>
-  <p:clrMapOvr>
-    <a:masterClrMapping/>
-  </p:clrMapOvr>
-</p:sld>
-</file>
-
 <file path=ppt/slides/slide2.xml><?xml version="1.0" encoding="utf-8"?>
 <p:sld xmlns:a="http://schemas.openxmlformats.org/drawingml/2006/main" xmlns:r="http://schemas.openxmlformats.org/officeDocument/2006/relationships" xmlns:p="http://schemas.openxmlformats.org/presentationml/2006/main">
   <p:cSld>
@@ -6397,7 +6864,7 @@
                 <a:ea typeface="KoPubWorld돋움체_Pro Light" panose="00000300000000000000" pitchFamily="50" charset="-127"/>
                 <a:cs typeface="KoPubWorld돋움체_Pro Light" panose="00000300000000000000" pitchFamily="50" charset="-127"/>
               </a:rPr>
-              <a:t>주제 소개</a:t>
+              <a:t>트렌드 분석</a:t>
             </a:r>
             <a:endParaRPr lang="en-US" altLang="ko-KR" sz="1600" dirty="0">
               <a:latin typeface="KoPubWorld돋움체_Pro Light" panose="00000300000000000000" pitchFamily="50" charset="-127"/>
@@ -6418,7 +6885,7 @@
                 <a:ea typeface="KoPubWorld돋움체_Pro Light" panose="00000300000000000000" pitchFamily="50" charset="-127"/>
                 <a:cs typeface="KoPubWorld돋움체_Pro Light" panose="00000300000000000000" pitchFamily="50" charset="-127"/>
               </a:rPr>
-              <a:t>불필요 구매의 정의</a:t>
+              <a:t>주제 소개</a:t>
             </a:r>
             <a:endParaRPr lang="en-US" altLang="ko-KR" sz="1600" dirty="0">
               <a:latin typeface="KoPubWorld돋움체_Pro Light" panose="00000300000000000000" pitchFamily="50" charset="-127"/>
@@ -6434,20 +6901,12 @@
               <a:buNone/>
             </a:pPr>
             <a:r>
-              <a:rPr lang="en-US" altLang="ko-KR" sz="1600" dirty="0">
-                <a:latin typeface="KoPubWorld돋움체_Pro Light" panose="00000300000000000000" pitchFamily="50" charset="-127"/>
-                <a:ea typeface="KoPubWorld돋움체_Pro Light" panose="00000300000000000000" pitchFamily="50" charset="-127"/>
-                <a:cs typeface="KoPubWorld돋움체_Pro Light" panose="00000300000000000000" pitchFamily="50" charset="-127"/>
-              </a:rPr>
-              <a:t>AI </a:t>
-            </a:r>
-            <a:r>
               <a:rPr lang="ko-KR" altLang="en-US" sz="1600" dirty="0">
                 <a:latin typeface="KoPubWorld돋움체_Pro Light" panose="00000300000000000000" pitchFamily="50" charset="-127"/>
                 <a:ea typeface="KoPubWorld돋움체_Pro Light" panose="00000300000000000000" pitchFamily="50" charset="-127"/>
                 <a:cs typeface="KoPubWorld돋움체_Pro Light" panose="00000300000000000000" pitchFamily="50" charset="-127"/>
               </a:rPr>
-              <a:t>모델 활용</a:t>
+              <a:t>불필요 구매의 정의</a:t>
             </a:r>
             <a:endParaRPr lang="en-US" altLang="ko-KR" sz="1600" dirty="0">
               <a:latin typeface="KoPubWorld돋움체_Pro Light" panose="00000300000000000000" pitchFamily="50" charset="-127"/>
@@ -7001,23 +7460,11 @@
               </a:rPr>
               <a:t>연구 한계</a:t>
             </a:r>
-          </a:p>
-          <a:p>
-            <a:pPr marL="0" indent="0" algn="ctr">
-              <a:lnSpc>
-                <a:spcPct val="120000"/>
-              </a:lnSpc>
-              <a:buFont typeface="Arial" panose="020B0604020202020204" pitchFamily="34" charset="0"/>
-              <a:buNone/>
-            </a:pPr>
-            <a:r>
-              <a:rPr lang="ko-KR" altLang="en-US" sz="1600" dirty="0">
-                <a:latin typeface="KoPubWorld돋움체_Pro Light" panose="00000300000000000000" pitchFamily="50" charset="-127"/>
-                <a:ea typeface="KoPubWorld돋움체_Pro Light" panose="00000300000000000000" pitchFamily="50" charset="-127"/>
-                <a:cs typeface="KoPubWorld돋움체_Pro Light" panose="00000300000000000000" pitchFamily="50" charset="-127"/>
-              </a:rPr>
-              <a:t>연구 한계</a:t>
-            </a:r>
+            <a:endParaRPr lang="en-US" altLang="ko-KR" sz="1600" dirty="0">
+              <a:latin typeface="KoPubWorld돋움체_Pro Light" panose="00000300000000000000" pitchFamily="50" charset="-127"/>
+              <a:ea typeface="KoPubWorld돋움체_Pro Light" panose="00000300000000000000" pitchFamily="50" charset="-127"/>
+              <a:cs typeface="KoPubWorld돋움체_Pro Light" panose="00000300000000000000" pitchFamily="50" charset="-127"/>
+            </a:endParaRPr>
           </a:p>
           <a:p>
             <a:pPr marL="0" indent="0" algn="ctr">
@@ -7070,6 +7517,751 @@
 </file>
 
 <file path=ppt/slides/slide20.xml><?xml version="1.0" encoding="utf-8"?>
+<p:sld xmlns:a="http://schemas.openxmlformats.org/drawingml/2006/main" xmlns:r="http://schemas.openxmlformats.org/officeDocument/2006/relationships" xmlns:p="http://schemas.openxmlformats.org/presentationml/2006/main">
+  <p:cSld>
+    <p:spTree>
+      <p:nvGrpSpPr>
+        <p:cNvPr id="1" name=""/>
+        <p:cNvGrpSpPr/>
+        <p:nvPr/>
+      </p:nvGrpSpPr>
+      <p:grpSpPr>
+        <a:xfrm>
+          <a:off x="0" y="0"/>
+          <a:ext cx="0" cy="0"/>
+          <a:chOff x="0" y="0"/>
+          <a:chExt cx="0" cy="0"/>
+        </a:xfrm>
+      </p:grpSpPr>
+      <p:sp>
+        <p:nvSpPr>
+          <p:cNvPr id="2" name="제목 1"/>
+          <p:cNvSpPr>
+            <a:spLocks noGrp="1"/>
+          </p:cNvSpPr>
+          <p:nvPr>
+            <p:ph type="title"/>
+          </p:nvPr>
+        </p:nvSpPr>
+        <p:spPr/>
+        <p:txBody>
+          <a:bodyPr>
+            <a:normAutofit/>
+          </a:bodyPr>
+          <a:lstStyle/>
+          <a:p>
+            <a:pPr algn="l"/>
+            <a:r>
+              <a:rPr lang="ko-KR" altLang="en-US" sz="4000" dirty="0">
+                <a:latin typeface="KoPubWorld돋움체_Pro Bold" panose="00000800000000000000" pitchFamily="50" charset="-127"/>
+                <a:ea typeface="KoPubWorld돋움체_Pro Bold" panose="00000800000000000000" pitchFamily="50" charset="-127"/>
+                <a:cs typeface="KoPubWorld돋움체_Pro Bold" panose="00000800000000000000" pitchFamily="50" charset="-127"/>
+              </a:rPr>
+              <a:t>데이터 병합 및 정제 과정</a:t>
+            </a:r>
+          </a:p>
+        </p:txBody>
+      </p:sp>
+      <p:sp>
+        <p:nvSpPr>
+          <p:cNvPr id="3" name="내용 개체 틀 2"/>
+          <p:cNvSpPr>
+            <a:spLocks noGrp="1"/>
+          </p:cNvSpPr>
+          <p:nvPr>
+            <p:ph idx="1"/>
+          </p:nvPr>
+        </p:nvSpPr>
+        <p:spPr>
+          <a:xfrm>
+            <a:off x="457200" y="1608429"/>
+            <a:ext cx="8229600" cy="884468"/>
+          </a:xfrm>
+        </p:spPr>
+        <p:txBody>
+          <a:bodyPr>
+            <a:normAutofit/>
+          </a:bodyPr>
+          <a:lstStyle/>
+          <a:p>
+            <a:pPr marL="0" indent="0">
+              <a:buNone/>
+            </a:pPr>
+            <a:r>
+              <a:rPr lang="en-US" altLang="ko-KR" sz="2400" u="sng" dirty="0">
+                <a:latin typeface="KoPubWorld돋움체_Pro Bold" panose="00000800000000000000" pitchFamily="50" charset="-127"/>
+                <a:ea typeface="KoPubWorld돋움체_Pro Bold" panose="00000800000000000000" pitchFamily="50" charset="-127"/>
+                <a:cs typeface="KoPubWorld돋움체_Pro Bold" panose="00000800000000000000" pitchFamily="50" charset="-127"/>
+              </a:rPr>
+              <a:t>Orders</a:t>
+            </a:r>
+            <a:r>
+              <a:rPr lang="en-US" altLang="ko-KR" sz="1800" dirty="0">
+                <a:latin typeface="KoPubWorld돋움체_Pro Light" panose="00000300000000000000" pitchFamily="50" charset="-127"/>
+                <a:ea typeface="KoPubWorld돋움체_Pro Light" panose="00000300000000000000" pitchFamily="50" charset="-127"/>
+                <a:cs typeface="KoPubWorld돋움체_Pro Light" panose="00000300000000000000" pitchFamily="50" charset="-127"/>
+              </a:rPr>
+              <a:t> </a:t>
+            </a:r>
+            <a:r>
+              <a:rPr lang="ko-KR" altLang="en-US" sz="1800" dirty="0">
+                <a:latin typeface="KoPubWorld돋움체_Pro Light" panose="00000300000000000000" pitchFamily="50" charset="-127"/>
+                <a:ea typeface="KoPubWorld돋움체_Pro Light" panose="00000300000000000000" pitchFamily="50" charset="-127"/>
+                <a:cs typeface="KoPubWorld돋움체_Pro Light" panose="00000300000000000000" pitchFamily="50" charset="-127"/>
+              </a:rPr>
+              <a:t>데이터가 너무 커</a:t>
+            </a:r>
+            <a:endParaRPr lang="en-US" altLang="ko-KR" sz="1800" dirty="0">
+              <a:latin typeface="KoPubWorld돋움체_Pro Light" panose="00000300000000000000" pitchFamily="50" charset="-127"/>
+              <a:ea typeface="KoPubWorld돋움체_Pro Light" panose="00000300000000000000" pitchFamily="50" charset="-127"/>
+              <a:cs typeface="KoPubWorld돋움체_Pro Light" panose="00000300000000000000" pitchFamily="50" charset="-127"/>
+            </a:endParaRPr>
+          </a:p>
+          <a:p>
+            <a:pPr marL="0" indent="0">
+              <a:buNone/>
+            </a:pPr>
+            <a:r>
+              <a:rPr lang="ko-KR" altLang="en-US" sz="1800" u="sng" dirty="0">
+                <a:latin typeface="KoPubWorld돋움체_Pro Bold" panose="00000800000000000000" pitchFamily="50" charset="-127"/>
+                <a:ea typeface="KoPubWorld돋움체_Pro Bold" panose="00000800000000000000" pitchFamily="50" charset="-127"/>
+                <a:cs typeface="KoPubWorld돋움체_Pro Bold" panose="00000800000000000000" pitchFamily="50" charset="-127"/>
+              </a:rPr>
+              <a:t>총 구매횟수 상위 </a:t>
+            </a:r>
+            <a:r>
+              <a:rPr lang="en-US" altLang="ko-KR" sz="1800" u="sng" dirty="0">
+                <a:latin typeface="KoPubWorld돋움체_Pro Bold" panose="00000800000000000000" pitchFamily="50" charset="-127"/>
+                <a:ea typeface="KoPubWorld돋움체_Pro Bold" panose="00000800000000000000" pitchFamily="50" charset="-127"/>
+                <a:cs typeface="KoPubWorld돋움체_Pro Bold" panose="00000800000000000000" pitchFamily="50" charset="-127"/>
+              </a:rPr>
+              <a:t>20</a:t>
+            </a:r>
+            <a:r>
+              <a:rPr lang="ko-KR" altLang="en-US" sz="1800" u="sng" dirty="0">
+                <a:latin typeface="KoPubWorld돋움체_Pro Bold" panose="00000800000000000000" pitchFamily="50" charset="-127"/>
+                <a:ea typeface="KoPubWorld돋움체_Pro Bold" panose="00000800000000000000" pitchFamily="50" charset="-127"/>
+                <a:cs typeface="KoPubWorld돋움체_Pro Bold" panose="00000800000000000000" pitchFamily="50" charset="-127"/>
+              </a:rPr>
+              <a:t>퍼센트의 고객만 정제 후</a:t>
+            </a:r>
+            <a:r>
+              <a:rPr lang="en-US" altLang="ko-KR" sz="1800" u="sng" dirty="0">
+                <a:latin typeface="KoPubWorld돋움체_Pro Bold" panose="00000800000000000000" pitchFamily="50" charset="-127"/>
+                <a:ea typeface="KoPubWorld돋움체_Pro Bold" panose="00000800000000000000" pitchFamily="50" charset="-127"/>
+                <a:cs typeface="KoPubWorld돋움체_Pro Bold" panose="00000800000000000000" pitchFamily="50" charset="-127"/>
+              </a:rPr>
+              <a:t> </a:t>
+            </a:r>
+            <a:r>
+              <a:rPr lang="ko-KR" altLang="en-US" sz="1800" u="sng" dirty="0" err="1">
+                <a:latin typeface="KoPubWorld돋움체_Pro Bold" panose="00000800000000000000" pitchFamily="50" charset="-127"/>
+                <a:ea typeface="KoPubWorld돋움체_Pro Bold" panose="00000800000000000000" pitchFamily="50" charset="-127"/>
+                <a:cs typeface="KoPubWorld돋움체_Pro Bold" panose="00000800000000000000" pitchFamily="50" charset="-127"/>
+              </a:rPr>
+              <a:t>결측치를</a:t>
+            </a:r>
+            <a:r>
+              <a:rPr lang="ko-KR" altLang="en-US" sz="1800" u="sng" dirty="0">
+                <a:latin typeface="KoPubWorld돋움체_Pro Bold" panose="00000800000000000000" pitchFamily="50" charset="-127"/>
+                <a:ea typeface="KoPubWorld돋움체_Pro Bold" panose="00000800000000000000" pitchFamily="50" charset="-127"/>
+                <a:cs typeface="KoPubWorld돋움체_Pro Bold" panose="00000800000000000000" pitchFamily="50" charset="-127"/>
+              </a:rPr>
+              <a:t> 각 </a:t>
+            </a:r>
+            <a:r>
+              <a:rPr lang="en-US" altLang="ko-KR" sz="1800" u="sng" dirty="0" err="1">
+                <a:latin typeface="KoPubWorld돋움체_Pro Bold" panose="00000800000000000000" pitchFamily="50" charset="-127"/>
+                <a:ea typeface="KoPubWorld돋움체_Pro Bold" panose="00000800000000000000" pitchFamily="50" charset="-127"/>
+                <a:cs typeface="KoPubWorld돋움체_Pro Bold" panose="00000800000000000000" pitchFamily="50" charset="-127"/>
+              </a:rPr>
+              <a:t>user_id</a:t>
+            </a:r>
+            <a:r>
+              <a:rPr lang="ko-KR" altLang="en-US" sz="1800" u="sng" dirty="0">
+                <a:latin typeface="KoPubWorld돋움체_Pro Bold" panose="00000800000000000000" pitchFamily="50" charset="-127"/>
+                <a:ea typeface="KoPubWorld돋움체_Pro Bold" panose="00000800000000000000" pitchFamily="50" charset="-127"/>
+                <a:cs typeface="KoPubWorld돋움체_Pro Bold" panose="00000800000000000000" pitchFamily="50" charset="-127"/>
+              </a:rPr>
+              <a:t>의 평균값으로 대체</a:t>
+            </a:r>
+          </a:p>
+        </p:txBody>
+      </p:sp>
+      <p:pic>
+        <p:nvPicPr>
+          <p:cNvPr id="7" name="그림 6">
+            <a:extLst>
+              <a:ext uri="{FF2B5EF4-FFF2-40B4-BE49-F238E27FC236}">
+                <a16:creationId xmlns:a16="http://schemas.microsoft.com/office/drawing/2014/main" id="{7560BD2B-3590-4941-80DD-BA9CEA86AFB8}"/>
+              </a:ext>
+            </a:extLst>
+          </p:cNvPr>
+          <p:cNvPicPr>
+            <a:picLocks noChangeAspect="1"/>
+          </p:cNvPicPr>
+          <p:nvPr/>
+        </p:nvPicPr>
+        <p:blipFill>
+          <a:blip r:embed="rId2">
+            <a:extLst>
+              <a:ext uri="{28A0092B-C50C-407E-A947-70E740481C1C}">
+                <a14:useLocalDpi xmlns:a14="http://schemas.microsoft.com/office/drawing/2010/main" val="0"/>
+              </a:ext>
+            </a:extLst>
+          </a:blip>
+          <a:stretch>
+            <a:fillRect/>
+          </a:stretch>
+        </p:blipFill>
+        <p:spPr>
+          <a:xfrm>
+            <a:off x="539552" y="2780928"/>
+            <a:ext cx="5187351" cy="1744695"/>
+          </a:xfrm>
+          <a:prstGeom prst="rect">
+            <a:avLst/>
+          </a:prstGeom>
+        </p:spPr>
+      </p:pic>
+      <p:pic>
+        <p:nvPicPr>
+          <p:cNvPr id="6" name="그림 5">
+            <a:extLst>
+              <a:ext uri="{FF2B5EF4-FFF2-40B4-BE49-F238E27FC236}">
+                <a16:creationId xmlns:a16="http://schemas.microsoft.com/office/drawing/2014/main" id="{3247C58B-67C1-49B0-B3DF-92A3E7F8A639}"/>
+              </a:ext>
+            </a:extLst>
+          </p:cNvPr>
+          <p:cNvPicPr>
+            <a:picLocks noChangeAspect="1"/>
+          </p:cNvPicPr>
+          <p:nvPr/>
+        </p:nvPicPr>
+        <p:blipFill>
+          <a:blip r:embed="rId3">
+            <a:extLst>
+              <a:ext uri="{28A0092B-C50C-407E-A947-70E740481C1C}">
+                <a14:useLocalDpi xmlns:a14="http://schemas.microsoft.com/office/drawing/2010/main" val="0"/>
+              </a:ext>
+            </a:extLst>
+          </a:blip>
+          <a:stretch>
+            <a:fillRect/>
+          </a:stretch>
+        </p:blipFill>
+        <p:spPr>
+          <a:xfrm>
+            <a:off x="457200" y="4747719"/>
+            <a:ext cx="6149764" cy="1497395"/>
+          </a:xfrm>
+          <a:prstGeom prst="rect">
+            <a:avLst/>
+          </a:prstGeom>
+        </p:spPr>
+      </p:pic>
+    </p:spTree>
+    <p:extLst>
+      <p:ext uri="{BB962C8B-B14F-4D97-AF65-F5344CB8AC3E}">
+        <p14:creationId xmlns:p14="http://schemas.microsoft.com/office/powerpoint/2010/main" val="1016011376"/>
+      </p:ext>
+    </p:extLst>
+  </p:cSld>
+  <p:clrMapOvr>
+    <a:masterClrMapping/>
+  </p:clrMapOvr>
+</p:sld>
+</file>
+
+<file path=ppt/slides/slide21.xml><?xml version="1.0" encoding="utf-8"?>
+<p:sld xmlns:a="http://schemas.openxmlformats.org/drawingml/2006/main" xmlns:r="http://schemas.openxmlformats.org/officeDocument/2006/relationships" xmlns:p="http://schemas.openxmlformats.org/presentationml/2006/main">
+  <p:cSld>
+    <p:spTree>
+      <p:nvGrpSpPr>
+        <p:cNvPr id="1" name=""/>
+        <p:cNvGrpSpPr/>
+        <p:nvPr/>
+      </p:nvGrpSpPr>
+      <p:grpSpPr>
+        <a:xfrm>
+          <a:off x="0" y="0"/>
+          <a:ext cx="0" cy="0"/>
+          <a:chOff x="0" y="0"/>
+          <a:chExt cx="0" cy="0"/>
+        </a:xfrm>
+      </p:grpSpPr>
+      <p:sp>
+        <p:nvSpPr>
+          <p:cNvPr id="3" name="내용 개체 틀 2">
+            <a:extLst>
+              <a:ext uri="{FF2B5EF4-FFF2-40B4-BE49-F238E27FC236}">
+                <a16:creationId xmlns:a16="http://schemas.microsoft.com/office/drawing/2014/main" id="{8E713103-E773-41A1-AA96-3BEB151C1E7C}"/>
+              </a:ext>
+            </a:extLst>
+          </p:cNvPr>
+          <p:cNvSpPr>
+            <a:spLocks noGrp="1"/>
+          </p:cNvSpPr>
+          <p:nvPr>
+            <p:ph idx="1"/>
+          </p:nvPr>
+        </p:nvSpPr>
+        <p:spPr>
+          <a:xfrm>
+            <a:off x="899592" y="1484784"/>
+            <a:ext cx="4258816" cy="1008112"/>
+          </a:xfrm>
+        </p:spPr>
+        <p:txBody>
+          <a:bodyPr/>
+          <a:lstStyle/>
+          <a:p>
+            <a:pPr marL="0" indent="0">
+              <a:buNone/>
+            </a:pPr>
+            <a:r>
+              <a:rPr lang="en-US" altLang="ko-KR" dirty="0" err="1">
+                <a:latin typeface="KoPubWorld돋움체_Pro Bold" panose="00000800000000000000" pitchFamily="50" charset="-127"/>
+                <a:ea typeface="KoPubWorld돋움체_Pro Bold" panose="00000800000000000000" pitchFamily="50" charset="-127"/>
+                <a:cs typeface="KoPubWorld돋움체_Pro Bold" panose="00000800000000000000" pitchFamily="50" charset="-127"/>
+              </a:rPr>
+              <a:t>Order_products</a:t>
+            </a:r>
+            <a:endParaRPr lang="en-US" altLang="ko-KR" dirty="0">
+              <a:latin typeface="KoPubWorld돋움체_Pro Bold" panose="00000800000000000000" pitchFamily="50" charset="-127"/>
+              <a:ea typeface="KoPubWorld돋움체_Pro Bold" panose="00000800000000000000" pitchFamily="50" charset="-127"/>
+              <a:cs typeface="KoPubWorld돋움체_Pro Bold" panose="00000800000000000000" pitchFamily="50" charset="-127"/>
+            </a:endParaRPr>
+          </a:p>
+          <a:p>
+            <a:pPr marL="0" indent="0">
+              <a:buNone/>
+            </a:pPr>
+            <a:r>
+              <a:rPr lang="en-US" altLang="ko-KR" sz="2000" dirty="0" err="1">
+                <a:latin typeface="KoPubWorld돋움체_Pro Light" panose="00000300000000000000" pitchFamily="50" charset="-127"/>
+                <a:ea typeface="KoPubWorld돋움체_Pro Light" panose="00000300000000000000" pitchFamily="50" charset="-127"/>
+                <a:cs typeface="KoPubWorld돋움체_Pro Light" panose="00000300000000000000" pitchFamily="50" charset="-127"/>
+              </a:rPr>
+              <a:t>Product_id</a:t>
+            </a:r>
+            <a:r>
+              <a:rPr lang="ko-KR" altLang="en-US" sz="2000" dirty="0">
+                <a:latin typeface="KoPubWorld돋움체_Pro Light" panose="00000300000000000000" pitchFamily="50" charset="-127"/>
+                <a:ea typeface="KoPubWorld돋움체_Pro Light" panose="00000300000000000000" pitchFamily="50" charset="-127"/>
+                <a:cs typeface="KoPubWorld돋움체_Pro Light" panose="00000300000000000000" pitchFamily="50" charset="-127"/>
+              </a:rPr>
+              <a:t>를 기준으로 </a:t>
+            </a:r>
+            <a:r>
+              <a:rPr lang="en-US" altLang="ko-KR" sz="2000" dirty="0">
+                <a:latin typeface="KoPubWorld돋움체_Pro Light" panose="00000300000000000000" pitchFamily="50" charset="-127"/>
+                <a:ea typeface="KoPubWorld돋움체_Pro Light" panose="00000300000000000000" pitchFamily="50" charset="-127"/>
+                <a:cs typeface="KoPubWorld돋움체_Pro Light" panose="00000300000000000000" pitchFamily="50" charset="-127"/>
+              </a:rPr>
+              <a:t>20% </a:t>
+            </a:r>
+            <a:r>
+              <a:rPr lang="ko-KR" altLang="en-US" sz="2000" u="sng" dirty="0" err="1">
+                <a:latin typeface="KoPubWorld돋움체_Pro Light" panose="00000300000000000000" pitchFamily="50" charset="-127"/>
+                <a:ea typeface="KoPubWorld돋움체_Pro Light" panose="00000300000000000000" pitchFamily="50" charset="-127"/>
+                <a:cs typeface="KoPubWorld돋움체_Pro Light" panose="00000300000000000000" pitchFamily="50" charset="-127"/>
+              </a:rPr>
+              <a:t>층화추출</a:t>
+            </a:r>
+            <a:endParaRPr lang="ko-KR" altLang="en-US" sz="2000" u="sng" dirty="0">
+              <a:latin typeface="KoPubWorld돋움체_Pro Light" panose="00000300000000000000" pitchFamily="50" charset="-127"/>
+              <a:ea typeface="KoPubWorld돋움체_Pro Light" panose="00000300000000000000" pitchFamily="50" charset="-127"/>
+              <a:cs typeface="KoPubWorld돋움체_Pro Light" panose="00000300000000000000" pitchFamily="50" charset="-127"/>
+            </a:endParaRPr>
+          </a:p>
+        </p:txBody>
+      </p:sp>
+      <p:pic>
+        <p:nvPicPr>
+          <p:cNvPr id="4" name="그림 3">
+            <a:extLst>
+              <a:ext uri="{FF2B5EF4-FFF2-40B4-BE49-F238E27FC236}">
+                <a16:creationId xmlns:a16="http://schemas.microsoft.com/office/drawing/2014/main" id="{F3AB68A6-73B8-4B55-9B7A-4371AE05BD84}"/>
+              </a:ext>
+            </a:extLst>
+          </p:cNvPr>
+          <p:cNvPicPr>
+            <a:picLocks noChangeAspect="1"/>
+          </p:cNvPicPr>
+          <p:nvPr/>
+        </p:nvPicPr>
+        <p:blipFill>
+          <a:blip r:embed="rId2">
+            <a:extLst>
+              <a:ext uri="{28A0092B-C50C-407E-A947-70E740481C1C}">
+                <a14:useLocalDpi xmlns:a14="http://schemas.microsoft.com/office/drawing/2010/main" val="0"/>
+              </a:ext>
+            </a:extLst>
+          </a:blip>
+          <a:stretch>
+            <a:fillRect/>
+          </a:stretch>
+        </p:blipFill>
+        <p:spPr>
+          <a:xfrm>
+            <a:off x="899592" y="2520762"/>
+            <a:ext cx="5712711" cy="3267342"/>
+          </a:xfrm>
+          <a:prstGeom prst="rect">
+            <a:avLst/>
+          </a:prstGeom>
+        </p:spPr>
+      </p:pic>
+    </p:spTree>
+    <p:extLst>
+      <p:ext uri="{BB962C8B-B14F-4D97-AF65-F5344CB8AC3E}">
+        <p14:creationId xmlns:p14="http://schemas.microsoft.com/office/powerpoint/2010/main" val="1607206356"/>
+      </p:ext>
+    </p:extLst>
+  </p:cSld>
+  <p:clrMapOvr>
+    <a:masterClrMapping/>
+  </p:clrMapOvr>
+</p:sld>
+</file>
+
+<file path=ppt/slides/slide22.xml><?xml version="1.0" encoding="utf-8"?>
+<p:sld xmlns:a="http://schemas.openxmlformats.org/drawingml/2006/main" xmlns:r="http://schemas.openxmlformats.org/officeDocument/2006/relationships" xmlns:p="http://schemas.openxmlformats.org/presentationml/2006/main">
+  <p:cSld>
+    <p:spTree>
+      <p:nvGrpSpPr>
+        <p:cNvPr id="1" name=""/>
+        <p:cNvGrpSpPr/>
+        <p:nvPr/>
+      </p:nvGrpSpPr>
+      <p:grpSpPr>
+        <a:xfrm>
+          <a:off x="0" y="0"/>
+          <a:ext cx="0" cy="0"/>
+          <a:chOff x="0" y="0"/>
+          <a:chExt cx="0" cy="0"/>
+        </a:xfrm>
+      </p:grpSpPr>
+      <p:sp>
+        <p:nvSpPr>
+          <p:cNvPr id="3" name="내용 개체 틀 2">
+            <a:extLst>
+              <a:ext uri="{FF2B5EF4-FFF2-40B4-BE49-F238E27FC236}">
+                <a16:creationId xmlns:a16="http://schemas.microsoft.com/office/drawing/2014/main" id="{6438056E-4FE5-4F8E-893E-38C11713D401}"/>
+              </a:ext>
+            </a:extLst>
+          </p:cNvPr>
+          <p:cNvSpPr>
+            <a:spLocks noGrp="1"/>
+          </p:cNvSpPr>
+          <p:nvPr>
+            <p:ph idx="1"/>
+          </p:nvPr>
+        </p:nvSpPr>
+        <p:spPr>
+          <a:xfrm>
+            <a:off x="395536" y="1616735"/>
+            <a:ext cx="5040560" cy="648072"/>
+          </a:xfrm>
+        </p:spPr>
+        <p:txBody>
+          <a:bodyPr/>
+          <a:lstStyle/>
+          <a:p>
+            <a:pPr marL="0" indent="0">
+              <a:buNone/>
+            </a:pPr>
+            <a:r>
+              <a:rPr lang="en-US" altLang="ko-KR" dirty="0" err="1">
+                <a:latin typeface="KoPubWorld돋움체_Pro Bold" panose="00000800000000000000" pitchFamily="50" charset="-127"/>
+                <a:ea typeface="KoPubWorld돋움체_Pro Bold" panose="00000800000000000000" pitchFamily="50" charset="-127"/>
+                <a:cs typeface="KoPubWorld돋움체_Pro Bold" panose="00000800000000000000" pitchFamily="50" charset="-127"/>
+              </a:rPr>
+              <a:t>Order_details</a:t>
+            </a:r>
+            <a:endParaRPr lang="en-US" altLang="ko-KR" dirty="0">
+              <a:latin typeface="KoPubWorld돋움체_Pro Bold" panose="00000800000000000000" pitchFamily="50" charset="-127"/>
+              <a:ea typeface="KoPubWorld돋움체_Pro Bold" panose="00000800000000000000" pitchFamily="50" charset="-127"/>
+              <a:cs typeface="KoPubWorld돋움체_Pro Bold" panose="00000800000000000000" pitchFamily="50" charset="-127"/>
+            </a:endParaRPr>
+          </a:p>
+          <a:p>
+            <a:pPr marL="0" indent="0">
+              <a:buNone/>
+            </a:pPr>
+            <a:endParaRPr lang="ko-KR" altLang="en-US" dirty="0">
+              <a:latin typeface="KoPubWorld돋움체_Pro Bold" panose="00000800000000000000" pitchFamily="50" charset="-127"/>
+              <a:ea typeface="KoPubWorld돋움체_Pro Bold" panose="00000800000000000000" pitchFamily="50" charset="-127"/>
+              <a:cs typeface="KoPubWorld돋움체_Pro Bold" panose="00000800000000000000" pitchFamily="50" charset="-127"/>
+            </a:endParaRPr>
+          </a:p>
+        </p:txBody>
+      </p:sp>
+      <p:pic>
+        <p:nvPicPr>
+          <p:cNvPr id="7" name="그림 6">
+            <a:extLst>
+              <a:ext uri="{FF2B5EF4-FFF2-40B4-BE49-F238E27FC236}">
+                <a16:creationId xmlns:a16="http://schemas.microsoft.com/office/drawing/2014/main" id="{75CA772C-9371-442C-98CF-F38F88AF8B4A}"/>
+              </a:ext>
+            </a:extLst>
+          </p:cNvPr>
+          <p:cNvPicPr>
+            <a:picLocks noChangeAspect="1"/>
+          </p:cNvPicPr>
+          <p:nvPr/>
+        </p:nvPicPr>
+        <p:blipFill rotWithShape="1">
+          <a:blip r:embed="rId2">
+            <a:extLst>
+              <a:ext uri="{28A0092B-C50C-407E-A947-70E740481C1C}">
+                <a14:useLocalDpi xmlns:a14="http://schemas.microsoft.com/office/drawing/2010/main" val="0"/>
+              </a:ext>
+            </a:extLst>
+          </a:blip>
+          <a:srcRect b="57603"/>
+          <a:stretch/>
+        </p:blipFill>
+        <p:spPr>
+          <a:xfrm>
+            <a:off x="395536" y="3933056"/>
+            <a:ext cx="5516020" cy="1520332"/>
+          </a:xfrm>
+          <a:prstGeom prst="rect">
+            <a:avLst/>
+          </a:prstGeom>
+        </p:spPr>
+      </p:pic>
+      <p:sp>
+        <p:nvSpPr>
+          <p:cNvPr id="8" name="TextBox 7">
+            <a:extLst>
+              <a:ext uri="{FF2B5EF4-FFF2-40B4-BE49-F238E27FC236}">
+                <a16:creationId xmlns:a16="http://schemas.microsoft.com/office/drawing/2014/main" id="{60C8A4E3-005B-428A-BB44-42F7EED1EECA}"/>
+              </a:ext>
+            </a:extLst>
+          </p:cNvPr>
+          <p:cNvSpPr txBox="1"/>
+          <p:nvPr/>
+        </p:nvSpPr>
+        <p:spPr>
+          <a:xfrm>
+            <a:off x="395536" y="2265808"/>
+            <a:ext cx="5112568" cy="1323439"/>
+          </a:xfrm>
+          <a:prstGeom prst="rect">
+            <a:avLst/>
+          </a:prstGeom>
+          <a:noFill/>
+        </p:spPr>
+        <p:txBody>
+          <a:bodyPr wrap="square" rtlCol="0">
+            <a:spAutoFit/>
+          </a:bodyPr>
+          <a:lstStyle/>
+          <a:p>
+            <a:r>
+              <a:rPr lang="ko-KR" altLang="en-US" sz="1600" dirty="0">
+                <a:latin typeface="KoPubWorld돋움체_Pro Light" panose="00000300000000000000" pitchFamily="50" charset="-127"/>
+                <a:ea typeface="KoPubWorld돋움체_Pro Light" panose="00000300000000000000" pitchFamily="50" charset="-127"/>
+                <a:cs typeface="KoPubWorld돋움체_Pro Light" panose="00000300000000000000" pitchFamily="50" charset="-127"/>
+              </a:rPr>
+              <a:t>주문 정보와 상품 주문 정보를 병합해 </a:t>
+            </a:r>
+            <a:r>
+              <a:rPr lang="en-US" altLang="ko-KR" sz="1600" dirty="0" err="1">
+                <a:latin typeface="KoPubWorld돋움체_Pro Light" panose="00000300000000000000" pitchFamily="50" charset="-127"/>
+                <a:ea typeface="KoPubWorld돋움체_Pro Light" panose="00000300000000000000" pitchFamily="50" charset="-127"/>
+                <a:cs typeface="KoPubWorld돋움체_Pro Light" panose="00000300000000000000" pitchFamily="50" charset="-127"/>
+              </a:rPr>
+              <a:t>Order_details</a:t>
+            </a:r>
+            <a:r>
+              <a:rPr lang="en-US" altLang="ko-KR" sz="1600" dirty="0">
+                <a:latin typeface="KoPubWorld돋움체_Pro Light" panose="00000300000000000000" pitchFamily="50" charset="-127"/>
+                <a:ea typeface="KoPubWorld돋움체_Pro Light" panose="00000300000000000000" pitchFamily="50" charset="-127"/>
+                <a:cs typeface="KoPubWorld돋움체_Pro Light" panose="00000300000000000000" pitchFamily="50" charset="-127"/>
+              </a:rPr>
+              <a:t> </a:t>
+            </a:r>
+          </a:p>
+          <a:p>
+            <a:r>
+              <a:rPr lang="ko-KR" altLang="en-US" sz="1600" dirty="0">
+                <a:latin typeface="KoPubWorld돋움체_Pro Light" panose="00000300000000000000" pitchFamily="50" charset="-127"/>
+                <a:ea typeface="KoPubWorld돋움체_Pro Light" panose="00000300000000000000" pitchFamily="50" charset="-127"/>
+                <a:cs typeface="KoPubWorld돋움체_Pro Light" panose="00000300000000000000" pitchFamily="50" charset="-127"/>
+              </a:rPr>
+              <a:t>데이터를 생성</a:t>
+            </a:r>
+            <a:r>
+              <a:rPr lang="en-US" altLang="ko-KR" sz="1600" dirty="0">
+                <a:latin typeface="KoPubWorld돋움체_Pro Light" panose="00000300000000000000" pitchFamily="50" charset="-127"/>
+                <a:ea typeface="KoPubWorld돋움체_Pro Light" panose="00000300000000000000" pitchFamily="50" charset="-127"/>
+                <a:cs typeface="KoPubWorld돋움체_Pro Light" panose="00000300000000000000" pitchFamily="50" charset="-127"/>
+              </a:rPr>
+              <a:t>.</a:t>
+            </a:r>
+          </a:p>
+          <a:p>
+            <a:endParaRPr lang="en-US" altLang="ko-KR" sz="1600" dirty="0">
+              <a:latin typeface="KoPubWorld돋움체_Pro Light" panose="00000300000000000000" pitchFamily="50" charset="-127"/>
+              <a:ea typeface="KoPubWorld돋움체_Pro Light" panose="00000300000000000000" pitchFamily="50" charset="-127"/>
+              <a:cs typeface="KoPubWorld돋움체_Pro Light" panose="00000300000000000000" pitchFamily="50" charset="-127"/>
+            </a:endParaRPr>
+          </a:p>
+          <a:p>
+            <a:r>
+              <a:rPr lang="ko-KR" altLang="en-US" sz="1600" dirty="0">
+                <a:latin typeface="KoPubWorld돋움체_Pro Light" panose="00000300000000000000" pitchFamily="50" charset="-127"/>
+                <a:ea typeface="KoPubWorld돋움체_Pro Light" panose="00000300000000000000" pitchFamily="50" charset="-127"/>
+                <a:cs typeface="KoPubWorld돋움체_Pro Light" panose="00000300000000000000" pitchFamily="50" charset="-127"/>
+              </a:rPr>
+              <a:t>정제 과정이 있었기에</a:t>
+            </a:r>
+            <a:r>
+              <a:rPr lang="en-US" altLang="ko-KR" sz="1600" dirty="0">
+                <a:latin typeface="KoPubWorld돋움체_Pro Light" panose="00000300000000000000" pitchFamily="50" charset="-127"/>
+                <a:ea typeface="KoPubWorld돋움체_Pro Light" panose="00000300000000000000" pitchFamily="50" charset="-127"/>
+                <a:cs typeface="KoPubWorld돋움체_Pro Light" panose="00000300000000000000" pitchFamily="50" charset="-127"/>
+              </a:rPr>
+              <a:t> </a:t>
+            </a:r>
+            <a:r>
+              <a:rPr lang="ko-KR" altLang="en-US" sz="1600" dirty="0">
+                <a:latin typeface="KoPubWorld돋움체_Pro Light" panose="00000300000000000000" pitchFamily="50" charset="-127"/>
+                <a:ea typeface="KoPubWorld돋움체_Pro Light" panose="00000300000000000000" pitchFamily="50" charset="-127"/>
+                <a:cs typeface="KoPubWorld돋움체_Pro Light" panose="00000300000000000000" pitchFamily="50" charset="-127"/>
+              </a:rPr>
+              <a:t>공통되지 않은 주문이 있을 수 있으므로</a:t>
+            </a:r>
+            <a:r>
+              <a:rPr lang="en-US" altLang="ko-KR" sz="1600" dirty="0">
+                <a:latin typeface="KoPubWorld돋움체_Pro Light" panose="00000300000000000000" pitchFamily="50" charset="-127"/>
+                <a:ea typeface="KoPubWorld돋움체_Pro Light" panose="00000300000000000000" pitchFamily="50" charset="-127"/>
+                <a:cs typeface="KoPubWorld돋움체_Pro Light" panose="00000300000000000000" pitchFamily="50" charset="-127"/>
+              </a:rPr>
+              <a:t>, </a:t>
+            </a:r>
+          </a:p>
+          <a:p>
+            <a:r>
+              <a:rPr lang="en-US" altLang="ko-KR" sz="1600" dirty="0">
+                <a:latin typeface="KoPubWorld돋움체_Pro Light" panose="00000300000000000000" pitchFamily="50" charset="-127"/>
+                <a:ea typeface="KoPubWorld돋움체_Pro Light" panose="00000300000000000000" pitchFamily="50" charset="-127"/>
+                <a:cs typeface="KoPubWorld돋움체_Pro Light" panose="00000300000000000000" pitchFamily="50" charset="-127"/>
+              </a:rPr>
+              <a:t>Merge</a:t>
+            </a:r>
+            <a:r>
+              <a:rPr lang="ko-KR" altLang="en-US" sz="1600" dirty="0">
+                <a:latin typeface="KoPubWorld돋움체_Pro Light" panose="00000300000000000000" pitchFamily="50" charset="-127"/>
+                <a:ea typeface="KoPubWorld돋움체_Pro Light" panose="00000300000000000000" pitchFamily="50" charset="-127"/>
+                <a:cs typeface="KoPubWorld돋움체_Pro Light" panose="00000300000000000000" pitchFamily="50" charset="-127"/>
+              </a:rPr>
+              <a:t>함수의 </a:t>
+            </a:r>
+            <a:r>
+              <a:rPr lang="en-US" altLang="ko-KR" sz="1600" dirty="0">
+                <a:latin typeface="KoPubWorld돋움체_Pro Light" panose="00000300000000000000" pitchFamily="50" charset="-127"/>
+                <a:ea typeface="KoPubWorld돋움체_Pro Light" panose="00000300000000000000" pitchFamily="50" charset="-127"/>
+                <a:cs typeface="KoPubWorld돋움체_Pro Light" panose="00000300000000000000" pitchFamily="50" charset="-127"/>
+              </a:rPr>
+              <a:t>how </a:t>
+            </a:r>
+            <a:r>
+              <a:rPr lang="ko-KR" altLang="en-US" sz="1600" dirty="0">
+                <a:latin typeface="KoPubWorld돋움체_Pro Light" panose="00000300000000000000" pitchFamily="50" charset="-127"/>
+                <a:ea typeface="KoPubWorld돋움체_Pro Light" panose="00000300000000000000" pitchFamily="50" charset="-127"/>
+                <a:cs typeface="KoPubWorld돋움체_Pro Light" panose="00000300000000000000" pitchFamily="50" charset="-127"/>
+              </a:rPr>
+              <a:t>파라미터의 값을 </a:t>
+            </a:r>
+            <a:r>
+              <a:rPr lang="en-US" altLang="ko-KR" sz="1600" dirty="0">
+                <a:latin typeface="KoPubWorld돋움체_Pro Light" panose="00000300000000000000" pitchFamily="50" charset="-127"/>
+                <a:ea typeface="KoPubWorld돋움체_Pro Light" panose="00000300000000000000" pitchFamily="50" charset="-127"/>
+                <a:cs typeface="KoPubWorld돋움체_Pro Light" panose="00000300000000000000" pitchFamily="50" charset="-127"/>
+              </a:rPr>
+              <a:t>‘inner’</a:t>
+            </a:r>
+            <a:r>
+              <a:rPr lang="ko-KR" altLang="en-US" sz="1600" dirty="0">
+                <a:latin typeface="KoPubWorld돋움체_Pro Light" panose="00000300000000000000" pitchFamily="50" charset="-127"/>
+                <a:ea typeface="KoPubWorld돋움체_Pro Light" panose="00000300000000000000" pitchFamily="50" charset="-127"/>
+                <a:cs typeface="KoPubWorld돋움체_Pro Light" panose="00000300000000000000" pitchFamily="50" charset="-127"/>
+              </a:rPr>
+              <a:t>로 적용</a:t>
+            </a:r>
+            <a:r>
+              <a:rPr lang="en-US" altLang="ko-KR" sz="1600" dirty="0">
+                <a:latin typeface="KoPubWorld돋움체_Pro Light" panose="00000300000000000000" pitchFamily="50" charset="-127"/>
+                <a:ea typeface="KoPubWorld돋움체_Pro Light" panose="00000300000000000000" pitchFamily="50" charset="-127"/>
+                <a:cs typeface="KoPubWorld돋움체_Pro Light" panose="00000300000000000000" pitchFamily="50" charset="-127"/>
+              </a:rPr>
+              <a:t>.</a:t>
+            </a:r>
+            <a:r>
+              <a:rPr lang="ko-KR" altLang="en-US" sz="1600" dirty="0">
+                <a:latin typeface="KoPubWorld돋움체_Pro Light" panose="00000300000000000000" pitchFamily="50" charset="-127"/>
+                <a:ea typeface="KoPubWorld돋움체_Pro Light" panose="00000300000000000000" pitchFamily="50" charset="-127"/>
+                <a:cs typeface="KoPubWorld돋움체_Pro Light" panose="00000300000000000000" pitchFamily="50" charset="-127"/>
+              </a:rPr>
+              <a:t> </a:t>
+            </a:r>
+          </a:p>
+        </p:txBody>
+      </p:sp>
+      <p:pic>
+        <p:nvPicPr>
+          <p:cNvPr id="10" name="그림 9">
+            <a:extLst>
+              <a:ext uri="{FF2B5EF4-FFF2-40B4-BE49-F238E27FC236}">
+                <a16:creationId xmlns:a16="http://schemas.microsoft.com/office/drawing/2014/main" id="{99B4F721-9396-4C2C-9562-841EC9E7D81E}"/>
+              </a:ext>
+            </a:extLst>
+          </p:cNvPr>
+          <p:cNvPicPr>
+            <a:picLocks noChangeAspect="1"/>
+          </p:cNvPicPr>
+          <p:nvPr/>
+        </p:nvPicPr>
+        <p:blipFill rotWithShape="1">
+          <a:blip r:embed="rId2">
+            <a:extLst>
+              <a:ext uri="{28A0092B-C50C-407E-A947-70E740481C1C}">
+                <a14:useLocalDpi xmlns:a14="http://schemas.microsoft.com/office/drawing/2010/main" val="0"/>
+              </a:ext>
+            </a:extLst>
+          </a:blip>
+          <a:srcRect l="10625" t="42064" r="59450"/>
+          <a:stretch/>
+        </p:blipFill>
+        <p:spPr>
+          <a:xfrm>
+            <a:off x="6228184" y="2301255"/>
+            <a:ext cx="2335895" cy="2940010"/>
+          </a:xfrm>
+          <a:prstGeom prst="rect">
+            <a:avLst/>
+          </a:prstGeom>
+        </p:spPr>
+      </p:pic>
+    </p:spTree>
+    <p:extLst>
+      <p:ext uri="{BB962C8B-B14F-4D97-AF65-F5344CB8AC3E}">
+        <p14:creationId xmlns:p14="http://schemas.microsoft.com/office/powerpoint/2010/main" val="498350823"/>
+      </p:ext>
+    </p:extLst>
+  </p:cSld>
+  <p:clrMapOvr>
+    <a:masterClrMapping/>
+  </p:clrMapOvr>
+</p:sld>
+</file>
+
+<file path=ppt/slides/slide23.xml><?xml version="1.0" encoding="utf-8"?>
 <p:sld xmlns:a="http://schemas.openxmlformats.org/drawingml/2006/main" xmlns:r="http://schemas.openxmlformats.org/officeDocument/2006/relationships" xmlns:p="http://schemas.openxmlformats.org/presentationml/2006/main">
   <p:cSld>
     <p:spTree>
@@ -7220,7 +8412,7 @@
 </p:sld>
 </file>
 
-<file path=ppt/slides/slide21.xml><?xml version="1.0" encoding="utf-8"?>
+<file path=ppt/slides/slide24.xml><?xml version="1.0" encoding="utf-8"?>
 <p:sld xmlns:a="http://schemas.openxmlformats.org/drawingml/2006/main" xmlns:r="http://schemas.openxmlformats.org/officeDocument/2006/relationships" xmlns:p="http://schemas.openxmlformats.org/presentationml/2006/main">
   <p:cSld>
     <p:spTree>
@@ -7948,7 +9140,7 @@
 </p:sld>
 </file>
 
-<file path=ppt/slides/slide22.xml><?xml version="1.0" encoding="utf-8"?>
+<file path=ppt/slides/slide25.xml><?xml version="1.0" encoding="utf-8"?>
 <p:sld xmlns:a="http://schemas.openxmlformats.org/drawingml/2006/main" xmlns:r="http://schemas.openxmlformats.org/officeDocument/2006/relationships" xmlns:p="http://schemas.openxmlformats.org/presentationml/2006/main">
   <p:cSld>
     <p:spTree>
@@ -8221,7 +9413,7 @@
 </p:sld>
 </file>
 
-<file path=ppt/slides/slide23.xml><?xml version="1.0" encoding="utf-8"?>
+<file path=ppt/slides/slide26.xml><?xml version="1.0" encoding="utf-8"?>
 <p:sld xmlns:a="http://schemas.openxmlformats.org/drawingml/2006/main" xmlns:r="http://schemas.openxmlformats.org/officeDocument/2006/relationships" xmlns:p="http://schemas.openxmlformats.org/presentationml/2006/main">
   <p:cSld>
     <p:spTree>
@@ -8461,7 +9653,7 @@
 </p:sld>
 </file>
 
-<file path=ppt/slides/slide24.xml><?xml version="1.0" encoding="utf-8"?>
+<file path=ppt/slides/slide27.xml><?xml version="1.0" encoding="utf-8"?>
 <p:sld xmlns:a="http://schemas.openxmlformats.org/drawingml/2006/main" xmlns:r="http://schemas.openxmlformats.org/officeDocument/2006/relationships" xmlns:p="http://schemas.openxmlformats.org/presentationml/2006/main">
   <p:cSld>
     <p:spTree>
@@ -8492,8 +9684,8 @@
         </p:nvSpPr>
         <p:spPr>
           <a:xfrm>
-            <a:off x="5436096" y="1982450"/>
-            <a:ext cx="3456384" cy="2677656"/>
+            <a:off x="5364088" y="1982450"/>
+            <a:ext cx="3528392" cy="2739211"/>
           </a:xfrm>
           <a:prstGeom prst="rect">
             <a:avLst/>
@@ -8507,7 +9699,7 @@
           <a:lstStyle/>
           <a:p>
             <a:r>
-              <a:rPr lang="ko-KR" altLang="en-US" sz="2400" dirty="0">
+              <a:rPr lang="ko-KR" altLang="en-US" sz="2800" dirty="0">
                 <a:latin typeface="KoPubWorld돋움체_Pro Bold" panose="00000800000000000000" pitchFamily="50" charset="-127"/>
                 <a:ea typeface="KoPubWorld돋움체_Pro Bold" panose="00000800000000000000" pitchFamily="50" charset="-127"/>
                 <a:cs typeface="KoPubWorld돋움체_Pro Bold" panose="00000800000000000000" pitchFamily="50" charset="-127"/>
@@ -8515,7 +9707,7 @@
               <a:t>고객</a:t>
             </a:r>
             <a:r>
-              <a:rPr lang="en-US" altLang="ko-KR" sz="2400" dirty="0">
+              <a:rPr lang="en-US" altLang="ko-KR" sz="2800" dirty="0">
                 <a:latin typeface="KoPubWorld돋움체_Pro Bold" panose="00000800000000000000" pitchFamily="50" charset="-127"/>
                 <a:ea typeface="KoPubWorld돋움체_Pro Bold" panose="00000800000000000000" pitchFamily="50" charset="-127"/>
                 <a:cs typeface="KoPubWorld돋움체_Pro Bold" panose="00000800000000000000" pitchFamily="50" charset="-127"/>
@@ -8523,14 +9715,14 @@
               <a:t>-</a:t>
             </a:r>
             <a:r>
-              <a:rPr lang="ko-KR" altLang="en-US" sz="2400" dirty="0">
+              <a:rPr lang="ko-KR" altLang="en-US" sz="2800" dirty="0">
                 <a:latin typeface="KoPubWorld돋움체_Pro Bold" panose="00000800000000000000" pitchFamily="50" charset="-127"/>
                 <a:ea typeface="KoPubWorld돋움체_Pro Bold" panose="00000800000000000000" pitchFamily="50" charset="-127"/>
                 <a:cs typeface="KoPubWorld돋움체_Pro Bold" panose="00000800000000000000" pitchFamily="50" charset="-127"/>
               </a:rPr>
               <a:t>상품 조합 정보</a:t>
             </a:r>
-            <a:endParaRPr lang="en-US" altLang="ko-KR" sz="2400" dirty="0">
+            <a:endParaRPr lang="en-US" altLang="ko-KR" sz="2800" dirty="0">
               <a:latin typeface="KoPubWorld돋움체_Pro Bold" panose="00000800000000000000" pitchFamily="50" charset="-127"/>
               <a:ea typeface="KoPubWorld돋움체_Pro Bold" panose="00000800000000000000" pitchFamily="50" charset="-127"/>
               <a:cs typeface="KoPubWorld돋움체_Pro Bold" panose="00000800000000000000" pitchFamily="50" charset="-127"/>
@@ -8771,7 +9963,7 @@
 </p:sld>
 </file>
 
-<file path=ppt/slides/slide25.xml><?xml version="1.0" encoding="utf-8"?>
+<file path=ppt/slides/slide28.xml><?xml version="1.0" encoding="utf-8"?>
 <p:sld xmlns:a="http://schemas.openxmlformats.org/drawingml/2006/main" xmlns:r="http://schemas.openxmlformats.org/officeDocument/2006/relationships" xmlns:p="http://schemas.openxmlformats.org/presentationml/2006/main">
   <p:cSld>
     <p:spTree>
@@ -9062,7 +10254,7 @@
 </p:sld>
 </file>
 
-<file path=ppt/slides/slide26.xml><?xml version="1.0" encoding="utf-8"?>
+<file path=ppt/slides/slide29.xml><?xml version="1.0" encoding="utf-8"?>
 <p:sld xmlns:a="http://schemas.openxmlformats.org/drawingml/2006/main" xmlns:r="http://schemas.openxmlformats.org/officeDocument/2006/relationships" xmlns:p="http://schemas.openxmlformats.org/presentationml/2006/main">
   <p:cSld>
     <p:spTree>
@@ -9315,7 +10507,170 @@
 </p:sld>
 </file>
 
-<file path=ppt/slides/slide27.xml><?xml version="1.0" encoding="utf-8"?>
+<file path=ppt/slides/slide3.xml><?xml version="1.0" encoding="utf-8"?>
+<p:sld xmlns:a="http://schemas.openxmlformats.org/drawingml/2006/main" xmlns:r="http://schemas.openxmlformats.org/officeDocument/2006/relationships" xmlns:p="http://schemas.openxmlformats.org/presentationml/2006/main">
+  <p:cSld>
+    <p:spTree>
+      <p:nvGrpSpPr>
+        <p:cNvPr id="1" name=""/>
+        <p:cNvGrpSpPr/>
+        <p:nvPr/>
+      </p:nvGrpSpPr>
+      <p:grpSpPr>
+        <a:xfrm>
+          <a:off x="0" y="0"/>
+          <a:ext cx="0" cy="0"/>
+          <a:chOff x="0" y="0"/>
+          <a:chExt cx="0" cy="0"/>
+        </a:xfrm>
+      </p:grpSpPr>
+      <p:sp>
+        <p:nvSpPr>
+          <p:cNvPr id="2" name="제목 1">
+            <a:extLst>
+              <a:ext uri="{FF2B5EF4-FFF2-40B4-BE49-F238E27FC236}">
+                <a16:creationId xmlns:a16="http://schemas.microsoft.com/office/drawing/2014/main" id="{BE543D4D-BF82-45E2-AD5A-9D32D6F5EF39}"/>
+              </a:ext>
+            </a:extLst>
+          </p:cNvPr>
+          <p:cNvSpPr>
+            <a:spLocks noGrp="1"/>
+          </p:cNvSpPr>
+          <p:nvPr>
+            <p:ph type="title"/>
+          </p:nvPr>
+        </p:nvSpPr>
+        <p:spPr>
+          <a:xfrm>
+            <a:off x="5796136" y="2420888"/>
+            <a:ext cx="2890664" cy="2659732"/>
+          </a:xfrm>
+        </p:spPr>
+        <p:txBody>
+          <a:bodyPr>
+            <a:normAutofit/>
+          </a:bodyPr>
+          <a:lstStyle/>
+          <a:p>
+            <a:pPr algn="r">
+              <a:lnSpc>
+                <a:spcPct val="60000"/>
+              </a:lnSpc>
+            </a:pPr>
+            <a:r>
+              <a:rPr lang="ko-KR" altLang="en-US" sz="7200" dirty="0">
+                <a:latin typeface="KoPubWorld돋움체_Pro Bold" panose="00000800000000000000" pitchFamily="50" charset="-127"/>
+                <a:ea typeface="KoPubWorld돋움체_Pro Bold" panose="00000800000000000000" pitchFamily="50" charset="-127"/>
+                <a:cs typeface="KoPubWorld돋움체_Pro Bold" panose="00000800000000000000" pitchFamily="50" charset="-127"/>
+              </a:rPr>
+              <a:t>서론</a:t>
+            </a:r>
+            <a:br>
+              <a:rPr lang="en-US" altLang="ko-KR" sz="7200" dirty="0">
+                <a:latin typeface="KoPubWorld돋움체_Pro Bold" panose="00000800000000000000" pitchFamily="50" charset="-127"/>
+                <a:ea typeface="KoPubWorld돋움체_Pro Bold" panose="00000800000000000000" pitchFamily="50" charset="-127"/>
+                <a:cs typeface="KoPubWorld돋움체_Pro Bold" panose="00000800000000000000" pitchFamily="50" charset="-127"/>
+              </a:rPr>
+            </a:br>
+            <a:r>
+              <a:rPr lang="en-US" altLang="ko-KR" sz="2000" dirty="0">
+                <a:solidFill>
+                  <a:schemeClr val="tx1">
+                    <a:lumMod val="50000"/>
+                    <a:lumOff val="50000"/>
+                  </a:schemeClr>
+                </a:solidFill>
+                <a:latin typeface="KoPubWorld돋움체_Pro Light" panose="00000300000000000000" pitchFamily="50" charset="-127"/>
+                <a:ea typeface="KoPubWorld돋움체_Pro Light" panose="00000300000000000000" pitchFamily="50" charset="-127"/>
+                <a:cs typeface="KoPubWorld돋움체_Pro Light" panose="00000300000000000000" pitchFamily="50" charset="-127"/>
+              </a:rPr>
+              <a:t>Introduction of </a:t>
+            </a:r>
+            <a:r>
+              <a:rPr lang="en-US" altLang="ko-KR" sz="2000" dirty="0" err="1">
+                <a:solidFill>
+                  <a:schemeClr val="tx1">
+                    <a:lumMod val="50000"/>
+                    <a:lumOff val="50000"/>
+                  </a:schemeClr>
+                </a:solidFill>
+                <a:latin typeface="KoPubWorld돋움체_Pro Light" panose="00000300000000000000" pitchFamily="50" charset="-127"/>
+                <a:ea typeface="KoPubWorld돋움체_Pro Light" panose="00000300000000000000" pitchFamily="50" charset="-127"/>
+                <a:cs typeface="KoPubWorld돋움체_Pro Light" panose="00000300000000000000" pitchFamily="50" charset="-127"/>
+              </a:rPr>
+              <a:t>prject</a:t>
+            </a:r>
+            <a:endParaRPr lang="ko-KR" altLang="en-US" sz="7200" dirty="0">
+              <a:solidFill>
+                <a:schemeClr val="tx1">
+                  <a:lumMod val="50000"/>
+                  <a:lumOff val="50000"/>
+                </a:schemeClr>
+              </a:solidFill>
+              <a:latin typeface="KoPubWorld돋움체_Pro Light" panose="00000300000000000000" pitchFamily="50" charset="-127"/>
+              <a:ea typeface="KoPubWorld돋움체_Pro Light" panose="00000300000000000000" pitchFamily="50" charset="-127"/>
+              <a:cs typeface="KoPubWorld돋움체_Pro Light" panose="00000300000000000000" pitchFamily="50" charset="-127"/>
+            </a:endParaRPr>
+          </a:p>
+        </p:txBody>
+      </p:sp>
+      <p:cxnSp>
+        <p:nvCxnSpPr>
+          <p:cNvPr id="7" name="직선 연결선 6">
+            <a:extLst>
+              <a:ext uri="{FF2B5EF4-FFF2-40B4-BE49-F238E27FC236}">
+                <a16:creationId xmlns:a16="http://schemas.microsoft.com/office/drawing/2014/main" id="{9018FB01-2076-473D-B592-E712C2453950}"/>
+              </a:ext>
+            </a:extLst>
+          </p:cNvPr>
+          <p:cNvCxnSpPr>
+            <a:cxnSpLocks/>
+          </p:cNvCxnSpPr>
+          <p:nvPr/>
+        </p:nvCxnSpPr>
+        <p:spPr>
+          <a:xfrm>
+            <a:off x="7020272" y="2924944"/>
+            <a:ext cx="1512168" cy="0"/>
+          </a:xfrm>
+          <a:prstGeom prst="line">
+            <a:avLst/>
+          </a:prstGeom>
+          <a:ln w="57150">
+            <a:solidFill>
+              <a:schemeClr val="tx1"/>
+            </a:solidFill>
+          </a:ln>
+        </p:spPr>
+        <p:style>
+          <a:lnRef idx="1">
+            <a:schemeClr val="accent1"/>
+          </a:lnRef>
+          <a:fillRef idx="0">
+            <a:schemeClr val="accent1"/>
+          </a:fillRef>
+          <a:effectRef idx="0">
+            <a:schemeClr val="accent1"/>
+          </a:effectRef>
+          <a:fontRef idx="minor">
+            <a:schemeClr val="tx1"/>
+          </a:fontRef>
+        </p:style>
+      </p:cxnSp>
+    </p:spTree>
+    <p:extLst>
+      <p:ext uri="{BB962C8B-B14F-4D97-AF65-F5344CB8AC3E}">
+        <p14:creationId xmlns:p14="http://schemas.microsoft.com/office/powerpoint/2010/main" val="3638946386"/>
+      </p:ext>
+    </p:extLst>
+  </p:cSld>
+  <p:clrMapOvr>
+    <a:masterClrMapping/>
+  </p:clrMapOvr>
+</p:sld>
+</file>
+
+<file path=ppt/slides/slide30.xml><?xml version="1.0" encoding="utf-8"?>
 <p:sld xmlns:a="http://schemas.openxmlformats.org/drawingml/2006/main" xmlns:r="http://schemas.openxmlformats.org/officeDocument/2006/relationships" xmlns:p="http://schemas.openxmlformats.org/presentationml/2006/main">
   <p:cSld>
     <p:spTree>
@@ -9348,7 +10703,7 @@
         </p:nvSpPr>
         <p:spPr>
           <a:xfrm>
-            <a:off x="457200" y="701824"/>
+            <a:off x="539552" y="701824"/>
             <a:ext cx="3250704" cy="710952"/>
           </a:xfrm>
           <a:prstGeom prst="rect">
@@ -9790,7 +11145,7 @@
 </p:sld>
 </file>
 
-<file path=ppt/slides/slide28.xml><?xml version="1.0" encoding="utf-8"?>
+<file path=ppt/slides/slide31.xml><?xml version="1.0" encoding="utf-8"?>
 <p:sld xmlns:a="http://schemas.openxmlformats.org/drawingml/2006/main" xmlns:r="http://schemas.openxmlformats.org/officeDocument/2006/relationships" xmlns:p="http://schemas.openxmlformats.org/presentationml/2006/main">
   <p:cSld>
     <p:spTree>
@@ -9837,7 +11192,7 @@
         </p:blipFill>
         <p:spPr>
           <a:xfrm>
-            <a:off x="1218456" y="3284984"/>
+            <a:off x="1218456" y="3449794"/>
             <a:ext cx="6707088" cy="1863491"/>
           </a:xfrm>
         </p:spPr>
@@ -9858,8 +11213,8 @@
         </p:nvSpPr>
         <p:spPr>
           <a:xfrm>
-            <a:off x="282352" y="1556792"/>
-            <a:ext cx="8579296" cy="1651284"/>
+            <a:off x="282352" y="1725280"/>
+            <a:ext cx="8579296" cy="864096"/>
           </a:xfrm>
           <a:prstGeom prst="rect">
             <a:avLst/>
@@ -9886,11 +11241,6 @@
             </a:lvl1pPr>
           </a:lstStyle>
           <a:p>
-            <a:pPr>
-              <a:lnSpc>
-                <a:spcPct val="150000"/>
-              </a:lnSpc>
-            </a:pPr>
             <a:r>
               <a:rPr lang="ko-KR" altLang="en-US" sz="2400" dirty="0">
                 <a:latin typeface="KoPubWorld돋움체_Pro Bold" panose="00000800000000000000" pitchFamily="50" charset="-127"/>
@@ -9942,90 +11292,127 @@
             <a:br>
               <a:rPr lang="en-US" altLang="ko-KR" sz="2000" dirty="0"/>
             </a:br>
-            <a:r>
-              <a:rPr lang="en-US" altLang="ko-KR" sz="1600" dirty="0" err="1">
-                <a:latin typeface="KoPubWorld돋움체_Pro Light" panose="00000300000000000000" pitchFamily="50" charset="-127"/>
-                <a:ea typeface="KoPubWorld돋움체_Pro Light" panose="00000300000000000000" pitchFamily="50" charset="-127"/>
-                <a:cs typeface="KoPubWorld돋움체_Pro Light" panose="00000300000000000000" pitchFamily="50" charset="-127"/>
-              </a:rPr>
-              <a:t>user_id</a:t>
-            </a:r>
-            <a:r>
-              <a:rPr lang="en-US" altLang="ko-KR" sz="1600" dirty="0">
-                <a:latin typeface="KoPubWorld돋움체_Pro Light" panose="00000300000000000000" pitchFamily="50" charset="-127"/>
-                <a:ea typeface="KoPubWorld돋움체_Pro Light" panose="00000300000000000000" pitchFamily="50" charset="-127"/>
-                <a:cs typeface="KoPubWorld돋움체_Pro Light" panose="00000300000000000000" pitchFamily="50" charset="-127"/>
-              </a:rPr>
-              <a:t>, </a:t>
-            </a:r>
-            <a:r>
-              <a:rPr lang="en-US" altLang="ko-KR" sz="1600" dirty="0" err="1">
-                <a:latin typeface="KoPubWorld돋움체_Pro Light" panose="00000300000000000000" pitchFamily="50" charset="-127"/>
-                <a:ea typeface="KoPubWorld돋움체_Pro Light" panose="00000300000000000000" pitchFamily="50" charset="-127"/>
-                <a:cs typeface="KoPubWorld돋움체_Pro Light" panose="00000300000000000000" pitchFamily="50" charset="-127"/>
-              </a:rPr>
-              <a:t>product_id</a:t>
-            </a:r>
-            <a:r>
-              <a:rPr lang="en-US" altLang="ko-KR" sz="1600" dirty="0">
-                <a:latin typeface="KoPubWorld돋움체_Pro Light" panose="00000300000000000000" pitchFamily="50" charset="-127"/>
-                <a:ea typeface="KoPubWorld돋움체_Pro Light" panose="00000300000000000000" pitchFamily="50" charset="-127"/>
-                <a:cs typeface="KoPubWorld돋움체_Pro Light" panose="00000300000000000000" pitchFamily="50" charset="-127"/>
-              </a:rPr>
-              <a:t> </a:t>
-            </a:r>
-            <a:r>
-              <a:rPr lang="ko-KR" altLang="en-US" sz="1600" dirty="0">
-                <a:latin typeface="KoPubWorld돋움체_Pro Light" panose="00000300000000000000" pitchFamily="50" charset="-127"/>
-                <a:ea typeface="KoPubWorld돋움체_Pro Light" panose="00000300000000000000" pitchFamily="50" charset="-127"/>
-                <a:cs typeface="KoPubWorld돋움체_Pro Light" panose="00000300000000000000" pitchFamily="50" charset="-127"/>
-              </a:rPr>
-              <a:t>컬럼은 학습에 </a:t>
-            </a:r>
-            <a:r>
-              <a:rPr lang="ko-KR" altLang="en-US" sz="1600" dirty="0" err="1">
-                <a:latin typeface="KoPubWorld돋움체_Pro Light" panose="00000300000000000000" pitchFamily="50" charset="-127"/>
-                <a:ea typeface="KoPubWorld돋움체_Pro Light" panose="00000300000000000000" pitchFamily="50" charset="-127"/>
-                <a:cs typeface="KoPubWorld돋움체_Pro Light" panose="00000300000000000000" pitchFamily="50" charset="-127"/>
-              </a:rPr>
-              <a:t>필요없고</a:t>
-            </a:r>
-            <a:r>
-              <a:rPr lang="en-US" altLang="ko-KR" sz="1600" dirty="0">
-                <a:latin typeface="KoPubWorld돋움체_Pro Light" panose="00000300000000000000" pitchFamily="50" charset="-127"/>
-                <a:ea typeface="KoPubWorld돋움체_Pro Light" panose="00000300000000000000" pitchFamily="50" charset="-127"/>
-                <a:cs typeface="KoPubWorld돋움체_Pro Light" panose="00000300000000000000" pitchFamily="50" charset="-127"/>
-              </a:rPr>
-              <a:t>, </a:t>
-            </a:r>
-          </a:p>
-          <a:p>
-            <a:pPr>
-              <a:lnSpc>
-                <a:spcPct val="150000"/>
-              </a:lnSpc>
-            </a:pPr>
-            <a:r>
-              <a:rPr lang="ko-KR" altLang="en-US" sz="1600" dirty="0" err="1">
-                <a:latin typeface="KoPubWorld돋움체_Pro Light" panose="00000300000000000000" pitchFamily="50" charset="-127"/>
-                <a:ea typeface="KoPubWorld돋움체_Pro Light" panose="00000300000000000000" pitchFamily="50" charset="-127"/>
-                <a:cs typeface="KoPubWorld돋움체_Pro Light" panose="00000300000000000000" pitchFamily="50" charset="-127"/>
-              </a:rPr>
-              <a:t>과적합</a:t>
-            </a:r>
-            <a:r>
-              <a:rPr lang="ko-KR" altLang="en-US" sz="1600" dirty="0">
-                <a:latin typeface="KoPubWorld돋움체_Pro Light" panose="00000300000000000000" pitchFamily="50" charset="-127"/>
-                <a:ea typeface="KoPubWorld돋움체_Pro Light" panose="00000300000000000000" pitchFamily="50" charset="-127"/>
-                <a:cs typeface="KoPubWorld돋움체_Pro Light" panose="00000300000000000000" pitchFamily="50" charset="-127"/>
-              </a:rPr>
-              <a:t> 문제를 낳을 우려가 있으니 제거</a:t>
-            </a:r>
             <a:endParaRPr lang="ko-KR" altLang="en-US" sz="1600" u="sng" dirty="0">
               <a:latin typeface="KoPubWorld돋움체_Pro Light" panose="00000300000000000000" pitchFamily="50" charset="-127"/>
               <a:ea typeface="KoPubWorld돋움체_Pro Light" panose="00000300000000000000" pitchFamily="50" charset="-127"/>
               <a:cs typeface="KoPubWorld돋움체_Pro Light" panose="00000300000000000000" pitchFamily="50" charset="-127"/>
             </a:endParaRPr>
+          </a:p>
+        </p:txBody>
+      </p:sp>
+      <p:sp>
+        <p:nvSpPr>
+          <p:cNvPr id="2" name="TextBox 1">
+            <a:extLst>
+              <a:ext uri="{FF2B5EF4-FFF2-40B4-BE49-F238E27FC236}">
+                <a16:creationId xmlns:a16="http://schemas.microsoft.com/office/drawing/2014/main" id="{DECEC18E-53A0-48B2-B267-4867C7BCB265}"/>
+              </a:ext>
+            </a:extLst>
+          </p:cNvPr>
+          <p:cNvSpPr txBox="1"/>
+          <p:nvPr/>
+        </p:nvSpPr>
+        <p:spPr>
+          <a:xfrm>
+            <a:off x="1547664" y="2484876"/>
+            <a:ext cx="6048672" cy="923330"/>
+          </a:xfrm>
+          <a:prstGeom prst="rect">
+            <a:avLst/>
+          </a:prstGeom>
+          <a:noFill/>
+        </p:spPr>
+        <p:txBody>
+          <a:bodyPr wrap="square" rtlCol="0">
+            <a:spAutoFit/>
+          </a:bodyPr>
+          <a:lstStyle/>
+          <a:p>
+            <a:pPr algn="ctr"/>
+            <a:r>
+              <a:rPr lang="en-US" altLang="ko-KR" sz="1800" dirty="0" err="1">
+                <a:latin typeface="KoPubWorld돋움체_Pro Light" panose="00000300000000000000" pitchFamily="50" charset="-127"/>
+                <a:ea typeface="KoPubWorld돋움체_Pro Light" panose="00000300000000000000" pitchFamily="50" charset="-127"/>
+                <a:cs typeface="KoPubWorld돋움체_Pro Light" panose="00000300000000000000" pitchFamily="50" charset="-127"/>
+              </a:rPr>
+              <a:t>user_id</a:t>
+            </a:r>
+            <a:r>
+              <a:rPr lang="en-US" altLang="ko-KR" sz="1800" dirty="0">
+                <a:latin typeface="KoPubWorld돋움체_Pro Light" panose="00000300000000000000" pitchFamily="50" charset="-127"/>
+                <a:ea typeface="KoPubWorld돋움체_Pro Light" panose="00000300000000000000" pitchFamily="50" charset="-127"/>
+                <a:cs typeface="KoPubWorld돋움체_Pro Light" panose="00000300000000000000" pitchFamily="50" charset="-127"/>
+              </a:rPr>
+              <a:t>, </a:t>
+            </a:r>
+            <a:r>
+              <a:rPr lang="en-US" altLang="ko-KR" sz="1800" dirty="0" err="1">
+                <a:latin typeface="KoPubWorld돋움체_Pro Light" panose="00000300000000000000" pitchFamily="50" charset="-127"/>
+                <a:ea typeface="KoPubWorld돋움체_Pro Light" panose="00000300000000000000" pitchFamily="50" charset="-127"/>
+                <a:cs typeface="KoPubWorld돋움체_Pro Light" panose="00000300000000000000" pitchFamily="50" charset="-127"/>
+              </a:rPr>
+              <a:t>product_id</a:t>
+            </a:r>
+            <a:r>
+              <a:rPr lang="en-US" altLang="ko-KR" sz="1800" dirty="0">
+                <a:latin typeface="KoPubWorld돋움체_Pro Light" panose="00000300000000000000" pitchFamily="50" charset="-127"/>
+                <a:ea typeface="KoPubWorld돋움체_Pro Light" panose="00000300000000000000" pitchFamily="50" charset="-127"/>
+                <a:cs typeface="KoPubWorld돋움체_Pro Light" panose="00000300000000000000" pitchFamily="50" charset="-127"/>
+              </a:rPr>
+              <a:t> </a:t>
+            </a:r>
+            <a:r>
+              <a:rPr lang="ko-KR" altLang="en-US" sz="1800" dirty="0">
+                <a:latin typeface="KoPubWorld돋움체_Pro Light" panose="00000300000000000000" pitchFamily="50" charset="-127"/>
+                <a:ea typeface="KoPubWorld돋움체_Pro Light" panose="00000300000000000000" pitchFamily="50" charset="-127"/>
+                <a:cs typeface="KoPubWorld돋움체_Pro Light" panose="00000300000000000000" pitchFamily="50" charset="-127"/>
+              </a:rPr>
+              <a:t>컬럼은 학습에 </a:t>
+            </a:r>
+            <a:r>
+              <a:rPr lang="ko-KR" altLang="en-US" sz="1800" dirty="0" err="1">
+                <a:latin typeface="KoPubWorld돋움체_Pro Light" panose="00000300000000000000" pitchFamily="50" charset="-127"/>
+                <a:ea typeface="KoPubWorld돋움체_Pro Light" panose="00000300000000000000" pitchFamily="50" charset="-127"/>
+                <a:cs typeface="KoPubWorld돋움체_Pro Light" panose="00000300000000000000" pitchFamily="50" charset="-127"/>
+              </a:rPr>
+              <a:t>필요없고</a:t>
+            </a:r>
+            <a:r>
+              <a:rPr lang="en-US" altLang="ko-KR" sz="1800" dirty="0">
+                <a:latin typeface="KoPubWorld돋움체_Pro Light" panose="00000300000000000000" pitchFamily="50" charset="-127"/>
+                <a:ea typeface="KoPubWorld돋움체_Pro Light" panose="00000300000000000000" pitchFamily="50" charset="-127"/>
+                <a:cs typeface="KoPubWorld돋움체_Pro Light" panose="00000300000000000000" pitchFamily="50" charset="-127"/>
+              </a:rPr>
+              <a:t>, </a:t>
+            </a:r>
+          </a:p>
+          <a:p>
+            <a:pPr algn="ctr"/>
+            <a:r>
+              <a:rPr lang="ko-KR" altLang="en-US" sz="1800" dirty="0" err="1">
+                <a:latin typeface="KoPubWorld돋움체_Pro Light" panose="00000300000000000000" pitchFamily="50" charset="-127"/>
+                <a:ea typeface="KoPubWorld돋움체_Pro Light" panose="00000300000000000000" pitchFamily="50" charset="-127"/>
+                <a:cs typeface="KoPubWorld돋움체_Pro Light" panose="00000300000000000000" pitchFamily="50" charset="-127"/>
+              </a:rPr>
+              <a:t>과적합</a:t>
+            </a:r>
+            <a:r>
+              <a:rPr lang="ko-KR" altLang="en-US" sz="1800" dirty="0">
+                <a:latin typeface="KoPubWorld돋움체_Pro Light" panose="00000300000000000000" pitchFamily="50" charset="-127"/>
+                <a:ea typeface="KoPubWorld돋움체_Pro Light" panose="00000300000000000000" pitchFamily="50" charset="-127"/>
+                <a:cs typeface="KoPubWorld돋움체_Pro Light" panose="00000300000000000000" pitchFamily="50" charset="-127"/>
+              </a:rPr>
+              <a:t> 문제를 낳을 우려가 있으니 제거</a:t>
+            </a:r>
+            <a:endParaRPr lang="ko-KR" altLang="en-US" sz="1800" u="sng" dirty="0">
+              <a:latin typeface="KoPubWorld돋움체_Pro Light" panose="00000300000000000000" pitchFamily="50" charset="-127"/>
+              <a:ea typeface="KoPubWorld돋움체_Pro Light" panose="00000300000000000000" pitchFamily="50" charset="-127"/>
+              <a:cs typeface="KoPubWorld돋움체_Pro Light" panose="00000300000000000000" pitchFamily="50" charset="-127"/>
+            </a:endParaRPr>
+          </a:p>
+          <a:p>
+            <a:pPr algn="ctr"/>
+            <a:endParaRPr lang="ko-KR" altLang="en-US" dirty="0"/>
           </a:p>
         </p:txBody>
       </p:sp>
@@ -10042,7 +11429,7 @@
 </p:sld>
 </file>
 
-<file path=ppt/slides/slide29.xml><?xml version="1.0" encoding="utf-8"?>
+<file path=ppt/slides/slide32.xml><?xml version="1.0" encoding="utf-8"?>
 <p:sld xmlns:a="http://schemas.openxmlformats.org/drawingml/2006/main" xmlns:r="http://schemas.openxmlformats.org/officeDocument/2006/relationships" xmlns:p="http://schemas.openxmlformats.org/presentationml/2006/main">
   <p:cSld>
     <p:spTree>
@@ -10093,7 +11480,7 @@
               </a:lnSpc>
             </a:pPr>
             <a:r>
-              <a:rPr lang="ko-KR" altLang="en-US" sz="2800" dirty="0">
+              <a:rPr lang="ko-KR" altLang="en-US" sz="3200" dirty="0">
                 <a:latin typeface="KoPubWorld돋움체_Pro Bold" panose="00000800000000000000" pitchFamily="50" charset="-127"/>
                 <a:ea typeface="KoPubWorld돋움체_Pro Bold" panose="00000800000000000000" pitchFamily="50" charset="-127"/>
                 <a:cs typeface="KoPubWorld돋움체_Pro Bold" panose="00000800000000000000" pitchFamily="50" charset="-127"/>
@@ -10108,7 +11495,7 @@
               </a:rPr>
             </a:br>
             <a:r>
-              <a:rPr lang="en-US" altLang="ko-KR" sz="1800" dirty="0" err="1">
+              <a:rPr lang="en-US" altLang="ko-KR" sz="1700" dirty="0" err="1">
                 <a:latin typeface="KoPubWorld돋움체_Pro Light" panose="00000300000000000000" pitchFamily="50" charset="-127"/>
                 <a:ea typeface="KoPubWorld돋움체_Pro Light" panose="00000300000000000000" pitchFamily="50" charset="-127"/>
                 <a:cs typeface="KoPubWorld돋움체_Pro Light" panose="00000300000000000000" pitchFamily="50" charset="-127"/>
@@ -10116,7 +11503,7 @@
               <a:t>train_test_split</a:t>
             </a:r>
             <a:r>
-              <a:rPr lang="en-US" altLang="ko-KR" sz="1800" dirty="0">
+              <a:rPr lang="en-US" altLang="ko-KR" sz="1700" dirty="0">
                 <a:latin typeface="KoPubWorld돋움체_Pro Light" panose="00000300000000000000" pitchFamily="50" charset="-127"/>
                 <a:ea typeface="KoPubWorld돋움체_Pro Light" panose="00000300000000000000" pitchFamily="50" charset="-127"/>
                 <a:cs typeface="KoPubWorld돋움체_Pro Light" panose="00000300000000000000" pitchFamily="50" charset="-127"/>
@@ -10124,7 +11511,7 @@
               <a:t> </a:t>
             </a:r>
             <a:r>
-              <a:rPr lang="ko-KR" altLang="en-US" sz="1800" dirty="0">
+              <a:rPr lang="ko-KR" altLang="en-US" sz="1700" dirty="0">
                 <a:latin typeface="KoPubWorld돋움체_Pro Light" panose="00000300000000000000" pitchFamily="50" charset="-127"/>
                 <a:ea typeface="KoPubWorld돋움체_Pro Light" panose="00000300000000000000" pitchFamily="50" charset="-127"/>
                 <a:cs typeface="KoPubWorld돋움체_Pro Light" panose="00000300000000000000" pitchFamily="50" charset="-127"/>
@@ -10132,14 +11519,14 @@
               <a:t>함수를 통해 종속변수 기준으로 </a:t>
             </a:r>
             <a:br>
-              <a:rPr lang="en-US" altLang="ko-KR" sz="1800" dirty="0">
+              <a:rPr lang="en-US" altLang="ko-KR" sz="1700" dirty="0">
                 <a:latin typeface="KoPubWorld돋움체_Pro Light" panose="00000300000000000000" pitchFamily="50" charset="-127"/>
                 <a:ea typeface="KoPubWorld돋움체_Pro Light" panose="00000300000000000000" pitchFamily="50" charset="-127"/>
                 <a:cs typeface="KoPubWorld돋움체_Pro Light" panose="00000300000000000000" pitchFamily="50" charset="-127"/>
               </a:rPr>
             </a:br>
             <a:r>
-              <a:rPr lang="en-US" altLang="ko-KR" sz="1800" dirty="0">
+              <a:rPr lang="en-US" altLang="ko-KR" sz="1700" dirty="0">
                 <a:latin typeface="KoPubWorld돋움체_Pro Light" panose="00000300000000000000" pitchFamily="50" charset="-127"/>
                 <a:ea typeface="KoPubWorld돋움체_Pro Light" panose="00000300000000000000" pitchFamily="50" charset="-127"/>
                 <a:cs typeface="KoPubWorld돋움체_Pro Light" panose="00000300000000000000" pitchFamily="50" charset="-127"/>
@@ -10147,7 +11534,7 @@
               <a:t>10%</a:t>
             </a:r>
             <a:r>
-              <a:rPr lang="ko-KR" altLang="en-US" sz="1800" dirty="0">
+              <a:rPr lang="ko-KR" altLang="en-US" sz="1700" dirty="0">
                 <a:latin typeface="KoPubWorld돋움체_Pro Light" panose="00000300000000000000" pitchFamily="50" charset="-127"/>
                 <a:ea typeface="KoPubWorld돋움체_Pro Light" panose="00000300000000000000" pitchFamily="50" charset="-127"/>
                 <a:cs typeface="KoPubWorld돋움체_Pro Light" panose="00000300000000000000" pitchFamily="50" charset="-127"/>
@@ -10155,7 +11542,7 @@
               <a:t> 비율 </a:t>
             </a:r>
             <a:r>
-              <a:rPr lang="ko-KR" altLang="en-US" sz="1800" dirty="0" err="1">
+              <a:rPr lang="ko-KR" altLang="en-US" sz="1700" dirty="0" err="1">
                 <a:latin typeface="KoPubWorld돋움체_Pro Light" panose="00000300000000000000" pitchFamily="50" charset="-127"/>
                 <a:ea typeface="KoPubWorld돋움체_Pro Light" panose="00000300000000000000" pitchFamily="50" charset="-127"/>
                 <a:cs typeface="KoPubWorld돋움체_Pro Light" panose="00000300000000000000" pitchFamily="50" charset="-127"/>
@@ -10163,7 +11550,7 @@
               <a:t>층화추출후</a:t>
             </a:r>
             <a:r>
-              <a:rPr lang="ko-KR" altLang="en-US" sz="1800" dirty="0">
+              <a:rPr lang="ko-KR" altLang="en-US" sz="1700" dirty="0">
                 <a:latin typeface="KoPubWorld돋움체_Pro Light" panose="00000300000000000000" pitchFamily="50" charset="-127"/>
                 <a:ea typeface="KoPubWorld돋움체_Pro Light" panose="00000300000000000000" pitchFamily="50" charset="-127"/>
                 <a:cs typeface="KoPubWorld돋움체_Pro Light" panose="00000300000000000000" pitchFamily="50" charset="-127"/>
@@ -10257,170 +11644,7 @@
 </p:sld>
 </file>
 
-<file path=ppt/slides/slide3.xml><?xml version="1.0" encoding="utf-8"?>
-<p:sld xmlns:a="http://schemas.openxmlformats.org/drawingml/2006/main" xmlns:r="http://schemas.openxmlformats.org/officeDocument/2006/relationships" xmlns:p="http://schemas.openxmlformats.org/presentationml/2006/main">
-  <p:cSld>
-    <p:spTree>
-      <p:nvGrpSpPr>
-        <p:cNvPr id="1" name=""/>
-        <p:cNvGrpSpPr/>
-        <p:nvPr/>
-      </p:nvGrpSpPr>
-      <p:grpSpPr>
-        <a:xfrm>
-          <a:off x="0" y="0"/>
-          <a:ext cx="0" cy="0"/>
-          <a:chOff x="0" y="0"/>
-          <a:chExt cx="0" cy="0"/>
-        </a:xfrm>
-      </p:grpSpPr>
-      <p:sp>
-        <p:nvSpPr>
-          <p:cNvPr id="2" name="제목 1">
-            <a:extLst>
-              <a:ext uri="{FF2B5EF4-FFF2-40B4-BE49-F238E27FC236}">
-                <a16:creationId xmlns:a16="http://schemas.microsoft.com/office/drawing/2014/main" id="{BE543D4D-BF82-45E2-AD5A-9D32D6F5EF39}"/>
-              </a:ext>
-            </a:extLst>
-          </p:cNvPr>
-          <p:cNvSpPr>
-            <a:spLocks noGrp="1"/>
-          </p:cNvSpPr>
-          <p:nvPr>
-            <p:ph type="title"/>
-          </p:nvPr>
-        </p:nvSpPr>
-        <p:spPr>
-          <a:xfrm>
-            <a:off x="5796136" y="2420888"/>
-            <a:ext cx="2890664" cy="2659732"/>
-          </a:xfrm>
-        </p:spPr>
-        <p:txBody>
-          <a:bodyPr>
-            <a:normAutofit/>
-          </a:bodyPr>
-          <a:lstStyle/>
-          <a:p>
-            <a:pPr algn="r">
-              <a:lnSpc>
-                <a:spcPct val="60000"/>
-              </a:lnSpc>
-            </a:pPr>
-            <a:r>
-              <a:rPr lang="ko-KR" altLang="en-US" sz="7200" dirty="0">
-                <a:latin typeface="KoPubWorld돋움체_Pro Bold" panose="00000800000000000000" pitchFamily="50" charset="-127"/>
-                <a:ea typeface="KoPubWorld돋움체_Pro Bold" panose="00000800000000000000" pitchFamily="50" charset="-127"/>
-                <a:cs typeface="KoPubWorld돋움체_Pro Bold" panose="00000800000000000000" pitchFamily="50" charset="-127"/>
-              </a:rPr>
-              <a:t>서론</a:t>
-            </a:r>
-            <a:br>
-              <a:rPr lang="en-US" altLang="ko-KR" sz="7200" dirty="0">
-                <a:latin typeface="KoPubWorld돋움체_Pro Bold" panose="00000800000000000000" pitchFamily="50" charset="-127"/>
-                <a:ea typeface="KoPubWorld돋움체_Pro Bold" panose="00000800000000000000" pitchFamily="50" charset="-127"/>
-                <a:cs typeface="KoPubWorld돋움체_Pro Bold" panose="00000800000000000000" pitchFamily="50" charset="-127"/>
-              </a:rPr>
-            </a:br>
-            <a:r>
-              <a:rPr lang="en-US" altLang="ko-KR" sz="2000" dirty="0">
-                <a:solidFill>
-                  <a:schemeClr val="tx1">
-                    <a:lumMod val="50000"/>
-                    <a:lumOff val="50000"/>
-                  </a:schemeClr>
-                </a:solidFill>
-                <a:latin typeface="KoPubWorld돋움체_Pro Light" panose="00000300000000000000" pitchFamily="50" charset="-127"/>
-                <a:ea typeface="KoPubWorld돋움체_Pro Light" panose="00000300000000000000" pitchFamily="50" charset="-127"/>
-                <a:cs typeface="KoPubWorld돋움체_Pro Light" panose="00000300000000000000" pitchFamily="50" charset="-127"/>
-              </a:rPr>
-              <a:t>Introduction of </a:t>
-            </a:r>
-            <a:r>
-              <a:rPr lang="en-US" altLang="ko-KR" sz="2000" dirty="0" err="1">
-                <a:solidFill>
-                  <a:schemeClr val="tx1">
-                    <a:lumMod val="50000"/>
-                    <a:lumOff val="50000"/>
-                  </a:schemeClr>
-                </a:solidFill>
-                <a:latin typeface="KoPubWorld돋움체_Pro Light" panose="00000300000000000000" pitchFamily="50" charset="-127"/>
-                <a:ea typeface="KoPubWorld돋움체_Pro Light" panose="00000300000000000000" pitchFamily="50" charset="-127"/>
-                <a:cs typeface="KoPubWorld돋움체_Pro Light" panose="00000300000000000000" pitchFamily="50" charset="-127"/>
-              </a:rPr>
-              <a:t>prject</a:t>
-            </a:r>
-            <a:endParaRPr lang="ko-KR" altLang="en-US" sz="7200" dirty="0">
-              <a:solidFill>
-                <a:schemeClr val="tx1">
-                  <a:lumMod val="50000"/>
-                  <a:lumOff val="50000"/>
-                </a:schemeClr>
-              </a:solidFill>
-              <a:latin typeface="KoPubWorld돋움체_Pro Light" panose="00000300000000000000" pitchFamily="50" charset="-127"/>
-              <a:ea typeface="KoPubWorld돋움체_Pro Light" panose="00000300000000000000" pitchFamily="50" charset="-127"/>
-              <a:cs typeface="KoPubWorld돋움체_Pro Light" panose="00000300000000000000" pitchFamily="50" charset="-127"/>
-            </a:endParaRPr>
-          </a:p>
-        </p:txBody>
-      </p:sp>
-      <p:cxnSp>
-        <p:nvCxnSpPr>
-          <p:cNvPr id="7" name="직선 연결선 6">
-            <a:extLst>
-              <a:ext uri="{FF2B5EF4-FFF2-40B4-BE49-F238E27FC236}">
-                <a16:creationId xmlns:a16="http://schemas.microsoft.com/office/drawing/2014/main" id="{9018FB01-2076-473D-B592-E712C2453950}"/>
-              </a:ext>
-            </a:extLst>
-          </p:cNvPr>
-          <p:cNvCxnSpPr>
-            <a:cxnSpLocks/>
-          </p:cNvCxnSpPr>
-          <p:nvPr/>
-        </p:nvCxnSpPr>
-        <p:spPr>
-          <a:xfrm>
-            <a:off x="7020272" y="2924944"/>
-            <a:ext cx="1512168" cy="0"/>
-          </a:xfrm>
-          <a:prstGeom prst="line">
-            <a:avLst/>
-          </a:prstGeom>
-          <a:ln w="57150">
-            <a:solidFill>
-              <a:schemeClr val="tx1"/>
-            </a:solidFill>
-          </a:ln>
-        </p:spPr>
-        <p:style>
-          <a:lnRef idx="1">
-            <a:schemeClr val="accent1"/>
-          </a:lnRef>
-          <a:fillRef idx="0">
-            <a:schemeClr val="accent1"/>
-          </a:fillRef>
-          <a:effectRef idx="0">
-            <a:schemeClr val="accent1"/>
-          </a:effectRef>
-          <a:fontRef idx="minor">
-            <a:schemeClr val="tx1"/>
-          </a:fontRef>
-        </p:style>
-      </p:cxnSp>
-    </p:spTree>
-    <p:extLst>
-      <p:ext uri="{BB962C8B-B14F-4D97-AF65-F5344CB8AC3E}">
-        <p14:creationId xmlns:p14="http://schemas.microsoft.com/office/powerpoint/2010/main" val="3638946386"/>
-      </p:ext>
-    </p:extLst>
-  </p:cSld>
-  <p:clrMapOvr>
-    <a:masterClrMapping/>
-  </p:clrMapOvr>
-</p:sld>
-</file>
-
-<file path=ppt/slides/slide30.xml><?xml version="1.0" encoding="utf-8"?>
+<file path=ppt/slides/slide33.xml><?xml version="1.0" encoding="utf-8"?>
 <p:sld xmlns:a="http://schemas.openxmlformats.org/drawingml/2006/main" xmlns:r="http://schemas.openxmlformats.org/officeDocument/2006/relationships" xmlns:p="http://schemas.openxmlformats.org/presentationml/2006/main">
   <p:cSld>
     <p:spTree>
@@ -10455,7 +11679,7 @@
         </p:nvSpPr>
         <p:spPr>
           <a:xfrm>
-            <a:off x="457200" y="1556792"/>
+            <a:off x="457200" y="1340768"/>
             <a:ext cx="8229600" cy="1368152"/>
           </a:xfrm>
         </p:spPr>
@@ -10467,7 +11691,7 @@
           <a:p>
             <a:pPr>
               <a:lnSpc>
-                <a:spcPct val="80000"/>
+                <a:spcPct val="85000"/>
               </a:lnSpc>
             </a:pPr>
             <a:r>
@@ -10510,7 +11734,7 @@
               </a:rPr>
             </a:br>
             <a:r>
-              <a:rPr lang="ko-KR" altLang="en-US" sz="4000" dirty="0">
+              <a:rPr lang="ko-KR" altLang="en-US" sz="4800" dirty="0">
                 <a:latin typeface="KoPubWorld돋움체_Pro Bold" panose="00000800000000000000" pitchFamily="50" charset="-127"/>
                 <a:ea typeface="KoPubWorld돋움체_Pro Bold" panose="00000800000000000000" pitchFamily="50" charset="-127"/>
                 <a:cs typeface="KoPubWorld돋움체_Pro Bold" panose="00000800000000000000" pitchFamily="50" charset="-127"/>
@@ -10550,7 +11774,7 @@
         </p:blipFill>
         <p:spPr>
           <a:xfrm>
-            <a:off x="1037732" y="2924944"/>
+            <a:off x="1037732" y="2852936"/>
             <a:ext cx="7068536" cy="2314898"/>
           </a:xfrm>
         </p:spPr>
@@ -10568,7 +11792,7 @@
 </p:sld>
 </file>
 
-<file path=ppt/slides/slide31.xml><?xml version="1.0" encoding="utf-8"?>
+<file path=ppt/slides/slide34.xml><?xml version="1.0" encoding="utf-8"?>
 <p:sld xmlns:a="http://schemas.openxmlformats.org/drawingml/2006/main" xmlns:r="http://schemas.openxmlformats.org/officeDocument/2006/relationships" xmlns:p="http://schemas.openxmlformats.org/presentationml/2006/main">
   <p:cSld>
     <p:spTree>
@@ -10603,7 +11827,7 @@
         </p:nvSpPr>
         <p:spPr>
           <a:xfrm>
-            <a:off x="1331640" y="2512039"/>
+            <a:off x="1403648" y="2276872"/>
             <a:ext cx="2468960" cy="1833922"/>
           </a:xfrm>
         </p:spPr>
@@ -10615,11 +11839,11 @@
           <a:p>
             <a:pPr>
               <a:lnSpc>
-                <a:spcPct val="80000"/>
+                <a:spcPct val="85000"/>
               </a:lnSpc>
             </a:pPr>
             <a:r>
-              <a:rPr lang="en-US" altLang="ko-KR" sz="3600" dirty="0">
+              <a:rPr lang="en-US" altLang="ko-KR" sz="2800" dirty="0">
                 <a:latin typeface="KoPubWorld돋움체_Pro Bold" panose="00000800000000000000" pitchFamily="50" charset="-127"/>
                 <a:ea typeface="KoPubWorld돋움체_Pro Bold" panose="00000800000000000000" pitchFamily="50" charset="-127"/>
                 <a:cs typeface="KoPubWorld돋움체_Pro Bold" panose="00000800000000000000" pitchFamily="50" charset="-127"/>
@@ -10627,7 +11851,7 @@
               <a:t>DNN</a:t>
             </a:r>
             <a:r>
-              <a:rPr lang="ko-KR" altLang="en-US" sz="3600" dirty="0">
+              <a:rPr lang="ko-KR" altLang="en-US" sz="2800" dirty="0">
                 <a:latin typeface="KoPubWorld돋움체_Pro Bold" panose="00000800000000000000" pitchFamily="50" charset="-127"/>
                 <a:ea typeface="KoPubWorld돋움체_Pro Bold" panose="00000800000000000000" pitchFamily="50" charset="-127"/>
                 <a:cs typeface="KoPubWorld돋움체_Pro Bold" panose="00000800000000000000" pitchFamily="50" charset="-127"/>
@@ -10682,7 +11906,7 @@
         </p:blipFill>
         <p:spPr>
           <a:xfrm>
-            <a:off x="4658396" y="476672"/>
+            <a:off x="5004048" y="507126"/>
             <a:ext cx="3486805" cy="4009826"/>
           </a:xfrm>
         </p:spPr>
@@ -10715,8 +11939,8 @@
         </p:blipFill>
         <p:spPr>
           <a:xfrm>
-            <a:off x="2785830" y="4749344"/>
-            <a:ext cx="5359371" cy="1510752"/>
+            <a:off x="3565300" y="4827606"/>
+            <a:ext cx="4921611" cy="1387352"/>
           </a:xfrm>
           <a:prstGeom prst="rect">
             <a:avLst/>
@@ -10736,7 +11960,7 @@
 </p:sld>
 </file>
 
-<file path=ppt/slides/slide32.xml><?xml version="1.0" encoding="utf-8"?>
+<file path=ppt/slides/slide35.xml><?xml version="1.0" encoding="utf-8"?>
 <p:sld xmlns:a="http://schemas.openxmlformats.org/drawingml/2006/main" xmlns:r="http://schemas.openxmlformats.org/officeDocument/2006/relationships" xmlns:p="http://schemas.openxmlformats.org/presentationml/2006/main">
   <p:cSld>
     <p:spTree>
@@ -10894,7 +12118,7 @@
 </p:sld>
 </file>
 
-<file path=ppt/slides/slide33.xml><?xml version="1.0" encoding="utf-8"?>
+<file path=ppt/slides/slide36.xml><?xml version="1.0" encoding="utf-8"?>
 <p:sld xmlns:a="http://schemas.openxmlformats.org/drawingml/2006/main" xmlns:r="http://schemas.openxmlformats.org/officeDocument/2006/relationships" xmlns:p="http://schemas.openxmlformats.org/presentationml/2006/main">
   <p:cSld>
     <p:spTree>
@@ -10929,17 +12153,19 @@
         </p:nvSpPr>
         <p:spPr>
           <a:xfrm>
-            <a:off x="457200" y="1268760"/>
+            <a:off x="457200" y="1369222"/>
             <a:ext cx="8229600" cy="1143000"/>
           </a:xfrm>
         </p:spPr>
         <p:txBody>
-          <a:bodyPr/>
+          <a:bodyPr>
+            <a:normAutofit/>
+          </a:bodyPr>
           <a:lstStyle/>
           <a:p>
             <a:pPr algn="l"/>
             <a:r>
-              <a:rPr lang="ko-KR" altLang="en-US" dirty="0">
+              <a:rPr lang="ko-KR" altLang="en-US" sz="3600" dirty="0">
                 <a:latin typeface="KoPubWorld돋움체_Pro Bold" panose="00000800000000000000" pitchFamily="50" charset="-127"/>
                 <a:ea typeface="KoPubWorld돋움체_Pro Bold" panose="00000800000000000000" pitchFamily="50" charset="-127"/>
                 <a:cs typeface="KoPubWorld돋움체_Pro Bold" panose="00000800000000000000" pitchFamily="50" charset="-127"/>
@@ -10947,7 +12173,7 @@
               <a:t>모델 평가</a:t>
             </a:r>
             <a:r>
-              <a:rPr lang="en-US" altLang="ko-KR" dirty="0">
+              <a:rPr lang="en-US" altLang="ko-KR" sz="3600" dirty="0">
                 <a:latin typeface="KoPubWorld돋움체_Pro Bold" panose="00000800000000000000" pitchFamily="50" charset="-127"/>
                 <a:ea typeface="KoPubWorld돋움체_Pro Bold" panose="00000800000000000000" pitchFamily="50" charset="-127"/>
                 <a:cs typeface="KoPubWorld돋움체_Pro Bold" panose="00000800000000000000" pitchFamily="50" charset="-127"/>
@@ -10955,7 +12181,7 @@
               <a:t>, </a:t>
             </a:r>
             <a:r>
-              <a:rPr lang="ko-KR" altLang="en-US" dirty="0">
+              <a:rPr lang="ko-KR" altLang="en-US" sz="3600" dirty="0">
                 <a:latin typeface="KoPubWorld돋움체_Pro Bold" panose="00000800000000000000" pitchFamily="50" charset="-127"/>
                 <a:ea typeface="KoPubWorld돋움체_Pro Bold" panose="00000800000000000000" pitchFamily="50" charset="-127"/>
                 <a:cs typeface="KoPubWorld돋움체_Pro Bold" panose="00000800000000000000" pitchFamily="50" charset="-127"/>
@@ -10995,7 +12221,7 @@
         </p:blipFill>
         <p:spPr>
           <a:xfrm>
-            <a:off x="484818" y="2780928"/>
+            <a:off x="484818" y="2521346"/>
             <a:ext cx="6220693" cy="1238423"/>
           </a:xfrm>
         </p:spPr>
@@ -11028,7 +12254,7 @@
         </p:blipFill>
         <p:spPr>
           <a:xfrm>
-            <a:off x="457200" y="4288057"/>
+            <a:off x="457200" y="4028475"/>
             <a:ext cx="3915321" cy="1133633"/>
           </a:xfrm>
           <a:prstGeom prst="rect">
@@ -11049,7 +12275,7 @@
 </p:sld>
 </file>
 
-<file path=ppt/slides/slide34.xml><?xml version="1.0" encoding="utf-8"?>
+<file path=ppt/slides/slide37.xml><?xml version="1.0" encoding="utf-8"?>
 <p:sld xmlns:a="http://schemas.openxmlformats.org/drawingml/2006/main" xmlns:r="http://schemas.openxmlformats.org/officeDocument/2006/relationships" xmlns:p="http://schemas.openxmlformats.org/presentationml/2006/main">
   <p:cSld>
     <p:spTree>
@@ -11198,7 +12424,7 @@
 </p:sld>
 </file>
 
-<file path=ppt/slides/slide35.xml><?xml version="1.0" encoding="utf-8"?>
+<file path=ppt/slides/slide38.xml><?xml version="1.0" encoding="utf-8"?>
 <p:sld xmlns:a="http://schemas.openxmlformats.org/drawingml/2006/main" xmlns:r="http://schemas.openxmlformats.org/officeDocument/2006/relationships" xmlns:p="http://schemas.openxmlformats.org/presentationml/2006/main">
   <p:cSld>
     <p:spTree>
@@ -11233,7 +12459,7 @@
         </p:nvSpPr>
         <p:spPr>
           <a:xfrm>
-            <a:off x="457200" y="1484784"/>
+            <a:off x="457200" y="1700808"/>
             <a:ext cx="8229600" cy="1143000"/>
           </a:xfrm>
         </p:spPr>
@@ -11273,7 +12499,7 @@
         </p:nvSpPr>
         <p:spPr>
           <a:xfrm>
-            <a:off x="457200" y="2492896"/>
+            <a:off x="457200" y="2708920"/>
             <a:ext cx="7139136" cy="2476871"/>
           </a:xfrm>
         </p:spPr>
@@ -11303,7 +12529,7 @@
               <a:buNone/>
             </a:pPr>
             <a:r>
-              <a:rPr lang="en-US" altLang="ko-KR" sz="1800" dirty="0">
+              <a:rPr lang="en-US" altLang="ko-KR" sz="1600" dirty="0">
                 <a:latin typeface="KoPubWorld돋움체_Pro Light" panose="00000300000000000000" pitchFamily="50" charset="-127"/>
                 <a:ea typeface="KoPubWorld돋움체_Pro Light" panose="00000300000000000000" pitchFamily="50" charset="-127"/>
                 <a:cs typeface="KoPubWorld돋움체_Pro Light" panose="00000300000000000000" pitchFamily="50" charset="-127"/>
@@ -11311,7 +12537,7 @@
               <a:t>Instacart </a:t>
             </a:r>
             <a:r>
-              <a:rPr lang="ko-KR" altLang="en-US" sz="1800" dirty="0">
+              <a:rPr lang="ko-KR" altLang="en-US" sz="1600" dirty="0">
                 <a:latin typeface="KoPubWorld돋움체_Pro Light" panose="00000300000000000000" pitchFamily="50" charset="-127"/>
                 <a:ea typeface="KoPubWorld돋움체_Pro Light" panose="00000300000000000000" pitchFamily="50" charset="-127"/>
                 <a:cs typeface="KoPubWorld돋움체_Pro Light" panose="00000300000000000000" pitchFamily="50" charset="-127"/>
@@ -11319,7 +12545,7 @@
               <a:t>데이터와 딥러닝</a:t>
             </a:r>
             <a:r>
-              <a:rPr lang="en-US" altLang="ko-KR" sz="1800" dirty="0">
+              <a:rPr lang="en-US" altLang="ko-KR" sz="1600" dirty="0">
                 <a:latin typeface="KoPubWorld돋움체_Pro Light" panose="00000300000000000000" pitchFamily="50" charset="-127"/>
                 <a:ea typeface="KoPubWorld돋움체_Pro Light" panose="00000300000000000000" pitchFamily="50" charset="-127"/>
                 <a:cs typeface="KoPubWorld돋움체_Pro Light" panose="00000300000000000000" pitchFamily="50" charset="-127"/>
@@ -11327,7 +12553,7 @@
               <a:t>(DNN)</a:t>
             </a:r>
             <a:r>
-              <a:rPr lang="ko-KR" altLang="en-US" sz="1800" dirty="0">
+              <a:rPr lang="ko-KR" altLang="en-US" sz="1600" dirty="0">
                 <a:latin typeface="KoPubWorld돋움체_Pro Light" panose="00000300000000000000" pitchFamily="50" charset="-127"/>
                 <a:ea typeface="KoPubWorld돋움체_Pro Light" panose="00000300000000000000" pitchFamily="50" charset="-127"/>
                 <a:cs typeface="KoPubWorld돋움체_Pro Light" panose="00000300000000000000" pitchFamily="50" charset="-127"/>
@@ -11335,7 +12561,7 @@
               <a:t>을 활용해 구매 데이터를 분석하고</a:t>
             </a:r>
             <a:r>
-              <a:rPr lang="en-US" altLang="ko-KR" sz="1800" dirty="0">
+              <a:rPr lang="en-US" altLang="ko-KR" sz="1600" dirty="0">
                 <a:latin typeface="KoPubWorld돋움체_Pro Light" panose="00000300000000000000" pitchFamily="50" charset="-127"/>
                 <a:ea typeface="KoPubWorld돋움체_Pro Light" panose="00000300000000000000" pitchFamily="50" charset="-127"/>
                 <a:cs typeface="KoPubWorld돋움체_Pro Light" panose="00000300000000000000" pitchFamily="50" charset="-127"/>
@@ -11348,7 +12574,7 @@
               <a:buNone/>
             </a:pPr>
             <a:r>
-              <a:rPr lang="ko-KR" altLang="en-US" sz="1800" dirty="0">
+              <a:rPr lang="ko-KR" altLang="en-US" sz="1600" dirty="0">
                 <a:latin typeface="KoPubWorld돋움체_Pro Light" panose="00000300000000000000" pitchFamily="50" charset="-127"/>
                 <a:ea typeface="KoPubWorld돋움체_Pro Light" panose="00000300000000000000" pitchFamily="50" charset="-127"/>
                 <a:cs typeface="KoPubWorld돋움체_Pro Light" panose="00000300000000000000" pitchFamily="50" charset="-127"/>
@@ -11356,7 +12582,7 @@
               <a:t>불필요 구매를 탐지하는 모델 설계 및 학습</a:t>
             </a:r>
             <a:r>
-              <a:rPr lang="en-US" altLang="ko-KR" sz="1800" dirty="0">
+              <a:rPr lang="en-US" altLang="ko-KR" sz="1600" dirty="0">
                 <a:latin typeface="KoPubWorld돋움체_Pro Light" panose="00000300000000000000" pitchFamily="50" charset="-127"/>
                 <a:ea typeface="KoPubWorld돋움체_Pro Light" panose="00000300000000000000" pitchFamily="50" charset="-127"/>
                 <a:cs typeface="KoPubWorld돋움체_Pro Light" panose="00000300000000000000" pitchFamily="50" charset="-127"/>
@@ -11368,7 +12594,7 @@
             <a:pPr marL="0" indent="0">
               <a:buNone/>
             </a:pPr>
-            <a:endParaRPr lang="en-US" altLang="ko-KR" sz="1800" dirty="0">
+            <a:endParaRPr lang="en-US" altLang="ko-KR" sz="1600" dirty="0">
               <a:latin typeface="KoPubWorld돋움체_Pro Light" panose="00000300000000000000" pitchFamily="50" charset="-127"/>
               <a:ea typeface="KoPubWorld돋움체_Pro Light" panose="00000300000000000000" pitchFamily="50" charset="-127"/>
               <a:cs typeface="KoPubWorld돋움체_Pro Light" panose="00000300000000000000" pitchFamily="50" charset="-127"/>
@@ -11379,7 +12605,7 @@
               <a:buNone/>
             </a:pPr>
             <a:r>
-              <a:rPr lang="ko-KR" altLang="en-US" sz="1800" dirty="0">
+              <a:rPr lang="ko-KR" altLang="en-US" sz="1600" dirty="0">
                 <a:latin typeface="KoPubWorld돋움체_Pro Light" panose="00000300000000000000" pitchFamily="50" charset="-127"/>
                 <a:ea typeface="KoPubWorld돋움체_Pro Light" panose="00000300000000000000" pitchFamily="50" charset="-127"/>
                 <a:cs typeface="KoPubWorld돋움체_Pro Light" panose="00000300000000000000" pitchFamily="50" charset="-127"/>
@@ -11387,7 +12613,7 @@
               <a:t>결과적으로</a:t>
             </a:r>
             <a:r>
-              <a:rPr lang="en-US" altLang="ko-KR" sz="1800" dirty="0">
+              <a:rPr lang="en-US" altLang="ko-KR" sz="1600" dirty="0">
                 <a:latin typeface="KoPubWorld돋움체_Pro Light" panose="00000300000000000000" pitchFamily="50" charset="-127"/>
                 <a:ea typeface="KoPubWorld돋움체_Pro Light" panose="00000300000000000000" pitchFamily="50" charset="-127"/>
                 <a:cs typeface="KoPubWorld돋움체_Pro Light" panose="00000300000000000000" pitchFamily="50" charset="-127"/>
@@ -11395,7 +12621,7 @@
               <a:t>,</a:t>
             </a:r>
             <a:r>
-              <a:rPr lang="ko-KR" altLang="en-US" sz="1800" dirty="0">
+              <a:rPr lang="ko-KR" altLang="en-US" sz="1600" dirty="0">
                 <a:latin typeface="KoPubWorld돋움체_Pro Light" panose="00000300000000000000" pitchFamily="50" charset="-127"/>
                 <a:ea typeface="KoPubWorld돋움체_Pro Light" panose="00000300000000000000" pitchFamily="50" charset="-127"/>
                 <a:cs typeface="KoPubWorld돋움체_Pro Light" panose="00000300000000000000" pitchFamily="50" charset="-127"/>
@@ -11403,7 +12629,7 @@
               <a:t> 재구매율 </a:t>
             </a:r>
             <a:r>
-              <a:rPr lang="en-US" altLang="ko-KR" sz="1800" dirty="0">
+              <a:rPr lang="en-US" altLang="ko-KR" sz="1600" dirty="0">
                 <a:latin typeface="KoPubWorld돋움체_Pro Light" panose="00000300000000000000" pitchFamily="50" charset="-127"/>
                 <a:ea typeface="KoPubWorld돋움체_Pro Light" panose="00000300000000000000" pitchFamily="50" charset="-127"/>
                 <a:cs typeface="KoPubWorld돋움체_Pro Light" panose="00000300000000000000" pitchFamily="50" charset="-127"/>
@@ -11411,7 +12637,7 @@
               <a:t>0.3 </a:t>
             </a:r>
             <a:r>
-              <a:rPr lang="ko-KR" altLang="en-US" sz="1800" dirty="0">
+              <a:rPr lang="ko-KR" altLang="en-US" sz="1600" dirty="0">
                 <a:latin typeface="KoPubWorld돋움체_Pro Light" panose="00000300000000000000" pitchFamily="50" charset="-127"/>
                 <a:ea typeface="KoPubWorld돋움체_Pro Light" panose="00000300000000000000" pitchFamily="50" charset="-127"/>
                 <a:cs typeface="KoPubWorld돋움체_Pro Light" panose="00000300000000000000" pitchFamily="50" charset="-127"/>
@@ -11419,7 +12645,7 @@
               <a:t>이하</a:t>
             </a:r>
             <a:r>
-              <a:rPr lang="en-US" altLang="ko-KR" sz="1800" dirty="0">
+              <a:rPr lang="en-US" altLang="ko-KR" sz="1600" dirty="0">
                 <a:latin typeface="KoPubWorld돋움체_Pro Light" panose="00000300000000000000" pitchFamily="50" charset="-127"/>
                 <a:ea typeface="KoPubWorld돋움체_Pro Light" panose="00000300000000000000" pitchFamily="50" charset="-127"/>
                 <a:cs typeface="KoPubWorld돋움체_Pro Light" panose="00000300000000000000" pitchFamily="50" charset="-127"/>
@@ -11427,14 +12653,14 @@
               <a:t>, </a:t>
             </a:r>
             <a:r>
-              <a:rPr lang="ko-KR" altLang="en-US" sz="1800" dirty="0">
+              <a:rPr lang="ko-KR" altLang="en-US" sz="1600" dirty="0">
                 <a:latin typeface="KoPubWorld돋움체_Pro Light" panose="00000300000000000000" pitchFamily="50" charset="-127"/>
                 <a:ea typeface="KoPubWorld돋움체_Pro Light" panose="00000300000000000000" pitchFamily="50" charset="-127"/>
                 <a:cs typeface="KoPubWorld돋움체_Pro Light" panose="00000300000000000000" pitchFamily="50" charset="-127"/>
               </a:rPr>
               <a:t>구매 주기 기준으로 불필요 구매 여부를 </a:t>
             </a:r>
-            <a:endParaRPr lang="en-US" altLang="ko-KR" sz="1800" dirty="0">
+            <a:endParaRPr lang="en-US" altLang="ko-KR" sz="1600" dirty="0">
               <a:latin typeface="KoPubWorld돋움체_Pro Light" panose="00000300000000000000" pitchFamily="50" charset="-127"/>
               <a:ea typeface="KoPubWorld돋움체_Pro Light" panose="00000300000000000000" pitchFamily="50" charset="-127"/>
               <a:cs typeface="KoPubWorld돋움체_Pro Light" panose="00000300000000000000" pitchFamily="50" charset="-127"/>
@@ -11445,7 +12671,7 @@
               <a:buNone/>
             </a:pPr>
             <a:r>
-              <a:rPr lang="ko-KR" altLang="en-US" sz="1800" dirty="0">
+              <a:rPr lang="ko-KR" altLang="en-US" sz="1600" dirty="0">
                 <a:latin typeface="KoPubWorld돋움체_Pro Light" panose="00000300000000000000" pitchFamily="50" charset="-127"/>
                 <a:ea typeface="KoPubWorld돋움체_Pro Light" panose="00000300000000000000" pitchFamily="50" charset="-127"/>
                 <a:cs typeface="KoPubWorld돋움체_Pro Light" panose="00000300000000000000" pitchFamily="50" charset="-127"/>
@@ -11483,7 +12709,7 @@
 </p:sld>
 </file>
 
-<file path=ppt/slides/slide36.xml><?xml version="1.0" encoding="utf-8"?>
+<file path=ppt/slides/slide39.xml><?xml version="1.0" encoding="utf-8"?>
 <p:sld xmlns:a="http://schemas.openxmlformats.org/drawingml/2006/main" xmlns:r="http://schemas.openxmlformats.org/officeDocument/2006/relationships" xmlns:p="http://schemas.openxmlformats.org/presentationml/2006/main">
   <p:cSld>
     <p:spTree>
@@ -11557,7 +12783,7 @@
         </p:nvSpPr>
         <p:spPr>
           <a:xfrm>
-            <a:off x="457200" y="2204864"/>
+            <a:off x="457200" y="1988840"/>
             <a:ext cx="8229600" cy="3672408"/>
           </a:xfrm>
         </p:spPr>
@@ -11574,14 +12800,14 @@
               <a:buNone/>
             </a:pPr>
             <a:r>
-              <a:rPr lang="ko-KR" altLang="en-US" sz="2400" dirty="0">
+              <a:rPr lang="ko-KR" altLang="en-US" sz="2800" dirty="0">
                 <a:latin typeface="KoPubWorld돋움체_Pro Bold" panose="00000800000000000000" pitchFamily="50" charset="-127"/>
                 <a:ea typeface="KoPubWorld돋움체_Pro Bold" panose="00000800000000000000" pitchFamily="50" charset="-127"/>
                 <a:cs typeface="KoPubWorld돋움체_Pro Bold" panose="00000800000000000000" pitchFamily="50" charset="-127"/>
               </a:rPr>
               <a:t>실제 비즈니스에 기여</a:t>
             </a:r>
-            <a:endParaRPr lang="en-US" altLang="ko-KR" sz="2400" dirty="0">
+            <a:endParaRPr lang="en-US" altLang="ko-KR" sz="2800" dirty="0">
               <a:latin typeface="KoPubWorld돋움체_Pro Bold" panose="00000800000000000000" pitchFamily="50" charset="-127"/>
               <a:ea typeface="KoPubWorld돋움체_Pro Bold" panose="00000800000000000000" pitchFamily="50" charset="-127"/>
               <a:cs typeface="KoPubWorld돋움체_Pro Bold" panose="00000800000000000000" pitchFamily="50" charset="-127"/>
@@ -11800,7 +13026,366 @@
 </p:sld>
 </file>
 
-<file path=ppt/slides/slide37.xml><?xml version="1.0" encoding="utf-8"?>
+<file path=ppt/slides/slide4.xml><?xml version="1.0" encoding="utf-8"?>
+<p:sld xmlns:a="http://schemas.openxmlformats.org/drawingml/2006/main" xmlns:r="http://schemas.openxmlformats.org/officeDocument/2006/relationships" xmlns:p="http://schemas.openxmlformats.org/presentationml/2006/main">
+  <p:cSld>
+    <p:spTree>
+      <p:nvGrpSpPr>
+        <p:cNvPr id="1" name=""/>
+        <p:cNvGrpSpPr/>
+        <p:nvPr/>
+      </p:nvGrpSpPr>
+      <p:grpSpPr>
+        <a:xfrm>
+          <a:off x="0" y="0"/>
+          <a:ext cx="0" cy="0"/>
+          <a:chOff x="0" y="0"/>
+          <a:chExt cx="0" cy="0"/>
+        </a:xfrm>
+      </p:grpSpPr>
+      <p:sp>
+        <p:nvSpPr>
+          <p:cNvPr id="2" name="제목 1"/>
+          <p:cNvSpPr>
+            <a:spLocks noGrp="1"/>
+          </p:cNvSpPr>
+          <p:nvPr>
+            <p:ph type="title"/>
+          </p:nvPr>
+        </p:nvSpPr>
+        <p:spPr>
+          <a:xfrm>
+            <a:off x="2483768" y="836712"/>
+            <a:ext cx="6203032" cy="1143000"/>
+          </a:xfrm>
+        </p:spPr>
+        <p:txBody>
+          <a:bodyPr/>
+          <a:lstStyle/>
+          <a:p>
+            <a:pPr algn="r"/>
+            <a:r>
+              <a:rPr lang="ko-KR" altLang="en-US" dirty="0">
+                <a:latin typeface="KoPubWorld돋움체_Pro Bold" panose="00000800000000000000" pitchFamily="50" charset="-127"/>
+                <a:ea typeface="KoPubWorld돋움체_Pro Bold" panose="00000800000000000000" pitchFamily="50" charset="-127"/>
+                <a:cs typeface="KoPubWorld돋움체_Pro Bold" panose="00000800000000000000" pitchFamily="50" charset="-127"/>
+              </a:rPr>
+              <a:t>프로젝트 배경 및 문제 제기</a:t>
+            </a:r>
+          </a:p>
+        </p:txBody>
+      </p:sp>
+      <p:sp>
+        <p:nvSpPr>
+          <p:cNvPr id="3" name="내용 개체 틀 2"/>
+          <p:cNvSpPr>
+            <a:spLocks noGrp="1"/>
+          </p:cNvSpPr>
+          <p:nvPr>
+            <p:ph idx="1"/>
+          </p:nvPr>
+        </p:nvSpPr>
+        <p:spPr>
+          <a:xfrm>
+            <a:off x="467544" y="1902842"/>
+            <a:ext cx="8208912" cy="3968231"/>
+          </a:xfrm>
+        </p:spPr>
+        <p:txBody>
+          <a:bodyPr>
+            <a:normAutofit/>
+          </a:bodyPr>
+          <a:lstStyle/>
+          <a:p>
+            <a:pPr marL="0" indent="0" algn="r">
+              <a:lnSpc>
+                <a:spcPct val="170000"/>
+              </a:lnSpc>
+              <a:buNone/>
+            </a:pPr>
+            <a:r>
+              <a:rPr lang="ko-KR" altLang="en-US" b="1" u="sng" dirty="0">
+                <a:latin typeface="KoPubWorld돋움체_Pro Bold" panose="00000800000000000000" pitchFamily="50" charset="-127"/>
+                <a:ea typeface="KoPubWorld돋움체_Pro Bold" panose="00000800000000000000" pitchFamily="50" charset="-127"/>
+                <a:cs typeface="KoPubWorld돋움체_Pro Bold" panose="00000800000000000000" pitchFamily="50" charset="-127"/>
+              </a:rPr>
+              <a:t>프로젝트 배경</a:t>
+            </a:r>
+            <a:endParaRPr lang="en-US" altLang="ko-KR" sz="2400" b="1" dirty="0">
+              <a:latin typeface="KoPubWorld돋움체_Pro Bold" panose="00000800000000000000" pitchFamily="50" charset="-127"/>
+              <a:ea typeface="KoPubWorld돋움체_Pro Bold" panose="00000800000000000000" pitchFamily="50" charset="-127"/>
+              <a:cs typeface="KoPubWorld돋움체_Pro Bold" panose="00000800000000000000" pitchFamily="50" charset="-127"/>
+            </a:endParaRPr>
+          </a:p>
+          <a:p>
+            <a:pPr marL="0" indent="0" algn="r">
+              <a:lnSpc>
+                <a:spcPct val="120000"/>
+              </a:lnSpc>
+              <a:buNone/>
+            </a:pPr>
+            <a:r>
+              <a:rPr lang="ko-KR" altLang="en-US" sz="1400" dirty="0">
+                <a:latin typeface="KoPubWorld돋움체_Pro Light" panose="00000300000000000000" pitchFamily="50" charset="-127"/>
+                <a:ea typeface="KoPubWorld돋움체_Pro Light" panose="00000300000000000000" pitchFamily="50" charset="-127"/>
+                <a:cs typeface="KoPubWorld돋움체_Pro Light" panose="00000300000000000000" pitchFamily="50" charset="-127"/>
+              </a:rPr>
+              <a:t>온라인 쇼핑의 보급으로 인한 충동 구매 증가</a:t>
+            </a:r>
+            <a:endParaRPr lang="en-US" altLang="ko-KR" sz="1400" dirty="0">
+              <a:latin typeface="KoPubWorld돋움체_Pro Light" panose="00000300000000000000" pitchFamily="50" charset="-127"/>
+              <a:ea typeface="KoPubWorld돋움체_Pro Light" panose="00000300000000000000" pitchFamily="50" charset="-127"/>
+              <a:cs typeface="KoPubWorld돋움체_Pro Light" panose="00000300000000000000" pitchFamily="50" charset="-127"/>
+            </a:endParaRPr>
+          </a:p>
+          <a:p>
+            <a:pPr marL="0" indent="0" algn="r">
+              <a:lnSpc>
+                <a:spcPct val="120000"/>
+              </a:lnSpc>
+              <a:buNone/>
+            </a:pPr>
+            <a:r>
+              <a:rPr lang="ko-KR" altLang="en-US" sz="1400" dirty="0">
+                <a:latin typeface="KoPubWorld돋움체_Pro Light" panose="00000300000000000000" pitchFamily="50" charset="-127"/>
+                <a:ea typeface="KoPubWorld돋움체_Pro Light" panose="00000300000000000000" pitchFamily="50" charset="-127"/>
+                <a:cs typeface="KoPubWorld돋움체_Pro Light" panose="00000300000000000000" pitchFamily="50" charset="-127"/>
+              </a:rPr>
+              <a:t>그 결과</a:t>
+            </a:r>
+            <a:r>
+              <a:rPr lang="en-US" altLang="ko-KR" sz="1400" dirty="0">
+                <a:latin typeface="KoPubWorld돋움체_Pro Light" panose="00000300000000000000" pitchFamily="50" charset="-127"/>
+                <a:ea typeface="KoPubWorld돋움체_Pro Light" panose="00000300000000000000" pitchFamily="50" charset="-127"/>
+                <a:cs typeface="KoPubWorld돋움체_Pro Light" panose="00000300000000000000" pitchFamily="50" charset="-127"/>
+              </a:rPr>
+              <a:t>, </a:t>
+            </a:r>
+            <a:r>
+              <a:rPr lang="ko-KR" altLang="en-US" sz="1400" dirty="0">
+                <a:latin typeface="KoPubWorld돋움체_Pro Light" panose="00000300000000000000" pitchFamily="50" charset="-127"/>
+                <a:ea typeface="KoPubWorld돋움체_Pro Light" panose="00000300000000000000" pitchFamily="50" charset="-127"/>
+                <a:cs typeface="KoPubWorld돋움체_Pro Light" panose="00000300000000000000" pitchFamily="50" charset="-127"/>
+              </a:rPr>
+              <a:t>구매 후 사용하지 않는 제품이 증가해 고객 불만을 초래함</a:t>
+            </a:r>
+            <a:r>
+              <a:rPr lang="en-US" altLang="ko-KR" sz="1400" dirty="0">
+                <a:latin typeface="KoPubWorld돋움체_Pro Light" panose="00000300000000000000" pitchFamily="50" charset="-127"/>
+                <a:ea typeface="KoPubWorld돋움체_Pro Light" panose="00000300000000000000" pitchFamily="50" charset="-127"/>
+                <a:cs typeface="KoPubWorld돋움체_Pro Light" panose="00000300000000000000" pitchFamily="50" charset="-127"/>
+              </a:rPr>
+              <a:t>.</a:t>
+            </a:r>
+          </a:p>
+          <a:p>
+            <a:pPr marL="0" indent="0" algn="r">
+              <a:lnSpc>
+                <a:spcPct val="150000"/>
+              </a:lnSpc>
+              <a:buNone/>
+            </a:pPr>
+            <a:r>
+              <a:rPr lang="ko-KR" altLang="en-US" sz="2400" b="1" dirty="0">
+                <a:latin typeface="KoPubWorld돋움체_Pro Bold" panose="00000800000000000000" pitchFamily="50" charset="-127"/>
+                <a:ea typeface="KoPubWorld돋움체_Pro Bold" panose="00000800000000000000" pitchFamily="50" charset="-127"/>
+                <a:cs typeface="KoPubWorld돋움체_Pro Bold" panose="00000800000000000000" pitchFamily="50" charset="-127"/>
+              </a:rPr>
+              <a:t>기업의 관점</a:t>
+            </a:r>
+            <a:endParaRPr lang="en-US" altLang="ko-KR" sz="2400" dirty="0">
+              <a:latin typeface="KoPubWorld돋움체_Pro Bold" panose="00000800000000000000" pitchFamily="50" charset="-127"/>
+              <a:ea typeface="KoPubWorld돋움체_Pro Bold" panose="00000800000000000000" pitchFamily="50" charset="-127"/>
+              <a:cs typeface="KoPubWorld돋움체_Pro Bold" panose="00000800000000000000" pitchFamily="50" charset="-127"/>
+            </a:endParaRPr>
+          </a:p>
+          <a:p>
+            <a:pPr marL="0" indent="0" algn="r">
+              <a:lnSpc>
+                <a:spcPct val="120000"/>
+              </a:lnSpc>
+              <a:buNone/>
+            </a:pPr>
+            <a:r>
+              <a:rPr lang="ko-KR" altLang="en-US" sz="1400" dirty="0">
+                <a:latin typeface="KoPubWorld돋움체_Pro Light" panose="00000300000000000000" pitchFamily="50" charset="-127"/>
+                <a:ea typeface="KoPubWorld돋움체_Pro Light" panose="00000300000000000000" pitchFamily="50" charset="-127"/>
+                <a:cs typeface="KoPubWorld돋움체_Pro Light" panose="00000300000000000000" pitchFamily="50" charset="-127"/>
+              </a:rPr>
+              <a:t>불필요 구매는 </a:t>
+            </a:r>
+            <a:r>
+              <a:rPr lang="ko-KR" altLang="en-US" sz="1400" dirty="0" err="1">
+                <a:latin typeface="KoPubWorld돋움체_Pro Light" panose="00000300000000000000" pitchFamily="50" charset="-127"/>
+                <a:ea typeface="KoPubWorld돋움체_Pro Light" panose="00000300000000000000" pitchFamily="50" charset="-127"/>
+                <a:cs typeface="KoPubWorld돋움체_Pro Light" panose="00000300000000000000" pitchFamily="50" charset="-127"/>
+              </a:rPr>
+              <a:t>반품율</a:t>
+            </a:r>
+            <a:r>
+              <a:rPr lang="ko-KR" altLang="en-US" sz="1400" dirty="0">
+                <a:latin typeface="KoPubWorld돋움체_Pro Light" panose="00000300000000000000" pitchFamily="50" charset="-127"/>
+                <a:ea typeface="KoPubWorld돋움체_Pro Light" panose="00000300000000000000" pitchFamily="50" charset="-127"/>
+                <a:cs typeface="KoPubWorld돋움체_Pro Light" panose="00000300000000000000" pitchFamily="50" charset="-127"/>
+              </a:rPr>
+              <a:t> 증가</a:t>
+            </a:r>
+            <a:r>
+              <a:rPr lang="en-US" altLang="ko-KR" sz="1400" dirty="0">
+                <a:latin typeface="KoPubWorld돋움체_Pro Light" panose="00000300000000000000" pitchFamily="50" charset="-127"/>
+                <a:ea typeface="KoPubWorld돋움체_Pro Light" panose="00000300000000000000" pitchFamily="50" charset="-127"/>
+                <a:cs typeface="KoPubWorld돋움체_Pro Light" panose="00000300000000000000" pitchFamily="50" charset="-127"/>
+              </a:rPr>
+              <a:t>, </a:t>
+            </a:r>
+            <a:r>
+              <a:rPr lang="ko-KR" altLang="en-US" sz="1400" dirty="0">
+                <a:latin typeface="KoPubWorld돋움체_Pro Light" panose="00000300000000000000" pitchFamily="50" charset="-127"/>
+                <a:ea typeface="KoPubWorld돋움체_Pro Light" panose="00000300000000000000" pitchFamily="50" charset="-127"/>
+                <a:cs typeface="KoPubWorld돋움체_Pro Light" panose="00000300000000000000" pitchFamily="50" charset="-127"/>
+              </a:rPr>
+              <a:t>재고 관리 비용 상승 등으로 이어짐</a:t>
+            </a:r>
+            <a:r>
+              <a:rPr lang="en-US" altLang="ko-KR" sz="1400" dirty="0">
+                <a:latin typeface="KoPubWorld돋움체_Pro Light" panose="00000300000000000000" pitchFamily="50" charset="-127"/>
+                <a:ea typeface="KoPubWorld돋움체_Pro Light" panose="00000300000000000000" pitchFamily="50" charset="-127"/>
+                <a:cs typeface="KoPubWorld돋움체_Pro Light" panose="00000300000000000000" pitchFamily="50" charset="-127"/>
+              </a:rPr>
+              <a:t>.</a:t>
+            </a:r>
+          </a:p>
+          <a:p>
+            <a:pPr marL="0" indent="0" algn="r">
+              <a:lnSpc>
+                <a:spcPct val="120000"/>
+              </a:lnSpc>
+              <a:buNone/>
+            </a:pPr>
+            <a:r>
+              <a:rPr lang="ko-KR" altLang="en-US" sz="1400" dirty="0">
+                <a:latin typeface="KoPubWorld돋움체_Pro Light" panose="00000300000000000000" pitchFamily="50" charset="-127"/>
+                <a:ea typeface="KoPubWorld돋움체_Pro Light" panose="00000300000000000000" pitchFamily="50" charset="-127"/>
+                <a:cs typeface="KoPubWorld돋움체_Pro Light" panose="00000300000000000000" pitchFamily="50" charset="-127"/>
+              </a:rPr>
+              <a:t>불필요 구매를 줄임으로써 고객 충성도와 운영 효율성 제고 가능</a:t>
+            </a:r>
+            <a:endParaRPr lang="en-US" altLang="ko-KR" sz="1400" dirty="0">
+              <a:latin typeface="KoPubWorld돋움체_Pro Light" panose="00000300000000000000" pitchFamily="50" charset="-127"/>
+              <a:ea typeface="KoPubWorld돋움체_Pro Light" panose="00000300000000000000" pitchFamily="50" charset="-127"/>
+              <a:cs typeface="KoPubWorld돋움체_Pro Light" panose="00000300000000000000" pitchFamily="50" charset="-127"/>
+            </a:endParaRPr>
+          </a:p>
+          <a:p>
+            <a:pPr marL="0" indent="0" algn="r">
+              <a:lnSpc>
+                <a:spcPct val="150000"/>
+              </a:lnSpc>
+              <a:buNone/>
+            </a:pPr>
+            <a:r>
+              <a:rPr lang="ko-KR" altLang="en-US" sz="2400" b="1" dirty="0">
+                <a:latin typeface="KoPubWorld돋움체_Pro Bold" panose="00000800000000000000" pitchFamily="50" charset="-127"/>
+                <a:ea typeface="KoPubWorld돋움체_Pro Bold" panose="00000800000000000000" pitchFamily="50" charset="-127"/>
+                <a:cs typeface="KoPubWorld돋움체_Pro Bold" panose="00000800000000000000" pitchFamily="50" charset="-127"/>
+              </a:rPr>
+              <a:t>소비자 관점</a:t>
+            </a:r>
+            <a:endParaRPr lang="en-US" altLang="ko-KR" sz="2400" dirty="0">
+              <a:latin typeface="KoPubWorld돋움체_Pro Bold" panose="00000800000000000000" pitchFamily="50" charset="-127"/>
+              <a:ea typeface="KoPubWorld돋움체_Pro Bold" panose="00000800000000000000" pitchFamily="50" charset="-127"/>
+              <a:cs typeface="KoPubWorld돋움체_Pro Bold" panose="00000800000000000000" pitchFamily="50" charset="-127"/>
+            </a:endParaRPr>
+          </a:p>
+          <a:p>
+            <a:pPr marL="0" indent="0" algn="r">
+              <a:lnSpc>
+                <a:spcPct val="120000"/>
+              </a:lnSpc>
+              <a:buNone/>
+            </a:pPr>
+            <a:r>
+              <a:rPr lang="ko-KR" altLang="en-US" sz="1400" dirty="0">
+                <a:latin typeface="KoPubWorld돋움체_Pro Light" panose="00000300000000000000" pitchFamily="50" charset="-127"/>
+                <a:ea typeface="KoPubWorld돋움체_Pro Light" panose="00000300000000000000" pitchFamily="50" charset="-127"/>
+                <a:cs typeface="KoPubWorld돋움체_Pro Light" panose="00000300000000000000" pitchFamily="50" charset="-127"/>
+              </a:rPr>
+              <a:t>불필요 구매는 가계 지출 부담을 가중하고</a:t>
+            </a:r>
+            <a:r>
+              <a:rPr lang="en-US" altLang="ko-KR" sz="1400" dirty="0">
+                <a:latin typeface="KoPubWorld돋움체_Pro Light" panose="00000300000000000000" pitchFamily="50" charset="-127"/>
+                <a:ea typeface="KoPubWorld돋움체_Pro Light" panose="00000300000000000000" pitchFamily="50" charset="-127"/>
+                <a:cs typeface="KoPubWorld돋움체_Pro Light" panose="00000300000000000000" pitchFamily="50" charset="-127"/>
+              </a:rPr>
+              <a:t>, </a:t>
+            </a:r>
+            <a:r>
+              <a:rPr lang="ko-KR" altLang="en-US" sz="1400" dirty="0">
+                <a:latin typeface="KoPubWorld돋움체_Pro Light" panose="00000300000000000000" pitchFamily="50" charset="-127"/>
+                <a:ea typeface="KoPubWorld돋움체_Pro Light" panose="00000300000000000000" pitchFamily="50" charset="-127"/>
+                <a:cs typeface="KoPubWorld돋움체_Pro Light" panose="00000300000000000000" pitchFamily="50" charset="-127"/>
+              </a:rPr>
+              <a:t>심리적 스트레스 유발</a:t>
+            </a:r>
+            <a:r>
+              <a:rPr lang="en-US" altLang="ko-KR" sz="1400" dirty="0">
+                <a:latin typeface="KoPubWorld돋움체_Pro Light" panose="00000300000000000000" pitchFamily="50" charset="-127"/>
+                <a:ea typeface="KoPubWorld돋움체_Pro Light" panose="00000300000000000000" pitchFamily="50" charset="-127"/>
+                <a:cs typeface="KoPubWorld돋움체_Pro Light" panose="00000300000000000000" pitchFamily="50" charset="-127"/>
+              </a:rPr>
+              <a:t>.</a:t>
+            </a:r>
+          </a:p>
+          <a:p>
+            <a:pPr marL="0" indent="0" algn="r">
+              <a:lnSpc>
+                <a:spcPct val="120000"/>
+              </a:lnSpc>
+              <a:buNone/>
+            </a:pPr>
+            <a:r>
+              <a:rPr lang="ko-KR" altLang="en-US" sz="1400" dirty="0">
+                <a:latin typeface="KoPubWorld돋움체_Pro Light" panose="00000300000000000000" pitchFamily="50" charset="-127"/>
+                <a:ea typeface="KoPubWorld돋움체_Pro Light" panose="00000300000000000000" pitchFamily="50" charset="-127"/>
+                <a:cs typeface="KoPubWorld돋움체_Pro Light" panose="00000300000000000000" pitchFamily="50" charset="-127"/>
+              </a:rPr>
+              <a:t>개인 맞춤형 솔루션이 있다면 소비자 만족도와 쇼핑 경험이 개선될 가능성이 큼</a:t>
+            </a:r>
+            <a:r>
+              <a:rPr lang="en-US" altLang="ko-KR" sz="1400" dirty="0">
+                <a:latin typeface="KoPubWorld돋움체_Pro Light" panose="00000300000000000000" pitchFamily="50" charset="-127"/>
+                <a:ea typeface="KoPubWorld돋움체_Pro Light" panose="00000300000000000000" pitchFamily="50" charset="-127"/>
+                <a:cs typeface="KoPubWorld돋움체_Pro Light" panose="00000300000000000000" pitchFamily="50" charset="-127"/>
+              </a:rPr>
+              <a:t>.</a:t>
+            </a:r>
+          </a:p>
+          <a:p>
+            <a:pPr marL="0" indent="0" algn="r">
+              <a:buNone/>
+            </a:pPr>
+            <a:endParaRPr lang="en-US" altLang="ko-KR" b="1" u="sng" dirty="0">
+              <a:latin typeface="KoPub돋움체_Pro Bold" pitchFamily="50" charset="-127"/>
+              <a:ea typeface="KoPub돋움체_Pro Bold" pitchFamily="50" charset="-127"/>
+            </a:endParaRPr>
+          </a:p>
+        </p:txBody>
+      </p:sp>
+    </p:spTree>
+    <p:extLst>
+      <p:ext uri="{BB962C8B-B14F-4D97-AF65-F5344CB8AC3E}">
+        <p14:creationId xmlns:p14="http://schemas.microsoft.com/office/powerpoint/2010/main" val="639306956"/>
+      </p:ext>
+    </p:extLst>
+  </p:cSld>
+  <p:clrMapOvr>
+    <a:masterClrMapping/>
+  </p:clrMapOvr>
+</p:sld>
+</file>
+
+<file path=ppt/slides/slide40.xml><?xml version="1.0" encoding="utf-8"?>
 <p:sld xmlns:a="http://schemas.openxmlformats.org/drawingml/2006/main" xmlns:r="http://schemas.openxmlformats.org/officeDocument/2006/relationships" xmlns:p="http://schemas.openxmlformats.org/presentationml/2006/main">
   <p:cSld>
     <p:spTree>
@@ -12143,7 +13728,7 @@
 </p:sld>
 </file>
 
-<file path=ppt/slides/slide38.xml><?xml version="1.0" encoding="utf-8"?>
+<file path=ppt/slides/slide41.xml><?xml version="1.0" encoding="utf-8"?>
 <p:sld xmlns:a="http://schemas.openxmlformats.org/drawingml/2006/main" xmlns:r="http://schemas.openxmlformats.org/officeDocument/2006/relationships" xmlns:p="http://schemas.openxmlformats.org/presentationml/2006/main">
   <p:cSld>
     <p:spTree>
@@ -12215,8 +13800,8 @@
         </p:nvSpPr>
         <p:spPr bwMode="auto">
           <a:xfrm>
-            <a:off x="472982" y="2492896"/>
-            <a:ext cx="7659469" cy="2686889"/>
+            <a:off x="472982" y="2312847"/>
+            <a:ext cx="7659469" cy="3046988"/>
           </a:xfrm>
           <a:prstGeom prst="rect">
             <a:avLst/>
@@ -12397,6 +13982,59 @@
               <a:tabLst/>
             </a:pPr>
             <a:r>
+              <a:rPr lang="ko-KR" altLang="en-US" sz="1800" dirty="0">
+                <a:latin typeface="KoPubWorld돋움체_Pro Light" panose="00000300000000000000" pitchFamily="50" charset="-127"/>
+                <a:ea typeface="KoPubWorld돋움체_Pro Light" panose="00000300000000000000" pitchFamily="50" charset="-127"/>
+                <a:cs typeface="KoPubWorld돋움체_Pro Light" panose="00000300000000000000" pitchFamily="50" charset="-127"/>
+              </a:rPr>
+              <a:t>웹 </a:t>
+            </a:r>
+            <a:r>
+              <a:rPr lang="ko-KR" altLang="en-US" sz="1800" dirty="0" err="1">
+                <a:latin typeface="KoPubWorld돋움체_Pro Light" panose="00000300000000000000" pitchFamily="50" charset="-127"/>
+                <a:ea typeface="KoPubWorld돋움체_Pro Light" panose="00000300000000000000" pitchFamily="50" charset="-127"/>
+                <a:cs typeface="KoPubWorld돋움체_Pro Light" panose="00000300000000000000" pitchFamily="50" charset="-127"/>
+              </a:rPr>
+              <a:t>크롤링을</a:t>
+            </a:r>
+            <a:r>
+              <a:rPr lang="ko-KR" altLang="en-US" sz="1800" dirty="0">
+                <a:latin typeface="KoPubWorld돋움체_Pro Light" panose="00000300000000000000" pitchFamily="50" charset="-127"/>
+                <a:ea typeface="KoPubWorld돋움체_Pro Light" panose="00000300000000000000" pitchFamily="50" charset="-127"/>
+                <a:cs typeface="KoPubWorld돋움체_Pro Light" panose="00000300000000000000" pitchFamily="50" charset="-127"/>
+              </a:rPr>
+              <a:t> 활용한 데이터셋 보완</a:t>
+            </a:r>
+            <a:endParaRPr kumimoji="0" lang="en-US" altLang="ko-KR" sz="1800" i="0" u="none" strike="noStrike" cap="none" normalizeH="0" baseline="0" dirty="0">
+              <a:ln>
+                <a:noFill/>
+              </a:ln>
+              <a:solidFill>
+                <a:schemeClr val="tx1"/>
+              </a:solidFill>
+              <a:effectLst/>
+              <a:latin typeface="KoPubWorld돋움체_Pro Light" panose="00000300000000000000" pitchFamily="50" charset="-127"/>
+              <a:ea typeface="KoPubWorld돋움체_Pro Light" panose="00000300000000000000" pitchFamily="50" charset="-127"/>
+              <a:cs typeface="KoPubWorld돋움체_Pro Light" panose="00000300000000000000" pitchFamily="50" charset="-127"/>
+            </a:endParaRPr>
+          </a:p>
+          <a:p>
+            <a:pPr marL="0" marR="0" lvl="0" indent="0" algn="l" defTabSz="914400" rtl="0" eaLnBrk="0" fontAlgn="base" latinLnBrk="0" hangingPunct="0">
+              <a:lnSpc>
+                <a:spcPct val="130000"/>
+              </a:lnSpc>
+              <a:spcBef>
+                <a:spcPct val="0"/>
+              </a:spcBef>
+              <a:spcAft>
+                <a:spcPct val="0"/>
+              </a:spcAft>
+              <a:buClrTx/>
+              <a:buSzTx/>
+              <a:buNone/>
+              <a:tabLst/>
+            </a:pPr>
+            <a:r>
               <a:rPr kumimoji="0" lang="ko-KR" altLang="ko-KR" sz="1800" i="0" u="none" strike="noStrike" cap="none" normalizeH="0" baseline="0" dirty="0">
                 <a:ln>
                   <a:noFill/>
@@ -12603,7 +14241,7 @@
 </p:sld>
 </file>
 
-<file path=ppt/slides/slide39.xml><?xml version="1.0" encoding="utf-8"?>
+<file path=ppt/slides/slide42.xml><?xml version="1.0" encoding="utf-8"?>
 <p:sld xmlns:a="http://schemas.openxmlformats.org/drawingml/2006/main" xmlns:r="http://schemas.openxmlformats.org/officeDocument/2006/relationships" xmlns:p="http://schemas.openxmlformats.org/presentationml/2006/main">
   <p:cSld>
     <p:spTree>
@@ -12768,7 +14406,7 @@
 </p:sld>
 </file>
 
-<file path=ppt/slides/slide4.xml><?xml version="1.0" encoding="utf-8"?>
+<file path=ppt/slides/slide5.xml><?xml version="1.0" encoding="utf-8"?>
 <p:sld xmlns:a="http://schemas.openxmlformats.org/drawingml/2006/main" xmlns:r="http://schemas.openxmlformats.org/officeDocument/2006/relationships" xmlns:p="http://schemas.openxmlformats.org/presentationml/2006/main">
   <p:cSld>
     <p:spTree>
@@ -12787,7 +14425,13 @@
       </p:grpSpPr>
       <p:sp>
         <p:nvSpPr>
-          <p:cNvPr id="2" name="제목 1"/>
+          <p:cNvPr id="2" name="제목 1">
+            <a:extLst>
+              <a:ext uri="{FF2B5EF4-FFF2-40B4-BE49-F238E27FC236}">
+                <a16:creationId xmlns:a16="http://schemas.microsoft.com/office/drawing/2014/main" id="{B90A2ACE-776C-4B27-9C6E-5250C1376E1C}"/>
+              </a:ext>
+            </a:extLst>
+          </p:cNvPr>
           <p:cNvSpPr>
             <a:spLocks noGrp="1"/>
           </p:cNvSpPr>
@@ -12797,327 +14441,123 @@
         </p:nvSpPr>
         <p:spPr>
           <a:xfrm>
-            <a:off x="2483768" y="836712"/>
-            <a:ext cx="6203032" cy="1143000"/>
+            <a:off x="4680013" y="2276872"/>
+            <a:ext cx="3384376" cy="1152128"/>
           </a:xfrm>
         </p:spPr>
         <p:txBody>
           <a:bodyPr/>
           <a:lstStyle/>
           <a:p>
-            <a:pPr algn="r"/>
             <a:r>
               <a:rPr lang="ko-KR" altLang="en-US" dirty="0">
                 <a:latin typeface="KoPubWorld돋움체_Pro Bold" panose="00000800000000000000" pitchFamily="50" charset="-127"/>
                 <a:ea typeface="KoPubWorld돋움체_Pro Bold" panose="00000800000000000000" pitchFamily="50" charset="-127"/>
                 <a:cs typeface="KoPubWorld돋움체_Pro Bold" panose="00000800000000000000" pitchFamily="50" charset="-127"/>
               </a:rPr>
-              <a:t>프로젝트 배경 및 문제 제기</a:t>
+              <a:t>트렌드 분석 </a:t>
+            </a:r>
+            <a:r>
+              <a:rPr lang="en-US" altLang="ko-KR" dirty="0">
+                <a:latin typeface="KoPubWorld돋움체_Pro Bold" panose="00000800000000000000" pitchFamily="50" charset="-127"/>
+                <a:ea typeface="KoPubWorld돋움체_Pro Bold" panose="00000800000000000000" pitchFamily="50" charset="-127"/>
+                <a:cs typeface="KoPubWorld돋움체_Pro Bold" panose="00000800000000000000" pitchFamily="50" charset="-127"/>
+              </a:rPr>
+              <a:t>:</a:t>
+            </a:r>
+            <a:br>
+              <a:rPr lang="en-US" altLang="ko-KR" dirty="0">
+                <a:latin typeface="KoPubWorld돋움체_Pro Bold" panose="00000800000000000000" pitchFamily="50" charset="-127"/>
+                <a:ea typeface="KoPubWorld돋움체_Pro Bold" panose="00000800000000000000" pitchFamily="50" charset="-127"/>
+                <a:cs typeface="KoPubWorld돋움체_Pro Bold" panose="00000800000000000000" pitchFamily="50" charset="-127"/>
+              </a:rPr>
+            </a:br>
+            <a:r>
+              <a:rPr lang="ko-KR" altLang="en-US" sz="2400" dirty="0">
+                <a:latin typeface="KoPubWorld돋움체_Pro Bold" panose="00000800000000000000" pitchFamily="50" charset="-127"/>
+                <a:ea typeface="KoPubWorld돋움체_Pro Bold" panose="00000800000000000000" pitchFamily="50" charset="-127"/>
+                <a:cs typeface="KoPubWorld돋움체_Pro Bold" panose="00000800000000000000" pitchFamily="50" charset="-127"/>
+              </a:rPr>
+              <a:t>날짜 당 검색 횟수</a:t>
             </a:r>
           </a:p>
         </p:txBody>
       </p:sp>
-      <p:sp>
-        <p:nvSpPr>
-          <p:cNvPr id="3" name="내용 개체 틀 2"/>
-          <p:cNvSpPr>
-            <a:spLocks noGrp="1"/>
-          </p:cNvSpPr>
+      <p:pic>
+        <p:nvPicPr>
+          <p:cNvPr id="7" name="내용 개체 틀 6">
+            <a:extLst>
+              <a:ext uri="{FF2B5EF4-FFF2-40B4-BE49-F238E27FC236}">
+                <a16:creationId xmlns:a16="http://schemas.microsoft.com/office/drawing/2014/main" id="{15AF4E53-A97E-4137-B2E8-C37B2F15CFC4}"/>
+              </a:ext>
+            </a:extLst>
+          </p:cNvPr>
+          <p:cNvPicPr>
+            <a:picLocks noGrp="1" noChangeAspect="1"/>
+          </p:cNvPicPr>
           <p:nvPr>
             <p:ph idx="1"/>
           </p:nvPr>
-        </p:nvSpPr>
+        </p:nvPicPr>
+        <p:blipFill>
+          <a:blip r:embed="rId2">
+            <a:extLst>
+              <a:ext uri="{28A0092B-C50C-407E-A947-70E740481C1C}">
+                <a14:useLocalDpi xmlns:a14="http://schemas.microsoft.com/office/drawing/2010/main" val="0"/>
+              </a:ext>
+            </a:extLst>
+          </a:blip>
+          <a:stretch>
+            <a:fillRect/>
+          </a:stretch>
+        </p:blipFill>
         <p:spPr>
           <a:xfrm>
-            <a:off x="467544" y="1902842"/>
-            <a:ext cx="8208912" cy="3968231"/>
+            <a:off x="395536" y="908720"/>
+            <a:ext cx="3433503" cy="5174434"/>
           </a:xfrm>
         </p:spPr>
-        <p:txBody>
-          <a:bodyPr>
-            <a:normAutofit/>
-          </a:bodyPr>
-          <a:lstStyle/>
-          <a:p>
-            <a:pPr marL="0" indent="0" algn="r">
-              <a:lnSpc>
-                <a:spcPct val="170000"/>
-              </a:lnSpc>
-              <a:buNone/>
-            </a:pPr>
-            <a:r>
-              <a:rPr lang="ko-KR" altLang="en-US" b="1" u="sng" dirty="0">
-                <a:latin typeface="KoPubWorld돋움체_Pro Bold" panose="00000800000000000000" pitchFamily="50" charset="-127"/>
-                <a:ea typeface="KoPubWorld돋움체_Pro Bold" panose="00000800000000000000" pitchFamily="50" charset="-127"/>
-                <a:cs typeface="KoPubWorld돋움체_Pro Bold" panose="00000800000000000000" pitchFamily="50" charset="-127"/>
-              </a:rPr>
-              <a:t>프로젝트 배경</a:t>
-            </a:r>
-            <a:endParaRPr lang="en-US" altLang="ko-KR" sz="2400" b="1" dirty="0">
-              <a:latin typeface="KoPubWorld돋움체_Pro Bold" panose="00000800000000000000" pitchFamily="50" charset="-127"/>
-              <a:ea typeface="KoPubWorld돋움체_Pro Bold" panose="00000800000000000000" pitchFamily="50" charset="-127"/>
-              <a:cs typeface="KoPubWorld돋움체_Pro Bold" panose="00000800000000000000" pitchFamily="50" charset="-127"/>
-            </a:endParaRPr>
-          </a:p>
-          <a:p>
-            <a:pPr marL="0" indent="0" algn="r">
-              <a:lnSpc>
-                <a:spcPct val="120000"/>
-              </a:lnSpc>
-              <a:buNone/>
-            </a:pPr>
-            <a:r>
-              <a:rPr lang="ko-KR" altLang="en-US" sz="1400" dirty="0">
-                <a:latin typeface="KoPubWorld돋움체_Pro Light" panose="00000300000000000000" pitchFamily="50" charset="-127"/>
-                <a:ea typeface="KoPubWorld돋움체_Pro Light" panose="00000300000000000000" pitchFamily="50" charset="-127"/>
-                <a:cs typeface="KoPubWorld돋움체_Pro Light" panose="00000300000000000000" pitchFamily="50" charset="-127"/>
-              </a:rPr>
-              <a:t>온라인 쇼핑의 보급으로 인한 충동 구매 증가</a:t>
-            </a:r>
-            <a:endParaRPr lang="en-US" altLang="ko-KR" sz="1400" dirty="0">
-              <a:latin typeface="KoPubWorld돋움체_Pro Light" panose="00000300000000000000" pitchFamily="50" charset="-127"/>
-              <a:ea typeface="KoPubWorld돋움체_Pro Light" panose="00000300000000000000" pitchFamily="50" charset="-127"/>
-              <a:cs typeface="KoPubWorld돋움체_Pro Light" panose="00000300000000000000" pitchFamily="50" charset="-127"/>
-            </a:endParaRPr>
-          </a:p>
-          <a:p>
-            <a:pPr marL="0" indent="0" algn="r">
-              <a:lnSpc>
-                <a:spcPct val="120000"/>
-              </a:lnSpc>
-              <a:buNone/>
-            </a:pPr>
-            <a:r>
-              <a:rPr lang="ko-KR" altLang="en-US" sz="1400" dirty="0">
-                <a:latin typeface="KoPubWorld돋움체_Pro Light" panose="00000300000000000000" pitchFamily="50" charset="-127"/>
-                <a:ea typeface="KoPubWorld돋움체_Pro Light" panose="00000300000000000000" pitchFamily="50" charset="-127"/>
-                <a:cs typeface="KoPubWorld돋움체_Pro Light" panose="00000300000000000000" pitchFamily="50" charset="-127"/>
-              </a:rPr>
-              <a:t>그 결과</a:t>
-            </a:r>
-            <a:r>
-              <a:rPr lang="en-US" altLang="ko-KR" sz="1400" dirty="0">
-                <a:latin typeface="KoPubWorld돋움체_Pro Light" panose="00000300000000000000" pitchFamily="50" charset="-127"/>
-                <a:ea typeface="KoPubWorld돋움체_Pro Light" panose="00000300000000000000" pitchFamily="50" charset="-127"/>
-                <a:cs typeface="KoPubWorld돋움체_Pro Light" panose="00000300000000000000" pitchFamily="50" charset="-127"/>
-              </a:rPr>
-              <a:t>, </a:t>
-            </a:r>
-            <a:r>
-              <a:rPr lang="ko-KR" altLang="en-US" sz="1400" dirty="0">
-                <a:latin typeface="KoPubWorld돋움체_Pro Light" panose="00000300000000000000" pitchFamily="50" charset="-127"/>
-                <a:ea typeface="KoPubWorld돋움체_Pro Light" panose="00000300000000000000" pitchFamily="50" charset="-127"/>
-                <a:cs typeface="KoPubWorld돋움체_Pro Light" panose="00000300000000000000" pitchFamily="50" charset="-127"/>
-              </a:rPr>
-              <a:t>구매 후 사용하지 않는 제품이 증가해 고객 불만을 초래함</a:t>
-            </a:r>
-            <a:r>
-              <a:rPr lang="en-US" altLang="ko-KR" sz="1400" dirty="0">
-                <a:latin typeface="KoPubWorld돋움체_Pro Light" panose="00000300000000000000" pitchFamily="50" charset="-127"/>
-                <a:ea typeface="KoPubWorld돋움체_Pro Light" panose="00000300000000000000" pitchFamily="50" charset="-127"/>
-                <a:cs typeface="KoPubWorld돋움체_Pro Light" panose="00000300000000000000" pitchFamily="50" charset="-127"/>
-              </a:rPr>
-              <a:t>.</a:t>
-            </a:r>
-          </a:p>
-          <a:p>
-            <a:pPr marL="0" indent="0" algn="r">
-              <a:lnSpc>
-                <a:spcPct val="150000"/>
-              </a:lnSpc>
-              <a:buNone/>
-            </a:pPr>
-            <a:r>
-              <a:rPr lang="ko-KR" altLang="en-US" sz="2400" b="1" dirty="0">
-                <a:latin typeface="KoPubWorld돋움체_Pro Bold" panose="00000800000000000000" pitchFamily="50" charset="-127"/>
-                <a:ea typeface="KoPubWorld돋움체_Pro Bold" panose="00000800000000000000" pitchFamily="50" charset="-127"/>
-                <a:cs typeface="KoPubWorld돋움체_Pro Bold" panose="00000800000000000000" pitchFamily="50" charset="-127"/>
-              </a:rPr>
-              <a:t>기업의 관점</a:t>
-            </a:r>
-            <a:endParaRPr lang="en-US" altLang="ko-KR" sz="2400" dirty="0">
-              <a:latin typeface="KoPubWorld돋움체_Pro Bold" panose="00000800000000000000" pitchFamily="50" charset="-127"/>
-              <a:ea typeface="KoPubWorld돋움체_Pro Bold" panose="00000800000000000000" pitchFamily="50" charset="-127"/>
-              <a:cs typeface="KoPubWorld돋움체_Pro Bold" panose="00000800000000000000" pitchFamily="50" charset="-127"/>
-            </a:endParaRPr>
-          </a:p>
-          <a:p>
-            <a:pPr marL="0" indent="0" algn="r">
-              <a:lnSpc>
-                <a:spcPct val="120000"/>
-              </a:lnSpc>
-              <a:buNone/>
-            </a:pPr>
-            <a:r>
-              <a:rPr lang="ko-KR" altLang="en-US" sz="1400" dirty="0">
-                <a:latin typeface="KoPubWorld돋움체_Pro Light" panose="00000300000000000000" pitchFamily="50" charset="-127"/>
-                <a:ea typeface="KoPubWorld돋움체_Pro Light" panose="00000300000000000000" pitchFamily="50" charset="-127"/>
-                <a:cs typeface="KoPubWorld돋움체_Pro Light" panose="00000300000000000000" pitchFamily="50" charset="-127"/>
-              </a:rPr>
-              <a:t>불필요 구매는 </a:t>
-            </a:r>
-            <a:r>
-              <a:rPr lang="ko-KR" altLang="en-US" sz="1400" dirty="0" err="1">
-                <a:latin typeface="KoPubWorld돋움체_Pro Light" panose="00000300000000000000" pitchFamily="50" charset="-127"/>
-                <a:ea typeface="KoPubWorld돋움체_Pro Light" panose="00000300000000000000" pitchFamily="50" charset="-127"/>
-                <a:cs typeface="KoPubWorld돋움체_Pro Light" panose="00000300000000000000" pitchFamily="50" charset="-127"/>
-              </a:rPr>
-              <a:t>반품율</a:t>
-            </a:r>
-            <a:r>
-              <a:rPr lang="ko-KR" altLang="en-US" sz="1400" dirty="0">
-                <a:latin typeface="KoPubWorld돋움체_Pro Light" panose="00000300000000000000" pitchFamily="50" charset="-127"/>
-                <a:ea typeface="KoPubWorld돋움체_Pro Light" panose="00000300000000000000" pitchFamily="50" charset="-127"/>
-                <a:cs typeface="KoPubWorld돋움체_Pro Light" panose="00000300000000000000" pitchFamily="50" charset="-127"/>
-              </a:rPr>
-              <a:t> 증가</a:t>
-            </a:r>
-            <a:r>
-              <a:rPr lang="en-US" altLang="ko-KR" sz="1400" dirty="0">
-                <a:latin typeface="KoPubWorld돋움체_Pro Light" panose="00000300000000000000" pitchFamily="50" charset="-127"/>
-                <a:ea typeface="KoPubWorld돋움체_Pro Light" panose="00000300000000000000" pitchFamily="50" charset="-127"/>
-                <a:cs typeface="KoPubWorld돋움체_Pro Light" panose="00000300000000000000" pitchFamily="50" charset="-127"/>
-              </a:rPr>
-              <a:t>, </a:t>
-            </a:r>
-            <a:r>
-              <a:rPr lang="ko-KR" altLang="en-US" sz="1400" dirty="0">
-                <a:latin typeface="KoPubWorld돋움체_Pro Light" panose="00000300000000000000" pitchFamily="50" charset="-127"/>
-                <a:ea typeface="KoPubWorld돋움체_Pro Light" panose="00000300000000000000" pitchFamily="50" charset="-127"/>
-                <a:cs typeface="KoPubWorld돋움체_Pro Light" panose="00000300000000000000" pitchFamily="50" charset="-127"/>
-              </a:rPr>
-              <a:t>재고 관리 비용 상승 등으로 이어짐</a:t>
-            </a:r>
-            <a:r>
-              <a:rPr lang="en-US" altLang="ko-KR" sz="1400" dirty="0">
-                <a:latin typeface="KoPubWorld돋움체_Pro Light" panose="00000300000000000000" pitchFamily="50" charset="-127"/>
-                <a:ea typeface="KoPubWorld돋움체_Pro Light" panose="00000300000000000000" pitchFamily="50" charset="-127"/>
-                <a:cs typeface="KoPubWorld돋움체_Pro Light" panose="00000300000000000000" pitchFamily="50" charset="-127"/>
-              </a:rPr>
-              <a:t>.</a:t>
-            </a:r>
-          </a:p>
-          <a:p>
-            <a:pPr marL="0" indent="0" algn="r">
-              <a:lnSpc>
-                <a:spcPct val="120000"/>
-              </a:lnSpc>
-              <a:buNone/>
-            </a:pPr>
-            <a:r>
-              <a:rPr lang="ko-KR" altLang="en-US" sz="1400" dirty="0">
-                <a:latin typeface="KoPubWorld돋움체_Pro Light" panose="00000300000000000000" pitchFamily="50" charset="-127"/>
-                <a:ea typeface="KoPubWorld돋움체_Pro Light" panose="00000300000000000000" pitchFamily="50" charset="-127"/>
-                <a:cs typeface="KoPubWorld돋움체_Pro Light" panose="00000300000000000000" pitchFamily="50" charset="-127"/>
-              </a:rPr>
-              <a:t>불필요 구매를 줄임으로써 고객 충성도와 운영 효율성 제고 가능</a:t>
-            </a:r>
-            <a:endParaRPr lang="en-US" altLang="ko-KR" sz="1400" dirty="0">
-              <a:latin typeface="KoPubWorld돋움체_Pro Light" panose="00000300000000000000" pitchFamily="50" charset="-127"/>
-              <a:ea typeface="KoPubWorld돋움체_Pro Light" panose="00000300000000000000" pitchFamily="50" charset="-127"/>
-              <a:cs typeface="KoPubWorld돋움체_Pro Light" panose="00000300000000000000" pitchFamily="50" charset="-127"/>
-            </a:endParaRPr>
-          </a:p>
-          <a:p>
-            <a:pPr marL="0" indent="0" algn="r">
-              <a:lnSpc>
-                <a:spcPct val="150000"/>
-              </a:lnSpc>
-              <a:buNone/>
-            </a:pPr>
-            <a:r>
-              <a:rPr lang="ko-KR" altLang="en-US" sz="2400" b="1" dirty="0">
-                <a:latin typeface="KoPubWorld돋움체_Pro Bold" panose="00000800000000000000" pitchFamily="50" charset="-127"/>
-                <a:ea typeface="KoPubWorld돋움체_Pro Bold" panose="00000800000000000000" pitchFamily="50" charset="-127"/>
-                <a:cs typeface="KoPubWorld돋움체_Pro Bold" panose="00000800000000000000" pitchFamily="50" charset="-127"/>
-              </a:rPr>
-              <a:t>소비자 관점</a:t>
-            </a:r>
-            <a:endParaRPr lang="en-US" altLang="ko-KR" sz="2400" dirty="0">
-              <a:latin typeface="KoPubWorld돋움체_Pro Bold" panose="00000800000000000000" pitchFamily="50" charset="-127"/>
-              <a:ea typeface="KoPubWorld돋움체_Pro Bold" panose="00000800000000000000" pitchFamily="50" charset="-127"/>
-              <a:cs typeface="KoPubWorld돋움체_Pro Bold" panose="00000800000000000000" pitchFamily="50" charset="-127"/>
-            </a:endParaRPr>
-          </a:p>
-          <a:p>
-            <a:pPr marL="0" indent="0" algn="r">
-              <a:lnSpc>
-                <a:spcPct val="120000"/>
-              </a:lnSpc>
-              <a:buNone/>
-            </a:pPr>
-            <a:r>
-              <a:rPr lang="ko-KR" altLang="en-US" sz="1400" dirty="0">
-                <a:latin typeface="KoPubWorld돋움체_Pro Light" panose="00000300000000000000" pitchFamily="50" charset="-127"/>
-                <a:ea typeface="KoPubWorld돋움체_Pro Light" panose="00000300000000000000" pitchFamily="50" charset="-127"/>
-                <a:cs typeface="KoPubWorld돋움체_Pro Light" panose="00000300000000000000" pitchFamily="50" charset="-127"/>
-              </a:rPr>
-              <a:t>불필요 구매는 가계 지출 부담을 가중하고</a:t>
-            </a:r>
-            <a:r>
-              <a:rPr lang="en-US" altLang="ko-KR" sz="1400" dirty="0">
-                <a:latin typeface="KoPubWorld돋움체_Pro Light" panose="00000300000000000000" pitchFamily="50" charset="-127"/>
-                <a:ea typeface="KoPubWorld돋움체_Pro Light" panose="00000300000000000000" pitchFamily="50" charset="-127"/>
-                <a:cs typeface="KoPubWorld돋움체_Pro Light" panose="00000300000000000000" pitchFamily="50" charset="-127"/>
-              </a:rPr>
-              <a:t>, </a:t>
-            </a:r>
-            <a:r>
-              <a:rPr lang="ko-KR" altLang="en-US" sz="1400" dirty="0">
-                <a:latin typeface="KoPubWorld돋움체_Pro Light" panose="00000300000000000000" pitchFamily="50" charset="-127"/>
-                <a:ea typeface="KoPubWorld돋움체_Pro Light" panose="00000300000000000000" pitchFamily="50" charset="-127"/>
-                <a:cs typeface="KoPubWorld돋움체_Pro Light" panose="00000300000000000000" pitchFamily="50" charset="-127"/>
-              </a:rPr>
-              <a:t>심리적 스트레스 유발</a:t>
-            </a:r>
-            <a:r>
-              <a:rPr lang="en-US" altLang="ko-KR" sz="1400" dirty="0">
-                <a:latin typeface="KoPubWorld돋움체_Pro Light" panose="00000300000000000000" pitchFamily="50" charset="-127"/>
-                <a:ea typeface="KoPubWorld돋움체_Pro Light" panose="00000300000000000000" pitchFamily="50" charset="-127"/>
-                <a:cs typeface="KoPubWorld돋움체_Pro Light" panose="00000300000000000000" pitchFamily="50" charset="-127"/>
-              </a:rPr>
-              <a:t>.</a:t>
-            </a:r>
-          </a:p>
-          <a:p>
-            <a:pPr marL="0" indent="0" algn="r">
-              <a:lnSpc>
-                <a:spcPct val="120000"/>
-              </a:lnSpc>
-              <a:buNone/>
-            </a:pPr>
-            <a:r>
-              <a:rPr lang="ko-KR" altLang="en-US" sz="1400" dirty="0">
-                <a:latin typeface="KoPubWorld돋움체_Pro Light" panose="00000300000000000000" pitchFamily="50" charset="-127"/>
-                <a:ea typeface="KoPubWorld돋움체_Pro Light" panose="00000300000000000000" pitchFamily="50" charset="-127"/>
-                <a:cs typeface="KoPubWorld돋움체_Pro Light" panose="00000300000000000000" pitchFamily="50" charset="-127"/>
-              </a:rPr>
-              <a:t>개인 맞춤형 솔루션이 있다면 소비자 만족도와 쇼핑 경험이 개선될 가능성이 큼</a:t>
-            </a:r>
-            <a:r>
-              <a:rPr lang="en-US" altLang="ko-KR" sz="1400" dirty="0">
-                <a:latin typeface="KoPubWorld돋움체_Pro Light" panose="00000300000000000000" pitchFamily="50" charset="-127"/>
-                <a:ea typeface="KoPubWorld돋움체_Pro Light" panose="00000300000000000000" pitchFamily="50" charset="-127"/>
-                <a:cs typeface="KoPubWorld돋움체_Pro Light" panose="00000300000000000000" pitchFamily="50" charset="-127"/>
-              </a:rPr>
-              <a:t>.</a:t>
-            </a:r>
-          </a:p>
-          <a:p>
-            <a:pPr marL="0" indent="0" algn="r">
-              <a:buNone/>
-            </a:pPr>
-            <a:endParaRPr lang="en-US" altLang="ko-KR" b="1" u="sng" dirty="0">
-              <a:latin typeface="KoPub돋움체_Pro Bold" pitchFamily="50" charset="-127"/>
-              <a:ea typeface="KoPub돋움체_Pro Bold" pitchFamily="50" charset="-127"/>
-            </a:endParaRPr>
-          </a:p>
-        </p:txBody>
-      </p:sp>
+      </p:pic>
+      <p:pic>
+        <p:nvPicPr>
+          <p:cNvPr id="9" name="그림 8">
+            <a:extLst>
+              <a:ext uri="{FF2B5EF4-FFF2-40B4-BE49-F238E27FC236}">
+                <a16:creationId xmlns:a16="http://schemas.microsoft.com/office/drawing/2014/main" id="{24841F27-D8EE-4603-9136-93E4A2E2216E}"/>
+              </a:ext>
+            </a:extLst>
+          </p:cNvPr>
+          <p:cNvPicPr>
+            <a:picLocks noChangeAspect="1"/>
+          </p:cNvPicPr>
+          <p:nvPr/>
+        </p:nvPicPr>
+        <p:blipFill>
+          <a:blip r:embed="rId3">
+            <a:extLst>
+              <a:ext uri="{28A0092B-C50C-407E-A947-70E740481C1C}">
+                <a14:useLocalDpi xmlns:a14="http://schemas.microsoft.com/office/drawing/2010/main" val="0"/>
+              </a:ext>
+            </a:extLst>
+          </a:blip>
+          <a:stretch>
+            <a:fillRect/>
+          </a:stretch>
+        </p:blipFill>
+        <p:spPr>
+          <a:xfrm>
+            <a:off x="3995937" y="4048145"/>
+            <a:ext cx="4752528" cy="2035009"/>
+          </a:xfrm>
+          <a:prstGeom prst="rect">
+            <a:avLst/>
+          </a:prstGeom>
+        </p:spPr>
+      </p:pic>
     </p:spTree>
     <p:extLst>
       <p:ext uri="{BB962C8B-B14F-4D97-AF65-F5344CB8AC3E}">
-        <p14:creationId xmlns:p14="http://schemas.microsoft.com/office/powerpoint/2010/main" val="639306956"/>
+        <p14:creationId xmlns:p14="http://schemas.microsoft.com/office/powerpoint/2010/main" val="696455166"/>
       </p:ext>
     </p:extLst>
   </p:cSld>
@@ -13127,7 +14567,314 @@
 </p:sld>
 </file>
 
-<file path=ppt/slides/slide5.xml><?xml version="1.0" encoding="utf-8"?>
+<file path=ppt/slides/slide6.xml><?xml version="1.0" encoding="utf-8"?>
+<p:sld xmlns:a="http://schemas.openxmlformats.org/drawingml/2006/main" xmlns:r="http://schemas.openxmlformats.org/officeDocument/2006/relationships" xmlns:p="http://schemas.openxmlformats.org/presentationml/2006/main">
+  <p:cSld>
+    <p:spTree>
+      <p:nvGrpSpPr>
+        <p:cNvPr id="1" name=""/>
+        <p:cNvGrpSpPr/>
+        <p:nvPr/>
+      </p:nvGrpSpPr>
+      <p:grpSpPr>
+        <a:xfrm>
+          <a:off x="0" y="0"/>
+          <a:ext cx="0" cy="0"/>
+          <a:chOff x="0" y="0"/>
+          <a:chExt cx="0" cy="0"/>
+        </a:xfrm>
+      </p:grpSpPr>
+      <p:pic>
+        <p:nvPicPr>
+          <p:cNvPr id="11" name="내용 개체 틀 10">
+            <a:extLst>
+              <a:ext uri="{FF2B5EF4-FFF2-40B4-BE49-F238E27FC236}">
+                <a16:creationId xmlns:a16="http://schemas.microsoft.com/office/drawing/2014/main" id="{9AE0108D-4E6A-468E-A7DD-263392684EC6}"/>
+              </a:ext>
+            </a:extLst>
+          </p:cNvPr>
+          <p:cNvPicPr>
+            <a:picLocks noGrp="1" noChangeAspect="1"/>
+          </p:cNvPicPr>
+          <p:nvPr>
+            <p:ph idx="1"/>
+          </p:nvPr>
+        </p:nvPicPr>
+        <p:blipFill>
+          <a:blip r:embed="rId2">
+            <a:extLst>
+              <a:ext uri="{28A0092B-C50C-407E-A947-70E740481C1C}">
+                <a14:useLocalDpi xmlns:a14="http://schemas.microsoft.com/office/drawing/2010/main" val="0"/>
+              </a:ext>
+            </a:extLst>
+          </a:blip>
+          <a:stretch>
+            <a:fillRect/>
+          </a:stretch>
+        </p:blipFill>
+        <p:spPr>
+          <a:xfrm>
+            <a:off x="457200" y="764704"/>
+            <a:ext cx="6491064" cy="2506711"/>
+          </a:xfrm>
+        </p:spPr>
+      </p:pic>
+      <p:pic>
+        <p:nvPicPr>
+          <p:cNvPr id="13" name="그림 12">
+            <a:extLst>
+              <a:ext uri="{FF2B5EF4-FFF2-40B4-BE49-F238E27FC236}">
+                <a16:creationId xmlns:a16="http://schemas.microsoft.com/office/drawing/2014/main" id="{8C001318-780D-4DB3-834E-8F97566CCD5A}"/>
+              </a:ext>
+            </a:extLst>
+          </p:cNvPr>
+          <p:cNvPicPr>
+            <a:picLocks noChangeAspect="1"/>
+          </p:cNvPicPr>
+          <p:nvPr/>
+        </p:nvPicPr>
+        <p:blipFill>
+          <a:blip r:embed="rId3">
+            <a:extLst>
+              <a:ext uri="{28A0092B-C50C-407E-A947-70E740481C1C}">
+                <a14:useLocalDpi xmlns:a14="http://schemas.microsoft.com/office/drawing/2010/main" val="0"/>
+              </a:ext>
+            </a:extLst>
+          </a:blip>
+          <a:stretch>
+            <a:fillRect/>
+          </a:stretch>
+        </p:blipFill>
+        <p:spPr>
+          <a:xfrm>
+            <a:off x="457199" y="3308060"/>
+            <a:ext cx="7212293" cy="2785236"/>
+          </a:xfrm>
+          <a:prstGeom prst="rect">
+            <a:avLst/>
+          </a:prstGeom>
+        </p:spPr>
+      </p:pic>
+    </p:spTree>
+    <p:extLst>
+      <p:ext uri="{BB962C8B-B14F-4D97-AF65-F5344CB8AC3E}">
+        <p14:creationId xmlns:p14="http://schemas.microsoft.com/office/powerpoint/2010/main" val="2918601026"/>
+      </p:ext>
+    </p:extLst>
+  </p:cSld>
+  <p:clrMapOvr>
+    <a:masterClrMapping/>
+  </p:clrMapOvr>
+</p:sld>
+</file>
+
+<file path=ppt/slides/slide7.xml><?xml version="1.0" encoding="utf-8"?>
+<p:sld xmlns:a="http://schemas.openxmlformats.org/drawingml/2006/main" xmlns:r="http://schemas.openxmlformats.org/officeDocument/2006/relationships" xmlns:p="http://schemas.openxmlformats.org/presentationml/2006/main">
+  <p:cSld>
+    <p:spTree>
+      <p:nvGrpSpPr>
+        <p:cNvPr id="1" name=""/>
+        <p:cNvGrpSpPr/>
+        <p:nvPr/>
+      </p:nvGrpSpPr>
+      <p:grpSpPr>
+        <a:xfrm>
+          <a:off x="0" y="0"/>
+          <a:ext cx="0" cy="0"/>
+          <a:chOff x="0" y="0"/>
+          <a:chExt cx="0" cy="0"/>
+        </a:xfrm>
+      </p:grpSpPr>
+      <p:pic>
+        <p:nvPicPr>
+          <p:cNvPr id="5" name="내용 개체 틀 4">
+            <a:extLst>
+              <a:ext uri="{FF2B5EF4-FFF2-40B4-BE49-F238E27FC236}">
+                <a16:creationId xmlns:a16="http://schemas.microsoft.com/office/drawing/2014/main" id="{C8F80A83-B946-48B2-A540-B86B5F2BAE5C}"/>
+              </a:ext>
+            </a:extLst>
+          </p:cNvPr>
+          <p:cNvPicPr>
+            <a:picLocks noGrp="1" noChangeAspect="1"/>
+          </p:cNvPicPr>
+          <p:nvPr>
+            <p:ph idx="1"/>
+          </p:nvPr>
+        </p:nvPicPr>
+        <p:blipFill>
+          <a:blip r:embed="rId2">
+            <a:extLst>
+              <a:ext uri="{28A0092B-C50C-407E-A947-70E740481C1C}">
+                <a14:useLocalDpi xmlns:a14="http://schemas.microsoft.com/office/drawing/2010/main" val="0"/>
+              </a:ext>
+            </a:extLst>
+          </a:blip>
+          <a:stretch>
+            <a:fillRect/>
+          </a:stretch>
+        </p:blipFill>
+        <p:spPr>
+          <a:xfrm>
+            <a:off x="496167" y="1166018"/>
+            <a:ext cx="4075833" cy="4525963"/>
+          </a:xfrm>
+        </p:spPr>
+      </p:pic>
+      <p:sp>
+        <p:nvSpPr>
+          <p:cNvPr id="6" name="TextBox 5">
+            <a:extLst>
+              <a:ext uri="{FF2B5EF4-FFF2-40B4-BE49-F238E27FC236}">
+                <a16:creationId xmlns:a16="http://schemas.microsoft.com/office/drawing/2014/main" id="{94EC3259-F599-42D7-97BD-047A6FD1B52D}"/>
+              </a:ext>
+            </a:extLst>
+          </p:cNvPr>
+          <p:cNvSpPr txBox="1"/>
+          <p:nvPr/>
+        </p:nvSpPr>
+        <p:spPr>
+          <a:xfrm>
+            <a:off x="5076056" y="2705724"/>
+            <a:ext cx="3528392" cy="1446550"/>
+          </a:xfrm>
+          <a:prstGeom prst="rect">
+            <a:avLst/>
+          </a:prstGeom>
+          <a:noFill/>
+        </p:spPr>
+        <p:txBody>
+          <a:bodyPr wrap="square" rtlCol="0">
+            <a:spAutoFit/>
+          </a:bodyPr>
+          <a:lstStyle/>
+          <a:p>
+            <a:pPr algn="ctr"/>
+            <a:r>
+              <a:rPr lang="ko-KR" altLang="en-US" sz="4400">
+                <a:latin typeface="KoPubWorld돋움체_Pro Bold" panose="00000800000000000000" pitchFamily="50" charset="-127"/>
+                <a:ea typeface="KoPubWorld돋움체_Pro Bold" panose="00000800000000000000" pitchFamily="50" charset="-127"/>
+                <a:cs typeface="KoPubWorld돋움체_Pro Bold" panose="00000800000000000000" pitchFamily="50" charset="-127"/>
+              </a:rPr>
+              <a:t>워드 클라우드 생성</a:t>
+            </a:r>
+          </a:p>
+        </p:txBody>
+      </p:sp>
+    </p:spTree>
+    <p:extLst>
+      <p:ext uri="{BB962C8B-B14F-4D97-AF65-F5344CB8AC3E}">
+        <p14:creationId xmlns:p14="http://schemas.microsoft.com/office/powerpoint/2010/main" val="2498475855"/>
+      </p:ext>
+    </p:extLst>
+  </p:cSld>
+  <p:clrMapOvr>
+    <a:masterClrMapping/>
+  </p:clrMapOvr>
+</p:sld>
+</file>
+
+<file path=ppt/slides/slide8.xml><?xml version="1.0" encoding="utf-8"?>
+<p:sld xmlns:a="http://schemas.openxmlformats.org/drawingml/2006/main" xmlns:r="http://schemas.openxmlformats.org/officeDocument/2006/relationships" xmlns:p="http://schemas.openxmlformats.org/presentationml/2006/main">
+  <p:cSld>
+    <p:spTree>
+      <p:nvGrpSpPr>
+        <p:cNvPr id="1" name=""/>
+        <p:cNvGrpSpPr/>
+        <p:nvPr/>
+      </p:nvGrpSpPr>
+      <p:grpSpPr>
+        <a:xfrm>
+          <a:off x="0" y="0"/>
+          <a:ext cx="0" cy="0"/>
+          <a:chOff x="0" y="0"/>
+          <a:chExt cx="0" cy="0"/>
+        </a:xfrm>
+      </p:grpSpPr>
+      <p:pic>
+        <p:nvPicPr>
+          <p:cNvPr id="15" name="내용 개체 틀 14">
+            <a:extLst>
+              <a:ext uri="{FF2B5EF4-FFF2-40B4-BE49-F238E27FC236}">
+                <a16:creationId xmlns:a16="http://schemas.microsoft.com/office/drawing/2014/main" id="{C5E463B1-615D-4B2C-A412-9CCC247C88D2}"/>
+              </a:ext>
+            </a:extLst>
+          </p:cNvPr>
+          <p:cNvPicPr>
+            <a:picLocks noGrp="1" noChangeAspect="1"/>
+          </p:cNvPicPr>
+          <p:nvPr>
+            <p:ph idx="1"/>
+          </p:nvPr>
+        </p:nvPicPr>
+        <p:blipFill>
+          <a:blip r:embed="rId2">
+            <a:extLst>
+              <a:ext uri="{28A0092B-C50C-407E-A947-70E740481C1C}">
+                <a14:useLocalDpi xmlns:a14="http://schemas.microsoft.com/office/drawing/2010/main" val="0"/>
+              </a:ext>
+            </a:extLst>
+          </a:blip>
+          <a:stretch>
+            <a:fillRect/>
+          </a:stretch>
+        </p:blipFill>
+        <p:spPr>
+          <a:xfrm>
+            <a:off x="1871700" y="3451937"/>
+            <a:ext cx="5400600" cy="2939567"/>
+          </a:xfrm>
+        </p:spPr>
+      </p:pic>
+      <p:pic>
+        <p:nvPicPr>
+          <p:cNvPr id="17" name="그림 16">
+            <a:extLst>
+              <a:ext uri="{FF2B5EF4-FFF2-40B4-BE49-F238E27FC236}">
+                <a16:creationId xmlns:a16="http://schemas.microsoft.com/office/drawing/2014/main" id="{89616463-3437-4748-AB98-77E1688B80E0}"/>
+              </a:ext>
+            </a:extLst>
+          </p:cNvPr>
+          <p:cNvPicPr>
+            <a:picLocks noChangeAspect="1"/>
+          </p:cNvPicPr>
+          <p:nvPr/>
+        </p:nvPicPr>
+        <p:blipFill>
+          <a:blip r:embed="rId3">
+            <a:extLst>
+              <a:ext uri="{28A0092B-C50C-407E-A947-70E740481C1C}">
+                <a14:useLocalDpi xmlns:a14="http://schemas.microsoft.com/office/drawing/2010/main" val="0"/>
+              </a:ext>
+            </a:extLst>
+          </a:blip>
+          <a:stretch>
+            <a:fillRect/>
+          </a:stretch>
+        </p:blipFill>
+        <p:spPr>
+          <a:xfrm>
+            <a:off x="1871700" y="489433"/>
+            <a:ext cx="5400600" cy="2939567"/>
+          </a:xfrm>
+          <a:prstGeom prst="rect">
+            <a:avLst/>
+          </a:prstGeom>
+        </p:spPr>
+      </p:pic>
+    </p:spTree>
+    <p:extLst>
+      <p:ext uri="{BB962C8B-B14F-4D97-AF65-F5344CB8AC3E}">
+        <p14:creationId xmlns:p14="http://schemas.microsoft.com/office/powerpoint/2010/main" val="798219011"/>
+      </p:ext>
+    </p:extLst>
+  </p:cSld>
+  <p:clrMapOvr>
+    <a:masterClrMapping/>
+  </p:clrMapOvr>
+</p:sld>
+</file>
+
+<file path=ppt/slides/slide9.xml><?xml version="1.0" encoding="utf-8"?>
 <p:sld xmlns:a="http://schemas.openxmlformats.org/drawingml/2006/main" xmlns:r="http://schemas.openxmlformats.org/officeDocument/2006/relationships" xmlns:p="http://schemas.openxmlformats.org/presentationml/2006/main">
   <p:cSld>
     <p:spTree>
@@ -13474,1031 +15221,6 @@
     <p:extLst>
       <p:ext uri="{BB962C8B-B14F-4D97-AF65-F5344CB8AC3E}">
         <p14:creationId xmlns:p14="http://schemas.microsoft.com/office/powerpoint/2010/main" val="468777563"/>
-      </p:ext>
-    </p:extLst>
-  </p:cSld>
-  <p:clrMapOvr>
-    <a:masterClrMapping/>
-  </p:clrMapOvr>
-</p:sld>
-</file>
-
-<file path=ppt/slides/slide6.xml><?xml version="1.0" encoding="utf-8"?>
-<p:sld xmlns:a="http://schemas.openxmlformats.org/drawingml/2006/main" xmlns:r="http://schemas.openxmlformats.org/officeDocument/2006/relationships" xmlns:p="http://schemas.openxmlformats.org/presentationml/2006/main">
-  <p:cSld>
-    <p:spTree>
-      <p:nvGrpSpPr>
-        <p:cNvPr id="1" name=""/>
-        <p:cNvGrpSpPr/>
-        <p:nvPr/>
-      </p:nvGrpSpPr>
-      <p:grpSpPr>
-        <a:xfrm>
-          <a:off x="0" y="0"/>
-          <a:ext cx="0" cy="0"/>
-          <a:chOff x="0" y="0"/>
-          <a:chExt cx="0" cy="0"/>
-        </a:xfrm>
-      </p:grpSpPr>
-      <p:sp>
-        <p:nvSpPr>
-          <p:cNvPr id="6" name="내용 개체 틀 2"/>
-          <p:cNvSpPr>
-            <a:spLocks noGrp="1"/>
-          </p:cNvSpPr>
-          <p:nvPr>
-            <p:ph idx="1"/>
-          </p:nvPr>
-        </p:nvSpPr>
-        <p:spPr>
-          <a:xfrm>
-            <a:off x="467544" y="926722"/>
-            <a:ext cx="8208912" cy="5004556"/>
-          </a:xfrm>
-        </p:spPr>
-        <p:txBody>
-          <a:bodyPr>
-            <a:normAutofit/>
-          </a:bodyPr>
-          <a:lstStyle/>
-          <a:p>
-            <a:pPr marL="0" indent="0">
-              <a:lnSpc>
-                <a:spcPct val="160000"/>
-              </a:lnSpc>
-              <a:buNone/>
-            </a:pPr>
-            <a:r>
-              <a:rPr lang="ko-KR" altLang="en-US" sz="3600" b="1" dirty="0">
-                <a:latin typeface="KoPubWorld돋움체_Pro Bold" panose="00000800000000000000" pitchFamily="50" charset="-127"/>
-                <a:ea typeface="KoPubWorld돋움체_Pro Bold" panose="00000800000000000000" pitchFamily="50" charset="-127"/>
-                <a:cs typeface="KoPubWorld돋움체_Pro Bold" panose="00000800000000000000" pitchFamily="50" charset="-127"/>
-              </a:rPr>
-              <a:t>불필요 구매의 정의</a:t>
-            </a:r>
-          </a:p>
-          <a:p>
-            <a:pPr marL="0" indent="0">
-              <a:lnSpc>
-                <a:spcPct val="140000"/>
-              </a:lnSpc>
-              <a:buNone/>
-            </a:pPr>
-            <a:r>
-              <a:rPr lang="ko-KR" altLang="en-US" sz="2400" b="1" dirty="0">
-                <a:latin typeface="KoPubWorld돋움체_Pro Bold" panose="00000800000000000000" pitchFamily="50" charset="-127"/>
-                <a:ea typeface="KoPubWorld돋움체_Pro Bold" panose="00000800000000000000" pitchFamily="50" charset="-127"/>
-                <a:cs typeface="KoPubWorld돋움체_Pro Bold" panose="00000800000000000000" pitchFamily="50" charset="-127"/>
-              </a:rPr>
-              <a:t>고객의 관점에서 불필요 구매</a:t>
-            </a:r>
-            <a:r>
-              <a:rPr lang="en-US" altLang="ko-KR" sz="2400" dirty="0">
-                <a:latin typeface="KoPubWorld돋움체_Pro Bold" panose="00000800000000000000" pitchFamily="50" charset="-127"/>
-                <a:ea typeface="KoPubWorld돋움체_Pro Bold" panose="00000800000000000000" pitchFamily="50" charset="-127"/>
-                <a:cs typeface="KoPubWorld돋움체_Pro Bold" panose="00000800000000000000" pitchFamily="50" charset="-127"/>
-              </a:rPr>
-              <a:t>:</a:t>
-            </a:r>
-          </a:p>
-          <a:p>
-            <a:pPr marL="0" indent="0">
-              <a:lnSpc>
-                <a:spcPct val="140000"/>
-              </a:lnSpc>
-              <a:buNone/>
-            </a:pPr>
-            <a:r>
-              <a:rPr lang="ko-KR" altLang="en-US" sz="1600" dirty="0">
-                <a:latin typeface="KoPubWorld돋움체_Pro Light" panose="00000300000000000000" pitchFamily="50" charset="-127"/>
-                <a:ea typeface="KoPubWorld돋움체_Pro Light" panose="00000300000000000000" pitchFamily="50" charset="-127"/>
-                <a:cs typeface="KoPubWorld돋움체_Pro Light" panose="00000300000000000000" pitchFamily="50" charset="-127"/>
-              </a:rPr>
-              <a:t>구매 후 사용하지 않거나</a:t>
-            </a:r>
-            <a:r>
-              <a:rPr lang="en-US" altLang="ko-KR" sz="1600" dirty="0">
-                <a:latin typeface="KoPubWorld돋움체_Pro Light" panose="00000300000000000000" pitchFamily="50" charset="-127"/>
-                <a:ea typeface="KoPubWorld돋움체_Pro Light" panose="00000300000000000000" pitchFamily="50" charset="-127"/>
-                <a:cs typeface="KoPubWorld돋움체_Pro Light" panose="00000300000000000000" pitchFamily="50" charset="-127"/>
-              </a:rPr>
-              <a:t>, </a:t>
-            </a:r>
-            <a:r>
-              <a:rPr lang="ko-KR" altLang="en-US" sz="1600" dirty="0">
-                <a:latin typeface="KoPubWorld돋움체_Pro Light" panose="00000300000000000000" pitchFamily="50" charset="-127"/>
-                <a:ea typeface="KoPubWorld돋움체_Pro Light" panose="00000300000000000000" pitchFamily="50" charset="-127"/>
-                <a:cs typeface="KoPubWorld돋움체_Pro Light" panose="00000300000000000000" pitchFamily="50" charset="-127"/>
-              </a:rPr>
-              <a:t>실질적으로 필요하지 않은 제품</a:t>
-            </a:r>
-            <a:r>
-              <a:rPr lang="en-US" altLang="ko-KR" sz="1600" dirty="0">
-                <a:latin typeface="KoPubWorld돋움체_Pro Light" panose="00000300000000000000" pitchFamily="50" charset="-127"/>
-                <a:ea typeface="KoPubWorld돋움체_Pro Light" panose="00000300000000000000" pitchFamily="50" charset="-127"/>
-                <a:cs typeface="KoPubWorld돋움체_Pro Light" panose="00000300000000000000" pitchFamily="50" charset="-127"/>
-              </a:rPr>
-              <a:t>.</a:t>
-            </a:r>
-          </a:p>
-          <a:p>
-            <a:pPr marL="0" indent="0">
-              <a:lnSpc>
-                <a:spcPct val="140000"/>
-              </a:lnSpc>
-              <a:buNone/>
-            </a:pPr>
-            <a:r>
-              <a:rPr lang="ko-KR" altLang="en-US" sz="1600" dirty="0">
-                <a:latin typeface="KoPubWorld돋움체_Pro Light" panose="00000300000000000000" pitchFamily="50" charset="-127"/>
-                <a:ea typeface="KoPubWorld돋움체_Pro Light" panose="00000300000000000000" pitchFamily="50" charset="-127"/>
-                <a:cs typeface="KoPubWorld돋움체_Pro Light" panose="00000300000000000000" pitchFamily="50" charset="-127"/>
-              </a:rPr>
-              <a:t>예</a:t>
-            </a:r>
-            <a:r>
-              <a:rPr lang="en-US" altLang="ko-KR" sz="1600" dirty="0">
-                <a:latin typeface="KoPubWorld돋움체_Pro Light" panose="00000300000000000000" pitchFamily="50" charset="-127"/>
-                <a:ea typeface="KoPubWorld돋움체_Pro Light" panose="00000300000000000000" pitchFamily="50" charset="-127"/>
-                <a:cs typeface="KoPubWorld돋움체_Pro Light" panose="00000300000000000000" pitchFamily="50" charset="-127"/>
-              </a:rPr>
-              <a:t>) </a:t>
-            </a:r>
-            <a:r>
-              <a:rPr lang="ko-KR" altLang="en-US" sz="1600" dirty="0">
-                <a:latin typeface="KoPubWorld돋움체_Pro Light" panose="00000300000000000000" pitchFamily="50" charset="-127"/>
-                <a:ea typeface="KoPubWorld돋움체_Pro Light" panose="00000300000000000000" pitchFamily="50" charset="-127"/>
-                <a:cs typeface="KoPubWorld돋움체_Pro Light" panose="00000300000000000000" pitchFamily="50" charset="-127"/>
-              </a:rPr>
-              <a:t>충동 구매로 장바구니에 넣었으나 후회하는 제품</a:t>
-            </a:r>
-            <a:r>
-              <a:rPr lang="en-US" altLang="ko-KR" sz="1600" dirty="0">
-                <a:latin typeface="KoPubWorld돋움체_Pro Light" panose="00000300000000000000" pitchFamily="50" charset="-127"/>
-                <a:ea typeface="KoPubWorld돋움체_Pro Light" panose="00000300000000000000" pitchFamily="50" charset="-127"/>
-                <a:cs typeface="KoPubWorld돋움체_Pro Light" panose="00000300000000000000" pitchFamily="50" charset="-127"/>
-              </a:rPr>
-              <a:t>.</a:t>
-            </a:r>
-          </a:p>
-          <a:p>
-            <a:pPr marL="0" indent="0">
-              <a:lnSpc>
-                <a:spcPct val="140000"/>
-              </a:lnSpc>
-              <a:buNone/>
-            </a:pPr>
-            <a:r>
-              <a:rPr lang="ko-KR" altLang="en-US" sz="1600" dirty="0">
-                <a:latin typeface="KoPubWorld돋움체_Pro Light" panose="00000300000000000000" pitchFamily="50" charset="-127"/>
-                <a:ea typeface="KoPubWorld돋움체_Pro Light" panose="00000300000000000000" pitchFamily="50" charset="-127"/>
-                <a:cs typeface="KoPubWorld돋움체_Pro Light" panose="00000300000000000000" pitchFamily="50" charset="-127"/>
-              </a:rPr>
-              <a:t>     잘못된 추천으로 인해 구매했으나 개인의 실제 취향과 맞지 않는 제품</a:t>
-            </a:r>
-            <a:r>
-              <a:rPr lang="en-US" altLang="ko-KR" sz="1600" dirty="0">
-                <a:latin typeface="KoPubWorld돋움체_Pro Light" panose="00000300000000000000" pitchFamily="50" charset="-127"/>
-                <a:ea typeface="KoPubWorld돋움체_Pro Light" panose="00000300000000000000" pitchFamily="50" charset="-127"/>
-                <a:cs typeface="KoPubWorld돋움체_Pro Light" panose="00000300000000000000" pitchFamily="50" charset="-127"/>
-              </a:rPr>
-              <a:t>.</a:t>
-            </a:r>
-          </a:p>
-          <a:p>
-            <a:pPr marL="0" indent="0">
-              <a:lnSpc>
-                <a:spcPct val="140000"/>
-              </a:lnSpc>
-              <a:buNone/>
-            </a:pPr>
-            <a:endParaRPr lang="en-US" altLang="ko-KR" sz="1600" dirty="0">
-              <a:latin typeface="KoPubWorld돋움체_Pro Light" panose="00000300000000000000" pitchFamily="50" charset="-127"/>
-              <a:ea typeface="KoPubWorld돋움체_Pro Light" panose="00000300000000000000" pitchFamily="50" charset="-127"/>
-              <a:cs typeface="KoPubWorld돋움체_Pro Light" panose="00000300000000000000" pitchFamily="50" charset="-127"/>
-            </a:endParaRPr>
-          </a:p>
-          <a:p>
-            <a:pPr marL="0" indent="0">
-              <a:lnSpc>
-                <a:spcPct val="140000"/>
-              </a:lnSpc>
-              <a:buNone/>
-            </a:pPr>
-            <a:r>
-              <a:rPr lang="ko-KR" altLang="en-US" sz="2400" b="1" dirty="0">
-                <a:latin typeface="KoPubWorld돋움체_Pro Bold" panose="00000800000000000000" pitchFamily="50" charset="-127"/>
-                <a:ea typeface="KoPubWorld돋움체_Pro Bold" panose="00000800000000000000" pitchFamily="50" charset="-127"/>
-                <a:cs typeface="KoPubWorld돋움체_Pro Bold" panose="00000800000000000000" pitchFamily="50" charset="-127"/>
-              </a:rPr>
-              <a:t>기업의 관점에서 불필요 구매</a:t>
-            </a:r>
-            <a:r>
-              <a:rPr lang="en-US" altLang="ko-KR" sz="2400" dirty="0">
-                <a:latin typeface="KoPubWorld돋움체_Pro Bold" panose="00000800000000000000" pitchFamily="50" charset="-127"/>
-                <a:ea typeface="KoPubWorld돋움체_Pro Bold" panose="00000800000000000000" pitchFamily="50" charset="-127"/>
-                <a:cs typeface="KoPubWorld돋움체_Pro Bold" panose="00000800000000000000" pitchFamily="50" charset="-127"/>
-              </a:rPr>
-              <a:t>:</a:t>
-            </a:r>
-          </a:p>
-          <a:p>
-            <a:pPr marL="0" indent="0">
-              <a:lnSpc>
-                <a:spcPct val="140000"/>
-              </a:lnSpc>
-              <a:buNone/>
-            </a:pPr>
-            <a:r>
-              <a:rPr lang="ko-KR" altLang="en-US" sz="1800" dirty="0">
-                <a:latin typeface="KoPubWorld돋움체_Pro Light" panose="00000300000000000000" pitchFamily="50" charset="-127"/>
-                <a:ea typeface="KoPubWorld돋움체_Pro Light" panose="00000300000000000000" pitchFamily="50" charset="-127"/>
-                <a:cs typeface="KoPubWorld돋움체_Pro Light" panose="00000300000000000000" pitchFamily="50" charset="-127"/>
-              </a:rPr>
-              <a:t>높은 </a:t>
-            </a:r>
-            <a:r>
-              <a:rPr lang="ko-KR" altLang="en-US" sz="1800" dirty="0" err="1">
-                <a:latin typeface="KoPubWorld돋움체_Pro Light" panose="00000300000000000000" pitchFamily="50" charset="-127"/>
-                <a:ea typeface="KoPubWorld돋움체_Pro Light" panose="00000300000000000000" pitchFamily="50" charset="-127"/>
-                <a:cs typeface="KoPubWorld돋움체_Pro Light" panose="00000300000000000000" pitchFamily="50" charset="-127"/>
-              </a:rPr>
-              <a:t>반품율을</a:t>
-            </a:r>
-            <a:r>
-              <a:rPr lang="ko-KR" altLang="en-US" sz="1800" dirty="0">
-                <a:latin typeface="KoPubWorld돋움체_Pro Light" panose="00000300000000000000" pitchFamily="50" charset="-127"/>
-                <a:ea typeface="KoPubWorld돋움체_Pro Light" panose="00000300000000000000" pitchFamily="50" charset="-127"/>
-                <a:cs typeface="KoPubWorld돋움체_Pro Light" panose="00000300000000000000" pitchFamily="50" charset="-127"/>
-              </a:rPr>
-              <a:t> 유발하거나 고객 만족도를 저하시키는 구매</a:t>
-            </a:r>
-            <a:r>
-              <a:rPr lang="en-US" altLang="ko-KR" sz="1800" dirty="0">
-                <a:latin typeface="KoPubWorld돋움체_Pro Light" panose="00000300000000000000" pitchFamily="50" charset="-127"/>
-                <a:ea typeface="KoPubWorld돋움체_Pro Light" panose="00000300000000000000" pitchFamily="50" charset="-127"/>
-                <a:cs typeface="KoPubWorld돋움체_Pro Light" panose="00000300000000000000" pitchFamily="50" charset="-127"/>
-              </a:rPr>
-              <a:t>.</a:t>
-            </a:r>
-          </a:p>
-          <a:p>
-            <a:pPr marL="0" indent="0">
-              <a:lnSpc>
-                <a:spcPct val="140000"/>
-              </a:lnSpc>
-              <a:buNone/>
-            </a:pPr>
-            <a:r>
-              <a:rPr lang="ko-KR" altLang="en-US" sz="1800" dirty="0">
-                <a:latin typeface="KoPubWorld돋움체_Pro Light" panose="00000300000000000000" pitchFamily="50" charset="-127"/>
-                <a:ea typeface="KoPubWorld돋움체_Pro Light" panose="00000300000000000000" pitchFamily="50" charset="-127"/>
-                <a:cs typeface="KoPubWorld돋움체_Pro Light" panose="00000300000000000000" pitchFamily="50" charset="-127"/>
-              </a:rPr>
-              <a:t>추천 시스템의 과도한 마케팅으로 구매된</a:t>
-            </a:r>
-            <a:r>
-              <a:rPr lang="en-US" altLang="ko-KR" sz="1800" dirty="0">
-                <a:latin typeface="KoPubWorld돋움체_Pro Light" panose="00000300000000000000" pitchFamily="50" charset="-127"/>
-                <a:ea typeface="KoPubWorld돋움체_Pro Light" panose="00000300000000000000" pitchFamily="50" charset="-127"/>
-                <a:cs typeface="KoPubWorld돋움체_Pro Light" panose="00000300000000000000" pitchFamily="50" charset="-127"/>
-              </a:rPr>
-              <a:t>, </a:t>
-            </a:r>
-            <a:r>
-              <a:rPr lang="ko-KR" altLang="en-US" sz="1800" dirty="0">
-                <a:latin typeface="KoPubWorld돋움체_Pro Light" panose="00000300000000000000" pitchFamily="50" charset="-127"/>
-                <a:ea typeface="KoPubWorld돋움체_Pro Light" panose="00000300000000000000" pitchFamily="50" charset="-127"/>
-                <a:cs typeface="KoPubWorld돋움체_Pro Light" panose="00000300000000000000" pitchFamily="50" charset="-127"/>
-              </a:rPr>
-              <a:t>사용되지 않는 제품</a:t>
-            </a:r>
-            <a:r>
-              <a:rPr lang="en-US" altLang="ko-KR" sz="1800" dirty="0">
-                <a:latin typeface="KoPubWorld돋움체_Pro Light" panose="00000300000000000000" pitchFamily="50" charset="-127"/>
-                <a:ea typeface="KoPubWorld돋움체_Pro Light" panose="00000300000000000000" pitchFamily="50" charset="-127"/>
-                <a:cs typeface="KoPubWorld돋움체_Pro Light" panose="00000300000000000000" pitchFamily="50" charset="-127"/>
-              </a:rPr>
-              <a:t>.</a:t>
-            </a:r>
-          </a:p>
-        </p:txBody>
-      </p:sp>
-    </p:spTree>
-    <p:extLst>
-      <p:ext uri="{BB962C8B-B14F-4D97-AF65-F5344CB8AC3E}">
-        <p14:creationId xmlns:p14="http://schemas.microsoft.com/office/powerpoint/2010/main" val="3922720986"/>
-      </p:ext>
-    </p:extLst>
-  </p:cSld>
-  <p:clrMapOvr>
-    <a:masterClrMapping/>
-  </p:clrMapOvr>
-</p:sld>
-</file>
-
-<file path=ppt/slides/slide7.xml><?xml version="1.0" encoding="utf-8"?>
-<p:sld xmlns:a="http://schemas.openxmlformats.org/drawingml/2006/main" xmlns:r="http://schemas.openxmlformats.org/officeDocument/2006/relationships" xmlns:p="http://schemas.openxmlformats.org/presentationml/2006/main">
-  <p:cSld>
-    <p:spTree>
-      <p:nvGrpSpPr>
-        <p:cNvPr id="1" name=""/>
-        <p:cNvGrpSpPr/>
-        <p:nvPr/>
-      </p:nvGrpSpPr>
-      <p:grpSpPr>
-        <a:xfrm>
-          <a:off x="0" y="0"/>
-          <a:ext cx="0" cy="0"/>
-          <a:chOff x="0" y="0"/>
-          <a:chExt cx="0" cy="0"/>
-        </a:xfrm>
-      </p:grpSpPr>
-      <p:sp>
-        <p:nvSpPr>
-          <p:cNvPr id="2" name="제목 1"/>
-          <p:cNvSpPr>
-            <a:spLocks noGrp="1"/>
-          </p:cNvSpPr>
-          <p:nvPr>
-            <p:ph type="title"/>
-          </p:nvPr>
-        </p:nvSpPr>
-        <p:spPr>
-          <a:xfrm>
-            <a:off x="683568" y="2420888"/>
-            <a:ext cx="3024336" cy="1143000"/>
-          </a:xfrm>
-        </p:spPr>
-        <p:txBody>
-          <a:bodyPr>
-            <a:normAutofit/>
-          </a:bodyPr>
-          <a:lstStyle/>
-          <a:p>
-            <a:pPr algn="l"/>
-            <a:r>
-              <a:rPr lang="en-US" altLang="ko-KR" b="1" dirty="0">
-                <a:latin typeface="KoPubWorld돋움체_Pro Bold" panose="00000800000000000000" pitchFamily="50" charset="-127"/>
-                <a:ea typeface="KoPubWorld돋움체_Pro Bold" panose="00000800000000000000" pitchFamily="50" charset="-127"/>
-                <a:cs typeface="KoPubWorld돋움체_Pro Bold" panose="00000800000000000000" pitchFamily="50" charset="-127"/>
-              </a:rPr>
-              <a:t>AI </a:t>
-            </a:r>
-            <a:r>
-              <a:rPr lang="ko-KR" altLang="en-US" b="1" dirty="0">
-                <a:latin typeface="KoPubWorld돋움체_Pro Bold" panose="00000800000000000000" pitchFamily="50" charset="-127"/>
-                <a:ea typeface="KoPubWorld돋움체_Pro Bold" panose="00000800000000000000" pitchFamily="50" charset="-127"/>
-                <a:cs typeface="KoPubWorld돋움체_Pro Bold" panose="00000800000000000000" pitchFamily="50" charset="-127"/>
-              </a:rPr>
-              <a:t>모델 활용</a:t>
-            </a:r>
-            <a:endParaRPr lang="ko-KR" altLang="en-US" dirty="0">
-              <a:latin typeface="KoPubWorld돋움체_Pro Bold" panose="00000800000000000000" pitchFamily="50" charset="-127"/>
-              <a:ea typeface="KoPubWorld돋움체_Pro Bold" panose="00000800000000000000" pitchFamily="50" charset="-127"/>
-              <a:cs typeface="KoPubWorld돋움체_Pro Bold" panose="00000800000000000000" pitchFamily="50" charset="-127"/>
-            </a:endParaRPr>
-          </a:p>
-        </p:txBody>
-      </p:sp>
-      <p:sp>
-        <p:nvSpPr>
-          <p:cNvPr id="3" name="내용 개체 틀 2"/>
-          <p:cNvSpPr>
-            <a:spLocks noGrp="1"/>
-          </p:cNvSpPr>
-          <p:nvPr>
-            <p:ph idx="1"/>
-          </p:nvPr>
-        </p:nvSpPr>
-        <p:spPr>
-          <a:xfrm>
-            <a:off x="683568" y="3563888"/>
-            <a:ext cx="4690864" cy="834677"/>
-          </a:xfrm>
-        </p:spPr>
-        <p:txBody>
-          <a:bodyPr/>
-          <a:lstStyle/>
-          <a:p>
-            <a:pPr marL="0" indent="0">
-              <a:buNone/>
-            </a:pPr>
-            <a:r>
-              <a:rPr lang="en-US" altLang="ko-KR" sz="1800" dirty="0">
-                <a:latin typeface="KoPubWorld돋움체_Pro Light" panose="00000300000000000000" pitchFamily="50" charset="-127"/>
-                <a:ea typeface="KoPubWorld돋움체_Pro Light" panose="00000300000000000000" pitchFamily="50" charset="-127"/>
-                <a:cs typeface="KoPubWorld돋움체_Pro Light" panose="00000300000000000000" pitchFamily="50" charset="-127"/>
-              </a:rPr>
-              <a:t>DNN </a:t>
-            </a:r>
-            <a:r>
-              <a:rPr lang="ko-KR" altLang="en-US" sz="1800" dirty="0">
-                <a:latin typeface="KoPubWorld돋움체_Pro Light" panose="00000300000000000000" pitchFamily="50" charset="-127"/>
-                <a:ea typeface="KoPubWorld돋움체_Pro Light" panose="00000300000000000000" pitchFamily="50" charset="-127"/>
-                <a:cs typeface="KoPubWorld돋움체_Pro Light" panose="00000300000000000000" pitchFamily="50" charset="-127"/>
-              </a:rPr>
-              <a:t>기반 예측 모델을 통해 불필요 구매를 식별</a:t>
-            </a:r>
-            <a:r>
-              <a:rPr lang="en-US" altLang="ko-KR" sz="1800" dirty="0">
-                <a:latin typeface="KoPubWorld돋움체_Pro Light" panose="00000300000000000000" pitchFamily="50" charset="-127"/>
-                <a:ea typeface="KoPubWorld돋움체_Pro Light" panose="00000300000000000000" pitchFamily="50" charset="-127"/>
-                <a:cs typeface="KoPubWorld돋움체_Pro Light" panose="00000300000000000000" pitchFamily="50" charset="-127"/>
-              </a:rPr>
-              <a:t>.</a:t>
-            </a:r>
-          </a:p>
-          <a:p>
-            <a:pPr marL="0" indent="0">
-              <a:buNone/>
-            </a:pPr>
-            <a:r>
-              <a:rPr lang="ko-KR" altLang="en-US" sz="1800" dirty="0">
-                <a:latin typeface="KoPubWorld돋움체_Pro Light" panose="00000300000000000000" pitchFamily="50" charset="-127"/>
-                <a:ea typeface="KoPubWorld돋움체_Pro Light" panose="00000300000000000000" pitchFamily="50" charset="-127"/>
-                <a:cs typeface="KoPubWorld돋움체_Pro Light" panose="00000300000000000000" pitchFamily="50" charset="-127"/>
-              </a:rPr>
-              <a:t>고객 정보</a:t>
-            </a:r>
-            <a:r>
-              <a:rPr lang="en-US" altLang="ko-KR" sz="1800" dirty="0">
-                <a:latin typeface="KoPubWorld돋움체_Pro Light" panose="00000300000000000000" pitchFamily="50" charset="-127"/>
-                <a:ea typeface="KoPubWorld돋움체_Pro Light" panose="00000300000000000000" pitchFamily="50" charset="-127"/>
-                <a:cs typeface="KoPubWorld돋움체_Pro Light" panose="00000300000000000000" pitchFamily="50" charset="-127"/>
-              </a:rPr>
-              <a:t>, </a:t>
-            </a:r>
-            <a:r>
-              <a:rPr lang="ko-KR" altLang="en-US" sz="1800" dirty="0">
-                <a:latin typeface="KoPubWorld돋움체_Pro Light" panose="00000300000000000000" pitchFamily="50" charset="-127"/>
-                <a:ea typeface="KoPubWorld돋움체_Pro Light" panose="00000300000000000000" pitchFamily="50" charset="-127"/>
-                <a:cs typeface="KoPubWorld돋움체_Pro Light" panose="00000300000000000000" pitchFamily="50" charset="-127"/>
-              </a:rPr>
-              <a:t>제품 정보</a:t>
-            </a:r>
-            <a:r>
-              <a:rPr lang="en-US" altLang="ko-KR" sz="1800" dirty="0">
-                <a:latin typeface="KoPubWorld돋움체_Pro Light" panose="00000300000000000000" pitchFamily="50" charset="-127"/>
-                <a:ea typeface="KoPubWorld돋움체_Pro Light" panose="00000300000000000000" pitchFamily="50" charset="-127"/>
-                <a:cs typeface="KoPubWorld돋움체_Pro Light" panose="00000300000000000000" pitchFamily="50" charset="-127"/>
-              </a:rPr>
-              <a:t>, </a:t>
-            </a:r>
-            <a:r>
-              <a:rPr lang="ko-KR" altLang="en-US" sz="1800" dirty="0">
-                <a:latin typeface="KoPubWorld돋움체_Pro Light" panose="00000300000000000000" pitchFamily="50" charset="-127"/>
-                <a:ea typeface="KoPubWorld돋움체_Pro Light" panose="00000300000000000000" pitchFamily="50" charset="-127"/>
-                <a:cs typeface="KoPubWorld돋움체_Pro Light" panose="00000300000000000000" pitchFamily="50" charset="-127"/>
-              </a:rPr>
-              <a:t>고객</a:t>
-            </a:r>
-            <a:r>
-              <a:rPr lang="en-US" altLang="ko-KR" sz="1800" dirty="0">
-                <a:latin typeface="KoPubWorld돋움체_Pro Light" panose="00000300000000000000" pitchFamily="50" charset="-127"/>
-                <a:ea typeface="KoPubWorld돋움체_Pro Light" panose="00000300000000000000" pitchFamily="50" charset="-127"/>
-                <a:cs typeface="KoPubWorld돋움체_Pro Light" panose="00000300000000000000" pitchFamily="50" charset="-127"/>
-              </a:rPr>
-              <a:t>-</a:t>
-            </a:r>
-            <a:r>
-              <a:rPr lang="ko-KR" altLang="en-US" sz="1800" dirty="0">
-                <a:latin typeface="KoPubWorld돋움체_Pro Light" panose="00000300000000000000" pitchFamily="50" charset="-127"/>
-                <a:ea typeface="KoPubWorld돋움체_Pro Light" panose="00000300000000000000" pitchFamily="50" charset="-127"/>
-                <a:cs typeface="KoPubWorld돋움체_Pro Light" panose="00000300000000000000" pitchFamily="50" charset="-127"/>
-              </a:rPr>
-              <a:t>제품 조합 정보 활용</a:t>
-            </a:r>
-            <a:r>
-              <a:rPr lang="en-US" altLang="ko-KR" sz="1800" dirty="0">
-                <a:latin typeface="KoPubWorld돋움체_Pro Light" panose="00000300000000000000" pitchFamily="50" charset="-127"/>
-                <a:ea typeface="KoPubWorld돋움체_Pro Light" panose="00000300000000000000" pitchFamily="50" charset="-127"/>
-                <a:cs typeface="KoPubWorld돋움체_Pro Light" panose="00000300000000000000" pitchFamily="50" charset="-127"/>
-              </a:rPr>
-              <a:t>.</a:t>
-            </a:r>
-          </a:p>
-          <a:p>
-            <a:pPr marL="0" indent="0">
-              <a:buNone/>
-            </a:pPr>
-            <a:endParaRPr lang="ko-KR" altLang="en-US" dirty="0"/>
-          </a:p>
-        </p:txBody>
-      </p:sp>
-    </p:spTree>
-    <p:extLst>
-      <p:ext uri="{BB962C8B-B14F-4D97-AF65-F5344CB8AC3E}">
-        <p14:creationId xmlns:p14="http://schemas.microsoft.com/office/powerpoint/2010/main" val="1502491599"/>
-      </p:ext>
-    </p:extLst>
-  </p:cSld>
-  <p:clrMapOvr>
-    <a:masterClrMapping/>
-  </p:clrMapOvr>
-</p:sld>
-</file>
-
-<file path=ppt/slides/slide8.xml><?xml version="1.0" encoding="utf-8"?>
-<p:sld xmlns:a="http://schemas.openxmlformats.org/drawingml/2006/main" xmlns:r="http://schemas.openxmlformats.org/officeDocument/2006/relationships" xmlns:p="http://schemas.openxmlformats.org/presentationml/2006/main">
-  <p:cSld>
-    <p:spTree>
-      <p:nvGrpSpPr>
-        <p:cNvPr id="1" name=""/>
-        <p:cNvGrpSpPr/>
-        <p:nvPr/>
-      </p:nvGrpSpPr>
-      <p:grpSpPr>
-        <a:xfrm>
-          <a:off x="0" y="0"/>
-          <a:ext cx="0" cy="0"/>
-          <a:chOff x="0" y="0"/>
-          <a:chExt cx="0" cy="0"/>
-        </a:xfrm>
-      </p:grpSpPr>
-      <p:sp>
-        <p:nvSpPr>
-          <p:cNvPr id="2" name="제목 1"/>
-          <p:cNvSpPr>
-            <a:spLocks noGrp="1"/>
-          </p:cNvSpPr>
-          <p:nvPr>
-            <p:ph type="title"/>
-          </p:nvPr>
-        </p:nvSpPr>
-        <p:spPr>
-          <a:xfrm>
-            <a:off x="1187624" y="2584046"/>
-            <a:ext cx="2602632" cy="1689908"/>
-          </a:xfrm>
-        </p:spPr>
-        <p:txBody>
-          <a:bodyPr>
-            <a:normAutofit/>
-          </a:bodyPr>
-          <a:lstStyle/>
-          <a:p>
-            <a:pPr algn="l"/>
-            <a:r>
-              <a:rPr lang="ko-KR" altLang="en-US" sz="4800" dirty="0">
-                <a:latin typeface="KoPubWorld돋움체_Pro Bold" panose="00000800000000000000" pitchFamily="50" charset="-127"/>
-                <a:ea typeface="KoPubWorld돋움체_Pro Bold" panose="00000800000000000000" pitchFamily="50" charset="-127"/>
-                <a:cs typeface="KoPubWorld돋움체_Pro Bold" panose="00000800000000000000" pitchFamily="50" charset="-127"/>
-              </a:rPr>
-              <a:t>기대효과</a:t>
-            </a:r>
-          </a:p>
-        </p:txBody>
-      </p:sp>
-      <p:sp>
-        <p:nvSpPr>
-          <p:cNvPr id="3" name="내용 개체 틀 2"/>
-          <p:cNvSpPr>
-            <a:spLocks noGrp="1"/>
-          </p:cNvSpPr>
-          <p:nvPr>
-            <p:ph idx="1"/>
-          </p:nvPr>
-        </p:nvSpPr>
-        <p:spPr>
-          <a:xfrm>
-            <a:off x="4572000" y="2116422"/>
-            <a:ext cx="3240360" cy="2625155"/>
-          </a:xfrm>
-        </p:spPr>
-        <p:txBody>
-          <a:bodyPr>
-            <a:normAutofit/>
-          </a:bodyPr>
-          <a:lstStyle/>
-          <a:p>
-            <a:pPr marL="0" indent="0">
-              <a:lnSpc>
-                <a:spcPct val="140000"/>
-              </a:lnSpc>
-              <a:buNone/>
-            </a:pPr>
-            <a:r>
-              <a:rPr lang="ko-KR" altLang="en-US" sz="2400" b="1" dirty="0">
-                <a:latin typeface="KoPubWorld돋움체_Pro Bold" panose="00000800000000000000" pitchFamily="50" charset="-127"/>
-                <a:ea typeface="KoPubWorld돋움체_Pro Bold" panose="00000800000000000000" pitchFamily="50" charset="-127"/>
-                <a:cs typeface="KoPubWorld돋움체_Pro Bold" panose="00000800000000000000" pitchFamily="50" charset="-127"/>
-              </a:rPr>
-              <a:t>기업</a:t>
-            </a:r>
-            <a:endParaRPr lang="en-US" altLang="ko-KR" sz="2400" dirty="0">
-              <a:latin typeface="KoPubWorld돋움체_Pro Bold" panose="00000800000000000000" pitchFamily="50" charset="-127"/>
-              <a:ea typeface="KoPubWorld돋움체_Pro Bold" panose="00000800000000000000" pitchFamily="50" charset="-127"/>
-              <a:cs typeface="KoPubWorld돋움체_Pro Bold" panose="00000800000000000000" pitchFamily="50" charset="-127"/>
-            </a:endParaRPr>
-          </a:p>
-          <a:p>
-            <a:pPr marL="0" indent="0">
-              <a:lnSpc>
-                <a:spcPct val="140000"/>
-              </a:lnSpc>
-              <a:buNone/>
-            </a:pPr>
-            <a:r>
-              <a:rPr lang="ko-KR" altLang="en-US" sz="1800" dirty="0" err="1">
-                <a:latin typeface="KoPubWorld돋움체_Pro Light" panose="00000300000000000000" pitchFamily="50" charset="-127"/>
-                <a:ea typeface="KoPubWorld돋움체_Pro Light" panose="00000300000000000000" pitchFamily="50" charset="-127"/>
-                <a:cs typeface="KoPubWorld돋움체_Pro Light" panose="00000300000000000000" pitchFamily="50" charset="-127"/>
-              </a:rPr>
-              <a:t>반품율</a:t>
-            </a:r>
-            <a:r>
-              <a:rPr lang="ko-KR" altLang="en-US" sz="1800" dirty="0">
-                <a:latin typeface="KoPubWorld돋움체_Pro Light" panose="00000300000000000000" pitchFamily="50" charset="-127"/>
-                <a:ea typeface="KoPubWorld돋움체_Pro Light" panose="00000300000000000000" pitchFamily="50" charset="-127"/>
-                <a:cs typeface="KoPubWorld돋움체_Pro Light" panose="00000300000000000000" pitchFamily="50" charset="-127"/>
-              </a:rPr>
-              <a:t> 감소</a:t>
-            </a:r>
-            <a:r>
-              <a:rPr lang="en-US" altLang="ko-KR" sz="1800" dirty="0">
-                <a:latin typeface="KoPubWorld돋움체_Pro Light" panose="00000300000000000000" pitchFamily="50" charset="-127"/>
-                <a:ea typeface="KoPubWorld돋움체_Pro Light" panose="00000300000000000000" pitchFamily="50" charset="-127"/>
-                <a:cs typeface="KoPubWorld돋움체_Pro Light" panose="00000300000000000000" pitchFamily="50" charset="-127"/>
-              </a:rPr>
-              <a:t>, </a:t>
-            </a:r>
-            <a:r>
-              <a:rPr lang="ko-KR" altLang="en-US" sz="1800" dirty="0">
-                <a:latin typeface="KoPubWorld돋움체_Pro Light" panose="00000300000000000000" pitchFamily="50" charset="-127"/>
-                <a:ea typeface="KoPubWorld돋움체_Pro Light" panose="00000300000000000000" pitchFamily="50" charset="-127"/>
-                <a:cs typeface="KoPubWorld돋움체_Pro Light" panose="00000300000000000000" pitchFamily="50" charset="-127"/>
-              </a:rPr>
-              <a:t>운영 효율성 개선</a:t>
-            </a:r>
-            <a:r>
-              <a:rPr lang="en-US" altLang="ko-KR" sz="1800" dirty="0">
-                <a:latin typeface="KoPubWorld돋움체_Pro Light" panose="00000300000000000000" pitchFamily="50" charset="-127"/>
-                <a:ea typeface="KoPubWorld돋움체_Pro Light" panose="00000300000000000000" pitchFamily="50" charset="-127"/>
-                <a:cs typeface="KoPubWorld돋움체_Pro Light" panose="00000300000000000000" pitchFamily="50" charset="-127"/>
-              </a:rPr>
-              <a:t>.</a:t>
-            </a:r>
-          </a:p>
-          <a:p>
-            <a:pPr marL="0" indent="0">
-              <a:lnSpc>
-                <a:spcPct val="140000"/>
-              </a:lnSpc>
-              <a:buNone/>
-            </a:pPr>
-            <a:endParaRPr lang="en-US" altLang="ko-KR" sz="1800" dirty="0">
-              <a:latin typeface="KoPub돋움체_Pro Light" pitchFamily="50" charset="-127"/>
-              <a:ea typeface="KoPub돋움체_Pro Light" pitchFamily="50" charset="-127"/>
-            </a:endParaRPr>
-          </a:p>
-          <a:p>
-            <a:pPr marL="0" indent="0">
-              <a:lnSpc>
-                <a:spcPct val="140000"/>
-              </a:lnSpc>
-              <a:buNone/>
-            </a:pPr>
-            <a:r>
-              <a:rPr lang="ko-KR" altLang="en-US" sz="2400" b="1" dirty="0">
-                <a:latin typeface="KoPubWorld돋움체_Pro Bold" panose="00000800000000000000" pitchFamily="50" charset="-127"/>
-                <a:ea typeface="KoPubWorld돋움체_Pro Bold" panose="00000800000000000000" pitchFamily="50" charset="-127"/>
-                <a:cs typeface="KoPubWorld돋움체_Pro Bold" panose="00000800000000000000" pitchFamily="50" charset="-127"/>
-              </a:rPr>
-              <a:t>소비자</a:t>
-            </a:r>
-            <a:endParaRPr lang="en-US" altLang="ko-KR" sz="2400" dirty="0">
-              <a:latin typeface="KoPubWorld돋움체_Pro Bold" panose="00000800000000000000" pitchFamily="50" charset="-127"/>
-              <a:ea typeface="KoPubWorld돋움체_Pro Bold" panose="00000800000000000000" pitchFamily="50" charset="-127"/>
-              <a:cs typeface="KoPubWorld돋움체_Pro Bold" panose="00000800000000000000" pitchFamily="50" charset="-127"/>
-            </a:endParaRPr>
-          </a:p>
-          <a:p>
-            <a:pPr marL="0" indent="0">
-              <a:lnSpc>
-                <a:spcPct val="140000"/>
-              </a:lnSpc>
-              <a:buNone/>
-            </a:pPr>
-            <a:r>
-              <a:rPr lang="ko-KR" altLang="en-US" sz="1800" dirty="0">
-                <a:latin typeface="KoPubWorld돋움체_Pro Light" panose="00000300000000000000" pitchFamily="50" charset="-127"/>
-                <a:ea typeface="KoPubWorld돋움체_Pro Light" panose="00000300000000000000" pitchFamily="50" charset="-127"/>
-                <a:cs typeface="KoPubWorld돋움체_Pro Light" panose="00000300000000000000" pitchFamily="50" charset="-127"/>
-              </a:rPr>
-              <a:t>구매 최적화</a:t>
-            </a:r>
-            <a:r>
-              <a:rPr lang="en-US" altLang="ko-KR" sz="1800" dirty="0">
-                <a:latin typeface="KoPubWorld돋움체_Pro Light" panose="00000300000000000000" pitchFamily="50" charset="-127"/>
-                <a:ea typeface="KoPubWorld돋움체_Pro Light" panose="00000300000000000000" pitchFamily="50" charset="-127"/>
-                <a:cs typeface="KoPubWorld돋움체_Pro Light" panose="00000300000000000000" pitchFamily="50" charset="-127"/>
-              </a:rPr>
-              <a:t>, </a:t>
-            </a:r>
-            <a:r>
-              <a:rPr lang="ko-KR" altLang="en-US" sz="1800" dirty="0">
-                <a:latin typeface="KoPubWorld돋움체_Pro Light" panose="00000300000000000000" pitchFamily="50" charset="-127"/>
-                <a:ea typeface="KoPubWorld돋움체_Pro Light" panose="00000300000000000000" pitchFamily="50" charset="-127"/>
-                <a:cs typeface="KoPubWorld돋움체_Pro Light" panose="00000300000000000000" pitchFamily="50" charset="-127"/>
-              </a:rPr>
-              <a:t>만족도 향상</a:t>
-            </a:r>
-            <a:r>
-              <a:rPr lang="en-US" altLang="ko-KR" sz="1800" dirty="0">
-                <a:latin typeface="KoPub돋움체_Pro Light" pitchFamily="50" charset="-127"/>
-                <a:ea typeface="KoPub돋움체_Pro Light" pitchFamily="50" charset="-127"/>
-              </a:rPr>
-              <a:t>.</a:t>
-            </a:r>
-          </a:p>
-          <a:p>
-            <a:pPr marL="0" indent="0">
-              <a:lnSpc>
-                <a:spcPct val="140000"/>
-              </a:lnSpc>
-              <a:buNone/>
-            </a:pPr>
-            <a:endParaRPr lang="ko-KR" altLang="en-US" sz="1800" dirty="0">
-              <a:latin typeface="KoPub돋움체_Pro Light" pitchFamily="50" charset="-127"/>
-              <a:ea typeface="KoPub돋움체_Pro Light" pitchFamily="50" charset="-127"/>
-            </a:endParaRPr>
-          </a:p>
-        </p:txBody>
-      </p:sp>
-    </p:spTree>
-    <p:extLst>
-      <p:ext uri="{BB962C8B-B14F-4D97-AF65-F5344CB8AC3E}">
-        <p14:creationId xmlns:p14="http://schemas.microsoft.com/office/powerpoint/2010/main" val="3116068448"/>
-      </p:ext>
-    </p:extLst>
-  </p:cSld>
-  <p:clrMapOvr>
-    <a:masterClrMapping/>
-  </p:clrMapOvr>
-</p:sld>
-</file>
-
-<file path=ppt/slides/slide9.xml><?xml version="1.0" encoding="utf-8"?>
-<p:sld xmlns:a="http://schemas.openxmlformats.org/drawingml/2006/main" xmlns:r="http://schemas.openxmlformats.org/officeDocument/2006/relationships" xmlns:p="http://schemas.openxmlformats.org/presentationml/2006/main">
-  <p:cSld>
-    <p:spTree>
-      <p:nvGrpSpPr>
-        <p:cNvPr id="1" name=""/>
-        <p:cNvGrpSpPr/>
-        <p:nvPr/>
-      </p:nvGrpSpPr>
-      <p:grpSpPr>
-        <a:xfrm>
-          <a:off x="0" y="0"/>
-          <a:ext cx="0" cy="0"/>
-          <a:chOff x="0" y="0"/>
-          <a:chExt cx="0" cy="0"/>
-        </a:xfrm>
-      </p:grpSpPr>
-      <p:sp>
-        <p:nvSpPr>
-          <p:cNvPr id="2" name="제목 1">
-            <a:extLst>
-              <a:ext uri="{FF2B5EF4-FFF2-40B4-BE49-F238E27FC236}">
-                <a16:creationId xmlns:a16="http://schemas.microsoft.com/office/drawing/2014/main" id="{FB283932-FA83-492E-BA49-827F50B09886}"/>
-              </a:ext>
-            </a:extLst>
-          </p:cNvPr>
-          <p:cNvSpPr>
-            <a:spLocks noGrp="1"/>
-          </p:cNvSpPr>
-          <p:nvPr>
-            <p:ph type="title"/>
-          </p:nvPr>
-        </p:nvSpPr>
-        <p:spPr>
-          <a:xfrm>
-            <a:off x="457200" y="913284"/>
-            <a:ext cx="8229600" cy="1143000"/>
-          </a:xfrm>
-        </p:spPr>
-        <p:txBody>
-          <a:bodyPr/>
-          <a:lstStyle/>
-          <a:p>
-            <a:r>
-              <a:rPr lang="ko-KR" altLang="en-US" dirty="0">
-                <a:latin typeface="KoPubWorld돋움체_Pro Bold" panose="00000800000000000000" pitchFamily="50" charset="-127"/>
-                <a:ea typeface="KoPubWorld돋움체_Pro Bold" panose="00000800000000000000" pitchFamily="50" charset="-127"/>
-                <a:cs typeface="KoPubWorld돋움체_Pro Bold" panose="00000800000000000000" pitchFamily="50" charset="-127"/>
-              </a:rPr>
-              <a:t>개발환경</a:t>
-            </a:r>
-          </a:p>
-        </p:txBody>
-      </p:sp>
-      <p:sp>
-        <p:nvSpPr>
-          <p:cNvPr id="3" name="내용 개체 틀 2">
-            <a:extLst>
-              <a:ext uri="{FF2B5EF4-FFF2-40B4-BE49-F238E27FC236}">
-                <a16:creationId xmlns:a16="http://schemas.microsoft.com/office/drawing/2014/main" id="{31E6BBFA-440E-4547-A770-4FA9F4C0885E}"/>
-              </a:ext>
-            </a:extLst>
-          </p:cNvPr>
-          <p:cNvSpPr>
-            <a:spLocks noGrp="1"/>
-          </p:cNvSpPr>
-          <p:nvPr>
-            <p:ph idx="1"/>
-          </p:nvPr>
-        </p:nvSpPr>
-        <p:spPr>
-          <a:xfrm>
-            <a:off x="1295636" y="2348880"/>
-            <a:ext cx="6552728" cy="3096344"/>
-          </a:xfrm>
-        </p:spPr>
-        <p:txBody>
-          <a:bodyPr>
-            <a:normAutofit/>
-          </a:bodyPr>
-          <a:lstStyle/>
-          <a:p>
-            <a:pPr marL="0" indent="0">
-              <a:buNone/>
-            </a:pPr>
-            <a:r>
-              <a:rPr lang="en-US" altLang="ko-KR" sz="2400" u="sng" dirty="0" err="1">
-                <a:latin typeface="KoPubWorld돋움체_Pro Bold" panose="00000800000000000000" pitchFamily="50" charset="-127"/>
-                <a:ea typeface="KoPubWorld돋움체_Pro Bold" panose="00000800000000000000" pitchFamily="50" charset="-127"/>
-                <a:cs typeface="KoPubWorld돋움체_Pro Bold" panose="00000800000000000000" pitchFamily="50" charset="-127"/>
-              </a:rPr>
-              <a:t>Os</a:t>
-            </a:r>
-            <a:r>
-              <a:rPr lang="en-US" altLang="ko-KR" sz="2000" dirty="0">
-                <a:latin typeface="KoPubWorld돋움체_Pro Light" panose="00000300000000000000" pitchFamily="50" charset="-127"/>
-                <a:ea typeface="KoPubWorld돋움체_Pro Light" panose="00000300000000000000" pitchFamily="50" charset="-127"/>
-                <a:cs typeface="KoPubWorld돋움체_Pro Light" panose="00000300000000000000" pitchFamily="50" charset="-127"/>
-              </a:rPr>
-              <a:t> : </a:t>
-            </a:r>
-            <a:r>
-              <a:rPr kumimoji="0" lang="en-US" altLang="ko-KR" sz="2000" dirty="0">
-                <a:latin typeface="KoPubWorld돋움체_Pro Light" panose="00000300000000000000" pitchFamily="50" charset="-127"/>
-                <a:ea typeface="KoPubWorld돋움체_Pro Light" panose="00000300000000000000" pitchFamily="50" charset="-127"/>
-                <a:cs typeface="KoPubWorld돋움체_Pro Light" panose="00000300000000000000" pitchFamily="50" charset="-127"/>
-              </a:rPr>
-              <a:t>Windows 10 </a:t>
-            </a:r>
-            <a:r>
-              <a:rPr lang="en-US" altLang="ko-KR" sz="2000" dirty="0">
-                <a:latin typeface="KoPubWorld돋움체_Pro Light" panose="00000300000000000000" pitchFamily="50" charset="-127"/>
-                <a:ea typeface="KoPubWorld돋움체_Pro Light" panose="00000300000000000000" pitchFamily="50" charset="-127"/>
-                <a:cs typeface="KoPubWorld돋움체_Pro Light" panose="00000300000000000000" pitchFamily="50" charset="-127"/>
-              </a:rPr>
-              <a:t>Pro</a:t>
-            </a:r>
-            <a:endParaRPr kumimoji="0" lang="en-US" altLang="ko-KR" sz="2000" dirty="0">
-              <a:latin typeface="KoPubWorld돋움체_Pro Light" panose="00000300000000000000" pitchFamily="50" charset="-127"/>
-              <a:ea typeface="KoPubWorld돋움체_Pro Light" panose="00000300000000000000" pitchFamily="50" charset="-127"/>
-              <a:cs typeface="KoPubWorld돋움체_Pro Light" panose="00000300000000000000" pitchFamily="50" charset="-127"/>
-            </a:endParaRPr>
-          </a:p>
-          <a:p>
-            <a:pPr marL="0" indent="0">
-              <a:buNone/>
-            </a:pPr>
-            <a:r>
-              <a:rPr lang="en-US" altLang="ko-KR" sz="2400" u="sng" dirty="0">
-                <a:latin typeface="KoPubWorld돋움체_Pro Bold" panose="00000800000000000000" pitchFamily="50" charset="-127"/>
-                <a:ea typeface="KoPubWorld돋움체_Pro Bold" panose="00000800000000000000" pitchFamily="50" charset="-127"/>
-                <a:cs typeface="KoPubWorld돋움체_Pro Bold" panose="00000800000000000000" pitchFamily="50" charset="-127"/>
-              </a:rPr>
-              <a:t>Language</a:t>
-            </a:r>
-            <a:r>
-              <a:rPr lang="en-US" altLang="ko-KR" sz="2000" dirty="0">
-                <a:latin typeface="KoPubWorld돋움체_Pro Light" panose="00000300000000000000" pitchFamily="50" charset="-127"/>
-                <a:ea typeface="KoPubWorld돋움체_Pro Light" panose="00000300000000000000" pitchFamily="50" charset="-127"/>
-                <a:cs typeface="KoPubWorld돋움체_Pro Light" panose="00000300000000000000" pitchFamily="50" charset="-127"/>
-              </a:rPr>
-              <a:t> : Python 3.10.9</a:t>
-            </a:r>
-          </a:p>
-          <a:p>
-            <a:pPr marL="0" indent="0">
-              <a:buNone/>
-            </a:pPr>
-            <a:r>
-              <a:rPr lang="en-US" altLang="ko-KR" sz="2400" u="sng" dirty="0">
-                <a:latin typeface="KoPubWorld돋움체_Pro Bold" panose="00000800000000000000" pitchFamily="50" charset="-127"/>
-                <a:ea typeface="KoPubWorld돋움체_Pro Bold" panose="00000800000000000000" pitchFamily="50" charset="-127"/>
-                <a:cs typeface="KoPubWorld돋움체_Pro Bold" panose="00000800000000000000" pitchFamily="50" charset="-127"/>
-              </a:rPr>
-              <a:t>IDE</a:t>
-            </a:r>
-            <a:r>
-              <a:rPr lang="en-US" altLang="ko-KR" sz="2000" dirty="0">
-                <a:latin typeface="KoPubWorld돋움체_Pro Light" panose="00000300000000000000" pitchFamily="50" charset="-127"/>
-                <a:ea typeface="KoPubWorld돋움체_Pro Light" panose="00000300000000000000" pitchFamily="50" charset="-127"/>
-                <a:cs typeface="KoPubWorld돋움체_Pro Light" panose="00000300000000000000" pitchFamily="50" charset="-127"/>
-              </a:rPr>
-              <a:t> : Anaconda </a:t>
-            </a:r>
-            <a:r>
-              <a:rPr lang="en-US" altLang="ko-KR" sz="2000" dirty="0" err="1">
-                <a:latin typeface="KoPubWorld돋움체_Pro Light" panose="00000300000000000000" pitchFamily="50" charset="-127"/>
-                <a:ea typeface="KoPubWorld돋움체_Pro Light" panose="00000300000000000000" pitchFamily="50" charset="-127"/>
-                <a:cs typeface="KoPubWorld돋움체_Pro Light" panose="00000300000000000000" pitchFamily="50" charset="-127"/>
-              </a:rPr>
-              <a:t>jupyter</a:t>
-            </a:r>
-            <a:r>
-              <a:rPr lang="en-US" altLang="ko-KR" sz="2000" dirty="0">
-                <a:latin typeface="KoPubWorld돋움체_Pro Light" panose="00000300000000000000" pitchFamily="50" charset="-127"/>
-                <a:ea typeface="KoPubWorld돋움체_Pro Light" panose="00000300000000000000" pitchFamily="50" charset="-127"/>
-                <a:cs typeface="KoPubWorld돋움체_Pro Light" panose="00000300000000000000" pitchFamily="50" charset="-127"/>
-              </a:rPr>
-              <a:t> notebook</a:t>
-            </a:r>
-          </a:p>
-          <a:p>
-            <a:pPr marL="0" indent="0">
-              <a:buNone/>
-            </a:pPr>
-            <a:r>
-              <a:rPr lang="en-US" altLang="ko-KR" sz="2400" u="sng" dirty="0" err="1">
-                <a:latin typeface="KoPubWorld돋움체_Pro Bold" panose="00000800000000000000" pitchFamily="50" charset="-127"/>
-                <a:ea typeface="KoPubWorld돋움체_Pro Bold" panose="00000800000000000000" pitchFamily="50" charset="-127"/>
-                <a:cs typeface="KoPubWorld돋움체_Pro Bold" panose="00000800000000000000" pitchFamily="50" charset="-127"/>
-              </a:rPr>
-              <a:t>OpenSource</a:t>
-            </a:r>
-            <a:r>
-              <a:rPr lang="en-US" altLang="ko-KR" sz="2000" dirty="0">
-                <a:latin typeface="KoPubWorld돋움체_Pro Light" panose="00000300000000000000" pitchFamily="50" charset="-127"/>
-                <a:ea typeface="KoPubWorld돋움체_Pro Light" panose="00000300000000000000" pitchFamily="50" charset="-127"/>
-                <a:cs typeface="KoPubWorld돋움체_Pro Light" panose="00000300000000000000" pitchFamily="50" charset="-127"/>
-              </a:rPr>
-              <a:t> : </a:t>
-            </a:r>
-          </a:p>
-          <a:p>
-            <a:pPr marL="0" indent="0">
-              <a:buNone/>
-            </a:pPr>
-            <a:r>
-              <a:rPr lang="en-US" altLang="ko-KR" sz="2000" dirty="0">
-                <a:latin typeface="KoPubWorld돋움체_Pro Light" panose="00000300000000000000" pitchFamily="50" charset="-127"/>
-                <a:ea typeface="KoPubWorld돋움체_Pro Light" panose="00000300000000000000" pitchFamily="50" charset="-127"/>
-                <a:cs typeface="KoPubWorld돋움체_Pro Light" panose="00000300000000000000" pitchFamily="50" charset="-127"/>
-              </a:rPr>
-              <a:t>                      Numpy-1.23.5, Pandas, Matplotlib</a:t>
-            </a:r>
-          </a:p>
-          <a:p>
-            <a:pPr marL="0" indent="0">
-              <a:buNone/>
-            </a:pPr>
-            <a:r>
-              <a:rPr lang="en-US" altLang="ko-KR" sz="2000" dirty="0">
-                <a:latin typeface="KoPubWorld돋움체_Pro Light" panose="00000300000000000000" pitchFamily="50" charset="-127"/>
-                <a:ea typeface="KoPubWorld돋움체_Pro Light" panose="00000300000000000000" pitchFamily="50" charset="-127"/>
-                <a:cs typeface="KoPubWorld돋움체_Pro Light" panose="00000300000000000000" pitchFamily="50" charset="-127"/>
-              </a:rPr>
-              <a:t>                      </a:t>
-            </a:r>
-            <a:r>
-              <a:rPr lang="en-US" altLang="ko-KR" sz="2000" dirty="0" err="1">
-                <a:latin typeface="KoPubWorld돋움체_Pro Light" panose="00000300000000000000" pitchFamily="50" charset="-127"/>
-                <a:ea typeface="KoPubWorld돋움체_Pro Light" panose="00000300000000000000" pitchFamily="50" charset="-127"/>
-                <a:cs typeface="KoPubWorld돋움체_Pro Light" panose="00000300000000000000" pitchFamily="50" charset="-127"/>
-              </a:rPr>
-              <a:t>Sklearn</a:t>
-            </a:r>
-            <a:r>
-              <a:rPr lang="en-US" altLang="ko-KR" sz="2000" dirty="0">
-                <a:latin typeface="KoPubWorld돋움체_Pro Light" panose="00000300000000000000" pitchFamily="50" charset="-127"/>
-                <a:ea typeface="KoPubWorld돋움체_Pro Light" panose="00000300000000000000" pitchFamily="50" charset="-127"/>
-                <a:cs typeface="KoPubWorld돋움체_Pro Light" panose="00000300000000000000" pitchFamily="50" charset="-127"/>
-              </a:rPr>
-              <a:t>, Tensorflow-2.10.0</a:t>
-            </a:r>
-          </a:p>
-          <a:p>
-            <a:pPr marL="0" indent="0">
-              <a:buNone/>
-            </a:pPr>
-            <a:endParaRPr lang="ko-KR" altLang="en-US" sz="2000" dirty="0">
-              <a:latin typeface="KoPubWorld돋움체_Pro Light" panose="00000300000000000000" pitchFamily="50" charset="-127"/>
-              <a:ea typeface="KoPubWorld돋움체_Pro Light" panose="00000300000000000000" pitchFamily="50" charset="-127"/>
-              <a:cs typeface="KoPubWorld돋움체_Pro Light" panose="00000300000000000000" pitchFamily="50" charset="-127"/>
-            </a:endParaRPr>
-          </a:p>
-        </p:txBody>
-      </p:sp>
-    </p:spTree>
-    <p:extLst>
-      <p:ext uri="{BB962C8B-B14F-4D97-AF65-F5344CB8AC3E}">
-        <p14:creationId xmlns:p14="http://schemas.microsoft.com/office/powerpoint/2010/main" val="2569410943"/>
       </p:ext>
     </p:extLst>
   </p:cSld>

--- a/프레젠테이션1.pptx
+++ b/프레젠테이션1.pptx
@@ -249,7 +249,7 @@
           <a:p>
             <a:fld id="{71AD79E8-30F7-4418-970D-FCD1B605839C}" type="datetimeFigureOut">
               <a:rPr lang="ko-KR" altLang="en-US" smtClean="0"/>
-              <a:t>2025-01-22</a:t>
+              <a:t>2025-01-23</a:t>
             </a:fld>
             <a:endParaRPr lang="ko-KR" altLang="en-US"/>
           </a:p>
@@ -779,7 +779,7 @@
           <a:p>
             <a:fld id="{D8E78BD5-A634-488A-837F-5C093A253C16}" type="datetimeFigureOut">
               <a:rPr lang="ko-KR" altLang="en-US" smtClean="0"/>
-              <a:t>2025-01-22</a:t>
+              <a:t>2025-01-23</a:t>
             </a:fld>
             <a:endParaRPr lang="ko-KR" altLang="en-US"/>
           </a:p>
@@ -947,7 +947,7 @@
           <a:p>
             <a:fld id="{D8E78BD5-A634-488A-837F-5C093A253C16}" type="datetimeFigureOut">
               <a:rPr lang="ko-KR" altLang="en-US" smtClean="0"/>
-              <a:t>2025-01-22</a:t>
+              <a:t>2025-01-23</a:t>
             </a:fld>
             <a:endParaRPr lang="ko-KR" altLang="en-US"/>
           </a:p>
@@ -1125,7 +1125,7 @@
           <a:p>
             <a:fld id="{D8E78BD5-A634-488A-837F-5C093A253C16}" type="datetimeFigureOut">
               <a:rPr lang="ko-KR" altLang="en-US" smtClean="0"/>
-              <a:t>2025-01-22</a:t>
+              <a:t>2025-01-23</a:t>
             </a:fld>
             <a:endParaRPr lang="ko-KR" altLang="en-US"/>
           </a:p>
@@ -1293,7 +1293,7 @@
           <a:p>
             <a:fld id="{D8E78BD5-A634-488A-837F-5C093A253C16}" type="datetimeFigureOut">
               <a:rPr lang="ko-KR" altLang="en-US" smtClean="0"/>
-              <a:t>2025-01-22</a:t>
+              <a:t>2025-01-23</a:t>
             </a:fld>
             <a:endParaRPr lang="ko-KR" altLang="en-US"/>
           </a:p>
@@ -1538,7 +1538,7 @@
           <a:p>
             <a:fld id="{D8E78BD5-A634-488A-837F-5C093A253C16}" type="datetimeFigureOut">
               <a:rPr lang="ko-KR" altLang="en-US" smtClean="0"/>
-              <a:t>2025-01-22</a:t>
+              <a:t>2025-01-23</a:t>
             </a:fld>
             <a:endParaRPr lang="ko-KR" altLang="en-US"/>
           </a:p>
@@ -1823,7 +1823,7 @@
           <a:p>
             <a:fld id="{D8E78BD5-A634-488A-837F-5C093A253C16}" type="datetimeFigureOut">
               <a:rPr lang="ko-KR" altLang="en-US" smtClean="0"/>
-              <a:t>2025-01-22</a:t>
+              <a:t>2025-01-23</a:t>
             </a:fld>
             <a:endParaRPr lang="ko-KR" altLang="en-US"/>
           </a:p>
@@ -2242,7 +2242,7 @@
           <a:p>
             <a:fld id="{D8E78BD5-A634-488A-837F-5C093A253C16}" type="datetimeFigureOut">
               <a:rPr lang="ko-KR" altLang="en-US" smtClean="0"/>
-              <a:t>2025-01-22</a:t>
+              <a:t>2025-01-23</a:t>
             </a:fld>
             <a:endParaRPr lang="ko-KR" altLang="en-US"/>
           </a:p>
@@ -2359,7 +2359,7 @@
           <a:p>
             <a:fld id="{D8E78BD5-A634-488A-837F-5C093A253C16}" type="datetimeFigureOut">
               <a:rPr lang="ko-KR" altLang="en-US" smtClean="0"/>
-              <a:t>2025-01-22</a:t>
+              <a:t>2025-01-23</a:t>
             </a:fld>
             <a:endParaRPr lang="ko-KR" altLang="en-US"/>
           </a:p>
@@ -2454,7 +2454,7 @@
           <a:p>
             <a:fld id="{D8E78BD5-A634-488A-837F-5C093A253C16}" type="datetimeFigureOut">
               <a:rPr lang="ko-KR" altLang="en-US" smtClean="0"/>
-              <a:t>2025-01-22</a:t>
+              <a:t>2025-01-23</a:t>
             </a:fld>
             <a:endParaRPr lang="ko-KR" altLang="en-US"/>
           </a:p>
@@ -2729,7 +2729,7 @@
           <a:p>
             <a:fld id="{D8E78BD5-A634-488A-837F-5C093A253C16}" type="datetimeFigureOut">
               <a:rPr lang="ko-KR" altLang="en-US" smtClean="0"/>
-              <a:t>2025-01-22</a:t>
+              <a:t>2025-01-23</a:t>
             </a:fld>
             <a:endParaRPr lang="ko-KR" altLang="en-US"/>
           </a:p>
@@ -2981,7 +2981,7 @@
           <a:p>
             <a:fld id="{D8E78BD5-A634-488A-837F-5C093A253C16}" type="datetimeFigureOut">
               <a:rPr lang="ko-KR" altLang="en-US" smtClean="0"/>
-              <a:t>2025-01-22</a:t>
+              <a:t>2025-01-23</a:t>
             </a:fld>
             <a:endParaRPr lang="ko-KR" altLang="en-US"/>
           </a:p>
@@ -3192,7 +3192,7 @@
           <a:p>
             <a:fld id="{D8E78BD5-A634-488A-837F-5C093A253C16}" type="datetimeFigureOut">
               <a:rPr lang="ko-KR" altLang="en-US" smtClean="0"/>
-              <a:t>2025-01-22</a:t>
+              <a:t>2025-01-23</a:t>
             </a:fld>
             <a:endParaRPr lang="ko-KR" altLang="en-US"/>
           </a:p>
@@ -3700,6 +3700,47 @@
           </a:p>
         </p:txBody>
       </p:sp>
+      <p:cxnSp>
+        <p:nvCxnSpPr>
+          <p:cNvPr id="7" name="직선 연결선 6">
+            <a:extLst>
+              <a:ext uri="{FF2B5EF4-FFF2-40B4-BE49-F238E27FC236}">
+                <a16:creationId xmlns:a16="http://schemas.microsoft.com/office/drawing/2014/main" id="{8A2E62F2-5CF9-44BD-B356-4AD883AA43E1}"/>
+              </a:ext>
+            </a:extLst>
+          </p:cNvPr>
+          <p:cNvCxnSpPr/>
+          <p:nvPr/>
+        </p:nvCxnSpPr>
+        <p:spPr>
+          <a:xfrm>
+            <a:off x="0" y="1124744"/>
+            <a:ext cx="9144000" cy="0"/>
+          </a:xfrm>
+          <a:prstGeom prst="line">
+            <a:avLst/>
+          </a:prstGeom>
+          <a:ln w="28575">
+            <a:solidFill>
+              <a:srgbClr val="92D050"/>
+            </a:solidFill>
+          </a:ln>
+        </p:spPr>
+        <p:style>
+          <a:lnRef idx="1">
+            <a:schemeClr val="accent1"/>
+          </a:lnRef>
+          <a:fillRef idx="0">
+            <a:schemeClr val="accent1"/>
+          </a:fillRef>
+          <a:effectRef idx="0">
+            <a:schemeClr val="accent1"/>
+          </a:effectRef>
+          <a:fontRef idx="minor">
+            <a:schemeClr val="tx1"/>
+          </a:fontRef>
+        </p:style>
+      </p:cxnSp>
     </p:spTree>
     <p:extLst>
       <p:ext uri="{BB962C8B-B14F-4D97-AF65-F5344CB8AC3E}">
@@ -3742,7 +3783,7 @@
         </p:nvSpPr>
         <p:spPr>
           <a:xfrm>
-            <a:off x="467544" y="926722"/>
+            <a:off x="467544" y="1412776"/>
             <a:ext cx="8208912" cy="5004556"/>
           </a:xfrm>
         </p:spPr>
@@ -4014,6 +4055,47 @@
           </a:p>
         </p:txBody>
       </p:sp>
+      <p:cxnSp>
+        <p:nvCxnSpPr>
+          <p:cNvPr id="3" name="직선 연결선 2">
+            <a:extLst>
+              <a:ext uri="{FF2B5EF4-FFF2-40B4-BE49-F238E27FC236}">
+                <a16:creationId xmlns:a16="http://schemas.microsoft.com/office/drawing/2014/main" id="{9D4F21A2-7148-4DA8-B7F3-FCA5712C570C}"/>
+              </a:ext>
+            </a:extLst>
+          </p:cNvPr>
+          <p:cNvCxnSpPr/>
+          <p:nvPr/>
+        </p:nvCxnSpPr>
+        <p:spPr>
+          <a:xfrm>
+            <a:off x="0" y="1124744"/>
+            <a:ext cx="9144000" cy="0"/>
+          </a:xfrm>
+          <a:prstGeom prst="line">
+            <a:avLst/>
+          </a:prstGeom>
+          <a:ln w="28575">
+            <a:solidFill>
+              <a:srgbClr val="92D050"/>
+            </a:solidFill>
+          </a:ln>
+        </p:spPr>
+        <p:style>
+          <a:lnRef idx="1">
+            <a:schemeClr val="accent1"/>
+          </a:lnRef>
+          <a:fillRef idx="0">
+            <a:schemeClr val="accent1"/>
+          </a:fillRef>
+          <a:effectRef idx="0">
+            <a:schemeClr val="accent1"/>
+          </a:effectRef>
+          <a:fontRef idx="minor">
+            <a:schemeClr val="tx1"/>
+          </a:fontRef>
+        </p:style>
+      </p:cxnSp>
     </p:spTree>
     <p:extLst>
       <p:ext uri="{BB962C8B-B14F-4D97-AF65-F5344CB8AC3E}">
@@ -4056,7 +4138,7 @@
         </p:nvSpPr>
         <p:spPr>
           <a:xfrm>
-            <a:off x="971600" y="717029"/>
+            <a:off x="539552" y="2420888"/>
             <a:ext cx="3024336" cy="720080"/>
           </a:xfrm>
         </p:spPr>
@@ -4066,9 +4148,8 @@
           </a:bodyPr>
           <a:lstStyle/>
           <a:p>
-            <a:pPr algn="l"/>
-            <a:r>
-              <a:rPr lang="en-US" altLang="ko-KR" sz="4000" b="1" dirty="0">
+            <a:r>
+              <a:rPr lang="en-US" altLang="ko-KR" sz="3600" b="1" dirty="0">
                 <a:latin typeface="KoPubWorld돋움체_Pro Bold" panose="00000800000000000000" pitchFamily="50" charset="-127"/>
                 <a:ea typeface="KoPubWorld돋움체_Pro Bold" panose="00000800000000000000" pitchFamily="50" charset="-127"/>
                 <a:cs typeface="KoPubWorld돋움체_Pro Bold" panose="00000800000000000000" pitchFamily="50" charset="-127"/>
@@ -4076,14 +4157,14 @@
               <a:t>AI </a:t>
             </a:r>
             <a:r>
-              <a:rPr lang="ko-KR" altLang="en-US" sz="4000" b="1" dirty="0">
+              <a:rPr lang="ko-KR" altLang="en-US" sz="3600" b="1" dirty="0">
                 <a:latin typeface="KoPubWorld돋움체_Pro Bold" panose="00000800000000000000" pitchFamily="50" charset="-127"/>
                 <a:ea typeface="KoPubWorld돋움체_Pro Bold" panose="00000800000000000000" pitchFamily="50" charset="-127"/>
                 <a:cs typeface="KoPubWorld돋움체_Pro Bold" panose="00000800000000000000" pitchFamily="50" charset="-127"/>
               </a:rPr>
               <a:t>모델 활용</a:t>
             </a:r>
-            <a:endParaRPr lang="ko-KR" altLang="en-US" sz="4000" dirty="0">
+            <a:endParaRPr lang="ko-KR" altLang="en-US" sz="3600" dirty="0">
               <a:latin typeface="KoPubWorld돋움체_Pro Bold" panose="00000800000000000000" pitchFamily="50" charset="-127"/>
               <a:ea typeface="KoPubWorld돋움체_Pro Bold" panose="00000800000000000000" pitchFamily="50" charset="-127"/>
               <a:cs typeface="KoPubWorld돋움체_Pro Bold" panose="00000800000000000000" pitchFamily="50" charset="-127"/>
@@ -4103,7 +4184,7 @@
         </p:nvSpPr>
         <p:spPr>
           <a:xfrm>
-            <a:off x="971600" y="1619672"/>
+            <a:off x="3913584" y="2420888"/>
             <a:ext cx="4690864" cy="834677"/>
           </a:xfrm>
         </p:spPr>
@@ -4232,7 +4313,7 @@
         </p:nvSpPr>
         <p:spPr>
           <a:xfrm>
-            <a:off x="971600" y="2540571"/>
+            <a:off x="750404" y="4694434"/>
             <a:ext cx="2602632" cy="720080"/>
           </a:xfrm>
           <a:prstGeom prst="rect">
@@ -4260,9 +4341,8 @@
             </a:lvl1pPr>
           </a:lstStyle>
           <a:p>
-            <a:pPr algn="l"/>
-            <a:r>
-              <a:rPr lang="ko-KR" altLang="en-US" sz="4000" dirty="0">
+            <a:r>
+              <a:rPr lang="ko-KR" altLang="en-US" sz="3600" dirty="0">
                 <a:latin typeface="KoPubWorld돋움체_Pro Bold" panose="00000800000000000000" pitchFamily="50" charset="-127"/>
                 <a:ea typeface="KoPubWorld돋움체_Pro Bold" panose="00000800000000000000" pitchFamily="50" charset="-127"/>
                 <a:cs typeface="KoPubWorld돋움체_Pro Bold" panose="00000800000000000000" pitchFamily="50" charset="-127"/>
@@ -4288,8 +4368,8 @@
         </p:nvSpPr>
         <p:spPr>
           <a:xfrm>
-            <a:off x="971600" y="3346873"/>
-            <a:ext cx="3240360" cy="2625155"/>
+            <a:off x="3913584" y="4218165"/>
+            <a:ext cx="4480012" cy="1672618"/>
           </a:xfrm>
           <a:prstGeom prst="rect">
             <a:avLst/>
@@ -4445,18 +4525,61 @@
               <a:buNone/>
             </a:pPr>
             <a:r>
-              <a:rPr lang="ko-KR" altLang="en-US" sz="2400" b="1" dirty="0">
+              <a:rPr lang="ko-KR" altLang="en-US" sz="2000" b="1" dirty="0">
                 <a:latin typeface="KoPubWorld돋움체_Pro Bold" panose="00000800000000000000" pitchFamily="50" charset="-127"/>
                 <a:ea typeface="KoPubWorld돋움체_Pro Bold" panose="00000800000000000000" pitchFamily="50" charset="-127"/>
                 <a:cs typeface="KoPubWorld돋움체_Pro Bold" panose="00000800000000000000" pitchFamily="50" charset="-127"/>
               </a:rPr>
-              <a:t>기업</a:t>
-            </a:r>
-            <a:endParaRPr lang="en-US" altLang="ko-KR" sz="2400" dirty="0">
-              <a:latin typeface="KoPubWorld돋움체_Pro Bold" panose="00000800000000000000" pitchFamily="50" charset="-127"/>
-              <a:ea typeface="KoPubWorld돋움체_Pro Bold" panose="00000800000000000000" pitchFamily="50" charset="-127"/>
-              <a:cs typeface="KoPubWorld돋움체_Pro Bold" panose="00000800000000000000" pitchFamily="50" charset="-127"/>
-            </a:endParaRPr>
+              <a:t>기업 </a:t>
+            </a:r>
+            <a:r>
+              <a:rPr lang="en-US" altLang="ko-KR" sz="2000" b="1" dirty="0">
+                <a:latin typeface="KoPubWorld돋움체_Pro Bold" panose="00000800000000000000" pitchFamily="50" charset="-127"/>
+                <a:ea typeface="KoPubWorld돋움체_Pro Bold" panose="00000800000000000000" pitchFamily="50" charset="-127"/>
+                <a:cs typeface="KoPubWorld돋움체_Pro Bold" panose="00000800000000000000" pitchFamily="50" charset="-127"/>
+              </a:rPr>
+              <a:t>: </a:t>
+            </a:r>
+            <a:r>
+              <a:rPr lang="ko-KR" altLang="en-US" sz="1800" dirty="0" err="1">
+                <a:latin typeface="KoPubWorld돋움체_Pro Light" panose="00000300000000000000" pitchFamily="50" charset="-127"/>
+                <a:ea typeface="KoPubWorld돋움체_Pro Light" panose="00000300000000000000" pitchFamily="50" charset="-127"/>
+                <a:cs typeface="KoPubWorld돋움체_Pro Light" panose="00000300000000000000" pitchFamily="50" charset="-127"/>
+              </a:rPr>
+              <a:t>반품율</a:t>
+            </a:r>
+            <a:r>
+              <a:rPr lang="ko-KR" altLang="en-US" sz="1800" dirty="0">
+                <a:latin typeface="KoPubWorld돋움체_Pro Light" panose="00000300000000000000" pitchFamily="50" charset="-127"/>
+                <a:ea typeface="KoPubWorld돋움체_Pro Light" panose="00000300000000000000" pitchFamily="50" charset="-127"/>
+                <a:cs typeface="KoPubWorld돋움체_Pro Light" panose="00000300000000000000" pitchFamily="50" charset="-127"/>
+              </a:rPr>
+              <a:t> 감소</a:t>
+            </a:r>
+            <a:r>
+              <a:rPr lang="en-US" altLang="ko-KR" sz="1800" dirty="0">
+                <a:latin typeface="KoPubWorld돋움체_Pro Light" panose="00000300000000000000" pitchFamily="50" charset="-127"/>
+                <a:ea typeface="KoPubWorld돋움체_Pro Light" panose="00000300000000000000" pitchFamily="50" charset="-127"/>
+                <a:cs typeface="KoPubWorld돋움체_Pro Light" panose="00000300000000000000" pitchFamily="50" charset="-127"/>
+              </a:rPr>
+              <a:t>, </a:t>
+            </a:r>
+            <a:r>
+              <a:rPr lang="ko-KR" altLang="en-US" sz="1800" dirty="0">
+                <a:latin typeface="KoPubWorld돋움체_Pro Light" panose="00000300000000000000" pitchFamily="50" charset="-127"/>
+                <a:ea typeface="KoPubWorld돋움체_Pro Light" panose="00000300000000000000" pitchFamily="50" charset="-127"/>
+                <a:cs typeface="KoPubWorld돋움체_Pro Light" panose="00000300000000000000" pitchFamily="50" charset="-127"/>
+              </a:rPr>
+              <a:t>운영 효율성 개선</a:t>
+            </a:r>
+            <a:r>
+              <a:rPr lang="en-US" altLang="ko-KR" sz="1800" dirty="0">
+                <a:latin typeface="KoPubWorld돋움체_Pro Light" panose="00000300000000000000" pitchFamily="50" charset="-127"/>
+                <a:ea typeface="KoPubWorld돋움체_Pro Light" panose="00000300000000000000" pitchFamily="50" charset="-127"/>
+                <a:cs typeface="KoPubWorld돋움체_Pro Light" panose="00000300000000000000" pitchFamily="50" charset="-127"/>
+              </a:rPr>
+              <a:t>.</a:t>
+            </a:r>
           </a:p>
           <a:p>
             <a:pPr marL="0" indent="0">
@@ -4466,46 +4589,10 @@
               <a:buFont typeface="Arial" panose="020B0604020202020204" pitchFamily="34" charset="0"/>
               <a:buNone/>
             </a:pPr>
-            <a:r>
-              <a:rPr lang="ko-KR" altLang="en-US" sz="1800" dirty="0" err="1">
-                <a:latin typeface="KoPubWorld돋움체_Pro Light" panose="00000300000000000000" pitchFamily="50" charset="-127"/>
-                <a:ea typeface="KoPubWorld돋움체_Pro Light" panose="00000300000000000000" pitchFamily="50" charset="-127"/>
-                <a:cs typeface="KoPubWorld돋움체_Pro Light" panose="00000300000000000000" pitchFamily="50" charset="-127"/>
-              </a:rPr>
-              <a:t>반품율</a:t>
-            </a:r>
-            <a:r>
-              <a:rPr lang="ko-KR" altLang="en-US" sz="1800" dirty="0">
-                <a:latin typeface="KoPubWorld돋움체_Pro Light" panose="00000300000000000000" pitchFamily="50" charset="-127"/>
-                <a:ea typeface="KoPubWorld돋움체_Pro Light" panose="00000300000000000000" pitchFamily="50" charset="-127"/>
-                <a:cs typeface="KoPubWorld돋움체_Pro Light" panose="00000300000000000000" pitchFamily="50" charset="-127"/>
-              </a:rPr>
-              <a:t> 감소</a:t>
-            </a:r>
-            <a:r>
-              <a:rPr lang="en-US" altLang="ko-KR" sz="1800" dirty="0">
-                <a:latin typeface="KoPubWorld돋움체_Pro Light" panose="00000300000000000000" pitchFamily="50" charset="-127"/>
-                <a:ea typeface="KoPubWorld돋움체_Pro Light" panose="00000300000000000000" pitchFamily="50" charset="-127"/>
-                <a:cs typeface="KoPubWorld돋움체_Pro Light" panose="00000300000000000000" pitchFamily="50" charset="-127"/>
-              </a:rPr>
-              <a:t>, </a:t>
-            </a:r>
-            <a:r>
-              <a:rPr lang="ko-KR" altLang="en-US" sz="1800" dirty="0">
-                <a:latin typeface="KoPubWorld돋움체_Pro Light" panose="00000300000000000000" pitchFamily="50" charset="-127"/>
-                <a:ea typeface="KoPubWorld돋움체_Pro Light" panose="00000300000000000000" pitchFamily="50" charset="-127"/>
-                <a:cs typeface="KoPubWorld돋움체_Pro Light" panose="00000300000000000000" pitchFamily="50" charset="-127"/>
-              </a:rPr>
-              <a:t>운영 효율성 개선</a:t>
-            </a:r>
-            <a:r>
-              <a:rPr lang="en-US" altLang="ko-KR" sz="1800" dirty="0">
-                <a:latin typeface="KoPubWorld돋움체_Pro Light" panose="00000300000000000000" pitchFamily="50" charset="-127"/>
-                <a:ea typeface="KoPubWorld돋움체_Pro Light" panose="00000300000000000000" pitchFamily="50" charset="-127"/>
-                <a:cs typeface="KoPubWorld돋움체_Pro Light" panose="00000300000000000000" pitchFamily="50" charset="-127"/>
-              </a:rPr>
-              <a:t>.</a:t>
-            </a:r>
+            <a:endParaRPr lang="en-US" altLang="ko-KR" sz="1800" dirty="0">
+              <a:latin typeface="KoPub돋움체_Pro Light" pitchFamily="50" charset="-127"/>
+              <a:ea typeface="KoPub돋움체_Pro Light" pitchFamily="50" charset="-127"/>
+            </a:endParaRPr>
           </a:p>
           <a:p>
             <a:pPr marL="0" indent="0">
@@ -4515,10 +4602,53 @@
               <a:buFont typeface="Arial" panose="020B0604020202020204" pitchFamily="34" charset="0"/>
               <a:buNone/>
             </a:pPr>
-            <a:endParaRPr lang="en-US" altLang="ko-KR" sz="1800" dirty="0">
-              <a:latin typeface="KoPub돋움체_Pro Light" pitchFamily="50" charset="-127"/>
-              <a:ea typeface="KoPub돋움체_Pro Light" pitchFamily="50" charset="-127"/>
-            </a:endParaRPr>
+            <a:r>
+              <a:rPr lang="ko-KR" altLang="en-US" sz="2000" b="1" dirty="0">
+                <a:latin typeface="KoPubWorld돋움체_Pro Bold" panose="00000800000000000000" pitchFamily="50" charset="-127"/>
+                <a:ea typeface="KoPubWorld돋움체_Pro Bold" panose="00000800000000000000" pitchFamily="50" charset="-127"/>
+                <a:cs typeface="KoPubWorld돋움체_Pro Bold" panose="00000800000000000000" pitchFamily="50" charset="-127"/>
+              </a:rPr>
+              <a:t>소비자 </a:t>
+            </a:r>
+            <a:r>
+              <a:rPr lang="en-US" altLang="ko-KR" sz="2000" b="1" dirty="0">
+                <a:latin typeface="KoPubWorld돋움체_Pro Bold" panose="00000800000000000000" pitchFamily="50" charset="-127"/>
+                <a:ea typeface="KoPubWorld돋움체_Pro Bold" panose="00000800000000000000" pitchFamily="50" charset="-127"/>
+                <a:cs typeface="KoPubWorld돋움체_Pro Bold" panose="00000800000000000000" pitchFamily="50" charset="-127"/>
+              </a:rPr>
+              <a:t>: </a:t>
+            </a:r>
+            <a:r>
+              <a:rPr lang="ko-KR" altLang="en-US" sz="1800" dirty="0">
+                <a:latin typeface="KoPubWorld돋움체_Pro Light" panose="00000300000000000000" pitchFamily="50" charset="-127"/>
+                <a:ea typeface="KoPubWorld돋움체_Pro Light" panose="00000300000000000000" pitchFamily="50" charset="-127"/>
+                <a:cs typeface="KoPubWorld돋움체_Pro Light" panose="00000300000000000000" pitchFamily="50" charset="-127"/>
+              </a:rPr>
+              <a:t>구매 최적화</a:t>
+            </a:r>
+            <a:r>
+              <a:rPr lang="en-US" altLang="ko-KR" sz="1800" dirty="0">
+                <a:latin typeface="KoPubWorld돋움체_Pro Light" panose="00000300000000000000" pitchFamily="50" charset="-127"/>
+                <a:ea typeface="KoPubWorld돋움체_Pro Light" panose="00000300000000000000" pitchFamily="50" charset="-127"/>
+                <a:cs typeface="KoPubWorld돋움체_Pro Light" panose="00000300000000000000" pitchFamily="50" charset="-127"/>
+              </a:rPr>
+              <a:t>, </a:t>
+            </a:r>
+            <a:r>
+              <a:rPr lang="ko-KR" altLang="en-US" sz="1800" dirty="0">
+                <a:latin typeface="KoPubWorld돋움체_Pro Light" panose="00000300000000000000" pitchFamily="50" charset="-127"/>
+                <a:ea typeface="KoPubWorld돋움체_Pro Light" panose="00000300000000000000" pitchFamily="50" charset="-127"/>
+                <a:cs typeface="KoPubWorld돋움체_Pro Light" panose="00000300000000000000" pitchFamily="50" charset="-127"/>
+              </a:rPr>
+              <a:t>만족도 향상</a:t>
+            </a:r>
+            <a:r>
+              <a:rPr lang="en-US" altLang="ko-KR" sz="1800" dirty="0">
+                <a:latin typeface="KoPub돋움체_Pro Light" pitchFamily="50" charset="-127"/>
+                <a:ea typeface="KoPub돋움체_Pro Light" pitchFamily="50" charset="-127"/>
+              </a:rPr>
+              <a:t>.</a:t>
+            </a:r>
           </a:p>
           <a:p>
             <a:pPr marL="0" indent="0">
@@ -4528,68 +4658,6 @@
               <a:buFont typeface="Arial" panose="020B0604020202020204" pitchFamily="34" charset="0"/>
               <a:buNone/>
             </a:pPr>
-            <a:r>
-              <a:rPr lang="ko-KR" altLang="en-US" sz="2400" b="1" dirty="0">
-                <a:latin typeface="KoPubWorld돋움체_Pro Bold" panose="00000800000000000000" pitchFamily="50" charset="-127"/>
-                <a:ea typeface="KoPubWorld돋움체_Pro Bold" panose="00000800000000000000" pitchFamily="50" charset="-127"/>
-                <a:cs typeface="KoPubWorld돋움체_Pro Bold" panose="00000800000000000000" pitchFamily="50" charset="-127"/>
-              </a:rPr>
-              <a:t>소비자</a:t>
-            </a:r>
-            <a:endParaRPr lang="en-US" altLang="ko-KR" sz="2400" dirty="0">
-              <a:latin typeface="KoPubWorld돋움체_Pro Bold" panose="00000800000000000000" pitchFamily="50" charset="-127"/>
-              <a:ea typeface="KoPubWorld돋움체_Pro Bold" panose="00000800000000000000" pitchFamily="50" charset="-127"/>
-              <a:cs typeface="KoPubWorld돋움체_Pro Bold" panose="00000800000000000000" pitchFamily="50" charset="-127"/>
-            </a:endParaRPr>
-          </a:p>
-          <a:p>
-            <a:pPr marL="0" indent="0">
-              <a:lnSpc>
-                <a:spcPct val="140000"/>
-              </a:lnSpc>
-              <a:buFont typeface="Arial" panose="020B0604020202020204" pitchFamily="34" charset="0"/>
-              <a:buNone/>
-            </a:pPr>
-            <a:r>
-              <a:rPr lang="ko-KR" altLang="en-US" sz="1800" dirty="0">
-                <a:latin typeface="KoPubWorld돋움체_Pro Light" panose="00000300000000000000" pitchFamily="50" charset="-127"/>
-                <a:ea typeface="KoPubWorld돋움체_Pro Light" panose="00000300000000000000" pitchFamily="50" charset="-127"/>
-                <a:cs typeface="KoPubWorld돋움체_Pro Light" panose="00000300000000000000" pitchFamily="50" charset="-127"/>
-              </a:rPr>
-              <a:t>구매 최적화</a:t>
-            </a:r>
-            <a:r>
-              <a:rPr lang="en-US" altLang="ko-KR" sz="1800" dirty="0">
-                <a:latin typeface="KoPubWorld돋움체_Pro Light" panose="00000300000000000000" pitchFamily="50" charset="-127"/>
-                <a:ea typeface="KoPubWorld돋움체_Pro Light" panose="00000300000000000000" pitchFamily="50" charset="-127"/>
-                <a:cs typeface="KoPubWorld돋움체_Pro Light" panose="00000300000000000000" pitchFamily="50" charset="-127"/>
-              </a:rPr>
-              <a:t>, </a:t>
-            </a:r>
-            <a:r>
-              <a:rPr lang="ko-KR" altLang="en-US" sz="1800" dirty="0">
-                <a:latin typeface="KoPubWorld돋움체_Pro Light" panose="00000300000000000000" pitchFamily="50" charset="-127"/>
-                <a:ea typeface="KoPubWorld돋움체_Pro Light" panose="00000300000000000000" pitchFamily="50" charset="-127"/>
-                <a:cs typeface="KoPubWorld돋움체_Pro Light" panose="00000300000000000000" pitchFamily="50" charset="-127"/>
-              </a:rPr>
-              <a:t>만족도 향상</a:t>
-            </a:r>
-            <a:r>
-              <a:rPr lang="en-US" altLang="ko-KR" sz="1800" dirty="0">
-                <a:latin typeface="KoPub돋움체_Pro Light" pitchFamily="50" charset="-127"/>
-                <a:ea typeface="KoPub돋움체_Pro Light" pitchFamily="50" charset="-127"/>
-              </a:rPr>
-              <a:t>.</a:t>
-            </a:r>
-          </a:p>
-          <a:p>
-            <a:pPr marL="0" indent="0">
-              <a:lnSpc>
-                <a:spcPct val="140000"/>
-              </a:lnSpc>
-              <a:buFont typeface="Arial" panose="020B0604020202020204" pitchFamily="34" charset="0"/>
-              <a:buNone/>
-            </a:pPr>
             <a:endParaRPr lang="ko-KR" altLang="en-US" sz="1800" dirty="0">
               <a:latin typeface="KoPub돋움체_Pro Light" pitchFamily="50" charset="-127"/>
               <a:ea typeface="KoPub돋움체_Pro Light" pitchFamily="50" charset="-127"/>
@@ -4597,6 +4665,47 @@
           </a:p>
         </p:txBody>
       </p:sp>
+      <p:cxnSp>
+        <p:nvCxnSpPr>
+          <p:cNvPr id="6" name="직선 연결선 5">
+            <a:extLst>
+              <a:ext uri="{FF2B5EF4-FFF2-40B4-BE49-F238E27FC236}">
+                <a16:creationId xmlns:a16="http://schemas.microsoft.com/office/drawing/2014/main" id="{88031155-4541-42FC-8D86-EB80FBB725B9}"/>
+              </a:ext>
+            </a:extLst>
+          </p:cNvPr>
+          <p:cNvCxnSpPr/>
+          <p:nvPr/>
+        </p:nvCxnSpPr>
+        <p:spPr>
+          <a:xfrm>
+            <a:off x="0" y="1124744"/>
+            <a:ext cx="9144000" cy="0"/>
+          </a:xfrm>
+          <a:prstGeom prst="line">
+            <a:avLst/>
+          </a:prstGeom>
+          <a:ln w="28575">
+            <a:solidFill>
+              <a:srgbClr val="92D050"/>
+            </a:solidFill>
+          </a:ln>
+        </p:spPr>
+        <p:style>
+          <a:lnRef idx="1">
+            <a:schemeClr val="accent1"/>
+          </a:lnRef>
+          <a:fillRef idx="0">
+            <a:schemeClr val="accent1"/>
+          </a:fillRef>
+          <a:effectRef idx="0">
+            <a:schemeClr val="accent1"/>
+          </a:effectRef>
+          <a:fontRef idx="minor">
+            <a:schemeClr val="tx1"/>
+          </a:fontRef>
+        </p:style>
+      </p:cxnSp>
     </p:spTree>
     <p:extLst>
       <p:ext uri="{BB962C8B-B14F-4D97-AF65-F5344CB8AC3E}">
@@ -4645,7 +4754,7 @@
         </p:nvSpPr>
         <p:spPr>
           <a:xfrm>
-            <a:off x="457200" y="1196752"/>
+            <a:off x="457200" y="1628800"/>
             <a:ext cx="8229600" cy="1143000"/>
           </a:xfrm>
         </p:spPr>
@@ -4682,7 +4791,7 @@
         </p:nvSpPr>
         <p:spPr>
           <a:xfrm>
-            <a:off x="1295636" y="2564904"/>
+            <a:off x="1295636" y="2996952"/>
             <a:ext cx="6552728" cy="3096344"/>
           </a:xfrm>
         </p:spPr>
@@ -4866,6 +4975,47 @@
           </a:p>
         </p:txBody>
       </p:sp>
+      <p:cxnSp>
+        <p:nvCxnSpPr>
+          <p:cNvPr id="4" name="직선 연결선 3">
+            <a:extLst>
+              <a:ext uri="{FF2B5EF4-FFF2-40B4-BE49-F238E27FC236}">
+                <a16:creationId xmlns:a16="http://schemas.microsoft.com/office/drawing/2014/main" id="{D7A06EEA-953F-4531-98FE-6ECC99CCA261}"/>
+              </a:ext>
+            </a:extLst>
+          </p:cNvPr>
+          <p:cNvCxnSpPr/>
+          <p:nvPr/>
+        </p:nvCxnSpPr>
+        <p:spPr>
+          <a:xfrm>
+            <a:off x="0" y="1124744"/>
+            <a:ext cx="9144000" cy="0"/>
+          </a:xfrm>
+          <a:prstGeom prst="line">
+            <a:avLst/>
+          </a:prstGeom>
+          <a:ln w="28575">
+            <a:solidFill>
+              <a:srgbClr val="92D050"/>
+            </a:solidFill>
+          </a:ln>
+        </p:spPr>
+        <p:style>
+          <a:lnRef idx="1">
+            <a:schemeClr val="accent1"/>
+          </a:lnRef>
+          <a:fillRef idx="0">
+            <a:schemeClr val="accent1"/>
+          </a:fillRef>
+          <a:effectRef idx="0">
+            <a:schemeClr val="accent1"/>
+          </a:effectRef>
+          <a:fontRef idx="minor">
+            <a:schemeClr val="tx1"/>
+          </a:fontRef>
+        </p:style>
+      </p:cxnSp>
     </p:spTree>
     <p:extLst>
       <p:ext uri="{BB962C8B-B14F-4D97-AF65-F5344CB8AC3E}">
@@ -4996,7 +5146,48 @@
           </a:prstGeom>
           <a:ln w="57150">
             <a:solidFill>
-              <a:schemeClr val="tx1"/>
+              <a:srgbClr val="92D050"/>
+            </a:solidFill>
+          </a:ln>
+        </p:spPr>
+        <p:style>
+          <a:lnRef idx="1">
+            <a:schemeClr val="accent1"/>
+          </a:lnRef>
+          <a:fillRef idx="0">
+            <a:schemeClr val="accent1"/>
+          </a:fillRef>
+          <a:effectRef idx="0">
+            <a:schemeClr val="accent1"/>
+          </a:effectRef>
+          <a:fontRef idx="minor">
+            <a:schemeClr val="tx1"/>
+          </a:fontRef>
+        </p:style>
+      </p:cxnSp>
+      <p:cxnSp>
+        <p:nvCxnSpPr>
+          <p:cNvPr id="4" name="직선 연결선 3">
+            <a:extLst>
+              <a:ext uri="{FF2B5EF4-FFF2-40B4-BE49-F238E27FC236}">
+                <a16:creationId xmlns:a16="http://schemas.microsoft.com/office/drawing/2014/main" id="{CEA38160-09D5-48C5-A5CD-74D3481244B6}"/>
+              </a:ext>
+            </a:extLst>
+          </p:cNvPr>
+          <p:cNvCxnSpPr/>
+          <p:nvPr/>
+        </p:nvCxnSpPr>
+        <p:spPr>
+          <a:xfrm>
+            <a:off x="0" y="1124744"/>
+            <a:ext cx="9144000" cy="0"/>
+          </a:xfrm>
+          <a:prstGeom prst="line">
+            <a:avLst/>
+          </a:prstGeom>
+          <a:ln w="28575">
+            <a:solidFill>
+              <a:srgbClr val="92D050"/>
             </a:solidFill>
           </a:ln>
         </p:spPr>
@@ -5057,7 +5248,7 @@
         </p:nvSpPr>
         <p:spPr>
           <a:xfrm>
-            <a:off x="457200" y="764704"/>
+            <a:off x="457200" y="116632"/>
             <a:ext cx="8229600" cy="1143000"/>
           </a:xfrm>
         </p:spPr>
@@ -5069,7 +5260,7 @@
           <a:p>
             <a:pPr algn="l"/>
             <a:r>
-              <a:rPr lang="ko-KR" altLang="en-US" dirty="0">
+              <a:rPr lang="ko-KR" altLang="en-US" sz="4000" dirty="0">
                 <a:latin typeface="KoPubWorld돋움체_Pro Bold" panose="00000800000000000000" pitchFamily="50" charset="-127"/>
                 <a:ea typeface="KoPubWorld돋움체_Pro Bold" panose="00000800000000000000" pitchFamily="50" charset="-127"/>
                 <a:cs typeface="KoPubWorld돋움체_Pro Bold" panose="00000800000000000000" pitchFamily="50" charset="-127"/>
@@ -5091,8 +5282,8 @@
         </p:nvSpPr>
         <p:spPr>
           <a:xfrm>
-            <a:off x="457200" y="1988840"/>
-            <a:ext cx="8229600" cy="3960440"/>
+            <a:off x="457200" y="1628800"/>
+            <a:ext cx="8229600" cy="4464496"/>
           </a:xfrm>
         </p:spPr>
         <p:txBody>
@@ -5150,7 +5341,7 @@
                 <a:ea typeface="KoPubWorld돋움체_Pro Light" panose="00000300000000000000" pitchFamily="50" charset="-127"/>
                 <a:cs typeface="KoPubWorld돋움체_Pro Light" panose="00000300000000000000" pitchFamily="50" charset="-127"/>
               </a:rPr>
-              <a:t>는 온라인 장바구니 데이터를 제공하며</a:t>
+              <a:t>는 온라인 장바구니 데이터를 제공함으로써</a:t>
             </a:r>
             <a:r>
               <a:rPr lang="en-US" altLang="ko-KR" sz="1400" dirty="0">
@@ -5397,8 +5588,146 @@
                 <a:ea typeface="KoPubWorld돋움체_Pro Light" panose="00000300000000000000" pitchFamily="50" charset="-127"/>
                 <a:cs typeface="KoPubWorld돋움체_Pro Light" panose="00000300000000000000" pitchFamily="50" charset="-127"/>
               </a:rPr>
-              <a:t>).</a:t>
-            </a:r>
+              <a:t>). </a:t>
+            </a:r>
+          </a:p>
+          <a:p>
+            <a:pPr marL="0" indent="0">
+              <a:buNone/>
+            </a:pPr>
+            <a:r>
+              <a:rPr lang="en-US" altLang="ko-KR" sz="1400" dirty="0">
+                <a:latin typeface="KoPubWorld돋움체_Pro Light" panose="00000300000000000000" pitchFamily="50" charset="-127"/>
+                <a:ea typeface="KoPubWorld돋움체_Pro Light" panose="00000300000000000000" pitchFamily="50" charset="-127"/>
+                <a:cs typeface="KoPubWorld돋움체_Pro Light" panose="00000300000000000000" pitchFamily="50" charset="-127"/>
+              </a:rPr>
+              <a:t>	         ‘</a:t>
+            </a:r>
+            <a:r>
+              <a:rPr lang="en-US" altLang="ko-KR" sz="1400" dirty="0" err="1">
+                <a:latin typeface="KoPubWorld돋움체_Pro Light" panose="00000300000000000000" pitchFamily="50" charset="-127"/>
+                <a:ea typeface="KoPubWorld돋움체_Pro Light" panose="00000300000000000000" pitchFamily="50" charset="-127"/>
+                <a:cs typeface="KoPubWorld돋움체_Pro Light" panose="00000300000000000000" pitchFamily="50" charset="-127"/>
+              </a:rPr>
+              <a:t>user_id</a:t>
+            </a:r>
+            <a:r>
+              <a:rPr lang="en-US" altLang="ko-KR" sz="1400" dirty="0">
+                <a:latin typeface="KoPubWorld돋움체_Pro Light" panose="00000300000000000000" pitchFamily="50" charset="-127"/>
+                <a:ea typeface="KoPubWorld돋움체_Pro Light" panose="00000300000000000000" pitchFamily="50" charset="-127"/>
+                <a:cs typeface="KoPubWorld돋움체_Pro Light" panose="00000300000000000000" pitchFamily="50" charset="-127"/>
+              </a:rPr>
+              <a:t>’</a:t>
+            </a:r>
+            <a:r>
+              <a:rPr lang="ko-KR" altLang="en-US" sz="1400" dirty="0">
+                <a:latin typeface="KoPubWorld돋움체_Pro Light" panose="00000300000000000000" pitchFamily="50" charset="-127"/>
+                <a:ea typeface="KoPubWorld돋움체_Pro Light" panose="00000300000000000000" pitchFamily="50" charset="-127"/>
+                <a:cs typeface="KoPubWorld돋움체_Pro Light" panose="00000300000000000000" pitchFamily="50" charset="-127"/>
+              </a:rPr>
+              <a:t>의 </a:t>
+            </a:r>
+            <a:r>
+              <a:rPr lang="en-US" altLang="ko-KR" sz="1400" dirty="0">
+                <a:latin typeface="KoPubWorld돋움체_Pro Light" panose="00000300000000000000" pitchFamily="50" charset="-127"/>
+                <a:ea typeface="KoPubWorld돋움체_Pro Light" panose="00000300000000000000" pitchFamily="50" charset="-127"/>
+                <a:cs typeface="KoPubWorld돋움체_Pro Light" panose="00000300000000000000" pitchFamily="50" charset="-127"/>
+              </a:rPr>
+              <a:t>‘</a:t>
+            </a:r>
+            <a:r>
+              <a:rPr lang="en-US" altLang="ko-KR" sz="1400" dirty="0" err="1">
+                <a:latin typeface="KoPubWorld돋움체_Pro Light" panose="00000300000000000000" pitchFamily="50" charset="-127"/>
+                <a:ea typeface="KoPubWorld돋움체_Pro Light" panose="00000300000000000000" pitchFamily="50" charset="-127"/>
+                <a:cs typeface="KoPubWorld돋움체_Pro Light" panose="00000300000000000000" pitchFamily="50" charset="-127"/>
+              </a:rPr>
+              <a:t>order_number</a:t>
+            </a:r>
+            <a:r>
+              <a:rPr lang="en-US" altLang="ko-KR" sz="1400" dirty="0">
+                <a:latin typeface="KoPubWorld돋움체_Pro Light" panose="00000300000000000000" pitchFamily="50" charset="-127"/>
+                <a:ea typeface="KoPubWorld돋움체_Pro Light" panose="00000300000000000000" pitchFamily="50" charset="-127"/>
+                <a:cs typeface="KoPubWorld돋움체_Pro Light" panose="00000300000000000000" pitchFamily="50" charset="-127"/>
+              </a:rPr>
+              <a:t>’</a:t>
+            </a:r>
+            <a:r>
+              <a:rPr lang="ko-KR" altLang="en-US" sz="1400" dirty="0">
+                <a:latin typeface="KoPubWorld돋움체_Pro Light" panose="00000300000000000000" pitchFamily="50" charset="-127"/>
+                <a:ea typeface="KoPubWorld돋움체_Pro Light" panose="00000300000000000000" pitchFamily="50" charset="-127"/>
+                <a:cs typeface="KoPubWorld돋움체_Pro Light" panose="00000300000000000000" pitchFamily="50" charset="-127"/>
+              </a:rPr>
+              <a:t>가 </a:t>
+            </a:r>
+            <a:r>
+              <a:rPr lang="en-US" altLang="ko-KR" sz="1400" dirty="0">
+                <a:latin typeface="KoPubWorld돋움체_Pro Light" panose="00000300000000000000" pitchFamily="50" charset="-127"/>
+                <a:ea typeface="KoPubWorld돋움체_Pro Light" panose="00000300000000000000" pitchFamily="50" charset="-127"/>
+                <a:cs typeface="KoPubWorld돋움체_Pro Light" panose="00000300000000000000" pitchFamily="50" charset="-127"/>
+              </a:rPr>
+              <a:t>1</a:t>
+            </a:r>
+            <a:r>
+              <a:rPr lang="ko-KR" altLang="en-US" sz="1400" dirty="0">
+                <a:latin typeface="KoPubWorld돋움체_Pro Light" panose="00000300000000000000" pitchFamily="50" charset="-127"/>
+                <a:ea typeface="KoPubWorld돋움체_Pro Light" panose="00000300000000000000" pitchFamily="50" charset="-127"/>
+                <a:cs typeface="KoPubWorld돋움체_Pro Light" panose="00000300000000000000" pitchFamily="50" charset="-127"/>
+              </a:rPr>
+              <a:t>일 때</a:t>
+            </a:r>
+            <a:r>
+              <a:rPr lang="en-US" altLang="ko-KR" sz="1400" dirty="0">
+                <a:latin typeface="KoPubWorld돋움체_Pro Light" panose="00000300000000000000" pitchFamily="50" charset="-127"/>
+                <a:ea typeface="KoPubWorld돋움체_Pro Light" panose="00000300000000000000" pitchFamily="50" charset="-127"/>
+                <a:cs typeface="KoPubWorld돋움체_Pro Light" panose="00000300000000000000" pitchFamily="50" charset="-127"/>
+              </a:rPr>
+              <a:t>, ‘</a:t>
+            </a:r>
+            <a:r>
+              <a:rPr lang="en-US" altLang="ko-KR" sz="1400" dirty="0" err="1">
+                <a:latin typeface="KoPubWorld돋움체_Pro Light" panose="00000300000000000000" pitchFamily="50" charset="-127"/>
+                <a:ea typeface="KoPubWorld돋움체_Pro Light" panose="00000300000000000000" pitchFamily="50" charset="-127"/>
+                <a:cs typeface="KoPubWorld돋움체_Pro Light" panose="00000300000000000000" pitchFamily="50" charset="-127"/>
+              </a:rPr>
+              <a:t>days_since_prior_order</a:t>
+            </a:r>
+            <a:r>
+              <a:rPr lang="en-US" altLang="ko-KR" sz="1400" dirty="0">
+                <a:latin typeface="KoPubWorld돋움체_Pro Light" panose="00000300000000000000" pitchFamily="50" charset="-127"/>
+                <a:ea typeface="KoPubWorld돋움체_Pro Light" panose="00000300000000000000" pitchFamily="50" charset="-127"/>
+                <a:cs typeface="KoPubWorld돋움체_Pro Light" panose="00000300000000000000" pitchFamily="50" charset="-127"/>
+              </a:rPr>
+              <a:t>’ </a:t>
+            </a:r>
+            <a:r>
+              <a:rPr lang="ko-KR" altLang="en-US" sz="1400" dirty="0">
+                <a:latin typeface="KoPubWorld돋움체_Pro Light" panose="00000300000000000000" pitchFamily="50" charset="-127"/>
+                <a:ea typeface="KoPubWorld돋움체_Pro Light" panose="00000300000000000000" pitchFamily="50" charset="-127"/>
+                <a:cs typeface="KoPubWorld돋움체_Pro Light" panose="00000300000000000000" pitchFamily="50" charset="-127"/>
+              </a:rPr>
+              <a:t>컬럼에 </a:t>
+            </a:r>
+            <a:r>
+              <a:rPr lang="ko-KR" altLang="en-US" sz="1400" dirty="0" err="1">
+                <a:latin typeface="KoPubWorld돋움체_Pro Light" panose="00000300000000000000" pitchFamily="50" charset="-127"/>
+                <a:ea typeface="KoPubWorld돋움체_Pro Light" panose="00000300000000000000" pitchFamily="50" charset="-127"/>
+                <a:cs typeface="KoPubWorld돋움체_Pro Light" panose="00000300000000000000" pitchFamily="50" charset="-127"/>
+              </a:rPr>
+              <a:t>결측치</a:t>
+            </a:r>
+            <a:r>
+              <a:rPr lang="ko-KR" altLang="en-US" sz="1400" dirty="0">
+                <a:latin typeface="KoPubWorld돋움체_Pro Light" panose="00000300000000000000" pitchFamily="50" charset="-127"/>
+                <a:ea typeface="KoPubWorld돋움체_Pro Light" panose="00000300000000000000" pitchFamily="50" charset="-127"/>
+                <a:cs typeface="KoPubWorld돋움체_Pro Light" panose="00000300000000000000" pitchFamily="50" charset="-127"/>
+              </a:rPr>
+              <a:t> 존재</a:t>
+            </a:r>
+            <a:endParaRPr lang="en-US" altLang="ko-KR" sz="1400" dirty="0">
+              <a:latin typeface="KoPubWorld돋움체_Pro Light" panose="00000300000000000000" pitchFamily="50" charset="-127"/>
+              <a:ea typeface="KoPubWorld돋움체_Pro Light" panose="00000300000000000000" pitchFamily="50" charset="-127"/>
+              <a:cs typeface="KoPubWorld돋움체_Pro Light" panose="00000300000000000000" pitchFamily="50" charset="-127"/>
+            </a:endParaRPr>
           </a:p>
           <a:p>
             <a:pPr marL="0" indent="0">
@@ -5643,6 +5972,47 @@
           </a:p>
         </p:txBody>
       </p:sp>
+      <p:cxnSp>
+        <p:nvCxnSpPr>
+          <p:cNvPr id="4" name="직선 연결선 3">
+            <a:extLst>
+              <a:ext uri="{FF2B5EF4-FFF2-40B4-BE49-F238E27FC236}">
+                <a16:creationId xmlns:a16="http://schemas.microsoft.com/office/drawing/2014/main" id="{D0F3EC02-1B3F-428C-BE38-EA93BAE37C5D}"/>
+              </a:ext>
+            </a:extLst>
+          </p:cNvPr>
+          <p:cNvCxnSpPr/>
+          <p:nvPr/>
+        </p:nvCxnSpPr>
+        <p:spPr>
+          <a:xfrm>
+            <a:off x="0" y="1124744"/>
+            <a:ext cx="9144000" cy="0"/>
+          </a:xfrm>
+          <a:prstGeom prst="line">
+            <a:avLst/>
+          </a:prstGeom>
+          <a:ln w="28575">
+            <a:solidFill>
+              <a:srgbClr val="92D050"/>
+            </a:solidFill>
+          </a:ln>
+        </p:spPr>
+        <p:style>
+          <a:lnRef idx="1">
+            <a:schemeClr val="accent1"/>
+          </a:lnRef>
+          <a:fillRef idx="0">
+            <a:schemeClr val="accent1"/>
+          </a:fillRef>
+          <a:effectRef idx="0">
+            <a:schemeClr val="accent1"/>
+          </a:effectRef>
+          <a:fontRef idx="minor">
+            <a:schemeClr val="tx1"/>
+          </a:fontRef>
+        </p:style>
+      </p:cxnSp>
     </p:spTree>
     <p:extLst>
       <p:ext uri="{BB962C8B-B14F-4D97-AF65-F5344CB8AC3E}">
@@ -5691,7 +6061,7 @@
         </p:nvSpPr>
         <p:spPr>
           <a:xfrm>
-            <a:off x="457200" y="836712"/>
+            <a:off x="457200" y="116632"/>
             <a:ext cx="5050904" cy="1143000"/>
           </a:xfrm>
         </p:spPr>
@@ -5735,8 +6105,8 @@
         </p:nvSpPr>
         <p:spPr>
           <a:xfrm>
-            <a:off x="6588224" y="3538980"/>
-            <a:ext cx="2324944" cy="954107"/>
+            <a:off x="323528" y="3306924"/>
+            <a:ext cx="2324944" cy="830997"/>
           </a:xfrm>
           <a:prstGeom prst="rect">
             <a:avLst/>
@@ -5751,14 +6121,14 @@
           <a:p>
             <a:pPr algn="ctr"/>
             <a:r>
-              <a:rPr lang="ko-KR" altLang="en-US" sz="2800" dirty="0">
+              <a:rPr lang="ko-KR" altLang="en-US" sz="2400" dirty="0">
                 <a:latin typeface="KoPubWorld돋움체_Pro Bold" panose="00000800000000000000" pitchFamily="50" charset="-127"/>
                 <a:ea typeface="KoPubWorld돋움체_Pro Bold" panose="00000800000000000000" pitchFamily="50" charset="-127"/>
                 <a:cs typeface="KoPubWorld돋움체_Pro Bold" panose="00000800000000000000" pitchFamily="50" charset="-127"/>
               </a:rPr>
               <a:t>고객별 평균 </a:t>
             </a:r>
-            <a:endParaRPr lang="en-US" altLang="ko-KR" sz="2800" dirty="0">
+            <a:endParaRPr lang="en-US" altLang="ko-KR" sz="2400" dirty="0">
               <a:latin typeface="KoPubWorld돋움체_Pro Bold" panose="00000800000000000000" pitchFamily="50" charset="-127"/>
               <a:ea typeface="KoPubWorld돋움체_Pro Bold" panose="00000800000000000000" pitchFamily="50" charset="-127"/>
               <a:cs typeface="KoPubWorld돋움체_Pro Bold" panose="00000800000000000000" pitchFamily="50" charset="-127"/>
@@ -5767,7 +6137,7 @@
           <a:p>
             <a:pPr algn="ctr"/>
             <a:r>
-              <a:rPr lang="ko-KR" altLang="en-US" sz="2800" dirty="0">
+              <a:rPr lang="ko-KR" altLang="en-US" sz="2400" dirty="0">
                 <a:latin typeface="KoPubWorld돋움체_Pro Bold" panose="00000800000000000000" pitchFamily="50" charset="-127"/>
                 <a:ea typeface="KoPubWorld돋움체_Pro Bold" panose="00000800000000000000" pitchFamily="50" charset="-127"/>
                 <a:cs typeface="KoPubWorld돋움체_Pro Bold" panose="00000800000000000000" pitchFamily="50" charset="-127"/>
@@ -5805,7 +6175,7 @@
         </p:blipFill>
         <p:spPr>
           <a:xfrm>
-            <a:off x="457200" y="2132856"/>
+            <a:off x="2983645" y="2132856"/>
             <a:ext cx="5905701" cy="3766356"/>
           </a:xfrm>
           <a:prstGeom prst="rect">
@@ -5813,6 +6183,47 @@
           </a:prstGeom>
         </p:spPr>
       </p:pic>
+      <p:cxnSp>
+        <p:nvCxnSpPr>
+          <p:cNvPr id="5" name="직선 연결선 4">
+            <a:extLst>
+              <a:ext uri="{FF2B5EF4-FFF2-40B4-BE49-F238E27FC236}">
+                <a16:creationId xmlns:a16="http://schemas.microsoft.com/office/drawing/2014/main" id="{18EA8A5C-91FC-4233-B3E2-9B1434B388F8}"/>
+              </a:ext>
+            </a:extLst>
+          </p:cNvPr>
+          <p:cNvCxnSpPr/>
+          <p:nvPr/>
+        </p:nvCxnSpPr>
+        <p:spPr>
+          <a:xfrm>
+            <a:off x="0" y="1124744"/>
+            <a:ext cx="9144000" cy="0"/>
+          </a:xfrm>
+          <a:prstGeom prst="line">
+            <a:avLst/>
+          </a:prstGeom>
+          <a:ln w="28575">
+            <a:solidFill>
+              <a:srgbClr val="92D050"/>
+            </a:solidFill>
+          </a:ln>
+        </p:spPr>
+        <p:style>
+          <a:lnRef idx="1">
+            <a:schemeClr val="accent1"/>
+          </a:lnRef>
+          <a:fillRef idx="0">
+            <a:schemeClr val="accent1"/>
+          </a:fillRef>
+          <a:effectRef idx="0">
+            <a:schemeClr val="accent1"/>
+          </a:effectRef>
+          <a:fontRef idx="minor">
+            <a:schemeClr val="tx1"/>
+          </a:fontRef>
+        </p:style>
+      </p:cxnSp>
     </p:spTree>
     <p:extLst>
       <p:ext uri="{BB962C8B-B14F-4D97-AF65-F5344CB8AC3E}">
@@ -5855,8 +6266,8 @@
         </p:nvSpPr>
         <p:spPr>
           <a:xfrm>
-            <a:off x="683568" y="548680"/>
-            <a:ext cx="3384376" cy="1605076"/>
+            <a:off x="1187624" y="942626"/>
+            <a:ext cx="2664296" cy="957004"/>
           </a:xfrm>
         </p:spPr>
         <p:txBody>
@@ -5871,7 +6282,7 @@
                 <a:ea typeface="KoPubWorld돋움체_Pro Bold" panose="00000800000000000000" pitchFamily="50" charset="-127"/>
                 <a:cs typeface="KoPubWorld돋움체_Pro Bold" panose="00000800000000000000" pitchFamily="50" charset="-127"/>
               </a:rPr>
-              <a:t>특정 재구매율에 해당하는 </a:t>
+              <a:t>특정 재구매율에 </a:t>
             </a:r>
             <a:br>
               <a:rPr lang="en-US" altLang="ko-KR" sz="2400" dirty="0">
@@ -5886,7 +6297,7 @@
                 <a:ea typeface="KoPubWorld돋움체_Pro Bold" panose="00000800000000000000" pitchFamily="50" charset="-127"/>
                 <a:cs typeface="KoPubWorld돋움체_Pro Bold" panose="00000800000000000000" pitchFamily="50" charset="-127"/>
               </a:rPr>
-              <a:t>상품 </a:t>
+              <a:t>해당하는 상품 </a:t>
             </a:r>
             <a:r>
               <a:rPr lang="ko-KR" altLang="en-US" sz="2400" dirty="0" err="1">
@@ -5932,7 +6343,7 @@
         </p:blipFill>
         <p:spPr>
           <a:xfrm>
-            <a:off x="1295636" y="2264140"/>
+            <a:off x="827584" y="2276872"/>
             <a:ext cx="6552728" cy="4178997"/>
           </a:xfrm>
           <a:prstGeom prst="rect">
@@ -5968,8 +6379,8 @@
         </p:blipFill>
         <p:spPr>
           <a:xfrm>
-            <a:off x="4283969" y="559370"/>
-            <a:ext cx="4320480" cy="1381946"/>
+            <a:off x="4283969" y="764704"/>
+            <a:ext cx="4104455" cy="1312848"/>
           </a:xfrm>
           <a:prstGeom prst="rect">
             <a:avLst/>
@@ -6158,7 +6569,7 @@
         </p:blipFill>
         <p:spPr>
           <a:xfrm>
-            <a:off x="467544" y="3443059"/>
+            <a:off x="395536" y="3390363"/>
             <a:ext cx="4202709" cy="2630925"/>
           </a:xfrm>
           <a:prstGeom prst="rect">
@@ -6322,7 +6733,7 @@
         </p:nvSpPr>
         <p:spPr>
           <a:xfrm>
-            <a:off x="543107" y="538680"/>
+            <a:off x="541310" y="692696"/>
             <a:ext cx="3742658" cy="1143000"/>
           </a:xfrm>
         </p:spPr>
@@ -6359,149 +6770,6 @@
           </a:p>
         </p:txBody>
       </p:sp>
-      <p:pic>
-        <p:nvPicPr>
-          <p:cNvPr id="13" name="내용 개체 틀 12">
-            <a:extLst>
-              <a:ext uri="{FF2B5EF4-FFF2-40B4-BE49-F238E27FC236}">
-                <a16:creationId xmlns:a16="http://schemas.microsoft.com/office/drawing/2014/main" id="{70A5CF0A-3800-4887-9665-4C0110F00FDB}"/>
-              </a:ext>
-            </a:extLst>
-          </p:cNvPr>
-          <p:cNvPicPr>
-            <a:picLocks noGrp="1" noChangeAspect="1"/>
-          </p:cNvPicPr>
-          <p:nvPr>
-            <p:ph idx="1"/>
-          </p:nvPr>
-        </p:nvPicPr>
-        <p:blipFill>
-          <a:blip r:embed="rId2" cstate="print">
-            <a:extLst>
-              <a:ext uri="{28A0092B-C50C-407E-A947-70E740481C1C}">
-                <a14:useLocalDpi xmlns:a14="http://schemas.microsoft.com/office/drawing/2010/main" val="0"/>
-              </a:ext>
-            </a:extLst>
-          </a:blip>
-          <a:stretch>
-            <a:fillRect/>
-          </a:stretch>
-        </p:blipFill>
-        <p:spPr>
-          <a:xfrm>
-            <a:off x="758252" y="3876772"/>
-            <a:ext cx="3119920" cy="2009878"/>
-          </a:xfrm>
-        </p:spPr>
-      </p:pic>
-      <p:pic>
-        <p:nvPicPr>
-          <p:cNvPr id="15" name="그림 14">
-            <a:extLst>
-              <a:ext uri="{FF2B5EF4-FFF2-40B4-BE49-F238E27FC236}">
-                <a16:creationId xmlns:a16="http://schemas.microsoft.com/office/drawing/2014/main" id="{0E5FBC48-80E6-4BD6-A2F2-311A394998DD}"/>
-              </a:ext>
-            </a:extLst>
-          </p:cNvPr>
-          <p:cNvPicPr>
-            <a:picLocks noChangeAspect="1"/>
-          </p:cNvPicPr>
-          <p:nvPr/>
-        </p:nvPicPr>
-        <p:blipFill>
-          <a:blip r:embed="rId3" cstate="print">
-            <a:extLst>
-              <a:ext uri="{28A0092B-C50C-407E-A947-70E740481C1C}">
-                <a14:useLocalDpi xmlns:a14="http://schemas.microsoft.com/office/drawing/2010/main" val="0"/>
-              </a:ext>
-            </a:extLst>
-          </a:blip>
-          <a:stretch>
-            <a:fillRect/>
-          </a:stretch>
-        </p:blipFill>
-        <p:spPr>
-          <a:xfrm>
-            <a:off x="4520516" y="3717032"/>
-            <a:ext cx="4011924" cy="2517604"/>
-          </a:xfrm>
-          <a:prstGeom prst="rect">
-            <a:avLst/>
-          </a:prstGeom>
-        </p:spPr>
-      </p:pic>
-      <p:pic>
-        <p:nvPicPr>
-          <p:cNvPr id="17" name="그림 16">
-            <a:extLst>
-              <a:ext uri="{FF2B5EF4-FFF2-40B4-BE49-F238E27FC236}">
-                <a16:creationId xmlns:a16="http://schemas.microsoft.com/office/drawing/2014/main" id="{4AA193D3-ECC2-498E-9A15-62C40D62C2DE}"/>
-              </a:ext>
-            </a:extLst>
-          </p:cNvPr>
-          <p:cNvPicPr>
-            <a:picLocks noChangeAspect="1"/>
-          </p:cNvPicPr>
-          <p:nvPr/>
-        </p:nvPicPr>
-        <p:blipFill>
-          <a:blip r:embed="rId4">
-            <a:extLst>
-              <a:ext uri="{28A0092B-C50C-407E-A947-70E740481C1C}">
-                <a14:useLocalDpi xmlns:a14="http://schemas.microsoft.com/office/drawing/2010/main" val="0"/>
-              </a:ext>
-            </a:extLst>
-          </a:blip>
-          <a:stretch>
-            <a:fillRect/>
-          </a:stretch>
-        </p:blipFill>
-        <p:spPr>
-          <a:xfrm>
-            <a:off x="758252" y="2240729"/>
-            <a:ext cx="3312368" cy="1068865"/>
-          </a:xfrm>
-          <a:prstGeom prst="rect">
-            <a:avLst/>
-          </a:prstGeom>
-        </p:spPr>
-      </p:pic>
-      <p:pic>
-        <p:nvPicPr>
-          <p:cNvPr id="19" name="그림 18">
-            <a:extLst>
-              <a:ext uri="{FF2B5EF4-FFF2-40B4-BE49-F238E27FC236}">
-                <a16:creationId xmlns:a16="http://schemas.microsoft.com/office/drawing/2014/main" id="{ED4D0A7D-5601-4ABA-904C-DC4E38564935}"/>
-              </a:ext>
-            </a:extLst>
-          </p:cNvPr>
-          <p:cNvPicPr>
-            <a:picLocks noChangeAspect="1"/>
-          </p:cNvPicPr>
-          <p:nvPr/>
-        </p:nvPicPr>
-        <p:blipFill>
-          <a:blip r:embed="rId5">
-            <a:extLst>
-              <a:ext uri="{28A0092B-C50C-407E-A947-70E740481C1C}">
-                <a14:useLocalDpi xmlns:a14="http://schemas.microsoft.com/office/drawing/2010/main" val="0"/>
-              </a:ext>
-            </a:extLst>
-          </a:blip>
-          <a:stretch>
-            <a:fillRect/>
-          </a:stretch>
-        </p:blipFill>
-        <p:spPr>
-          <a:xfrm>
-            <a:off x="4678556" y="2151658"/>
-            <a:ext cx="4008244" cy="1247009"/>
-          </a:xfrm>
-          <a:prstGeom prst="rect">
-            <a:avLst/>
-          </a:prstGeom>
-        </p:spPr>
-      </p:pic>
       <p:sp>
         <p:nvSpPr>
           <p:cNvPr id="20" name="제목 8">
@@ -6518,7 +6786,7 @@
         </p:nvSpPr>
         <p:spPr>
           <a:xfrm>
-            <a:off x="4858237" y="538680"/>
+            <a:off x="4795234" y="692696"/>
             <a:ext cx="3742658" cy="1143000"/>
           </a:xfrm>
           <a:prstGeom prst="rect">
@@ -6557,6 +6825,150 @@
           </a:p>
         </p:txBody>
       </p:sp>
+      <p:pic>
+        <p:nvPicPr>
+          <p:cNvPr id="5" name="그림 4">
+            <a:extLst>
+              <a:ext uri="{FF2B5EF4-FFF2-40B4-BE49-F238E27FC236}">
+                <a16:creationId xmlns:a16="http://schemas.microsoft.com/office/drawing/2014/main" id="{A9492B1E-AD6D-4CBC-B974-50C1A547E5AE}"/>
+              </a:ext>
+            </a:extLst>
+          </p:cNvPr>
+          <p:cNvPicPr>
+            <a:picLocks noChangeAspect="1"/>
+          </p:cNvPicPr>
+          <p:nvPr/>
+        </p:nvPicPr>
+        <p:blipFill>
+          <a:blip r:embed="rId2">
+            <a:extLst>
+              <a:ext uri="{28A0092B-C50C-407E-A947-70E740481C1C}">
+                <a14:useLocalDpi xmlns:a14="http://schemas.microsoft.com/office/drawing/2010/main" val="0"/>
+              </a:ext>
+            </a:extLst>
+          </a:blip>
+          <a:stretch>
+            <a:fillRect/>
+          </a:stretch>
+        </p:blipFill>
+        <p:spPr>
+          <a:xfrm>
+            <a:off x="539552" y="1708557"/>
+            <a:ext cx="3691329" cy="1143000"/>
+          </a:xfrm>
+          <a:prstGeom prst="rect">
+            <a:avLst/>
+          </a:prstGeom>
+        </p:spPr>
+      </p:pic>
+      <p:pic>
+        <p:nvPicPr>
+          <p:cNvPr id="10" name="그림 9">
+            <a:extLst>
+              <a:ext uri="{FF2B5EF4-FFF2-40B4-BE49-F238E27FC236}">
+                <a16:creationId xmlns:a16="http://schemas.microsoft.com/office/drawing/2014/main" id="{0857E96B-21A8-469F-B2F2-AB4C9EC93C44}"/>
+              </a:ext>
+            </a:extLst>
+          </p:cNvPr>
+          <p:cNvPicPr>
+            <a:picLocks noChangeAspect="1"/>
+          </p:cNvPicPr>
+          <p:nvPr/>
+        </p:nvPicPr>
+        <p:blipFill>
+          <a:blip r:embed="rId3">
+            <a:extLst>
+              <a:ext uri="{28A0092B-C50C-407E-A947-70E740481C1C}">
+                <a14:useLocalDpi xmlns:a14="http://schemas.microsoft.com/office/drawing/2010/main" val="0"/>
+              </a:ext>
+            </a:extLst>
+          </a:blip>
+          <a:stretch>
+            <a:fillRect/>
+          </a:stretch>
+        </p:blipFill>
+        <p:spPr>
+          <a:xfrm>
+            <a:off x="4440647" y="3284984"/>
+            <a:ext cx="4451833" cy="2744403"/>
+          </a:xfrm>
+          <a:prstGeom prst="rect">
+            <a:avLst/>
+          </a:prstGeom>
+        </p:spPr>
+      </p:pic>
+      <p:pic>
+        <p:nvPicPr>
+          <p:cNvPr id="12" name="그림 11">
+            <a:extLst>
+              <a:ext uri="{FF2B5EF4-FFF2-40B4-BE49-F238E27FC236}">
+                <a16:creationId xmlns:a16="http://schemas.microsoft.com/office/drawing/2014/main" id="{195AA3BD-F94D-457A-937F-3D7F487F4642}"/>
+              </a:ext>
+            </a:extLst>
+          </p:cNvPr>
+          <p:cNvPicPr>
+            <a:picLocks noChangeAspect="1"/>
+          </p:cNvPicPr>
+          <p:nvPr/>
+        </p:nvPicPr>
+        <p:blipFill>
+          <a:blip r:embed="rId4">
+            <a:extLst>
+              <a:ext uri="{28A0092B-C50C-407E-A947-70E740481C1C}">
+                <a14:useLocalDpi xmlns:a14="http://schemas.microsoft.com/office/drawing/2010/main" val="0"/>
+              </a:ext>
+            </a:extLst>
+          </a:blip>
+          <a:stretch>
+            <a:fillRect/>
+          </a:stretch>
+        </p:blipFill>
+        <p:spPr>
+          <a:xfrm>
+            <a:off x="471920" y="3289667"/>
+            <a:ext cx="3759027" cy="2431523"/>
+          </a:xfrm>
+          <a:prstGeom prst="rect">
+            <a:avLst/>
+          </a:prstGeom>
+        </p:spPr>
+      </p:pic>
+      <p:pic>
+        <p:nvPicPr>
+          <p:cNvPr id="16" name="그림 15">
+            <a:extLst>
+              <a:ext uri="{FF2B5EF4-FFF2-40B4-BE49-F238E27FC236}">
+                <a16:creationId xmlns:a16="http://schemas.microsoft.com/office/drawing/2014/main" id="{0EB669C8-B4DE-4EB7-8DF6-B950281EDECD}"/>
+              </a:ext>
+            </a:extLst>
+          </p:cNvPr>
+          <p:cNvPicPr>
+            <a:picLocks noChangeAspect="1"/>
+          </p:cNvPicPr>
+          <p:nvPr/>
+        </p:nvPicPr>
+        <p:blipFill>
+          <a:blip r:embed="rId5">
+            <a:extLst>
+              <a:ext uri="{28A0092B-C50C-407E-A947-70E740481C1C}">
+                <a14:useLocalDpi xmlns:a14="http://schemas.microsoft.com/office/drawing/2010/main" val="0"/>
+              </a:ext>
+            </a:extLst>
+          </a:blip>
+          <a:stretch>
+            <a:fillRect/>
+          </a:stretch>
+        </p:blipFill>
+        <p:spPr>
+          <a:xfrm>
+            <a:off x="4578331" y="1708557"/>
+            <a:ext cx="4176464" cy="1176469"/>
+          </a:xfrm>
+          <a:prstGeom prst="rect">
+            <a:avLst/>
+          </a:prstGeom>
+        </p:spPr>
+      </p:pic>
     </p:spTree>
     <p:extLst>
       <p:ext uri="{BB962C8B-B14F-4D97-AF65-F5344CB8AC3E}">
@@ -6605,8 +7017,8 @@
         </p:nvSpPr>
         <p:spPr>
           <a:xfrm>
-            <a:off x="611560" y="1736812"/>
-            <a:ext cx="3294122" cy="3384376"/>
+            <a:off x="683568" y="2306990"/>
+            <a:ext cx="3294122" cy="1067787"/>
           </a:xfrm>
         </p:spPr>
         <p:txBody>
@@ -6643,10 +7055,10 @@
       </p:sp>
       <p:pic>
         <p:nvPicPr>
-          <p:cNvPr id="5" name="내용 개체 틀 4">
+          <p:cNvPr id="8" name="내용 개체 틀 7">
             <a:extLst>
               <a:ext uri="{FF2B5EF4-FFF2-40B4-BE49-F238E27FC236}">
-                <a16:creationId xmlns:a16="http://schemas.microsoft.com/office/drawing/2014/main" id="{CDAFBAFE-0734-4CE0-BB74-CD3ACFCA6125}"/>
+                <a16:creationId xmlns:a16="http://schemas.microsoft.com/office/drawing/2014/main" id="{228F2022-9397-489C-A7F0-E851B45CFF8F}"/>
               </a:ext>
             </a:extLst>
           </p:cNvPr>
@@ -6671,17 +7083,17 @@
         </p:blipFill>
         <p:spPr>
           <a:xfrm>
-            <a:off x="4298824" y="2132856"/>
-            <a:ext cx="4387976" cy="4525963"/>
+            <a:off x="4788024" y="1772816"/>
+            <a:ext cx="3961866" cy="4092683"/>
           </a:xfrm>
         </p:spPr>
       </p:pic>
       <p:pic>
         <p:nvPicPr>
-          <p:cNvPr id="7" name="그림 6">
+          <p:cNvPr id="10" name="그림 9">
             <a:extLst>
               <a:ext uri="{FF2B5EF4-FFF2-40B4-BE49-F238E27FC236}">
-                <a16:creationId xmlns:a16="http://schemas.microsoft.com/office/drawing/2014/main" id="{BB0D3ADE-8A60-4DB0-8B70-BECDB1D0710B}"/>
+                <a16:creationId xmlns:a16="http://schemas.microsoft.com/office/drawing/2014/main" id="{828BAF87-B70A-4C0D-B2B5-0CA4A3988B7F}"/>
               </a:ext>
             </a:extLst>
           </p:cNvPr>
@@ -6704,14 +7116,55 @@
         </p:blipFill>
         <p:spPr>
           <a:xfrm>
-            <a:off x="4493119" y="251830"/>
-            <a:ext cx="3999385" cy="1705987"/>
+            <a:off x="394110" y="3675142"/>
+            <a:ext cx="4346679" cy="1793184"/>
           </a:xfrm>
           <a:prstGeom prst="rect">
             <a:avLst/>
           </a:prstGeom>
         </p:spPr>
       </p:pic>
+      <p:cxnSp>
+        <p:nvCxnSpPr>
+          <p:cNvPr id="5" name="직선 연결선 4">
+            <a:extLst>
+              <a:ext uri="{FF2B5EF4-FFF2-40B4-BE49-F238E27FC236}">
+                <a16:creationId xmlns:a16="http://schemas.microsoft.com/office/drawing/2014/main" id="{C33A0CB0-089B-443B-A69A-10A50EE6DD25}"/>
+              </a:ext>
+            </a:extLst>
+          </p:cNvPr>
+          <p:cNvCxnSpPr/>
+          <p:nvPr/>
+        </p:nvCxnSpPr>
+        <p:spPr>
+          <a:xfrm>
+            <a:off x="0" y="1124744"/>
+            <a:ext cx="9144000" cy="0"/>
+          </a:xfrm>
+          <a:prstGeom prst="line">
+            <a:avLst/>
+          </a:prstGeom>
+          <a:ln w="28575">
+            <a:solidFill>
+              <a:srgbClr val="92D050"/>
+            </a:solidFill>
+          </a:ln>
+        </p:spPr>
+        <p:style>
+          <a:lnRef idx="1">
+            <a:schemeClr val="accent1"/>
+          </a:lnRef>
+          <a:fillRef idx="0">
+            <a:schemeClr val="accent1"/>
+          </a:fillRef>
+          <a:effectRef idx="0">
+            <a:schemeClr val="accent1"/>
+          </a:effectRef>
+          <a:fontRef idx="minor">
+            <a:schemeClr val="tx1"/>
+          </a:fontRef>
+        </p:style>
+      </p:cxnSp>
     </p:spTree>
     <p:extLst>
       <p:ext uri="{BB962C8B-B14F-4D97-AF65-F5344CB8AC3E}">
@@ -6760,7 +7213,7 @@
         </p:nvSpPr>
         <p:spPr>
           <a:xfrm>
-            <a:off x="457200" y="1018450"/>
+            <a:off x="457200" y="1299821"/>
             <a:ext cx="8229600" cy="1143000"/>
           </a:xfrm>
         </p:spPr>
@@ -6802,7 +7255,7 @@
         </p:nvSpPr>
         <p:spPr>
           <a:xfrm>
-            <a:off x="463109" y="2427549"/>
+            <a:off x="463109" y="2708920"/>
             <a:ext cx="2746648" cy="3384376"/>
           </a:xfrm>
         </p:spPr>
@@ -6980,7 +7433,7 @@
         </p:nvSpPr>
         <p:spPr>
           <a:xfrm>
-            <a:off x="3198676" y="2427549"/>
+            <a:off x="3198676" y="2708920"/>
             <a:ext cx="2746648" cy="3384376"/>
           </a:xfrm>
           <a:prstGeom prst="rect">
@@ -7257,7 +7710,7 @@
         </p:nvSpPr>
         <p:spPr>
           <a:xfrm>
-            <a:off x="5945324" y="2420888"/>
+            <a:off x="5945324" y="2702259"/>
             <a:ext cx="2746648" cy="3384376"/>
           </a:xfrm>
           <a:prstGeom prst="rect">
@@ -7503,6 +7956,47 @@
           </a:p>
         </p:txBody>
       </p:sp>
+      <p:cxnSp>
+        <p:nvCxnSpPr>
+          <p:cNvPr id="7" name="직선 연결선 6">
+            <a:extLst>
+              <a:ext uri="{FF2B5EF4-FFF2-40B4-BE49-F238E27FC236}">
+                <a16:creationId xmlns:a16="http://schemas.microsoft.com/office/drawing/2014/main" id="{BE7EFD92-8D14-456F-A294-0C2F87AD373E}"/>
+              </a:ext>
+            </a:extLst>
+          </p:cNvPr>
+          <p:cNvCxnSpPr/>
+          <p:nvPr/>
+        </p:nvCxnSpPr>
+        <p:spPr>
+          <a:xfrm>
+            <a:off x="0" y="1124744"/>
+            <a:ext cx="9144000" cy="0"/>
+          </a:xfrm>
+          <a:prstGeom prst="line">
+            <a:avLst/>
+          </a:prstGeom>
+          <a:ln w="28575">
+            <a:solidFill>
+              <a:srgbClr val="92D050"/>
+            </a:solidFill>
+          </a:ln>
+        </p:spPr>
+        <p:style>
+          <a:lnRef idx="1">
+            <a:schemeClr val="accent1"/>
+          </a:lnRef>
+          <a:fillRef idx="0">
+            <a:schemeClr val="accent1"/>
+          </a:fillRef>
+          <a:effectRef idx="0">
+            <a:schemeClr val="accent1"/>
+          </a:effectRef>
+          <a:fontRef idx="minor">
+            <a:schemeClr val="tx1"/>
+          </a:fontRef>
+        </p:style>
+      </p:cxnSp>
     </p:spTree>
     <p:extLst>
       <p:ext uri="{BB962C8B-B14F-4D97-AF65-F5344CB8AC3E}">
@@ -7543,7 +8037,12 @@
             <p:ph type="title"/>
           </p:nvPr>
         </p:nvSpPr>
-        <p:spPr/>
+        <p:spPr>
+          <a:xfrm>
+            <a:off x="457200" y="103928"/>
+            <a:ext cx="8229600" cy="1143000"/>
+          </a:xfrm>
+        </p:spPr>
         <p:txBody>
           <a:bodyPr>
             <a:normAutofit/>
@@ -7574,8 +8073,8 @@
         </p:nvSpPr>
         <p:spPr>
           <a:xfrm>
-            <a:off x="457200" y="1608429"/>
-            <a:ext cx="8229600" cy="884468"/>
+            <a:off x="457200" y="1463916"/>
+            <a:ext cx="8229600" cy="1363290"/>
           </a:xfrm>
         </p:spPr>
         <p:txBody>
@@ -7623,65 +8122,102 @@
             </a:pPr>
             <a:r>
               <a:rPr lang="ko-KR" altLang="en-US" sz="1800" u="sng" dirty="0">
-                <a:latin typeface="KoPubWorld돋움체_Pro Bold" panose="00000800000000000000" pitchFamily="50" charset="-127"/>
-                <a:ea typeface="KoPubWorld돋움체_Pro Bold" panose="00000800000000000000" pitchFamily="50" charset="-127"/>
-                <a:cs typeface="KoPubWorld돋움체_Pro Bold" panose="00000800000000000000" pitchFamily="50" charset="-127"/>
+                <a:latin typeface="KoPubWorld돋움체_Pro Light" panose="00000300000000000000" pitchFamily="50" charset="-127"/>
+                <a:ea typeface="KoPubWorld돋움체_Pro Light" panose="00000300000000000000" pitchFamily="50" charset="-127"/>
+                <a:cs typeface="KoPubWorld돋움체_Pro Light" panose="00000300000000000000" pitchFamily="50" charset="-127"/>
               </a:rPr>
               <a:t>총 구매횟수 상위 </a:t>
             </a:r>
             <a:r>
               <a:rPr lang="en-US" altLang="ko-KR" sz="1800" u="sng" dirty="0">
-                <a:latin typeface="KoPubWorld돋움체_Pro Bold" panose="00000800000000000000" pitchFamily="50" charset="-127"/>
-                <a:ea typeface="KoPubWorld돋움체_Pro Bold" panose="00000800000000000000" pitchFamily="50" charset="-127"/>
-                <a:cs typeface="KoPubWorld돋움체_Pro Bold" panose="00000800000000000000" pitchFamily="50" charset="-127"/>
+                <a:latin typeface="KoPubWorld돋움체_Pro Light" panose="00000300000000000000" pitchFamily="50" charset="-127"/>
+                <a:ea typeface="KoPubWorld돋움체_Pro Light" panose="00000300000000000000" pitchFamily="50" charset="-127"/>
+                <a:cs typeface="KoPubWorld돋움체_Pro Light" panose="00000300000000000000" pitchFamily="50" charset="-127"/>
               </a:rPr>
               <a:t>20</a:t>
             </a:r>
             <a:r>
               <a:rPr lang="ko-KR" altLang="en-US" sz="1800" u="sng" dirty="0">
-                <a:latin typeface="KoPubWorld돋움체_Pro Bold" panose="00000800000000000000" pitchFamily="50" charset="-127"/>
-                <a:ea typeface="KoPubWorld돋움체_Pro Bold" panose="00000800000000000000" pitchFamily="50" charset="-127"/>
-                <a:cs typeface="KoPubWorld돋움체_Pro Bold" panose="00000800000000000000" pitchFamily="50" charset="-127"/>
-              </a:rPr>
-              <a:t>퍼센트의 고객만 정제 후</a:t>
+                <a:latin typeface="KoPubWorld돋움체_Pro Light" panose="00000300000000000000" pitchFamily="50" charset="-127"/>
+                <a:ea typeface="KoPubWorld돋움체_Pro Light" panose="00000300000000000000" pitchFamily="50" charset="-127"/>
+                <a:cs typeface="KoPubWorld돋움체_Pro Light" panose="00000300000000000000" pitchFamily="50" charset="-127"/>
+              </a:rPr>
+              <a:t>퍼센트의 고객만 추출한 후</a:t>
             </a:r>
             <a:r>
               <a:rPr lang="en-US" altLang="ko-KR" sz="1800" u="sng" dirty="0">
-                <a:latin typeface="KoPubWorld돋움체_Pro Bold" panose="00000800000000000000" pitchFamily="50" charset="-127"/>
-                <a:ea typeface="KoPubWorld돋움체_Pro Bold" panose="00000800000000000000" pitchFamily="50" charset="-127"/>
-                <a:cs typeface="KoPubWorld돋움체_Pro Bold" panose="00000800000000000000" pitchFamily="50" charset="-127"/>
+                <a:latin typeface="KoPubWorld돋움체_Pro Light" panose="00000300000000000000" pitchFamily="50" charset="-127"/>
+                <a:ea typeface="KoPubWorld돋움체_Pro Light" panose="00000300000000000000" pitchFamily="50" charset="-127"/>
+                <a:cs typeface="KoPubWorld돋움체_Pro Light" panose="00000300000000000000" pitchFamily="50" charset="-127"/>
               </a:rPr>
               <a:t> </a:t>
             </a:r>
+          </a:p>
+          <a:p>
+            <a:pPr marL="0" indent="0">
+              <a:buNone/>
+            </a:pPr>
+            <a:r>
+              <a:rPr lang="en-US" altLang="ko-KR" sz="1800" u="sng" dirty="0">
+                <a:latin typeface="KoPubWorld돋움체_Pro Light" panose="00000300000000000000" pitchFamily="50" charset="-127"/>
+                <a:ea typeface="KoPubWorld돋움체_Pro Light" panose="00000300000000000000" pitchFamily="50" charset="-127"/>
+                <a:cs typeface="KoPubWorld돋움체_Pro Light" panose="00000300000000000000" pitchFamily="50" charset="-127"/>
+              </a:rPr>
+              <a:t>‘</a:t>
+            </a:r>
+            <a:r>
+              <a:rPr lang="en-US" altLang="ko-KR" sz="1800" u="sng" dirty="0" err="1">
+                <a:latin typeface="KoPubWorld돋움체_Pro Light" panose="00000300000000000000" pitchFamily="50" charset="-127"/>
+                <a:ea typeface="KoPubWorld돋움체_Pro Light" panose="00000300000000000000" pitchFamily="50" charset="-127"/>
+                <a:cs typeface="KoPubWorld돋움체_Pro Light" panose="00000300000000000000" pitchFamily="50" charset="-127"/>
+              </a:rPr>
+              <a:t>days_since_prior_order</a:t>
+            </a:r>
+            <a:r>
+              <a:rPr lang="en-US" altLang="ko-KR" sz="1800" u="sng" dirty="0">
+                <a:latin typeface="KoPubWorld돋움체_Pro Light" panose="00000300000000000000" pitchFamily="50" charset="-127"/>
+                <a:ea typeface="KoPubWorld돋움체_Pro Light" panose="00000300000000000000" pitchFamily="50" charset="-127"/>
+                <a:cs typeface="KoPubWorld돋움체_Pro Light" panose="00000300000000000000" pitchFamily="50" charset="-127"/>
+              </a:rPr>
+              <a:t>’ </a:t>
+            </a:r>
+            <a:r>
+              <a:rPr lang="ko-KR" altLang="en-US" sz="1800" u="sng" dirty="0">
+                <a:latin typeface="KoPubWorld돋움체_Pro Light" panose="00000300000000000000" pitchFamily="50" charset="-127"/>
+                <a:ea typeface="KoPubWorld돋움체_Pro Light" panose="00000300000000000000" pitchFamily="50" charset="-127"/>
+                <a:cs typeface="KoPubWorld돋움체_Pro Light" panose="00000300000000000000" pitchFamily="50" charset="-127"/>
+              </a:rPr>
+              <a:t>컬럼의 </a:t>
+            </a:r>
             <a:r>
               <a:rPr lang="ko-KR" altLang="en-US" sz="1800" u="sng" dirty="0" err="1">
-                <a:latin typeface="KoPubWorld돋움체_Pro Bold" panose="00000800000000000000" pitchFamily="50" charset="-127"/>
-                <a:ea typeface="KoPubWorld돋움체_Pro Bold" panose="00000800000000000000" pitchFamily="50" charset="-127"/>
-                <a:cs typeface="KoPubWorld돋움체_Pro Bold" panose="00000800000000000000" pitchFamily="50" charset="-127"/>
+                <a:latin typeface="KoPubWorld돋움체_Pro Light" panose="00000300000000000000" pitchFamily="50" charset="-127"/>
+                <a:ea typeface="KoPubWorld돋움체_Pro Light" panose="00000300000000000000" pitchFamily="50" charset="-127"/>
+                <a:cs typeface="KoPubWorld돋움체_Pro Light" panose="00000300000000000000" pitchFamily="50" charset="-127"/>
               </a:rPr>
               <a:t>결측치를</a:t>
             </a:r>
             <a:r>
               <a:rPr lang="ko-KR" altLang="en-US" sz="1800" u="sng" dirty="0">
-                <a:latin typeface="KoPubWorld돋움체_Pro Bold" panose="00000800000000000000" pitchFamily="50" charset="-127"/>
-                <a:ea typeface="KoPubWorld돋움체_Pro Bold" panose="00000800000000000000" pitchFamily="50" charset="-127"/>
-                <a:cs typeface="KoPubWorld돋움체_Pro Bold" panose="00000800000000000000" pitchFamily="50" charset="-127"/>
-              </a:rPr>
-              <a:t> 각 </a:t>
+                <a:latin typeface="KoPubWorld돋움체_Pro Light" panose="00000300000000000000" pitchFamily="50" charset="-127"/>
+                <a:ea typeface="KoPubWorld돋움체_Pro Light" panose="00000300000000000000" pitchFamily="50" charset="-127"/>
+                <a:cs typeface="KoPubWorld돋움체_Pro Light" panose="00000300000000000000" pitchFamily="50" charset="-127"/>
+              </a:rPr>
+              <a:t> 해당 행 </a:t>
             </a:r>
             <a:r>
               <a:rPr lang="en-US" altLang="ko-KR" sz="1800" u="sng" dirty="0" err="1">
-                <a:latin typeface="KoPubWorld돋움체_Pro Bold" panose="00000800000000000000" pitchFamily="50" charset="-127"/>
-                <a:ea typeface="KoPubWorld돋움체_Pro Bold" panose="00000800000000000000" pitchFamily="50" charset="-127"/>
-                <a:cs typeface="KoPubWorld돋움체_Pro Bold" panose="00000800000000000000" pitchFamily="50" charset="-127"/>
+                <a:latin typeface="KoPubWorld돋움체_Pro Light" panose="00000300000000000000" pitchFamily="50" charset="-127"/>
+                <a:ea typeface="KoPubWorld돋움체_Pro Light" panose="00000300000000000000" pitchFamily="50" charset="-127"/>
+                <a:cs typeface="KoPubWorld돋움체_Pro Light" panose="00000300000000000000" pitchFamily="50" charset="-127"/>
               </a:rPr>
               <a:t>user_id</a:t>
             </a:r>
             <a:r>
               <a:rPr lang="ko-KR" altLang="en-US" sz="1800" u="sng" dirty="0">
-                <a:latin typeface="KoPubWorld돋움체_Pro Bold" panose="00000800000000000000" pitchFamily="50" charset="-127"/>
-                <a:ea typeface="KoPubWorld돋움체_Pro Bold" panose="00000800000000000000" pitchFamily="50" charset="-127"/>
-                <a:cs typeface="KoPubWorld돋움체_Pro Bold" panose="00000800000000000000" pitchFamily="50" charset="-127"/>
+                <a:latin typeface="KoPubWorld돋움체_Pro Light" panose="00000300000000000000" pitchFamily="50" charset="-127"/>
+                <a:ea typeface="KoPubWorld돋움체_Pro Light" panose="00000300000000000000" pitchFamily="50" charset="-127"/>
+                <a:cs typeface="KoPubWorld돋움체_Pro Light" panose="00000300000000000000" pitchFamily="50" charset="-127"/>
               </a:rPr>
               <a:t>의 평균값으로 대체</a:t>
             </a:r>
@@ -7690,10 +8226,10 @@
       </p:sp>
       <p:pic>
         <p:nvPicPr>
-          <p:cNvPr id="7" name="그림 6">
+          <p:cNvPr id="6" name="그림 5">
             <a:extLst>
               <a:ext uri="{FF2B5EF4-FFF2-40B4-BE49-F238E27FC236}">
-                <a16:creationId xmlns:a16="http://schemas.microsoft.com/office/drawing/2014/main" id="{7560BD2B-3590-4941-80DD-BA9CEA86AFB8}"/>
+                <a16:creationId xmlns:a16="http://schemas.microsoft.com/office/drawing/2014/main" id="{3247C58B-67C1-49B0-B3DF-92A3E7F8A639}"/>
               </a:ext>
             </a:extLst>
           </p:cNvPr>
@@ -7716,8 +8252,8 @@
         </p:blipFill>
         <p:spPr>
           <a:xfrm>
-            <a:off x="539552" y="2780928"/>
-            <a:ext cx="5187351" cy="1744695"/>
+            <a:off x="457200" y="2828939"/>
+            <a:ext cx="5915000" cy="1440233"/>
           </a:xfrm>
           <a:prstGeom prst="rect">
             <a:avLst/>
@@ -7726,10 +8262,10 @@
       </p:pic>
       <p:pic>
         <p:nvPicPr>
-          <p:cNvPr id="6" name="그림 5">
+          <p:cNvPr id="5" name="그림 4">
             <a:extLst>
               <a:ext uri="{FF2B5EF4-FFF2-40B4-BE49-F238E27FC236}">
-                <a16:creationId xmlns:a16="http://schemas.microsoft.com/office/drawing/2014/main" id="{3247C58B-67C1-49B0-B3DF-92A3E7F8A639}"/>
+                <a16:creationId xmlns:a16="http://schemas.microsoft.com/office/drawing/2014/main" id="{D2AAEBAC-551D-4F10-A467-C88C2BE65F35}"/>
               </a:ext>
             </a:extLst>
           </p:cNvPr>
@@ -7752,14 +8288,55 @@
         </p:blipFill>
         <p:spPr>
           <a:xfrm>
-            <a:off x="457200" y="4747719"/>
-            <a:ext cx="6149764" cy="1497395"/>
+            <a:off x="457200" y="4403985"/>
+            <a:ext cx="6074848" cy="2079926"/>
           </a:xfrm>
           <a:prstGeom prst="rect">
             <a:avLst/>
           </a:prstGeom>
         </p:spPr>
       </p:pic>
+      <p:cxnSp>
+        <p:nvCxnSpPr>
+          <p:cNvPr id="8" name="직선 연결선 7">
+            <a:extLst>
+              <a:ext uri="{FF2B5EF4-FFF2-40B4-BE49-F238E27FC236}">
+                <a16:creationId xmlns:a16="http://schemas.microsoft.com/office/drawing/2014/main" id="{774C846D-CC1A-4650-844C-D0A51F561E7A}"/>
+              </a:ext>
+            </a:extLst>
+          </p:cNvPr>
+          <p:cNvCxnSpPr/>
+          <p:nvPr/>
+        </p:nvCxnSpPr>
+        <p:spPr>
+          <a:xfrm>
+            <a:off x="0" y="1124744"/>
+            <a:ext cx="9144000" cy="0"/>
+          </a:xfrm>
+          <a:prstGeom prst="line">
+            <a:avLst/>
+          </a:prstGeom>
+          <a:ln w="28575">
+            <a:solidFill>
+              <a:srgbClr val="92D050"/>
+            </a:solidFill>
+          </a:ln>
+        </p:spPr>
+        <p:style>
+          <a:lnRef idx="1">
+            <a:schemeClr val="accent1"/>
+          </a:lnRef>
+          <a:fillRef idx="0">
+            <a:schemeClr val="accent1"/>
+          </a:fillRef>
+          <a:effectRef idx="0">
+            <a:schemeClr val="accent1"/>
+          </a:effectRef>
+          <a:fontRef idx="minor">
+            <a:schemeClr val="tx1"/>
+          </a:fontRef>
+        </p:style>
+      </p:cxnSp>
     </p:spTree>
     <p:extLst>
       <p:ext uri="{BB962C8B-B14F-4D97-AF65-F5344CB8AC3E}">
@@ -7808,7 +8385,7 @@
         </p:nvSpPr>
         <p:spPr>
           <a:xfrm>
-            <a:off x="899592" y="1484784"/>
+            <a:off x="611560" y="620688"/>
             <a:ext cx="4258816" cy="1008112"/>
           </a:xfrm>
         </p:spPr>
@@ -7879,10 +8456,10 @@
       </p:sp>
       <p:pic>
         <p:nvPicPr>
-          <p:cNvPr id="4" name="그림 3">
+          <p:cNvPr id="5" name="그림 4">
             <a:extLst>
               <a:ext uri="{FF2B5EF4-FFF2-40B4-BE49-F238E27FC236}">
-                <a16:creationId xmlns:a16="http://schemas.microsoft.com/office/drawing/2014/main" id="{F3AB68A6-73B8-4B55-9B7A-4371AE05BD84}"/>
+                <a16:creationId xmlns:a16="http://schemas.microsoft.com/office/drawing/2014/main" id="{4EEF3947-4403-4B1C-A8BF-2981BA6C052E}"/>
               </a:ext>
             </a:extLst>
           </p:cNvPr>
@@ -7905,14 +8482,190 @@
         </p:blipFill>
         <p:spPr>
           <a:xfrm>
-            <a:off x="899592" y="2520762"/>
-            <a:ext cx="5712711" cy="3267342"/>
+            <a:off x="4499992" y="2564904"/>
+            <a:ext cx="3829584" cy="3343742"/>
           </a:xfrm>
           <a:prstGeom prst="rect">
             <a:avLst/>
           </a:prstGeom>
         </p:spPr>
       </p:pic>
+      <p:pic>
+        <p:nvPicPr>
+          <p:cNvPr id="7" name="그림 6">
+            <a:extLst>
+              <a:ext uri="{FF2B5EF4-FFF2-40B4-BE49-F238E27FC236}">
+                <a16:creationId xmlns:a16="http://schemas.microsoft.com/office/drawing/2014/main" id="{243D2067-2B81-4D1A-A10C-66B116B38762}"/>
+              </a:ext>
+            </a:extLst>
+          </p:cNvPr>
+          <p:cNvPicPr>
+            <a:picLocks noChangeAspect="1"/>
+          </p:cNvPicPr>
+          <p:nvPr/>
+        </p:nvPicPr>
+        <p:blipFill>
+          <a:blip r:embed="rId3">
+            <a:extLst>
+              <a:ext uri="{28A0092B-C50C-407E-A947-70E740481C1C}">
+                <a14:useLocalDpi xmlns:a14="http://schemas.microsoft.com/office/drawing/2010/main" val="0"/>
+              </a:ext>
+            </a:extLst>
+          </a:blip>
+          <a:stretch>
+            <a:fillRect/>
+          </a:stretch>
+        </p:blipFill>
+        <p:spPr>
+          <a:xfrm>
+            <a:off x="626360" y="1638976"/>
+            <a:ext cx="7563906" cy="771633"/>
+          </a:xfrm>
+          <a:prstGeom prst="rect">
+            <a:avLst/>
+          </a:prstGeom>
+        </p:spPr>
+      </p:pic>
+      <p:pic>
+        <p:nvPicPr>
+          <p:cNvPr id="9" name="그림 8">
+            <a:extLst>
+              <a:ext uri="{FF2B5EF4-FFF2-40B4-BE49-F238E27FC236}">
+                <a16:creationId xmlns:a16="http://schemas.microsoft.com/office/drawing/2014/main" id="{37762193-E18F-4B93-B106-41BF459F3985}"/>
+              </a:ext>
+            </a:extLst>
+          </p:cNvPr>
+          <p:cNvPicPr>
+            <a:picLocks noChangeAspect="1"/>
+          </p:cNvPicPr>
+          <p:nvPr/>
+        </p:nvPicPr>
+        <p:blipFill>
+          <a:blip r:embed="rId4">
+            <a:extLst>
+              <a:ext uri="{28A0092B-C50C-407E-A947-70E740481C1C}">
+                <a14:useLocalDpi xmlns:a14="http://schemas.microsoft.com/office/drawing/2010/main" val="0"/>
+              </a:ext>
+            </a:extLst>
+          </a:blip>
+          <a:stretch>
+            <a:fillRect/>
+          </a:stretch>
+        </p:blipFill>
+        <p:spPr>
+          <a:xfrm>
+            <a:off x="611560" y="2538854"/>
+            <a:ext cx="3877216" cy="3410426"/>
+          </a:xfrm>
+          <a:prstGeom prst="rect">
+            <a:avLst/>
+          </a:prstGeom>
+        </p:spPr>
+      </p:pic>
+      <p:sp>
+        <p:nvSpPr>
+          <p:cNvPr id="10" name="직사각형 9">
+            <a:extLst>
+              <a:ext uri="{FF2B5EF4-FFF2-40B4-BE49-F238E27FC236}">
+                <a16:creationId xmlns:a16="http://schemas.microsoft.com/office/drawing/2014/main" id="{59A95CFC-2B0D-4DC8-9785-A2D69031408A}"/>
+              </a:ext>
+            </a:extLst>
+          </p:cNvPr>
+          <p:cNvSpPr/>
+          <p:nvPr/>
+        </p:nvSpPr>
+        <p:spPr>
+          <a:xfrm>
+            <a:off x="539552" y="5531298"/>
+            <a:ext cx="1152128" cy="576064"/>
+          </a:xfrm>
+          <a:prstGeom prst="rect">
+            <a:avLst/>
+          </a:prstGeom>
+          <a:noFill/>
+          <a:ln>
+            <a:solidFill>
+              <a:srgbClr val="C00000"/>
+            </a:solidFill>
+          </a:ln>
+        </p:spPr>
+        <p:style>
+          <a:lnRef idx="2">
+            <a:schemeClr val="accent1">
+              <a:shade val="50000"/>
+            </a:schemeClr>
+          </a:lnRef>
+          <a:fillRef idx="1">
+            <a:schemeClr val="accent1"/>
+          </a:fillRef>
+          <a:effectRef idx="0">
+            <a:schemeClr val="accent1"/>
+          </a:effectRef>
+          <a:fontRef idx="minor">
+            <a:schemeClr val="lt1"/>
+          </a:fontRef>
+        </p:style>
+        <p:txBody>
+          <a:bodyPr rtlCol="0" anchor="ctr"/>
+          <a:lstStyle/>
+          <a:p>
+            <a:pPr algn="ctr"/>
+            <a:endParaRPr lang="ko-KR" altLang="en-US"/>
+          </a:p>
+        </p:txBody>
+      </p:sp>
+      <p:sp>
+        <p:nvSpPr>
+          <p:cNvPr id="11" name="직사각형 10">
+            <a:extLst>
+              <a:ext uri="{FF2B5EF4-FFF2-40B4-BE49-F238E27FC236}">
+                <a16:creationId xmlns:a16="http://schemas.microsoft.com/office/drawing/2014/main" id="{1129608A-776A-44F4-9BAA-504ACE6E7DCE}"/>
+              </a:ext>
+            </a:extLst>
+          </p:cNvPr>
+          <p:cNvSpPr/>
+          <p:nvPr/>
+        </p:nvSpPr>
+        <p:spPr>
+          <a:xfrm>
+            <a:off x="4303684" y="5531298"/>
+            <a:ext cx="1152128" cy="576064"/>
+          </a:xfrm>
+          <a:prstGeom prst="rect">
+            <a:avLst/>
+          </a:prstGeom>
+          <a:noFill/>
+          <a:ln>
+            <a:solidFill>
+              <a:srgbClr val="C00000"/>
+            </a:solidFill>
+          </a:ln>
+        </p:spPr>
+        <p:style>
+          <a:lnRef idx="2">
+            <a:schemeClr val="accent1">
+              <a:shade val="50000"/>
+            </a:schemeClr>
+          </a:lnRef>
+          <a:fillRef idx="1">
+            <a:schemeClr val="accent1"/>
+          </a:fillRef>
+          <a:effectRef idx="0">
+            <a:schemeClr val="accent1"/>
+          </a:effectRef>
+          <a:fontRef idx="minor">
+            <a:schemeClr val="lt1"/>
+          </a:fontRef>
+        </p:style>
+        <p:txBody>
+          <a:bodyPr rtlCol="0" anchor="ctr"/>
+          <a:lstStyle/>
+          <a:p>
+            <a:pPr algn="ctr"/>
+            <a:endParaRPr lang="ko-KR" altLang="en-US"/>
+          </a:p>
+        </p:txBody>
+      </p:sp>
     </p:spTree>
     <p:extLst>
       <p:ext uri="{BB962C8B-B14F-4D97-AF65-F5344CB8AC3E}">
@@ -7961,12 +8714,14 @@
         </p:nvSpPr>
         <p:spPr>
           <a:xfrm>
-            <a:off x="395536" y="1616735"/>
-            <a:ext cx="5040560" cy="648072"/>
+            <a:off x="395536" y="492873"/>
+            <a:ext cx="2592288" cy="674468"/>
           </a:xfrm>
         </p:spPr>
         <p:txBody>
-          <a:bodyPr/>
+          <a:bodyPr>
+            <a:normAutofit fontScale="92500"/>
+          </a:bodyPr>
           <a:lstStyle/>
           <a:p>
             <a:pPr marL="0" indent="0">
@@ -7998,12 +8753,192 @@
           </a:p>
         </p:txBody>
       </p:sp>
+      <p:sp>
+        <p:nvSpPr>
+          <p:cNvPr id="8" name="TextBox 7">
+            <a:extLst>
+              <a:ext uri="{FF2B5EF4-FFF2-40B4-BE49-F238E27FC236}">
+                <a16:creationId xmlns:a16="http://schemas.microsoft.com/office/drawing/2014/main" id="{60C8A4E3-005B-428A-BB44-42F7EED1EECA}"/>
+              </a:ext>
+            </a:extLst>
+          </p:cNvPr>
+          <p:cNvSpPr txBox="1"/>
+          <p:nvPr/>
+        </p:nvSpPr>
+        <p:spPr>
+          <a:xfrm>
+            <a:off x="3227243" y="260648"/>
+            <a:ext cx="5112568" cy="1169551"/>
+          </a:xfrm>
+          <a:prstGeom prst="rect">
+            <a:avLst/>
+          </a:prstGeom>
+          <a:noFill/>
+        </p:spPr>
+        <p:txBody>
+          <a:bodyPr wrap="square" rtlCol="0">
+            <a:spAutoFit/>
+          </a:bodyPr>
+          <a:lstStyle/>
+          <a:p>
+            <a:r>
+              <a:rPr lang="ko-KR" altLang="en-US" sz="1400" dirty="0">
+                <a:latin typeface="KoPubWorld돋움체_Pro Light" panose="00000300000000000000" pitchFamily="50" charset="-127"/>
+                <a:ea typeface="KoPubWorld돋움체_Pro Light" panose="00000300000000000000" pitchFamily="50" charset="-127"/>
+                <a:cs typeface="KoPubWorld돋움체_Pro Light" panose="00000300000000000000" pitchFamily="50" charset="-127"/>
+              </a:rPr>
+              <a:t>주문 정보와 상품 주문 정보를 병합해 </a:t>
+            </a:r>
+            <a:r>
+              <a:rPr lang="en-US" altLang="ko-KR" sz="1400" dirty="0" err="1">
+                <a:latin typeface="KoPubWorld돋움체_Pro Light" panose="00000300000000000000" pitchFamily="50" charset="-127"/>
+                <a:ea typeface="KoPubWorld돋움체_Pro Light" panose="00000300000000000000" pitchFamily="50" charset="-127"/>
+                <a:cs typeface="KoPubWorld돋움체_Pro Light" panose="00000300000000000000" pitchFamily="50" charset="-127"/>
+              </a:rPr>
+              <a:t>Order_details</a:t>
+            </a:r>
+            <a:r>
+              <a:rPr lang="en-US" altLang="ko-KR" sz="1400" dirty="0">
+                <a:latin typeface="KoPubWorld돋움체_Pro Light" panose="00000300000000000000" pitchFamily="50" charset="-127"/>
+                <a:ea typeface="KoPubWorld돋움체_Pro Light" panose="00000300000000000000" pitchFamily="50" charset="-127"/>
+                <a:cs typeface="KoPubWorld돋움체_Pro Light" panose="00000300000000000000" pitchFamily="50" charset="-127"/>
+              </a:rPr>
+              <a:t> </a:t>
+            </a:r>
+          </a:p>
+          <a:p>
+            <a:r>
+              <a:rPr lang="ko-KR" altLang="en-US" sz="1400" dirty="0">
+                <a:latin typeface="KoPubWorld돋움체_Pro Light" panose="00000300000000000000" pitchFamily="50" charset="-127"/>
+                <a:ea typeface="KoPubWorld돋움체_Pro Light" panose="00000300000000000000" pitchFamily="50" charset="-127"/>
+                <a:cs typeface="KoPubWorld돋움체_Pro Light" panose="00000300000000000000" pitchFamily="50" charset="-127"/>
+              </a:rPr>
+              <a:t>데이터를 생성</a:t>
+            </a:r>
+            <a:r>
+              <a:rPr lang="en-US" altLang="ko-KR" sz="1400" dirty="0">
+                <a:latin typeface="KoPubWorld돋움체_Pro Light" panose="00000300000000000000" pitchFamily="50" charset="-127"/>
+                <a:ea typeface="KoPubWorld돋움체_Pro Light" panose="00000300000000000000" pitchFamily="50" charset="-127"/>
+                <a:cs typeface="KoPubWorld돋움체_Pro Light" panose="00000300000000000000" pitchFamily="50" charset="-127"/>
+              </a:rPr>
+              <a:t>.</a:t>
+            </a:r>
+          </a:p>
+          <a:p>
+            <a:endParaRPr lang="en-US" altLang="ko-KR" sz="1400" dirty="0">
+              <a:latin typeface="KoPubWorld돋움체_Pro Light" panose="00000300000000000000" pitchFamily="50" charset="-127"/>
+              <a:ea typeface="KoPubWorld돋움체_Pro Light" panose="00000300000000000000" pitchFamily="50" charset="-127"/>
+              <a:cs typeface="KoPubWorld돋움체_Pro Light" panose="00000300000000000000" pitchFamily="50" charset="-127"/>
+            </a:endParaRPr>
+          </a:p>
+          <a:p>
+            <a:r>
+              <a:rPr lang="ko-KR" altLang="en-US" sz="1400" dirty="0">
+                <a:latin typeface="KoPubWorld돋움체_Pro Light" panose="00000300000000000000" pitchFamily="50" charset="-127"/>
+                <a:ea typeface="KoPubWorld돋움체_Pro Light" panose="00000300000000000000" pitchFamily="50" charset="-127"/>
+                <a:cs typeface="KoPubWorld돋움체_Pro Light" panose="00000300000000000000" pitchFamily="50" charset="-127"/>
+              </a:rPr>
+              <a:t>정제 과정이 있었기에</a:t>
+            </a:r>
+            <a:r>
+              <a:rPr lang="en-US" altLang="ko-KR" sz="1400" dirty="0">
+                <a:latin typeface="KoPubWorld돋움체_Pro Light" panose="00000300000000000000" pitchFamily="50" charset="-127"/>
+                <a:ea typeface="KoPubWorld돋움체_Pro Light" panose="00000300000000000000" pitchFamily="50" charset="-127"/>
+                <a:cs typeface="KoPubWorld돋움체_Pro Light" panose="00000300000000000000" pitchFamily="50" charset="-127"/>
+              </a:rPr>
+              <a:t> </a:t>
+            </a:r>
+            <a:r>
+              <a:rPr lang="ko-KR" altLang="en-US" sz="1400" dirty="0">
+                <a:latin typeface="KoPubWorld돋움체_Pro Light" panose="00000300000000000000" pitchFamily="50" charset="-127"/>
+                <a:ea typeface="KoPubWorld돋움체_Pro Light" panose="00000300000000000000" pitchFamily="50" charset="-127"/>
+                <a:cs typeface="KoPubWorld돋움체_Pro Light" panose="00000300000000000000" pitchFamily="50" charset="-127"/>
+              </a:rPr>
+              <a:t>공통되지 않은 주문이 있을 수 있으므로</a:t>
+            </a:r>
+            <a:r>
+              <a:rPr lang="en-US" altLang="ko-KR" sz="1400" dirty="0">
+                <a:latin typeface="KoPubWorld돋움체_Pro Light" panose="00000300000000000000" pitchFamily="50" charset="-127"/>
+                <a:ea typeface="KoPubWorld돋움체_Pro Light" panose="00000300000000000000" pitchFamily="50" charset="-127"/>
+                <a:cs typeface="KoPubWorld돋움체_Pro Light" panose="00000300000000000000" pitchFamily="50" charset="-127"/>
+              </a:rPr>
+              <a:t>, </a:t>
+            </a:r>
+          </a:p>
+          <a:p>
+            <a:r>
+              <a:rPr lang="en-US" altLang="ko-KR" sz="1400" dirty="0">
+                <a:latin typeface="KoPubWorld돋움체_Pro Light" panose="00000300000000000000" pitchFamily="50" charset="-127"/>
+                <a:ea typeface="KoPubWorld돋움체_Pro Light" panose="00000300000000000000" pitchFamily="50" charset="-127"/>
+                <a:cs typeface="KoPubWorld돋움체_Pro Light" panose="00000300000000000000" pitchFamily="50" charset="-127"/>
+              </a:rPr>
+              <a:t>Merge</a:t>
+            </a:r>
+            <a:r>
+              <a:rPr lang="ko-KR" altLang="en-US" sz="1400" dirty="0">
+                <a:latin typeface="KoPubWorld돋움체_Pro Light" panose="00000300000000000000" pitchFamily="50" charset="-127"/>
+                <a:ea typeface="KoPubWorld돋움체_Pro Light" panose="00000300000000000000" pitchFamily="50" charset="-127"/>
+                <a:cs typeface="KoPubWorld돋움체_Pro Light" panose="00000300000000000000" pitchFamily="50" charset="-127"/>
+              </a:rPr>
+              <a:t>함수의 </a:t>
+            </a:r>
+            <a:r>
+              <a:rPr lang="en-US" altLang="ko-KR" sz="1400" dirty="0">
+                <a:latin typeface="KoPubWorld돋움체_Pro Light" panose="00000300000000000000" pitchFamily="50" charset="-127"/>
+                <a:ea typeface="KoPubWorld돋움체_Pro Light" panose="00000300000000000000" pitchFamily="50" charset="-127"/>
+                <a:cs typeface="KoPubWorld돋움체_Pro Light" panose="00000300000000000000" pitchFamily="50" charset="-127"/>
+              </a:rPr>
+              <a:t>how </a:t>
+            </a:r>
+            <a:r>
+              <a:rPr lang="ko-KR" altLang="en-US" sz="1400" dirty="0">
+                <a:latin typeface="KoPubWorld돋움체_Pro Light" panose="00000300000000000000" pitchFamily="50" charset="-127"/>
+                <a:ea typeface="KoPubWorld돋움체_Pro Light" panose="00000300000000000000" pitchFamily="50" charset="-127"/>
+                <a:cs typeface="KoPubWorld돋움체_Pro Light" panose="00000300000000000000" pitchFamily="50" charset="-127"/>
+              </a:rPr>
+              <a:t>파라미터의 값을 </a:t>
+            </a:r>
+            <a:r>
+              <a:rPr lang="en-US" altLang="ko-KR" sz="1400" dirty="0">
+                <a:latin typeface="KoPubWorld돋움체_Pro Light" panose="00000300000000000000" pitchFamily="50" charset="-127"/>
+                <a:ea typeface="KoPubWorld돋움체_Pro Light" panose="00000300000000000000" pitchFamily="50" charset="-127"/>
+                <a:cs typeface="KoPubWorld돋움체_Pro Light" panose="00000300000000000000" pitchFamily="50" charset="-127"/>
+              </a:rPr>
+              <a:t>‘inner’</a:t>
+            </a:r>
+            <a:r>
+              <a:rPr lang="ko-KR" altLang="en-US" sz="1400" dirty="0">
+                <a:latin typeface="KoPubWorld돋움체_Pro Light" panose="00000300000000000000" pitchFamily="50" charset="-127"/>
+                <a:ea typeface="KoPubWorld돋움체_Pro Light" panose="00000300000000000000" pitchFamily="50" charset="-127"/>
+                <a:cs typeface="KoPubWorld돋움체_Pro Light" panose="00000300000000000000" pitchFamily="50" charset="-127"/>
+              </a:rPr>
+              <a:t>로 적용</a:t>
+            </a:r>
+            <a:r>
+              <a:rPr lang="en-US" altLang="ko-KR" sz="1400" dirty="0">
+                <a:latin typeface="KoPubWorld돋움체_Pro Light" panose="00000300000000000000" pitchFamily="50" charset="-127"/>
+                <a:ea typeface="KoPubWorld돋움체_Pro Light" panose="00000300000000000000" pitchFamily="50" charset="-127"/>
+                <a:cs typeface="KoPubWorld돋움체_Pro Light" panose="00000300000000000000" pitchFamily="50" charset="-127"/>
+              </a:rPr>
+              <a:t>.</a:t>
+            </a:r>
+            <a:r>
+              <a:rPr lang="ko-KR" altLang="en-US" sz="1400" dirty="0">
+                <a:latin typeface="KoPubWorld돋움체_Pro Light" panose="00000300000000000000" pitchFamily="50" charset="-127"/>
+                <a:ea typeface="KoPubWorld돋움체_Pro Light" panose="00000300000000000000" pitchFamily="50" charset="-127"/>
+                <a:cs typeface="KoPubWorld돋움체_Pro Light" panose="00000300000000000000" pitchFamily="50" charset="-127"/>
+              </a:rPr>
+              <a:t> </a:t>
+            </a:r>
+          </a:p>
+        </p:txBody>
+      </p:sp>
       <p:pic>
         <p:nvPicPr>
-          <p:cNvPr id="7" name="그림 6">
+          <p:cNvPr id="4" name="그림 3">
             <a:extLst>
               <a:ext uri="{FF2B5EF4-FFF2-40B4-BE49-F238E27FC236}">
-                <a16:creationId xmlns:a16="http://schemas.microsoft.com/office/drawing/2014/main" id="{75CA772C-9371-442C-98CF-F38F88AF8B4A}"/>
+                <a16:creationId xmlns:a16="http://schemas.microsoft.com/office/drawing/2014/main" id="{44C9BF2F-154C-494D-BA53-422466FBCE7F}"/>
               </a:ext>
             </a:extLst>
           </p:cNvPr>
@@ -8012,7 +8947,7 @@
           </p:cNvPicPr>
           <p:nvPr/>
         </p:nvPicPr>
-        <p:blipFill rotWithShape="1">
+        <p:blipFill>
           <a:blip r:embed="rId2">
             <a:extLst>
               <a:ext uri="{28A0092B-C50C-407E-A947-70E740481C1C}">
@@ -8020,205 +8955,26 @@
               </a:ext>
             </a:extLst>
           </a:blip>
-          <a:srcRect b="57603"/>
-          <a:stretch/>
+          <a:stretch>
+            <a:fillRect/>
+          </a:stretch>
         </p:blipFill>
         <p:spPr>
           <a:xfrm>
-            <a:off x="395536" y="3933056"/>
-            <a:ext cx="5516020" cy="1520332"/>
+            <a:off x="419209" y="1537292"/>
+            <a:ext cx="5232911" cy="2236969"/>
           </a:xfrm>
           <a:prstGeom prst="rect">
             <a:avLst/>
           </a:prstGeom>
         </p:spPr>
       </p:pic>
-      <p:sp>
-        <p:nvSpPr>
-          <p:cNvPr id="8" name="TextBox 7">
-            <a:extLst>
-              <a:ext uri="{FF2B5EF4-FFF2-40B4-BE49-F238E27FC236}">
-                <a16:creationId xmlns:a16="http://schemas.microsoft.com/office/drawing/2014/main" id="{60C8A4E3-005B-428A-BB44-42F7EED1EECA}"/>
-              </a:ext>
-            </a:extLst>
-          </p:cNvPr>
-          <p:cNvSpPr txBox="1"/>
-          <p:nvPr/>
-        </p:nvSpPr>
-        <p:spPr>
-          <a:xfrm>
-            <a:off x="395536" y="2265808"/>
-            <a:ext cx="5112568" cy="1323439"/>
-          </a:xfrm>
-          <a:prstGeom prst="rect">
-            <a:avLst/>
-          </a:prstGeom>
-          <a:noFill/>
-        </p:spPr>
-        <p:txBody>
-          <a:bodyPr wrap="square" rtlCol="0">
-            <a:spAutoFit/>
-          </a:bodyPr>
-          <a:lstStyle/>
-          <a:p>
-            <a:r>
-              <a:rPr lang="ko-KR" altLang="en-US" sz="1600" dirty="0">
-                <a:latin typeface="KoPubWorld돋움체_Pro Light" panose="00000300000000000000" pitchFamily="50" charset="-127"/>
-                <a:ea typeface="KoPubWorld돋움체_Pro Light" panose="00000300000000000000" pitchFamily="50" charset="-127"/>
-                <a:cs typeface="KoPubWorld돋움체_Pro Light" panose="00000300000000000000" pitchFamily="50" charset="-127"/>
-              </a:rPr>
-              <a:t>주문 정보와 상품 주문 정보를 병합해 </a:t>
-            </a:r>
-            <a:r>
-              <a:rPr lang="en-US" altLang="ko-KR" sz="1600" dirty="0" err="1">
-                <a:latin typeface="KoPubWorld돋움체_Pro Light" panose="00000300000000000000" pitchFamily="50" charset="-127"/>
-                <a:ea typeface="KoPubWorld돋움체_Pro Light" panose="00000300000000000000" pitchFamily="50" charset="-127"/>
-                <a:cs typeface="KoPubWorld돋움체_Pro Light" panose="00000300000000000000" pitchFamily="50" charset="-127"/>
-              </a:rPr>
-              <a:t>Order_details</a:t>
-            </a:r>
-            <a:r>
-              <a:rPr lang="en-US" altLang="ko-KR" sz="1600" dirty="0">
-                <a:latin typeface="KoPubWorld돋움체_Pro Light" panose="00000300000000000000" pitchFamily="50" charset="-127"/>
-                <a:ea typeface="KoPubWorld돋움체_Pro Light" panose="00000300000000000000" pitchFamily="50" charset="-127"/>
-                <a:cs typeface="KoPubWorld돋움체_Pro Light" panose="00000300000000000000" pitchFamily="50" charset="-127"/>
-              </a:rPr>
-              <a:t> </a:t>
-            </a:r>
-          </a:p>
-          <a:p>
-            <a:r>
-              <a:rPr lang="ko-KR" altLang="en-US" sz="1600" dirty="0">
-                <a:latin typeface="KoPubWorld돋움체_Pro Light" panose="00000300000000000000" pitchFamily="50" charset="-127"/>
-                <a:ea typeface="KoPubWorld돋움체_Pro Light" panose="00000300000000000000" pitchFamily="50" charset="-127"/>
-                <a:cs typeface="KoPubWorld돋움체_Pro Light" panose="00000300000000000000" pitchFamily="50" charset="-127"/>
-              </a:rPr>
-              <a:t>데이터를 생성</a:t>
-            </a:r>
-            <a:r>
-              <a:rPr lang="en-US" altLang="ko-KR" sz="1600" dirty="0">
-                <a:latin typeface="KoPubWorld돋움체_Pro Light" panose="00000300000000000000" pitchFamily="50" charset="-127"/>
-                <a:ea typeface="KoPubWorld돋움체_Pro Light" panose="00000300000000000000" pitchFamily="50" charset="-127"/>
-                <a:cs typeface="KoPubWorld돋움체_Pro Light" panose="00000300000000000000" pitchFamily="50" charset="-127"/>
-              </a:rPr>
-              <a:t>.</a:t>
-            </a:r>
-          </a:p>
-          <a:p>
-            <a:endParaRPr lang="en-US" altLang="ko-KR" sz="1600" dirty="0">
-              <a:latin typeface="KoPubWorld돋움체_Pro Light" panose="00000300000000000000" pitchFamily="50" charset="-127"/>
-              <a:ea typeface="KoPubWorld돋움체_Pro Light" panose="00000300000000000000" pitchFamily="50" charset="-127"/>
-              <a:cs typeface="KoPubWorld돋움체_Pro Light" panose="00000300000000000000" pitchFamily="50" charset="-127"/>
-            </a:endParaRPr>
-          </a:p>
-          <a:p>
-            <a:r>
-              <a:rPr lang="ko-KR" altLang="en-US" sz="1600" dirty="0">
-                <a:latin typeface="KoPubWorld돋움체_Pro Light" panose="00000300000000000000" pitchFamily="50" charset="-127"/>
-                <a:ea typeface="KoPubWorld돋움체_Pro Light" panose="00000300000000000000" pitchFamily="50" charset="-127"/>
-                <a:cs typeface="KoPubWorld돋움체_Pro Light" panose="00000300000000000000" pitchFamily="50" charset="-127"/>
-              </a:rPr>
-              <a:t>정제 과정이 있었기에</a:t>
-            </a:r>
-            <a:r>
-              <a:rPr lang="en-US" altLang="ko-KR" sz="1600" dirty="0">
-                <a:latin typeface="KoPubWorld돋움체_Pro Light" panose="00000300000000000000" pitchFamily="50" charset="-127"/>
-                <a:ea typeface="KoPubWorld돋움체_Pro Light" panose="00000300000000000000" pitchFamily="50" charset="-127"/>
-                <a:cs typeface="KoPubWorld돋움체_Pro Light" panose="00000300000000000000" pitchFamily="50" charset="-127"/>
-              </a:rPr>
-              <a:t> </a:t>
-            </a:r>
-            <a:r>
-              <a:rPr lang="ko-KR" altLang="en-US" sz="1600" dirty="0">
-                <a:latin typeface="KoPubWorld돋움체_Pro Light" panose="00000300000000000000" pitchFamily="50" charset="-127"/>
-                <a:ea typeface="KoPubWorld돋움체_Pro Light" panose="00000300000000000000" pitchFamily="50" charset="-127"/>
-                <a:cs typeface="KoPubWorld돋움체_Pro Light" panose="00000300000000000000" pitchFamily="50" charset="-127"/>
-              </a:rPr>
-              <a:t>공통되지 않은 주문이 있을 수 있으므로</a:t>
-            </a:r>
-            <a:r>
-              <a:rPr lang="en-US" altLang="ko-KR" sz="1600" dirty="0">
-                <a:latin typeface="KoPubWorld돋움체_Pro Light" panose="00000300000000000000" pitchFamily="50" charset="-127"/>
-                <a:ea typeface="KoPubWorld돋움체_Pro Light" panose="00000300000000000000" pitchFamily="50" charset="-127"/>
-                <a:cs typeface="KoPubWorld돋움체_Pro Light" panose="00000300000000000000" pitchFamily="50" charset="-127"/>
-              </a:rPr>
-              <a:t>, </a:t>
-            </a:r>
-          </a:p>
-          <a:p>
-            <a:r>
-              <a:rPr lang="en-US" altLang="ko-KR" sz="1600" dirty="0">
-                <a:latin typeface="KoPubWorld돋움체_Pro Light" panose="00000300000000000000" pitchFamily="50" charset="-127"/>
-                <a:ea typeface="KoPubWorld돋움체_Pro Light" panose="00000300000000000000" pitchFamily="50" charset="-127"/>
-                <a:cs typeface="KoPubWorld돋움체_Pro Light" panose="00000300000000000000" pitchFamily="50" charset="-127"/>
-              </a:rPr>
-              <a:t>Merge</a:t>
-            </a:r>
-            <a:r>
-              <a:rPr lang="ko-KR" altLang="en-US" sz="1600" dirty="0">
-                <a:latin typeface="KoPubWorld돋움체_Pro Light" panose="00000300000000000000" pitchFamily="50" charset="-127"/>
-                <a:ea typeface="KoPubWorld돋움체_Pro Light" panose="00000300000000000000" pitchFamily="50" charset="-127"/>
-                <a:cs typeface="KoPubWorld돋움체_Pro Light" panose="00000300000000000000" pitchFamily="50" charset="-127"/>
-              </a:rPr>
-              <a:t>함수의 </a:t>
-            </a:r>
-            <a:r>
-              <a:rPr lang="en-US" altLang="ko-KR" sz="1600" dirty="0">
-                <a:latin typeface="KoPubWorld돋움체_Pro Light" panose="00000300000000000000" pitchFamily="50" charset="-127"/>
-                <a:ea typeface="KoPubWorld돋움체_Pro Light" panose="00000300000000000000" pitchFamily="50" charset="-127"/>
-                <a:cs typeface="KoPubWorld돋움체_Pro Light" panose="00000300000000000000" pitchFamily="50" charset="-127"/>
-              </a:rPr>
-              <a:t>how </a:t>
-            </a:r>
-            <a:r>
-              <a:rPr lang="ko-KR" altLang="en-US" sz="1600" dirty="0">
-                <a:latin typeface="KoPubWorld돋움체_Pro Light" panose="00000300000000000000" pitchFamily="50" charset="-127"/>
-                <a:ea typeface="KoPubWorld돋움체_Pro Light" panose="00000300000000000000" pitchFamily="50" charset="-127"/>
-                <a:cs typeface="KoPubWorld돋움체_Pro Light" panose="00000300000000000000" pitchFamily="50" charset="-127"/>
-              </a:rPr>
-              <a:t>파라미터의 값을 </a:t>
-            </a:r>
-            <a:r>
-              <a:rPr lang="en-US" altLang="ko-KR" sz="1600" dirty="0">
-                <a:latin typeface="KoPubWorld돋움체_Pro Light" panose="00000300000000000000" pitchFamily="50" charset="-127"/>
-                <a:ea typeface="KoPubWorld돋움체_Pro Light" panose="00000300000000000000" pitchFamily="50" charset="-127"/>
-                <a:cs typeface="KoPubWorld돋움체_Pro Light" panose="00000300000000000000" pitchFamily="50" charset="-127"/>
-              </a:rPr>
-              <a:t>‘inner’</a:t>
-            </a:r>
-            <a:r>
-              <a:rPr lang="ko-KR" altLang="en-US" sz="1600" dirty="0">
-                <a:latin typeface="KoPubWorld돋움체_Pro Light" panose="00000300000000000000" pitchFamily="50" charset="-127"/>
-                <a:ea typeface="KoPubWorld돋움체_Pro Light" panose="00000300000000000000" pitchFamily="50" charset="-127"/>
-                <a:cs typeface="KoPubWorld돋움체_Pro Light" panose="00000300000000000000" pitchFamily="50" charset="-127"/>
-              </a:rPr>
-              <a:t>로 적용</a:t>
-            </a:r>
-            <a:r>
-              <a:rPr lang="en-US" altLang="ko-KR" sz="1600" dirty="0">
-                <a:latin typeface="KoPubWorld돋움체_Pro Light" panose="00000300000000000000" pitchFamily="50" charset="-127"/>
-                <a:ea typeface="KoPubWorld돋움체_Pro Light" panose="00000300000000000000" pitchFamily="50" charset="-127"/>
-                <a:cs typeface="KoPubWorld돋움체_Pro Light" panose="00000300000000000000" pitchFamily="50" charset="-127"/>
-              </a:rPr>
-              <a:t>.</a:t>
-            </a:r>
-            <a:r>
-              <a:rPr lang="ko-KR" altLang="en-US" sz="1600" dirty="0">
-                <a:latin typeface="KoPubWorld돋움체_Pro Light" panose="00000300000000000000" pitchFamily="50" charset="-127"/>
-                <a:ea typeface="KoPubWorld돋움체_Pro Light" panose="00000300000000000000" pitchFamily="50" charset="-127"/>
-                <a:cs typeface="KoPubWorld돋움체_Pro Light" panose="00000300000000000000" pitchFamily="50" charset="-127"/>
-              </a:rPr>
-              <a:t> </a:t>
-            </a:r>
-          </a:p>
-        </p:txBody>
-      </p:sp>
       <p:pic>
         <p:nvPicPr>
-          <p:cNvPr id="10" name="그림 9">
+          <p:cNvPr id="6" name="그림 5">
             <a:extLst>
               <a:ext uri="{FF2B5EF4-FFF2-40B4-BE49-F238E27FC236}">
-                <a16:creationId xmlns:a16="http://schemas.microsoft.com/office/drawing/2014/main" id="{99B4F721-9396-4C2C-9562-841EC9E7D81E}"/>
+                <a16:creationId xmlns:a16="http://schemas.microsoft.com/office/drawing/2014/main" id="{B31A577C-2B9F-479B-A7C1-F84B09498B19}"/>
               </a:ext>
             </a:extLst>
           </p:cNvPr>
@@ -8227,21 +8983,94 @@
           </p:cNvPicPr>
           <p:nvPr/>
         </p:nvPicPr>
-        <p:blipFill rotWithShape="1">
-          <a:blip r:embed="rId2">
+        <p:blipFill>
+          <a:blip r:embed="rId3">
             <a:extLst>
               <a:ext uri="{28A0092B-C50C-407E-A947-70E740481C1C}">
                 <a14:useLocalDpi xmlns:a14="http://schemas.microsoft.com/office/drawing/2010/main" val="0"/>
               </a:ext>
             </a:extLst>
           </a:blip>
-          <a:srcRect l="10625" t="42064" r="59450"/>
-          <a:stretch/>
+          <a:stretch>
+            <a:fillRect/>
+          </a:stretch>
         </p:blipFill>
         <p:spPr>
           <a:xfrm>
-            <a:off x="6228184" y="2301255"/>
-            <a:ext cx="2335895" cy="2940010"/>
+            <a:off x="5868144" y="1478627"/>
+            <a:ext cx="1728192" cy="2237862"/>
+          </a:xfrm>
+          <a:prstGeom prst="rect">
+            <a:avLst/>
+          </a:prstGeom>
+        </p:spPr>
+      </p:pic>
+      <p:pic>
+        <p:nvPicPr>
+          <p:cNvPr id="11" name="그림 10">
+            <a:extLst>
+              <a:ext uri="{FF2B5EF4-FFF2-40B4-BE49-F238E27FC236}">
+                <a16:creationId xmlns:a16="http://schemas.microsoft.com/office/drawing/2014/main" id="{F6FE68DE-7419-4C72-8DC4-38A634C183D5}"/>
+              </a:ext>
+            </a:extLst>
+          </p:cNvPr>
+          <p:cNvPicPr>
+            <a:picLocks noChangeAspect="1"/>
+          </p:cNvPicPr>
+          <p:nvPr/>
+        </p:nvPicPr>
+        <p:blipFill>
+          <a:blip r:embed="rId4">
+            <a:extLst>
+              <a:ext uri="{28A0092B-C50C-407E-A947-70E740481C1C}">
+                <a14:useLocalDpi xmlns:a14="http://schemas.microsoft.com/office/drawing/2010/main" val="0"/>
+              </a:ext>
+            </a:extLst>
+          </a:blip>
+          <a:stretch>
+            <a:fillRect/>
+          </a:stretch>
+        </p:blipFill>
+        <p:spPr>
+          <a:xfrm>
+            <a:off x="419209" y="3998907"/>
+            <a:ext cx="5679300" cy="1823454"/>
+          </a:xfrm>
+          <a:prstGeom prst="rect">
+            <a:avLst/>
+          </a:prstGeom>
+        </p:spPr>
+      </p:pic>
+      <p:pic>
+        <p:nvPicPr>
+          <p:cNvPr id="13" name="그림 12">
+            <a:extLst>
+              <a:ext uri="{FF2B5EF4-FFF2-40B4-BE49-F238E27FC236}">
+                <a16:creationId xmlns:a16="http://schemas.microsoft.com/office/drawing/2014/main" id="{B889828C-270F-4D53-8BEB-44D04E4A754B}"/>
+              </a:ext>
+            </a:extLst>
+          </p:cNvPr>
+          <p:cNvPicPr>
+            <a:picLocks noChangeAspect="1"/>
+          </p:cNvPicPr>
+          <p:nvPr/>
+        </p:nvPicPr>
+        <p:blipFill>
+          <a:blip r:embed="rId5">
+            <a:extLst>
+              <a:ext uri="{28A0092B-C50C-407E-A947-70E740481C1C}">
+                <a14:useLocalDpi xmlns:a14="http://schemas.microsoft.com/office/drawing/2010/main" val="0"/>
+              </a:ext>
+            </a:extLst>
+          </a:blip>
+          <a:stretch>
+            <a:fillRect/>
+          </a:stretch>
+        </p:blipFill>
+        <p:spPr>
+          <a:xfrm>
+            <a:off x="6115894" y="4022161"/>
+            <a:ext cx="2380620" cy="1855111"/>
           </a:xfrm>
           <a:prstGeom prst="rect">
             <a:avLst/>
@@ -8278,12 +9107,98 @@
           <a:chExt cx="0" cy="0"/>
         </a:xfrm>
       </p:grpSpPr>
+      <p:sp>
+        <p:nvSpPr>
+          <p:cNvPr id="10" name="TextBox 9">
+            <a:extLst>
+              <a:ext uri="{FF2B5EF4-FFF2-40B4-BE49-F238E27FC236}">
+                <a16:creationId xmlns:a16="http://schemas.microsoft.com/office/drawing/2014/main" id="{4A26DE8C-1DE6-421B-9088-779CB459106A}"/>
+              </a:ext>
+            </a:extLst>
+          </p:cNvPr>
+          <p:cNvSpPr txBox="1"/>
+          <p:nvPr/>
+        </p:nvSpPr>
+        <p:spPr>
+          <a:xfrm>
+            <a:off x="395086" y="3140968"/>
+            <a:ext cx="3888432" cy="1200329"/>
+          </a:xfrm>
+          <a:prstGeom prst="rect">
+            <a:avLst/>
+          </a:prstGeom>
+          <a:noFill/>
+        </p:spPr>
+        <p:txBody>
+          <a:bodyPr wrap="square" rtlCol="0">
+            <a:spAutoFit/>
+          </a:bodyPr>
+          <a:lstStyle/>
+          <a:p>
+            <a:r>
+              <a:rPr lang="en-US" altLang="ko-KR" sz="2400" u="sng" dirty="0" err="1">
+                <a:latin typeface="KoPubWorld돋움체_Pro Bold" panose="00000800000000000000" pitchFamily="50" charset="-127"/>
+                <a:ea typeface="KoPubWorld돋움체_Pro Bold" panose="00000800000000000000" pitchFamily="50" charset="-127"/>
+                <a:cs typeface="KoPubWorld돋움체_Pro Bold" panose="00000800000000000000" pitchFamily="50" charset="-127"/>
+              </a:rPr>
+              <a:t>Order_details</a:t>
+            </a:r>
+            <a:r>
+              <a:rPr lang="ko-KR" altLang="en-US" sz="1600" dirty="0">
+                <a:latin typeface="KoPubWorld돋움체_Pro Light" panose="00000300000000000000" pitchFamily="50" charset="-127"/>
+                <a:ea typeface="KoPubWorld돋움체_Pro Light" panose="00000300000000000000" pitchFamily="50" charset="-127"/>
+                <a:cs typeface="KoPubWorld돋움체_Pro Light" panose="00000300000000000000" pitchFamily="50" charset="-127"/>
+              </a:rPr>
+              <a:t>의 메모리 사용량이 너무 크기 때문에</a:t>
+            </a:r>
+            <a:endParaRPr lang="en-US" altLang="ko-KR" sz="1600" dirty="0">
+              <a:latin typeface="KoPubWorld돋움체_Pro Light" panose="00000300000000000000" pitchFamily="50" charset="-127"/>
+              <a:ea typeface="KoPubWorld돋움체_Pro Light" panose="00000300000000000000" pitchFamily="50" charset="-127"/>
+              <a:cs typeface="KoPubWorld돋움체_Pro Light" panose="00000300000000000000" pitchFamily="50" charset="-127"/>
+            </a:endParaRPr>
+          </a:p>
+          <a:p>
+            <a:r>
+              <a:rPr lang="ko-KR" altLang="en-US" sz="1600" dirty="0">
+                <a:latin typeface="KoPubWorld돋움체_Pro Light" panose="00000300000000000000" pitchFamily="50" charset="-127"/>
+                <a:ea typeface="KoPubWorld돋움체_Pro Light" panose="00000300000000000000" pitchFamily="50" charset="-127"/>
+                <a:cs typeface="KoPubWorld돋움체_Pro Light" panose="00000300000000000000" pitchFamily="50" charset="-127"/>
+              </a:rPr>
+              <a:t>각 컬럼의 </a:t>
+            </a:r>
+            <a:r>
+              <a:rPr lang="en-US" altLang="ko-KR" sz="1600" dirty="0" err="1">
+                <a:latin typeface="KoPubWorld돋움체_Pro Light" panose="00000300000000000000" pitchFamily="50" charset="-127"/>
+                <a:ea typeface="KoPubWorld돋움체_Pro Light" panose="00000300000000000000" pitchFamily="50" charset="-127"/>
+                <a:cs typeface="KoPubWorld돋움체_Pro Light" panose="00000300000000000000" pitchFamily="50" charset="-127"/>
+              </a:rPr>
+              <a:t>Dtype</a:t>
+            </a:r>
+            <a:r>
+              <a:rPr lang="ko-KR" altLang="en-US" sz="1600" dirty="0">
+                <a:latin typeface="KoPubWorld돋움체_Pro Light" panose="00000300000000000000" pitchFamily="50" charset="-127"/>
+                <a:ea typeface="KoPubWorld돋움체_Pro Light" panose="00000300000000000000" pitchFamily="50" charset="-127"/>
+                <a:cs typeface="KoPubWorld돋움체_Pro Light" panose="00000300000000000000" pitchFamily="50" charset="-127"/>
+              </a:rPr>
+              <a:t>을 변경하여 메모리 사용량을 줄임</a:t>
+            </a:r>
+            <a:r>
+              <a:rPr lang="en-US" altLang="ko-KR" sz="1600" dirty="0">
+                <a:latin typeface="KoPubWorld돋움체_Pro Light" panose="00000300000000000000" pitchFamily="50" charset="-127"/>
+                <a:ea typeface="KoPubWorld돋움체_Pro Light" panose="00000300000000000000" pitchFamily="50" charset="-127"/>
+                <a:cs typeface="KoPubWorld돋움체_Pro Light" panose="00000300000000000000" pitchFamily="50" charset="-127"/>
+              </a:rPr>
+              <a:t>.</a:t>
+            </a:r>
+          </a:p>
+        </p:txBody>
+      </p:sp>
       <p:pic>
         <p:nvPicPr>
-          <p:cNvPr id="9" name="내용 개체 틀 8">
+          <p:cNvPr id="7" name="내용 개체 틀 6">
             <a:extLst>
               <a:ext uri="{FF2B5EF4-FFF2-40B4-BE49-F238E27FC236}">
-                <a16:creationId xmlns:a16="http://schemas.microsoft.com/office/drawing/2014/main" id="{DE6FF2D7-1235-4789-937D-D41989A58B35}"/>
+                <a16:creationId xmlns:a16="http://schemas.microsoft.com/office/drawing/2014/main" id="{B403F674-C6C4-48A3-8537-BEFB74E4CF1D}"/>
               </a:ext>
             </a:extLst>
           </p:cNvPr>
@@ -8308,97 +9223,52 @@
         </p:blipFill>
         <p:spPr>
           <a:xfrm>
-            <a:off x="899592" y="2132856"/>
-            <a:ext cx="4217706" cy="3877891"/>
+            <a:off x="4542411" y="1988841"/>
+            <a:ext cx="4206503" cy="4028667"/>
           </a:xfrm>
         </p:spPr>
       </p:pic>
-      <p:sp>
-        <p:nvSpPr>
-          <p:cNvPr id="10" name="TextBox 9">
+      <p:cxnSp>
+        <p:nvCxnSpPr>
+          <p:cNvPr id="11" name="직선 연결선 10">
             <a:extLst>
               <a:ext uri="{FF2B5EF4-FFF2-40B4-BE49-F238E27FC236}">
-                <a16:creationId xmlns:a16="http://schemas.microsoft.com/office/drawing/2014/main" id="{4A26DE8C-1DE6-421B-9088-779CB459106A}"/>
+                <a16:creationId xmlns:a16="http://schemas.microsoft.com/office/drawing/2014/main" id="{B39602FB-406D-47C6-9F3E-F5927F794C7A}"/>
               </a:ext>
             </a:extLst>
           </p:cNvPr>
-          <p:cNvSpPr txBox="1"/>
+          <p:cNvCxnSpPr/>
           <p:nvPr/>
-        </p:nvSpPr>
-        <p:spPr>
-          <a:xfrm>
-            <a:off x="755576" y="1196752"/>
-            <a:ext cx="6840760" cy="738664"/>
-          </a:xfrm>
-          <a:prstGeom prst="rect">
+        </p:nvCxnSpPr>
+        <p:spPr>
+          <a:xfrm>
+            <a:off x="0" y="1124744"/>
+            <a:ext cx="9144000" cy="0"/>
+          </a:xfrm>
+          <a:prstGeom prst="line">
             <a:avLst/>
           </a:prstGeom>
-          <a:noFill/>
-        </p:spPr>
-        <p:txBody>
-          <a:bodyPr wrap="square" rtlCol="0">
-            <a:spAutoFit/>
-          </a:bodyPr>
-          <a:lstStyle/>
-          <a:p>
-            <a:r>
-              <a:rPr lang="en-US" altLang="ko-KR" sz="2400" u="sng" dirty="0" err="1">
-                <a:latin typeface="KoPubWorld돋움체_Pro Bold" panose="00000800000000000000" pitchFamily="50" charset="-127"/>
-                <a:ea typeface="KoPubWorld돋움체_Pro Bold" panose="00000800000000000000" pitchFamily="50" charset="-127"/>
-                <a:cs typeface="KoPubWorld돋움체_Pro Bold" panose="00000800000000000000" pitchFamily="50" charset="-127"/>
-              </a:rPr>
-              <a:t>Order_details</a:t>
-            </a:r>
-            <a:r>
-              <a:rPr lang="ko-KR" altLang="en-US" dirty="0">
-                <a:latin typeface="KoPubWorld돋움체_Pro Light" panose="00000300000000000000" pitchFamily="50" charset="-127"/>
-                <a:ea typeface="KoPubWorld돋움체_Pro Light" panose="00000300000000000000" pitchFamily="50" charset="-127"/>
-                <a:cs typeface="KoPubWorld돋움체_Pro Light" panose="00000300000000000000" pitchFamily="50" charset="-127"/>
-              </a:rPr>
-              <a:t>의 메모리 사용량이 너무 크기 때문에</a:t>
-            </a:r>
-            <a:endParaRPr lang="en-US" altLang="ko-KR" dirty="0">
-              <a:latin typeface="KoPubWorld돋움체_Pro Light" panose="00000300000000000000" pitchFamily="50" charset="-127"/>
-              <a:ea typeface="KoPubWorld돋움체_Pro Light" panose="00000300000000000000" pitchFamily="50" charset="-127"/>
-              <a:cs typeface="KoPubWorld돋움체_Pro Light" panose="00000300000000000000" pitchFamily="50" charset="-127"/>
-            </a:endParaRPr>
-          </a:p>
-          <a:p>
-            <a:r>
-              <a:rPr lang="ko-KR" altLang="en-US" dirty="0">
-                <a:latin typeface="KoPubWorld돋움체_Pro Light" panose="00000300000000000000" pitchFamily="50" charset="-127"/>
-                <a:ea typeface="KoPubWorld돋움체_Pro Light" panose="00000300000000000000" pitchFamily="50" charset="-127"/>
-                <a:cs typeface="KoPubWorld돋움체_Pro Light" panose="00000300000000000000" pitchFamily="50" charset="-127"/>
-              </a:rPr>
-              <a:t>각 컬럼의 </a:t>
-            </a:r>
-            <a:r>
-              <a:rPr lang="en-US" altLang="ko-KR" dirty="0" err="1">
-                <a:latin typeface="KoPubWorld돋움체_Pro Light" panose="00000300000000000000" pitchFamily="50" charset="-127"/>
-                <a:ea typeface="KoPubWorld돋움체_Pro Light" panose="00000300000000000000" pitchFamily="50" charset="-127"/>
-                <a:cs typeface="KoPubWorld돋움체_Pro Light" panose="00000300000000000000" pitchFamily="50" charset="-127"/>
-              </a:rPr>
-              <a:t>Dtype</a:t>
-            </a:r>
-            <a:r>
-              <a:rPr lang="ko-KR" altLang="en-US" dirty="0">
-                <a:latin typeface="KoPubWorld돋움체_Pro Light" panose="00000300000000000000" pitchFamily="50" charset="-127"/>
-                <a:ea typeface="KoPubWorld돋움체_Pro Light" panose="00000300000000000000" pitchFamily="50" charset="-127"/>
-                <a:cs typeface="KoPubWorld돋움체_Pro Light" panose="00000300000000000000" pitchFamily="50" charset="-127"/>
-              </a:rPr>
-              <a:t>을 변경하여 메모리 사용량을 줄임</a:t>
-            </a:r>
-            <a:r>
-              <a:rPr lang="en-US" altLang="ko-KR" dirty="0">
-                <a:latin typeface="KoPubWorld돋움체_Pro Light" panose="00000300000000000000" pitchFamily="50" charset="-127"/>
-                <a:ea typeface="KoPubWorld돋움체_Pro Light" panose="00000300000000000000" pitchFamily="50" charset="-127"/>
-                <a:cs typeface="KoPubWorld돋움체_Pro Light" panose="00000300000000000000" pitchFamily="50" charset="-127"/>
-              </a:rPr>
-              <a:t>.</a:t>
-            </a:r>
-          </a:p>
-        </p:txBody>
-      </p:sp>
+          <a:ln w="28575">
+            <a:solidFill>
+              <a:srgbClr val="92D050"/>
+            </a:solidFill>
+          </a:ln>
+        </p:spPr>
+        <p:style>
+          <a:lnRef idx="1">
+            <a:schemeClr val="accent1"/>
+          </a:lnRef>
+          <a:fillRef idx="0">
+            <a:schemeClr val="accent1"/>
+          </a:fillRef>
+          <a:effectRef idx="0">
+            <a:schemeClr val="accent1"/>
+          </a:effectRef>
+          <a:fontRef idx="minor">
+            <a:schemeClr val="tx1"/>
+          </a:fontRef>
+        </p:style>
+      </p:cxnSp>
     </p:spTree>
     <p:extLst>
       <p:ext uri="{BB962C8B-B14F-4D97-AF65-F5344CB8AC3E}">
@@ -8456,7 +9326,7 @@
                 <a:ea typeface="KoPubWorld돋움체_Pro Bold" panose="00000800000000000000" pitchFamily="50" charset="-127"/>
                 <a:cs typeface="KoPubWorld돋움체_Pro Bold" panose="00000800000000000000" pitchFamily="50" charset="-127"/>
               </a:rPr>
-              <a:t>총 독립변수는</a:t>
+              <a:t>예상 독립변수는</a:t>
             </a:r>
             <a:r>
               <a:rPr lang="en-US" altLang="ko-KR" dirty="0">
@@ -8651,7 +9521,7 @@
         <p:spPr>
           <a:xfrm>
             <a:off x="1041136" y="1593141"/>
-            <a:ext cx="2808312" cy="338554"/>
+            <a:ext cx="2808312" cy="369332"/>
           </a:xfrm>
           <a:prstGeom prst="rect">
             <a:avLst/>
@@ -8666,7 +9536,7 @@
           <a:p>
             <a:pPr algn="ctr"/>
             <a:r>
-              <a:rPr lang="ko-KR" altLang="en-US" sz="1600" dirty="0">
+              <a:rPr lang="ko-KR" altLang="en-US" dirty="0">
                 <a:latin typeface="KoPubWorld돋움체_Pro Bold" panose="00000800000000000000" pitchFamily="50" charset="-127"/>
                 <a:ea typeface="KoPubWorld돋움체_Pro Bold" panose="00000800000000000000" pitchFamily="50" charset="-127"/>
                 <a:cs typeface="KoPubWorld돋움체_Pro Bold" panose="00000800000000000000" pitchFamily="50" charset="-127"/>
@@ -8690,8 +9560,8 @@
         </p:nvSpPr>
         <p:spPr>
           <a:xfrm>
-            <a:off x="5294552" y="1593141"/>
-            <a:ext cx="2808312" cy="338554"/>
+            <a:off x="5294552" y="1700808"/>
+            <a:ext cx="2808312" cy="369332"/>
           </a:xfrm>
           <a:prstGeom prst="rect">
             <a:avLst/>
@@ -8706,7 +9576,7 @@
           <a:p>
             <a:pPr algn="ctr"/>
             <a:r>
-              <a:rPr lang="ko-KR" altLang="en-US" sz="1600" dirty="0">
+              <a:rPr lang="ko-KR" altLang="en-US" dirty="0">
                 <a:latin typeface="KoPubWorld돋움체_Pro Bold" panose="00000800000000000000" pitchFamily="50" charset="-127"/>
                 <a:ea typeface="KoPubWorld돋움체_Pro Bold" panose="00000800000000000000" pitchFamily="50" charset="-127"/>
                 <a:cs typeface="KoPubWorld돋움체_Pro Bold" panose="00000800000000000000" pitchFamily="50" charset="-127"/>
@@ -8730,8 +9600,8 @@
         </p:nvSpPr>
         <p:spPr>
           <a:xfrm>
-            <a:off x="3167844" y="4293096"/>
-            <a:ext cx="2808312" cy="338554"/>
+            <a:off x="3041830" y="4348261"/>
+            <a:ext cx="3060340" cy="369332"/>
           </a:xfrm>
           <a:prstGeom prst="rect">
             <a:avLst/>
@@ -8746,7 +9616,7 @@
           <a:p>
             <a:pPr algn="ctr"/>
             <a:r>
-              <a:rPr lang="ko-KR" altLang="en-US" sz="1600" dirty="0">
+              <a:rPr lang="ko-KR" altLang="en-US" dirty="0">
                 <a:latin typeface="KoPubWorld돋움체_Pro Bold" panose="00000800000000000000" pitchFamily="50" charset="-127"/>
                 <a:ea typeface="KoPubWorld돋움체_Pro Bold" panose="00000800000000000000" pitchFamily="50" charset="-127"/>
                 <a:cs typeface="KoPubWorld돋움체_Pro Bold" panose="00000800000000000000" pitchFamily="50" charset="-127"/>
@@ -8754,7 +9624,7 @@
               <a:t>고객</a:t>
             </a:r>
             <a:r>
-              <a:rPr lang="en-US" altLang="ko-KR" sz="1600" dirty="0">
+              <a:rPr lang="en-US" altLang="ko-KR" dirty="0">
                 <a:latin typeface="KoPubWorld돋움체_Pro Bold" panose="00000800000000000000" pitchFamily="50" charset="-127"/>
                 <a:ea typeface="KoPubWorld돋움체_Pro Bold" panose="00000800000000000000" pitchFamily="50" charset="-127"/>
                 <a:cs typeface="KoPubWorld돋움체_Pro Bold" panose="00000800000000000000" pitchFamily="50" charset="-127"/>
@@ -8762,7 +9632,7 @@
               <a:t>-</a:t>
             </a:r>
             <a:r>
-              <a:rPr lang="ko-KR" altLang="en-US" sz="1600" dirty="0">
+              <a:rPr lang="ko-KR" altLang="en-US" dirty="0">
                 <a:latin typeface="KoPubWorld돋움체_Pro Bold" panose="00000800000000000000" pitchFamily="50" charset="-127"/>
                 <a:ea typeface="KoPubWorld돋움체_Pro Bold" panose="00000800000000000000" pitchFamily="50" charset="-127"/>
                 <a:cs typeface="KoPubWorld돋움체_Pro Bold" panose="00000800000000000000" pitchFamily="50" charset="-127"/>
@@ -8786,7 +9656,7 @@
         </p:nvSpPr>
         <p:spPr>
           <a:xfrm>
-            <a:off x="683568" y="1983252"/>
+            <a:off x="683568" y="2045166"/>
             <a:ext cx="3528392" cy="1815882"/>
           </a:xfrm>
           <a:prstGeom prst="rect">
@@ -8915,7 +9785,7 @@
         </p:nvSpPr>
         <p:spPr>
           <a:xfrm>
-            <a:off x="4932040" y="2110388"/>
+            <a:off x="4932040" y="2218055"/>
             <a:ext cx="3528392" cy="1384995"/>
           </a:xfrm>
           <a:prstGeom prst="rect">
@@ -9020,7 +9890,7 @@
         </p:nvSpPr>
         <p:spPr>
           <a:xfrm>
-            <a:off x="2807804" y="4797152"/>
+            <a:off x="2807804" y="4852317"/>
             <a:ext cx="3528392" cy="1384995"/>
           </a:xfrm>
           <a:prstGeom prst="rect">
@@ -9187,8 +10057,8 @@
         </p:blipFill>
         <p:spPr>
           <a:xfrm>
-            <a:off x="461370" y="542683"/>
-            <a:ext cx="3828776" cy="3648791"/>
+            <a:off x="611560" y="1304514"/>
+            <a:ext cx="3318542" cy="3162542"/>
           </a:xfrm>
         </p:spPr>
       </p:pic>
@@ -9206,7 +10076,7 @@
         </p:nvSpPr>
         <p:spPr>
           <a:xfrm>
-            <a:off x="4853856" y="1268760"/>
+            <a:off x="4744626" y="1789400"/>
             <a:ext cx="3816424" cy="2677656"/>
           </a:xfrm>
           <a:prstGeom prst="rect">
@@ -9392,14 +10262,55 @@
         </p:blipFill>
         <p:spPr>
           <a:xfrm>
-            <a:off x="435724" y="4365104"/>
-            <a:ext cx="4712340" cy="1873482"/>
+            <a:off x="585914" y="4741578"/>
+            <a:ext cx="4084360" cy="1623816"/>
           </a:xfrm>
           <a:prstGeom prst="rect">
             <a:avLst/>
           </a:prstGeom>
         </p:spPr>
       </p:pic>
+      <p:cxnSp>
+        <p:nvCxnSpPr>
+          <p:cNvPr id="7" name="직선 연결선 6">
+            <a:extLst>
+              <a:ext uri="{FF2B5EF4-FFF2-40B4-BE49-F238E27FC236}">
+                <a16:creationId xmlns:a16="http://schemas.microsoft.com/office/drawing/2014/main" id="{7DC2C39E-B492-49FC-A5B0-F4B1B0ADD5AB}"/>
+              </a:ext>
+            </a:extLst>
+          </p:cNvPr>
+          <p:cNvCxnSpPr/>
+          <p:nvPr/>
+        </p:nvCxnSpPr>
+        <p:spPr>
+          <a:xfrm>
+            <a:off x="0" y="1124744"/>
+            <a:ext cx="9144000" cy="0"/>
+          </a:xfrm>
+          <a:prstGeom prst="line">
+            <a:avLst/>
+          </a:prstGeom>
+          <a:ln w="28575">
+            <a:solidFill>
+              <a:srgbClr val="92D050"/>
+            </a:solidFill>
+          </a:ln>
+        </p:spPr>
+        <p:style>
+          <a:lnRef idx="1">
+            <a:schemeClr val="accent1"/>
+          </a:lnRef>
+          <a:fillRef idx="0">
+            <a:schemeClr val="accent1"/>
+          </a:fillRef>
+          <a:effectRef idx="0">
+            <a:schemeClr val="accent1"/>
+          </a:effectRef>
+          <a:fontRef idx="minor">
+            <a:schemeClr val="tx1"/>
+          </a:fontRef>
+        </p:style>
+      </p:cxnSp>
     </p:spTree>
     <p:extLst>
       <p:ext uri="{BB962C8B-B14F-4D97-AF65-F5344CB8AC3E}">
@@ -9460,8 +10371,8 @@
         </p:blipFill>
         <p:spPr>
           <a:xfrm>
-            <a:off x="539552" y="476672"/>
-            <a:ext cx="4572638" cy="3381847"/>
+            <a:off x="539552" y="1484784"/>
+            <a:ext cx="3884061" cy="2872587"/>
           </a:xfrm>
         </p:spPr>
       </p:pic>
@@ -9479,7 +10390,7 @@
         </p:nvSpPr>
         <p:spPr>
           <a:xfrm>
-            <a:off x="5364088" y="1673305"/>
+            <a:off x="5247278" y="1828776"/>
             <a:ext cx="3384376" cy="2246769"/>
           </a:xfrm>
           <a:prstGeom prst="rect">
@@ -9632,14 +10543,55 @@
         </p:blipFill>
         <p:spPr>
           <a:xfrm>
-            <a:off x="545470" y="4077072"/>
-            <a:ext cx="5249008" cy="2181529"/>
+            <a:off x="545470" y="4516852"/>
+            <a:ext cx="4458578" cy="1853020"/>
           </a:xfrm>
           <a:prstGeom prst="rect">
             <a:avLst/>
           </a:prstGeom>
         </p:spPr>
       </p:pic>
+      <p:cxnSp>
+        <p:nvCxnSpPr>
+          <p:cNvPr id="7" name="직선 연결선 6">
+            <a:extLst>
+              <a:ext uri="{FF2B5EF4-FFF2-40B4-BE49-F238E27FC236}">
+                <a16:creationId xmlns:a16="http://schemas.microsoft.com/office/drawing/2014/main" id="{361E0F89-780E-41F5-919E-0ABA6EFF0479}"/>
+              </a:ext>
+            </a:extLst>
+          </p:cNvPr>
+          <p:cNvCxnSpPr/>
+          <p:nvPr/>
+        </p:nvCxnSpPr>
+        <p:spPr>
+          <a:xfrm>
+            <a:off x="0" y="1124744"/>
+            <a:ext cx="9144000" cy="0"/>
+          </a:xfrm>
+          <a:prstGeom prst="line">
+            <a:avLst/>
+          </a:prstGeom>
+          <a:ln w="28575">
+            <a:solidFill>
+              <a:srgbClr val="92D050"/>
+            </a:solidFill>
+          </a:ln>
+        </p:spPr>
+        <p:style>
+          <a:lnRef idx="1">
+            <a:schemeClr val="accent1"/>
+          </a:lnRef>
+          <a:fillRef idx="0">
+            <a:schemeClr val="accent1"/>
+          </a:fillRef>
+          <a:effectRef idx="0">
+            <a:schemeClr val="accent1"/>
+          </a:effectRef>
+          <a:fontRef idx="minor">
+            <a:schemeClr val="tx1"/>
+          </a:fontRef>
+        </p:style>
+      </p:cxnSp>
     </p:spTree>
     <p:extLst>
       <p:ext uri="{BB962C8B-B14F-4D97-AF65-F5344CB8AC3E}">
@@ -9909,7 +10861,7 @@
         </p:blipFill>
         <p:spPr>
           <a:xfrm>
-            <a:off x="395536" y="1196752"/>
+            <a:off x="395536" y="1628800"/>
             <a:ext cx="4047388" cy="2400657"/>
           </a:xfrm>
         </p:spPr>
@@ -9942,7 +10894,7 @@
         </p:blipFill>
         <p:spPr>
           <a:xfrm>
-            <a:off x="370879" y="3861048"/>
+            <a:off x="370879" y="4293096"/>
             <a:ext cx="4705177" cy="1615210"/>
           </a:xfrm>
           <a:prstGeom prst="rect">
@@ -9950,6 +10902,47 @@
           </a:prstGeom>
         </p:spPr>
       </p:pic>
+      <p:cxnSp>
+        <p:nvCxnSpPr>
+          <p:cNvPr id="5" name="직선 연결선 4">
+            <a:extLst>
+              <a:ext uri="{FF2B5EF4-FFF2-40B4-BE49-F238E27FC236}">
+                <a16:creationId xmlns:a16="http://schemas.microsoft.com/office/drawing/2014/main" id="{0D3AB23F-3311-4BE6-98FD-CD1C20DF075F}"/>
+              </a:ext>
+            </a:extLst>
+          </p:cNvPr>
+          <p:cNvCxnSpPr/>
+          <p:nvPr/>
+        </p:nvCxnSpPr>
+        <p:spPr>
+          <a:xfrm>
+            <a:off x="0" y="1124744"/>
+            <a:ext cx="9144000" cy="0"/>
+          </a:xfrm>
+          <a:prstGeom prst="line">
+            <a:avLst/>
+          </a:prstGeom>
+          <a:ln w="28575">
+            <a:solidFill>
+              <a:srgbClr val="92D050"/>
+            </a:solidFill>
+          </a:ln>
+        </p:spPr>
+        <p:style>
+          <a:lnRef idx="1">
+            <a:schemeClr val="accent1"/>
+          </a:lnRef>
+          <a:fillRef idx="0">
+            <a:schemeClr val="accent1"/>
+          </a:fillRef>
+          <a:effectRef idx="0">
+            <a:schemeClr val="accent1"/>
+          </a:effectRef>
+          <a:fontRef idx="minor">
+            <a:schemeClr val="tx1"/>
+          </a:fontRef>
+        </p:style>
+      </p:cxnSp>
     </p:spTree>
     <p:extLst>
       <p:ext uri="{BB962C8B-B14F-4D97-AF65-F5344CB8AC3E}">
@@ -9998,17 +10991,19 @@
         </p:nvSpPr>
         <p:spPr>
           <a:xfrm>
-            <a:off x="683568" y="476672"/>
+            <a:off x="683568" y="1988840"/>
             <a:ext cx="8229600" cy="1143000"/>
           </a:xfrm>
         </p:spPr>
         <p:txBody>
-          <a:bodyPr/>
+          <a:bodyPr>
+            <a:normAutofit/>
+          </a:bodyPr>
           <a:lstStyle/>
           <a:p>
             <a:pPr algn="r"/>
             <a:r>
-              <a:rPr lang="ko-KR" altLang="en-US" dirty="0">
+              <a:rPr lang="ko-KR" altLang="en-US" sz="3200" dirty="0">
                 <a:latin typeface="KoPubWorld돋움체_Pro Bold" panose="00000800000000000000" pitchFamily="50" charset="-127"/>
                 <a:ea typeface="KoPubWorld돋움체_Pro Bold" panose="00000800000000000000" pitchFamily="50" charset="-127"/>
                 <a:cs typeface="KoPubWorld돋움체_Pro Bold" panose="00000800000000000000" pitchFamily="50" charset="-127"/>
@@ -10048,8 +11043,8 @@
         </p:blipFill>
         <p:spPr>
           <a:xfrm>
-            <a:off x="378446" y="4749972"/>
-            <a:ext cx="6306430" cy="1743318"/>
+            <a:off x="238721" y="1628800"/>
+            <a:ext cx="5798245" cy="1602838"/>
           </a:xfrm>
         </p:spPr>
       </p:pic>
@@ -10067,7 +11062,7 @@
         </p:nvSpPr>
         <p:spPr>
           <a:xfrm>
-            <a:off x="693912" y="1686818"/>
+            <a:off x="693912" y="3198986"/>
             <a:ext cx="8280920" cy="1477328"/>
           </a:xfrm>
           <a:prstGeom prst="rect">
@@ -10197,7 +11192,7 @@
         </p:blipFill>
         <p:spPr>
           <a:xfrm>
-            <a:off x="467544" y="3432034"/>
+            <a:off x="467544" y="4944202"/>
             <a:ext cx="6624736" cy="1156137"/>
           </a:xfrm>
           <a:prstGeom prst="rect">
@@ -10233,7 +11228,7 @@
         </p:blipFill>
         <p:spPr>
           <a:xfrm>
-            <a:off x="467544" y="2132856"/>
+            <a:off x="467544" y="3645024"/>
             <a:ext cx="3064117" cy="1127765"/>
           </a:xfrm>
           <a:prstGeom prst="rect">
@@ -10241,6 +11236,47 @@
           </a:prstGeom>
         </p:spPr>
       </p:pic>
+      <p:cxnSp>
+        <p:nvCxnSpPr>
+          <p:cNvPr id="7" name="직선 연결선 6">
+            <a:extLst>
+              <a:ext uri="{FF2B5EF4-FFF2-40B4-BE49-F238E27FC236}">
+                <a16:creationId xmlns:a16="http://schemas.microsoft.com/office/drawing/2014/main" id="{2EC0EB56-0D08-4EAA-A379-F90CEC6B97C4}"/>
+              </a:ext>
+            </a:extLst>
+          </p:cNvPr>
+          <p:cNvCxnSpPr/>
+          <p:nvPr/>
+        </p:nvCxnSpPr>
+        <p:spPr>
+          <a:xfrm>
+            <a:off x="0" y="1124744"/>
+            <a:ext cx="9144000" cy="0"/>
+          </a:xfrm>
+          <a:prstGeom prst="line">
+            <a:avLst/>
+          </a:prstGeom>
+          <a:ln w="28575">
+            <a:solidFill>
+              <a:srgbClr val="92D050"/>
+            </a:solidFill>
+          </a:ln>
+        </p:spPr>
+        <p:style>
+          <a:lnRef idx="1">
+            <a:schemeClr val="accent1"/>
+          </a:lnRef>
+          <a:fillRef idx="0">
+            <a:schemeClr val="accent1"/>
+          </a:fillRef>
+          <a:effectRef idx="0">
+            <a:schemeClr val="accent1"/>
+          </a:effectRef>
+          <a:fontRef idx="minor">
+            <a:schemeClr val="tx1"/>
+          </a:fontRef>
+        </p:style>
+      </p:cxnSp>
     </p:spTree>
     <p:extLst>
       <p:ext uri="{BB962C8B-B14F-4D97-AF65-F5344CB8AC3E}">
@@ -10301,8 +11337,8 @@
         </p:blipFill>
         <p:spPr>
           <a:xfrm>
-            <a:off x="694784" y="2852936"/>
-            <a:ext cx="7754432" cy="3600953"/>
+            <a:off x="1373252" y="3483061"/>
+            <a:ext cx="6397496" cy="2970828"/>
           </a:xfrm>
         </p:spPr>
       </p:pic>
@@ -10320,7 +11356,7 @@
         </p:nvSpPr>
         <p:spPr>
           <a:xfrm>
-            <a:off x="971600" y="692696"/>
+            <a:off x="971600" y="1349795"/>
             <a:ext cx="7128792" cy="1908215"/>
           </a:xfrm>
           <a:prstGeom prst="rect">
@@ -10494,6 +11530,47 @@
           </a:p>
         </p:txBody>
       </p:sp>
+      <p:cxnSp>
+        <p:nvCxnSpPr>
+          <p:cNvPr id="4" name="직선 연결선 3">
+            <a:extLst>
+              <a:ext uri="{FF2B5EF4-FFF2-40B4-BE49-F238E27FC236}">
+                <a16:creationId xmlns:a16="http://schemas.microsoft.com/office/drawing/2014/main" id="{3EEA8575-54AB-444F-A2DD-8F343651727C}"/>
+              </a:ext>
+            </a:extLst>
+          </p:cNvPr>
+          <p:cNvCxnSpPr/>
+          <p:nvPr/>
+        </p:nvCxnSpPr>
+        <p:spPr>
+          <a:xfrm>
+            <a:off x="0" y="1124744"/>
+            <a:ext cx="9144000" cy="0"/>
+          </a:xfrm>
+          <a:prstGeom prst="line">
+            <a:avLst/>
+          </a:prstGeom>
+          <a:ln w="28575">
+            <a:solidFill>
+              <a:srgbClr val="92D050"/>
+            </a:solidFill>
+          </a:ln>
+        </p:spPr>
+        <p:style>
+          <a:lnRef idx="1">
+            <a:schemeClr val="accent1"/>
+          </a:lnRef>
+          <a:fillRef idx="0">
+            <a:schemeClr val="accent1"/>
+          </a:fillRef>
+          <a:effectRef idx="0">
+            <a:schemeClr val="accent1"/>
+          </a:effectRef>
+          <a:fontRef idx="minor">
+            <a:schemeClr val="tx1"/>
+          </a:fontRef>
+        </p:style>
+      </p:cxnSp>
     </p:spTree>
     <p:extLst>
       <p:ext uri="{BB962C8B-B14F-4D97-AF65-F5344CB8AC3E}">
@@ -10638,7 +11715,48 @@
           </a:prstGeom>
           <a:ln w="57150">
             <a:solidFill>
-              <a:schemeClr val="tx1"/>
+              <a:srgbClr val="92D050"/>
+            </a:solidFill>
+          </a:ln>
+        </p:spPr>
+        <p:style>
+          <a:lnRef idx="1">
+            <a:schemeClr val="accent1"/>
+          </a:lnRef>
+          <a:fillRef idx="0">
+            <a:schemeClr val="accent1"/>
+          </a:fillRef>
+          <a:effectRef idx="0">
+            <a:schemeClr val="accent1"/>
+          </a:effectRef>
+          <a:fontRef idx="minor">
+            <a:schemeClr val="tx1"/>
+          </a:fontRef>
+        </p:style>
+      </p:cxnSp>
+      <p:cxnSp>
+        <p:nvCxnSpPr>
+          <p:cNvPr id="4" name="직선 연결선 3">
+            <a:extLst>
+              <a:ext uri="{FF2B5EF4-FFF2-40B4-BE49-F238E27FC236}">
+                <a16:creationId xmlns:a16="http://schemas.microsoft.com/office/drawing/2014/main" id="{7B86259C-ABAF-47A0-BAF0-BA8478EC15C9}"/>
+              </a:ext>
+            </a:extLst>
+          </p:cNvPr>
+          <p:cNvCxnSpPr/>
+          <p:nvPr/>
+        </p:nvCxnSpPr>
+        <p:spPr>
+          <a:xfrm>
+            <a:off x="0" y="1124744"/>
+            <a:ext cx="9144000" cy="0"/>
+          </a:xfrm>
+          <a:prstGeom prst="line">
+            <a:avLst/>
+          </a:prstGeom>
+          <a:ln w="28575">
+            <a:solidFill>
+              <a:srgbClr val="92D050"/>
             </a:solidFill>
           </a:ln>
         </p:spPr>
@@ -10703,7 +11821,7 @@
         </p:nvSpPr>
         <p:spPr>
           <a:xfrm>
-            <a:off x="539552" y="701824"/>
+            <a:off x="539552" y="1340768"/>
             <a:ext cx="3250704" cy="710952"/>
           </a:xfrm>
           <a:prstGeom prst="rect">
@@ -10759,7 +11877,7 @@
         </p:nvSpPr>
         <p:spPr>
           <a:xfrm>
-            <a:off x="539552" y="1556793"/>
+            <a:off x="539552" y="2195737"/>
             <a:ext cx="7715200" cy="1512168"/>
           </a:xfrm>
           <a:prstGeom prst="rect">
@@ -11124,7 +12242,7 @@
         </p:blipFill>
         <p:spPr>
           <a:xfrm>
-            <a:off x="539552" y="3579023"/>
+            <a:off x="539552" y="3995936"/>
             <a:ext cx="5408840" cy="2577153"/>
           </a:xfrm>
           <a:prstGeom prst="rect">
@@ -11132,6 +12250,47 @@
           </a:prstGeom>
         </p:spPr>
       </p:pic>
+      <p:cxnSp>
+        <p:nvCxnSpPr>
+          <p:cNvPr id="5" name="직선 연결선 4">
+            <a:extLst>
+              <a:ext uri="{FF2B5EF4-FFF2-40B4-BE49-F238E27FC236}">
+                <a16:creationId xmlns:a16="http://schemas.microsoft.com/office/drawing/2014/main" id="{C6027991-32FB-4DB2-9F72-901AD624D8D3}"/>
+              </a:ext>
+            </a:extLst>
+          </p:cNvPr>
+          <p:cNvCxnSpPr/>
+          <p:nvPr/>
+        </p:nvCxnSpPr>
+        <p:spPr>
+          <a:xfrm>
+            <a:off x="0" y="1124744"/>
+            <a:ext cx="9144000" cy="0"/>
+          </a:xfrm>
+          <a:prstGeom prst="line">
+            <a:avLst/>
+          </a:prstGeom>
+          <a:ln w="28575">
+            <a:solidFill>
+              <a:srgbClr val="92D050"/>
+            </a:solidFill>
+          </a:ln>
+        </p:spPr>
+        <p:style>
+          <a:lnRef idx="1">
+            <a:schemeClr val="accent1"/>
+          </a:lnRef>
+          <a:fillRef idx="0">
+            <a:schemeClr val="accent1"/>
+          </a:fillRef>
+          <a:effectRef idx="0">
+            <a:schemeClr val="accent1"/>
+          </a:effectRef>
+          <a:fontRef idx="minor">
+            <a:schemeClr val="tx1"/>
+          </a:fontRef>
+        </p:style>
+      </p:cxnSp>
     </p:spTree>
     <p:extLst>
       <p:ext uri="{BB962C8B-B14F-4D97-AF65-F5344CB8AC3E}">
@@ -11416,6 +12575,47 @@
           </a:p>
         </p:txBody>
       </p:sp>
+      <p:cxnSp>
+        <p:nvCxnSpPr>
+          <p:cNvPr id="6" name="직선 연결선 5">
+            <a:extLst>
+              <a:ext uri="{FF2B5EF4-FFF2-40B4-BE49-F238E27FC236}">
+                <a16:creationId xmlns:a16="http://schemas.microsoft.com/office/drawing/2014/main" id="{1EFF2588-6057-4A2B-96BC-70CC4D5660B6}"/>
+              </a:ext>
+            </a:extLst>
+          </p:cNvPr>
+          <p:cNvCxnSpPr/>
+          <p:nvPr/>
+        </p:nvCxnSpPr>
+        <p:spPr>
+          <a:xfrm>
+            <a:off x="0" y="1124744"/>
+            <a:ext cx="9144000" cy="0"/>
+          </a:xfrm>
+          <a:prstGeom prst="line">
+            <a:avLst/>
+          </a:prstGeom>
+          <a:ln w="28575">
+            <a:solidFill>
+              <a:srgbClr val="92D050"/>
+            </a:solidFill>
+          </a:ln>
+        </p:spPr>
+        <p:style>
+          <a:lnRef idx="1">
+            <a:schemeClr val="accent1"/>
+          </a:lnRef>
+          <a:fillRef idx="0">
+            <a:schemeClr val="accent1"/>
+          </a:fillRef>
+          <a:effectRef idx="0">
+            <a:schemeClr val="accent1"/>
+          </a:effectRef>
+          <a:fontRef idx="minor">
+            <a:schemeClr val="tx1"/>
+          </a:fontRef>
+        </p:style>
+      </p:cxnSp>
     </p:spTree>
     <p:extLst>
       <p:ext uri="{BB962C8B-B14F-4D97-AF65-F5344CB8AC3E}">
@@ -11464,7 +12664,7 @@
         </p:nvSpPr>
         <p:spPr>
           <a:xfrm>
-            <a:off x="822412" y="1066726"/>
+            <a:off x="822412" y="1426766"/>
             <a:ext cx="7499176" cy="2002234"/>
           </a:xfrm>
         </p:spPr>
@@ -11485,7 +12685,7 @@
                 <a:ea typeface="KoPubWorld돋움체_Pro Bold" panose="00000800000000000000" pitchFamily="50" charset="-127"/>
                 <a:cs typeface="KoPubWorld돋움체_Pro Bold" panose="00000800000000000000" pitchFamily="50" charset="-127"/>
               </a:rPr>
-              <a:t>학습하기에 데이터가 너무 많아서</a:t>
+              <a:t>학습하기에 데이터가 너무 많아</a:t>
             </a:r>
             <a:br>
               <a:rPr lang="en-US" altLang="ko-KR" sz="2400" dirty="0">
@@ -11516,7 +12716,7 @@
                 <a:ea typeface="KoPubWorld돋움체_Pro Light" panose="00000300000000000000" pitchFamily="50" charset="-127"/>
                 <a:cs typeface="KoPubWorld돋움체_Pro Light" panose="00000300000000000000" pitchFamily="50" charset="-127"/>
               </a:rPr>
-              <a:t>함수를 통해 종속변수 기준으로 </a:t>
+              <a:t>함수를 통해 종속변수 기준</a:t>
             </a:r>
             <a:br>
               <a:rPr lang="en-US" altLang="ko-KR" sz="1700" dirty="0">
@@ -11539,7 +12739,23 @@
                 <a:ea typeface="KoPubWorld돋움체_Pro Light" panose="00000300000000000000" pitchFamily="50" charset="-127"/>
                 <a:cs typeface="KoPubWorld돋움체_Pro Light" panose="00000300000000000000" pitchFamily="50" charset="-127"/>
               </a:rPr>
-              <a:t> 비율 </a:t>
+              <a:t> </a:t>
+            </a:r>
+            <a:r>
+              <a:rPr lang="ko-KR" altLang="en-US" sz="1700" dirty="0" err="1">
+                <a:latin typeface="KoPubWorld돋움체_Pro Light" panose="00000300000000000000" pitchFamily="50" charset="-127"/>
+                <a:ea typeface="KoPubWorld돋움체_Pro Light" panose="00000300000000000000" pitchFamily="50" charset="-127"/>
+                <a:cs typeface="KoPubWorld돋움체_Pro Light" panose="00000300000000000000" pitchFamily="50" charset="-127"/>
+              </a:rPr>
+              <a:t>비율으로</a:t>
+            </a:r>
+            <a:r>
+              <a:rPr lang="ko-KR" altLang="en-US" sz="1700" dirty="0">
+                <a:latin typeface="KoPubWorld돋움체_Pro Light" panose="00000300000000000000" pitchFamily="50" charset="-127"/>
+                <a:ea typeface="KoPubWorld돋움체_Pro Light" panose="00000300000000000000" pitchFamily="50" charset="-127"/>
+                <a:cs typeface="KoPubWorld돋움체_Pro Light" panose="00000300000000000000" pitchFamily="50" charset="-127"/>
+              </a:rPr>
+              <a:t> </a:t>
             </a:r>
             <a:r>
               <a:rPr lang="ko-KR" altLang="en-US" sz="1700" dirty="0" err="1">
@@ -11590,7 +12806,7 @@
         </p:blipFill>
         <p:spPr>
           <a:xfrm>
-            <a:off x="560904" y="3140968"/>
+            <a:off x="560904" y="3501008"/>
             <a:ext cx="3800244" cy="1903915"/>
           </a:xfrm>
         </p:spPr>
@@ -11623,7 +12839,7 @@
         </p:blipFill>
         <p:spPr>
           <a:xfrm>
-            <a:off x="4806533" y="3140968"/>
+            <a:off x="4806533" y="3501008"/>
             <a:ext cx="3817002" cy="1418846"/>
           </a:xfrm>
           <a:prstGeom prst="rect">
@@ -11631,6 +12847,47 @@
           </a:prstGeom>
         </p:spPr>
       </p:pic>
+      <p:cxnSp>
+        <p:nvCxnSpPr>
+          <p:cNvPr id="6" name="직선 연결선 5">
+            <a:extLst>
+              <a:ext uri="{FF2B5EF4-FFF2-40B4-BE49-F238E27FC236}">
+                <a16:creationId xmlns:a16="http://schemas.microsoft.com/office/drawing/2014/main" id="{FF909734-50E5-4AA8-B549-CEF105498325}"/>
+              </a:ext>
+            </a:extLst>
+          </p:cNvPr>
+          <p:cNvCxnSpPr/>
+          <p:nvPr/>
+        </p:nvCxnSpPr>
+        <p:spPr>
+          <a:xfrm>
+            <a:off x="0" y="1124744"/>
+            <a:ext cx="9144000" cy="0"/>
+          </a:xfrm>
+          <a:prstGeom prst="line">
+            <a:avLst/>
+          </a:prstGeom>
+          <a:ln w="28575">
+            <a:solidFill>
+              <a:srgbClr val="92D050"/>
+            </a:solidFill>
+          </a:ln>
+        </p:spPr>
+        <p:style>
+          <a:lnRef idx="1">
+            <a:schemeClr val="accent1"/>
+          </a:lnRef>
+          <a:fillRef idx="0">
+            <a:schemeClr val="accent1"/>
+          </a:fillRef>
+          <a:effectRef idx="0">
+            <a:schemeClr val="accent1"/>
+          </a:effectRef>
+          <a:fontRef idx="minor">
+            <a:schemeClr val="tx1"/>
+          </a:fontRef>
+        </p:style>
+      </p:cxnSp>
     </p:spTree>
     <p:extLst>
       <p:ext uri="{BB962C8B-B14F-4D97-AF65-F5344CB8AC3E}">
@@ -11679,7 +12936,7 @@
         </p:nvSpPr>
         <p:spPr>
           <a:xfrm>
-            <a:off x="457200" y="1340768"/>
+            <a:off x="457200" y="1700808"/>
             <a:ext cx="8229600" cy="1368152"/>
           </a:xfrm>
         </p:spPr>
@@ -11774,11 +13031,52 @@
         </p:blipFill>
         <p:spPr>
           <a:xfrm>
-            <a:off x="1037732" y="2852936"/>
+            <a:off x="1037732" y="3212976"/>
             <a:ext cx="7068536" cy="2314898"/>
           </a:xfrm>
         </p:spPr>
       </p:pic>
+      <p:cxnSp>
+        <p:nvCxnSpPr>
+          <p:cNvPr id="4" name="직선 연결선 3">
+            <a:extLst>
+              <a:ext uri="{FF2B5EF4-FFF2-40B4-BE49-F238E27FC236}">
+                <a16:creationId xmlns:a16="http://schemas.microsoft.com/office/drawing/2014/main" id="{33278974-E66F-4ACE-B617-9EE11EF05FCE}"/>
+              </a:ext>
+            </a:extLst>
+          </p:cNvPr>
+          <p:cNvCxnSpPr/>
+          <p:nvPr/>
+        </p:nvCxnSpPr>
+        <p:spPr>
+          <a:xfrm>
+            <a:off x="0" y="1124744"/>
+            <a:ext cx="9144000" cy="0"/>
+          </a:xfrm>
+          <a:prstGeom prst="line">
+            <a:avLst/>
+          </a:prstGeom>
+          <a:ln w="28575">
+            <a:solidFill>
+              <a:srgbClr val="92D050"/>
+            </a:solidFill>
+          </a:ln>
+        </p:spPr>
+        <p:style>
+          <a:lnRef idx="1">
+            <a:schemeClr val="accent1"/>
+          </a:lnRef>
+          <a:fillRef idx="0">
+            <a:schemeClr val="accent1"/>
+          </a:fillRef>
+          <a:effectRef idx="0">
+            <a:schemeClr val="accent1"/>
+          </a:effectRef>
+          <a:fontRef idx="minor">
+            <a:schemeClr val="tx1"/>
+          </a:fontRef>
+        </p:style>
+      </p:cxnSp>
     </p:spTree>
     <p:extLst>
       <p:ext uri="{BB962C8B-B14F-4D97-AF65-F5344CB8AC3E}">
@@ -11906,7 +13204,7 @@
         </p:blipFill>
         <p:spPr>
           <a:xfrm>
-            <a:off x="5004048" y="507126"/>
+            <a:off x="5292080" y="1988840"/>
             <a:ext cx="3486805" cy="4009826"/>
           </a:xfrm>
         </p:spPr>
@@ -11939,7 +13237,7 @@
         </p:blipFill>
         <p:spPr>
           <a:xfrm>
-            <a:off x="3565300" y="4827606"/>
+            <a:off x="249330" y="4602188"/>
             <a:ext cx="4921611" cy="1387352"/>
           </a:xfrm>
           <a:prstGeom prst="rect">
@@ -11947,6 +13245,47 @@
           </a:prstGeom>
         </p:spPr>
       </p:pic>
+      <p:cxnSp>
+        <p:nvCxnSpPr>
+          <p:cNvPr id="5" name="직선 연결선 4">
+            <a:extLst>
+              <a:ext uri="{FF2B5EF4-FFF2-40B4-BE49-F238E27FC236}">
+                <a16:creationId xmlns:a16="http://schemas.microsoft.com/office/drawing/2014/main" id="{3B379A56-DA09-4E6A-9476-0CCD45B29F24}"/>
+              </a:ext>
+            </a:extLst>
+          </p:cNvPr>
+          <p:cNvCxnSpPr/>
+          <p:nvPr/>
+        </p:nvCxnSpPr>
+        <p:spPr>
+          <a:xfrm>
+            <a:off x="0" y="1124744"/>
+            <a:ext cx="9144000" cy="0"/>
+          </a:xfrm>
+          <a:prstGeom prst="line">
+            <a:avLst/>
+          </a:prstGeom>
+          <a:ln w="28575">
+            <a:solidFill>
+              <a:srgbClr val="92D050"/>
+            </a:solidFill>
+          </a:ln>
+        </p:spPr>
+        <p:style>
+          <a:lnRef idx="1">
+            <a:schemeClr val="accent1"/>
+          </a:lnRef>
+          <a:fillRef idx="0">
+            <a:schemeClr val="accent1"/>
+          </a:fillRef>
+          <a:effectRef idx="0">
+            <a:schemeClr val="accent1"/>
+          </a:effectRef>
+          <a:fontRef idx="minor">
+            <a:schemeClr val="tx1"/>
+          </a:fontRef>
+        </p:style>
+      </p:cxnSp>
     </p:spTree>
     <p:extLst>
       <p:ext uri="{BB962C8B-B14F-4D97-AF65-F5344CB8AC3E}">
@@ -12007,7 +13346,7 @@
         </p:blipFill>
         <p:spPr>
           <a:xfrm>
-            <a:off x="457200" y="2181057"/>
+            <a:off x="457200" y="2613105"/>
             <a:ext cx="8229600" cy="3990108"/>
           </a:xfrm>
         </p:spPr>
@@ -12026,7 +13365,7 @@
         </p:nvSpPr>
         <p:spPr>
           <a:xfrm>
-            <a:off x="2422104" y="980728"/>
+            <a:off x="2422104" y="1412776"/>
             <a:ext cx="6264696" cy="1477328"/>
           </a:xfrm>
           <a:prstGeom prst="rect">
@@ -12105,6 +13444,47 @@
           </a:p>
         </p:txBody>
       </p:sp>
+      <p:cxnSp>
+        <p:nvCxnSpPr>
+          <p:cNvPr id="4" name="직선 연결선 3">
+            <a:extLst>
+              <a:ext uri="{FF2B5EF4-FFF2-40B4-BE49-F238E27FC236}">
+                <a16:creationId xmlns:a16="http://schemas.microsoft.com/office/drawing/2014/main" id="{9A4C0725-07C4-485E-95C6-DF94EAE77280}"/>
+              </a:ext>
+            </a:extLst>
+          </p:cNvPr>
+          <p:cNvCxnSpPr/>
+          <p:nvPr/>
+        </p:nvCxnSpPr>
+        <p:spPr>
+          <a:xfrm>
+            <a:off x="0" y="1124744"/>
+            <a:ext cx="9144000" cy="0"/>
+          </a:xfrm>
+          <a:prstGeom prst="line">
+            <a:avLst/>
+          </a:prstGeom>
+          <a:ln w="28575">
+            <a:solidFill>
+              <a:srgbClr val="92D050"/>
+            </a:solidFill>
+          </a:ln>
+        </p:spPr>
+        <p:style>
+          <a:lnRef idx="1">
+            <a:schemeClr val="accent1"/>
+          </a:lnRef>
+          <a:fillRef idx="0">
+            <a:schemeClr val="accent1"/>
+          </a:fillRef>
+          <a:effectRef idx="0">
+            <a:schemeClr val="accent1"/>
+          </a:effectRef>
+          <a:fontRef idx="minor">
+            <a:schemeClr val="tx1"/>
+          </a:fontRef>
+        </p:style>
+      </p:cxnSp>
     </p:spTree>
     <p:extLst>
       <p:ext uri="{BB962C8B-B14F-4D97-AF65-F5344CB8AC3E}">
@@ -12262,6 +13642,47 @@
           </a:prstGeom>
         </p:spPr>
       </p:pic>
+      <p:cxnSp>
+        <p:nvCxnSpPr>
+          <p:cNvPr id="6" name="직선 연결선 5">
+            <a:extLst>
+              <a:ext uri="{FF2B5EF4-FFF2-40B4-BE49-F238E27FC236}">
+                <a16:creationId xmlns:a16="http://schemas.microsoft.com/office/drawing/2014/main" id="{98758A41-CC7A-45A8-85C8-BFAD68DB478B}"/>
+              </a:ext>
+            </a:extLst>
+          </p:cNvPr>
+          <p:cNvCxnSpPr/>
+          <p:nvPr/>
+        </p:nvCxnSpPr>
+        <p:spPr>
+          <a:xfrm>
+            <a:off x="0" y="1124744"/>
+            <a:ext cx="9144000" cy="0"/>
+          </a:xfrm>
+          <a:prstGeom prst="line">
+            <a:avLst/>
+          </a:prstGeom>
+          <a:ln w="28575">
+            <a:solidFill>
+              <a:srgbClr val="92D050"/>
+            </a:solidFill>
+          </a:ln>
+        </p:spPr>
+        <p:style>
+          <a:lnRef idx="1">
+            <a:schemeClr val="accent1"/>
+          </a:lnRef>
+          <a:fillRef idx="0">
+            <a:schemeClr val="accent1"/>
+          </a:fillRef>
+          <a:effectRef idx="0">
+            <a:schemeClr val="accent1"/>
+          </a:effectRef>
+          <a:fontRef idx="minor">
+            <a:schemeClr val="tx1"/>
+          </a:fontRef>
+        </p:style>
+      </p:cxnSp>
     </p:spTree>
     <p:extLst>
       <p:ext uri="{BB962C8B-B14F-4D97-AF65-F5344CB8AC3E}">
@@ -12392,7 +13813,48 @@
           </a:prstGeom>
           <a:ln w="57150">
             <a:solidFill>
-              <a:schemeClr val="tx1"/>
+              <a:srgbClr val="92D050"/>
+            </a:solidFill>
+          </a:ln>
+        </p:spPr>
+        <p:style>
+          <a:lnRef idx="1">
+            <a:schemeClr val="accent1"/>
+          </a:lnRef>
+          <a:fillRef idx="0">
+            <a:schemeClr val="accent1"/>
+          </a:fillRef>
+          <a:effectRef idx="0">
+            <a:schemeClr val="accent1"/>
+          </a:effectRef>
+          <a:fontRef idx="minor">
+            <a:schemeClr val="tx1"/>
+          </a:fontRef>
+        </p:style>
+      </p:cxnSp>
+      <p:cxnSp>
+        <p:nvCxnSpPr>
+          <p:cNvPr id="4" name="직선 연결선 3">
+            <a:extLst>
+              <a:ext uri="{FF2B5EF4-FFF2-40B4-BE49-F238E27FC236}">
+                <a16:creationId xmlns:a16="http://schemas.microsoft.com/office/drawing/2014/main" id="{9E80E319-65E0-48BB-884A-ED9DD0981EAC}"/>
+              </a:ext>
+            </a:extLst>
+          </p:cNvPr>
+          <p:cNvCxnSpPr/>
+          <p:nvPr/>
+        </p:nvCxnSpPr>
+        <p:spPr>
+          <a:xfrm>
+            <a:off x="0" y="1124744"/>
+            <a:ext cx="9144000" cy="0"/>
+          </a:xfrm>
+          <a:prstGeom prst="line">
+            <a:avLst/>
+          </a:prstGeom>
+          <a:ln w="28575">
+            <a:solidFill>
+              <a:srgbClr val="92D050"/>
             </a:solidFill>
           </a:ln>
         </p:spPr>
@@ -12696,6 +14158,47 @@
           </a:p>
         </p:txBody>
       </p:sp>
+      <p:cxnSp>
+        <p:nvCxnSpPr>
+          <p:cNvPr id="4" name="직선 연결선 3">
+            <a:extLst>
+              <a:ext uri="{FF2B5EF4-FFF2-40B4-BE49-F238E27FC236}">
+                <a16:creationId xmlns:a16="http://schemas.microsoft.com/office/drawing/2014/main" id="{548D8DE3-7A58-4503-B5E8-451FF0515E35}"/>
+              </a:ext>
+            </a:extLst>
+          </p:cNvPr>
+          <p:cNvCxnSpPr/>
+          <p:nvPr/>
+        </p:nvCxnSpPr>
+        <p:spPr>
+          <a:xfrm>
+            <a:off x="0" y="1124744"/>
+            <a:ext cx="9144000" cy="0"/>
+          </a:xfrm>
+          <a:prstGeom prst="line">
+            <a:avLst/>
+          </a:prstGeom>
+          <a:ln w="28575">
+            <a:solidFill>
+              <a:srgbClr val="92D050"/>
+            </a:solidFill>
+          </a:ln>
+        </p:spPr>
+        <p:style>
+          <a:lnRef idx="1">
+            <a:schemeClr val="accent1"/>
+          </a:lnRef>
+          <a:fillRef idx="0">
+            <a:schemeClr val="accent1"/>
+          </a:fillRef>
+          <a:effectRef idx="0">
+            <a:schemeClr val="accent1"/>
+          </a:effectRef>
+          <a:fontRef idx="minor">
+            <a:schemeClr val="tx1"/>
+          </a:fontRef>
+        </p:style>
+      </p:cxnSp>
     </p:spTree>
     <p:extLst>
       <p:ext uri="{BB962C8B-B14F-4D97-AF65-F5344CB8AC3E}">
@@ -12744,7 +14247,7 @@
         </p:nvSpPr>
         <p:spPr>
           <a:xfrm>
-            <a:off x="3630724" y="1268760"/>
+            <a:off x="3630724" y="1484784"/>
             <a:ext cx="1882552" cy="1143000"/>
           </a:xfrm>
         </p:spPr>
@@ -12783,7 +14286,7 @@
         </p:nvSpPr>
         <p:spPr>
           <a:xfrm>
-            <a:off x="457200" y="1988840"/>
+            <a:off x="457200" y="2204864"/>
             <a:ext cx="8229600" cy="3672408"/>
           </a:xfrm>
         </p:spPr>
@@ -13013,6 +14516,47 @@
           </a:p>
         </p:txBody>
       </p:sp>
+      <p:cxnSp>
+        <p:nvCxnSpPr>
+          <p:cNvPr id="4" name="직선 연결선 3">
+            <a:extLst>
+              <a:ext uri="{FF2B5EF4-FFF2-40B4-BE49-F238E27FC236}">
+                <a16:creationId xmlns:a16="http://schemas.microsoft.com/office/drawing/2014/main" id="{EDDE9F6F-27B6-449D-A496-A0EB4DEFCB0D}"/>
+              </a:ext>
+            </a:extLst>
+          </p:cNvPr>
+          <p:cNvCxnSpPr/>
+          <p:nvPr/>
+        </p:nvCxnSpPr>
+        <p:spPr>
+          <a:xfrm>
+            <a:off x="0" y="1124744"/>
+            <a:ext cx="9144000" cy="0"/>
+          </a:xfrm>
+          <a:prstGeom prst="line">
+            <a:avLst/>
+          </a:prstGeom>
+          <a:ln w="28575">
+            <a:solidFill>
+              <a:srgbClr val="92D050"/>
+            </a:solidFill>
+          </a:ln>
+        </p:spPr>
+        <p:style>
+          <a:lnRef idx="1">
+            <a:schemeClr val="accent1"/>
+          </a:lnRef>
+          <a:fillRef idx="0">
+            <a:schemeClr val="accent1"/>
+          </a:fillRef>
+          <a:effectRef idx="0">
+            <a:schemeClr val="accent1"/>
+          </a:effectRef>
+          <a:fontRef idx="minor">
+            <a:schemeClr val="tx1"/>
+          </a:fontRef>
+        </p:style>
+      </p:cxnSp>
     </p:spTree>
     <p:extLst>
       <p:ext uri="{BB962C8B-B14F-4D97-AF65-F5344CB8AC3E}">
@@ -13055,17 +14599,19 @@
         </p:nvSpPr>
         <p:spPr>
           <a:xfrm>
-            <a:off x="2483768" y="836712"/>
+            <a:off x="2483768" y="1346967"/>
             <a:ext cx="6203032" cy="1143000"/>
           </a:xfrm>
         </p:spPr>
         <p:txBody>
-          <a:bodyPr/>
+          <a:bodyPr>
+            <a:normAutofit/>
+          </a:bodyPr>
           <a:lstStyle/>
           <a:p>
             <a:pPr algn="r"/>
             <a:r>
-              <a:rPr lang="ko-KR" altLang="en-US" dirty="0">
+              <a:rPr lang="ko-KR" altLang="en-US" sz="4000" dirty="0">
                 <a:latin typeface="KoPubWorld돋움체_Pro Bold" panose="00000800000000000000" pitchFamily="50" charset="-127"/>
                 <a:ea typeface="KoPubWorld돋움체_Pro Bold" panose="00000800000000000000" pitchFamily="50" charset="-127"/>
                 <a:cs typeface="KoPubWorld돋움체_Pro Bold" panose="00000800000000000000" pitchFamily="50" charset="-127"/>
@@ -13087,7 +14633,7 @@
         </p:nvSpPr>
         <p:spPr>
           <a:xfrm>
-            <a:off x="467544" y="1902842"/>
+            <a:off x="467544" y="2413097"/>
             <a:ext cx="8208912" cy="3968231"/>
           </a:xfrm>
         </p:spPr>
@@ -13372,6 +14918,47 @@
           </a:p>
         </p:txBody>
       </p:sp>
+      <p:cxnSp>
+        <p:nvCxnSpPr>
+          <p:cNvPr id="4" name="직선 연결선 3">
+            <a:extLst>
+              <a:ext uri="{FF2B5EF4-FFF2-40B4-BE49-F238E27FC236}">
+                <a16:creationId xmlns:a16="http://schemas.microsoft.com/office/drawing/2014/main" id="{978CB573-B42D-415C-9B97-ABEA3D338344}"/>
+              </a:ext>
+            </a:extLst>
+          </p:cNvPr>
+          <p:cNvCxnSpPr/>
+          <p:nvPr/>
+        </p:nvCxnSpPr>
+        <p:spPr>
+          <a:xfrm>
+            <a:off x="0" y="1124744"/>
+            <a:ext cx="9144000" cy="0"/>
+          </a:xfrm>
+          <a:prstGeom prst="line">
+            <a:avLst/>
+          </a:prstGeom>
+          <a:ln w="28575">
+            <a:solidFill>
+              <a:srgbClr val="92D050"/>
+            </a:solidFill>
+          </a:ln>
+        </p:spPr>
+        <p:style>
+          <a:lnRef idx="1">
+            <a:schemeClr val="accent1"/>
+          </a:lnRef>
+          <a:fillRef idx="0">
+            <a:schemeClr val="accent1"/>
+          </a:fillRef>
+          <a:effectRef idx="0">
+            <a:schemeClr val="accent1"/>
+          </a:effectRef>
+          <a:fontRef idx="minor">
+            <a:schemeClr val="tx1"/>
+          </a:fontRef>
+        </p:style>
+      </p:cxnSp>
     </p:spTree>
     <p:extLst>
       <p:ext uri="{BB962C8B-B14F-4D97-AF65-F5344CB8AC3E}">
@@ -13420,7 +15007,7 @@
         </p:nvSpPr>
         <p:spPr>
           <a:xfrm>
-            <a:off x="457200" y="1258155"/>
+            <a:off x="457200" y="1556792"/>
             <a:ext cx="2098576" cy="1143000"/>
           </a:xfrm>
         </p:spPr>
@@ -13460,7 +15047,7 @@
         </p:nvSpPr>
         <p:spPr>
           <a:xfrm>
-            <a:off x="457200" y="2204864"/>
+            <a:off x="457200" y="2503501"/>
             <a:ext cx="8229600" cy="3412976"/>
           </a:xfrm>
         </p:spPr>
@@ -13715,6 +15302,47 @@
           </a:p>
         </p:txBody>
       </p:sp>
+      <p:cxnSp>
+        <p:nvCxnSpPr>
+          <p:cNvPr id="4" name="직선 연결선 3">
+            <a:extLst>
+              <a:ext uri="{FF2B5EF4-FFF2-40B4-BE49-F238E27FC236}">
+                <a16:creationId xmlns:a16="http://schemas.microsoft.com/office/drawing/2014/main" id="{1DF4CB2C-D43D-4AEB-B177-F56923955D00}"/>
+              </a:ext>
+            </a:extLst>
+          </p:cNvPr>
+          <p:cNvCxnSpPr/>
+          <p:nvPr/>
+        </p:nvCxnSpPr>
+        <p:spPr>
+          <a:xfrm>
+            <a:off x="0" y="1124744"/>
+            <a:ext cx="9144000" cy="0"/>
+          </a:xfrm>
+          <a:prstGeom prst="line">
+            <a:avLst/>
+          </a:prstGeom>
+          <a:ln w="28575">
+            <a:solidFill>
+              <a:srgbClr val="92D050"/>
+            </a:solidFill>
+          </a:ln>
+        </p:spPr>
+        <p:style>
+          <a:lnRef idx="1">
+            <a:schemeClr val="accent1"/>
+          </a:lnRef>
+          <a:fillRef idx="0">
+            <a:schemeClr val="accent1"/>
+          </a:fillRef>
+          <a:effectRef idx="0">
+            <a:schemeClr val="accent1"/>
+          </a:effectRef>
+          <a:fontRef idx="minor">
+            <a:schemeClr val="tx1"/>
+          </a:fontRef>
+        </p:style>
+      </p:cxnSp>
     </p:spTree>
     <p:extLst>
       <p:ext uri="{BB962C8B-B14F-4D97-AF65-F5344CB8AC3E}">
@@ -13763,7 +15391,7 @@
         </p:nvSpPr>
         <p:spPr>
           <a:xfrm>
-            <a:off x="457200" y="980728"/>
+            <a:off x="457200" y="1556792"/>
             <a:ext cx="8229600" cy="1143000"/>
           </a:xfrm>
         </p:spPr>
@@ -13800,7 +15428,7 @@
         </p:nvSpPr>
         <p:spPr bwMode="auto">
           <a:xfrm>
-            <a:off x="472982" y="2312847"/>
+            <a:off x="472982" y="2888911"/>
             <a:ext cx="7659469" cy="3046988"/>
           </a:xfrm>
           <a:prstGeom prst="rect">
@@ -14228,6 +15856,47 @@
           </a:p>
         </p:txBody>
       </p:sp>
+      <p:cxnSp>
+        <p:nvCxnSpPr>
+          <p:cNvPr id="5" name="직선 연결선 4">
+            <a:extLst>
+              <a:ext uri="{FF2B5EF4-FFF2-40B4-BE49-F238E27FC236}">
+                <a16:creationId xmlns:a16="http://schemas.microsoft.com/office/drawing/2014/main" id="{7B9BD4A3-0D5E-452A-BA74-2A2A828F68FA}"/>
+              </a:ext>
+            </a:extLst>
+          </p:cNvPr>
+          <p:cNvCxnSpPr/>
+          <p:nvPr/>
+        </p:nvCxnSpPr>
+        <p:spPr>
+          <a:xfrm>
+            <a:off x="0" y="1124744"/>
+            <a:ext cx="9144000" cy="0"/>
+          </a:xfrm>
+          <a:prstGeom prst="line">
+            <a:avLst/>
+          </a:prstGeom>
+          <a:ln w="28575">
+            <a:solidFill>
+              <a:srgbClr val="92D050"/>
+            </a:solidFill>
+          </a:ln>
+        </p:spPr>
+        <p:style>
+          <a:lnRef idx="1">
+            <a:schemeClr val="accent1"/>
+          </a:lnRef>
+          <a:fillRef idx="0">
+            <a:schemeClr val="accent1"/>
+          </a:fillRef>
+          <a:effectRef idx="0">
+            <a:schemeClr val="accent1"/>
+          </a:effectRef>
+          <a:fontRef idx="minor">
+            <a:schemeClr val="tx1"/>
+          </a:fontRef>
+        </p:style>
+      </p:cxnSp>
     </p:spTree>
     <p:extLst>
       <p:ext uri="{BB962C8B-B14F-4D97-AF65-F5344CB8AC3E}">
@@ -14276,16 +15945,18 @@
         </p:nvSpPr>
         <p:spPr>
           <a:xfrm>
-            <a:off x="457200" y="1772816"/>
-            <a:ext cx="8229600" cy="1143000"/>
+            <a:off x="1902532" y="1628800"/>
+            <a:ext cx="5338936" cy="1143000"/>
           </a:xfrm>
         </p:spPr>
         <p:txBody>
-          <a:bodyPr/>
+          <a:bodyPr>
+            <a:normAutofit/>
+          </a:bodyPr>
           <a:lstStyle/>
           <a:p>
             <a:r>
-              <a:rPr lang="ko-KR" altLang="en-US" dirty="0">
+              <a:rPr lang="ko-KR" altLang="en-US" sz="4000" dirty="0">
                 <a:latin typeface="KoPubWorld돋움체_Pro Bold" panose="00000800000000000000" pitchFamily="50" charset="-127"/>
                 <a:ea typeface="KoPubWorld돋움체_Pro Bold" panose="00000800000000000000" pitchFamily="50" charset="-127"/>
                 <a:cs typeface="KoPubWorld돋움체_Pro Bold" panose="00000800000000000000" pitchFamily="50" charset="-127"/>
@@ -14313,7 +15984,7 @@
         </p:nvSpPr>
         <p:spPr>
           <a:xfrm>
-            <a:off x="457200" y="3054660"/>
+            <a:off x="457200" y="3284984"/>
             <a:ext cx="8229600" cy="2044824"/>
           </a:xfrm>
         </p:spPr>
@@ -14393,6 +16064,47 @@
           </a:p>
         </p:txBody>
       </p:sp>
+      <p:cxnSp>
+        <p:nvCxnSpPr>
+          <p:cNvPr id="4" name="직선 연결선 3">
+            <a:extLst>
+              <a:ext uri="{FF2B5EF4-FFF2-40B4-BE49-F238E27FC236}">
+                <a16:creationId xmlns:a16="http://schemas.microsoft.com/office/drawing/2014/main" id="{D079C95B-DDF9-4252-9553-439D25C975EC}"/>
+              </a:ext>
+            </a:extLst>
+          </p:cNvPr>
+          <p:cNvCxnSpPr/>
+          <p:nvPr/>
+        </p:nvCxnSpPr>
+        <p:spPr>
+          <a:xfrm>
+            <a:off x="0" y="1124744"/>
+            <a:ext cx="9144000" cy="0"/>
+          </a:xfrm>
+          <a:prstGeom prst="line">
+            <a:avLst/>
+          </a:prstGeom>
+          <a:ln w="28575">
+            <a:solidFill>
+              <a:srgbClr val="92D050"/>
+            </a:solidFill>
+          </a:ln>
+        </p:spPr>
+        <p:style>
+          <a:lnRef idx="1">
+            <a:schemeClr val="accent1"/>
+          </a:lnRef>
+          <a:fillRef idx="0">
+            <a:schemeClr val="accent1"/>
+          </a:fillRef>
+          <a:effectRef idx="0">
+            <a:schemeClr val="accent1"/>
+          </a:effectRef>
+          <a:fontRef idx="minor">
+            <a:schemeClr val="tx1"/>
+          </a:fontRef>
+        </p:style>
+      </p:cxnSp>
     </p:spTree>
     <p:extLst>
       <p:ext uri="{BB962C8B-B14F-4D97-AF65-F5344CB8AC3E}">
@@ -14441,39 +16153,33 @@
         </p:nvSpPr>
         <p:spPr>
           <a:xfrm>
-            <a:off x="4680013" y="2276872"/>
-            <a:ext cx="3384376" cy="1152128"/>
+            <a:off x="539552" y="116632"/>
+            <a:ext cx="7426684" cy="1152128"/>
           </a:xfrm>
         </p:spPr>
         <p:txBody>
           <a:bodyPr/>
           <a:lstStyle/>
           <a:p>
-            <a:r>
-              <a:rPr lang="ko-KR" altLang="en-US" dirty="0">
+            <a:pPr algn="l"/>
+            <a:r>
+              <a:rPr lang="ko-KR" altLang="en-US" sz="4000" dirty="0">
                 <a:latin typeface="KoPubWorld돋움체_Pro Bold" panose="00000800000000000000" pitchFamily="50" charset="-127"/>
                 <a:ea typeface="KoPubWorld돋움체_Pro Bold" panose="00000800000000000000" pitchFamily="50" charset="-127"/>
                 <a:cs typeface="KoPubWorld돋움체_Pro Bold" panose="00000800000000000000" pitchFamily="50" charset="-127"/>
               </a:rPr>
-              <a:t>트렌드 분석 </a:t>
-            </a:r>
-            <a:r>
-              <a:rPr lang="en-US" altLang="ko-KR" dirty="0">
+              <a:t>트렌드 파악 </a:t>
+            </a:r>
+            <a:r>
+              <a:rPr lang="en-US" altLang="ko-KR" sz="4000" dirty="0">
                 <a:latin typeface="KoPubWorld돋움체_Pro Bold" panose="00000800000000000000" pitchFamily="50" charset="-127"/>
                 <a:ea typeface="KoPubWorld돋움체_Pro Bold" panose="00000800000000000000" pitchFamily="50" charset="-127"/>
                 <a:cs typeface="KoPubWorld돋움체_Pro Bold" panose="00000800000000000000" pitchFamily="50" charset="-127"/>
               </a:rPr>
-              <a:t>:</a:t>
-            </a:r>
-            <a:br>
-              <a:rPr lang="en-US" altLang="ko-KR" dirty="0">
-                <a:latin typeface="KoPubWorld돋움체_Pro Bold" panose="00000800000000000000" pitchFamily="50" charset="-127"/>
-                <a:ea typeface="KoPubWorld돋움체_Pro Bold" panose="00000800000000000000" pitchFamily="50" charset="-127"/>
-                <a:cs typeface="KoPubWorld돋움체_Pro Bold" panose="00000800000000000000" pitchFamily="50" charset="-127"/>
-              </a:rPr>
-            </a:br>
-            <a:r>
-              <a:rPr lang="ko-KR" altLang="en-US" sz="2400" dirty="0">
+              <a:t>: </a:t>
+            </a:r>
+            <a:r>
+              <a:rPr lang="ko-KR" altLang="en-US" sz="2800" dirty="0">
                 <a:latin typeface="KoPubWorld돋움체_Pro Bold" panose="00000800000000000000" pitchFamily="50" charset="-127"/>
                 <a:ea typeface="KoPubWorld돋움체_Pro Bold" panose="00000800000000000000" pitchFamily="50" charset="-127"/>
                 <a:cs typeface="KoPubWorld돋움체_Pro Bold" panose="00000800000000000000" pitchFamily="50" charset="-127"/>
@@ -14513,8 +16219,8 @@
         </p:blipFill>
         <p:spPr>
           <a:xfrm>
-            <a:off x="395536" y="908720"/>
-            <a:ext cx="3433503" cy="5174434"/>
+            <a:off x="395537" y="1700808"/>
+            <a:ext cx="3168352" cy="4774840"/>
           </a:xfrm>
         </p:spPr>
       </p:pic>
@@ -14546,7 +16252,7 @@
         </p:blipFill>
         <p:spPr>
           <a:xfrm>
-            <a:off x="3995937" y="4048145"/>
+            <a:off x="3851920" y="1700808"/>
             <a:ext cx="4752528" cy="2035009"/>
           </a:xfrm>
           <a:prstGeom prst="rect">
@@ -14554,6 +16260,47 @@
           </a:prstGeom>
         </p:spPr>
       </p:pic>
+      <p:cxnSp>
+        <p:nvCxnSpPr>
+          <p:cNvPr id="5" name="직선 연결선 4">
+            <a:extLst>
+              <a:ext uri="{FF2B5EF4-FFF2-40B4-BE49-F238E27FC236}">
+                <a16:creationId xmlns:a16="http://schemas.microsoft.com/office/drawing/2014/main" id="{3EEE410F-3E03-4F0F-AC02-CC021D5072C5}"/>
+              </a:ext>
+            </a:extLst>
+          </p:cNvPr>
+          <p:cNvCxnSpPr/>
+          <p:nvPr/>
+        </p:nvCxnSpPr>
+        <p:spPr>
+          <a:xfrm>
+            <a:off x="0" y="1124744"/>
+            <a:ext cx="9144000" cy="0"/>
+          </a:xfrm>
+          <a:prstGeom prst="line">
+            <a:avLst/>
+          </a:prstGeom>
+          <a:ln w="28575">
+            <a:solidFill>
+              <a:srgbClr val="92D050"/>
+            </a:solidFill>
+          </a:ln>
+        </p:spPr>
+        <p:style>
+          <a:lnRef idx="1">
+            <a:schemeClr val="accent1"/>
+          </a:lnRef>
+          <a:fillRef idx="0">
+            <a:schemeClr val="accent1"/>
+          </a:fillRef>
+          <a:effectRef idx="0">
+            <a:schemeClr val="accent1"/>
+          </a:effectRef>
+          <a:fontRef idx="minor">
+            <a:schemeClr val="tx1"/>
+          </a:fontRef>
+        </p:style>
+      </p:cxnSp>
     </p:spTree>
     <p:extLst>
       <p:ext uri="{BB962C8B-B14F-4D97-AF65-F5344CB8AC3E}">
@@ -14614,7 +16361,7 @@
         </p:blipFill>
         <p:spPr>
           <a:xfrm>
-            <a:off x="457200" y="764704"/>
+            <a:off x="1259632" y="764704"/>
             <a:ext cx="6491064" cy="2506711"/>
           </a:xfrm>
         </p:spPr>
@@ -14647,7 +16394,7 @@
         </p:blipFill>
         <p:spPr>
           <a:xfrm>
-            <a:off x="457199" y="3308060"/>
+            <a:off x="899018" y="3308060"/>
             <a:ext cx="7212293" cy="2785236"/>
           </a:xfrm>
           <a:prstGeom prst="rect">
@@ -14715,7 +16462,7 @@
         </p:blipFill>
         <p:spPr>
           <a:xfrm>
-            <a:off x="496167" y="1166018"/>
+            <a:off x="827584" y="1700808"/>
             <a:ext cx="4075833" cy="4525963"/>
           </a:xfrm>
         </p:spPr>
@@ -14734,8 +16481,8 @@
         </p:nvSpPr>
         <p:spPr>
           <a:xfrm>
-            <a:off x="5076056" y="2705724"/>
-            <a:ext cx="3528392" cy="1446550"/>
+            <a:off x="5551489" y="3363624"/>
+            <a:ext cx="2736304" cy="1200329"/>
           </a:xfrm>
           <a:prstGeom prst="rect">
             <a:avLst/>
@@ -14750,16 +16497,73 @@
           <a:p>
             <a:pPr algn="ctr"/>
             <a:r>
-              <a:rPr lang="ko-KR" altLang="en-US" sz="4400">
+              <a:rPr lang="ko-KR" altLang="en-US" sz="3600" dirty="0">
                 <a:latin typeface="KoPubWorld돋움체_Pro Bold" panose="00000800000000000000" pitchFamily="50" charset="-127"/>
                 <a:ea typeface="KoPubWorld돋움체_Pro Bold" panose="00000800000000000000" pitchFamily="50" charset="-127"/>
                 <a:cs typeface="KoPubWorld돋움체_Pro Bold" panose="00000800000000000000" pitchFamily="50" charset="-127"/>
               </a:rPr>
-              <a:t>워드 클라우드 생성</a:t>
+              <a:t>워드 클라우드 </a:t>
+            </a:r>
+            <a:endParaRPr lang="en-US" altLang="ko-KR" sz="3600" dirty="0">
+              <a:latin typeface="KoPubWorld돋움체_Pro Bold" panose="00000800000000000000" pitchFamily="50" charset="-127"/>
+              <a:ea typeface="KoPubWorld돋움체_Pro Bold" panose="00000800000000000000" pitchFamily="50" charset="-127"/>
+              <a:cs typeface="KoPubWorld돋움체_Pro Bold" panose="00000800000000000000" pitchFamily="50" charset="-127"/>
+            </a:endParaRPr>
+          </a:p>
+          <a:p>
+            <a:pPr algn="ctr"/>
+            <a:r>
+              <a:rPr lang="ko-KR" altLang="en-US" sz="3600" dirty="0">
+                <a:latin typeface="KoPubWorld돋움체_Pro Bold" panose="00000800000000000000" pitchFamily="50" charset="-127"/>
+                <a:ea typeface="KoPubWorld돋움체_Pro Bold" panose="00000800000000000000" pitchFamily="50" charset="-127"/>
+                <a:cs typeface="KoPubWorld돋움체_Pro Bold" panose="00000800000000000000" pitchFamily="50" charset="-127"/>
+              </a:rPr>
+              <a:t>생성</a:t>
             </a:r>
           </a:p>
         </p:txBody>
       </p:sp>
+      <p:cxnSp>
+        <p:nvCxnSpPr>
+          <p:cNvPr id="4" name="직선 연결선 3">
+            <a:extLst>
+              <a:ext uri="{FF2B5EF4-FFF2-40B4-BE49-F238E27FC236}">
+                <a16:creationId xmlns:a16="http://schemas.microsoft.com/office/drawing/2014/main" id="{0CA2CD4B-D25C-4C51-8F5D-2FFFF1A703AC}"/>
+              </a:ext>
+            </a:extLst>
+          </p:cNvPr>
+          <p:cNvCxnSpPr/>
+          <p:nvPr/>
+        </p:nvCxnSpPr>
+        <p:spPr>
+          <a:xfrm>
+            <a:off x="0" y="1124744"/>
+            <a:ext cx="9144000" cy="0"/>
+          </a:xfrm>
+          <a:prstGeom prst="line">
+            <a:avLst/>
+          </a:prstGeom>
+          <a:ln w="28575">
+            <a:solidFill>
+              <a:srgbClr val="92D050"/>
+            </a:solidFill>
+          </a:ln>
+        </p:spPr>
+        <p:style>
+          <a:lnRef idx="1">
+            <a:schemeClr val="accent1"/>
+          </a:lnRef>
+          <a:fillRef idx="0">
+            <a:schemeClr val="accent1"/>
+          </a:fillRef>
+          <a:effectRef idx="0">
+            <a:schemeClr val="accent1"/>
+          </a:effectRef>
+          <a:fontRef idx="minor">
+            <a:schemeClr val="tx1"/>
+          </a:fontRef>
+        </p:style>
+      </p:cxnSp>
     </p:spTree>
     <p:extLst>
       <p:ext uri="{BB962C8B-B14F-4D97-AF65-F5344CB8AC3E}">
@@ -14820,8 +16624,8 @@
         </p:blipFill>
         <p:spPr>
           <a:xfrm>
-            <a:off x="1871700" y="3451937"/>
-            <a:ext cx="5400600" cy="2939567"/>
+            <a:off x="2123728" y="3589117"/>
+            <a:ext cx="5148572" cy="2802387"/>
           </a:xfrm>
         </p:spPr>
       </p:pic>
@@ -14853,8 +16657,8 @@
         </p:blipFill>
         <p:spPr>
           <a:xfrm>
-            <a:off x="1871700" y="489433"/>
-            <a:ext cx="5400600" cy="2939567"/>
+            <a:off x="2123728" y="626613"/>
+            <a:ext cx="5148572" cy="2802387"/>
           </a:xfrm>
           <a:prstGeom prst="rect">
             <a:avLst/>
@@ -14903,17 +16707,19 @@
         </p:nvSpPr>
         <p:spPr>
           <a:xfrm>
-            <a:off x="457200" y="1268760"/>
+            <a:off x="457200" y="1556792"/>
             <a:ext cx="8229600" cy="1143000"/>
           </a:xfrm>
         </p:spPr>
         <p:txBody>
-          <a:bodyPr/>
+          <a:bodyPr>
+            <a:normAutofit/>
+          </a:bodyPr>
           <a:lstStyle/>
           <a:p>
             <a:pPr algn="l"/>
             <a:r>
-              <a:rPr lang="ko-KR" altLang="en-US" dirty="0">
+              <a:rPr lang="ko-KR" altLang="en-US" sz="4000" dirty="0">
                 <a:latin typeface="KoPubWorld돋움체_Pro Bold" panose="00000800000000000000" pitchFamily="50" charset="-127"/>
                 <a:ea typeface="KoPubWorld돋움체_Pro Bold" panose="00000800000000000000" pitchFamily="50" charset="-127"/>
                 <a:cs typeface="KoPubWorld돋움체_Pro Bold" panose="00000800000000000000" pitchFamily="50" charset="-127"/>
@@ -14935,7 +16741,7 @@
         </p:nvSpPr>
         <p:spPr>
           <a:xfrm>
-            <a:off x="457200" y="2411760"/>
+            <a:off x="457200" y="2699792"/>
             <a:ext cx="8229600" cy="2961456"/>
           </a:xfrm>
         </p:spPr>
@@ -15217,6 +17023,47 @@
           </a:p>
         </p:txBody>
       </p:sp>
+      <p:cxnSp>
+        <p:nvCxnSpPr>
+          <p:cNvPr id="4" name="직선 연결선 3">
+            <a:extLst>
+              <a:ext uri="{FF2B5EF4-FFF2-40B4-BE49-F238E27FC236}">
+                <a16:creationId xmlns:a16="http://schemas.microsoft.com/office/drawing/2014/main" id="{B3A83436-AE53-4DA0-8518-FE5C2C9761D2}"/>
+              </a:ext>
+            </a:extLst>
+          </p:cNvPr>
+          <p:cNvCxnSpPr/>
+          <p:nvPr/>
+        </p:nvCxnSpPr>
+        <p:spPr>
+          <a:xfrm>
+            <a:off x="0" y="1124744"/>
+            <a:ext cx="9144000" cy="0"/>
+          </a:xfrm>
+          <a:prstGeom prst="line">
+            <a:avLst/>
+          </a:prstGeom>
+          <a:ln w="28575">
+            <a:solidFill>
+              <a:srgbClr val="92D050"/>
+            </a:solidFill>
+          </a:ln>
+        </p:spPr>
+        <p:style>
+          <a:lnRef idx="1">
+            <a:schemeClr val="accent1"/>
+          </a:lnRef>
+          <a:fillRef idx="0">
+            <a:schemeClr val="accent1"/>
+          </a:fillRef>
+          <a:effectRef idx="0">
+            <a:schemeClr val="accent1"/>
+          </a:effectRef>
+          <a:fontRef idx="minor">
+            <a:schemeClr val="tx1"/>
+          </a:fontRef>
+        </p:style>
+      </p:cxnSp>
     </p:spTree>
     <p:extLst>
       <p:ext uri="{BB962C8B-B14F-4D97-AF65-F5344CB8AC3E}">
